--- a/semester-2-2021-2022/week-6-decision-tree/Decision_Tree.pptx
+++ b/semester-2-2021-2022/week-6-decision-tree/Decision_Tree.pptx
@@ -5,14 +5,17 @@
     <p:sldMasterId id="2147483660" r:id="rId1"/>
   </p:sldMasterIdLst>
   <p:notesMasterIdLst>
-    <p:notesMasterId r:id="rId7"/>
+    <p:notesMasterId r:id="rId10"/>
   </p:notesMasterIdLst>
   <p:sldIdLst>
     <p:sldId id="256" r:id="rId2"/>
-    <p:sldId id="257" r:id="rId3"/>
-    <p:sldId id="259" r:id="rId4"/>
-    <p:sldId id="261" r:id="rId5"/>
-    <p:sldId id="258" r:id="rId6"/>
+    <p:sldId id="264" r:id="rId3"/>
+    <p:sldId id="257" r:id="rId4"/>
+    <p:sldId id="259" r:id="rId5"/>
+    <p:sldId id="261" r:id="rId6"/>
+    <p:sldId id="263" r:id="rId7"/>
+    <p:sldId id="262" r:id="rId8"/>
+    <p:sldId id="258" r:id="rId9"/>
   </p:sldIdLst>
   <p:sldSz cx="12192000" cy="6858000"/>
   <p:notesSz cx="6858000" cy="9144000"/>
@@ -314,7 +317,7 @@
           <a:p>
             <a:fld id="{EB7DA543-F40B-4023-9892-3E6E3C6ABB89}" type="datetimeFigureOut">
               <a:rPr lang="en-GB" smtClean="0"/>
-              <a:t>14/01/2022</a:t>
+              <a:t>15/01/2022</a:t>
             </a:fld>
             <a:endParaRPr lang="en-GB"/>
           </a:p>
@@ -626,700 +629,7 @@
           <a:bodyPr/>
           <a:lstStyle/>
           <a:p>
-            <a:r>
-              <a:rPr lang="es-ES" dirty="0"/>
-              <a:t>Here </a:t>
-            </a:r>
-            <a:r>
-              <a:rPr lang="es-ES" dirty="0" err="1"/>
-              <a:t>we</a:t>
-            </a:r>
-            <a:r>
-              <a:rPr lang="es-ES" dirty="0"/>
-              <a:t> </a:t>
-            </a:r>
-            <a:r>
-              <a:rPr lang="es-ES" dirty="0" err="1"/>
-              <a:t>will</a:t>
-            </a:r>
-            <a:r>
-              <a:rPr lang="es-ES" dirty="0"/>
-              <a:t> </a:t>
-            </a:r>
-            <a:r>
-              <a:rPr lang="es-ES" dirty="0" err="1"/>
-              <a:t>have</a:t>
-            </a:r>
-            <a:r>
-              <a:rPr lang="es-ES" dirty="0"/>
-              <a:t> a </a:t>
-            </a:r>
-            <a:r>
-              <a:rPr lang="es-ES" dirty="0" err="1"/>
-              <a:t>quick</a:t>
-            </a:r>
-            <a:r>
-              <a:rPr lang="es-ES" dirty="0"/>
-              <a:t> </a:t>
-            </a:r>
-            <a:r>
-              <a:rPr lang="es-ES" dirty="0" err="1"/>
-              <a:t>overview</a:t>
-            </a:r>
-            <a:r>
-              <a:rPr lang="es-ES" dirty="0"/>
-              <a:t> </a:t>
-            </a:r>
-            <a:r>
-              <a:rPr lang="es-ES" dirty="0" err="1"/>
-              <a:t>over</a:t>
-            </a:r>
-            <a:r>
-              <a:rPr lang="es-ES" dirty="0"/>
-              <a:t> </a:t>
-            </a:r>
-            <a:r>
-              <a:rPr lang="es-ES" dirty="0" err="1"/>
-              <a:t>this</a:t>
-            </a:r>
-            <a:r>
-              <a:rPr lang="es-ES" dirty="0"/>
-              <a:t> workshop </a:t>
-            </a:r>
-            <a:r>
-              <a:rPr lang="es-ES" dirty="0" err="1"/>
-              <a:t>about</a:t>
-            </a:r>
-            <a:r>
-              <a:rPr lang="es-ES" dirty="0"/>
-              <a:t> </a:t>
-            </a:r>
-            <a:r>
-              <a:rPr lang="es-ES" dirty="0" err="1"/>
-              <a:t>decision</a:t>
-            </a:r>
-            <a:r>
-              <a:rPr lang="es-ES" dirty="0"/>
-              <a:t> </a:t>
-            </a:r>
-            <a:r>
-              <a:rPr lang="es-ES" dirty="0" err="1"/>
-              <a:t>tree</a:t>
-            </a:r>
-            <a:r>
-              <a:rPr lang="es-ES" dirty="0"/>
-              <a:t>.</a:t>
-            </a:r>
-          </a:p>
-          <a:p>
-            <a:r>
-              <a:rPr lang="es-ES" dirty="0" err="1"/>
-              <a:t>First</a:t>
-            </a:r>
-            <a:r>
-              <a:rPr lang="es-ES" dirty="0"/>
-              <a:t> </a:t>
-            </a:r>
-            <a:r>
-              <a:rPr lang="es-ES" dirty="0" err="1"/>
-              <a:t>of</a:t>
-            </a:r>
-            <a:r>
-              <a:rPr lang="es-ES" dirty="0"/>
-              <a:t> </a:t>
-            </a:r>
-            <a:r>
-              <a:rPr lang="es-ES" dirty="0" err="1"/>
-              <a:t>all</a:t>
-            </a:r>
-            <a:r>
-              <a:rPr lang="es-ES" dirty="0"/>
-              <a:t>, </a:t>
-            </a:r>
-            <a:r>
-              <a:rPr lang="es-ES" dirty="0" err="1"/>
-              <a:t>what</a:t>
-            </a:r>
-            <a:r>
-              <a:rPr lang="es-ES" dirty="0"/>
-              <a:t> </a:t>
-            </a:r>
-            <a:r>
-              <a:rPr lang="es-ES" dirty="0" err="1"/>
-              <a:t>is</a:t>
-            </a:r>
-            <a:r>
-              <a:rPr lang="es-ES" dirty="0"/>
-              <a:t> </a:t>
-            </a:r>
-            <a:r>
-              <a:rPr lang="es-ES" dirty="0" err="1"/>
-              <a:t>this</a:t>
-            </a:r>
-            <a:r>
-              <a:rPr lang="es-ES" dirty="0"/>
-              <a:t> </a:t>
-            </a:r>
-            <a:r>
-              <a:rPr lang="es-ES" dirty="0" err="1"/>
-              <a:t>decision</a:t>
-            </a:r>
-            <a:r>
-              <a:rPr lang="es-ES" dirty="0"/>
-              <a:t> </a:t>
-            </a:r>
-            <a:r>
-              <a:rPr lang="es-ES" dirty="0" err="1"/>
-              <a:t>tree</a:t>
-            </a:r>
-            <a:r>
-              <a:rPr lang="es-ES" dirty="0"/>
-              <a:t> </a:t>
-            </a:r>
-            <a:r>
-              <a:rPr lang="es-ES" dirty="0" err="1"/>
-              <a:t>about</a:t>
-            </a:r>
-            <a:r>
-              <a:rPr lang="es-ES" dirty="0"/>
-              <a:t>? </a:t>
-            </a:r>
-            <a:r>
-              <a:rPr lang="es-ES" dirty="0" err="1"/>
-              <a:t>How</a:t>
-            </a:r>
-            <a:r>
-              <a:rPr lang="es-ES" dirty="0"/>
-              <a:t> </a:t>
-            </a:r>
-            <a:r>
-              <a:rPr lang="es-ES" dirty="0" err="1"/>
-              <a:t>does</a:t>
-            </a:r>
-            <a:r>
-              <a:rPr lang="es-ES" dirty="0"/>
-              <a:t> </a:t>
-            </a:r>
-            <a:r>
-              <a:rPr lang="es-ES" dirty="0" err="1"/>
-              <a:t>this</a:t>
-            </a:r>
-            <a:r>
-              <a:rPr lang="es-ES" dirty="0"/>
-              <a:t> </a:t>
-            </a:r>
-            <a:r>
-              <a:rPr lang="es-ES" dirty="0" err="1"/>
-              <a:t>work</a:t>
-            </a:r>
-            <a:r>
-              <a:rPr lang="es-ES" dirty="0"/>
-              <a:t>? </a:t>
-            </a:r>
-            <a:r>
-              <a:rPr lang="es-ES" dirty="0" err="1"/>
-              <a:t>How</a:t>
-            </a:r>
-            <a:r>
-              <a:rPr lang="es-ES" dirty="0"/>
-              <a:t> </a:t>
-            </a:r>
-            <a:r>
-              <a:rPr lang="es-ES" dirty="0" err="1"/>
-              <a:t>does</a:t>
-            </a:r>
-            <a:r>
-              <a:rPr lang="es-ES" dirty="0"/>
-              <a:t> </a:t>
-            </a:r>
-            <a:r>
-              <a:rPr lang="es-ES" dirty="0" err="1"/>
-              <a:t>this</a:t>
-            </a:r>
-            <a:r>
-              <a:rPr lang="es-ES" dirty="0"/>
-              <a:t> </a:t>
-            </a:r>
-            <a:r>
-              <a:rPr lang="es-ES" dirty="0" err="1"/>
-              <a:t>help</a:t>
-            </a:r>
-            <a:r>
-              <a:rPr lang="es-ES" dirty="0"/>
-              <a:t> </a:t>
-            </a:r>
-            <a:r>
-              <a:rPr lang="es-ES" dirty="0" err="1"/>
-              <a:t>us</a:t>
-            </a:r>
-            <a:r>
-              <a:rPr lang="es-ES" dirty="0"/>
-              <a:t>?</a:t>
-            </a:r>
-          </a:p>
-          <a:p>
-            <a:r>
-              <a:rPr lang="es-ES" dirty="0"/>
-              <a:t>Once </a:t>
-            </a:r>
-            <a:r>
-              <a:rPr lang="es-ES" dirty="0" err="1"/>
-              <a:t>we</a:t>
-            </a:r>
-            <a:r>
-              <a:rPr lang="es-ES" dirty="0"/>
-              <a:t> </a:t>
-            </a:r>
-            <a:r>
-              <a:rPr lang="es-ES" dirty="0" err="1"/>
-              <a:t>get</a:t>
-            </a:r>
-            <a:r>
-              <a:rPr lang="es-ES" dirty="0"/>
-              <a:t> to </a:t>
-            </a:r>
-            <a:r>
-              <a:rPr lang="es-ES" dirty="0" err="1"/>
-              <a:t>know</a:t>
-            </a:r>
-            <a:r>
-              <a:rPr lang="es-ES" dirty="0"/>
-              <a:t> </a:t>
-            </a:r>
-            <a:r>
-              <a:rPr lang="es-ES" dirty="0" err="1"/>
-              <a:t>about</a:t>
-            </a:r>
-            <a:r>
-              <a:rPr lang="es-ES" dirty="0"/>
-              <a:t> </a:t>
-            </a:r>
-            <a:r>
-              <a:rPr lang="es-ES" dirty="0" err="1"/>
-              <a:t>it</a:t>
-            </a:r>
-            <a:r>
-              <a:rPr lang="es-ES" dirty="0"/>
-              <a:t>, </a:t>
-            </a:r>
-            <a:r>
-              <a:rPr lang="es-ES" dirty="0" err="1"/>
-              <a:t>what</a:t>
-            </a:r>
-            <a:r>
-              <a:rPr lang="es-ES" dirty="0"/>
-              <a:t> </a:t>
-            </a:r>
-            <a:r>
-              <a:rPr lang="es-ES" dirty="0" err="1"/>
-              <a:t>advantages</a:t>
-            </a:r>
-            <a:r>
-              <a:rPr lang="es-ES" dirty="0"/>
-              <a:t> and </a:t>
-            </a:r>
-            <a:r>
-              <a:rPr lang="es-ES" dirty="0" err="1"/>
-              <a:t>disadvantages</a:t>
-            </a:r>
-            <a:r>
-              <a:rPr lang="es-ES" dirty="0"/>
-              <a:t> </a:t>
-            </a:r>
-            <a:r>
-              <a:rPr lang="es-ES" dirty="0" err="1"/>
-              <a:t>does</a:t>
-            </a:r>
-            <a:r>
-              <a:rPr lang="es-ES" dirty="0"/>
-              <a:t> </a:t>
-            </a:r>
-            <a:r>
-              <a:rPr lang="es-ES" dirty="0" err="1"/>
-              <a:t>this</a:t>
-            </a:r>
-            <a:r>
-              <a:rPr lang="es-ES" dirty="0"/>
-              <a:t> </a:t>
-            </a:r>
-            <a:r>
-              <a:rPr lang="es-ES" dirty="0" err="1"/>
-              <a:t>algorithm</a:t>
-            </a:r>
-            <a:r>
-              <a:rPr lang="es-ES" dirty="0"/>
-              <a:t> </a:t>
-            </a:r>
-            <a:r>
-              <a:rPr lang="es-ES" dirty="0" err="1"/>
-              <a:t>have</a:t>
-            </a:r>
-            <a:r>
-              <a:rPr lang="es-ES" dirty="0"/>
-              <a:t>?</a:t>
-            </a:r>
-          </a:p>
-          <a:p>
-            <a:r>
-              <a:rPr lang="es-ES" dirty="0" err="1"/>
-              <a:t>Soon</a:t>
-            </a:r>
-            <a:r>
-              <a:rPr lang="es-ES" dirty="0"/>
-              <a:t> after, a </a:t>
-            </a:r>
-            <a:r>
-              <a:rPr lang="es-ES" dirty="0" err="1"/>
-              <a:t>live</a:t>
-            </a:r>
-            <a:r>
-              <a:rPr lang="es-ES" dirty="0"/>
-              <a:t> </a:t>
-            </a:r>
-            <a:r>
-              <a:rPr lang="es-ES" dirty="0" err="1"/>
-              <a:t>example</a:t>
-            </a:r>
-            <a:r>
-              <a:rPr lang="es-ES" dirty="0"/>
-              <a:t> </a:t>
-            </a:r>
-            <a:r>
-              <a:rPr lang="es-ES" dirty="0" err="1"/>
-              <a:t>is</a:t>
-            </a:r>
-            <a:r>
-              <a:rPr lang="es-ES" dirty="0"/>
-              <a:t> the </a:t>
-            </a:r>
-            <a:r>
-              <a:rPr lang="es-ES" dirty="0" err="1"/>
-              <a:t>best</a:t>
-            </a:r>
-            <a:r>
-              <a:rPr lang="es-ES" dirty="0"/>
-              <a:t> </a:t>
-            </a:r>
-            <a:r>
-              <a:rPr lang="es-ES" dirty="0" err="1"/>
-              <a:t>way</a:t>
-            </a:r>
-            <a:r>
-              <a:rPr lang="es-ES" dirty="0"/>
-              <a:t> to </a:t>
-            </a:r>
-            <a:r>
-              <a:rPr lang="es-ES" dirty="0" err="1"/>
-              <a:t>illustrate</a:t>
-            </a:r>
-            <a:r>
-              <a:rPr lang="es-ES" dirty="0"/>
-              <a:t> a decisión </a:t>
-            </a:r>
-            <a:r>
-              <a:rPr lang="es-ES" dirty="0" err="1"/>
-              <a:t>tree</a:t>
-            </a:r>
-            <a:r>
-              <a:rPr lang="es-ES" dirty="0"/>
-              <a:t>, </a:t>
-            </a:r>
-            <a:r>
-              <a:rPr lang="es-ES" dirty="0" err="1"/>
-              <a:t>where</a:t>
-            </a:r>
-            <a:r>
-              <a:rPr lang="es-ES" dirty="0"/>
-              <a:t> </a:t>
-            </a:r>
-            <a:r>
-              <a:rPr lang="es-ES" dirty="0" err="1"/>
-              <a:t>we</a:t>
-            </a:r>
-            <a:r>
-              <a:rPr lang="es-ES" dirty="0"/>
-              <a:t> </a:t>
-            </a:r>
-            <a:r>
-              <a:rPr lang="es-ES" dirty="0" err="1"/>
-              <a:t>want</a:t>
-            </a:r>
-            <a:r>
-              <a:rPr lang="es-ES" dirty="0"/>
-              <a:t> </a:t>
-            </a:r>
-            <a:r>
-              <a:rPr lang="es-ES" dirty="0" err="1"/>
-              <a:t>predict</a:t>
-            </a:r>
-            <a:r>
-              <a:rPr lang="es-ES" dirty="0"/>
-              <a:t> </a:t>
-            </a:r>
-            <a:r>
-              <a:rPr lang="es-ES" dirty="0" err="1"/>
-              <a:t>how</a:t>
-            </a:r>
-            <a:r>
-              <a:rPr lang="es-ES" dirty="0"/>
-              <a:t> probable </a:t>
-            </a:r>
-            <a:r>
-              <a:rPr lang="es-ES" dirty="0" err="1"/>
-              <a:t>would</a:t>
-            </a:r>
-            <a:r>
-              <a:rPr lang="es-ES" dirty="0"/>
-              <a:t> you </a:t>
-            </a:r>
-            <a:r>
-              <a:rPr lang="es-ES" dirty="0" err="1"/>
-              <a:t>guys</a:t>
-            </a:r>
-            <a:r>
-              <a:rPr lang="es-ES" dirty="0"/>
-              <a:t> </a:t>
-            </a:r>
-            <a:r>
-              <a:rPr lang="es-ES" dirty="0" err="1"/>
-              <a:t>survive</a:t>
-            </a:r>
-            <a:r>
-              <a:rPr lang="es-ES" dirty="0"/>
-              <a:t> in the </a:t>
-            </a:r>
-            <a:r>
-              <a:rPr lang="es-ES" dirty="0" err="1"/>
-              <a:t>disaster</a:t>
-            </a:r>
-            <a:r>
-              <a:rPr lang="es-ES" dirty="0"/>
-              <a:t> </a:t>
-            </a:r>
-            <a:r>
-              <a:rPr lang="es-ES" dirty="0" err="1"/>
-              <a:t>of</a:t>
-            </a:r>
-            <a:r>
-              <a:rPr lang="es-ES" dirty="0"/>
-              <a:t> </a:t>
-            </a:r>
-            <a:r>
-              <a:rPr lang="es-ES" dirty="0" err="1"/>
-              <a:t>Titanic</a:t>
-            </a:r>
-            <a:r>
-              <a:rPr lang="es-ES" dirty="0"/>
-              <a:t>?</a:t>
-            </a:r>
-          </a:p>
-          <a:p>
-            <a:endParaRPr lang="es-ES" dirty="0"/>
-          </a:p>
-          <a:p>
-            <a:r>
-              <a:rPr lang="es-ES" dirty="0" err="1"/>
-              <a:t>On</a:t>
-            </a:r>
-            <a:r>
-              <a:rPr lang="es-ES" dirty="0"/>
-              <a:t> the </a:t>
-            </a:r>
-            <a:r>
-              <a:rPr lang="es-ES" dirty="0" err="1"/>
-              <a:t>other</a:t>
-            </a:r>
-            <a:r>
-              <a:rPr lang="es-ES" dirty="0"/>
-              <a:t> </a:t>
-            </a:r>
-            <a:r>
-              <a:rPr lang="es-ES" dirty="0" err="1"/>
-              <a:t>hand</a:t>
-            </a:r>
-            <a:r>
-              <a:rPr lang="es-ES" dirty="0"/>
-              <a:t>, </a:t>
-            </a:r>
-            <a:r>
-              <a:rPr lang="es-ES" dirty="0" err="1"/>
-              <a:t>we</a:t>
-            </a:r>
-            <a:r>
-              <a:rPr lang="es-ES" dirty="0"/>
-              <a:t> </a:t>
-            </a:r>
-            <a:r>
-              <a:rPr lang="es-ES" dirty="0" err="1"/>
-              <a:t>have</a:t>
-            </a:r>
-            <a:r>
-              <a:rPr lang="es-ES" dirty="0"/>
-              <a:t> a </a:t>
-            </a:r>
-            <a:r>
-              <a:rPr lang="es-ES" dirty="0" err="1"/>
-              <a:t>variation</a:t>
-            </a:r>
-            <a:r>
-              <a:rPr lang="es-ES" dirty="0"/>
-              <a:t> </a:t>
-            </a:r>
-            <a:r>
-              <a:rPr lang="es-ES" dirty="0" err="1"/>
-              <a:t>of</a:t>
-            </a:r>
-            <a:r>
-              <a:rPr lang="es-ES" dirty="0"/>
-              <a:t> decisión </a:t>
-            </a:r>
-            <a:r>
-              <a:rPr lang="es-ES" dirty="0" err="1"/>
-              <a:t>tree</a:t>
-            </a:r>
-            <a:r>
-              <a:rPr lang="es-ES" dirty="0"/>
-              <a:t> </a:t>
-            </a:r>
-            <a:r>
-              <a:rPr lang="es-ES" dirty="0" err="1"/>
-              <a:t>called</a:t>
-            </a:r>
-            <a:r>
-              <a:rPr lang="es-ES" dirty="0"/>
-              <a:t> </a:t>
-            </a:r>
-            <a:r>
-              <a:rPr lang="es-ES" dirty="0" err="1"/>
-              <a:t>random</a:t>
-            </a:r>
-            <a:r>
-              <a:rPr lang="es-ES" dirty="0"/>
-              <a:t> </a:t>
-            </a:r>
-            <a:r>
-              <a:rPr lang="es-ES" dirty="0" err="1"/>
-              <a:t>forest</a:t>
-            </a:r>
-            <a:r>
-              <a:rPr lang="es-ES" dirty="0"/>
-              <a:t>, </a:t>
-            </a:r>
-            <a:r>
-              <a:rPr lang="es-ES" dirty="0" err="1"/>
-              <a:t>which</a:t>
-            </a:r>
-            <a:r>
-              <a:rPr lang="es-ES" dirty="0"/>
-              <a:t> </a:t>
-            </a:r>
-            <a:r>
-              <a:rPr lang="es-ES" dirty="0" err="1"/>
-              <a:t>is</a:t>
-            </a:r>
-            <a:r>
-              <a:rPr lang="es-ES" dirty="0"/>
-              <a:t> </a:t>
-            </a:r>
-            <a:r>
-              <a:rPr lang="es-ES" dirty="0" err="1"/>
-              <a:t>very</a:t>
-            </a:r>
-            <a:r>
-              <a:rPr lang="es-ES" dirty="0"/>
-              <a:t> </a:t>
-            </a:r>
-            <a:r>
-              <a:rPr lang="es-ES" dirty="0" err="1"/>
-              <a:t>useful</a:t>
-            </a:r>
-            <a:r>
-              <a:rPr lang="es-ES" dirty="0"/>
-              <a:t> to </a:t>
-            </a:r>
-            <a:r>
-              <a:rPr lang="es-ES" dirty="0" err="1"/>
-              <a:t>solve</a:t>
-            </a:r>
-            <a:r>
-              <a:rPr lang="es-ES" dirty="0"/>
-              <a:t> </a:t>
-            </a:r>
-            <a:r>
-              <a:rPr lang="es-ES" dirty="0" err="1"/>
-              <a:t>some</a:t>
-            </a:r>
-            <a:r>
-              <a:rPr lang="es-ES" dirty="0"/>
-              <a:t> </a:t>
-            </a:r>
-            <a:r>
-              <a:rPr lang="es-ES" dirty="0" err="1"/>
-              <a:t>of</a:t>
-            </a:r>
-            <a:r>
-              <a:rPr lang="es-ES" dirty="0"/>
-              <a:t> the </a:t>
-            </a:r>
-            <a:r>
-              <a:rPr lang="es-ES" dirty="0" err="1"/>
-              <a:t>problems</a:t>
-            </a:r>
-            <a:r>
-              <a:rPr lang="es-ES" dirty="0"/>
-              <a:t> </a:t>
-            </a:r>
-            <a:r>
-              <a:rPr lang="es-ES" dirty="0" err="1"/>
-              <a:t>we</a:t>
-            </a:r>
-            <a:r>
-              <a:rPr lang="es-ES" dirty="0"/>
-              <a:t> </a:t>
-            </a:r>
-            <a:r>
-              <a:rPr lang="es-ES" dirty="0" err="1"/>
-              <a:t>encounter</a:t>
-            </a:r>
-            <a:r>
-              <a:rPr lang="es-ES" dirty="0"/>
-              <a:t> </a:t>
-            </a:r>
-            <a:r>
-              <a:rPr lang="es-ES" dirty="0" err="1"/>
-              <a:t>with</a:t>
-            </a:r>
-            <a:r>
-              <a:rPr lang="es-ES" dirty="0"/>
-              <a:t> decisión </a:t>
-            </a:r>
-            <a:r>
-              <a:rPr lang="es-ES" dirty="0" err="1"/>
-              <a:t>tree</a:t>
-            </a:r>
-            <a:r>
-              <a:rPr lang="en-GB" dirty="0"/>
-              <a:t>.</a:t>
-            </a:r>
-          </a:p>
-          <a:p>
-            <a:r>
-              <a:rPr lang="en-GB" dirty="0"/>
-              <a:t>In this section, we will learn what is bagging.</a:t>
-            </a:r>
-          </a:p>
-          <a:p>
-            <a:r>
-              <a:rPr lang="en-GB" dirty="0"/>
-              <a:t>Afterwards, pros and cons of using this algorithm.</a:t>
-            </a:r>
-          </a:p>
-          <a:p>
-            <a:r>
-              <a:rPr lang="en-GB" dirty="0"/>
-              <a:t>Finally, another live example with Titanic using random forest.</a:t>
-            </a:r>
-            <a:endParaRPr lang="es-ES" dirty="0"/>
+            <a:endParaRPr lang="en-US" dirty="0"/>
           </a:p>
         </p:txBody>
       </p:sp>
@@ -1340,7 +650,7 @@
           <a:p>
             <a:fld id="{76682F04-6A67-4696-8350-ADB5B2C9822D}" type="slidenum">
               <a:rPr lang="en-GB" smtClean="0"/>
-              <a:t>2</a:t>
+              <a:t>1</a:t>
             </a:fld>
             <a:endParaRPr lang="en-GB" dirty="0"/>
           </a:p>
@@ -1349,7 +659,7 @@
     </p:spTree>
     <p:extLst>
       <p:ext uri="{BB962C8B-B14F-4D97-AF65-F5344CB8AC3E}">
-        <p14:creationId xmlns:p14="http://schemas.microsoft.com/office/powerpoint/2010/main" val="1396268135"/>
+        <p14:creationId xmlns:p14="http://schemas.microsoft.com/office/powerpoint/2010/main" val="3368617063"/>
       </p:ext>
     </p:extLst>
   </p:cSld>
@@ -1404,9 +714,10 @@
           <a:lstStyle/>
           <a:p>
             <a:r>
-              <a:rPr lang="en-US" dirty="0"/>
-              <a:t>What is this thing called decision tree? Is it evergreen? Let’s have a look down into its root mechanism.</a:t>
-            </a:r>
+              <a:rPr lang="en-GB" dirty="0"/>
+              <a:t>In the very beginning of the workshop, let me ask you, how probable would you survive in titanic? Let's find it out in todays live coding.</a:t>
+            </a:r>
+            <a:endParaRPr lang="en-US" dirty="0"/>
           </a:p>
         </p:txBody>
       </p:sp>
@@ -1427,7 +738,7 @@
           <a:p>
             <a:fld id="{76682F04-6A67-4696-8350-ADB5B2C9822D}" type="slidenum">
               <a:rPr lang="en-GB" smtClean="0"/>
-              <a:t>3</a:t>
+              <a:t>2</a:t>
             </a:fld>
             <a:endParaRPr lang="en-GB"/>
           </a:p>
@@ -1436,7 +747,7 @@
     </p:spTree>
     <p:extLst>
       <p:ext uri="{BB962C8B-B14F-4D97-AF65-F5344CB8AC3E}">
-        <p14:creationId xmlns:p14="http://schemas.microsoft.com/office/powerpoint/2010/main" val="940460190"/>
+        <p14:creationId xmlns:p14="http://schemas.microsoft.com/office/powerpoint/2010/main" val="4283542116"/>
       </p:ext>
     </p:extLst>
   </p:cSld>
@@ -1491,51 +802,699 @@
           <a:lstStyle/>
           <a:p>
             <a:r>
+              <a:rPr lang="es-ES" dirty="0"/>
+              <a:t>Here </a:t>
+            </a:r>
+            <a:r>
+              <a:rPr lang="es-ES" dirty="0" err="1"/>
+              <a:t>we</a:t>
+            </a:r>
+            <a:r>
+              <a:rPr lang="es-ES" dirty="0"/>
+              <a:t> </a:t>
+            </a:r>
+            <a:r>
+              <a:rPr lang="es-ES" dirty="0" err="1"/>
+              <a:t>will</a:t>
+            </a:r>
+            <a:r>
+              <a:rPr lang="es-ES" dirty="0"/>
+              <a:t> </a:t>
+            </a:r>
+            <a:r>
+              <a:rPr lang="es-ES" dirty="0" err="1"/>
+              <a:t>have</a:t>
+            </a:r>
+            <a:r>
+              <a:rPr lang="es-ES" dirty="0"/>
+              <a:t> a </a:t>
+            </a:r>
+            <a:r>
+              <a:rPr lang="es-ES" dirty="0" err="1"/>
+              <a:t>quick</a:t>
+            </a:r>
+            <a:r>
+              <a:rPr lang="es-ES" dirty="0"/>
+              <a:t> </a:t>
+            </a:r>
+            <a:r>
+              <a:rPr lang="es-ES" dirty="0" err="1"/>
+              <a:t>overview</a:t>
+            </a:r>
+            <a:r>
+              <a:rPr lang="es-ES" dirty="0"/>
+              <a:t> </a:t>
+            </a:r>
+            <a:r>
+              <a:rPr lang="es-ES" dirty="0" err="1"/>
+              <a:t>over</a:t>
+            </a:r>
+            <a:r>
+              <a:rPr lang="es-ES" dirty="0"/>
+              <a:t> </a:t>
+            </a:r>
+            <a:r>
+              <a:rPr lang="es-ES" dirty="0" err="1"/>
+              <a:t>this</a:t>
+            </a:r>
+            <a:r>
+              <a:rPr lang="es-ES" dirty="0"/>
+              <a:t> workshop </a:t>
+            </a:r>
+            <a:r>
+              <a:rPr lang="es-ES" dirty="0" err="1"/>
+              <a:t>about</a:t>
+            </a:r>
+            <a:r>
+              <a:rPr lang="es-ES" dirty="0"/>
+              <a:t> </a:t>
+            </a:r>
+            <a:r>
+              <a:rPr lang="es-ES" dirty="0" err="1"/>
+              <a:t>decision</a:t>
+            </a:r>
+            <a:r>
+              <a:rPr lang="es-ES" dirty="0"/>
+              <a:t> </a:t>
+            </a:r>
+            <a:r>
+              <a:rPr lang="es-ES" dirty="0" err="1"/>
+              <a:t>tree</a:t>
+            </a:r>
+            <a:r>
+              <a:rPr lang="es-ES" dirty="0"/>
+              <a:t>.</a:t>
+            </a:r>
+          </a:p>
+          <a:p>
+            <a:r>
+              <a:rPr lang="es-ES" dirty="0" err="1"/>
+              <a:t>First</a:t>
+            </a:r>
+            <a:r>
+              <a:rPr lang="es-ES" dirty="0"/>
+              <a:t> </a:t>
+            </a:r>
+            <a:r>
+              <a:rPr lang="es-ES" dirty="0" err="1"/>
+              <a:t>of</a:t>
+            </a:r>
+            <a:r>
+              <a:rPr lang="es-ES" dirty="0"/>
+              <a:t> </a:t>
+            </a:r>
+            <a:r>
+              <a:rPr lang="es-ES" dirty="0" err="1"/>
+              <a:t>all</a:t>
+            </a:r>
+            <a:r>
+              <a:rPr lang="es-ES" dirty="0"/>
+              <a:t>, </a:t>
+            </a:r>
+            <a:r>
+              <a:rPr lang="es-ES" dirty="0" err="1"/>
+              <a:t>what</a:t>
+            </a:r>
+            <a:r>
+              <a:rPr lang="es-ES" dirty="0"/>
+              <a:t> </a:t>
+            </a:r>
+            <a:r>
+              <a:rPr lang="es-ES" dirty="0" err="1"/>
+              <a:t>is</a:t>
+            </a:r>
+            <a:r>
+              <a:rPr lang="es-ES" dirty="0"/>
+              <a:t> </a:t>
+            </a:r>
+            <a:r>
+              <a:rPr lang="es-ES" dirty="0" err="1"/>
+              <a:t>this</a:t>
+            </a:r>
+            <a:r>
+              <a:rPr lang="es-ES" dirty="0"/>
+              <a:t> </a:t>
+            </a:r>
+            <a:r>
+              <a:rPr lang="es-ES" dirty="0" err="1"/>
+              <a:t>decision</a:t>
+            </a:r>
+            <a:r>
+              <a:rPr lang="es-ES" dirty="0"/>
+              <a:t> </a:t>
+            </a:r>
+            <a:r>
+              <a:rPr lang="es-ES" dirty="0" err="1"/>
+              <a:t>tree</a:t>
+            </a:r>
+            <a:r>
+              <a:rPr lang="es-ES" dirty="0"/>
+              <a:t> </a:t>
+            </a:r>
+            <a:r>
+              <a:rPr lang="es-ES" dirty="0" err="1"/>
+              <a:t>about</a:t>
+            </a:r>
+            <a:r>
+              <a:rPr lang="es-ES" dirty="0"/>
+              <a:t>? </a:t>
+            </a:r>
+            <a:r>
+              <a:rPr lang="es-ES" dirty="0" err="1"/>
+              <a:t>How</a:t>
+            </a:r>
+            <a:r>
+              <a:rPr lang="es-ES" dirty="0"/>
+              <a:t> </a:t>
+            </a:r>
+            <a:r>
+              <a:rPr lang="es-ES" dirty="0" err="1"/>
+              <a:t>does</a:t>
+            </a:r>
+            <a:r>
+              <a:rPr lang="es-ES" dirty="0"/>
+              <a:t> </a:t>
+            </a:r>
+            <a:r>
+              <a:rPr lang="es-ES" dirty="0" err="1"/>
+              <a:t>this</a:t>
+            </a:r>
+            <a:r>
+              <a:rPr lang="es-ES" dirty="0"/>
+              <a:t> </a:t>
+            </a:r>
+            <a:r>
+              <a:rPr lang="es-ES" dirty="0" err="1"/>
+              <a:t>work</a:t>
+            </a:r>
+            <a:r>
+              <a:rPr lang="es-ES" dirty="0"/>
+              <a:t>? </a:t>
+            </a:r>
+            <a:r>
+              <a:rPr lang="es-ES" dirty="0" err="1"/>
+              <a:t>How</a:t>
+            </a:r>
+            <a:r>
+              <a:rPr lang="es-ES" dirty="0"/>
+              <a:t> </a:t>
+            </a:r>
+            <a:r>
+              <a:rPr lang="es-ES" dirty="0" err="1"/>
+              <a:t>does</a:t>
+            </a:r>
+            <a:r>
+              <a:rPr lang="es-ES" dirty="0"/>
+              <a:t> </a:t>
+            </a:r>
+            <a:r>
+              <a:rPr lang="es-ES" dirty="0" err="1"/>
+              <a:t>this</a:t>
+            </a:r>
+            <a:r>
+              <a:rPr lang="es-ES" dirty="0"/>
+              <a:t> </a:t>
+            </a:r>
+            <a:r>
+              <a:rPr lang="es-ES" dirty="0" err="1"/>
+              <a:t>help</a:t>
+            </a:r>
+            <a:r>
+              <a:rPr lang="es-ES" dirty="0"/>
+              <a:t> </a:t>
+            </a:r>
+            <a:r>
+              <a:rPr lang="es-ES" dirty="0" err="1"/>
+              <a:t>us</a:t>
+            </a:r>
+            <a:r>
+              <a:rPr lang="es-ES" dirty="0"/>
+              <a:t>?</a:t>
+            </a:r>
+          </a:p>
+          <a:p>
+            <a:r>
+              <a:rPr lang="es-ES" dirty="0"/>
+              <a:t>Once </a:t>
+            </a:r>
+            <a:r>
+              <a:rPr lang="es-ES" dirty="0" err="1"/>
+              <a:t>we</a:t>
+            </a:r>
+            <a:r>
+              <a:rPr lang="es-ES" dirty="0"/>
+              <a:t> </a:t>
+            </a:r>
+            <a:r>
+              <a:rPr lang="es-ES" dirty="0" err="1"/>
+              <a:t>get</a:t>
+            </a:r>
+            <a:r>
+              <a:rPr lang="es-ES" dirty="0"/>
+              <a:t> to </a:t>
+            </a:r>
+            <a:r>
+              <a:rPr lang="es-ES" dirty="0" err="1"/>
+              <a:t>know</a:t>
+            </a:r>
+            <a:r>
+              <a:rPr lang="es-ES" dirty="0"/>
+              <a:t> </a:t>
+            </a:r>
+            <a:r>
+              <a:rPr lang="es-ES" dirty="0" err="1"/>
+              <a:t>about</a:t>
+            </a:r>
+            <a:r>
+              <a:rPr lang="es-ES" dirty="0"/>
+              <a:t> </a:t>
+            </a:r>
+            <a:r>
+              <a:rPr lang="es-ES" dirty="0" err="1"/>
+              <a:t>it</a:t>
+            </a:r>
+            <a:r>
+              <a:rPr lang="es-ES" dirty="0"/>
+              <a:t>, </a:t>
+            </a:r>
+            <a:r>
+              <a:rPr lang="es-ES" dirty="0" err="1"/>
+              <a:t>what</a:t>
+            </a:r>
+            <a:r>
+              <a:rPr lang="es-ES" dirty="0"/>
+              <a:t> </a:t>
+            </a:r>
+            <a:r>
+              <a:rPr lang="es-ES" dirty="0" err="1"/>
+              <a:t>advantages</a:t>
+            </a:r>
+            <a:r>
+              <a:rPr lang="es-ES" dirty="0"/>
+              <a:t> and </a:t>
+            </a:r>
+            <a:r>
+              <a:rPr lang="es-ES" dirty="0" err="1"/>
+              <a:t>disadvantages</a:t>
+            </a:r>
+            <a:r>
+              <a:rPr lang="es-ES" dirty="0"/>
+              <a:t> </a:t>
+            </a:r>
+            <a:r>
+              <a:rPr lang="es-ES" dirty="0" err="1"/>
+              <a:t>does</a:t>
+            </a:r>
+            <a:r>
+              <a:rPr lang="es-ES" dirty="0"/>
+              <a:t> </a:t>
+            </a:r>
+            <a:r>
+              <a:rPr lang="es-ES" dirty="0" err="1"/>
+              <a:t>this</a:t>
+            </a:r>
+            <a:r>
+              <a:rPr lang="es-ES" dirty="0"/>
+              <a:t> </a:t>
+            </a:r>
+            <a:r>
+              <a:rPr lang="es-ES" dirty="0" err="1"/>
+              <a:t>algorithm</a:t>
+            </a:r>
+            <a:r>
+              <a:rPr lang="es-ES" dirty="0"/>
+              <a:t> </a:t>
+            </a:r>
+            <a:r>
+              <a:rPr lang="es-ES" dirty="0" err="1"/>
+              <a:t>have</a:t>
+            </a:r>
+            <a:r>
+              <a:rPr lang="es-ES" dirty="0"/>
+              <a:t>?</a:t>
+            </a:r>
+          </a:p>
+          <a:p>
+            <a:r>
+              <a:rPr lang="es-ES" dirty="0" err="1"/>
+              <a:t>Soon</a:t>
+            </a:r>
+            <a:r>
+              <a:rPr lang="es-ES" dirty="0"/>
+              <a:t> after, a </a:t>
+            </a:r>
+            <a:r>
+              <a:rPr lang="es-ES" dirty="0" err="1"/>
+              <a:t>live</a:t>
+            </a:r>
+            <a:r>
+              <a:rPr lang="es-ES" dirty="0"/>
+              <a:t> </a:t>
+            </a:r>
+            <a:r>
+              <a:rPr lang="es-ES" dirty="0" err="1"/>
+              <a:t>example</a:t>
+            </a:r>
+            <a:r>
+              <a:rPr lang="es-ES" dirty="0"/>
+              <a:t> </a:t>
+            </a:r>
+            <a:r>
+              <a:rPr lang="es-ES" dirty="0" err="1"/>
+              <a:t>is</a:t>
+            </a:r>
+            <a:r>
+              <a:rPr lang="es-ES" dirty="0"/>
+              <a:t> the </a:t>
+            </a:r>
+            <a:r>
+              <a:rPr lang="es-ES" dirty="0" err="1"/>
+              <a:t>best</a:t>
+            </a:r>
+            <a:r>
+              <a:rPr lang="es-ES" dirty="0"/>
+              <a:t> </a:t>
+            </a:r>
+            <a:r>
+              <a:rPr lang="es-ES" dirty="0" err="1"/>
+              <a:t>way</a:t>
+            </a:r>
+            <a:r>
+              <a:rPr lang="es-ES" dirty="0"/>
+              <a:t> to </a:t>
+            </a:r>
+            <a:r>
+              <a:rPr lang="es-ES" dirty="0" err="1"/>
+              <a:t>illustrate</a:t>
+            </a:r>
+            <a:r>
+              <a:rPr lang="es-ES" dirty="0"/>
+              <a:t> a decisión </a:t>
+            </a:r>
+            <a:r>
+              <a:rPr lang="es-ES" dirty="0" err="1"/>
+              <a:t>tree</a:t>
+            </a:r>
+            <a:r>
+              <a:rPr lang="es-ES" dirty="0"/>
+              <a:t>, </a:t>
+            </a:r>
+            <a:r>
+              <a:rPr lang="es-ES" dirty="0" err="1"/>
+              <a:t>where</a:t>
+            </a:r>
+            <a:r>
+              <a:rPr lang="es-ES" dirty="0"/>
+              <a:t> </a:t>
+            </a:r>
+            <a:r>
+              <a:rPr lang="es-ES" dirty="0" err="1"/>
+              <a:t>we</a:t>
+            </a:r>
+            <a:r>
+              <a:rPr lang="es-ES" dirty="0"/>
+              <a:t> </a:t>
+            </a:r>
+            <a:r>
+              <a:rPr lang="es-ES" dirty="0" err="1"/>
+              <a:t>want</a:t>
+            </a:r>
+            <a:r>
+              <a:rPr lang="es-ES" dirty="0"/>
+              <a:t> </a:t>
+            </a:r>
+            <a:r>
+              <a:rPr lang="es-ES" dirty="0" err="1"/>
+              <a:t>predict</a:t>
+            </a:r>
+            <a:r>
+              <a:rPr lang="es-ES" dirty="0"/>
+              <a:t> </a:t>
+            </a:r>
+            <a:r>
+              <a:rPr lang="es-ES" dirty="0" err="1"/>
+              <a:t>how</a:t>
+            </a:r>
+            <a:r>
+              <a:rPr lang="es-ES" dirty="0"/>
+              <a:t> probable </a:t>
+            </a:r>
+            <a:r>
+              <a:rPr lang="es-ES" dirty="0" err="1"/>
+              <a:t>would</a:t>
+            </a:r>
+            <a:r>
+              <a:rPr lang="es-ES" dirty="0"/>
+              <a:t> you </a:t>
+            </a:r>
+            <a:r>
+              <a:rPr lang="es-ES" dirty="0" err="1"/>
+              <a:t>guys</a:t>
+            </a:r>
+            <a:r>
+              <a:rPr lang="es-ES" dirty="0"/>
+              <a:t> </a:t>
+            </a:r>
+            <a:r>
+              <a:rPr lang="es-ES" dirty="0" err="1"/>
+              <a:t>survive</a:t>
+            </a:r>
+            <a:r>
+              <a:rPr lang="es-ES" dirty="0"/>
+              <a:t> in the </a:t>
+            </a:r>
+            <a:r>
+              <a:rPr lang="es-ES" dirty="0" err="1"/>
+              <a:t>disaster</a:t>
+            </a:r>
+            <a:r>
+              <a:rPr lang="es-ES" dirty="0"/>
+              <a:t> </a:t>
+            </a:r>
+            <a:r>
+              <a:rPr lang="es-ES" dirty="0" err="1"/>
+              <a:t>of</a:t>
+            </a:r>
+            <a:r>
+              <a:rPr lang="es-ES" dirty="0"/>
+              <a:t> </a:t>
+            </a:r>
+            <a:r>
+              <a:rPr lang="es-ES" dirty="0" err="1"/>
+              <a:t>Titanic</a:t>
+            </a:r>
+            <a:r>
+              <a:rPr lang="es-ES" dirty="0"/>
+              <a:t>?</a:t>
+            </a:r>
+          </a:p>
+          <a:p>
+            <a:endParaRPr lang="es-ES" dirty="0"/>
+          </a:p>
+          <a:p>
+            <a:r>
+              <a:rPr lang="es-ES" dirty="0" err="1"/>
+              <a:t>On</a:t>
+            </a:r>
+            <a:r>
+              <a:rPr lang="es-ES" dirty="0"/>
+              <a:t> the </a:t>
+            </a:r>
+            <a:r>
+              <a:rPr lang="es-ES" dirty="0" err="1"/>
+              <a:t>other</a:t>
+            </a:r>
+            <a:r>
+              <a:rPr lang="es-ES" dirty="0"/>
+              <a:t> </a:t>
+            </a:r>
+            <a:r>
+              <a:rPr lang="es-ES" dirty="0" err="1"/>
+              <a:t>hand</a:t>
+            </a:r>
+            <a:r>
+              <a:rPr lang="es-ES" dirty="0"/>
+              <a:t>, </a:t>
+            </a:r>
+            <a:r>
+              <a:rPr lang="es-ES" dirty="0" err="1"/>
+              <a:t>we</a:t>
+            </a:r>
+            <a:r>
+              <a:rPr lang="es-ES" dirty="0"/>
+              <a:t> </a:t>
+            </a:r>
+            <a:r>
+              <a:rPr lang="es-ES" dirty="0" err="1"/>
+              <a:t>have</a:t>
+            </a:r>
+            <a:r>
+              <a:rPr lang="es-ES" dirty="0"/>
+              <a:t> a </a:t>
+            </a:r>
+            <a:r>
+              <a:rPr lang="es-ES" dirty="0" err="1"/>
+              <a:t>variation</a:t>
+            </a:r>
+            <a:r>
+              <a:rPr lang="es-ES" dirty="0"/>
+              <a:t> </a:t>
+            </a:r>
+            <a:r>
+              <a:rPr lang="es-ES" dirty="0" err="1"/>
+              <a:t>of</a:t>
+            </a:r>
+            <a:r>
+              <a:rPr lang="es-ES" dirty="0"/>
+              <a:t> decisión </a:t>
+            </a:r>
+            <a:r>
+              <a:rPr lang="es-ES" dirty="0" err="1"/>
+              <a:t>tree</a:t>
+            </a:r>
+            <a:r>
+              <a:rPr lang="es-ES" dirty="0"/>
+              <a:t> </a:t>
+            </a:r>
+            <a:r>
+              <a:rPr lang="es-ES" dirty="0" err="1"/>
+              <a:t>called</a:t>
+            </a:r>
+            <a:r>
+              <a:rPr lang="es-ES" dirty="0"/>
+              <a:t> </a:t>
+            </a:r>
+            <a:r>
+              <a:rPr lang="es-ES" dirty="0" err="1"/>
+              <a:t>random</a:t>
+            </a:r>
+            <a:r>
+              <a:rPr lang="es-ES" dirty="0"/>
+              <a:t> </a:t>
+            </a:r>
+            <a:r>
+              <a:rPr lang="es-ES" dirty="0" err="1"/>
+              <a:t>forest</a:t>
+            </a:r>
+            <a:r>
+              <a:rPr lang="es-ES" dirty="0"/>
+              <a:t>, </a:t>
+            </a:r>
+            <a:r>
+              <a:rPr lang="es-ES" dirty="0" err="1"/>
+              <a:t>which</a:t>
+            </a:r>
+            <a:r>
+              <a:rPr lang="es-ES" dirty="0"/>
+              <a:t> </a:t>
+            </a:r>
+            <a:r>
+              <a:rPr lang="es-ES" dirty="0" err="1"/>
+              <a:t>is</a:t>
+            </a:r>
+            <a:r>
+              <a:rPr lang="es-ES" dirty="0"/>
+              <a:t> </a:t>
+            </a:r>
+            <a:r>
+              <a:rPr lang="es-ES" dirty="0" err="1"/>
+              <a:t>very</a:t>
+            </a:r>
+            <a:r>
+              <a:rPr lang="es-ES" dirty="0"/>
+              <a:t> </a:t>
+            </a:r>
+            <a:r>
+              <a:rPr lang="es-ES" dirty="0" err="1"/>
+              <a:t>useful</a:t>
+            </a:r>
+            <a:r>
+              <a:rPr lang="es-ES" dirty="0"/>
+              <a:t> to </a:t>
+            </a:r>
+            <a:r>
+              <a:rPr lang="es-ES" dirty="0" err="1"/>
+              <a:t>solve</a:t>
+            </a:r>
+            <a:r>
+              <a:rPr lang="es-ES" dirty="0"/>
+              <a:t> </a:t>
+            </a:r>
+            <a:r>
+              <a:rPr lang="es-ES" dirty="0" err="1"/>
+              <a:t>some</a:t>
+            </a:r>
+            <a:r>
+              <a:rPr lang="es-ES" dirty="0"/>
+              <a:t> </a:t>
+            </a:r>
+            <a:r>
+              <a:rPr lang="es-ES" dirty="0" err="1"/>
+              <a:t>of</a:t>
+            </a:r>
+            <a:r>
+              <a:rPr lang="es-ES" dirty="0"/>
+              <a:t> the </a:t>
+            </a:r>
+            <a:r>
+              <a:rPr lang="es-ES" dirty="0" err="1"/>
+              <a:t>problems</a:t>
+            </a:r>
+            <a:r>
+              <a:rPr lang="es-ES" dirty="0"/>
+              <a:t> </a:t>
+            </a:r>
+            <a:r>
+              <a:rPr lang="es-ES" dirty="0" err="1"/>
+              <a:t>we</a:t>
+            </a:r>
+            <a:r>
+              <a:rPr lang="es-ES" dirty="0"/>
+              <a:t> </a:t>
+            </a:r>
+            <a:r>
+              <a:rPr lang="es-ES" dirty="0" err="1"/>
+              <a:t>encounter</a:t>
+            </a:r>
+            <a:r>
+              <a:rPr lang="es-ES" dirty="0"/>
+              <a:t> </a:t>
+            </a:r>
+            <a:r>
+              <a:rPr lang="es-ES" dirty="0" err="1"/>
+              <a:t>with</a:t>
+            </a:r>
+            <a:r>
+              <a:rPr lang="es-ES" dirty="0"/>
+              <a:t> decisión </a:t>
+            </a:r>
+            <a:r>
+              <a:rPr lang="es-ES" dirty="0" err="1"/>
+              <a:t>tree</a:t>
+            </a:r>
+            <a:r>
               <a:rPr lang="en-GB" dirty="0"/>
-              <a:t>Decision tree is a type of supervised learning that is mainly used in classification problems, though it can do regression tasks.</a:t>
-            </a:r>
-            <a:r>
-              <a:rPr lang="en-US" dirty="0"/>
-              <a:t> Supervised learning means it needs some correct data at the beginning of training of the model, to let it learn under supervise. Classification problems are those tasks that we must place the entity into some category, whereas regression consists of predicting continuous values.</a:t>
-            </a:r>
-          </a:p>
-          <a:p>
-            <a:r>
-              <a:rPr lang="en-US" dirty="0"/>
-              <a:t>As you will see in a moment, the decision tree is very straightforward and human intuitive. What</a:t>
-            </a:r>
-            <a:r>
-              <a:rPr lang="es-ES" dirty="0"/>
-              <a:t>’s more, </a:t>
-            </a:r>
+              <a:t>.</a:t>
+            </a:r>
+          </a:p>
+          <a:p>
             <a:r>
               <a:rPr lang="en-GB" dirty="0"/>
-              <a:t>it is basically how we human think in a very basic way.</a:t>
+              <a:t>In this section, we will learn what is bagging.</a:t>
             </a:r>
           </a:p>
           <a:p>
             <a:r>
               <a:rPr lang="en-GB" dirty="0"/>
-              <a:t>A decision tree is just a flowchart with tree structure, we can understand it as a bunch of if then else statements that leads to our result. For example, should I wear an extra jacket tomorrow? Then I will first think is tomorrow windy? If not, then I wont, if yes then I will ask is tomorrow going to be hot? No, then I will wear an extra jacket. So, we can distinguish 3 elements here.</a:t>
+              <a:t>Afterwards, pros and cons of using this algorithm.</a:t>
             </a:r>
           </a:p>
           <a:p>
             <a:r>
               <a:rPr lang="en-GB" dirty="0"/>
-              <a:t>Leaf nodes, are those nodes that symbolises the result of the classification, they don’t have any more children, which means that we have a decision there.</a:t>
-            </a:r>
-          </a:p>
-          <a:p>
-            <a:r>
-              <a:rPr lang="en-GB" dirty="0"/>
-              <a:t>Internal nodes, they are any node that is not a leaf node, this is any test or attribute to be tested by the algorithm. Condition of if and else</a:t>
-            </a:r>
-          </a:p>
-          <a:p>
-            <a:r>
-              <a:rPr lang="en-GB" dirty="0"/>
-              <a:t>Branches, they are the result of the test, the result of the if and else condition</a:t>
-            </a:r>
+              <a:t>Finally, another live example with Titanic using random forest.</a:t>
+            </a:r>
+            <a:endParaRPr lang="es-ES" dirty="0"/>
           </a:p>
         </p:txBody>
       </p:sp>
@@ -1556,7 +1515,223 @@
           <a:p>
             <a:fld id="{76682F04-6A67-4696-8350-ADB5B2C9822D}" type="slidenum">
               <a:rPr lang="en-GB" smtClean="0"/>
+              <a:t>3</a:t>
+            </a:fld>
+            <a:endParaRPr lang="en-GB" dirty="0"/>
+          </a:p>
+        </p:txBody>
+      </p:sp>
+    </p:spTree>
+    <p:extLst>
+      <p:ext uri="{BB962C8B-B14F-4D97-AF65-F5344CB8AC3E}">
+        <p14:creationId xmlns:p14="http://schemas.microsoft.com/office/powerpoint/2010/main" val="1396268135"/>
+      </p:ext>
+    </p:extLst>
+  </p:cSld>
+  <p:clrMapOvr>
+    <a:masterClrMapping/>
+  </p:clrMapOvr>
+</p:notes>
+</file>
+
+<file path=ppt/notesSlides/notesSlide4.xml><?xml version="1.0" encoding="utf-8"?>
+<p:notes xmlns:a="http://schemas.openxmlformats.org/drawingml/2006/main" xmlns:r="http://schemas.openxmlformats.org/officeDocument/2006/relationships" xmlns:p="http://schemas.openxmlformats.org/presentationml/2006/main">
+  <p:cSld>
+    <p:spTree>
+      <p:nvGrpSpPr>
+        <p:cNvPr id="1" name=""/>
+        <p:cNvGrpSpPr/>
+        <p:nvPr/>
+      </p:nvGrpSpPr>
+      <p:grpSpPr>
+        <a:xfrm>
+          <a:off x="0" y="0"/>
+          <a:ext cx="0" cy="0"/>
+          <a:chOff x="0" y="0"/>
+          <a:chExt cx="0" cy="0"/>
+        </a:xfrm>
+      </p:grpSpPr>
+      <p:sp>
+        <p:nvSpPr>
+          <p:cNvPr id="2" name="Slide Image Placeholder 1"/>
+          <p:cNvSpPr>
+            <a:spLocks noGrp="1" noRot="1" noChangeAspect="1"/>
+          </p:cNvSpPr>
+          <p:nvPr>
+            <p:ph type="sldImg"/>
+          </p:nvPr>
+        </p:nvSpPr>
+        <p:spPr/>
+      </p:sp>
+      <p:sp>
+        <p:nvSpPr>
+          <p:cNvPr id="3" name="Notes Placeholder 2"/>
+          <p:cNvSpPr>
+            <a:spLocks noGrp="1"/>
+          </p:cNvSpPr>
+          <p:nvPr>
+            <p:ph type="body" idx="1"/>
+          </p:nvPr>
+        </p:nvSpPr>
+        <p:spPr/>
+        <p:txBody>
+          <a:bodyPr/>
+          <a:lstStyle/>
+          <a:p>
+            <a:r>
+              <a:rPr lang="en-US" dirty="0"/>
+              <a:t>What is this thing called decision tree? Is it evergreen? Let’s have a look down into its root mechanism.</a:t>
+            </a:r>
+          </a:p>
+        </p:txBody>
+      </p:sp>
+      <p:sp>
+        <p:nvSpPr>
+          <p:cNvPr id="4" name="Slide Number Placeholder 3"/>
+          <p:cNvSpPr>
+            <a:spLocks noGrp="1"/>
+          </p:cNvSpPr>
+          <p:nvPr>
+            <p:ph type="sldNum" sz="quarter" idx="5"/>
+          </p:nvPr>
+        </p:nvSpPr>
+        <p:spPr/>
+        <p:txBody>
+          <a:bodyPr/>
+          <a:lstStyle/>
+          <a:p>
+            <a:fld id="{76682F04-6A67-4696-8350-ADB5B2C9822D}" type="slidenum">
+              <a:rPr lang="en-GB" smtClean="0"/>
               <a:t>4</a:t>
+            </a:fld>
+            <a:endParaRPr lang="en-GB"/>
+          </a:p>
+        </p:txBody>
+      </p:sp>
+    </p:spTree>
+    <p:extLst>
+      <p:ext uri="{BB962C8B-B14F-4D97-AF65-F5344CB8AC3E}">
+        <p14:creationId xmlns:p14="http://schemas.microsoft.com/office/powerpoint/2010/main" val="940460190"/>
+      </p:ext>
+    </p:extLst>
+  </p:cSld>
+  <p:clrMapOvr>
+    <a:masterClrMapping/>
+  </p:clrMapOvr>
+</p:notes>
+</file>
+
+<file path=ppt/notesSlides/notesSlide5.xml><?xml version="1.0" encoding="utf-8"?>
+<p:notes xmlns:a="http://schemas.openxmlformats.org/drawingml/2006/main" xmlns:r="http://schemas.openxmlformats.org/officeDocument/2006/relationships" xmlns:p="http://schemas.openxmlformats.org/presentationml/2006/main">
+  <p:cSld>
+    <p:spTree>
+      <p:nvGrpSpPr>
+        <p:cNvPr id="1" name=""/>
+        <p:cNvGrpSpPr/>
+        <p:nvPr/>
+      </p:nvGrpSpPr>
+      <p:grpSpPr>
+        <a:xfrm>
+          <a:off x="0" y="0"/>
+          <a:ext cx="0" cy="0"/>
+          <a:chOff x="0" y="0"/>
+          <a:chExt cx="0" cy="0"/>
+        </a:xfrm>
+      </p:grpSpPr>
+      <p:sp>
+        <p:nvSpPr>
+          <p:cNvPr id="2" name="Slide Image Placeholder 1"/>
+          <p:cNvSpPr>
+            <a:spLocks noGrp="1" noRot="1" noChangeAspect="1"/>
+          </p:cNvSpPr>
+          <p:nvPr>
+            <p:ph type="sldImg"/>
+          </p:nvPr>
+        </p:nvSpPr>
+        <p:spPr/>
+      </p:sp>
+      <p:sp>
+        <p:nvSpPr>
+          <p:cNvPr id="3" name="Notes Placeholder 2"/>
+          <p:cNvSpPr>
+            <a:spLocks noGrp="1"/>
+          </p:cNvSpPr>
+          <p:nvPr>
+            <p:ph type="body" idx="1"/>
+          </p:nvPr>
+        </p:nvSpPr>
+        <p:spPr/>
+        <p:txBody>
+          <a:bodyPr/>
+          <a:lstStyle/>
+          <a:p>
+            <a:r>
+              <a:rPr lang="en-GB" dirty="0"/>
+              <a:t>Decision tree is a type of supervised learning that is mainly used in classification problems, though it can do regression tasks.</a:t>
+            </a:r>
+            <a:r>
+              <a:rPr lang="en-US" dirty="0"/>
+              <a:t> Supervised learning means it needs some correct data at the beginning of training of the model, to let it learn under supervise. Classification problems are those tasks that we must place the entity into some category, whereas regression consists of predicting continuous values.</a:t>
+            </a:r>
+          </a:p>
+          <a:p>
+            <a:r>
+              <a:rPr lang="en-US" dirty="0"/>
+              <a:t>As you will see in a moment, the decision tree is very straightforward and human intuitive. What</a:t>
+            </a:r>
+            <a:r>
+              <a:rPr lang="es-ES" dirty="0"/>
+              <a:t>’s more, </a:t>
+            </a:r>
+            <a:r>
+              <a:rPr lang="en-GB" dirty="0"/>
+              <a:t>it is basically how we human think in a very basic way.</a:t>
+            </a:r>
+          </a:p>
+          <a:p>
+            <a:r>
+              <a:rPr lang="en-GB" dirty="0"/>
+              <a:t>A decision tree is just a flowchart with tree structure, we can understand it as a bunch of if then else statements that leads to our result. For example, should I wear an extra jacket tomorrow? Then I will first think is tomorrow windy? If not, then I wont, if yes then I will ask is tomorrow going to be hot? No, then I will wear an extra jacket. So, we can distinguish 3 elements here.</a:t>
+            </a:r>
+          </a:p>
+          <a:p>
+            <a:r>
+              <a:rPr lang="en-GB" dirty="0"/>
+              <a:t>Leaf nodes, are those nodes that symbolises the result of the classification, they don’t have any more children, which means that we have a decision there.</a:t>
+            </a:r>
+          </a:p>
+          <a:p>
+            <a:r>
+              <a:rPr lang="en-GB" dirty="0"/>
+              <a:t>Internal nodes, they are any node that is not a leaf node, this is any test or attribute to be tested by the algorithm. Condition of if and else</a:t>
+            </a:r>
+          </a:p>
+          <a:p>
+            <a:r>
+              <a:rPr lang="en-GB" dirty="0"/>
+              <a:t>Branches, they are the result of the test, the result of the if and else condition</a:t>
+            </a:r>
+          </a:p>
+        </p:txBody>
+      </p:sp>
+      <p:sp>
+        <p:nvSpPr>
+          <p:cNvPr id="4" name="Slide Number Placeholder 3"/>
+          <p:cNvSpPr>
+            <a:spLocks noGrp="1"/>
+          </p:cNvSpPr>
+          <p:nvPr>
+            <p:ph type="sldNum" sz="quarter" idx="5"/>
+          </p:nvPr>
+        </p:nvSpPr>
+        <p:spPr/>
+        <p:txBody>
+          <a:bodyPr/>
+          <a:lstStyle/>
+          <a:p>
+            <a:fld id="{76682F04-6A67-4696-8350-ADB5B2C9822D}" type="slidenum">
+              <a:rPr lang="en-GB" smtClean="0"/>
+              <a:t>5</a:t>
             </a:fld>
             <a:endParaRPr lang="en-GB"/>
           </a:p>
@@ -1566,6 +1741,318 @@
     <p:extLst>
       <p:ext uri="{BB962C8B-B14F-4D97-AF65-F5344CB8AC3E}">
         <p14:creationId xmlns:p14="http://schemas.microsoft.com/office/powerpoint/2010/main" val="2175603054"/>
+      </p:ext>
+    </p:extLst>
+  </p:cSld>
+  <p:clrMapOvr>
+    <a:masterClrMapping/>
+  </p:clrMapOvr>
+</p:notes>
+</file>
+
+<file path=ppt/notesSlides/notesSlide6.xml><?xml version="1.0" encoding="utf-8"?>
+<p:notes xmlns:a="http://schemas.openxmlformats.org/drawingml/2006/main" xmlns:r="http://schemas.openxmlformats.org/officeDocument/2006/relationships" xmlns:p="http://schemas.openxmlformats.org/presentationml/2006/main">
+  <p:cSld>
+    <p:spTree>
+      <p:nvGrpSpPr>
+        <p:cNvPr id="1" name=""/>
+        <p:cNvGrpSpPr/>
+        <p:nvPr/>
+      </p:nvGrpSpPr>
+      <p:grpSpPr>
+        <a:xfrm>
+          <a:off x="0" y="0"/>
+          <a:ext cx="0" cy="0"/>
+          <a:chOff x="0" y="0"/>
+          <a:chExt cx="0" cy="0"/>
+        </a:xfrm>
+      </p:grpSpPr>
+      <p:sp>
+        <p:nvSpPr>
+          <p:cNvPr id="2" name="Slide Image Placeholder 1"/>
+          <p:cNvSpPr>
+            <a:spLocks noGrp="1" noRot="1" noChangeAspect="1"/>
+          </p:cNvSpPr>
+          <p:nvPr>
+            <p:ph type="sldImg"/>
+          </p:nvPr>
+        </p:nvSpPr>
+        <p:spPr/>
+      </p:sp>
+      <p:sp>
+        <p:nvSpPr>
+          <p:cNvPr id="3" name="Notes Placeholder 2"/>
+          <p:cNvSpPr>
+            <a:spLocks noGrp="1"/>
+          </p:cNvSpPr>
+          <p:nvPr>
+            <p:ph type="body" idx="1"/>
+          </p:nvPr>
+        </p:nvSpPr>
+        <p:spPr/>
+        <p:txBody>
+          <a:bodyPr/>
+          <a:lstStyle/>
+          <a:p>
+            <a:r>
+              <a:rPr lang="en-GB" dirty="0"/>
+              <a:t>Now we are going to do a simulation with a decision tree for whether we should play tennis today depending on the weather. Today is overcast, which is a good day for playing tennis, the humidity is high and wind strong, should we go out</a:t>
+            </a:r>
+            <a:r>
+              <a:rPr lang="es-ES" dirty="0"/>
+              <a:t>?</a:t>
+            </a:r>
+          </a:p>
+          <a:p>
+            <a:r>
+              <a:rPr lang="en-US" altLang="zh-CN" dirty="0"/>
+              <a:t>Click</a:t>
+            </a:r>
+            <a:r>
+              <a:rPr lang="en-GB" altLang="zh-CN" dirty="0"/>
+              <a:t>.</a:t>
+            </a:r>
+            <a:r>
+              <a:rPr lang="zh-CN" altLang="en-US" dirty="0"/>
+              <a:t> </a:t>
+            </a:r>
+            <a:r>
+              <a:rPr lang="en-GB" altLang="zh-CN" dirty="0"/>
+              <a:t>Judging</a:t>
+            </a:r>
+            <a:r>
+              <a:rPr lang="zh-CN" altLang="en-US" dirty="0"/>
+              <a:t> </a:t>
+            </a:r>
+            <a:r>
+              <a:rPr lang="en-GB" altLang="zh-CN" dirty="0"/>
+              <a:t>by</a:t>
+            </a:r>
+            <a:r>
+              <a:rPr lang="zh-CN" altLang="en-US" dirty="0"/>
+              <a:t> </a:t>
+            </a:r>
+            <a:r>
+              <a:rPr lang="en-GB" altLang="zh-CN" dirty="0"/>
+              <a:t>the</a:t>
+            </a:r>
+            <a:r>
+              <a:rPr lang="zh-CN" altLang="en-US" dirty="0"/>
+              <a:t> </a:t>
+            </a:r>
+            <a:r>
+              <a:rPr lang="en-GB" altLang="zh-CN" dirty="0"/>
+              <a:t>decision</a:t>
+            </a:r>
+            <a:r>
+              <a:rPr lang="zh-CN" altLang="en-US" dirty="0"/>
+              <a:t> </a:t>
+            </a:r>
+            <a:r>
+              <a:rPr lang="en-GB" altLang="zh-CN" dirty="0"/>
+              <a:t>tree,</a:t>
+            </a:r>
+            <a:r>
+              <a:rPr lang="zh-CN" altLang="en-US" dirty="0"/>
+              <a:t> </a:t>
+            </a:r>
+            <a:r>
+              <a:rPr lang="en-GB" altLang="zh-CN" dirty="0"/>
+              <a:t>yes,</a:t>
+            </a:r>
+            <a:r>
+              <a:rPr lang="zh-CN" altLang="en-US" dirty="0"/>
+              <a:t> </a:t>
+            </a:r>
+            <a:r>
+              <a:rPr lang="en-GB" altLang="zh-CN" dirty="0"/>
+              <a:t>it is good day to go out.</a:t>
+            </a:r>
+          </a:p>
+          <a:p>
+            <a:r>
+              <a:rPr lang="en-GB" dirty="0"/>
+              <a:t>Click. What about if it is a sunny day?</a:t>
+            </a:r>
+          </a:p>
+          <a:p>
+            <a:r>
+              <a:rPr lang="en-GB" dirty="0"/>
+              <a:t>Click. Then the decision tree asks for the humidity, and depending on if it is high or normal, it will decide if it is ok.</a:t>
+            </a:r>
+          </a:p>
+          <a:p>
+            <a:r>
+              <a:rPr lang="en-GB" dirty="0"/>
+              <a:t>Click. As our humidity is high, then the tree predicts it is not a very recommended playing tennis outside.</a:t>
+            </a:r>
+          </a:p>
+          <a:p>
+            <a:r>
+              <a:rPr lang="en-GB" dirty="0"/>
+              <a:t>Click. Now I propose this situation to you guys and here is the complete decision tree, anyone dare to give the answer?</a:t>
+            </a:r>
+          </a:p>
+          <a:p>
+            <a:r>
+              <a:rPr lang="en-GB" dirty="0"/>
+              <a:t>Click. Wonderful, the answer is yes</a:t>
+            </a:r>
+            <a:endParaRPr lang="en-US" dirty="0"/>
+          </a:p>
+        </p:txBody>
+      </p:sp>
+      <p:sp>
+        <p:nvSpPr>
+          <p:cNvPr id="4" name="Slide Number Placeholder 3"/>
+          <p:cNvSpPr>
+            <a:spLocks noGrp="1"/>
+          </p:cNvSpPr>
+          <p:nvPr>
+            <p:ph type="sldNum" sz="quarter" idx="5"/>
+          </p:nvPr>
+        </p:nvSpPr>
+        <p:spPr/>
+        <p:txBody>
+          <a:bodyPr/>
+          <a:lstStyle/>
+          <a:p>
+            <a:fld id="{76682F04-6A67-4696-8350-ADB5B2C9822D}" type="slidenum">
+              <a:rPr lang="en-GB" smtClean="0"/>
+              <a:t>6</a:t>
+            </a:fld>
+            <a:endParaRPr lang="en-GB"/>
+          </a:p>
+        </p:txBody>
+      </p:sp>
+    </p:spTree>
+    <p:extLst>
+      <p:ext uri="{BB962C8B-B14F-4D97-AF65-F5344CB8AC3E}">
+        <p14:creationId xmlns:p14="http://schemas.microsoft.com/office/powerpoint/2010/main" val="1102701748"/>
+      </p:ext>
+    </p:extLst>
+  </p:cSld>
+  <p:clrMapOvr>
+    <a:masterClrMapping/>
+  </p:clrMapOvr>
+</p:notes>
+</file>
+
+<file path=ppt/notesSlides/notesSlide7.xml><?xml version="1.0" encoding="utf-8"?>
+<p:notes xmlns:a="http://schemas.openxmlformats.org/drawingml/2006/main" xmlns:r="http://schemas.openxmlformats.org/officeDocument/2006/relationships" xmlns:p="http://schemas.openxmlformats.org/presentationml/2006/main">
+  <p:cSld>
+    <p:spTree>
+      <p:nvGrpSpPr>
+        <p:cNvPr id="1" name=""/>
+        <p:cNvGrpSpPr/>
+        <p:nvPr/>
+      </p:nvGrpSpPr>
+      <p:grpSpPr>
+        <a:xfrm>
+          <a:off x="0" y="0"/>
+          <a:ext cx="0" cy="0"/>
+          <a:chOff x="0" y="0"/>
+          <a:chExt cx="0" cy="0"/>
+        </a:xfrm>
+      </p:grpSpPr>
+      <p:sp>
+        <p:nvSpPr>
+          <p:cNvPr id="2" name="Slide Image Placeholder 1"/>
+          <p:cNvSpPr>
+            <a:spLocks noGrp="1" noRot="1" noChangeAspect="1"/>
+          </p:cNvSpPr>
+          <p:nvPr>
+            <p:ph type="sldImg"/>
+          </p:nvPr>
+        </p:nvSpPr>
+        <p:spPr/>
+      </p:sp>
+      <p:sp>
+        <p:nvSpPr>
+          <p:cNvPr id="3" name="Notes Placeholder 2"/>
+          <p:cNvSpPr>
+            <a:spLocks noGrp="1"/>
+          </p:cNvSpPr>
+          <p:nvPr>
+            <p:ph type="body" idx="1"/>
+          </p:nvPr>
+        </p:nvSpPr>
+        <p:spPr/>
+        <p:txBody>
+          <a:bodyPr/>
+          <a:lstStyle/>
+          <a:p>
+            <a:r>
+              <a:rPr lang="en-GB" dirty="0"/>
+              <a:t>After this quick example, we may have noticed some of the pros and cons of decision tree.</a:t>
+            </a:r>
+          </a:p>
+          <a:p>
+            <a:r>
+              <a:rPr lang="en-GB" dirty="0"/>
+              <a:t>In advantages, it goes without saying the easiness of decision trees to visualise. Moreover, it does not require a lot of computational power as it only needs to travel through the tree all way down. </a:t>
+            </a:r>
+            <a:r>
+              <a:rPr lang="en-US" altLang="zh-CN" dirty="0"/>
+              <a:t>Also</a:t>
+            </a:r>
+            <a:r>
+              <a:rPr lang="en-GB" altLang="zh-CN" dirty="0"/>
+              <a:t>,</a:t>
+            </a:r>
+            <a:r>
+              <a:rPr lang="zh-CN" altLang="en-US" dirty="0"/>
+              <a:t> </a:t>
+            </a:r>
+            <a:r>
+              <a:rPr lang="en-GB" altLang="zh-CN" dirty="0"/>
+              <a:t>it</a:t>
+            </a:r>
+            <a:r>
+              <a:rPr lang="zh-CN" altLang="en-US" dirty="0"/>
+              <a:t> </a:t>
+            </a:r>
+            <a:r>
+              <a:rPr lang="en-GB" altLang="zh-CN" dirty="0"/>
+              <a:t>is able to handle categorical data as continuous data, though in a limited way. It mainly deals with non-linear data, in fact, our decision tree separated the playing tennis example non-linearly. What's more, by looking at the earliest tests in the tree, we got to know the decisive attributes of the classification, as earlier branching have more impacts than late branching. In addition, when training a tree like this, we are not required to have lots of technical knowledge in the target data, as the decision tree does not need to understand the meaning of the attributes but how it affects the conclusion.</a:t>
+            </a:r>
+          </a:p>
+          <a:p>
+            <a:r>
+              <a:rPr lang="en-GB" dirty="0"/>
+              <a:t>On the other hand, we have some disadvantages in this algorithm. The limited handling of the continuous data is because in the end, the decision trees result is still categorical, therefore it is hard to get an accurate estimate of the continuous value. Moreover, it is very prone to overfitting, this means that it would work incredibly well in the train data, but not as well in the test data. This is due to on the very ground, decision tree is still a bunch of if and else statements, what brings nearly perfect results when testing with the data that it was constructed on, but not in the case when testing new data. Another point that you might noticed, it is does not reveal any relationship between variables. And finally, it can be computationally expensive to train, as it involves calculations and sorting to look for optimal classificatory system, meaning that it must go through quite of trainings.</a:t>
+            </a:r>
+            <a:endParaRPr lang="en-US" dirty="0"/>
+          </a:p>
+        </p:txBody>
+      </p:sp>
+      <p:sp>
+        <p:nvSpPr>
+          <p:cNvPr id="4" name="Slide Number Placeholder 3"/>
+          <p:cNvSpPr>
+            <a:spLocks noGrp="1"/>
+          </p:cNvSpPr>
+          <p:nvPr>
+            <p:ph type="sldNum" sz="quarter" idx="5"/>
+          </p:nvPr>
+        </p:nvSpPr>
+        <p:spPr/>
+        <p:txBody>
+          <a:bodyPr/>
+          <a:lstStyle/>
+          <a:p>
+            <a:fld id="{76682F04-6A67-4696-8350-ADB5B2C9822D}" type="slidenum">
+              <a:rPr lang="en-GB" smtClean="0"/>
+              <a:t>7</a:t>
+            </a:fld>
+            <a:endParaRPr lang="en-GB"/>
+          </a:p>
+        </p:txBody>
+      </p:sp>
+    </p:spTree>
+    <p:extLst>
+      <p:ext uri="{BB962C8B-B14F-4D97-AF65-F5344CB8AC3E}">
+        <p14:creationId xmlns:p14="http://schemas.microsoft.com/office/powerpoint/2010/main" val="1437162477"/>
       </p:ext>
     </p:extLst>
   </p:cSld>
@@ -1625,7 +2112,7 @@
           <a:noFill/>
           <a:extLst>
             <a:ext uri="{909E8E84-426E-40dd-AFC4-6F175D3DCCD1}">
-              <a14:hiddenFill xmlns:a14="http://schemas.microsoft.com/office/drawing/2010/main" xmlns="">
+              <a14:hiddenFill xmlns="" xmlns:a14="http://schemas.microsoft.com/office/drawing/2010/main">
                 <a:solidFill>
                   <a:srgbClr val="FFFFFF"/>
                 </a:solidFill>
@@ -1685,7 +2172,7 @@
             </a:ln>
             <a:extLst>
               <a:ext uri="{91240B29-F687-4f45-9708-019B960494DF}">
-                <a14:hiddenLine xmlns:a14="http://schemas.microsoft.com/office/drawing/2010/main" xmlns="" w="9525">
+                <a14:hiddenLine xmlns="" xmlns:a14="http://schemas.microsoft.com/office/drawing/2010/main" w="9525">
                   <a:solidFill>
                     <a:srgbClr val="000000"/>
                   </a:solidFill>
@@ -1775,7 +2262,7 @@
             </a:ln>
             <a:extLst>
               <a:ext uri="{91240B29-F687-4f45-9708-019B960494DF}">
-                <a14:hiddenLine xmlns:a14="http://schemas.microsoft.com/office/drawing/2010/main" xmlns="" w="9525">
+                <a14:hiddenLine xmlns="" xmlns:a14="http://schemas.microsoft.com/office/drawing/2010/main" w="9525">
                   <a:solidFill>
                     <a:srgbClr val="000000"/>
                   </a:solidFill>
@@ -1865,7 +2352,7 @@
             </a:ln>
             <a:extLst>
               <a:ext uri="{91240B29-F687-4f45-9708-019B960494DF}">
-                <a14:hiddenLine xmlns:a14="http://schemas.microsoft.com/office/drawing/2010/main" xmlns="" w="9525">
+                <a14:hiddenLine xmlns="" xmlns:a14="http://schemas.microsoft.com/office/drawing/2010/main" w="9525">
                   <a:solidFill>
                     <a:srgbClr val="000000"/>
                   </a:solidFill>
@@ -1899,7 +2386,7 @@
             </a:ln>
             <a:extLst>
               <a:ext uri="{91240B29-F687-4f45-9708-019B960494DF}">
-                <a14:hiddenLine xmlns:a14="http://schemas.microsoft.com/office/drawing/2010/main" xmlns="" w="9525">
+                <a14:hiddenLine xmlns="" xmlns:a14="http://schemas.microsoft.com/office/drawing/2010/main" w="9525">
                   <a:solidFill>
                     <a:srgbClr val="000000"/>
                   </a:solidFill>
@@ -1989,7 +2476,7 @@
             </a:ln>
             <a:extLst>
               <a:ext uri="{91240B29-F687-4f45-9708-019B960494DF}">
-                <a14:hiddenLine xmlns:a14="http://schemas.microsoft.com/office/drawing/2010/main" xmlns="" w="9525">
+                <a14:hiddenLine xmlns="" xmlns:a14="http://schemas.microsoft.com/office/drawing/2010/main" w="9525">
                   <a:solidFill>
                     <a:srgbClr val="000000"/>
                   </a:solidFill>
@@ -2051,7 +2538,7 @@
             </a:ln>
             <a:extLst>
               <a:ext uri="{91240B29-F687-4f45-9708-019B960494DF}">
-                <a14:hiddenLine xmlns:a14="http://schemas.microsoft.com/office/drawing/2010/main" xmlns="" w="9525">
+                <a14:hiddenLine xmlns="" xmlns:a14="http://schemas.microsoft.com/office/drawing/2010/main" w="9525">
                   <a:solidFill>
                     <a:srgbClr val="000000"/>
                   </a:solidFill>
@@ -2113,7 +2600,7 @@
             </a:ln>
             <a:extLst>
               <a:ext uri="{91240B29-F687-4f45-9708-019B960494DF}">
-                <a14:hiddenLine xmlns:a14="http://schemas.microsoft.com/office/drawing/2010/main" xmlns="" w="9525">
+                <a14:hiddenLine xmlns="" xmlns:a14="http://schemas.microsoft.com/office/drawing/2010/main" w="9525">
                   <a:solidFill>
                     <a:srgbClr val="000000"/>
                   </a:solidFill>
@@ -2203,7 +2690,7 @@
             </a:ln>
             <a:extLst>
               <a:ext uri="{91240B29-F687-4f45-9708-019B960494DF}">
-                <a14:hiddenLine xmlns:a14="http://schemas.microsoft.com/office/drawing/2010/main" xmlns="" w="9525">
+                <a14:hiddenLine xmlns="" xmlns:a14="http://schemas.microsoft.com/office/drawing/2010/main" w="9525">
                   <a:solidFill>
                     <a:srgbClr val="000000"/>
                   </a:solidFill>
@@ -2265,7 +2752,7 @@
             </a:ln>
             <a:extLst>
               <a:ext uri="{91240B29-F687-4f45-9708-019B960494DF}">
-                <a14:hiddenLine xmlns:a14="http://schemas.microsoft.com/office/drawing/2010/main" xmlns="" w="9525">
+                <a14:hiddenLine xmlns="" xmlns:a14="http://schemas.microsoft.com/office/drawing/2010/main" w="9525">
                   <a:solidFill>
                     <a:srgbClr val="000000"/>
                   </a:solidFill>
@@ -2327,7 +2814,7 @@
             </a:ln>
             <a:extLst>
               <a:ext uri="{91240B29-F687-4f45-9708-019B960494DF}">
-                <a14:hiddenLine xmlns:a14="http://schemas.microsoft.com/office/drawing/2010/main" xmlns="" w="9525">
+                <a14:hiddenLine xmlns="" xmlns:a14="http://schemas.microsoft.com/office/drawing/2010/main" w="9525">
                   <a:solidFill>
                     <a:srgbClr val="000000"/>
                   </a:solidFill>
@@ -2417,7 +2904,7 @@
             </a:ln>
             <a:extLst>
               <a:ext uri="{91240B29-F687-4f45-9708-019B960494DF}">
-                <a14:hiddenLine xmlns:a14="http://schemas.microsoft.com/office/drawing/2010/main" xmlns="" w="9525">
+                <a14:hiddenLine xmlns="" xmlns:a14="http://schemas.microsoft.com/office/drawing/2010/main" w="9525">
                   <a:solidFill>
                     <a:srgbClr val="000000"/>
                   </a:solidFill>
@@ -2507,7 +2994,7 @@
             </a:ln>
             <a:extLst>
               <a:ext uri="{91240B29-F687-4f45-9708-019B960494DF}">
-                <a14:hiddenLine xmlns:a14="http://schemas.microsoft.com/office/drawing/2010/main" xmlns="" w="9525">
+                <a14:hiddenLine xmlns="" xmlns:a14="http://schemas.microsoft.com/office/drawing/2010/main" w="9525">
                   <a:solidFill>
                     <a:srgbClr val="000000"/>
                   </a:solidFill>
@@ -2569,7 +3056,7 @@
             </a:ln>
             <a:extLst>
               <a:ext uri="{91240B29-F687-4f45-9708-019B960494DF}">
-                <a14:hiddenLine xmlns:a14="http://schemas.microsoft.com/office/drawing/2010/main" xmlns="" w="9525">
+                <a14:hiddenLine xmlns="" xmlns:a14="http://schemas.microsoft.com/office/drawing/2010/main" w="9525">
                   <a:solidFill>
                     <a:srgbClr val="000000"/>
                   </a:solidFill>
@@ -2679,7 +3166,7 @@
             </a:ln>
             <a:extLst>
               <a:ext uri="{91240B29-F687-4f45-9708-019B960494DF}">
-                <a14:hiddenLine xmlns:a14="http://schemas.microsoft.com/office/drawing/2010/main" xmlns="" w="9525">
+                <a14:hiddenLine xmlns="" xmlns:a14="http://schemas.microsoft.com/office/drawing/2010/main" w="9525">
                   <a:solidFill>
                     <a:srgbClr val="000000"/>
                   </a:solidFill>
@@ -2741,7 +3228,7 @@
             </a:ln>
             <a:extLst>
               <a:ext uri="{91240B29-F687-4f45-9708-019B960494DF}">
-                <a14:hiddenLine xmlns:a14="http://schemas.microsoft.com/office/drawing/2010/main" xmlns="" w="9525">
+                <a14:hiddenLine xmlns="" xmlns:a14="http://schemas.microsoft.com/office/drawing/2010/main" w="9525">
                   <a:solidFill>
                     <a:srgbClr val="000000"/>
                   </a:solidFill>
@@ -2831,7 +3318,7 @@
             </a:ln>
             <a:extLst>
               <a:ext uri="{91240B29-F687-4f45-9708-019B960494DF}">
-                <a14:hiddenLine xmlns:a14="http://schemas.microsoft.com/office/drawing/2010/main" xmlns="" w="9525">
+                <a14:hiddenLine xmlns="" xmlns:a14="http://schemas.microsoft.com/office/drawing/2010/main" w="9525">
                   <a:solidFill>
                     <a:srgbClr val="000000"/>
                   </a:solidFill>
@@ -2921,7 +3408,7 @@
             </a:ln>
             <a:extLst>
               <a:ext uri="{91240B29-F687-4f45-9708-019B960494DF}">
-                <a14:hiddenLine xmlns:a14="http://schemas.microsoft.com/office/drawing/2010/main" xmlns="" w="9525">
+                <a14:hiddenLine xmlns="" xmlns:a14="http://schemas.microsoft.com/office/drawing/2010/main" w="9525">
                   <a:solidFill>
                     <a:srgbClr val="000000"/>
                   </a:solidFill>
@@ -2983,7 +3470,7 @@
             </a:ln>
             <a:extLst>
               <a:ext uri="{91240B29-F687-4f45-9708-019B960494DF}">
-                <a14:hiddenLine xmlns:a14="http://schemas.microsoft.com/office/drawing/2010/main" xmlns="" w="9525">
+                <a14:hiddenLine xmlns="" xmlns:a14="http://schemas.microsoft.com/office/drawing/2010/main" w="9525">
                   <a:solidFill>
                     <a:srgbClr val="000000"/>
                   </a:solidFill>
@@ -3073,7 +3560,7 @@
             </a:ln>
             <a:extLst>
               <a:ext uri="{91240B29-F687-4f45-9708-019B960494DF}">
-                <a14:hiddenLine xmlns:a14="http://schemas.microsoft.com/office/drawing/2010/main" xmlns="" w="9525">
+                <a14:hiddenLine xmlns="" xmlns:a14="http://schemas.microsoft.com/office/drawing/2010/main" w="9525">
                   <a:solidFill>
                     <a:srgbClr val="000000"/>
                   </a:solidFill>
@@ -3163,7 +3650,7 @@
             </a:ln>
             <a:extLst>
               <a:ext uri="{91240B29-F687-4f45-9708-019B960494DF}">
-                <a14:hiddenLine xmlns:a14="http://schemas.microsoft.com/office/drawing/2010/main" xmlns="" w="9525">
+                <a14:hiddenLine xmlns="" xmlns:a14="http://schemas.microsoft.com/office/drawing/2010/main" w="9525">
                   <a:solidFill>
                     <a:srgbClr val="000000"/>
                   </a:solidFill>
@@ -3219,7 +3706,7 @@
             </a:ln>
             <a:extLst>
               <a:ext uri="{91240B29-F687-4f45-9708-019B960494DF}">
-                <a14:hiddenLine xmlns:a14="http://schemas.microsoft.com/office/drawing/2010/main" xmlns="" w="9525">
+                <a14:hiddenLine xmlns="" xmlns:a14="http://schemas.microsoft.com/office/drawing/2010/main" w="9525">
                   <a:solidFill>
                     <a:srgbClr val="000000"/>
                   </a:solidFill>
@@ -3309,7 +3796,7 @@
             </a:ln>
             <a:extLst>
               <a:ext uri="{91240B29-F687-4f45-9708-019B960494DF}">
-                <a14:hiddenLine xmlns:a14="http://schemas.microsoft.com/office/drawing/2010/main" xmlns="" w="9525">
+                <a14:hiddenLine xmlns="" xmlns:a14="http://schemas.microsoft.com/office/drawing/2010/main" w="9525">
                   <a:solidFill>
                     <a:srgbClr val="000000"/>
                   </a:solidFill>
@@ -3365,7 +3852,7 @@
             </a:ln>
             <a:extLst>
               <a:ext uri="{91240B29-F687-4f45-9708-019B960494DF}">
-                <a14:hiddenLine xmlns:a14="http://schemas.microsoft.com/office/drawing/2010/main" xmlns="" w="9525">
+                <a14:hiddenLine xmlns="" xmlns:a14="http://schemas.microsoft.com/office/drawing/2010/main" w="9525">
                   <a:solidFill>
                     <a:srgbClr val="000000"/>
                   </a:solidFill>
@@ -3455,7 +3942,7 @@
             </a:ln>
             <a:extLst>
               <a:ext uri="{91240B29-F687-4f45-9708-019B960494DF}">
-                <a14:hiddenLine xmlns:a14="http://schemas.microsoft.com/office/drawing/2010/main" xmlns="" w="9525">
+                <a14:hiddenLine xmlns="" xmlns:a14="http://schemas.microsoft.com/office/drawing/2010/main" w="9525">
                   <a:solidFill>
                     <a:srgbClr val="000000"/>
                   </a:solidFill>
@@ -3523,7 +4010,7 @@
             </a:ln>
             <a:extLst>
               <a:ext uri="{91240B29-F687-4f45-9708-019B960494DF}">
-                <a14:hiddenLine xmlns:a14="http://schemas.microsoft.com/office/drawing/2010/main" xmlns="" w="9525">
+                <a14:hiddenLine xmlns="" xmlns:a14="http://schemas.microsoft.com/office/drawing/2010/main" w="9525">
                   <a:solidFill>
                     <a:srgbClr val="000000"/>
                   </a:solidFill>
@@ -3613,7 +4100,7 @@
             </a:ln>
             <a:extLst>
               <a:ext uri="{91240B29-F687-4f45-9708-019B960494DF}">
-                <a14:hiddenLine xmlns:a14="http://schemas.microsoft.com/office/drawing/2010/main" xmlns="" w="9525">
+                <a14:hiddenLine xmlns="" xmlns:a14="http://schemas.microsoft.com/office/drawing/2010/main" w="9525">
                   <a:solidFill>
                     <a:srgbClr val="000000"/>
                   </a:solidFill>
@@ -3681,7 +4168,7 @@
             </a:ln>
             <a:extLst>
               <a:ext uri="{91240B29-F687-4f45-9708-019B960494DF}">
-                <a14:hiddenLine xmlns:a14="http://schemas.microsoft.com/office/drawing/2010/main" xmlns="" w="9525">
+                <a14:hiddenLine xmlns="" xmlns:a14="http://schemas.microsoft.com/office/drawing/2010/main" w="9525">
                   <a:solidFill>
                     <a:srgbClr val="000000"/>
                   </a:solidFill>
@@ -3771,7 +4258,7 @@
             </a:ln>
             <a:extLst>
               <a:ext uri="{91240B29-F687-4f45-9708-019B960494DF}">
-                <a14:hiddenLine xmlns:a14="http://schemas.microsoft.com/office/drawing/2010/main" xmlns="" w="9525">
+                <a14:hiddenLine xmlns="" xmlns:a14="http://schemas.microsoft.com/office/drawing/2010/main" w="9525">
                   <a:solidFill>
                     <a:srgbClr val="000000"/>
                   </a:solidFill>
@@ -3805,7 +4292,7 @@
             </a:ln>
             <a:extLst>
               <a:ext uri="{91240B29-F687-4f45-9708-019B960494DF}">
-                <a14:hiddenLine xmlns:a14="http://schemas.microsoft.com/office/drawing/2010/main" xmlns="" w="9525">
+                <a14:hiddenLine xmlns="" xmlns:a14="http://schemas.microsoft.com/office/drawing/2010/main" w="9525">
                   <a:solidFill>
                     <a:srgbClr val="000000"/>
                   </a:solidFill>
@@ -3895,7 +4382,7 @@
             </a:ln>
             <a:extLst>
               <a:ext uri="{91240B29-F687-4f45-9708-019B960494DF}">
-                <a14:hiddenLine xmlns:a14="http://schemas.microsoft.com/office/drawing/2010/main" xmlns="" w="9525">
+                <a14:hiddenLine xmlns="" xmlns:a14="http://schemas.microsoft.com/office/drawing/2010/main" w="9525">
                   <a:solidFill>
                     <a:srgbClr val="000000"/>
                   </a:solidFill>
@@ -3957,7 +4444,7 @@
             </a:ln>
             <a:extLst>
               <a:ext uri="{91240B29-F687-4f45-9708-019B960494DF}">
-                <a14:hiddenLine xmlns:a14="http://schemas.microsoft.com/office/drawing/2010/main" xmlns="" w="9525">
+                <a14:hiddenLine xmlns="" xmlns:a14="http://schemas.microsoft.com/office/drawing/2010/main" w="9525">
                   <a:solidFill>
                     <a:srgbClr val="000000"/>
                   </a:solidFill>
@@ -4019,7 +4506,7 @@
             </a:ln>
             <a:extLst>
               <a:ext uri="{91240B29-F687-4f45-9708-019B960494DF}">
-                <a14:hiddenLine xmlns:a14="http://schemas.microsoft.com/office/drawing/2010/main" xmlns="" w="9525">
+                <a14:hiddenLine xmlns="" xmlns:a14="http://schemas.microsoft.com/office/drawing/2010/main" w="9525">
                   <a:solidFill>
                     <a:srgbClr val="000000"/>
                   </a:solidFill>
@@ -4109,7 +4596,7 @@
             </a:ln>
             <a:extLst>
               <a:ext uri="{91240B29-F687-4f45-9708-019B960494DF}">
-                <a14:hiddenLine xmlns:a14="http://schemas.microsoft.com/office/drawing/2010/main" xmlns="" w="9525">
+                <a14:hiddenLine xmlns="" xmlns:a14="http://schemas.microsoft.com/office/drawing/2010/main" w="9525">
                   <a:solidFill>
                     <a:srgbClr val="000000"/>
                   </a:solidFill>
@@ -4177,7 +4664,7 @@
             </a:ln>
             <a:extLst>
               <a:ext uri="{91240B29-F687-4f45-9708-019B960494DF}">
-                <a14:hiddenLine xmlns:a14="http://schemas.microsoft.com/office/drawing/2010/main" xmlns="" w="9525">
+                <a14:hiddenLine xmlns="" xmlns:a14="http://schemas.microsoft.com/office/drawing/2010/main" w="9525">
                   <a:solidFill>
                     <a:srgbClr val="000000"/>
                   </a:solidFill>
@@ -4239,7 +4726,7 @@
             </a:ln>
             <a:extLst>
               <a:ext uri="{91240B29-F687-4f45-9708-019B960494DF}">
-                <a14:hiddenLine xmlns:a14="http://schemas.microsoft.com/office/drawing/2010/main" xmlns="" w="9525">
+                <a14:hiddenLine xmlns="" xmlns:a14="http://schemas.microsoft.com/office/drawing/2010/main" w="9525">
                   <a:solidFill>
                     <a:srgbClr val="000000"/>
                   </a:solidFill>
@@ -4329,7 +4816,7 @@
             </a:ln>
             <a:extLst>
               <a:ext uri="{91240B29-F687-4f45-9708-019B960494DF}">
-                <a14:hiddenLine xmlns:a14="http://schemas.microsoft.com/office/drawing/2010/main" xmlns="" w="9525">
+                <a14:hiddenLine xmlns="" xmlns:a14="http://schemas.microsoft.com/office/drawing/2010/main" w="9525">
                   <a:solidFill>
                     <a:srgbClr val="000000"/>
                   </a:solidFill>
@@ -4391,7 +4878,7 @@
             </a:ln>
             <a:extLst>
               <a:ext uri="{91240B29-F687-4f45-9708-019B960494DF}">
-                <a14:hiddenLine xmlns:a14="http://schemas.microsoft.com/office/drawing/2010/main" xmlns="" w="9525">
+                <a14:hiddenLine xmlns="" xmlns:a14="http://schemas.microsoft.com/office/drawing/2010/main" w="9525">
                   <a:solidFill>
                     <a:srgbClr val="000000"/>
                   </a:solidFill>
@@ -4481,7 +4968,7 @@
             </a:ln>
             <a:extLst>
               <a:ext uri="{91240B29-F687-4f45-9708-019B960494DF}">
-                <a14:hiddenLine xmlns:a14="http://schemas.microsoft.com/office/drawing/2010/main" xmlns="" w="9525">
+                <a14:hiddenLine xmlns="" xmlns:a14="http://schemas.microsoft.com/office/drawing/2010/main" w="9525">
                   <a:solidFill>
                     <a:srgbClr val="000000"/>
                   </a:solidFill>
@@ -4543,7 +5030,7 @@
             </a:ln>
             <a:extLst>
               <a:ext uri="{91240B29-F687-4f45-9708-019B960494DF}">
-                <a14:hiddenLine xmlns:a14="http://schemas.microsoft.com/office/drawing/2010/main" xmlns="" w="9525">
+                <a14:hiddenLine xmlns="" xmlns:a14="http://schemas.microsoft.com/office/drawing/2010/main" w="9525">
                   <a:solidFill>
                     <a:srgbClr val="000000"/>
                   </a:solidFill>
@@ -4633,7 +5120,7 @@
             </a:ln>
             <a:extLst>
               <a:ext uri="{91240B29-F687-4f45-9708-019B960494DF}">
-                <a14:hiddenLine xmlns:a14="http://schemas.microsoft.com/office/drawing/2010/main" xmlns="" w="9525">
+                <a14:hiddenLine xmlns="" xmlns:a14="http://schemas.microsoft.com/office/drawing/2010/main" w="9525">
                   <a:solidFill>
                     <a:srgbClr val="000000"/>
                   </a:solidFill>
@@ -4667,7 +5154,7 @@
             </a:ln>
             <a:extLst>
               <a:ext uri="{91240B29-F687-4f45-9708-019B960494DF}">
-                <a14:hiddenLine xmlns:a14="http://schemas.microsoft.com/office/drawing/2010/main" xmlns="" w="9525">
+                <a14:hiddenLine xmlns="" xmlns:a14="http://schemas.microsoft.com/office/drawing/2010/main" w="9525">
                   <a:solidFill>
                     <a:srgbClr val="000000"/>
                   </a:solidFill>
@@ -4732,7 +5219,7 @@
             </a:ln>
             <a:extLst>
               <a:ext uri="{91240B29-F687-4f45-9708-019B960494DF}">
-                <a14:hiddenLine xmlns:a14="http://schemas.microsoft.com/office/drawing/2010/main" xmlns="" w="9525">
+                <a14:hiddenLine xmlns="" xmlns:a14="http://schemas.microsoft.com/office/drawing/2010/main" w="9525">
                   <a:solidFill>
                     <a:srgbClr val="000000"/>
                   </a:solidFill>
@@ -4822,7 +5309,7 @@
             </a:ln>
             <a:extLst>
               <a:ext uri="{91240B29-F687-4f45-9708-019B960494DF}">
-                <a14:hiddenLine xmlns:a14="http://schemas.microsoft.com/office/drawing/2010/main" xmlns="" w="9525">
+                <a14:hiddenLine xmlns="" xmlns:a14="http://schemas.microsoft.com/office/drawing/2010/main" w="9525">
                   <a:solidFill>
                     <a:srgbClr val="000000"/>
                   </a:solidFill>
@@ -4884,7 +5371,7 @@
             </a:ln>
             <a:extLst>
               <a:ext uri="{91240B29-F687-4f45-9708-019B960494DF}">
-                <a14:hiddenLine xmlns:a14="http://schemas.microsoft.com/office/drawing/2010/main" xmlns="" w="9525">
+                <a14:hiddenLine xmlns="" xmlns:a14="http://schemas.microsoft.com/office/drawing/2010/main" w="9525">
                   <a:solidFill>
                     <a:srgbClr val="000000"/>
                   </a:solidFill>
@@ -4974,7 +5461,7 @@
             </a:ln>
             <a:extLst>
               <a:ext uri="{91240B29-F687-4f45-9708-019B960494DF}">
-                <a14:hiddenLine xmlns:a14="http://schemas.microsoft.com/office/drawing/2010/main" xmlns="" w="9525">
+                <a14:hiddenLine xmlns="" xmlns:a14="http://schemas.microsoft.com/office/drawing/2010/main" w="9525">
                   <a:solidFill>
                     <a:srgbClr val="000000"/>
                   </a:solidFill>
@@ -5064,7 +5551,7 @@
             </a:ln>
             <a:extLst>
               <a:ext uri="{91240B29-F687-4f45-9708-019B960494DF}">
-                <a14:hiddenLine xmlns:a14="http://schemas.microsoft.com/office/drawing/2010/main" xmlns="" w="9525">
+                <a14:hiddenLine xmlns="" xmlns:a14="http://schemas.microsoft.com/office/drawing/2010/main" w="9525">
                   <a:solidFill>
                     <a:srgbClr val="000000"/>
                   </a:solidFill>
@@ -5129,7 +5616,7 @@
             </a:ln>
             <a:extLst>
               <a:ext uri="{91240B29-F687-4f45-9708-019B960494DF}">
-                <a14:hiddenLine xmlns:a14="http://schemas.microsoft.com/office/drawing/2010/main" xmlns="" w="9525">
+                <a14:hiddenLine xmlns="" xmlns:a14="http://schemas.microsoft.com/office/drawing/2010/main" w="9525">
                   <a:solidFill>
                     <a:srgbClr val="000000"/>
                   </a:solidFill>
@@ -5191,7 +5678,7 @@
             </a:ln>
             <a:extLst>
               <a:ext uri="{91240B29-F687-4f45-9708-019B960494DF}">
-                <a14:hiddenLine xmlns:a14="http://schemas.microsoft.com/office/drawing/2010/main" xmlns="" w="9525">
+                <a14:hiddenLine xmlns="" xmlns:a14="http://schemas.microsoft.com/office/drawing/2010/main" w="9525">
                   <a:solidFill>
                     <a:srgbClr val="000000"/>
                   </a:solidFill>
@@ -5281,7 +5768,7 @@
             </a:ln>
             <a:extLst>
               <a:ext uri="{91240B29-F687-4f45-9708-019B960494DF}">
-                <a14:hiddenLine xmlns:a14="http://schemas.microsoft.com/office/drawing/2010/main" xmlns="" w="9525">
+                <a14:hiddenLine xmlns="" xmlns:a14="http://schemas.microsoft.com/office/drawing/2010/main" w="9525">
                   <a:solidFill>
                     <a:srgbClr val="000000"/>
                   </a:solidFill>
@@ -5371,7 +5858,7 @@
             </a:ln>
             <a:extLst>
               <a:ext uri="{91240B29-F687-4f45-9708-019B960494DF}">
-                <a14:hiddenLine xmlns:a14="http://schemas.microsoft.com/office/drawing/2010/main" xmlns="" w="9525">
+                <a14:hiddenLine xmlns="" xmlns:a14="http://schemas.microsoft.com/office/drawing/2010/main" w="9525">
                   <a:solidFill>
                     <a:srgbClr val="000000"/>
                   </a:solidFill>
@@ -5433,7 +5920,7 @@
             </a:ln>
             <a:extLst>
               <a:ext uri="{91240B29-F687-4f45-9708-019B960494DF}">
-                <a14:hiddenLine xmlns:a14="http://schemas.microsoft.com/office/drawing/2010/main" xmlns="" w="9525">
+                <a14:hiddenLine xmlns="" xmlns:a14="http://schemas.microsoft.com/office/drawing/2010/main" w="9525">
                   <a:solidFill>
                     <a:srgbClr val="000000"/>
                   </a:solidFill>
@@ -5553,7 +6040,7 @@
             </a:ln>
             <a:extLst>
               <a:ext uri="{91240B29-F687-4f45-9708-019B960494DF}">
-                <a14:hiddenLine xmlns:a14="http://schemas.microsoft.com/office/drawing/2010/main" xmlns="" w="9525">
+                <a14:hiddenLine xmlns="" xmlns:a14="http://schemas.microsoft.com/office/drawing/2010/main" w="9525">
                   <a:solidFill>
                     <a:srgbClr val="000000"/>
                   </a:solidFill>
@@ -5621,7 +6108,7 @@
             </a:ln>
             <a:extLst>
               <a:ext uri="{91240B29-F687-4f45-9708-019B960494DF}">
-                <a14:hiddenLine xmlns:a14="http://schemas.microsoft.com/office/drawing/2010/main" xmlns="" w="9525">
+                <a14:hiddenLine xmlns="" xmlns:a14="http://schemas.microsoft.com/office/drawing/2010/main" w="9525">
                   <a:solidFill>
                     <a:srgbClr val="000000"/>
                   </a:solidFill>
@@ -5711,7 +6198,7 @@
             </a:ln>
             <a:extLst>
               <a:ext uri="{91240B29-F687-4f45-9708-019B960494DF}">
-                <a14:hiddenLine xmlns:a14="http://schemas.microsoft.com/office/drawing/2010/main" xmlns="" w="9525">
+                <a14:hiddenLine xmlns="" xmlns:a14="http://schemas.microsoft.com/office/drawing/2010/main" w="9525">
                   <a:solidFill>
                     <a:srgbClr val="000000"/>
                   </a:solidFill>
@@ -5851,7 +6338,7 @@
           <a:p>
             <a:fld id="{D0D65A25-5B34-480B-8A82-D452FDC7444D}" type="datetimeFigureOut">
               <a:rPr lang="es-ES" smtClean="0"/>
-              <a:t>14/01/2022</a:t>
+              <a:t>15/01/2022</a:t>
             </a:fld>
             <a:endParaRPr lang="es-ES" dirty="0"/>
           </a:p>
@@ -6117,7 +6604,7 @@
           <a:p>
             <a:fld id="{D0D65A25-5B34-480B-8A82-D452FDC7444D}" type="datetimeFigureOut">
               <a:rPr lang="es-ES" smtClean="0"/>
-              <a:t>14/01/2022</a:t>
+              <a:t>15/01/2022</a:t>
             </a:fld>
             <a:endParaRPr lang="es-ES" dirty="0"/>
           </a:p>
@@ -6313,7 +6800,7 @@
           <a:p>
             <a:fld id="{D0D65A25-5B34-480B-8A82-D452FDC7444D}" type="datetimeFigureOut">
               <a:rPr lang="es-ES" smtClean="0"/>
-              <a:t>14/01/2022</a:t>
+              <a:t>15/01/2022</a:t>
             </a:fld>
             <a:endParaRPr lang="es-ES" dirty="0"/>
           </a:p>
@@ -6576,7 +7063,7 @@
           <a:p>
             <a:fld id="{D0D65A25-5B34-480B-8A82-D452FDC7444D}" type="datetimeFigureOut">
               <a:rPr lang="es-ES" smtClean="0"/>
-              <a:t>14/01/2022</a:t>
+              <a:t>15/01/2022</a:t>
             </a:fld>
             <a:endParaRPr lang="es-ES" dirty="0"/>
           </a:p>
@@ -7010,7 +7497,7 @@
           <a:p>
             <a:fld id="{D0D65A25-5B34-480B-8A82-D452FDC7444D}" type="datetimeFigureOut">
               <a:rPr lang="es-ES" smtClean="0"/>
-              <a:t>14/01/2022</a:t>
+              <a:t>15/01/2022</a:t>
             </a:fld>
             <a:endParaRPr lang="es-ES" dirty="0"/>
           </a:p>
@@ -7556,7 +8043,7 @@
           <a:p>
             <a:fld id="{D0D65A25-5B34-480B-8A82-D452FDC7444D}" type="datetimeFigureOut">
               <a:rPr lang="es-ES" smtClean="0"/>
-              <a:t>14/01/2022</a:t>
+              <a:t>15/01/2022</a:t>
             </a:fld>
             <a:endParaRPr lang="es-ES" dirty="0"/>
           </a:p>
@@ -8273,7 +8760,7 @@
           <a:p>
             <a:fld id="{D0D65A25-5B34-480B-8A82-D452FDC7444D}" type="datetimeFigureOut">
               <a:rPr lang="es-ES" smtClean="0"/>
-              <a:t>14/01/2022</a:t>
+              <a:t>15/01/2022</a:t>
             </a:fld>
             <a:endParaRPr lang="es-ES" dirty="0"/>
           </a:p>
@@ -8443,7 +8930,7 @@
           <a:p>
             <a:fld id="{D0D65A25-5B34-480B-8A82-D452FDC7444D}" type="datetimeFigureOut">
               <a:rPr lang="es-ES" smtClean="0"/>
-              <a:t>14/01/2022</a:t>
+              <a:t>15/01/2022</a:t>
             </a:fld>
             <a:endParaRPr lang="es-ES" dirty="0"/>
           </a:p>
@@ -8623,7 +9110,7 @@
           <a:p>
             <a:fld id="{D0D65A25-5B34-480B-8A82-D452FDC7444D}" type="datetimeFigureOut">
               <a:rPr lang="es-ES" smtClean="0"/>
-              <a:t>14/01/2022</a:t>
+              <a:t>15/01/2022</a:t>
             </a:fld>
             <a:endParaRPr lang="es-ES" dirty="0"/>
           </a:p>
@@ -8793,7 +9280,7 @@
           <a:p>
             <a:fld id="{D0D65A25-5B34-480B-8A82-D452FDC7444D}" type="datetimeFigureOut">
               <a:rPr lang="es-ES" smtClean="0"/>
-              <a:t>14/01/2022</a:t>
+              <a:t>15/01/2022</a:t>
             </a:fld>
             <a:endParaRPr lang="es-ES" dirty="0"/>
           </a:p>
@@ -9043,7 +9530,7 @@
           <a:p>
             <a:fld id="{D0D65A25-5B34-480B-8A82-D452FDC7444D}" type="datetimeFigureOut">
               <a:rPr lang="es-ES" smtClean="0"/>
-              <a:t>14/01/2022</a:t>
+              <a:t>15/01/2022</a:t>
             </a:fld>
             <a:endParaRPr lang="es-ES" dirty="0"/>
           </a:p>
@@ -9275,7 +9762,7 @@
           <a:p>
             <a:fld id="{D0D65A25-5B34-480B-8A82-D452FDC7444D}" type="datetimeFigureOut">
               <a:rPr lang="es-ES" smtClean="0"/>
-              <a:t>14/01/2022</a:t>
+              <a:t>15/01/2022</a:t>
             </a:fld>
             <a:endParaRPr lang="es-ES" dirty="0"/>
           </a:p>
@@ -9656,7 +10143,7 @@
           <a:p>
             <a:fld id="{D0D65A25-5B34-480B-8A82-D452FDC7444D}" type="datetimeFigureOut">
               <a:rPr lang="es-ES" smtClean="0"/>
-              <a:t>14/01/2022</a:t>
+              <a:t>15/01/2022</a:t>
             </a:fld>
             <a:endParaRPr lang="es-ES" dirty="0"/>
           </a:p>
@@ -9774,7 +10261,7 @@
           <a:p>
             <a:fld id="{D0D65A25-5B34-480B-8A82-D452FDC7444D}" type="datetimeFigureOut">
               <a:rPr lang="es-ES" smtClean="0"/>
-              <a:t>14/01/2022</a:t>
+              <a:t>15/01/2022</a:t>
             </a:fld>
             <a:endParaRPr lang="es-ES" dirty="0"/>
           </a:p>
@@ -9869,7 +10356,7 @@
           <a:p>
             <a:fld id="{D0D65A25-5B34-480B-8A82-D452FDC7444D}" type="datetimeFigureOut">
               <a:rPr lang="es-ES" smtClean="0"/>
-              <a:t>14/01/2022</a:t>
+              <a:t>15/01/2022</a:t>
             </a:fld>
             <a:endParaRPr lang="es-ES" dirty="0"/>
           </a:p>
@@ -10118,7 +10605,7 @@
           <a:p>
             <a:fld id="{D0D65A25-5B34-480B-8A82-D452FDC7444D}" type="datetimeFigureOut">
               <a:rPr lang="es-ES" smtClean="0"/>
-              <a:t>14/01/2022</a:t>
+              <a:t>15/01/2022</a:t>
             </a:fld>
             <a:endParaRPr lang="es-ES" dirty="0"/>
           </a:p>
@@ -10397,7 +10884,7 @@
           <a:p>
             <a:fld id="{D0D65A25-5B34-480B-8A82-D452FDC7444D}" type="datetimeFigureOut">
               <a:rPr lang="es-ES" smtClean="0"/>
-              <a:t>14/01/2022</a:t>
+              <a:t>15/01/2022</a:t>
             </a:fld>
             <a:endParaRPr lang="es-ES" dirty="0"/>
           </a:p>
@@ -10513,7 +11000,7 @@
           <a:noFill/>
           <a:extLst>
             <a:ext uri="{909E8E84-426E-40dd-AFC4-6F175D3DCCD1}">
-              <a14:hiddenFill xmlns:a14="http://schemas.microsoft.com/office/drawing/2010/main" xmlns="">
+              <a14:hiddenFill xmlns="" xmlns:a14="http://schemas.microsoft.com/office/drawing/2010/main">
                 <a:solidFill>
                   <a:srgbClr val="FFFFFF"/>
                 </a:solidFill>
@@ -10587,7 +11074,7 @@
               </a:ln>
               <a:extLst>
                 <a:ext uri="{91240B29-F687-4f45-9708-019B960494DF}">
-                  <a14:hiddenLine xmlns:a14="http://schemas.microsoft.com/office/drawing/2010/main" xmlns="" w="9525">
+                  <a14:hiddenLine xmlns="" xmlns:a14="http://schemas.microsoft.com/office/drawing/2010/main" w="9525">
                     <a:solidFill>
                       <a:srgbClr val="000000"/>
                     </a:solidFill>
@@ -10677,7 +11164,7 @@
               </a:ln>
               <a:extLst>
                 <a:ext uri="{91240B29-F687-4f45-9708-019B960494DF}">
-                  <a14:hiddenLine xmlns:a14="http://schemas.microsoft.com/office/drawing/2010/main" xmlns="" w="9525">
+                  <a14:hiddenLine xmlns="" xmlns:a14="http://schemas.microsoft.com/office/drawing/2010/main" w="9525">
                     <a:solidFill>
                       <a:srgbClr val="000000"/>
                     </a:solidFill>
@@ -10767,7 +11254,7 @@
               </a:ln>
               <a:extLst>
                 <a:ext uri="{91240B29-F687-4f45-9708-019B960494DF}">
-                  <a14:hiddenLine xmlns:a14="http://schemas.microsoft.com/office/drawing/2010/main" xmlns="" w="9525">
+                  <a14:hiddenLine xmlns="" xmlns:a14="http://schemas.microsoft.com/office/drawing/2010/main" w="9525">
                     <a:solidFill>
                       <a:srgbClr val="000000"/>
                     </a:solidFill>
@@ -10829,7 +11316,7 @@
               </a:ln>
               <a:extLst>
                 <a:ext uri="{91240B29-F687-4f45-9708-019B960494DF}">
-                  <a14:hiddenLine xmlns:a14="http://schemas.microsoft.com/office/drawing/2010/main" xmlns="" w="9525">
+                  <a14:hiddenLine xmlns="" xmlns:a14="http://schemas.microsoft.com/office/drawing/2010/main" w="9525">
                     <a:solidFill>
                       <a:srgbClr val="000000"/>
                     </a:solidFill>
@@ -10919,7 +11406,7 @@
               </a:ln>
               <a:extLst>
                 <a:ext uri="{91240B29-F687-4f45-9708-019B960494DF}">
-                  <a14:hiddenLine xmlns:a14="http://schemas.microsoft.com/office/drawing/2010/main" xmlns="" w="9525">
+                  <a14:hiddenLine xmlns="" xmlns:a14="http://schemas.microsoft.com/office/drawing/2010/main" w="9525">
                     <a:solidFill>
                       <a:srgbClr val="000000"/>
                     </a:solidFill>
@@ -10981,7 +11468,7 @@
               </a:ln>
               <a:extLst>
                 <a:ext uri="{91240B29-F687-4f45-9708-019B960494DF}">
-                  <a14:hiddenLine xmlns:a14="http://schemas.microsoft.com/office/drawing/2010/main" xmlns="" w="9525">
+                  <a14:hiddenLine xmlns="" xmlns:a14="http://schemas.microsoft.com/office/drawing/2010/main" w="9525">
                     <a:solidFill>
                       <a:srgbClr val="000000"/>
                     </a:solidFill>
@@ -11043,7 +11530,7 @@
               </a:ln>
               <a:extLst>
                 <a:ext uri="{91240B29-F687-4f45-9708-019B960494DF}">
-                  <a14:hiddenLine xmlns:a14="http://schemas.microsoft.com/office/drawing/2010/main" xmlns="" w="9525">
+                  <a14:hiddenLine xmlns="" xmlns:a14="http://schemas.microsoft.com/office/drawing/2010/main" w="9525">
                     <a:solidFill>
                       <a:srgbClr val="000000"/>
                     </a:solidFill>
@@ -11133,7 +11620,7 @@
               </a:ln>
               <a:extLst>
                 <a:ext uri="{91240B29-F687-4f45-9708-019B960494DF}">
-                  <a14:hiddenLine xmlns:a14="http://schemas.microsoft.com/office/drawing/2010/main" xmlns="" w="9525">
+                  <a14:hiddenLine xmlns="" xmlns:a14="http://schemas.microsoft.com/office/drawing/2010/main" w="9525">
                     <a:solidFill>
                       <a:srgbClr val="000000"/>
                     </a:solidFill>
@@ -11223,7 +11710,7 @@
               </a:ln>
               <a:extLst>
                 <a:ext uri="{91240B29-F687-4f45-9708-019B960494DF}">
-                  <a14:hiddenLine xmlns:a14="http://schemas.microsoft.com/office/drawing/2010/main" xmlns="" w="9525">
+                  <a14:hiddenLine xmlns="" xmlns:a14="http://schemas.microsoft.com/office/drawing/2010/main" w="9525">
                     <a:solidFill>
                       <a:srgbClr val="000000"/>
                     </a:solidFill>
@@ -11285,7 +11772,7 @@
               </a:ln>
               <a:extLst>
                 <a:ext uri="{91240B29-F687-4f45-9708-019B960494DF}">
-                  <a14:hiddenLine xmlns:a14="http://schemas.microsoft.com/office/drawing/2010/main" xmlns="" w="9525">
+                  <a14:hiddenLine xmlns="" xmlns:a14="http://schemas.microsoft.com/office/drawing/2010/main" w="9525">
                     <a:solidFill>
                       <a:srgbClr val="000000"/>
                     </a:solidFill>
@@ -11395,7 +11882,7 @@
               </a:ln>
               <a:extLst>
                 <a:ext uri="{91240B29-F687-4f45-9708-019B960494DF}">
-                  <a14:hiddenLine xmlns:a14="http://schemas.microsoft.com/office/drawing/2010/main" xmlns="" w="9525">
+                  <a14:hiddenLine xmlns="" xmlns:a14="http://schemas.microsoft.com/office/drawing/2010/main" w="9525">
                     <a:solidFill>
                       <a:srgbClr val="000000"/>
                     </a:solidFill>
@@ -11479,7 +11966,7 @@
               </a:ln>
               <a:extLst>
                 <a:ext uri="{91240B29-F687-4f45-9708-019B960494DF}">
-                  <a14:hiddenLine xmlns:a14="http://schemas.microsoft.com/office/drawing/2010/main" xmlns="" w="9525">
+                  <a14:hiddenLine xmlns="" xmlns:a14="http://schemas.microsoft.com/office/drawing/2010/main" w="9525">
                     <a:solidFill>
                       <a:srgbClr val="000000"/>
                     </a:solidFill>
@@ -11541,7 +12028,7 @@
               </a:ln>
               <a:extLst>
                 <a:ext uri="{91240B29-F687-4f45-9708-019B960494DF}">
-                  <a14:hiddenLine xmlns:a14="http://schemas.microsoft.com/office/drawing/2010/main" xmlns="" w="9525">
+                  <a14:hiddenLine xmlns="" xmlns:a14="http://schemas.microsoft.com/office/drawing/2010/main" w="9525">
                     <a:solidFill>
                       <a:srgbClr val="000000"/>
                     </a:solidFill>
@@ -11603,7 +12090,7 @@
               </a:ln>
               <a:extLst>
                 <a:ext uri="{91240B29-F687-4f45-9708-019B960494DF}">
-                  <a14:hiddenLine xmlns:a14="http://schemas.microsoft.com/office/drawing/2010/main" xmlns="" w="9525">
+                  <a14:hiddenLine xmlns="" xmlns:a14="http://schemas.microsoft.com/office/drawing/2010/main" w="9525">
                     <a:solidFill>
                       <a:srgbClr val="000000"/>
                     </a:solidFill>
@@ -11693,7 +12180,7 @@
               </a:ln>
               <a:extLst>
                 <a:ext uri="{91240B29-F687-4f45-9708-019B960494DF}">
-                  <a14:hiddenLine xmlns:a14="http://schemas.microsoft.com/office/drawing/2010/main" xmlns="" w="9525">
+                  <a14:hiddenLine xmlns="" xmlns:a14="http://schemas.microsoft.com/office/drawing/2010/main" w="9525">
                     <a:solidFill>
                       <a:srgbClr val="000000"/>
                     </a:solidFill>
@@ -11727,7 +12214,7 @@
               </a:ln>
               <a:extLst>
                 <a:ext uri="{91240B29-F687-4f45-9708-019B960494DF}">
-                  <a14:hiddenLine xmlns:a14="http://schemas.microsoft.com/office/drawing/2010/main" xmlns="" w="9525">
+                  <a14:hiddenLine xmlns="" xmlns:a14="http://schemas.microsoft.com/office/drawing/2010/main" w="9525">
                     <a:solidFill>
                       <a:srgbClr val="000000"/>
                     </a:solidFill>
@@ -11792,7 +12279,7 @@
               </a:ln>
               <a:extLst>
                 <a:ext uri="{91240B29-F687-4f45-9708-019B960494DF}">
-                  <a14:hiddenLine xmlns:a14="http://schemas.microsoft.com/office/drawing/2010/main" xmlns="" w="9525">
+                  <a14:hiddenLine xmlns="" xmlns:a14="http://schemas.microsoft.com/office/drawing/2010/main" w="9525">
                     <a:solidFill>
                       <a:srgbClr val="000000"/>
                     </a:solidFill>
@@ -11882,7 +12369,7 @@
               </a:ln>
               <a:extLst>
                 <a:ext uri="{91240B29-F687-4f45-9708-019B960494DF}">
-                  <a14:hiddenLine xmlns:a14="http://schemas.microsoft.com/office/drawing/2010/main" xmlns="" w="9525">
+                  <a14:hiddenLine xmlns="" xmlns:a14="http://schemas.microsoft.com/office/drawing/2010/main" w="9525">
                     <a:solidFill>
                       <a:srgbClr val="000000"/>
                     </a:solidFill>
@@ -11944,7 +12431,7 @@
               </a:ln>
               <a:extLst>
                 <a:ext uri="{91240B29-F687-4f45-9708-019B960494DF}">
-                  <a14:hiddenLine xmlns:a14="http://schemas.microsoft.com/office/drawing/2010/main" xmlns="" w="9525">
+                  <a14:hiddenLine xmlns="" xmlns:a14="http://schemas.microsoft.com/office/drawing/2010/main" w="9525">
                     <a:solidFill>
                       <a:srgbClr val="000000"/>
                     </a:solidFill>
@@ -12034,7 +12521,7 @@
               </a:ln>
               <a:extLst>
                 <a:ext uri="{91240B29-F687-4f45-9708-019B960494DF}">
-                  <a14:hiddenLine xmlns:a14="http://schemas.microsoft.com/office/drawing/2010/main" xmlns="" w="9525">
+                  <a14:hiddenLine xmlns="" xmlns:a14="http://schemas.microsoft.com/office/drawing/2010/main" w="9525">
                     <a:solidFill>
                       <a:srgbClr val="000000"/>
                     </a:solidFill>
@@ -12099,7 +12586,7 @@
               </a:ln>
               <a:extLst>
                 <a:ext uri="{91240B29-F687-4f45-9708-019B960494DF}">
-                  <a14:hiddenLine xmlns:a14="http://schemas.microsoft.com/office/drawing/2010/main" xmlns="" w="9525">
+                  <a14:hiddenLine xmlns="" xmlns:a14="http://schemas.microsoft.com/office/drawing/2010/main" w="9525">
                     <a:solidFill>
                       <a:srgbClr val="000000"/>
                     </a:solidFill>
@@ -12161,7 +12648,7 @@
               </a:ln>
               <a:extLst>
                 <a:ext uri="{91240B29-F687-4f45-9708-019B960494DF}">
-                  <a14:hiddenLine xmlns:a14="http://schemas.microsoft.com/office/drawing/2010/main" xmlns="" w="9525">
+                  <a14:hiddenLine xmlns="" xmlns:a14="http://schemas.microsoft.com/office/drawing/2010/main" w="9525">
                     <a:solidFill>
                       <a:srgbClr val="000000"/>
                     </a:solidFill>
@@ -12251,7 +12738,7 @@
               </a:ln>
               <a:extLst>
                 <a:ext uri="{91240B29-F687-4f45-9708-019B960494DF}">
-                  <a14:hiddenLine xmlns:a14="http://schemas.microsoft.com/office/drawing/2010/main" xmlns="" w="9525">
+                  <a14:hiddenLine xmlns="" xmlns:a14="http://schemas.microsoft.com/office/drawing/2010/main" w="9525">
                     <a:solidFill>
                       <a:srgbClr val="000000"/>
                     </a:solidFill>
@@ -12341,7 +12828,7 @@
               </a:ln>
               <a:extLst>
                 <a:ext uri="{91240B29-F687-4f45-9708-019B960494DF}">
-                  <a14:hiddenLine xmlns:a14="http://schemas.microsoft.com/office/drawing/2010/main" xmlns="" w="9525">
+                  <a14:hiddenLine xmlns="" xmlns:a14="http://schemas.microsoft.com/office/drawing/2010/main" w="9525">
                     <a:solidFill>
                       <a:srgbClr val="000000"/>
                     </a:solidFill>
@@ -12406,7 +12893,7 @@
               </a:ln>
               <a:extLst>
                 <a:ext uri="{91240B29-F687-4f45-9708-019B960494DF}">
-                  <a14:hiddenLine xmlns:a14="http://schemas.microsoft.com/office/drawing/2010/main" xmlns="" w="9525">
+                  <a14:hiddenLine xmlns="" xmlns:a14="http://schemas.microsoft.com/office/drawing/2010/main" w="9525">
                     <a:solidFill>
                       <a:srgbClr val="000000"/>
                     </a:solidFill>
@@ -12526,7 +13013,7 @@
               </a:ln>
               <a:extLst>
                 <a:ext uri="{91240B29-F687-4f45-9708-019B960494DF}">
-                  <a14:hiddenLine xmlns:a14="http://schemas.microsoft.com/office/drawing/2010/main" xmlns="" w="9525">
+                  <a14:hiddenLine xmlns="" xmlns:a14="http://schemas.microsoft.com/office/drawing/2010/main" w="9525">
                     <a:solidFill>
                       <a:srgbClr val="000000"/>
                     </a:solidFill>
@@ -12624,7 +13111,7 @@
               </a:ln>
               <a:extLst>
                 <a:ext uri="{91240B29-F687-4f45-9708-019B960494DF}">
-                  <a14:hiddenLine xmlns:a14="http://schemas.microsoft.com/office/drawing/2010/main" xmlns="" w="9525">
+                  <a14:hiddenLine xmlns="" xmlns:a14="http://schemas.microsoft.com/office/drawing/2010/main" w="9525">
                     <a:solidFill>
                       <a:srgbClr val="000000"/>
                     </a:solidFill>
@@ -12739,7 +13226,7 @@
               </a:ln>
               <a:extLst>
                 <a:ext uri="{91240B29-F687-4f45-9708-019B960494DF}">
-                  <a14:hiddenLine xmlns:a14="http://schemas.microsoft.com/office/drawing/2010/main" xmlns="" w="9525">
+                  <a14:hiddenLine xmlns="" xmlns:a14="http://schemas.microsoft.com/office/drawing/2010/main" w="9525">
                     <a:solidFill>
                       <a:srgbClr val="000000"/>
                     </a:solidFill>
@@ -12829,7 +13316,7 @@
               </a:ln>
               <a:extLst>
                 <a:ext uri="{91240B29-F687-4f45-9708-019B960494DF}">
-                  <a14:hiddenLine xmlns:a14="http://schemas.microsoft.com/office/drawing/2010/main" xmlns="" w="9525">
+                  <a14:hiddenLine xmlns="" xmlns:a14="http://schemas.microsoft.com/office/drawing/2010/main" w="9525">
                     <a:solidFill>
                       <a:srgbClr val="000000"/>
                     </a:solidFill>
@@ -12894,7 +13381,7 @@
               </a:ln>
               <a:extLst>
                 <a:ext uri="{91240B29-F687-4f45-9708-019B960494DF}">
-                  <a14:hiddenLine xmlns:a14="http://schemas.microsoft.com/office/drawing/2010/main" xmlns="" w="9525">
+                  <a14:hiddenLine xmlns="" xmlns:a14="http://schemas.microsoft.com/office/drawing/2010/main" w="9525">
                     <a:solidFill>
                       <a:srgbClr val="000000"/>
                     </a:solidFill>
@@ -12984,7 +13471,7 @@
               </a:ln>
               <a:extLst>
                 <a:ext uri="{91240B29-F687-4f45-9708-019B960494DF}">
-                  <a14:hiddenLine xmlns:a14="http://schemas.microsoft.com/office/drawing/2010/main" xmlns="" w="9525">
+                  <a14:hiddenLine xmlns="" xmlns:a14="http://schemas.microsoft.com/office/drawing/2010/main" w="9525">
                     <a:solidFill>
                       <a:srgbClr val="000000"/>
                     </a:solidFill>
@@ -13052,7 +13539,7 @@
               </a:ln>
               <a:extLst>
                 <a:ext uri="{91240B29-F687-4f45-9708-019B960494DF}">
-                  <a14:hiddenLine xmlns:a14="http://schemas.microsoft.com/office/drawing/2010/main" xmlns="" w="9525">
+                  <a14:hiddenLine xmlns="" xmlns:a14="http://schemas.microsoft.com/office/drawing/2010/main" w="9525">
                     <a:solidFill>
                       <a:srgbClr val="000000"/>
                     </a:solidFill>
@@ -13142,7 +13629,7 @@
               </a:ln>
               <a:extLst>
                 <a:ext uri="{91240B29-F687-4f45-9708-019B960494DF}">
-                  <a14:hiddenLine xmlns:a14="http://schemas.microsoft.com/office/drawing/2010/main" xmlns="" w="9525">
+                  <a14:hiddenLine xmlns="" xmlns:a14="http://schemas.microsoft.com/office/drawing/2010/main" w="9525">
                     <a:solidFill>
                       <a:srgbClr val="000000"/>
                     </a:solidFill>
@@ -13210,7 +13697,7 @@
               </a:ln>
               <a:extLst>
                 <a:ext uri="{91240B29-F687-4f45-9708-019B960494DF}">
-                  <a14:hiddenLine xmlns:a14="http://schemas.microsoft.com/office/drawing/2010/main" xmlns="" w="9525">
+                  <a14:hiddenLine xmlns="" xmlns:a14="http://schemas.microsoft.com/office/drawing/2010/main" w="9525">
                     <a:solidFill>
                       <a:srgbClr val="000000"/>
                     </a:solidFill>
@@ -13300,7 +13787,7 @@
               </a:ln>
               <a:extLst>
                 <a:ext uri="{91240B29-F687-4f45-9708-019B960494DF}">
-                  <a14:hiddenLine xmlns:a14="http://schemas.microsoft.com/office/drawing/2010/main" xmlns="" w="9525">
+                  <a14:hiddenLine xmlns="" xmlns:a14="http://schemas.microsoft.com/office/drawing/2010/main" w="9525">
                     <a:solidFill>
                       <a:srgbClr val="000000"/>
                     </a:solidFill>
@@ -13334,7 +13821,7 @@
               </a:ln>
               <a:extLst>
                 <a:ext uri="{91240B29-F687-4f45-9708-019B960494DF}">
-                  <a14:hiddenLine xmlns:a14="http://schemas.microsoft.com/office/drawing/2010/main" xmlns="" w="9525">
+                  <a14:hiddenLine xmlns="" xmlns:a14="http://schemas.microsoft.com/office/drawing/2010/main" w="9525">
                     <a:solidFill>
                       <a:srgbClr val="000000"/>
                     </a:solidFill>
@@ -13474,7 +13961,7 @@
           <a:p>
             <a:fld id="{D0D65A25-5B34-480B-8A82-D452FDC7444D}" type="datetimeFigureOut">
               <a:rPr lang="es-ES" smtClean="0"/>
-              <a:t>14/01/2022</a:t>
+              <a:t>15/01/2022</a:t>
             </a:fld>
             <a:endParaRPr lang="es-ES" dirty="0"/>
           </a:p>
@@ -13982,7 +14469,7 @@
           <p:nvPr/>
         </p:nvPicPr>
         <p:blipFill>
-          <a:blip r:embed="rId2" cstate="print">
+          <a:blip r:embed="rId3" cstate="print">
             <a:extLst>
               <a:ext uri="{28A0092B-C50C-407E-A947-70E740481C1C}">
                 <a14:useLocalDpi xmlns:a14="http://schemas.microsoft.com/office/drawing/2010/main" val="0"/>
@@ -14013,10 +14500,226 @@
   <p:clrMapOvr>
     <a:masterClrMapping/>
   </p:clrMapOvr>
+  <p:transition spd="slow">
+    <p:push dir="u"/>
+  </p:transition>
 </p:sld>
 </file>
 
 <file path=ppt/slides/slide2.xml><?xml version="1.0" encoding="utf-8"?>
+<p:sld xmlns:a="http://schemas.openxmlformats.org/drawingml/2006/main" xmlns:r="http://schemas.openxmlformats.org/officeDocument/2006/relationships" xmlns:p="http://schemas.openxmlformats.org/presentationml/2006/main">
+  <p:cSld>
+    <p:spTree>
+      <p:nvGrpSpPr>
+        <p:cNvPr id="1" name=""/>
+        <p:cNvGrpSpPr/>
+        <p:nvPr/>
+      </p:nvGrpSpPr>
+      <p:grpSpPr>
+        <a:xfrm>
+          <a:off x="0" y="0"/>
+          <a:ext cx="0" cy="0"/>
+          <a:chOff x="0" y="0"/>
+          <a:chExt cx="0" cy="0"/>
+        </a:xfrm>
+      </p:grpSpPr>
+      <p:pic>
+        <p:nvPicPr>
+          <p:cNvPr id="5" name="Content Placeholder 4" descr="A picture containing text, outdoor, transport, old&#10;&#10;Description automatically generated">
+            <a:extLst>
+              <a:ext uri="{FF2B5EF4-FFF2-40B4-BE49-F238E27FC236}">
+                <a16:creationId xmlns:a16="http://schemas.microsoft.com/office/drawing/2014/main" id="{2615B05B-5EF1-4F0E-8C5E-56190E5535A6}"/>
+              </a:ext>
+            </a:extLst>
+          </p:cNvPr>
+          <p:cNvPicPr>
+            <a:picLocks noGrp="1" noChangeAspect="1"/>
+          </p:cNvPicPr>
+          <p:nvPr>
+            <p:ph idx="1"/>
+          </p:nvPr>
+        </p:nvPicPr>
+        <p:blipFill>
+          <a:blip r:embed="rId3">
+            <a:extLst>
+              <a:ext uri="{28A0092B-C50C-407E-A947-70E740481C1C}">
+                <a14:useLocalDpi xmlns:a14="http://schemas.microsoft.com/office/drawing/2010/main" val="0"/>
+              </a:ext>
+            </a:extLst>
+          </a:blip>
+          <a:stretch>
+            <a:fillRect/>
+          </a:stretch>
+        </p:blipFill>
+        <p:spPr>
+          <a:xfrm>
+            <a:off x="1558981" y="203199"/>
+            <a:ext cx="9134133" cy="6251172"/>
+          </a:xfrm>
+        </p:spPr>
+      </p:pic>
+      <p:sp>
+        <p:nvSpPr>
+          <p:cNvPr id="2" name="Title 1">
+            <a:extLst>
+              <a:ext uri="{FF2B5EF4-FFF2-40B4-BE49-F238E27FC236}">
+                <a16:creationId xmlns:a16="http://schemas.microsoft.com/office/drawing/2014/main" id="{98E0753F-A6C6-4513-AC6C-902B91339917}"/>
+              </a:ext>
+            </a:extLst>
+          </p:cNvPr>
+          <p:cNvSpPr>
+            <a:spLocks noGrp="1"/>
+          </p:cNvSpPr>
+          <p:nvPr>
+            <p:ph type="title"/>
+          </p:nvPr>
+        </p:nvSpPr>
+        <p:spPr>
+          <a:xfrm>
+            <a:off x="1558981" y="50800"/>
+            <a:ext cx="9969273" cy="1182688"/>
+          </a:xfrm>
+        </p:spPr>
+        <p:txBody>
+          <a:bodyPr>
+            <a:normAutofit/>
+          </a:bodyPr>
+          <a:lstStyle/>
+          <a:p>
+            <a:r>
+              <a:rPr lang="en-GB" sz="2800" dirty="0">
+                <a:solidFill>
+                  <a:schemeClr val="bg1"/>
+                </a:solidFill>
+              </a:rPr>
+              <a:t>How probable would you </a:t>
+            </a:r>
+            <a:r>
+              <a:rPr lang="en-GB" sz="2800" dirty="0">
+                <a:solidFill>
+                  <a:srgbClr val="FF0000"/>
+                </a:solidFill>
+              </a:rPr>
+              <a:t>survive</a:t>
+            </a:r>
+            <a:r>
+              <a:rPr lang="en-GB" sz="2800" dirty="0">
+                <a:solidFill>
+                  <a:schemeClr val="bg1"/>
+                </a:solidFill>
+              </a:rPr>
+              <a:t> in </a:t>
+            </a:r>
+            <a:r>
+              <a:rPr lang="en-GB" sz="2800" dirty="0">
+                <a:solidFill>
+                  <a:srgbClr val="FF0000"/>
+                </a:solidFill>
+              </a:rPr>
+              <a:t>titanic</a:t>
+            </a:r>
+            <a:endParaRPr lang="en-US" sz="2800" dirty="0">
+              <a:solidFill>
+                <a:srgbClr val="FF0000"/>
+              </a:solidFill>
+            </a:endParaRPr>
+          </a:p>
+        </p:txBody>
+      </p:sp>
+      <p:sp>
+        <p:nvSpPr>
+          <p:cNvPr id="6" name="TextBox 5">
+            <a:extLst>
+              <a:ext uri="{FF2B5EF4-FFF2-40B4-BE49-F238E27FC236}">
+                <a16:creationId xmlns:a16="http://schemas.microsoft.com/office/drawing/2014/main" id="{045E5D94-5C30-43AB-84AC-14612C392FA9}"/>
+              </a:ext>
+            </a:extLst>
+          </p:cNvPr>
+          <p:cNvSpPr txBox="1"/>
+          <p:nvPr/>
+        </p:nvSpPr>
+        <p:spPr>
+          <a:xfrm>
+            <a:off x="1466113" y="6490903"/>
+            <a:ext cx="5823261" cy="276999"/>
+          </a:xfrm>
+          <a:prstGeom prst="rect">
+            <a:avLst/>
+          </a:prstGeom>
+          <a:noFill/>
+        </p:spPr>
+        <p:txBody>
+          <a:bodyPr wrap="none" rtlCol="0">
+            <a:spAutoFit/>
+          </a:bodyPr>
+          <a:lstStyle/>
+          <a:p>
+            <a:r>
+              <a:rPr lang="en-US" sz="1200" dirty="0">
+                <a:solidFill>
+                  <a:schemeClr val="bg1">
+                    <a:lumMod val="50000"/>
+                  </a:schemeClr>
+                </a:solidFill>
+              </a:rPr>
+              <a:t>https://en.wikipedia.org/wiki/File:St%C3%B6wer_Titanic.jpg Titanic sinking by Willy St</a:t>
+            </a:r>
+            <a:r>
+              <a:rPr lang="es-ES" sz="1200" dirty="0">
+                <a:solidFill>
+                  <a:schemeClr val="bg1">
+                    <a:lumMod val="50000"/>
+                  </a:schemeClr>
+                </a:solidFill>
+              </a:rPr>
+              <a:t>ö</a:t>
+            </a:r>
+            <a:r>
+              <a:rPr lang="en-GB" sz="1200" dirty="0">
+                <a:solidFill>
+                  <a:schemeClr val="bg1">
+                    <a:lumMod val="50000"/>
+                  </a:schemeClr>
+                </a:solidFill>
+              </a:rPr>
+              <a:t>wer</a:t>
+            </a:r>
+            <a:endParaRPr lang="en-US" sz="1200" dirty="0">
+              <a:solidFill>
+                <a:schemeClr val="bg1">
+                  <a:lumMod val="50000"/>
+                </a:schemeClr>
+              </a:solidFill>
+            </a:endParaRPr>
+          </a:p>
+        </p:txBody>
+      </p:sp>
+    </p:spTree>
+    <p:extLst>
+      <p:ext uri="{BB962C8B-B14F-4D97-AF65-F5344CB8AC3E}">
+        <p14:creationId xmlns:p14="http://schemas.microsoft.com/office/powerpoint/2010/main" val="8389148"/>
+      </p:ext>
+    </p:extLst>
+  </p:cSld>
+  <p:clrMapOvr>
+    <a:masterClrMapping/>
+  </p:clrMapOvr>
+  <mc:AlternateContent xmlns:mc="http://schemas.openxmlformats.org/markup-compatibility/2006">
+    <mc:Choice xmlns:p14="http://schemas.microsoft.com/office/powerpoint/2010/main" Requires="p14">
+      <p:transition spd="slow" p14:dur="2000">
+        <p14:vortex dir="r"/>
+      </p:transition>
+    </mc:Choice>
+    <mc:Fallback>
+      <p:transition spd="slow">
+        <p:fade/>
+      </p:transition>
+    </mc:Fallback>
+  </mc:AlternateContent>
+</p:sld>
+</file>
+
+<file path=ppt/slides/slide3.xml><?xml version="1.0" encoding="utf-8"?>
 <p:sld xmlns:a="http://schemas.openxmlformats.org/drawingml/2006/main" xmlns:r="http://schemas.openxmlformats.org/officeDocument/2006/relationships" xmlns:p="http://schemas.openxmlformats.org/presentationml/2006/main">
   <p:cSld>
     <p:spTree>
@@ -14161,10 +14864,13 @@
   <p:clrMapOvr>
     <a:masterClrMapping/>
   </p:clrMapOvr>
+  <p:transition spd="slow">
+    <p:wipe/>
+  </p:transition>
 </p:sld>
 </file>
 
-<file path=ppt/slides/slide3.xml><?xml version="1.0" encoding="utf-8"?>
+<file path=ppt/slides/slide4.xml><?xml version="1.0" encoding="utf-8"?>
 <p:sld xmlns:a="http://schemas.openxmlformats.org/drawingml/2006/main" xmlns:r="http://schemas.openxmlformats.org/officeDocument/2006/relationships" xmlns:p="http://schemas.openxmlformats.org/presentationml/2006/main">
   <p:cSld>
     <p:spTree>
@@ -14276,10 +14982,13 @@
   <p:clrMapOvr>
     <a:masterClrMapping/>
   </p:clrMapOvr>
+  <p:transition spd="med">
+    <p:pull/>
+  </p:transition>
 </p:sld>
 </file>
 
-<file path=ppt/slides/slide4.xml><?xml version="1.0" encoding="utf-8"?>
+<file path=ppt/slides/slide5.xml><?xml version="1.0" encoding="utf-8"?>
 <p:sld xmlns:a="http://schemas.openxmlformats.org/drawingml/2006/main" xmlns:r="http://schemas.openxmlformats.org/officeDocument/2006/relationships" xmlns:p="http://schemas.openxmlformats.org/presentationml/2006/main">
   <p:cSld>
     <p:spTree>
@@ -15388,10 +16097,3690 @@
   <p:clrMapOvr>
     <a:masterClrMapping/>
   </p:clrMapOvr>
+  <mc:AlternateContent xmlns:mc="http://schemas.openxmlformats.org/markup-compatibility/2006">
+    <mc:Choice xmlns:p14="http://schemas.microsoft.com/office/powerpoint/2010/main" Requires="p14">
+      <p:transition spd="slow" p14:dur="1500">
+        <p:split orient="vert"/>
+      </p:transition>
+    </mc:Choice>
+    <mc:Fallback>
+      <p:transition spd="slow">
+        <p:split orient="vert"/>
+      </p:transition>
+    </mc:Fallback>
+  </mc:AlternateContent>
+  <p:timing>
+    <p:tnLst>
+      <p:par>
+        <p:cTn id="1" dur="indefinite" restart="never" nodeType="tmRoot">
+          <p:childTnLst>
+            <p:seq concurrent="1" nextAc="seek">
+              <p:cTn id="2" dur="indefinite" nodeType="mainSeq">
+                <p:childTnLst>
+                  <p:par>
+                    <p:cTn id="3" fill="hold">
+                      <p:stCondLst>
+                        <p:cond delay="indefinite"/>
+                      </p:stCondLst>
+                      <p:childTnLst>
+                        <p:par>
+                          <p:cTn id="4" fill="hold">
+                            <p:stCondLst>
+                              <p:cond delay="0"/>
+                            </p:stCondLst>
+                            <p:childTnLst>
+                              <p:par>
+                                <p:cTn id="5" presetID="14" presetClass="entr" presetSubtype="10" fill="hold" grpId="0" nodeType="clickEffect">
+                                  <p:stCondLst>
+                                    <p:cond delay="0"/>
+                                  </p:stCondLst>
+                                  <p:childTnLst>
+                                    <p:set>
+                                      <p:cBhvr>
+                                        <p:cTn id="6" dur="1" fill="hold">
+                                          <p:stCondLst>
+                                            <p:cond delay="0"/>
+                                          </p:stCondLst>
+                                        </p:cTn>
+                                        <p:tgtEl>
+                                          <p:spTgt spid="17"/>
+                                        </p:tgtEl>
+                                        <p:attrNameLst>
+                                          <p:attrName>style.visibility</p:attrName>
+                                        </p:attrNameLst>
+                                      </p:cBhvr>
+                                      <p:to>
+                                        <p:strVal val="visible"/>
+                                      </p:to>
+                                    </p:set>
+                                    <p:animEffect transition="in" filter="randombar(horizontal)">
+                                      <p:cBhvr>
+                                        <p:cTn id="7" dur="500"/>
+                                        <p:tgtEl>
+                                          <p:spTgt spid="17"/>
+                                        </p:tgtEl>
+                                      </p:cBhvr>
+                                    </p:animEffect>
+                                  </p:childTnLst>
+                                </p:cTn>
+                              </p:par>
+                              <p:par>
+                                <p:cTn id="8" presetID="14" presetClass="entr" presetSubtype="10" fill="hold" grpId="0" nodeType="withEffect">
+                                  <p:stCondLst>
+                                    <p:cond delay="0"/>
+                                  </p:stCondLst>
+                                  <p:childTnLst>
+                                    <p:set>
+                                      <p:cBhvr>
+                                        <p:cTn id="9" dur="1" fill="hold">
+                                          <p:stCondLst>
+                                            <p:cond delay="0"/>
+                                          </p:stCondLst>
+                                        </p:cTn>
+                                        <p:tgtEl>
+                                          <p:spTgt spid="11"/>
+                                        </p:tgtEl>
+                                        <p:attrNameLst>
+                                          <p:attrName>style.visibility</p:attrName>
+                                        </p:attrNameLst>
+                                      </p:cBhvr>
+                                      <p:to>
+                                        <p:strVal val="visible"/>
+                                      </p:to>
+                                    </p:set>
+                                    <p:animEffect transition="in" filter="randombar(horizontal)">
+                                      <p:cBhvr>
+                                        <p:cTn id="10" dur="500"/>
+                                        <p:tgtEl>
+                                          <p:spTgt spid="11"/>
+                                        </p:tgtEl>
+                                      </p:cBhvr>
+                                    </p:animEffect>
+                                  </p:childTnLst>
+                                </p:cTn>
+                              </p:par>
+                              <p:par>
+                                <p:cTn id="11" presetID="14" presetClass="entr" presetSubtype="10" fill="hold" grpId="0" nodeType="withEffect">
+                                  <p:stCondLst>
+                                    <p:cond delay="0"/>
+                                  </p:stCondLst>
+                                  <p:childTnLst>
+                                    <p:set>
+                                      <p:cBhvr>
+                                        <p:cTn id="12" dur="1" fill="hold">
+                                          <p:stCondLst>
+                                            <p:cond delay="0"/>
+                                          </p:stCondLst>
+                                        </p:cTn>
+                                        <p:tgtEl>
+                                          <p:spTgt spid="15"/>
+                                        </p:tgtEl>
+                                        <p:attrNameLst>
+                                          <p:attrName>style.visibility</p:attrName>
+                                        </p:attrNameLst>
+                                      </p:cBhvr>
+                                      <p:to>
+                                        <p:strVal val="visible"/>
+                                      </p:to>
+                                    </p:set>
+                                    <p:animEffect transition="in" filter="randombar(horizontal)">
+                                      <p:cBhvr>
+                                        <p:cTn id="13" dur="500"/>
+                                        <p:tgtEl>
+                                          <p:spTgt spid="15"/>
+                                        </p:tgtEl>
+                                      </p:cBhvr>
+                                    </p:animEffect>
+                                  </p:childTnLst>
+                                </p:cTn>
+                              </p:par>
+                              <p:par>
+                                <p:cTn id="14" presetID="14" presetClass="entr" presetSubtype="10" fill="hold" grpId="0" nodeType="withEffect">
+                                  <p:stCondLst>
+                                    <p:cond delay="0"/>
+                                  </p:stCondLst>
+                                  <p:childTnLst>
+                                    <p:set>
+                                      <p:cBhvr>
+                                        <p:cTn id="15" dur="1" fill="hold">
+                                          <p:stCondLst>
+                                            <p:cond delay="0"/>
+                                          </p:stCondLst>
+                                        </p:cTn>
+                                        <p:tgtEl>
+                                          <p:spTgt spid="16"/>
+                                        </p:tgtEl>
+                                        <p:attrNameLst>
+                                          <p:attrName>style.visibility</p:attrName>
+                                        </p:attrNameLst>
+                                      </p:cBhvr>
+                                      <p:to>
+                                        <p:strVal val="visible"/>
+                                      </p:to>
+                                    </p:set>
+                                    <p:animEffect transition="in" filter="randombar(horizontal)">
+                                      <p:cBhvr>
+                                        <p:cTn id="16" dur="500"/>
+                                        <p:tgtEl>
+                                          <p:spTgt spid="16"/>
+                                        </p:tgtEl>
+                                      </p:cBhvr>
+                                    </p:animEffect>
+                                  </p:childTnLst>
+                                </p:cTn>
+                              </p:par>
+                            </p:childTnLst>
+                          </p:cTn>
+                        </p:par>
+                      </p:childTnLst>
+                    </p:cTn>
+                  </p:par>
+                  <p:par>
+                    <p:cTn id="17" fill="hold">
+                      <p:stCondLst>
+                        <p:cond delay="indefinite"/>
+                      </p:stCondLst>
+                      <p:childTnLst>
+                        <p:par>
+                          <p:cTn id="18" fill="hold">
+                            <p:stCondLst>
+                              <p:cond delay="0"/>
+                            </p:stCondLst>
+                            <p:childTnLst>
+                              <p:par>
+                                <p:cTn id="19" presetID="42" presetClass="entr" presetSubtype="0" fill="hold" grpId="0" nodeType="clickEffect">
+                                  <p:stCondLst>
+                                    <p:cond delay="250"/>
+                                  </p:stCondLst>
+                                  <p:childTnLst>
+                                    <p:set>
+                                      <p:cBhvr>
+                                        <p:cTn id="20" dur="1" fill="hold">
+                                          <p:stCondLst>
+                                            <p:cond delay="0"/>
+                                          </p:stCondLst>
+                                        </p:cTn>
+                                        <p:tgtEl>
+                                          <p:spTgt spid="6"/>
+                                        </p:tgtEl>
+                                        <p:attrNameLst>
+                                          <p:attrName>style.visibility</p:attrName>
+                                        </p:attrNameLst>
+                                      </p:cBhvr>
+                                      <p:to>
+                                        <p:strVal val="visible"/>
+                                      </p:to>
+                                    </p:set>
+                                    <p:animEffect transition="in" filter="fade">
+                                      <p:cBhvr>
+                                        <p:cTn id="21" dur="1000"/>
+                                        <p:tgtEl>
+                                          <p:spTgt spid="6"/>
+                                        </p:tgtEl>
+                                      </p:cBhvr>
+                                    </p:animEffect>
+                                    <p:anim calcmode="lin" valueType="num">
+                                      <p:cBhvr>
+                                        <p:cTn id="22" dur="1000" fill="hold"/>
+                                        <p:tgtEl>
+                                          <p:spTgt spid="6"/>
+                                        </p:tgtEl>
+                                        <p:attrNameLst>
+                                          <p:attrName>ppt_x</p:attrName>
+                                        </p:attrNameLst>
+                                      </p:cBhvr>
+                                      <p:tavLst>
+                                        <p:tav tm="0">
+                                          <p:val>
+                                            <p:strVal val="#ppt_x"/>
+                                          </p:val>
+                                        </p:tav>
+                                        <p:tav tm="100000">
+                                          <p:val>
+                                            <p:strVal val="#ppt_x"/>
+                                          </p:val>
+                                        </p:tav>
+                                      </p:tavLst>
+                                    </p:anim>
+                                    <p:anim calcmode="lin" valueType="num">
+                                      <p:cBhvr>
+                                        <p:cTn id="23" dur="1000" fill="hold"/>
+                                        <p:tgtEl>
+                                          <p:spTgt spid="6"/>
+                                        </p:tgtEl>
+                                        <p:attrNameLst>
+                                          <p:attrName>ppt_y</p:attrName>
+                                        </p:attrNameLst>
+                                      </p:cBhvr>
+                                      <p:tavLst>
+                                        <p:tav tm="0">
+                                          <p:val>
+                                            <p:strVal val="#ppt_y+.1"/>
+                                          </p:val>
+                                        </p:tav>
+                                        <p:tav tm="100000">
+                                          <p:val>
+                                            <p:strVal val="#ppt_y"/>
+                                          </p:val>
+                                        </p:tav>
+                                      </p:tavLst>
+                                    </p:anim>
+                                  </p:childTnLst>
+                                </p:cTn>
+                              </p:par>
+                              <p:par>
+                                <p:cTn id="24" presetID="42" presetClass="entr" presetSubtype="0" fill="hold" grpId="0" nodeType="withEffect">
+                                  <p:stCondLst>
+                                    <p:cond delay="0"/>
+                                  </p:stCondLst>
+                                  <p:childTnLst>
+                                    <p:set>
+                                      <p:cBhvr>
+                                        <p:cTn id="25" dur="1" fill="hold">
+                                          <p:stCondLst>
+                                            <p:cond delay="0"/>
+                                          </p:stCondLst>
+                                        </p:cTn>
+                                        <p:tgtEl>
+                                          <p:spTgt spid="10"/>
+                                        </p:tgtEl>
+                                        <p:attrNameLst>
+                                          <p:attrName>style.visibility</p:attrName>
+                                        </p:attrNameLst>
+                                      </p:cBhvr>
+                                      <p:to>
+                                        <p:strVal val="visible"/>
+                                      </p:to>
+                                    </p:set>
+                                    <p:animEffect transition="in" filter="fade">
+                                      <p:cBhvr>
+                                        <p:cTn id="26" dur="1000"/>
+                                        <p:tgtEl>
+                                          <p:spTgt spid="10"/>
+                                        </p:tgtEl>
+                                      </p:cBhvr>
+                                    </p:animEffect>
+                                    <p:anim calcmode="lin" valueType="num">
+                                      <p:cBhvr>
+                                        <p:cTn id="27" dur="1000" fill="hold"/>
+                                        <p:tgtEl>
+                                          <p:spTgt spid="10"/>
+                                        </p:tgtEl>
+                                        <p:attrNameLst>
+                                          <p:attrName>ppt_x</p:attrName>
+                                        </p:attrNameLst>
+                                      </p:cBhvr>
+                                      <p:tavLst>
+                                        <p:tav tm="0">
+                                          <p:val>
+                                            <p:strVal val="#ppt_x"/>
+                                          </p:val>
+                                        </p:tav>
+                                        <p:tav tm="100000">
+                                          <p:val>
+                                            <p:strVal val="#ppt_x"/>
+                                          </p:val>
+                                        </p:tav>
+                                      </p:tavLst>
+                                    </p:anim>
+                                    <p:anim calcmode="lin" valueType="num">
+                                      <p:cBhvr>
+                                        <p:cTn id="28" dur="1000" fill="hold"/>
+                                        <p:tgtEl>
+                                          <p:spTgt spid="10"/>
+                                        </p:tgtEl>
+                                        <p:attrNameLst>
+                                          <p:attrName>ppt_y</p:attrName>
+                                        </p:attrNameLst>
+                                      </p:cBhvr>
+                                      <p:tavLst>
+                                        <p:tav tm="0">
+                                          <p:val>
+                                            <p:strVal val="#ppt_y+.1"/>
+                                          </p:val>
+                                        </p:tav>
+                                        <p:tav tm="100000">
+                                          <p:val>
+                                            <p:strVal val="#ppt_y"/>
+                                          </p:val>
+                                        </p:tav>
+                                      </p:tavLst>
+                                    </p:anim>
+                                  </p:childTnLst>
+                                </p:cTn>
+                              </p:par>
+                              <p:par>
+                                <p:cTn id="29" presetID="42" presetClass="entr" presetSubtype="0" fill="hold" grpId="0" nodeType="withEffect">
+                                  <p:stCondLst>
+                                    <p:cond delay="500"/>
+                                  </p:stCondLst>
+                                  <p:childTnLst>
+                                    <p:set>
+                                      <p:cBhvr>
+                                        <p:cTn id="30" dur="1" fill="hold">
+                                          <p:stCondLst>
+                                            <p:cond delay="0"/>
+                                          </p:stCondLst>
+                                        </p:cTn>
+                                        <p:tgtEl>
+                                          <p:spTgt spid="9"/>
+                                        </p:tgtEl>
+                                        <p:attrNameLst>
+                                          <p:attrName>style.visibility</p:attrName>
+                                        </p:attrNameLst>
+                                      </p:cBhvr>
+                                      <p:to>
+                                        <p:strVal val="visible"/>
+                                      </p:to>
+                                    </p:set>
+                                    <p:animEffect transition="in" filter="fade">
+                                      <p:cBhvr>
+                                        <p:cTn id="31" dur="1000"/>
+                                        <p:tgtEl>
+                                          <p:spTgt spid="9"/>
+                                        </p:tgtEl>
+                                      </p:cBhvr>
+                                    </p:animEffect>
+                                    <p:anim calcmode="lin" valueType="num">
+                                      <p:cBhvr>
+                                        <p:cTn id="32" dur="1000" fill="hold"/>
+                                        <p:tgtEl>
+                                          <p:spTgt spid="9"/>
+                                        </p:tgtEl>
+                                        <p:attrNameLst>
+                                          <p:attrName>ppt_x</p:attrName>
+                                        </p:attrNameLst>
+                                      </p:cBhvr>
+                                      <p:tavLst>
+                                        <p:tav tm="0">
+                                          <p:val>
+                                            <p:strVal val="#ppt_x"/>
+                                          </p:val>
+                                        </p:tav>
+                                        <p:tav tm="100000">
+                                          <p:val>
+                                            <p:strVal val="#ppt_x"/>
+                                          </p:val>
+                                        </p:tav>
+                                      </p:tavLst>
+                                    </p:anim>
+                                    <p:anim calcmode="lin" valueType="num">
+                                      <p:cBhvr>
+                                        <p:cTn id="33" dur="1000" fill="hold"/>
+                                        <p:tgtEl>
+                                          <p:spTgt spid="9"/>
+                                        </p:tgtEl>
+                                        <p:attrNameLst>
+                                          <p:attrName>ppt_y</p:attrName>
+                                        </p:attrNameLst>
+                                      </p:cBhvr>
+                                      <p:tavLst>
+                                        <p:tav tm="0">
+                                          <p:val>
+                                            <p:strVal val="#ppt_y+.1"/>
+                                          </p:val>
+                                        </p:tav>
+                                        <p:tav tm="100000">
+                                          <p:val>
+                                            <p:strVal val="#ppt_y"/>
+                                          </p:val>
+                                        </p:tav>
+                                      </p:tavLst>
+                                    </p:anim>
+                                  </p:childTnLst>
+                                </p:cTn>
+                              </p:par>
+                            </p:childTnLst>
+                          </p:cTn>
+                        </p:par>
+                      </p:childTnLst>
+                    </p:cTn>
+                  </p:par>
+                  <p:par>
+                    <p:cTn id="34" fill="hold">
+                      <p:stCondLst>
+                        <p:cond delay="indefinite"/>
+                      </p:stCondLst>
+                      <p:childTnLst>
+                        <p:par>
+                          <p:cTn id="35" fill="hold">
+                            <p:stCondLst>
+                              <p:cond delay="0"/>
+                            </p:stCondLst>
+                            <p:childTnLst>
+                              <p:par>
+                                <p:cTn id="36" presetID="10" presetClass="entr" presetSubtype="0" fill="hold" nodeType="clickEffect">
+                                  <p:stCondLst>
+                                    <p:cond delay="0"/>
+                                  </p:stCondLst>
+                                  <p:childTnLst>
+                                    <p:set>
+                                      <p:cBhvr>
+                                        <p:cTn id="37" dur="1" fill="hold">
+                                          <p:stCondLst>
+                                            <p:cond delay="0"/>
+                                          </p:stCondLst>
+                                        </p:cTn>
+                                        <p:tgtEl>
+                                          <p:spTgt spid="26"/>
+                                        </p:tgtEl>
+                                        <p:attrNameLst>
+                                          <p:attrName>style.visibility</p:attrName>
+                                        </p:attrNameLst>
+                                      </p:cBhvr>
+                                      <p:to>
+                                        <p:strVal val="visible"/>
+                                      </p:to>
+                                    </p:set>
+                                    <p:animEffect transition="in" filter="fade">
+                                      <p:cBhvr>
+                                        <p:cTn id="38" dur="500"/>
+                                        <p:tgtEl>
+                                          <p:spTgt spid="26"/>
+                                        </p:tgtEl>
+                                      </p:cBhvr>
+                                    </p:animEffect>
+                                  </p:childTnLst>
+                                </p:cTn>
+                              </p:par>
+                              <p:par>
+                                <p:cTn id="39" presetID="10" presetClass="entr" presetSubtype="0" fill="hold" nodeType="withEffect">
+                                  <p:stCondLst>
+                                    <p:cond delay="0"/>
+                                  </p:stCondLst>
+                                  <p:childTnLst>
+                                    <p:set>
+                                      <p:cBhvr>
+                                        <p:cTn id="40" dur="1" fill="hold">
+                                          <p:stCondLst>
+                                            <p:cond delay="0"/>
+                                          </p:stCondLst>
+                                        </p:cTn>
+                                        <p:tgtEl>
+                                          <p:spTgt spid="27"/>
+                                        </p:tgtEl>
+                                        <p:attrNameLst>
+                                          <p:attrName>style.visibility</p:attrName>
+                                        </p:attrNameLst>
+                                      </p:cBhvr>
+                                      <p:to>
+                                        <p:strVal val="visible"/>
+                                      </p:to>
+                                    </p:set>
+                                    <p:animEffect transition="in" filter="fade">
+                                      <p:cBhvr>
+                                        <p:cTn id="41" dur="500"/>
+                                        <p:tgtEl>
+                                          <p:spTgt spid="27"/>
+                                        </p:tgtEl>
+                                      </p:cBhvr>
+                                    </p:animEffect>
+                                  </p:childTnLst>
+                                </p:cTn>
+                              </p:par>
+                              <p:par>
+                                <p:cTn id="42" presetID="10" presetClass="entr" presetSubtype="0" fill="hold" nodeType="withEffect">
+                                  <p:stCondLst>
+                                    <p:cond delay="250"/>
+                                  </p:stCondLst>
+                                  <p:childTnLst>
+                                    <p:set>
+                                      <p:cBhvr>
+                                        <p:cTn id="43" dur="1" fill="hold">
+                                          <p:stCondLst>
+                                            <p:cond delay="0"/>
+                                          </p:stCondLst>
+                                        </p:cTn>
+                                        <p:tgtEl>
+                                          <p:spTgt spid="38"/>
+                                        </p:tgtEl>
+                                        <p:attrNameLst>
+                                          <p:attrName>style.visibility</p:attrName>
+                                        </p:attrNameLst>
+                                      </p:cBhvr>
+                                      <p:to>
+                                        <p:strVal val="visible"/>
+                                      </p:to>
+                                    </p:set>
+                                    <p:animEffect transition="in" filter="fade">
+                                      <p:cBhvr>
+                                        <p:cTn id="44" dur="500"/>
+                                        <p:tgtEl>
+                                          <p:spTgt spid="38"/>
+                                        </p:tgtEl>
+                                      </p:cBhvr>
+                                    </p:animEffect>
+                                  </p:childTnLst>
+                                </p:cTn>
+                              </p:par>
+                              <p:par>
+                                <p:cTn id="45" presetID="10" presetClass="entr" presetSubtype="0" fill="hold" nodeType="withEffect">
+                                  <p:stCondLst>
+                                    <p:cond delay="250"/>
+                                  </p:stCondLst>
+                                  <p:childTnLst>
+                                    <p:set>
+                                      <p:cBhvr>
+                                        <p:cTn id="46" dur="1" fill="hold">
+                                          <p:stCondLst>
+                                            <p:cond delay="0"/>
+                                          </p:stCondLst>
+                                        </p:cTn>
+                                        <p:tgtEl>
+                                          <p:spTgt spid="39"/>
+                                        </p:tgtEl>
+                                        <p:attrNameLst>
+                                          <p:attrName>style.visibility</p:attrName>
+                                        </p:attrNameLst>
+                                      </p:cBhvr>
+                                      <p:to>
+                                        <p:strVal val="visible"/>
+                                      </p:to>
+                                    </p:set>
+                                    <p:animEffect transition="in" filter="fade">
+                                      <p:cBhvr>
+                                        <p:cTn id="47" dur="500"/>
+                                        <p:tgtEl>
+                                          <p:spTgt spid="39"/>
+                                        </p:tgtEl>
+                                      </p:cBhvr>
+                                    </p:animEffect>
+                                  </p:childTnLst>
+                                </p:cTn>
+                              </p:par>
+                              <p:par>
+                                <p:cTn id="48" presetID="10" presetClass="entr" presetSubtype="0" fill="hold" nodeType="withEffect">
+                                  <p:stCondLst>
+                                    <p:cond delay="500"/>
+                                  </p:stCondLst>
+                                  <p:childTnLst>
+                                    <p:set>
+                                      <p:cBhvr>
+                                        <p:cTn id="49" dur="1" fill="hold">
+                                          <p:stCondLst>
+                                            <p:cond delay="0"/>
+                                          </p:stCondLst>
+                                        </p:cTn>
+                                        <p:tgtEl>
+                                          <p:spTgt spid="42"/>
+                                        </p:tgtEl>
+                                        <p:attrNameLst>
+                                          <p:attrName>style.visibility</p:attrName>
+                                        </p:attrNameLst>
+                                      </p:cBhvr>
+                                      <p:to>
+                                        <p:strVal val="visible"/>
+                                      </p:to>
+                                    </p:set>
+                                    <p:animEffect transition="in" filter="fade">
+                                      <p:cBhvr>
+                                        <p:cTn id="50" dur="500"/>
+                                        <p:tgtEl>
+                                          <p:spTgt spid="42"/>
+                                        </p:tgtEl>
+                                      </p:cBhvr>
+                                    </p:animEffect>
+                                  </p:childTnLst>
+                                </p:cTn>
+                              </p:par>
+                              <p:par>
+                                <p:cTn id="51" presetID="10" presetClass="entr" presetSubtype="0" fill="hold" nodeType="withEffect">
+                                  <p:stCondLst>
+                                    <p:cond delay="500"/>
+                                  </p:stCondLst>
+                                  <p:childTnLst>
+                                    <p:set>
+                                      <p:cBhvr>
+                                        <p:cTn id="52" dur="1" fill="hold">
+                                          <p:stCondLst>
+                                            <p:cond delay="0"/>
+                                          </p:stCondLst>
+                                        </p:cTn>
+                                        <p:tgtEl>
+                                          <p:spTgt spid="43"/>
+                                        </p:tgtEl>
+                                        <p:attrNameLst>
+                                          <p:attrName>style.visibility</p:attrName>
+                                        </p:attrNameLst>
+                                      </p:cBhvr>
+                                      <p:to>
+                                        <p:strVal val="visible"/>
+                                      </p:to>
+                                    </p:set>
+                                    <p:animEffect transition="in" filter="fade">
+                                      <p:cBhvr>
+                                        <p:cTn id="53" dur="500"/>
+                                        <p:tgtEl>
+                                          <p:spTgt spid="43"/>
+                                        </p:tgtEl>
+                                      </p:cBhvr>
+                                    </p:animEffect>
+                                  </p:childTnLst>
+                                </p:cTn>
+                              </p:par>
+                            </p:childTnLst>
+                          </p:cTn>
+                        </p:par>
+                      </p:childTnLst>
+                    </p:cTn>
+                  </p:par>
+                </p:childTnLst>
+              </p:cTn>
+              <p:prevCondLst>
+                <p:cond evt="onPrev" delay="0">
+                  <p:tgtEl>
+                    <p:sldTgt/>
+                  </p:tgtEl>
+                </p:cond>
+              </p:prevCondLst>
+              <p:nextCondLst>
+                <p:cond evt="onNext" delay="0">
+                  <p:tgtEl>
+                    <p:sldTgt/>
+                  </p:tgtEl>
+                </p:cond>
+              </p:nextCondLst>
+            </p:seq>
+          </p:childTnLst>
+        </p:cTn>
+      </p:par>
+    </p:tnLst>
+    <p:bldLst>
+      <p:bldP spid="6" grpId="0" animBg="1"/>
+      <p:bldP spid="9" grpId="0" animBg="1"/>
+      <p:bldP spid="10" grpId="0" animBg="1"/>
+      <p:bldP spid="11" grpId="0" animBg="1"/>
+      <p:bldP spid="15" grpId="0" animBg="1"/>
+      <p:bldP spid="16" grpId="0" animBg="1"/>
+      <p:bldP spid="17" grpId="0" animBg="1"/>
+    </p:bldLst>
+  </p:timing>
 </p:sld>
 </file>
 
-<file path=ppt/slides/slide5.xml><?xml version="1.0" encoding="utf-8"?>
+<file path=ppt/slides/slide6.xml><?xml version="1.0" encoding="utf-8"?>
+<p:sld xmlns:a="http://schemas.openxmlformats.org/drawingml/2006/main" xmlns:r="http://schemas.openxmlformats.org/officeDocument/2006/relationships" xmlns:p="http://schemas.openxmlformats.org/presentationml/2006/main">
+  <p:cSld>
+    <p:spTree>
+      <p:nvGrpSpPr>
+        <p:cNvPr id="1" name=""/>
+        <p:cNvGrpSpPr/>
+        <p:nvPr/>
+      </p:nvGrpSpPr>
+      <p:grpSpPr>
+        <a:xfrm>
+          <a:off x="0" y="0"/>
+          <a:ext cx="0" cy="0"/>
+          <a:chOff x="0" y="0"/>
+          <a:chExt cx="0" cy="0"/>
+        </a:xfrm>
+      </p:grpSpPr>
+      <p:sp>
+        <p:nvSpPr>
+          <p:cNvPr id="2" name="Title 1">
+            <a:extLst>
+              <a:ext uri="{FF2B5EF4-FFF2-40B4-BE49-F238E27FC236}">
+                <a16:creationId xmlns:a16="http://schemas.microsoft.com/office/drawing/2014/main" id="{311E2505-97CC-4173-BB3F-A5C204AE0A26}"/>
+              </a:ext>
+            </a:extLst>
+          </p:cNvPr>
+          <p:cNvSpPr>
+            <a:spLocks noGrp="1"/>
+          </p:cNvSpPr>
+          <p:nvPr>
+            <p:ph type="title"/>
+          </p:nvPr>
+        </p:nvSpPr>
+        <p:spPr/>
+        <p:txBody>
+          <a:bodyPr/>
+          <a:lstStyle/>
+          <a:p>
+            <a:pPr algn="ctr"/>
+            <a:r>
+              <a:rPr lang="en-US" dirty="0"/>
+              <a:t>Decision tree for playing tennis</a:t>
+            </a:r>
+          </a:p>
+        </p:txBody>
+      </p:sp>
+      <p:sp>
+        <p:nvSpPr>
+          <p:cNvPr id="4" name="Rectangle 3">
+            <a:extLst>
+              <a:ext uri="{FF2B5EF4-FFF2-40B4-BE49-F238E27FC236}">
+                <a16:creationId xmlns:a16="http://schemas.microsoft.com/office/drawing/2014/main" id="{282BD3D4-0218-49A9-B032-37BF327D559F}"/>
+              </a:ext>
+            </a:extLst>
+          </p:cNvPr>
+          <p:cNvSpPr/>
+          <p:nvPr/>
+        </p:nvSpPr>
+        <p:spPr>
+          <a:xfrm>
+            <a:off x="4970899" y="1877896"/>
+            <a:ext cx="1749021" cy="687334"/>
+          </a:xfrm>
+          <a:prstGeom prst="rect">
+            <a:avLst/>
+          </a:prstGeom>
+        </p:spPr>
+        <p:style>
+          <a:lnRef idx="2">
+            <a:schemeClr val="dk1"/>
+          </a:lnRef>
+          <a:fillRef idx="1">
+            <a:schemeClr val="lt1"/>
+          </a:fillRef>
+          <a:effectRef idx="0">
+            <a:schemeClr val="dk1"/>
+          </a:effectRef>
+          <a:fontRef idx="minor">
+            <a:schemeClr val="dk1"/>
+          </a:fontRef>
+        </p:style>
+        <p:txBody>
+          <a:bodyPr rtlCol="0" anchor="ctr"/>
+          <a:lstStyle/>
+          <a:p>
+            <a:pPr algn="ctr"/>
+            <a:r>
+              <a:rPr lang="en-US" dirty="0"/>
+              <a:t>Outlook</a:t>
+            </a:r>
+          </a:p>
+        </p:txBody>
+      </p:sp>
+      <p:sp>
+        <p:nvSpPr>
+          <p:cNvPr id="6" name="Rectangle 5">
+            <a:extLst>
+              <a:ext uri="{FF2B5EF4-FFF2-40B4-BE49-F238E27FC236}">
+                <a16:creationId xmlns:a16="http://schemas.microsoft.com/office/drawing/2014/main" id="{FA22B08A-06D0-4E46-B503-1AAA566F1700}"/>
+              </a:ext>
+            </a:extLst>
+          </p:cNvPr>
+          <p:cNvSpPr/>
+          <p:nvPr/>
+        </p:nvSpPr>
+        <p:spPr>
+          <a:xfrm>
+            <a:off x="7147458" y="3525657"/>
+            <a:ext cx="1749021" cy="687334"/>
+          </a:xfrm>
+          <a:prstGeom prst="rect">
+            <a:avLst/>
+          </a:prstGeom>
+        </p:spPr>
+        <p:style>
+          <a:lnRef idx="2">
+            <a:schemeClr val="dk1"/>
+          </a:lnRef>
+          <a:fillRef idx="1">
+            <a:schemeClr val="lt1"/>
+          </a:fillRef>
+          <a:effectRef idx="0">
+            <a:schemeClr val="dk1"/>
+          </a:effectRef>
+          <a:fontRef idx="minor">
+            <a:schemeClr val="dk1"/>
+          </a:fontRef>
+        </p:style>
+        <p:txBody>
+          <a:bodyPr rtlCol="0" anchor="ctr"/>
+          <a:lstStyle/>
+          <a:p>
+            <a:pPr algn="ctr"/>
+            <a:r>
+              <a:rPr lang="en-US" dirty="0"/>
+              <a:t>Wind</a:t>
+            </a:r>
+          </a:p>
+        </p:txBody>
+      </p:sp>
+      <p:sp>
+        <p:nvSpPr>
+          <p:cNvPr id="7" name="Rectangle 6">
+            <a:extLst>
+              <a:ext uri="{FF2B5EF4-FFF2-40B4-BE49-F238E27FC236}">
+                <a16:creationId xmlns:a16="http://schemas.microsoft.com/office/drawing/2014/main" id="{5E4E617A-4990-41E5-AB82-DD32AE391D5D}"/>
+              </a:ext>
+            </a:extLst>
+          </p:cNvPr>
+          <p:cNvSpPr/>
+          <p:nvPr/>
+        </p:nvSpPr>
+        <p:spPr>
+          <a:xfrm>
+            <a:off x="2752405" y="3525657"/>
+            <a:ext cx="1749021" cy="687334"/>
+          </a:xfrm>
+          <a:prstGeom prst="rect">
+            <a:avLst/>
+          </a:prstGeom>
+        </p:spPr>
+        <p:style>
+          <a:lnRef idx="2">
+            <a:schemeClr val="dk1"/>
+          </a:lnRef>
+          <a:fillRef idx="1">
+            <a:schemeClr val="lt1"/>
+          </a:fillRef>
+          <a:effectRef idx="0">
+            <a:schemeClr val="dk1"/>
+          </a:effectRef>
+          <a:fontRef idx="minor">
+            <a:schemeClr val="dk1"/>
+          </a:fontRef>
+        </p:style>
+        <p:txBody>
+          <a:bodyPr rtlCol="0" anchor="ctr"/>
+          <a:lstStyle/>
+          <a:p>
+            <a:pPr algn="ctr"/>
+            <a:r>
+              <a:rPr lang="en-US" dirty="0"/>
+              <a:t>Humidity</a:t>
+            </a:r>
+          </a:p>
+        </p:txBody>
+      </p:sp>
+      <p:cxnSp>
+        <p:nvCxnSpPr>
+          <p:cNvPr id="9" name="Straight Arrow Connector 8">
+            <a:extLst>
+              <a:ext uri="{FF2B5EF4-FFF2-40B4-BE49-F238E27FC236}">
+                <a16:creationId xmlns:a16="http://schemas.microsoft.com/office/drawing/2014/main" id="{1F66020E-51E6-4528-B9E0-8B60982EE57F}"/>
+              </a:ext>
+            </a:extLst>
+          </p:cNvPr>
+          <p:cNvCxnSpPr>
+            <a:stCxn id="4" idx="2"/>
+            <a:endCxn id="7" idx="0"/>
+          </p:cNvCxnSpPr>
+          <p:nvPr/>
+        </p:nvCxnSpPr>
+        <p:spPr>
+          <a:xfrm flipH="1">
+            <a:off x="3626916" y="2565230"/>
+            <a:ext cx="2218494" cy="960427"/>
+          </a:xfrm>
+          <a:prstGeom prst="straightConnector1">
+            <a:avLst/>
+          </a:prstGeom>
+          <a:ln>
+            <a:tailEnd type="triangle"/>
+          </a:ln>
+        </p:spPr>
+        <p:style>
+          <a:lnRef idx="1">
+            <a:schemeClr val="accent4"/>
+          </a:lnRef>
+          <a:fillRef idx="0">
+            <a:schemeClr val="accent4"/>
+          </a:fillRef>
+          <a:effectRef idx="0">
+            <a:schemeClr val="accent4"/>
+          </a:effectRef>
+          <a:fontRef idx="minor">
+            <a:schemeClr val="tx1"/>
+          </a:fontRef>
+        </p:style>
+      </p:cxnSp>
+      <p:cxnSp>
+        <p:nvCxnSpPr>
+          <p:cNvPr id="11" name="Straight Arrow Connector 10">
+            <a:extLst>
+              <a:ext uri="{FF2B5EF4-FFF2-40B4-BE49-F238E27FC236}">
+                <a16:creationId xmlns:a16="http://schemas.microsoft.com/office/drawing/2014/main" id="{F0ED1669-97D7-440B-A0EB-115031FF8921}"/>
+              </a:ext>
+            </a:extLst>
+          </p:cNvPr>
+          <p:cNvCxnSpPr>
+            <a:stCxn id="4" idx="2"/>
+            <a:endCxn id="6" idx="0"/>
+          </p:cNvCxnSpPr>
+          <p:nvPr/>
+        </p:nvCxnSpPr>
+        <p:spPr>
+          <a:xfrm>
+            <a:off x="5845410" y="2565230"/>
+            <a:ext cx="2176559" cy="960427"/>
+          </a:xfrm>
+          <a:prstGeom prst="straightConnector1">
+            <a:avLst/>
+          </a:prstGeom>
+          <a:ln>
+            <a:tailEnd type="triangle"/>
+          </a:ln>
+        </p:spPr>
+        <p:style>
+          <a:lnRef idx="1">
+            <a:schemeClr val="accent4"/>
+          </a:lnRef>
+          <a:fillRef idx="0">
+            <a:schemeClr val="accent4"/>
+          </a:fillRef>
+          <a:effectRef idx="0">
+            <a:schemeClr val="accent4"/>
+          </a:effectRef>
+          <a:fontRef idx="minor">
+            <a:schemeClr val="tx1"/>
+          </a:fontRef>
+        </p:style>
+      </p:cxnSp>
+      <p:sp>
+        <p:nvSpPr>
+          <p:cNvPr id="12" name="Oval 11">
+            <a:extLst>
+              <a:ext uri="{FF2B5EF4-FFF2-40B4-BE49-F238E27FC236}">
+                <a16:creationId xmlns:a16="http://schemas.microsoft.com/office/drawing/2014/main" id="{EA2008EB-5194-49A0-8027-5131D122278D}"/>
+              </a:ext>
+            </a:extLst>
+          </p:cNvPr>
+          <p:cNvSpPr/>
+          <p:nvPr/>
+        </p:nvSpPr>
+        <p:spPr>
+          <a:xfrm>
+            <a:off x="5501743" y="3525657"/>
+            <a:ext cx="687334" cy="687334"/>
+          </a:xfrm>
+          <a:prstGeom prst="ellipse">
+            <a:avLst/>
+          </a:prstGeom>
+        </p:spPr>
+        <p:style>
+          <a:lnRef idx="2">
+            <a:schemeClr val="accent4"/>
+          </a:lnRef>
+          <a:fillRef idx="1">
+            <a:schemeClr val="lt1"/>
+          </a:fillRef>
+          <a:effectRef idx="0">
+            <a:schemeClr val="accent4"/>
+          </a:effectRef>
+          <a:fontRef idx="minor">
+            <a:schemeClr val="dk1"/>
+          </a:fontRef>
+        </p:style>
+        <p:txBody>
+          <a:bodyPr rtlCol="0" anchor="ctr"/>
+          <a:lstStyle/>
+          <a:p>
+            <a:pPr algn="ctr"/>
+            <a:r>
+              <a:rPr lang="en-US" altLang="zh-CN" dirty="0"/>
+              <a:t>Yes</a:t>
+            </a:r>
+            <a:endParaRPr lang="en-US" dirty="0"/>
+          </a:p>
+        </p:txBody>
+      </p:sp>
+      <p:sp>
+        <p:nvSpPr>
+          <p:cNvPr id="13" name="Oval 12">
+            <a:extLst>
+              <a:ext uri="{FF2B5EF4-FFF2-40B4-BE49-F238E27FC236}">
+                <a16:creationId xmlns:a16="http://schemas.microsoft.com/office/drawing/2014/main" id="{C4A68854-B6CD-4B1F-9052-0985CC942B4D}"/>
+              </a:ext>
+            </a:extLst>
+          </p:cNvPr>
+          <p:cNvSpPr/>
+          <p:nvPr/>
+        </p:nvSpPr>
+        <p:spPr>
+          <a:xfrm>
+            <a:off x="2408738" y="5095683"/>
+            <a:ext cx="687334" cy="687334"/>
+          </a:xfrm>
+          <a:prstGeom prst="ellipse">
+            <a:avLst/>
+          </a:prstGeom>
+        </p:spPr>
+        <p:style>
+          <a:lnRef idx="2">
+            <a:schemeClr val="accent4"/>
+          </a:lnRef>
+          <a:fillRef idx="1">
+            <a:schemeClr val="lt1"/>
+          </a:fillRef>
+          <a:effectRef idx="0">
+            <a:schemeClr val="accent4"/>
+          </a:effectRef>
+          <a:fontRef idx="minor">
+            <a:schemeClr val="dk1"/>
+          </a:fontRef>
+        </p:style>
+        <p:txBody>
+          <a:bodyPr rtlCol="0" anchor="ctr"/>
+          <a:lstStyle/>
+          <a:p>
+            <a:pPr algn="ctr"/>
+            <a:r>
+              <a:rPr lang="en-US" altLang="zh-CN" dirty="0"/>
+              <a:t>No</a:t>
+            </a:r>
+            <a:endParaRPr lang="en-US" dirty="0"/>
+          </a:p>
+        </p:txBody>
+      </p:sp>
+      <p:sp>
+        <p:nvSpPr>
+          <p:cNvPr id="14" name="Oval 13">
+            <a:extLst>
+              <a:ext uri="{FF2B5EF4-FFF2-40B4-BE49-F238E27FC236}">
+                <a16:creationId xmlns:a16="http://schemas.microsoft.com/office/drawing/2014/main" id="{68AF9F22-2B4A-4A60-917E-C8D47ABFCA33}"/>
+              </a:ext>
+            </a:extLst>
+          </p:cNvPr>
+          <p:cNvSpPr/>
+          <p:nvPr/>
+        </p:nvSpPr>
+        <p:spPr>
+          <a:xfrm>
+            <a:off x="4157759" y="5095683"/>
+            <a:ext cx="687334" cy="687334"/>
+          </a:xfrm>
+          <a:prstGeom prst="ellipse">
+            <a:avLst/>
+          </a:prstGeom>
+        </p:spPr>
+        <p:style>
+          <a:lnRef idx="2">
+            <a:schemeClr val="accent4"/>
+          </a:lnRef>
+          <a:fillRef idx="1">
+            <a:schemeClr val="lt1"/>
+          </a:fillRef>
+          <a:effectRef idx="0">
+            <a:schemeClr val="accent4"/>
+          </a:effectRef>
+          <a:fontRef idx="minor">
+            <a:schemeClr val="dk1"/>
+          </a:fontRef>
+        </p:style>
+        <p:txBody>
+          <a:bodyPr rtlCol="0" anchor="ctr"/>
+          <a:lstStyle/>
+          <a:p>
+            <a:pPr algn="ctr"/>
+            <a:r>
+              <a:rPr lang="en-US" altLang="zh-CN" dirty="0"/>
+              <a:t>Yes</a:t>
+            </a:r>
+            <a:endParaRPr lang="en-US" dirty="0"/>
+          </a:p>
+        </p:txBody>
+      </p:sp>
+      <p:sp>
+        <p:nvSpPr>
+          <p:cNvPr id="15" name="Oval 14">
+            <a:extLst>
+              <a:ext uri="{FF2B5EF4-FFF2-40B4-BE49-F238E27FC236}">
+                <a16:creationId xmlns:a16="http://schemas.microsoft.com/office/drawing/2014/main" id="{8A076B49-D3E7-40FE-80E5-64D6EF4AF4F4}"/>
+              </a:ext>
+            </a:extLst>
+          </p:cNvPr>
+          <p:cNvSpPr/>
+          <p:nvPr/>
+        </p:nvSpPr>
+        <p:spPr>
+          <a:xfrm>
+            <a:off x="6803791" y="5095683"/>
+            <a:ext cx="687334" cy="687334"/>
+          </a:xfrm>
+          <a:prstGeom prst="ellipse">
+            <a:avLst/>
+          </a:prstGeom>
+        </p:spPr>
+        <p:style>
+          <a:lnRef idx="2">
+            <a:schemeClr val="accent4"/>
+          </a:lnRef>
+          <a:fillRef idx="1">
+            <a:schemeClr val="lt1"/>
+          </a:fillRef>
+          <a:effectRef idx="0">
+            <a:schemeClr val="accent4"/>
+          </a:effectRef>
+          <a:fontRef idx="minor">
+            <a:schemeClr val="dk1"/>
+          </a:fontRef>
+        </p:style>
+        <p:txBody>
+          <a:bodyPr rtlCol="0" anchor="ctr"/>
+          <a:lstStyle/>
+          <a:p>
+            <a:pPr algn="ctr"/>
+            <a:r>
+              <a:rPr lang="en-US" altLang="zh-CN" dirty="0"/>
+              <a:t>No</a:t>
+            </a:r>
+            <a:endParaRPr lang="en-US" dirty="0"/>
+          </a:p>
+        </p:txBody>
+      </p:sp>
+      <p:sp>
+        <p:nvSpPr>
+          <p:cNvPr id="16" name="Oval 15">
+            <a:extLst>
+              <a:ext uri="{FF2B5EF4-FFF2-40B4-BE49-F238E27FC236}">
+                <a16:creationId xmlns:a16="http://schemas.microsoft.com/office/drawing/2014/main" id="{6E715C0B-F5CF-4F51-87AE-7AC9038EB1EE}"/>
+              </a:ext>
+            </a:extLst>
+          </p:cNvPr>
+          <p:cNvSpPr/>
+          <p:nvPr/>
+        </p:nvSpPr>
+        <p:spPr>
+          <a:xfrm>
+            <a:off x="8552812" y="5086478"/>
+            <a:ext cx="687334" cy="687334"/>
+          </a:xfrm>
+          <a:prstGeom prst="ellipse">
+            <a:avLst/>
+          </a:prstGeom>
+        </p:spPr>
+        <p:style>
+          <a:lnRef idx="2">
+            <a:schemeClr val="accent4"/>
+          </a:lnRef>
+          <a:fillRef idx="1">
+            <a:schemeClr val="lt1"/>
+          </a:fillRef>
+          <a:effectRef idx="0">
+            <a:schemeClr val="accent4"/>
+          </a:effectRef>
+          <a:fontRef idx="minor">
+            <a:schemeClr val="dk1"/>
+          </a:fontRef>
+        </p:style>
+        <p:txBody>
+          <a:bodyPr rtlCol="0" anchor="ctr"/>
+          <a:lstStyle/>
+          <a:p>
+            <a:pPr algn="ctr"/>
+            <a:r>
+              <a:rPr lang="en-US" altLang="zh-CN" dirty="0"/>
+              <a:t>Yes</a:t>
+            </a:r>
+            <a:endParaRPr lang="en-US" dirty="0"/>
+          </a:p>
+        </p:txBody>
+      </p:sp>
+      <p:cxnSp>
+        <p:nvCxnSpPr>
+          <p:cNvPr id="18" name="Straight Arrow Connector 17">
+            <a:extLst>
+              <a:ext uri="{FF2B5EF4-FFF2-40B4-BE49-F238E27FC236}">
+                <a16:creationId xmlns:a16="http://schemas.microsoft.com/office/drawing/2014/main" id="{6B85FBE6-FD52-4D9E-8466-8D82D045A97B}"/>
+              </a:ext>
+            </a:extLst>
+          </p:cNvPr>
+          <p:cNvCxnSpPr>
+            <a:stCxn id="4" idx="2"/>
+            <a:endCxn id="12" idx="0"/>
+          </p:cNvCxnSpPr>
+          <p:nvPr/>
+        </p:nvCxnSpPr>
+        <p:spPr>
+          <a:xfrm>
+            <a:off x="5845410" y="2565230"/>
+            <a:ext cx="0" cy="960427"/>
+          </a:xfrm>
+          <a:prstGeom prst="straightConnector1">
+            <a:avLst/>
+          </a:prstGeom>
+          <a:ln>
+            <a:tailEnd type="triangle"/>
+          </a:ln>
+        </p:spPr>
+        <p:style>
+          <a:lnRef idx="1">
+            <a:schemeClr val="accent4"/>
+          </a:lnRef>
+          <a:fillRef idx="0">
+            <a:schemeClr val="accent4"/>
+          </a:fillRef>
+          <a:effectRef idx="0">
+            <a:schemeClr val="accent4"/>
+          </a:effectRef>
+          <a:fontRef idx="minor">
+            <a:schemeClr val="tx1"/>
+          </a:fontRef>
+        </p:style>
+      </p:cxnSp>
+      <p:cxnSp>
+        <p:nvCxnSpPr>
+          <p:cNvPr id="20" name="Straight Arrow Connector 19">
+            <a:extLst>
+              <a:ext uri="{FF2B5EF4-FFF2-40B4-BE49-F238E27FC236}">
+                <a16:creationId xmlns:a16="http://schemas.microsoft.com/office/drawing/2014/main" id="{1AF4536C-D74E-44E7-B71F-2D8DC5111704}"/>
+              </a:ext>
+            </a:extLst>
+          </p:cNvPr>
+          <p:cNvCxnSpPr>
+            <a:stCxn id="7" idx="2"/>
+            <a:endCxn id="13" idx="0"/>
+          </p:cNvCxnSpPr>
+          <p:nvPr/>
+        </p:nvCxnSpPr>
+        <p:spPr>
+          <a:xfrm flipH="1">
+            <a:off x="2752405" y="4212991"/>
+            <a:ext cx="874511" cy="882692"/>
+          </a:xfrm>
+          <a:prstGeom prst="straightConnector1">
+            <a:avLst/>
+          </a:prstGeom>
+          <a:ln>
+            <a:tailEnd type="triangle"/>
+          </a:ln>
+        </p:spPr>
+        <p:style>
+          <a:lnRef idx="1">
+            <a:schemeClr val="accent4"/>
+          </a:lnRef>
+          <a:fillRef idx="0">
+            <a:schemeClr val="accent4"/>
+          </a:fillRef>
+          <a:effectRef idx="0">
+            <a:schemeClr val="accent4"/>
+          </a:effectRef>
+          <a:fontRef idx="minor">
+            <a:schemeClr val="tx1"/>
+          </a:fontRef>
+        </p:style>
+      </p:cxnSp>
+      <p:cxnSp>
+        <p:nvCxnSpPr>
+          <p:cNvPr id="22" name="Straight Arrow Connector 21">
+            <a:extLst>
+              <a:ext uri="{FF2B5EF4-FFF2-40B4-BE49-F238E27FC236}">
+                <a16:creationId xmlns:a16="http://schemas.microsoft.com/office/drawing/2014/main" id="{7917EE5D-AD86-45C8-8516-43948440F3CC}"/>
+              </a:ext>
+            </a:extLst>
+          </p:cNvPr>
+          <p:cNvCxnSpPr>
+            <a:stCxn id="7" idx="2"/>
+            <a:endCxn id="14" idx="0"/>
+          </p:cNvCxnSpPr>
+          <p:nvPr/>
+        </p:nvCxnSpPr>
+        <p:spPr>
+          <a:xfrm>
+            <a:off x="3626916" y="4212991"/>
+            <a:ext cx="874510" cy="882692"/>
+          </a:xfrm>
+          <a:prstGeom prst="straightConnector1">
+            <a:avLst/>
+          </a:prstGeom>
+          <a:ln>
+            <a:tailEnd type="triangle"/>
+          </a:ln>
+        </p:spPr>
+        <p:style>
+          <a:lnRef idx="1">
+            <a:schemeClr val="accent4"/>
+          </a:lnRef>
+          <a:fillRef idx="0">
+            <a:schemeClr val="accent4"/>
+          </a:fillRef>
+          <a:effectRef idx="0">
+            <a:schemeClr val="accent4"/>
+          </a:effectRef>
+          <a:fontRef idx="minor">
+            <a:schemeClr val="tx1"/>
+          </a:fontRef>
+        </p:style>
+      </p:cxnSp>
+      <p:cxnSp>
+        <p:nvCxnSpPr>
+          <p:cNvPr id="24" name="Straight Arrow Connector 23">
+            <a:extLst>
+              <a:ext uri="{FF2B5EF4-FFF2-40B4-BE49-F238E27FC236}">
+                <a16:creationId xmlns:a16="http://schemas.microsoft.com/office/drawing/2014/main" id="{13FD16BA-717C-4F21-82C0-E954989ACF19}"/>
+              </a:ext>
+            </a:extLst>
+          </p:cNvPr>
+          <p:cNvCxnSpPr>
+            <a:stCxn id="6" idx="2"/>
+            <a:endCxn id="15" idx="0"/>
+          </p:cNvCxnSpPr>
+          <p:nvPr/>
+        </p:nvCxnSpPr>
+        <p:spPr>
+          <a:xfrm flipH="1">
+            <a:off x="7147458" y="4212991"/>
+            <a:ext cx="874511" cy="882692"/>
+          </a:xfrm>
+          <a:prstGeom prst="straightConnector1">
+            <a:avLst/>
+          </a:prstGeom>
+          <a:ln>
+            <a:tailEnd type="triangle"/>
+          </a:ln>
+        </p:spPr>
+        <p:style>
+          <a:lnRef idx="1">
+            <a:schemeClr val="accent4"/>
+          </a:lnRef>
+          <a:fillRef idx="0">
+            <a:schemeClr val="accent4"/>
+          </a:fillRef>
+          <a:effectRef idx="0">
+            <a:schemeClr val="accent4"/>
+          </a:effectRef>
+          <a:fontRef idx="minor">
+            <a:schemeClr val="tx1"/>
+          </a:fontRef>
+        </p:style>
+      </p:cxnSp>
+      <p:cxnSp>
+        <p:nvCxnSpPr>
+          <p:cNvPr id="26" name="Straight Arrow Connector 25">
+            <a:extLst>
+              <a:ext uri="{FF2B5EF4-FFF2-40B4-BE49-F238E27FC236}">
+                <a16:creationId xmlns:a16="http://schemas.microsoft.com/office/drawing/2014/main" id="{CBA9B56C-AC5E-498F-BC60-C27F6A3EE0BC}"/>
+              </a:ext>
+            </a:extLst>
+          </p:cNvPr>
+          <p:cNvCxnSpPr>
+            <a:stCxn id="6" idx="2"/>
+            <a:endCxn id="16" idx="0"/>
+          </p:cNvCxnSpPr>
+          <p:nvPr/>
+        </p:nvCxnSpPr>
+        <p:spPr>
+          <a:xfrm>
+            <a:off x="8021969" y="4212991"/>
+            <a:ext cx="874510" cy="873487"/>
+          </a:xfrm>
+          <a:prstGeom prst="straightConnector1">
+            <a:avLst/>
+          </a:prstGeom>
+          <a:ln>
+            <a:tailEnd type="triangle"/>
+          </a:ln>
+        </p:spPr>
+        <p:style>
+          <a:lnRef idx="1">
+            <a:schemeClr val="accent4"/>
+          </a:lnRef>
+          <a:fillRef idx="0">
+            <a:schemeClr val="accent4"/>
+          </a:fillRef>
+          <a:effectRef idx="0">
+            <a:schemeClr val="accent4"/>
+          </a:effectRef>
+          <a:fontRef idx="minor">
+            <a:schemeClr val="tx1"/>
+          </a:fontRef>
+        </p:style>
+      </p:cxnSp>
+      <p:sp>
+        <p:nvSpPr>
+          <p:cNvPr id="27" name="TextBox 26">
+            <a:extLst>
+              <a:ext uri="{FF2B5EF4-FFF2-40B4-BE49-F238E27FC236}">
+                <a16:creationId xmlns:a16="http://schemas.microsoft.com/office/drawing/2014/main" id="{58CA2785-8625-4A05-BFF8-45B13CFDB50A}"/>
+              </a:ext>
+            </a:extLst>
+          </p:cNvPr>
+          <p:cNvSpPr txBox="1"/>
+          <p:nvPr/>
+        </p:nvSpPr>
+        <p:spPr>
+          <a:xfrm>
+            <a:off x="4104616" y="2714979"/>
+            <a:ext cx="711605" cy="369332"/>
+          </a:xfrm>
+          <a:prstGeom prst="rect">
+            <a:avLst/>
+          </a:prstGeom>
+          <a:noFill/>
+        </p:spPr>
+        <p:txBody>
+          <a:bodyPr wrap="none" rtlCol="0">
+            <a:spAutoFit/>
+          </a:bodyPr>
+          <a:lstStyle/>
+          <a:p>
+            <a:r>
+              <a:rPr lang="es-ES" dirty="0" err="1"/>
+              <a:t>Sunny</a:t>
+            </a:r>
+            <a:endParaRPr lang="en-US" dirty="0"/>
+          </a:p>
+        </p:txBody>
+      </p:sp>
+      <p:sp>
+        <p:nvSpPr>
+          <p:cNvPr id="28" name="TextBox 27">
+            <a:extLst>
+              <a:ext uri="{FF2B5EF4-FFF2-40B4-BE49-F238E27FC236}">
+                <a16:creationId xmlns:a16="http://schemas.microsoft.com/office/drawing/2014/main" id="{4D03155B-14DA-4502-966C-F5672AD48B8B}"/>
+              </a:ext>
+            </a:extLst>
+          </p:cNvPr>
+          <p:cNvSpPr txBox="1"/>
+          <p:nvPr/>
+        </p:nvSpPr>
+        <p:spPr>
+          <a:xfrm>
+            <a:off x="4897716" y="3057515"/>
+            <a:ext cx="1005596" cy="369332"/>
+          </a:xfrm>
+          <a:prstGeom prst="rect">
+            <a:avLst/>
+          </a:prstGeom>
+          <a:noFill/>
+        </p:spPr>
+        <p:txBody>
+          <a:bodyPr wrap="none" rtlCol="0">
+            <a:spAutoFit/>
+          </a:bodyPr>
+          <a:lstStyle/>
+          <a:p>
+            <a:r>
+              <a:rPr lang="es-ES" dirty="0" err="1"/>
+              <a:t>Overcast</a:t>
+            </a:r>
+            <a:endParaRPr lang="en-US" dirty="0"/>
+          </a:p>
+        </p:txBody>
+      </p:sp>
+      <p:sp>
+        <p:nvSpPr>
+          <p:cNvPr id="29" name="TextBox 28">
+            <a:extLst>
+              <a:ext uri="{FF2B5EF4-FFF2-40B4-BE49-F238E27FC236}">
+                <a16:creationId xmlns:a16="http://schemas.microsoft.com/office/drawing/2014/main" id="{B2A94D58-7926-4276-985A-E9BB143A027D}"/>
+              </a:ext>
+            </a:extLst>
+          </p:cNvPr>
+          <p:cNvSpPr txBox="1"/>
+          <p:nvPr/>
+        </p:nvSpPr>
+        <p:spPr>
+          <a:xfrm>
+            <a:off x="6871365" y="2722199"/>
+            <a:ext cx="569771" cy="369332"/>
+          </a:xfrm>
+          <a:prstGeom prst="rect">
+            <a:avLst/>
+          </a:prstGeom>
+          <a:noFill/>
+        </p:spPr>
+        <p:txBody>
+          <a:bodyPr wrap="none" rtlCol="0">
+            <a:spAutoFit/>
+          </a:bodyPr>
+          <a:lstStyle/>
+          <a:p>
+            <a:r>
+              <a:rPr lang="es-ES" dirty="0"/>
+              <a:t>Rain</a:t>
+            </a:r>
+            <a:endParaRPr lang="en-US" dirty="0"/>
+          </a:p>
+        </p:txBody>
+      </p:sp>
+      <p:sp>
+        <p:nvSpPr>
+          <p:cNvPr id="30" name="TextBox 29">
+            <a:extLst>
+              <a:ext uri="{FF2B5EF4-FFF2-40B4-BE49-F238E27FC236}">
+                <a16:creationId xmlns:a16="http://schemas.microsoft.com/office/drawing/2014/main" id="{34994DC2-6D5C-4300-A9AB-62ADFF334DE2}"/>
+              </a:ext>
+            </a:extLst>
+          </p:cNvPr>
+          <p:cNvSpPr txBox="1"/>
+          <p:nvPr/>
+        </p:nvSpPr>
+        <p:spPr>
+          <a:xfrm>
+            <a:off x="2493022" y="4446610"/>
+            <a:ext cx="603050" cy="369332"/>
+          </a:xfrm>
+          <a:prstGeom prst="rect">
+            <a:avLst/>
+          </a:prstGeom>
+          <a:noFill/>
+        </p:spPr>
+        <p:txBody>
+          <a:bodyPr wrap="none" rtlCol="0">
+            <a:spAutoFit/>
+          </a:bodyPr>
+          <a:lstStyle/>
+          <a:p>
+            <a:r>
+              <a:rPr lang="es-ES" dirty="0"/>
+              <a:t>High</a:t>
+            </a:r>
+            <a:endParaRPr lang="en-US" dirty="0"/>
+          </a:p>
+        </p:txBody>
+      </p:sp>
+      <p:sp>
+        <p:nvSpPr>
+          <p:cNvPr id="31" name="TextBox 30">
+            <a:extLst>
+              <a:ext uri="{FF2B5EF4-FFF2-40B4-BE49-F238E27FC236}">
+                <a16:creationId xmlns:a16="http://schemas.microsoft.com/office/drawing/2014/main" id="{0AA40E95-782A-4F60-96AC-8F9D84853DB2}"/>
+              </a:ext>
+            </a:extLst>
+          </p:cNvPr>
+          <p:cNvSpPr txBox="1"/>
+          <p:nvPr/>
+        </p:nvSpPr>
+        <p:spPr>
+          <a:xfrm>
+            <a:off x="4054453" y="4446610"/>
+            <a:ext cx="867353" cy="369332"/>
+          </a:xfrm>
+          <a:prstGeom prst="rect">
+            <a:avLst/>
+          </a:prstGeom>
+          <a:noFill/>
+        </p:spPr>
+        <p:txBody>
+          <a:bodyPr wrap="none" rtlCol="0">
+            <a:spAutoFit/>
+          </a:bodyPr>
+          <a:lstStyle/>
+          <a:p>
+            <a:r>
+              <a:rPr lang="es-ES" dirty="0"/>
+              <a:t>Normal</a:t>
+            </a:r>
+            <a:endParaRPr lang="en-US" dirty="0"/>
+          </a:p>
+        </p:txBody>
+      </p:sp>
+      <p:sp>
+        <p:nvSpPr>
+          <p:cNvPr id="32" name="TextBox 31">
+            <a:extLst>
+              <a:ext uri="{FF2B5EF4-FFF2-40B4-BE49-F238E27FC236}">
+                <a16:creationId xmlns:a16="http://schemas.microsoft.com/office/drawing/2014/main" id="{7EA584D3-4DAD-40A1-BB5A-4949E91E53F0}"/>
+              </a:ext>
+            </a:extLst>
+          </p:cNvPr>
+          <p:cNvSpPr txBox="1"/>
+          <p:nvPr/>
+        </p:nvSpPr>
+        <p:spPr>
+          <a:xfrm>
+            <a:off x="6735657" y="4444006"/>
+            <a:ext cx="777970" cy="369332"/>
+          </a:xfrm>
+          <a:prstGeom prst="rect">
+            <a:avLst/>
+          </a:prstGeom>
+          <a:noFill/>
+        </p:spPr>
+        <p:txBody>
+          <a:bodyPr wrap="none" rtlCol="0">
+            <a:spAutoFit/>
+          </a:bodyPr>
+          <a:lstStyle/>
+          <a:p>
+            <a:r>
+              <a:rPr lang="es-ES" dirty="0" err="1"/>
+              <a:t>Strong</a:t>
+            </a:r>
+            <a:endParaRPr lang="en-US" dirty="0"/>
+          </a:p>
+        </p:txBody>
+      </p:sp>
+      <p:sp>
+        <p:nvSpPr>
+          <p:cNvPr id="33" name="TextBox 32">
+            <a:extLst>
+              <a:ext uri="{FF2B5EF4-FFF2-40B4-BE49-F238E27FC236}">
+                <a16:creationId xmlns:a16="http://schemas.microsoft.com/office/drawing/2014/main" id="{69A667DC-EF8B-4A17-97A7-83C1A10BF2AF}"/>
+              </a:ext>
+            </a:extLst>
+          </p:cNvPr>
+          <p:cNvSpPr txBox="1"/>
+          <p:nvPr/>
+        </p:nvSpPr>
+        <p:spPr>
+          <a:xfrm>
+            <a:off x="8698276" y="4469671"/>
+            <a:ext cx="740074" cy="369332"/>
+          </a:xfrm>
+          <a:prstGeom prst="rect">
+            <a:avLst/>
+          </a:prstGeom>
+          <a:noFill/>
+        </p:spPr>
+        <p:txBody>
+          <a:bodyPr wrap="none" rtlCol="0">
+            <a:spAutoFit/>
+          </a:bodyPr>
+          <a:lstStyle/>
+          <a:p>
+            <a:r>
+              <a:rPr lang="es-ES" dirty="0" err="1"/>
+              <a:t>Weak</a:t>
+            </a:r>
+            <a:endParaRPr lang="en-US" dirty="0"/>
+          </a:p>
+        </p:txBody>
+      </p:sp>
+      <p:sp>
+        <p:nvSpPr>
+          <p:cNvPr id="34" name="TextBox 33">
+            <a:extLst>
+              <a:ext uri="{FF2B5EF4-FFF2-40B4-BE49-F238E27FC236}">
+                <a16:creationId xmlns:a16="http://schemas.microsoft.com/office/drawing/2014/main" id="{A2884C20-693B-435C-98C0-2FE6DA80B260}"/>
+              </a:ext>
+            </a:extLst>
+          </p:cNvPr>
+          <p:cNvSpPr txBox="1"/>
+          <p:nvPr/>
+        </p:nvSpPr>
+        <p:spPr>
+          <a:xfrm>
+            <a:off x="9438350" y="1891477"/>
+            <a:ext cx="1892213" cy="400110"/>
+          </a:xfrm>
+          <a:prstGeom prst="rect">
+            <a:avLst/>
+          </a:prstGeom>
+          <a:noFill/>
+        </p:spPr>
+        <p:txBody>
+          <a:bodyPr wrap="square" rtlCol="0">
+            <a:spAutoFit/>
+          </a:bodyPr>
+          <a:lstStyle/>
+          <a:p>
+            <a:r>
+              <a:rPr lang="es-ES" sz="2000" dirty="0" err="1"/>
+              <a:t>Today’s</a:t>
+            </a:r>
+            <a:r>
+              <a:rPr lang="es-ES" sz="2000" dirty="0"/>
+              <a:t> </a:t>
+            </a:r>
+            <a:r>
+              <a:rPr lang="es-ES" sz="2000" dirty="0" err="1"/>
+              <a:t>weather</a:t>
+            </a:r>
+            <a:r>
+              <a:rPr lang="es-ES" sz="2000" dirty="0"/>
+              <a:t>:</a:t>
+            </a:r>
+            <a:endParaRPr lang="en-US" sz="2000" dirty="0"/>
+          </a:p>
+        </p:txBody>
+      </p:sp>
+      <p:sp>
+        <p:nvSpPr>
+          <p:cNvPr id="35" name="TextBox 34">
+            <a:extLst>
+              <a:ext uri="{FF2B5EF4-FFF2-40B4-BE49-F238E27FC236}">
+                <a16:creationId xmlns:a16="http://schemas.microsoft.com/office/drawing/2014/main" id="{6AFC84C9-A4F7-46FC-B91B-7385DC2FE9F8}"/>
+              </a:ext>
+            </a:extLst>
+          </p:cNvPr>
+          <p:cNvSpPr txBox="1"/>
+          <p:nvPr/>
+        </p:nvSpPr>
+        <p:spPr>
+          <a:xfrm>
+            <a:off x="9492930" y="2318851"/>
+            <a:ext cx="1607235" cy="830997"/>
+          </a:xfrm>
+          <a:prstGeom prst="rect">
+            <a:avLst/>
+          </a:prstGeom>
+          <a:solidFill>
+            <a:srgbClr val="FFFFFF"/>
+          </a:solidFill>
+          <a:ln>
+            <a:solidFill>
+              <a:schemeClr val="accent1"/>
+            </a:solidFill>
+            <a:prstDash val="lgDashDotDot"/>
+          </a:ln>
+          <a:effectLst/>
+        </p:spPr>
+        <p:txBody>
+          <a:bodyPr wrap="none" rtlCol="0">
+            <a:spAutoFit/>
+          </a:bodyPr>
+          <a:lstStyle/>
+          <a:p>
+            <a:r>
+              <a:rPr lang="es-ES" sz="1600" dirty="0"/>
+              <a:t>Outlook: </a:t>
+            </a:r>
+            <a:r>
+              <a:rPr lang="en-US" sz="1600" dirty="0"/>
+              <a:t>overcast</a:t>
+            </a:r>
+          </a:p>
+          <a:p>
+            <a:r>
+              <a:rPr lang="es-ES" sz="1600" dirty="0" err="1"/>
+              <a:t>Humidity</a:t>
+            </a:r>
+            <a:r>
+              <a:rPr lang="es-ES" sz="1600" dirty="0"/>
+              <a:t>: </a:t>
+            </a:r>
+            <a:r>
+              <a:rPr lang="es-ES" sz="1600" dirty="0" err="1"/>
+              <a:t>high</a:t>
+            </a:r>
+            <a:endParaRPr lang="es-ES" sz="1600" dirty="0"/>
+          </a:p>
+          <a:p>
+            <a:r>
+              <a:rPr lang="es-ES" sz="1600" dirty="0" err="1"/>
+              <a:t>Wind</a:t>
+            </a:r>
+            <a:r>
+              <a:rPr lang="es-ES" sz="1600" dirty="0"/>
+              <a:t>: </a:t>
+            </a:r>
+            <a:r>
+              <a:rPr lang="es-ES" sz="1600" dirty="0" err="1"/>
+              <a:t>strong</a:t>
+            </a:r>
+            <a:endParaRPr lang="en-US" sz="1600" dirty="0"/>
+          </a:p>
+        </p:txBody>
+      </p:sp>
+      <p:sp>
+        <p:nvSpPr>
+          <p:cNvPr id="36" name="TextBox 35">
+            <a:extLst>
+              <a:ext uri="{FF2B5EF4-FFF2-40B4-BE49-F238E27FC236}">
+                <a16:creationId xmlns:a16="http://schemas.microsoft.com/office/drawing/2014/main" id="{18E2AD29-A57C-452D-9ACD-FFB67574979D}"/>
+              </a:ext>
+            </a:extLst>
+          </p:cNvPr>
+          <p:cNvSpPr txBox="1"/>
+          <p:nvPr/>
+        </p:nvSpPr>
+        <p:spPr>
+          <a:xfrm>
+            <a:off x="9492929" y="2321535"/>
+            <a:ext cx="1607235" cy="830997"/>
+          </a:xfrm>
+          <a:prstGeom prst="rect">
+            <a:avLst/>
+          </a:prstGeom>
+          <a:solidFill>
+            <a:srgbClr val="FFFFFF"/>
+          </a:solidFill>
+          <a:ln>
+            <a:solidFill>
+              <a:schemeClr val="accent1"/>
+            </a:solidFill>
+            <a:prstDash val="lgDashDotDot"/>
+          </a:ln>
+          <a:effectLst/>
+        </p:spPr>
+        <p:txBody>
+          <a:bodyPr wrap="square" rtlCol="0">
+            <a:spAutoFit/>
+          </a:bodyPr>
+          <a:lstStyle/>
+          <a:p>
+            <a:r>
+              <a:rPr lang="es-ES" sz="1600" dirty="0"/>
+              <a:t>Outlook: </a:t>
+            </a:r>
+            <a:r>
+              <a:rPr lang="en-US" sz="1600" dirty="0"/>
+              <a:t>sunny</a:t>
+            </a:r>
+          </a:p>
+          <a:p>
+            <a:r>
+              <a:rPr lang="es-ES" sz="1600" dirty="0" err="1"/>
+              <a:t>Humidity</a:t>
+            </a:r>
+            <a:r>
+              <a:rPr lang="es-ES" sz="1600" dirty="0"/>
+              <a:t>: </a:t>
+            </a:r>
+            <a:r>
+              <a:rPr lang="es-ES" sz="1600" dirty="0" err="1"/>
+              <a:t>high</a:t>
+            </a:r>
+            <a:endParaRPr lang="es-ES" sz="1600" dirty="0"/>
+          </a:p>
+          <a:p>
+            <a:r>
+              <a:rPr lang="es-ES" sz="1600" dirty="0" err="1"/>
+              <a:t>Wind</a:t>
+            </a:r>
+            <a:r>
+              <a:rPr lang="es-ES" sz="1600" dirty="0"/>
+              <a:t>: </a:t>
+            </a:r>
+            <a:r>
+              <a:rPr lang="es-ES" sz="1600" dirty="0" err="1"/>
+              <a:t>weak</a:t>
+            </a:r>
+            <a:endParaRPr lang="en-US" sz="1600" dirty="0"/>
+          </a:p>
+        </p:txBody>
+      </p:sp>
+      <p:sp>
+        <p:nvSpPr>
+          <p:cNvPr id="37" name="TextBox 36">
+            <a:extLst>
+              <a:ext uri="{FF2B5EF4-FFF2-40B4-BE49-F238E27FC236}">
+                <a16:creationId xmlns:a16="http://schemas.microsoft.com/office/drawing/2014/main" id="{FC5F4094-0946-4394-A1E7-F3E52C33E1A9}"/>
+              </a:ext>
+            </a:extLst>
+          </p:cNvPr>
+          <p:cNvSpPr txBox="1"/>
+          <p:nvPr/>
+        </p:nvSpPr>
+        <p:spPr>
+          <a:xfrm>
+            <a:off x="9492929" y="2318851"/>
+            <a:ext cx="1607235" cy="830997"/>
+          </a:xfrm>
+          <a:prstGeom prst="rect">
+            <a:avLst/>
+          </a:prstGeom>
+          <a:solidFill>
+            <a:srgbClr val="FFFFFF"/>
+          </a:solidFill>
+          <a:ln>
+            <a:solidFill>
+              <a:schemeClr val="accent1"/>
+            </a:solidFill>
+            <a:prstDash val="lgDashDotDot"/>
+          </a:ln>
+          <a:effectLst/>
+        </p:spPr>
+        <p:txBody>
+          <a:bodyPr wrap="square" rtlCol="0">
+            <a:spAutoFit/>
+          </a:bodyPr>
+          <a:lstStyle/>
+          <a:p>
+            <a:r>
+              <a:rPr lang="es-ES" sz="1600" dirty="0"/>
+              <a:t>Outlook: </a:t>
+            </a:r>
+            <a:r>
+              <a:rPr lang="en-US" sz="1600" dirty="0"/>
+              <a:t>rain</a:t>
+            </a:r>
+          </a:p>
+          <a:p>
+            <a:r>
+              <a:rPr lang="es-ES" sz="1600" dirty="0" err="1"/>
+              <a:t>Humidity</a:t>
+            </a:r>
+            <a:r>
+              <a:rPr lang="es-ES" sz="1600" dirty="0"/>
+              <a:t>: normal</a:t>
+            </a:r>
+          </a:p>
+          <a:p>
+            <a:r>
+              <a:rPr lang="es-ES" sz="1600" dirty="0" err="1"/>
+              <a:t>Wind</a:t>
+            </a:r>
+            <a:r>
+              <a:rPr lang="es-ES" sz="1600" dirty="0"/>
+              <a:t>: </a:t>
+            </a:r>
+            <a:r>
+              <a:rPr lang="es-ES" sz="1600" dirty="0" err="1"/>
+              <a:t>weak</a:t>
+            </a:r>
+            <a:endParaRPr lang="en-US" sz="1600" dirty="0"/>
+          </a:p>
+        </p:txBody>
+      </p:sp>
+    </p:spTree>
+    <p:extLst>
+      <p:ext uri="{BB962C8B-B14F-4D97-AF65-F5344CB8AC3E}">
+        <p14:creationId xmlns:p14="http://schemas.microsoft.com/office/powerpoint/2010/main" val="1125955477"/>
+      </p:ext>
+    </p:extLst>
+  </p:cSld>
+  <p:clrMapOvr>
+    <a:masterClrMapping/>
+  </p:clrMapOvr>
+  <p:transition spd="slow">
+    <p:push dir="u"/>
+  </p:transition>
+  <p:timing>
+    <p:tnLst>
+      <p:par>
+        <p:cTn id="1" dur="indefinite" restart="never" nodeType="tmRoot">
+          <p:childTnLst>
+            <p:seq concurrent="1" nextAc="seek">
+              <p:cTn id="2" dur="indefinite" nodeType="mainSeq">
+                <p:childTnLst>
+                  <p:par>
+                    <p:cTn id="3" fill="hold">
+                      <p:stCondLst>
+                        <p:cond delay="indefinite"/>
+                      </p:stCondLst>
+                      <p:childTnLst>
+                        <p:par>
+                          <p:cTn id="4" fill="hold">
+                            <p:stCondLst>
+                              <p:cond delay="0"/>
+                            </p:stCondLst>
+                            <p:childTnLst>
+                              <p:par>
+                                <p:cTn id="5" presetID="10" presetClass="entr" presetSubtype="0" fill="hold" nodeType="clickEffect">
+                                  <p:stCondLst>
+                                    <p:cond delay="0"/>
+                                  </p:stCondLst>
+                                  <p:childTnLst>
+                                    <p:set>
+                                      <p:cBhvr>
+                                        <p:cTn id="6" dur="1" fill="hold">
+                                          <p:stCondLst>
+                                            <p:cond delay="0"/>
+                                          </p:stCondLst>
+                                        </p:cTn>
+                                        <p:tgtEl>
+                                          <p:spTgt spid="18"/>
+                                        </p:tgtEl>
+                                        <p:attrNameLst>
+                                          <p:attrName>style.visibility</p:attrName>
+                                        </p:attrNameLst>
+                                      </p:cBhvr>
+                                      <p:to>
+                                        <p:strVal val="visible"/>
+                                      </p:to>
+                                    </p:set>
+                                    <p:animEffect transition="in" filter="fade">
+                                      <p:cBhvr>
+                                        <p:cTn id="7" dur="500"/>
+                                        <p:tgtEl>
+                                          <p:spTgt spid="18"/>
+                                        </p:tgtEl>
+                                      </p:cBhvr>
+                                    </p:animEffect>
+                                  </p:childTnLst>
+                                </p:cTn>
+                              </p:par>
+                            </p:childTnLst>
+                          </p:cTn>
+                        </p:par>
+                        <p:par>
+                          <p:cTn id="8" fill="hold">
+                            <p:stCondLst>
+                              <p:cond delay="500"/>
+                            </p:stCondLst>
+                            <p:childTnLst>
+                              <p:par>
+                                <p:cTn id="9" presetID="21" presetClass="entr" presetSubtype="1" fill="hold" grpId="0" nodeType="afterEffect">
+                                  <p:stCondLst>
+                                    <p:cond delay="0"/>
+                                  </p:stCondLst>
+                                  <p:childTnLst>
+                                    <p:set>
+                                      <p:cBhvr>
+                                        <p:cTn id="10" dur="1" fill="hold">
+                                          <p:stCondLst>
+                                            <p:cond delay="0"/>
+                                          </p:stCondLst>
+                                        </p:cTn>
+                                        <p:tgtEl>
+                                          <p:spTgt spid="12"/>
+                                        </p:tgtEl>
+                                        <p:attrNameLst>
+                                          <p:attrName>style.visibility</p:attrName>
+                                        </p:attrNameLst>
+                                      </p:cBhvr>
+                                      <p:to>
+                                        <p:strVal val="visible"/>
+                                      </p:to>
+                                    </p:set>
+                                    <p:animEffect transition="in" filter="wheel(1)">
+                                      <p:cBhvr>
+                                        <p:cTn id="11" dur="2000"/>
+                                        <p:tgtEl>
+                                          <p:spTgt spid="12"/>
+                                        </p:tgtEl>
+                                      </p:cBhvr>
+                                    </p:animEffect>
+                                  </p:childTnLst>
+                                </p:cTn>
+                              </p:par>
+                            </p:childTnLst>
+                          </p:cTn>
+                        </p:par>
+                        <p:par>
+                          <p:cTn id="12" fill="hold">
+                            <p:stCondLst>
+                              <p:cond delay="2500"/>
+                            </p:stCondLst>
+                            <p:childTnLst>
+                              <p:par>
+                                <p:cTn id="13" presetID="7" presetClass="emph" presetSubtype="2" autoRev="1" fill="hold" grpId="2" nodeType="afterEffect">
+                                  <p:stCondLst>
+                                    <p:cond delay="0"/>
+                                  </p:stCondLst>
+                                  <p:childTnLst>
+                                    <p:animClr clrSpc="rgb" dir="cw">
+                                      <p:cBhvr>
+                                        <p:cTn id="14" dur="2000" fill="hold"/>
+                                        <p:tgtEl>
+                                          <p:spTgt spid="12"/>
+                                        </p:tgtEl>
+                                        <p:attrNameLst>
+                                          <p:attrName>stroke.color</p:attrName>
+                                        </p:attrNameLst>
+                                      </p:cBhvr>
+                                      <p:to>
+                                        <a:schemeClr val="accent2"/>
+                                      </p:to>
+                                    </p:animClr>
+                                    <p:set>
+                                      <p:cBhvr>
+                                        <p:cTn id="15" dur="2000" fill="hold"/>
+                                        <p:tgtEl>
+                                          <p:spTgt spid="12"/>
+                                        </p:tgtEl>
+                                        <p:attrNameLst>
+                                          <p:attrName>stroke.on</p:attrName>
+                                        </p:attrNameLst>
+                                      </p:cBhvr>
+                                      <p:to>
+                                        <p:strVal val="true"/>
+                                      </p:to>
+                                    </p:set>
+                                  </p:childTnLst>
+                                </p:cTn>
+                              </p:par>
+                            </p:childTnLst>
+                          </p:cTn>
+                        </p:par>
+                      </p:childTnLst>
+                    </p:cTn>
+                  </p:par>
+                  <p:par>
+                    <p:cTn id="16" fill="hold">
+                      <p:stCondLst>
+                        <p:cond delay="indefinite"/>
+                      </p:stCondLst>
+                      <p:childTnLst>
+                        <p:par>
+                          <p:cTn id="17" fill="hold">
+                            <p:stCondLst>
+                              <p:cond delay="0"/>
+                            </p:stCondLst>
+                            <p:childTnLst>
+                              <p:par>
+                                <p:cTn id="18" presetID="14" presetClass="entr" presetSubtype="10" fill="hold" grpId="0" nodeType="clickEffect">
+                                  <p:stCondLst>
+                                    <p:cond delay="0"/>
+                                  </p:stCondLst>
+                                  <p:childTnLst>
+                                    <p:set>
+                                      <p:cBhvr>
+                                        <p:cTn id="19" dur="1" fill="hold">
+                                          <p:stCondLst>
+                                            <p:cond delay="0"/>
+                                          </p:stCondLst>
+                                        </p:cTn>
+                                        <p:tgtEl>
+                                          <p:spTgt spid="36"/>
+                                        </p:tgtEl>
+                                        <p:attrNameLst>
+                                          <p:attrName>style.visibility</p:attrName>
+                                        </p:attrNameLst>
+                                      </p:cBhvr>
+                                      <p:to>
+                                        <p:strVal val="visible"/>
+                                      </p:to>
+                                    </p:set>
+                                    <p:animEffect transition="in" filter="randombar(horizontal)">
+                                      <p:cBhvr>
+                                        <p:cTn id="20" dur="500"/>
+                                        <p:tgtEl>
+                                          <p:spTgt spid="36"/>
+                                        </p:tgtEl>
+                                      </p:cBhvr>
+                                    </p:animEffect>
+                                  </p:childTnLst>
+                                </p:cTn>
+                              </p:par>
+                            </p:childTnLst>
+                          </p:cTn>
+                        </p:par>
+                      </p:childTnLst>
+                    </p:cTn>
+                  </p:par>
+                  <p:par>
+                    <p:cTn id="21" fill="hold">
+                      <p:stCondLst>
+                        <p:cond delay="indefinite"/>
+                      </p:stCondLst>
+                      <p:childTnLst>
+                        <p:par>
+                          <p:cTn id="22" fill="hold">
+                            <p:stCondLst>
+                              <p:cond delay="0"/>
+                            </p:stCondLst>
+                            <p:childTnLst>
+                              <p:par>
+                                <p:cTn id="23" presetID="10" presetClass="entr" presetSubtype="0" fill="hold" nodeType="clickEffect">
+                                  <p:stCondLst>
+                                    <p:cond delay="0"/>
+                                  </p:stCondLst>
+                                  <p:childTnLst>
+                                    <p:set>
+                                      <p:cBhvr>
+                                        <p:cTn id="24" dur="1" fill="hold">
+                                          <p:stCondLst>
+                                            <p:cond delay="0"/>
+                                          </p:stCondLst>
+                                        </p:cTn>
+                                        <p:tgtEl>
+                                          <p:spTgt spid="9"/>
+                                        </p:tgtEl>
+                                        <p:attrNameLst>
+                                          <p:attrName>style.visibility</p:attrName>
+                                        </p:attrNameLst>
+                                      </p:cBhvr>
+                                      <p:to>
+                                        <p:strVal val="visible"/>
+                                      </p:to>
+                                    </p:set>
+                                    <p:animEffect transition="in" filter="fade">
+                                      <p:cBhvr>
+                                        <p:cTn id="25" dur="500"/>
+                                        <p:tgtEl>
+                                          <p:spTgt spid="9"/>
+                                        </p:tgtEl>
+                                      </p:cBhvr>
+                                    </p:animEffect>
+                                  </p:childTnLst>
+                                </p:cTn>
+                              </p:par>
+                            </p:childTnLst>
+                          </p:cTn>
+                        </p:par>
+                        <p:par>
+                          <p:cTn id="26" fill="hold">
+                            <p:stCondLst>
+                              <p:cond delay="500"/>
+                            </p:stCondLst>
+                            <p:childTnLst>
+                              <p:par>
+                                <p:cTn id="27" presetID="22" presetClass="entr" presetSubtype="4" fill="hold" grpId="0" nodeType="afterEffect">
+                                  <p:stCondLst>
+                                    <p:cond delay="0"/>
+                                  </p:stCondLst>
+                                  <p:childTnLst>
+                                    <p:set>
+                                      <p:cBhvr>
+                                        <p:cTn id="28" dur="1" fill="hold">
+                                          <p:stCondLst>
+                                            <p:cond delay="0"/>
+                                          </p:stCondLst>
+                                        </p:cTn>
+                                        <p:tgtEl>
+                                          <p:spTgt spid="7"/>
+                                        </p:tgtEl>
+                                        <p:attrNameLst>
+                                          <p:attrName>style.visibility</p:attrName>
+                                        </p:attrNameLst>
+                                      </p:cBhvr>
+                                      <p:to>
+                                        <p:strVal val="visible"/>
+                                      </p:to>
+                                    </p:set>
+                                    <p:animEffect transition="in" filter="wipe(down)">
+                                      <p:cBhvr>
+                                        <p:cTn id="29" dur="500"/>
+                                        <p:tgtEl>
+                                          <p:spTgt spid="7"/>
+                                        </p:tgtEl>
+                                      </p:cBhvr>
+                                    </p:animEffect>
+                                  </p:childTnLst>
+                                </p:cTn>
+                              </p:par>
+                            </p:childTnLst>
+                          </p:cTn>
+                        </p:par>
+                        <p:par>
+                          <p:cTn id="30" fill="hold">
+                            <p:stCondLst>
+                              <p:cond delay="1000"/>
+                            </p:stCondLst>
+                            <p:childTnLst>
+                              <p:par>
+                                <p:cTn id="31" presetID="22" presetClass="entr" presetSubtype="4" fill="hold" grpId="0" nodeType="afterEffect">
+                                  <p:stCondLst>
+                                    <p:cond delay="0"/>
+                                  </p:stCondLst>
+                                  <p:childTnLst>
+                                    <p:set>
+                                      <p:cBhvr>
+                                        <p:cTn id="32" dur="1" fill="hold">
+                                          <p:stCondLst>
+                                            <p:cond delay="0"/>
+                                          </p:stCondLst>
+                                        </p:cTn>
+                                        <p:tgtEl>
+                                          <p:spTgt spid="30"/>
+                                        </p:tgtEl>
+                                        <p:attrNameLst>
+                                          <p:attrName>style.visibility</p:attrName>
+                                        </p:attrNameLst>
+                                      </p:cBhvr>
+                                      <p:to>
+                                        <p:strVal val="visible"/>
+                                      </p:to>
+                                    </p:set>
+                                    <p:animEffect transition="in" filter="wipe(down)">
+                                      <p:cBhvr>
+                                        <p:cTn id="33" dur="500"/>
+                                        <p:tgtEl>
+                                          <p:spTgt spid="30"/>
+                                        </p:tgtEl>
+                                      </p:cBhvr>
+                                    </p:animEffect>
+                                  </p:childTnLst>
+                                </p:cTn>
+                              </p:par>
+                              <p:par>
+                                <p:cTn id="34" presetID="22" presetClass="entr" presetSubtype="4" fill="hold" grpId="0" nodeType="withEffect">
+                                  <p:stCondLst>
+                                    <p:cond delay="0"/>
+                                  </p:stCondLst>
+                                  <p:childTnLst>
+                                    <p:set>
+                                      <p:cBhvr>
+                                        <p:cTn id="35" dur="1" fill="hold">
+                                          <p:stCondLst>
+                                            <p:cond delay="0"/>
+                                          </p:stCondLst>
+                                        </p:cTn>
+                                        <p:tgtEl>
+                                          <p:spTgt spid="31"/>
+                                        </p:tgtEl>
+                                        <p:attrNameLst>
+                                          <p:attrName>style.visibility</p:attrName>
+                                        </p:attrNameLst>
+                                      </p:cBhvr>
+                                      <p:to>
+                                        <p:strVal val="visible"/>
+                                      </p:to>
+                                    </p:set>
+                                    <p:animEffect transition="in" filter="wipe(down)">
+                                      <p:cBhvr>
+                                        <p:cTn id="36" dur="500"/>
+                                        <p:tgtEl>
+                                          <p:spTgt spid="31"/>
+                                        </p:tgtEl>
+                                      </p:cBhvr>
+                                    </p:animEffect>
+                                  </p:childTnLst>
+                                </p:cTn>
+                              </p:par>
+                            </p:childTnLst>
+                          </p:cTn>
+                        </p:par>
+                      </p:childTnLst>
+                    </p:cTn>
+                  </p:par>
+                  <p:par>
+                    <p:cTn id="37" fill="hold">
+                      <p:stCondLst>
+                        <p:cond delay="indefinite"/>
+                      </p:stCondLst>
+                      <p:childTnLst>
+                        <p:par>
+                          <p:cTn id="38" fill="hold">
+                            <p:stCondLst>
+                              <p:cond delay="0"/>
+                            </p:stCondLst>
+                            <p:childTnLst>
+                              <p:par>
+                                <p:cTn id="39" presetID="10" presetClass="entr" presetSubtype="0" fill="hold" nodeType="clickEffect">
+                                  <p:stCondLst>
+                                    <p:cond delay="0"/>
+                                  </p:stCondLst>
+                                  <p:childTnLst>
+                                    <p:set>
+                                      <p:cBhvr>
+                                        <p:cTn id="40" dur="1" fill="hold">
+                                          <p:stCondLst>
+                                            <p:cond delay="0"/>
+                                          </p:stCondLst>
+                                        </p:cTn>
+                                        <p:tgtEl>
+                                          <p:spTgt spid="20"/>
+                                        </p:tgtEl>
+                                        <p:attrNameLst>
+                                          <p:attrName>style.visibility</p:attrName>
+                                        </p:attrNameLst>
+                                      </p:cBhvr>
+                                      <p:to>
+                                        <p:strVal val="visible"/>
+                                      </p:to>
+                                    </p:set>
+                                    <p:animEffect transition="in" filter="fade">
+                                      <p:cBhvr>
+                                        <p:cTn id="41" dur="500"/>
+                                        <p:tgtEl>
+                                          <p:spTgt spid="20"/>
+                                        </p:tgtEl>
+                                      </p:cBhvr>
+                                    </p:animEffect>
+                                  </p:childTnLst>
+                                </p:cTn>
+                              </p:par>
+                            </p:childTnLst>
+                          </p:cTn>
+                        </p:par>
+                        <p:par>
+                          <p:cTn id="42" fill="hold">
+                            <p:stCondLst>
+                              <p:cond delay="500"/>
+                            </p:stCondLst>
+                            <p:childTnLst>
+                              <p:par>
+                                <p:cTn id="43" presetID="21" presetClass="entr" presetSubtype="1" fill="hold" grpId="0" nodeType="afterEffect">
+                                  <p:stCondLst>
+                                    <p:cond delay="0"/>
+                                  </p:stCondLst>
+                                  <p:childTnLst>
+                                    <p:set>
+                                      <p:cBhvr>
+                                        <p:cTn id="44" dur="1" fill="hold">
+                                          <p:stCondLst>
+                                            <p:cond delay="0"/>
+                                          </p:stCondLst>
+                                        </p:cTn>
+                                        <p:tgtEl>
+                                          <p:spTgt spid="13"/>
+                                        </p:tgtEl>
+                                        <p:attrNameLst>
+                                          <p:attrName>style.visibility</p:attrName>
+                                        </p:attrNameLst>
+                                      </p:cBhvr>
+                                      <p:to>
+                                        <p:strVal val="visible"/>
+                                      </p:to>
+                                    </p:set>
+                                    <p:animEffect transition="in" filter="wheel(1)">
+                                      <p:cBhvr>
+                                        <p:cTn id="45" dur="2000"/>
+                                        <p:tgtEl>
+                                          <p:spTgt spid="13"/>
+                                        </p:tgtEl>
+                                      </p:cBhvr>
+                                    </p:animEffect>
+                                  </p:childTnLst>
+                                </p:cTn>
+                              </p:par>
+                            </p:childTnLst>
+                          </p:cTn>
+                        </p:par>
+                        <p:par>
+                          <p:cTn id="46" fill="hold">
+                            <p:stCondLst>
+                              <p:cond delay="2500"/>
+                            </p:stCondLst>
+                            <p:childTnLst>
+                              <p:par>
+                                <p:cTn id="47" presetID="7" presetClass="emph" presetSubtype="2" autoRev="1" fill="hold" nodeType="afterEffect">
+                                  <p:stCondLst>
+                                    <p:cond delay="0"/>
+                                  </p:stCondLst>
+                                  <p:childTnLst>
+                                    <p:animClr clrSpc="rgb" dir="cw">
+                                      <p:cBhvr>
+                                        <p:cTn id="48" dur="2000" fill="hold"/>
+                                        <p:tgtEl>
+                                          <p:spTgt spid="13"/>
+                                        </p:tgtEl>
+                                        <p:attrNameLst>
+                                          <p:attrName>stroke.color</p:attrName>
+                                        </p:attrNameLst>
+                                      </p:cBhvr>
+                                      <p:to>
+                                        <a:schemeClr val="accent2"/>
+                                      </p:to>
+                                    </p:animClr>
+                                    <p:set>
+                                      <p:cBhvr>
+                                        <p:cTn id="49" dur="2000" fill="hold"/>
+                                        <p:tgtEl>
+                                          <p:spTgt spid="13"/>
+                                        </p:tgtEl>
+                                        <p:attrNameLst>
+                                          <p:attrName>stroke.on</p:attrName>
+                                        </p:attrNameLst>
+                                      </p:cBhvr>
+                                      <p:to>
+                                        <p:strVal val="true"/>
+                                      </p:to>
+                                    </p:set>
+                                  </p:childTnLst>
+                                </p:cTn>
+                              </p:par>
+                            </p:childTnLst>
+                          </p:cTn>
+                        </p:par>
+                      </p:childTnLst>
+                    </p:cTn>
+                  </p:par>
+                  <p:par>
+                    <p:cTn id="50" fill="hold">
+                      <p:stCondLst>
+                        <p:cond delay="indefinite"/>
+                      </p:stCondLst>
+                      <p:childTnLst>
+                        <p:par>
+                          <p:cTn id="51" fill="hold">
+                            <p:stCondLst>
+                              <p:cond delay="0"/>
+                            </p:stCondLst>
+                            <p:childTnLst>
+                              <p:par>
+                                <p:cTn id="52" presetID="42" presetClass="entr" presetSubtype="0" fill="hold" nodeType="clickEffect">
+                                  <p:stCondLst>
+                                    <p:cond delay="0"/>
+                                  </p:stCondLst>
+                                  <p:childTnLst>
+                                    <p:set>
+                                      <p:cBhvr>
+                                        <p:cTn id="53" dur="1" fill="hold">
+                                          <p:stCondLst>
+                                            <p:cond delay="0"/>
+                                          </p:stCondLst>
+                                        </p:cTn>
+                                        <p:tgtEl>
+                                          <p:spTgt spid="22"/>
+                                        </p:tgtEl>
+                                        <p:attrNameLst>
+                                          <p:attrName>style.visibility</p:attrName>
+                                        </p:attrNameLst>
+                                      </p:cBhvr>
+                                      <p:to>
+                                        <p:strVal val="visible"/>
+                                      </p:to>
+                                    </p:set>
+                                    <p:animEffect transition="in" filter="fade">
+                                      <p:cBhvr>
+                                        <p:cTn id="54" dur="1000"/>
+                                        <p:tgtEl>
+                                          <p:spTgt spid="22"/>
+                                        </p:tgtEl>
+                                      </p:cBhvr>
+                                    </p:animEffect>
+                                    <p:anim calcmode="lin" valueType="num">
+                                      <p:cBhvr>
+                                        <p:cTn id="55" dur="1000" fill="hold"/>
+                                        <p:tgtEl>
+                                          <p:spTgt spid="22"/>
+                                        </p:tgtEl>
+                                        <p:attrNameLst>
+                                          <p:attrName>ppt_x</p:attrName>
+                                        </p:attrNameLst>
+                                      </p:cBhvr>
+                                      <p:tavLst>
+                                        <p:tav tm="0">
+                                          <p:val>
+                                            <p:strVal val="#ppt_x"/>
+                                          </p:val>
+                                        </p:tav>
+                                        <p:tav tm="100000">
+                                          <p:val>
+                                            <p:strVal val="#ppt_x"/>
+                                          </p:val>
+                                        </p:tav>
+                                      </p:tavLst>
+                                    </p:anim>
+                                    <p:anim calcmode="lin" valueType="num">
+                                      <p:cBhvr>
+                                        <p:cTn id="56" dur="1000" fill="hold"/>
+                                        <p:tgtEl>
+                                          <p:spTgt spid="22"/>
+                                        </p:tgtEl>
+                                        <p:attrNameLst>
+                                          <p:attrName>ppt_y</p:attrName>
+                                        </p:attrNameLst>
+                                      </p:cBhvr>
+                                      <p:tavLst>
+                                        <p:tav tm="0">
+                                          <p:val>
+                                            <p:strVal val="#ppt_y+.1"/>
+                                          </p:val>
+                                        </p:tav>
+                                        <p:tav tm="100000">
+                                          <p:val>
+                                            <p:strVal val="#ppt_y"/>
+                                          </p:val>
+                                        </p:tav>
+                                      </p:tavLst>
+                                    </p:anim>
+                                  </p:childTnLst>
+                                </p:cTn>
+                              </p:par>
+                              <p:par>
+                                <p:cTn id="57" presetID="42" presetClass="entr" presetSubtype="0" fill="hold" grpId="0" nodeType="withEffect">
+                                  <p:stCondLst>
+                                    <p:cond delay="0"/>
+                                  </p:stCondLst>
+                                  <p:childTnLst>
+                                    <p:set>
+                                      <p:cBhvr>
+                                        <p:cTn id="58" dur="1" fill="hold">
+                                          <p:stCondLst>
+                                            <p:cond delay="0"/>
+                                          </p:stCondLst>
+                                        </p:cTn>
+                                        <p:tgtEl>
+                                          <p:spTgt spid="14"/>
+                                        </p:tgtEl>
+                                        <p:attrNameLst>
+                                          <p:attrName>style.visibility</p:attrName>
+                                        </p:attrNameLst>
+                                      </p:cBhvr>
+                                      <p:to>
+                                        <p:strVal val="visible"/>
+                                      </p:to>
+                                    </p:set>
+                                    <p:animEffect transition="in" filter="fade">
+                                      <p:cBhvr>
+                                        <p:cTn id="59" dur="1000"/>
+                                        <p:tgtEl>
+                                          <p:spTgt spid="14"/>
+                                        </p:tgtEl>
+                                      </p:cBhvr>
+                                    </p:animEffect>
+                                    <p:anim calcmode="lin" valueType="num">
+                                      <p:cBhvr>
+                                        <p:cTn id="60" dur="1000" fill="hold"/>
+                                        <p:tgtEl>
+                                          <p:spTgt spid="14"/>
+                                        </p:tgtEl>
+                                        <p:attrNameLst>
+                                          <p:attrName>ppt_x</p:attrName>
+                                        </p:attrNameLst>
+                                      </p:cBhvr>
+                                      <p:tavLst>
+                                        <p:tav tm="0">
+                                          <p:val>
+                                            <p:strVal val="#ppt_x"/>
+                                          </p:val>
+                                        </p:tav>
+                                        <p:tav tm="100000">
+                                          <p:val>
+                                            <p:strVal val="#ppt_x"/>
+                                          </p:val>
+                                        </p:tav>
+                                      </p:tavLst>
+                                    </p:anim>
+                                    <p:anim calcmode="lin" valueType="num">
+                                      <p:cBhvr>
+                                        <p:cTn id="61" dur="1000" fill="hold"/>
+                                        <p:tgtEl>
+                                          <p:spTgt spid="14"/>
+                                        </p:tgtEl>
+                                        <p:attrNameLst>
+                                          <p:attrName>ppt_y</p:attrName>
+                                        </p:attrNameLst>
+                                      </p:cBhvr>
+                                      <p:tavLst>
+                                        <p:tav tm="0">
+                                          <p:val>
+                                            <p:strVal val="#ppt_y+.1"/>
+                                          </p:val>
+                                        </p:tav>
+                                        <p:tav tm="100000">
+                                          <p:val>
+                                            <p:strVal val="#ppt_y"/>
+                                          </p:val>
+                                        </p:tav>
+                                      </p:tavLst>
+                                    </p:anim>
+                                  </p:childTnLst>
+                                </p:cTn>
+                              </p:par>
+                              <p:par>
+                                <p:cTn id="62" presetID="42" presetClass="entr" presetSubtype="0" fill="hold" nodeType="withEffect">
+                                  <p:stCondLst>
+                                    <p:cond delay="0"/>
+                                  </p:stCondLst>
+                                  <p:childTnLst>
+                                    <p:set>
+                                      <p:cBhvr>
+                                        <p:cTn id="63" dur="1" fill="hold">
+                                          <p:stCondLst>
+                                            <p:cond delay="0"/>
+                                          </p:stCondLst>
+                                        </p:cTn>
+                                        <p:tgtEl>
+                                          <p:spTgt spid="11"/>
+                                        </p:tgtEl>
+                                        <p:attrNameLst>
+                                          <p:attrName>style.visibility</p:attrName>
+                                        </p:attrNameLst>
+                                      </p:cBhvr>
+                                      <p:to>
+                                        <p:strVal val="visible"/>
+                                      </p:to>
+                                    </p:set>
+                                    <p:animEffect transition="in" filter="fade">
+                                      <p:cBhvr>
+                                        <p:cTn id="64" dur="1000"/>
+                                        <p:tgtEl>
+                                          <p:spTgt spid="11"/>
+                                        </p:tgtEl>
+                                      </p:cBhvr>
+                                    </p:animEffect>
+                                    <p:anim calcmode="lin" valueType="num">
+                                      <p:cBhvr>
+                                        <p:cTn id="65" dur="1000" fill="hold"/>
+                                        <p:tgtEl>
+                                          <p:spTgt spid="11"/>
+                                        </p:tgtEl>
+                                        <p:attrNameLst>
+                                          <p:attrName>ppt_x</p:attrName>
+                                        </p:attrNameLst>
+                                      </p:cBhvr>
+                                      <p:tavLst>
+                                        <p:tav tm="0">
+                                          <p:val>
+                                            <p:strVal val="#ppt_x"/>
+                                          </p:val>
+                                        </p:tav>
+                                        <p:tav tm="100000">
+                                          <p:val>
+                                            <p:strVal val="#ppt_x"/>
+                                          </p:val>
+                                        </p:tav>
+                                      </p:tavLst>
+                                    </p:anim>
+                                    <p:anim calcmode="lin" valueType="num">
+                                      <p:cBhvr>
+                                        <p:cTn id="66" dur="1000" fill="hold"/>
+                                        <p:tgtEl>
+                                          <p:spTgt spid="11"/>
+                                        </p:tgtEl>
+                                        <p:attrNameLst>
+                                          <p:attrName>ppt_y</p:attrName>
+                                        </p:attrNameLst>
+                                      </p:cBhvr>
+                                      <p:tavLst>
+                                        <p:tav tm="0">
+                                          <p:val>
+                                            <p:strVal val="#ppt_y+.1"/>
+                                          </p:val>
+                                        </p:tav>
+                                        <p:tav tm="100000">
+                                          <p:val>
+                                            <p:strVal val="#ppt_y"/>
+                                          </p:val>
+                                        </p:tav>
+                                      </p:tavLst>
+                                    </p:anim>
+                                  </p:childTnLst>
+                                </p:cTn>
+                              </p:par>
+                              <p:par>
+                                <p:cTn id="67" presetID="42" presetClass="entr" presetSubtype="0" fill="hold" grpId="0" nodeType="withEffect">
+                                  <p:stCondLst>
+                                    <p:cond delay="0"/>
+                                  </p:stCondLst>
+                                  <p:childTnLst>
+                                    <p:set>
+                                      <p:cBhvr>
+                                        <p:cTn id="68" dur="1" fill="hold">
+                                          <p:stCondLst>
+                                            <p:cond delay="0"/>
+                                          </p:stCondLst>
+                                        </p:cTn>
+                                        <p:tgtEl>
+                                          <p:spTgt spid="6"/>
+                                        </p:tgtEl>
+                                        <p:attrNameLst>
+                                          <p:attrName>style.visibility</p:attrName>
+                                        </p:attrNameLst>
+                                      </p:cBhvr>
+                                      <p:to>
+                                        <p:strVal val="visible"/>
+                                      </p:to>
+                                    </p:set>
+                                    <p:animEffect transition="in" filter="fade">
+                                      <p:cBhvr>
+                                        <p:cTn id="69" dur="1000"/>
+                                        <p:tgtEl>
+                                          <p:spTgt spid="6"/>
+                                        </p:tgtEl>
+                                      </p:cBhvr>
+                                    </p:animEffect>
+                                    <p:anim calcmode="lin" valueType="num">
+                                      <p:cBhvr>
+                                        <p:cTn id="70" dur="1000" fill="hold"/>
+                                        <p:tgtEl>
+                                          <p:spTgt spid="6"/>
+                                        </p:tgtEl>
+                                        <p:attrNameLst>
+                                          <p:attrName>ppt_x</p:attrName>
+                                        </p:attrNameLst>
+                                      </p:cBhvr>
+                                      <p:tavLst>
+                                        <p:tav tm="0">
+                                          <p:val>
+                                            <p:strVal val="#ppt_x"/>
+                                          </p:val>
+                                        </p:tav>
+                                        <p:tav tm="100000">
+                                          <p:val>
+                                            <p:strVal val="#ppt_x"/>
+                                          </p:val>
+                                        </p:tav>
+                                      </p:tavLst>
+                                    </p:anim>
+                                    <p:anim calcmode="lin" valueType="num">
+                                      <p:cBhvr>
+                                        <p:cTn id="71" dur="1000" fill="hold"/>
+                                        <p:tgtEl>
+                                          <p:spTgt spid="6"/>
+                                        </p:tgtEl>
+                                        <p:attrNameLst>
+                                          <p:attrName>ppt_y</p:attrName>
+                                        </p:attrNameLst>
+                                      </p:cBhvr>
+                                      <p:tavLst>
+                                        <p:tav tm="0">
+                                          <p:val>
+                                            <p:strVal val="#ppt_y+.1"/>
+                                          </p:val>
+                                        </p:tav>
+                                        <p:tav tm="100000">
+                                          <p:val>
+                                            <p:strVal val="#ppt_y"/>
+                                          </p:val>
+                                        </p:tav>
+                                      </p:tavLst>
+                                    </p:anim>
+                                  </p:childTnLst>
+                                </p:cTn>
+                              </p:par>
+                              <p:par>
+                                <p:cTn id="72" presetID="42" presetClass="entr" presetSubtype="0" fill="hold" nodeType="withEffect">
+                                  <p:stCondLst>
+                                    <p:cond delay="0"/>
+                                  </p:stCondLst>
+                                  <p:childTnLst>
+                                    <p:set>
+                                      <p:cBhvr>
+                                        <p:cTn id="73" dur="1" fill="hold">
+                                          <p:stCondLst>
+                                            <p:cond delay="0"/>
+                                          </p:stCondLst>
+                                        </p:cTn>
+                                        <p:tgtEl>
+                                          <p:spTgt spid="24"/>
+                                        </p:tgtEl>
+                                        <p:attrNameLst>
+                                          <p:attrName>style.visibility</p:attrName>
+                                        </p:attrNameLst>
+                                      </p:cBhvr>
+                                      <p:to>
+                                        <p:strVal val="visible"/>
+                                      </p:to>
+                                    </p:set>
+                                    <p:animEffect transition="in" filter="fade">
+                                      <p:cBhvr>
+                                        <p:cTn id="74" dur="1000"/>
+                                        <p:tgtEl>
+                                          <p:spTgt spid="24"/>
+                                        </p:tgtEl>
+                                      </p:cBhvr>
+                                    </p:animEffect>
+                                    <p:anim calcmode="lin" valueType="num">
+                                      <p:cBhvr>
+                                        <p:cTn id="75" dur="1000" fill="hold"/>
+                                        <p:tgtEl>
+                                          <p:spTgt spid="24"/>
+                                        </p:tgtEl>
+                                        <p:attrNameLst>
+                                          <p:attrName>ppt_x</p:attrName>
+                                        </p:attrNameLst>
+                                      </p:cBhvr>
+                                      <p:tavLst>
+                                        <p:tav tm="0">
+                                          <p:val>
+                                            <p:strVal val="#ppt_x"/>
+                                          </p:val>
+                                        </p:tav>
+                                        <p:tav tm="100000">
+                                          <p:val>
+                                            <p:strVal val="#ppt_x"/>
+                                          </p:val>
+                                        </p:tav>
+                                      </p:tavLst>
+                                    </p:anim>
+                                    <p:anim calcmode="lin" valueType="num">
+                                      <p:cBhvr>
+                                        <p:cTn id="76" dur="1000" fill="hold"/>
+                                        <p:tgtEl>
+                                          <p:spTgt spid="24"/>
+                                        </p:tgtEl>
+                                        <p:attrNameLst>
+                                          <p:attrName>ppt_y</p:attrName>
+                                        </p:attrNameLst>
+                                      </p:cBhvr>
+                                      <p:tavLst>
+                                        <p:tav tm="0">
+                                          <p:val>
+                                            <p:strVal val="#ppt_y+.1"/>
+                                          </p:val>
+                                        </p:tav>
+                                        <p:tav tm="100000">
+                                          <p:val>
+                                            <p:strVal val="#ppt_y"/>
+                                          </p:val>
+                                        </p:tav>
+                                      </p:tavLst>
+                                    </p:anim>
+                                  </p:childTnLst>
+                                </p:cTn>
+                              </p:par>
+                              <p:par>
+                                <p:cTn id="77" presetID="42" presetClass="entr" presetSubtype="0" fill="hold" grpId="0" nodeType="withEffect">
+                                  <p:stCondLst>
+                                    <p:cond delay="0"/>
+                                  </p:stCondLst>
+                                  <p:childTnLst>
+                                    <p:set>
+                                      <p:cBhvr>
+                                        <p:cTn id="78" dur="1" fill="hold">
+                                          <p:stCondLst>
+                                            <p:cond delay="0"/>
+                                          </p:stCondLst>
+                                        </p:cTn>
+                                        <p:tgtEl>
+                                          <p:spTgt spid="32"/>
+                                        </p:tgtEl>
+                                        <p:attrNameLst>
+                                          <p:attrName>style.visibility</p:attrName>
+                                        </p:attrNameLst>
+                                      </p:cBhvr>
+                                      <p:to>
+                                        <p:strVal val="visible"/>
+                                      </p:to>
+                                    </p:set>
+                                    <p:animEffect transition="in" filter="fade">
+                                      <p:cBhvr>
+                                        <p:cTn id="79" dur="1000"/>
+                                        <p:tgtEl>
+                                          <p:spTgt spid="32"/>
+                                        </p:tgtEl>
+                                      </p:cBhvr>
+                                    </p:animEffect>
+                                    <p:anim calcmode="lin" valueType="num">
+                                      <p:cBhvr>
+                                        <p:cTn id="80" dur="1000" fill="hold"/>
+                                        <p:tgtEl>
+                                          <p:spTgt spid="32"/>
+                                        </p:tgtEl>
+                                        <p:attrNameLst>
+                                          <p:attrName>ppt_x</p:attrName>
+                                        </p:attrNameLst>
+                                      </p:cBhvr>
+                                      <p:tavLst>
+                                        <p:tav tm="0">
+                                          <p:val>
+                                            <p:strVal val="#ppt_x"/>
+                                          </p:val>
+                                        </p:tav>
+                                        <p:tav tm="100000">
+                                          <p:val>
+                                            <p:strVal val="#ppt_x"/>
+                                          </p:val>
+                                        </p:tav>
+                                      </p:tavLst>
+                                    </p:anim>
+                                    <p:anim calcmode="lin" valueType="num">
+                                      <p:cBhvr>
+                                        <p:cTn id="81" dur="1000" fill="hold"/>
+                                        <p:tgtEl>
+                                          <p:spTgt spid="32"/>
+                                        </p:tgtEl>
+                                        <p:attrNameLst>
+                                          <p:attrName>ppt_y</p:attrName>
+                                        </p:attrNameLst>
+                                      </p:cBhvr>
+                                      <p:tavLst>
+                                        <p:tav tm="0">
+                                          <p:val>
+                                            <p:strVal val="#ppt_y+.1"/>
+                                          </p:val>
+                                        </p:tav>
+                                        <p:tav tm="100000">
+                                          <p:val>
+                                            <p:strVal val="#ppt_y"/>
+                                          </p:val>
+                                        </p:tav>
+                                      </p:tavLst>
+                                    </p:anim>
+                                  </p:childTnLst>
+                                </p:cTn>
+                              </p:par>
+                              <p:par>
+                                <p:cTn id="82" presetID="42" presetClass="entr" presetSubtype="0" fill="hold" grpId="0" nodeType="withEffect">
+                                  <p:stCondLst>
+                                    <p:cond delay="0"/>
+                                  </p:stCondLst>
+                                  <p:childTnLst>
+                                    <p:set>
+                                      <p:cBhvr>
+                                        <p:cTn id="83" dur="1" fill="hold">
+                                          <p:stCondLst>
+                                            <p:cond delay="0"/>
+                                          </p:stCondLst>
+                                        </p:cTn>
+                                        <p:tgtEl>
+                                          <p:spTgt spid="33"/>
+                                        </p:tgtEl>
+                                        <p:attrNameLst>
+                                          <p:attrName>style.visibility</p:attrName>
+                                        </p:attrNameLst>
+                                      </p:cBhvr>
+                                      <p:to>
+                                        <p:strVal val="visible"/>
+                                      </p:to>
+                                    </p:set>
+                                    <p:animEffect transition="in" filter="fade">
+                                      <p:cBhvr>
+                                        <p:cTn id="84" dur="1000"/>
+                                        <p:tgtEl>
+                                          <p:spTgt spid="33"/>
+                                        </p:tgtEl>
+                                      </p:cBhvr>
+                                    </p:animEffect>
+                                    <p:anim calcmode="lin" valueType="num">
+                                      <p:cBhvr>
+                                        <p:cTn id="85" dur="1000" fill="hold"/>
+                                        <p:tgtEl>
+                                          <p:spTgt spid="33"/>
+                                        </p:tgtEl>
+                                        <p:attrNameLst>
+                                          <p:attrName>ppt_x</p:attrName>
+                                        </p:attrNameLst>
+                                      </p:cBhvr>
+                                      <p:tavLst>
+                                        <p:tav tm="0">
+                                          <p:val>
+                                            <p:strVal val="#ppt_x"/>
+                                          </p:val>
+                                        </p:tav>
+                                        <p:tav tm="100000">
+                                          <p:val>
+                                            <p:strVal val="#ppt_x"/>
+                                          </p:val>
+                                        </p:tav>
+                                      </p:tavLst>
+                                    </p:anim>
+                                    <p:anim calcmode="lin" valueType="num">
+                                      <p:cBhvr>
+                                        <p:cTn id="86" dur="1000" fill="hold"/>
+                                        <p:tgtEl>
+                                          <p:spTgt spid="33"/>
+                                        </p:tgtEl>
+                                        <p:attrNameLst>
+                                          <p:attrName>ppt_y</p:attrName>
+                                        </p:attrNameLst>
+                                      </p:cBhvr>
+                                      <p:tavLst>
+                                        <p:tav tm="0">
+                                          <p:val>
+                                            <p:strVal val="#ppt_y+.1"/>
+                                          </p:val>
+                                        </p:tav>
+                                        <p:tav tm="100000">
+                                          <p:val>
+                                            <p:strVal val="#ppt_y"/>
+                                          </p:val>
+                                        </p:tav>
+                                      </p:tavLst>
+                                    </p:anim>
+                                  </p:childTnLst>
+                                </p:cTn>
+                              </p:par>
+                              <p:par>
+                                <p:cTn id="87" presetID="42" presetClass="entr" presetSubtype="0" fill="hold" nodeType="withEffect">
+                                  <p:stCondLst>
+                                    <p:cond delay="0"/>
+                                  </p:stCondLst>
+                                  <p:childTnLst>
+                                    <p:set>
+                                      <p:cBhvr>
+                                        <p:cTn id="88" dur="1" fill="hold">
+                                          <p:stCondLst>
+                                            <p:cond delay="0"/>
+                                          </p:stCondLst>
+                                        </p:cTn>
+                                        <p:tgtEl>
+                                          <p:spTgt spid="26"/>
+                                        </p:tgtEl>
+                                        <p:attrNameLst>
+                                          <p:attrName>style.visibility</p:attrName>
+                                        </p:attrNameLst>
+                                      </p:cBhvr>
+                                      <p:to>
+                                        <p:strVal val="visible"/>
+                                      </p:to>
+                                    </p:set>
+                                    <p:animEffect transition="in" filter="fade">
+                                      <p:cBhvr>
+                                        <p:cTn id="89" dur="1000"/>
+                                        <p:tgtEl>
+                                          <p:spTgt spid="26"/>
+                                        </p:tgtEl>
+                                      </p:cBhvr>
+                                    </p:animEffect>
+                                    <p:anim calcmode="lin" valueType="num">
+                                      <p:cBhvr>
+                                        <p:cTn id="90" dur="1000" fill="hold"/>
+                                        <p:tgtEl>
+                                          <p:spTgt spid="26"/>
+                                        </p:tgtEl>
+                                        <p:attrNameLst>
+                                          <p:attrName>ppt_x</p:attrName>
+                                        </p:attrNameLst>
+                                      </p:cBhvr>
+                                      <p:tavLst>
+                                        <p:tav tm="0">
+                                          <p:val>
+                                            <p:strVal val="#ppt_x"/>
+                                          </p:val>
+                                        </p:tav>
+                                        <p:tav tm="100000">
+                                          <p:val>
+                                            <p:strVal val="#ppt_x"/>
+                                          </p:val>
+                                        </p:tav>
+                                      </p:tavLst>
+                                    </p:anim>
+                                    <p:anim calcmode="lin" valueType="num">
+                                      <p:cBhvr>
+                                        <p:cTn id="91" dur="1000" fill="hold"/>
+                                        <p:tgtEl>
+                                          <p:spTgt spid="26"/>
+                                        </p:tgtEl>
+                                        <p:attrNameLst>
+                                          <p:attrName>ppt_y</p:attrName>
+                                        </p:attrNameLst>
+                                      </p:cBhvr>
+                                      <p:tavLst>
+                                        <p:tav tm="0">
+                                          <p:val>
+                                            <p:strVal val="#ppt_y+.1"/>
+                                          </p:val>
+                                        </p:tav>
+                                        <p:tav tm="100000">
+                                          <p:val>
+                                            <p:strVal val="#ppt_y"/>
+                                          </p:val>
+                                        </p:tav>
+                                      </p:tavLst>
+                                    </p:anim>
+                                  </p:childTnLst>
+                                </p:cTn>
+                              </p:par>
+                              <p:par>
+                                <p:cTn id="92" presetID="42" presetClass="entr" presetSubtype="0" fill="hold" grpId="0" nodeType="withEffect">
+                                  <p:stCondLst>
+                                    <p:cond delay="0"/>
+                                  </p:stCondLst>
+                                  <p:childTnLst>
+                                    <p:set>
+                                      <p:cBhvr>
+                                        <p:cTn id="93" dur="1" fill="hold">
+                                          <p:stCondLst>
+                                            <p:cond delay="0"/>
+                                          </p:stCondLst>
+                                        </p:cTn>
+                                        <p:tgtEl>
+                                          <p:spTgt spid="15"/>
+                                        </p:tgtEl>
+                                        <p:attrNameLst>
+                                          <p:attrName>style.visibility</p:attrName>
+                                        </p:attrNameLst>
+                                      </p:cBhvr>
+                                      <p:to>
+                                        <p:strVal val="visible"/>
+                                      </p:to>
+                                    </p:set>
+                                    <p:animEffect transition="in" filter="fade">
+                                      <p:cBhvr>
+                                        <p:cTn id="94" dur="1000"/>
+                                        <p:tgtEl>
+                                          <p:spTgt spid="15"/>
+                                        </p:tgtEl>
+                                      </p:cBhvr>
+                                    </p:animEffect>
+                                    <p:anim calcmode="lin" valueType="num">
+                                      <p:cBhvr>
+                                        <p:cTn id="95" dur="1000" fill="hold"/>
+                                        <p:tgtEl>
+                                          <p:spTgt spid="15"/>
+                                        </p:tgtEl>
+                                        <p:attrNameLst>
+                                          <p:attrName>ppt_x</p:attrName>
+                                        </p:attrNameLst>
+                                      </p:cBhvr>
+                                      <p:tavLst>
+                                        <p:tav tm="0">
+                                          <p:val>
+                                            <p:strVal val="#ppt_x"/>
+                                          </p:val>
+                                        </p:tav>
+                                        <p:tav tm="100000">
+                                          <p:val>
+                                            <p:strVal val="#ppt_x"/>
+                                          </p:val>
+                                        </p:tav>
+                                      </p:tavLst>
+                                    </p:anim>
+                                    <p:anim calcmode="lin" valueType="num">
+                                      <p:cBhvr>
+                                        <p:cTn id="96" dur="1000" fill="hold"/>
+                                        <p:tgtEl>
+                                          <p:spTgt spid="15"/>
+                                        </p:tgtEl>
+                                        <p:attrNameLst>
+                                          <p:attrName>ppt_y</p:attrName>
+                                        </p:attrNameLst>
+                                      </p:cBhvr>
+                                      <p:tavLst>
+                                        <p:tav tm="0">
+                                          <p:val>
+                                            <p:strVal val="#ppt_y+.1"/>
+                                          </p:val>
+                                        </p:tav>
+                                        <p:tav tm="100000">
+                                          <p:val>
+                                            <p:strVal val="#ppt_y"/>
+                                          </p:val>
+                                        </p:tav>
+                                      </p:tavLst>
+                                    </p:anim>
+                                  </p:childTnLst>
+                                </p:cTn>
+                              </p:par>
+                              <p:par>
+                                <p:cTn id="97" presetID="42" presetClass="entr" presetSubtype="0" fill="hold" grpId="0" nodeType="withEffect">
+                                  <p:stCondLst>
+                                    <p:cond delay="0"/>
+                                  </p:stCondLst>
+                                  <p:childTnLst>
+                                    <p:set>
+                                      <p:cBhvr>
+                                        <p:cTn id="98" dur="1" fill="hold">
+                                          <p:stCondLst>
+                                            <p:cond delay="0"/>
+                                          </p:stCondLst>
+                                        </p:cTn>
+                                        <p:tgtEl>
+                                          <p:spTgt spid="16"/>
+                                        </p:tgtEl>
+                                        <p:attrNameLst>
+                                          <p:attrName>style.visibility</p:attrName>
+                                        </p:attrNameLst>
+                                      </p:cBhvr>
+                                      <p:to>
+                                        <p:strVal val="visible"/>
+                                      </p:to>
+                                    </p:set>
+                                    <p:animEffect transition="in" filter="fade">
+                                      <p:cBhvr>
+                                        <p:cTn id="99" dur="1000"/>
+                                        <p:tgtEl>
+                                          <p:spTgt spid="16"/>
+                                        </p:tgtEl>
+                                      </p:cBhvr>
+                                    </p:animEffect>
+                                    <p:anim calcmode="lin" valueType="num">
+                                      <p:cBhvr>
+                                        <p:cTn id="100" dur="1000" fill="hold"/>
+                                        <p:tgtEl>
+                                          <p:spTgt spid="16"/>
+                                        </p:tgtEl>
+                                        <p:attrNameLst>
+                                          <p:attrName>ppt_x</p:attrName>
+                                        </p:attrNameLst>
+                                      </p:cBhvr>
+                                      <p:tavLst>
+                                        <p:tav tm="0">
+                                          <p:val>
+                                            <p:strVal val="#ppt_x"/>
+                                          </p:val>
+                                        </p:tav>
+                                        <p:tav tm="100000">
+                                          <p:val>
+                                            <p:strVal val="#ppt_x"/>
+                                          </p:val>
+                                        </p:tav>
+                                      </p:tavLst>
+                                    </p:anim>
+                                    <p:anim calcmode="lin" valueType="num">
+                                      <p:cBhvr>
+                                        <p:cTn id="101" dur="1000" fill="hold"/>
+                                        <p:tgtEl>
+                                          <p:spTgt spid="16"/>
+                                        </p:tgtEl>
+                                        <p:attrNameLst>
+                                          <p:attrName>ppt_y</p:attrName>
+                                        </p:attrNameLst>
+                                      </p:cBhvr>
+                                      <p:tavLst>
+                                        <p:tav tm="0">
+                                          <p:val>
+                                            <p:strVal val="#ppt_y+.1"/>
+                                          </p:val>
+                                        </p:tav>
+                                        <p:tav tm="100000">
+                                          <p:val>
+                                            <p:strVal val="#ppt_y"/>
+                                          </p:val>
+                                        </p:tav>
+                                      </p:tavLst>
+                                    </p:anim>
+                                  </p:childTnLst>
+                                </p:cTn>
+                              </p:par>
+                              <p:par>
+                                <p:cTn id="102" presetID="14" presetClass="entr" presetSubtype="10" fill="hold" grpId="0" nodeType="withEffect">
+                                  <p:stCondLst>
+                                    <p:cond delay="0"/>
+                                  </p:stCondLst>
+                                  <p:childTnLst>
+                                    <p:set>
+                                      <p:cBhvr>
+                                        <p:cTn id="103" dur="1" fill="hold">
+                                          <p:stCondLst>
+                                            <p:cond delay="0"/>
+                                          </p:stCondLst>
+                                        </p:cTn>
+                                        <p:tgtEl>
+                                          <p:spTgt spid="37"/>
+                                        </p:tgtEl>
+                                        <p:attrNameLst>
+                                          <p:attrName>style.visibility</p:attrName>
+                                        </p:attrNameLst>
+                                      </p:cBhvr>
+                                      <p:to>
+                                        <p:strVal val="visible"/>
+                                      </p:to>
+                                    </p:set>
+                                    <p:animEffect transition="in" filter="randombar(horizontal)">
+                                      <p:cBhvr>
+                                        <p:cTn id="104" dur="500"/>
+                                        <p:tgtEl>
+                                          <p:spTgt spid="37"/>
+                                        </p:tgtEl>
+                                      </p:cBhvr>
+                                    </p:animEffect>
+                                  </p:childTnLst>
+                                </p:cTn>
+                              </p:par>
+                            </p:childTnLst>
+                          </p:cTn>
+                        </p:par>
+                      </p:childTnLst>
+                    </p:cTn>
+                  </p:par>
+                  <p:par>
+                    <p:cTn id="105" fill="hold">
+                      <p:stCondLst>
+                        <p:cond delay="indefinite"/>
+                      </p:stCondLst>
+                      <p:childTnLst>
+                        <p:par>
+                          <p:cTn id="106" fill="hold">
+                            <p:stCondLst>
+                              <p:cond delay="0"/>
+                            </p:stCondLst>
+                            <p:childTnLst>
+                              <p:par>
+                                <p:cTn id="107" presetID="7" presetClass="emph" presetSubtype="2" autoRev="1" fill="hold" nodeType="clickEffect">
+                                  <p:stCondLst>
+                                    <p:cond delay="0"/>
+                                  </p:stCondLst>
+                                  <p:childTnLst>
+                                    <p:animClr clrSpc="rgb" dir="cw">
+                                      <p:cBhvr>
+                                        <p:cTn id="108" dur="2000" fill="hold"/>
+                                        <p:tgtEl>
+                                          <p:spTgt spid="16"/>
+                                        </p:tgtEl>
+                                        <p:attrNameLst>
+                                          <p:attrName>stroke.color</p:attrName>
+                                        </p:attrNameLst>
+                                      </p:cBhvr>
+                                      <p:to>
+                                        <a:schemeClr val="accent2"/>
+                                      </p:to>
+                                    </p:animClr>
+                                    <p:set>
+                                      <p:cBhvr>
+                                        <p:cTn id="109" dur="2000" fill="hold"/>
+                                        <p:tgtEl>
+                                          <p:spTgt spid="16"/>
+                                        </p:tgtEl>
+                                        <p:attrNameLst>
+                                          <p:attrName>stroke.on</p:attrName>
+                                        </p:attrNameLst>
+                                      </p:cBhvr>
+                                      <p:to>
+                                        <p:strVal val="true"/>
+                                      </p:to>
+                                    </p:set>
+                                  </p:childTnLst>
+                                </p:cTn>
+                              </p:par>
+                            </p:childTnLst>
+                          </p:cTn>
+                        </p:par>
+                      </p:childTnLst>
+                    </p:cTn>
+                  </p:par>
+                </p:childTnLst>
+              </p:cTn>
+              <p:prevCondLst>
+                <p:cond evt="onPrev" delay="0">
+                  <p:tgtEl>
+                    <p:sldTgt/>
+                  </p:tgtEl>
+                </p:cond>
+              </p:prevCondLst>
+              <p:nextCondLst>
+                <p:cond evt="onNext" delay="0">
+                  <p:tgtEl>
+                    <p:sldTgt/>
+                  </p:tgtEl>
+                </p:cond>
+              </p:nextCondLst>
+            </p:seq>
+          </p:childTnLst>
+        </p:cTn>
+      </p:par>
+    </p:tnLst>
+    <p:bldLst>
+      <p:bldP spid="6" grpId="0" animBg="1"/>
+      <p:bldP spid="7" grpId="0" animBg="1"/>
+      <p:bldP spid="12" grpId="0" animBg="1"/>
+      <p:bldP spid="12" grpId="2" animBg="1"/>
+      <p:bldP spid="13" grpId="0" animBg="1"/>
+      <p:bldP spid="14" grpId="0" animBg="1"/>
+      <p:bldP spid="15" grpId="0" animBg="1"/>
+      <p:bldP spid="16" grpId="0" animBg="1"/>
+      <p:bldP spid="30" grpId="0"/>
+      <p:bldP spid="31" grpId="0"/>
+      <p:bldP spid="32" grpId="0"/>
+      <p:bldP spid="33" grpId="0"/>
+      <p:bldP spid="36" grpId="0" animBg="1"/>
+      <p:bldP spid="37" grpId="0" animBg="1"/>
+    </p:bldLst>
+  </p:timing>
+</p:sld>
+</file>
+
+<file path=ppt/slides/slide7.xml><?xml version="1.0" encoding="utf-8"?>
+<p:sld xmlns:a="http://schemas.openxmlformats.org/drawingml/2006/main" xmlns:r="http://schemas.openxmlformats.org/officeDocument/2006/relationships" xmlns:p="http://schemas.openxmlformats.org/presentationml/2006/main">
+  <p:cSld>
+    <p:spTree>
+      <p:nvGrpSpPr>
+        <p:cNvPr id="1" name=""/>
+        <p:cNvGrpSpPr/>
+        <p:nvPr/>
+      </p:nvGrpSpPr>
+      <p:grpSpPr>
+        <a:xfrm>
+          <a:off x="0" y="0"/>
+          <a:ext cx="0" cy="0"/>
+          <a:chOff x="0" y="0"/>
+          <a:chExt cx="0" cy="0"/>
+        </a:xfrm>
+      </p:grpSpPr>
+      <p:sp>
+        <p:nvSpPr>
+          <p:cNvPr id="2" name="Title 1">
+            <a:extLst>
+              <a:ext uri="{FF2B5EF4-FFF2-40B4-BE49-F238E27FC236}">
+                <a16:creationId xmlns:a16="http://schemas.microsoft.com/office/drawing/2014/main" id="{4ABC5BE4-E794-42E3-B101-52B4088075AF}"/>
+              </a:ext>
+            </a:extLst>
+          </p:cNvPr>
+          <p:cNvSpPr>
+            <a:spLocks noGrp="1"/>
+          </p:cNvSpPr>
+          <p:nvPr>
+            <p:ph type="title"/>
+          </p:nvPr>
+        </p:nvSpPr>
+        <p:spPr/>
+        <p:txBody>
+          <a:bodyPr/>
+          <a:lstStyle/>
+          <a:p>
+            <a:pPr algn="ctr"/>
+            <a:r>
+              <a:rPr lang="en-GB" dirty="0"/>
+              <a:t>Pros and cons</a:t>
+            </a:r>
+            <a:endParaRPr lang="en-US" dirty="0"/>
+          </a:p>
+        </p:txBody>
+      </p:sp>
+      <p:sp>
+        <p:nvSpPr>
+          <p:cNvPr id="3" name="Text Placeholder 2">
+            <a:extLst>
+              <a:ext uri="{FF2B5EF4-FFF2-40B4-BE49-F238E27FC236}">
+                <a16:creationId xmlns:a16="http://schemas.microsoft.com/office/drawing/2014/main" id="{B8345F90-AA07-4E0A-947E-0A412407B4C0}"/>
+              </a:ext>
+            </a:extLst>
+          </p:cNvPr>
+          <p:cNvSpPr>
+            <a:spLocks noGrp="1"/>
+          </p:cNvSpPr>
+          <p:nvPr>
+            <p:ph type="body" idx="1"/>
+          </p:nvPr>
+        </p:nvSpPr>
+        <p:spPr/>
+        <p:txBody>
+          <a:bodyPr/>
+          <a:lstStyle/>
+          <a:p>
+            <a:pPr algn="ctr"/>
+            <a:r>
+              <a:rPr lang="en-GB" dirty="0"/>
+              <a:t>Pros</a:t>
+            </a:r>
+            <a:endParaRPr lang="en-US" dirty="0"/>
+          </a:p>
+        </p:txBody>
+      </p:sp>
+      <p:sp>
+        <p:nvSpPr>
+          <p:cNvPr id="4" name="Content Placeholder 3">
+            <a:extLst>
+              <a:ext uri="{FF2B5EF4-FFF2-40B4-BE49-F238E27FC236}">
+                <a16:creationId xmlns:a16="http://schemas.microsoft.com/office/drawing/2014/main" id="{16E41B12-BF31-4F8A-A525-382D6974AAD8}"/>
+              </a:ext>
+            </a:extLst>
+          </p:cNvPr>
+          <p:cNvSpPr>
+            <a:spLocks noGrp="1"/>
+          </p:cNvSpPr>
+          <p:nvPr>
+            <p:ph sz="half" idx="2"/>
+          </p:nvPr>
+        </p:nvSpPr>
+        <p:spPr/>
+        <p:txBody>
+          <a:bodyPr>
+            <a:normAutofit/>
+          </a:bodyPr>
+          <a:lstStyle/>
+          <a:p>
+            <a:r>
+              <a:rPr lang="en-GB" sz="1800" dirty="0"/>
+              <a:t>Easy to understand and visualise</a:t>
+            </a:r>
+          </a:p>
+          <a:p>
+            <a:r>
+              <a:rPr lang="en-GB" sz="1800" dirty="0"/>
+              <a:t>Does not require a lot of computation</a:t>
+            </a:r>
+          </a:p>
+          <a:p>
+            <a:r>
+              <a:rPr lang="en-GB" sz="1800" dirty="0"/>
+              <a:t>Able to handle categorical and continuous data</a:t>
+            </a:r>
+          </a:p>
+          <a:p>
+            <a:r>
+              <a:rPr lang="en-GB" sz="1800" dirty="0"/>
+              <a:t>Can deal with non-linear data</a:t>
+            </a:r>
+          </a:p>
+          <a:p>
+            <a:r>
+              <a:rPr lang="en-GB" sz="1800" dirty="0"/>
+              <a:t>Reveals the important characteristics to predict</a:t>
+            </a:r>
+          </a:p>
+          <a:p>
+            <a:r>
+              <a:rPr lang="en-GB" sz="1800" dirty="0"/>
+              <a:t>No need for technical knowledge in the data</a:t>
+            </a:r>
+          </a:p>
+          <a:p>
+            <a:endParaRPr lang="en-GB" sz="1800" dirty="0"/>
+          </a:p>
+        </p:txBody>
+      </p:sp>
+      <p:sp>
+        <p:nvSpPr>
+          <p:cNvPr id="5" name="Text Placeholder 4">
+            <a:extLst>
+              <a:ext uri="{FF2B5EF4-FFF2-40B4-BE49-F238E27FC236}">
+                <a16:creationId xmlns:a16="http://schemas.microsoft.com/office/drawing/2014/main" id="{7C365443-D584-4E49-9E47-8A991C5C64CE}"/>
+              </a:ext>
+            </a:extLst>
+          </p:cNvPr>
+          <p:cNvSpPr>
+            <a:spLocks noGrp="1"/>
+          </p:cNvSpPr>
+          <p:nvPr>
+            <p:ph type="body" sz="quarter" idx="3"/>
+          </p:nvPr>
+        </p:nvSpPr>
+        <p:spPr/>
+        <p:txBody>
+          <a:bodyPr/>
+          <a:lstStyle/>
+          <a:p>
+            <a:pPr algn="ctr"/>
+            <a:r>
+              <a:rPr lang="en-GB" dirty="0"/>
+              <a:t>Cons</a:t>
+            </a:r>
+            <a:endParaRPr lang="en-US" dirty="0"/>
+          </a:p>
+        </p:txBody>
+      </p:sp>
+      <p:sp>
+        <p:nvSpPr>
+          <p:cNvPr id="6" name="Content Placeholder 5">
+            <a:extLst>
+              <a:ext uri="{FF2B5EF4-FFF2-40B4-BE49-F238E27FC236}">
+                <a16:creationId xmlns:a16="http://schemas.microsoft.com/office/drawing/2014/main" id="{28369F63-A76E-4DEF-96BC-A5E393E64715}"/>
+              </a:ext>
+            </a:extLst>
+          </p:cNvPr>
+          <p:cNvSpPr>
+            <a:spLocks noGrp="1"/>
+          </p:cNvSpPr>
+          <p:nvPr>
+            <p:ph sz="quarter" idx="4"/>
+          </p:nvPr>
+        </p:nvSpPr>
+        <p:spPr/>
+        <p:txBody>
+          <a:bodyPr>
+            <a:normAutofit/>
+          </a:bodyPr>
+          <a:lstStyle/>
+          <a:p>
+            <a:r>
+              <a:rPr lang="en-GB" sz="1800" dirty="0"/>
+              <a:t>Robustly estimate a continuous value</a:t>
+            </a:r>
+          </a:p>
+          <a:p>
+            <a:r>
+              <a:rPr lang="en-GB" sz="1800" dirty="0"/>
+              <a:t>Very prone to overfitting</a:t>
+            </a:r>
+          </a:p>
+          <a:p>
+            <a:r>
+              <a:rPr lang="en-GB" sz="1800" dirty="0"/>
+              <a:t>Ignore relationship between variables</a:t>
+            </a:r>
+          </a:p>
+          <a:p>
+            <a:r>
+              <a:rPr lang="en-GB" sz="1800" dirty="0"/>
+              <a:t>Can be computationally expensive to train</a:t>
+            </a:r>
+          </a:p>
+          <a:p>
+            <a:endParaRPr lang="en-US" sz="1800" dirty="0"/>
+          </a:p>
+        </p:txBody>
+      </p:sp>
+    </p:spTree>
+    <p:extLst>
+      <p:ext uri="{BB962C8B-B14F-4D97-AF65-F5344CB8AC3E}">
+        <p14:creationId xmlns:p14="http://schemas.microsoft.com/office/powerpoint/2010/main" val="1608153844"/>
+      </p:ext>
+    </p:extLst>
+  </p:cSld>
+  <p:clrMapOvr>
+    <a:masterClrMapping/>
+  </p:clrMapOvr>
+  <p:transition spd="slow">
+    <p:push dir="u"/>
+  </p:transition>
+</p:sld>
+</file>
+
+<file path=ppt/slides/slide8.xml><?xml version="1.0" encoding="utf-8"?>
 <p:sld xmlns:a="http://schemas.openxmlformats.org/drawingml/2006/main" xmlns:r="http://schemas.openxmlformats.org/officeDocument/2006/relationships" xmlns:p="http://schemas.openxmlformats.org/presentationml/2006/main">
   <p:cSld>
     <p:spTree>

--- a/semester-2-2021-2022/week-6-decision-tree/Decision_Tree.pptx
+++ b/semester-2-2021-2022/week-6-decision-tree/Decision_Tree.pptx
@@ -5,7 +5,7 @@
     <p:sldMasterId id="2147483660" r:id="rId1"/>
   </p:sldMasterIdLst>
   <p:notesMasterIdLst>
-    <p:notesMasterId r:id="rId10"/>
+    <p:notesMasterId r:id="rId11"/>
   </p:notesMasterIdLst>
   <p:sldIdLst>
     <p:sldId id="256" r:id="rId2"/>
@@ -15,7 +15,8 @@
     <p:sldId id="261" r:id="rId6"/>
     <p:sldId id="263" r:id="rId7"/>
     <p:sldId id="262" r:id="rId8"/>
-    <p:sldId id="258" r:id="rId9"/>
+    <p:sldId id="265" r:id="rId9"/>
+    <p:sldId id="258" r:id="rId10"/>
   </p:sldIdLst>
   <p:sldSz cx="12192000" cy="6858000"/>
   <p:notesSz cx="6858000" cy="9144000"/>
@@ -117,6 +118,9 @@
   <p:extLst>
     <p:ext uri="{EFAFB233-063F-42B5-8137-9DF3F51BA10A}">
       <p15:sldGuideLst xmlns:p15="http://schemas.microsoft.com/office/powerpoint/2012/main"/>
+    </p:ext>
+    <p:ext uri="{2D200454-40CA-4A62-9FC3-DE9A4176ACB9}">
+      <p15:notesGuideLst xmlns:p15="http://schemas.microsoft.com/office/powerpoint/2012/main"/>
     </p:ext>
   </p:extLst>
 </p:presentation>
@@ -317,7 +321,7 @@
           <a:p>
             <a:fld id="{EB7DA543-F40B-4023-9892-3E6E3C6ABB89}" type="datetimeFigureOut">
               <a:rPr lang="en-GB" smtClean="0"/>
-              <a:t>15/01/2022</a:t>
+              <a:t>16/01/2022</a:t>
             </a:fld>
             <a:endParaRPr lang="en-GB"/>
           </a:p>
@@ -2112,7 +2116,7 @@
           <a:noFill/>
           <a:extLst>
             <a:ext uri="{909E8E84-426E-40dd-AFC4-6F175D3DCCD1}">
-              <a14:hiddenFill xmlns="" xmlns:a14="http://schemas.microsoft.com/office/drawing/2010/main">
+              <a14:hiddenFill xmlns:a14="http://schemas.microsoft.com/office/drawing/2010/main" xmlns="">
                 <a:solidFill>
                   <a:srgbClr val="FFFFFF"/>
                 </a:solidFill>
@@ -2172,7 +2176,7 @@
             </a:ln>
             <a:extLst>
               <a:ext uri="{91240B29-F687-4f45-9708-019B960494DF}">
-                <a14:hiddenLine xmlns="" xmlns:a14="http://schemas.microsoft.com/office/drawing/2010/main" w="9525">
+                <a14:hiddenLine xmlns:a14="http://schemas.microsoft.com/office/drawing/2010/main" xmlns="" w="9525">
                   <a:solidFill>
                     <a:srgbClr val="000000"/>
                   </a:solidFill>
@@ -2262,7 +2266,7 @@
             </a:ln>
             <a:extLst>
               <a:ext uri="{91240B29-F687-4f45-9708-019B960494DF}">
-                <a14:hiddenLine xmlns="" xmlns:a14="http://schemas.microsoft.com/office/drawing/2010/main" w="9525">
+                <a14:hiddenLine xmlns:a14="http://schemas.microsoft.com/office/drawing/2010/main" xmlns="" w="9525">
                   <a:solidFill>
                     <a:srgbClr val="000000"/>
                   </a:solidFill>
@@ -2352,7 +2356,7 @@
             </a:ln>
             <a:extLst>
               <a:ext uri="{91240B29-F687-4f45-9708-019B960494DF}">
-                <a14:hiddenLine xmlns="" xmlns:a14="http://schemas.microsoft.com/office/drawing/2010/main" w="9525">
+                <a14:hiddenLine xmlns:a14="http://schemas.microsoft.com/office/drawing/2010/main" xmlns="" w="9525">
                   <a:solidFill>
                     <a:srgbClr val="000000"/>
                   </a:solidFill>
@@ -2386,7 +2390,7 @@
             </a:ln>
             <a:extLst>
               <a:ext uri="{91240B29-F687-4f45-9708-019B960494DF}">
-                <a14:hiddenLine xmlns="" xmlns:a14="http://schemas.microsoft.com/office/drawing/2010/main" w="9525">
+                <a14:hiddenLine xmlns:a14="http://schemas.microsoft.com/office/drawing/2010/main" xmlns="" w="9525">
                   <a:solidFill>
                     <a:srgbClr val="000000"/>
                   </a:solidFill>
@@ -2476,7 +2480,7 @@
             </a:ln>
             <a:extLst>
               <a:ext uri="{91240B29-F687-4f45-9708-019B960494DF}">
-                <a14:hiddenLine xmlns="" xmlns:a14="http://schemas.microsoft.com/office/drawing/2010/main" w="9525">
+                <a14:hiddenLine xmlns:a14="http://schemas.microsoft.com/office/drawing/2010/main" xmlns="" w="9525">
                   <a:solidFill>
                     <a:srgbClr val="000000"/>
                   </a:solidFill>
@@ -2538,7 +2542,7 @@
             </a:ln>
             <a:extLst>
               <a:ext uri="{91240B29-F687-4f45-9708-019B960494DF}">
-                <a14:hiddenLine xmlns="" xmlns:a14="http://schemas.microsoft.com/office/drawing/2010/main" w="9525">
+                <a14:hiddenLine xmlns:a14="http://schemas.microsoft.com/office/drawing/2010/main" xmlns="" w="9525">
                   <a:solidFill>
                     <a:srgbClr val="000000"/>
                   </a:solidFill>
@@ -2600,7 +2604,7 @@
             </a:ln>
             <a:extLst>
               <a:ext uri="{91240B29-F687-4f45-9708-019B960494DF}">
-                <a14:hiddenLine xmlns="" xmlns:a14="http://schemas.microsoft.com/office/drawing/2010/main" w="9525">
+                <a14:hiddenLine xmlns:a14="http://schemas.microsoft.com/office/drawing/2010/main" xmlns="" w="9525">
                   <a:solidFill>
                     <a:srgbClr val="000000"/>
                   </a:solidFill>
@@ -2690,7 +2694,7 @@
             </a:ln>
             <a:extLst>
               <a:ext uri="{91240B29-F687-4f45-9708-019B960494DF}">
-                <a14:hiddenLine xmlns="" xmlns:a14="http://schemas.microsoft.com/office/drawing/2010/main" w="9525">
+                <a14:hiddenLine xmlns:a14="http://schemas.microsoft.com/office/drawing/2010/main" xmlns="" w="9525">
                   <a:solidFill>
                     <a:srgbClr val="000000"/>
                   </a:solidFill>
@@ -2752,7 +2756,7 @@
             </a:ln>
             <a:extLst>
               <a:ext uri="{91240B29-F687-4f45-9708-019B960494DF}">
-                <a14:hiddenLine xmlns="" xmlns:a14="http://schemas.microsoft.com/office/drawing/2010/main" w="9525">
+                <a14:hiddenLine xmlns:a14="http://schemas.microsoft.com/office/drawing/2010/main" xmlns="" w="9525">
                   <a:solidFill>
                     <a:srgbClr val="000000"/>
                   </a:solidFill>
@@ -2814,7 +2818,7 @@
             </a:ln>
             <a:extLst>
               <a:ext uri="{91240B29-F687-4f45-9708-019B960494DF}">
-                <a14:hiddenLine xmlns="" xmlns:a14="http://schemas.microsoft.com/office/drawing/2010/main" w="9525">
+                <a14:hiddenLine xmlns:a14="http://schemas.microsoft.com/office/drawing/2010/main" xmlns="" w="9525">
                   <a:solidFill>
                     <a:srgbClr val="000000"/>
                   </a:solidFill>
@@ -2904,7 +2908,7 @@
             </a:ln>
             <a:extLst>
               <a:ext uri="{91240B29-F687-4f45-9708-019B960494DF}">
-                <a14:hiddenLine xmlns="" xmlns:a14="http://schemas.microsoft.com/office/drawing/2010/main" w="9525">
+                <a14:hiddenLine xmlns:a14="http://schemas.microsoft.com/office/drawing/2010/main" xmlns="" w="9525">
                   <a:solidFill>
                     <a:srgbClr val="000000"/>
                   </a:solidFill>
@@ -2994,7 +2998,7 @@
             </a:ln>
             <a:extLst>
               <a:ext uri="{91240B29-F687-4f45-9708-019B960494DF}">
-                <a14:hiddenLine xmlns="" xmlns:a14="http://schemas.microsoft.com/office/drawing/2010/main" w="9525">
+                <a14:hiddenLine xmlns:a14="http://schemas.microsoft.com/office/drawing/2010/main" xmlns="" w="9525">
                   <a:solidFill>
                     <a:srgbClr val="000000"/>
                   </a:solidFill>
@@ -3056,7 +3060,7 @@
             </a:ln>
             <a:extLst>
               <a:ext uri="{91240B29-F687-4f45-9708-019B960494DF}">
-                <a14:hiddenLine xmlns="" xmlns:a14="http://schemas.microsoft.com/office/drawing/2010/main" w="9525">
+                <a14:hiddenLine xmlns:a14="http://schemas.microsoft.com/office/drawing/2010/main" xmlns="" w="9525">
                   <a:solidFill>
                     <a:srgbClr val="000000"/>
                   </a:solidFill>
@@ -3166,7 +3170,7 @@
             </a:ln>
             <a:extLst>
               <a:ext uri="{91240B29-F687-4f45-9708-019B960494DF}">
-                <a14:hiddenLine xmlns="" xmlns:a14="http://schemas.microsoft.com/office/drawing/2010/main" w="9525">
+                <a14:hiddenLine xmlns:a14="http://schemas.microsoft.com/office/drawing/2010/main" xmlns="" w="9525">
                   <a:solidFill>
                     <a:srgbClr val="000000"/>
                   </a:solidFill>
@@ -3228,7 +3232,7 @@
             </a:ln>
             <a:extLst>
               <a:ext uri="{91240B29-F687-4f45-9708-019B960494DF}">
-                <a14:hiddenLine xmlns="" xmlns:a14="http://schemas.microsoft.com/office/drawing/2010/main" w="9525">
+                <a14:hiddenLine xmlns:a14="http://schemas.microsoft.com/office/drawing/2010/main" xmlns="" w="9525">
                   <a:solidFill>
                     <a:srgbClr val="000000"/>
                   </a:solidFill>
@@ -3318,7 +3322,7 @@
             </a:ln>
             <a:extLst>
               <a:ext uri="{91240B29-F687-4f45-9708-019B960494DF}">
-                <a14:hiddenLine xmlns="" xmlns:a14="http://schemas.microsoft.com/office/drawing/2010/main" w="9525">
+                <a14:hiddenLine xmlns:a14="http://schemas.microsoft.com/office/drawing/2010/main" xmlns="" w="9525">
                   <a:solidFill>
                     <a:srgbClr val="000000"/>
                   </a:solidFill>
@@ -3408,7 +3412,7 @@
             </a:ln>
             <a:extLst>
               <a:ext uri="{91240B29-F687-4f45-9708-019B960494DF}">
-                <a14:hiddenLine xmlns="" xmlns:a14="http://schemas.microsoft.com/office/drawing/2010/main" w="9525">
+                <a14:hiddenLine xmlns:a14="http://schemas.microsoft.com/office/drawing/2010/main" xmlns="" w="9525">
                   <a:solidFill>
                     <a:srgbClr val="000000"/>
                   </a:solidFill>
@@ -3470,7 +3474,7 @@
             </a:ln>
             <a:extLst>
               <a:ext uri="{91240B29-F687-4f45-9708-019B960494DF}">
-                <a14:hiddenLine xmlns="" xmlns:a14="http://schemas.microsoft.com/office/drawing/2010/main" w="9525">
+                <a14:hiddenLine xmlns:a14="http://schemas.microsoft.com/office/drawing/2010/main" xmlns="" w="9525">
                   <a:solidFill>
                     <a:srgbClr val="000000"/>
                   </a:solidFill>
@@ -3560,7 +3564,7 @@
             </a:ln>
             <a:extLst>
               <a:ext uri="{91240B29-F687-4f45-9708-019B960494DF}">
-                <a14:hiddenLine xmlns="" xmlns:a14="http://schemas.microsoft.com/office/drawing/2010/main" w="9525">
+                <a14:hiddenLine xmlns:a14="http://schemas.microsoft.com/office/drawing/2010/main" xmlns="" w="9525">
                   <a:solidFill>
                     <a:srgbClr val="000000"/>
                   </a:solidFill>
@@ -3650,7 +3654,7 @@
             </a:ln>
             <a:extLst>
               <a:ext uri="{91240B29-F687-4f45-9708-019B960494DF}">
-                <a14:hiddenLine xmlns="" xmlns:a14="http://schemas.microsoft.com/office/drawing/2010/main" w="9525">
+                <a14:hiddenLine xmlns:a14="http://schemas.microsoft.com/office/drawing/2010/main" xmlns="" w="9525">
                   <a:solidFill>
                     <a:srgbClr val="000000"/>
                   </a:solidFill>
@@ -3706,7 +3710,7 @@
             </a:ln>
             <a:extLst>
               <a:ext uri="{91240B29-F687-4f45-9708-019B960494DF}">
-                <a14:hiddenLine xmlns="" xmlns:a14="http://schemas.microsoft.com/office/drawing/2010/main" w="9525">
+                <a14:hiddenLine xmlns:a14="http://schemas.microsoft.com/office/drawing/2010/main" xmlns="" w="9525">
                   <a:solidFill>
                     <a:srgbClr val="000000"/>
                   </a:solidFill>
@@ -3796,7 +3800,7 @@
             </a:ln>
             <a:extLst>
               <a:ext uri="{91240B29-F687-4f45-9708-019B960494DF}">
-                <a14:hiddenLine xmlns="" xmlns:a14="http://schemas.microsoft.com/office/drawing/2010/main" w="9525">
+                <a14:hiddenLine xmlns:a14="http://schemas.microsoft.com/office/drawing/2010/main" xmlns="" w="9525">
                   <a:solidFill>
                     <a:srgbClr val="000000"/>
                   </a:solidFill>
@@ -3852,7 +3856,7 @@
             </a:ln>
             <a:extLst>
               <a:ext uri="{91240B29-F687-4f45-9708-019B960494DF}">
-                <a14:hiddenLine xmlns="" xmlns:a14="http://schemas.microsoft.com/office/drawing/2010/main" w="9525">
+                <a14:hiddenLine xmlns:a14="http://schemas.microsoft.com/office/drawing/2010/main" xmlns="" w="9525">
                   <a:solidFill>
                     <a:srgbClr val="000000"/>
                   </a:solidFill>
@@ -3942,7 +3946,7 @@
             </a:ln>
             <a:extLst>
               <a:ext uri="{91240B29-F687-4f45-9708-019B960494DF}">
-                <a14:hiddenLine xmlns="" xmlns:a14="http://schemas.microsoft.com/office/drawing/2010/main" w="9525">
+                <a14:hiddenLine xmlns:a14="http://schemas.microsoft.com/office/drawing/2010/main" xmlns="" w="9525">
                   <a:solidFill>
                     <a:srgbClr val="000000"/>
                   </a:solidFill>
@@ -4010,7 +4014,7 @@
             </a:ln>
             <a:extLst>
               <a:ext uri="{91240B29-F687-4f45-9708-019B960494DF}">
-                <a14:hiddenLine xmlns="" xmlns:a14="http://schemas.microsoft.com/office/drawing/2010/main" w="9525">
+                <a14:hiddenLine xmlns:a14="http://schemas.microsoft.com/office/drawing/2010/main" xmlns="" w="9525">
                   <a:solidFill>
                     <a:srgbClr val="000000"/>
                   </a:solidFill>
@@ -4100,7 +4104,7 @@
             </a:ln>
             <a:extLst>
               <a:ext uri="{91240B29-F687-4f45-9708-019B960494DF}">
-                <a14:hiddenLine xmlns="" xmlns:a14="http://schemas.microsoft.com/office/drawing/2010/main" w="9525">
+                <a14:hiddenLine xmlns:a14="http://schemas.microsoft.com/office/drawing/2010/main" xmlns="" w="9525">
                   <a:solidFill>
                     <a:srgbClr val="000000"/>
                   </a:solidFill>
@@ -4168,7 +4172,7 @@
             </a:ln>
             <a:extLst>
               <a:ext uri="{91240B29-F687-4f45-9708-019B960494DF}">
-                <a14:hiddenLine xmlns="" xmlns:a14="http://schemas.microsoft.com/office/drawing/2010/main" w="9525">
+                <a14:hiddenLine xmlns:a14="http://schemas.microsoft.com/office/drawing/2010/main" xmlns="" w="9525">
                   <a:solidFill>
                     <a:srgbClr val="000000"/>
                   </a:solidFill>
@@ -4258,7 +4262,7 @@
             </a:ln>
             <a:extLst>
               <a:ext uri="{91240B29-F687-4f45-9708-019B960494DF}">
-                <a14:hiddenLine xmlns="" xmlns:a14="http://schemas.microsoft.com/office/drawing/2010/main" w="9525">
+                <a14:hiddenLine xmlns:a14="http://schemas.microsoft.com/office/drawing/2010/main" xmlns="" w="9525">
                   <a:solidFill>
                     <a:srgbClr val="000000"/>
                   </a:solidFill>
@@ -4292,7 +4296,7 @@
             </a:ln>
             <a:extLst>
               <a:ext uri="{91240B29-F687-4f45-9708-019B960494DF}">
-                <a14:hiddenLine xmlns="" xmlns:a14="http://schemas.microsoft.com/office/drawing/2010/main" w="9525">
+                <a14:hiddenLine xmlns:a14="http://schemas.microsoft.com/office/drawing/2010/main" xmlns="" w="9525">
                   <a:solidFill>
                     <a:srgbClr val="000000"/>
                   </a:solidFill>
@@ -4382,7 +4386,7 @@
             </a:ln>
             <a:extLst>
               <a:ext uri="{91240B29-F687-4f45-9708-019B960494DF}">
-                <a14:hiddenLine xmlns="" xmlns:a14="http://schemas.microsoft.com/office/drawing/2010/main" w="9525">
+                <a14:hiddenLine xmlns:a14="http://schemas.microsoft.com/office/drawing/2010/main" xmlns="" w="9525">
                   <a:solidFill>
                     <a:srgbClr val="000000"/>
                   </a:solidFill>
@@ -4444,7 +4448,7 @@
             </a:ln>
             <a:extLst>
               <a:ext uri="{91240B29-F687-4f45-9708-019B960494DF}">
-                <a14:hiddenLine xmlns="" xmlns:a14="http://schemas.microsoft.com/office/drawing/2010/main" w="9525">
+                <a14:hiddenLine xmlns:a14="http://schemas.microsoft.com/office/drawing/2010/main" xmlns="" w="9525">
                   <a:solidFill>
                     <a:srgbClr val="000000"/>
                   </a:solidFill>
@@ -4506,7 +4510,7 @@
             </a:ln>
             <a:extLst>
               <a:ext uri="{91240B29-F687-4f45-9708-019B960494DF}">
-                <a14:hiddenLine xmlns="" xmlns:a14="http://schemas.microsoft.com/office/drawing/2010/main" w="9525">
+                <a14:hiddenLine xmlns:a14="http://schemas.microsoft.com/office/drawing/2010/main" xmlns="" w="9525">
                   <a:solidFill>
                     <a:srgbClr val="000000"/>
                   </a:solidFill>
@@ -4596,7 +4600,7 @@
             </a:ln>
             <a:extLst>
               <a:ext uri="{91240B29-F687-4f45-9708-019B960494DF}">
-                <a14:hiddenLine xmlns="" xmlns:a14="http://schemas.microsoft.com/office/drawing/2010/main" w="9525">
+                <a14:hiddenLine xmlns:a14="http://schemas.microsoft.com/office/drawing/2010/main" xmlns="" w="9525">
                   <a:solidFill>
                     <a:srgbClr val="000000"/>
                   </a:solidFill>
@@ -4664,7 +4668,7 @@
             </a:ln>
             <a:extLst>
               <a:ext uri="{91240B29-F687-4f45-9708-019B960494DF}">
-                <a14:hiddenLine xmlns="" xmlns:a14="http://schemas.microsoft.com/office/drawing/2010/main" w="9525">
+                <a14:hiddenLine xmlns:a14="http://schemas.microsoft.com/office/drawing/2010/main" xmlns="" w="9525">
                   <a:solidFill>
                     <a:srgbClr val="000000"/>
                   </a:solidFill>
@@ -4726,7 +4730,7 @@
             </a:ln>
             <a:extLst>
               <a:ext uri="{91240B29-F687-4f45-9708-019B960494DF}">
-                <a14:hiddenLine xmlns="" xmlns:a14="http://schemas.microsoft.com/office/drawing/2010/main" w="9525">
+                <a14:hiddenLine xmlns:a14="http://schemas.microsoft.com/office/drawing/2010/main" xmlns="" w="9525">
                   <a:solidFill>
                     <a:srgbClr val="000000"/>
                   </a:solidFill>
@@ -4816,7 +4820,7 @@
             </a:ln>
             <a:extLst>
               <a:ext uri="{91240B29-F687-4f45-9708-019B960494DF}">
-                <a14:hiddenLine xmlns="" xmlns:a14="http://schemas.microsoft.com/office/drawing/2010/main" w="9525">
+                <a14:hiddenLine xmlns:a14="http://schemas.microsoft.com/office/drawing/2010/main" xmlns="" w="9525">
                   <a:solidFill>
                     <a:srgbClr val="000000"/>
                   </a:solidFill>
@@ -4878,7 +4882,7 @@
             </a:ln>
             <a:extLst>
               <a:ext uri="{91240B29-F687-4f45-9708-019B960494DF}">
-                <a14:hiddenLine xmlns="" xmlns:a14="http://schemas.microsoft.com/office/drawing/2010/main" w="9525">
+                <a14:hiddenLine xmlns:a14="http://schemas.microsoft.com/office/drawing/2010/main" xmlns="" w="9525">
                   <a:solidFill>
                     <a:srgbClr val="000000"/>
                   </a:solidFill>
@@ -4968,7 +4972,7 @@
             </a:ln>
             <a:extLst>
               <a:ext uri="{91240B29-F687-4f45-9708-019B960494DF}">
-                <a14:hiddenLine xmlns="" xmlns:a14="http://schemas.microsoft.com/office/drawing/2010/main" w="9525">
+                <a14:hiddenLine xmlns:a14="http://schemas.microsoft.com/office/drawing/2010/main" xmlns="" w="9525">
                   <a:solidFill>
                     <a:srgbClr val="000000"/>
                   </a:solidFill>
@@ -5030,7 +5034,7 @@
             </a:ln>
             <a:extLst>
               <a:ext uri="{91240B29-F687-4f45-9708-019B960494DF}">
-                <a14:hiddenLine xmlns="" xmlns:a14="http://schemas.microsoft.com/office/drawing/2010/main" w="9525">
+                <a14:hiddenLine xmlns:a14="http://schemas.microsoft.com/office/drawing/2010/main" xmlns="" w="9525">
                   <a:solidFill>
                     <a:srgbClr val="000000"/>
                   </a:solidFill>
@@ -5120,7 +5124,7 @@
             </a:ln>
             <a:extLst>
               <a:ext uri="{91240B29-F687-4f45-9708-019B960494DF}">
-                <a14:hiddenLine xmlns="" xmlns:a14="http://schemas.microsoft.com/office/drawing/2010/main" w="9525">
+                <a14:hiddenLine xmlns:a14="http://schemas.microsoft.com/office/drawing/2010/main" xmlns="" w="9525">
                   <a:solidFill>
                     <a:srgbClr val="000000"/>
                   </a:solidFill>
@@ -5154,7 +5158,7 @@
             </a:ln>
             <a:extLst>
               <a:ext uri="{91240B29-F687-4f45-9708-019B960494DF}">
-                <a14:hiddenLine xmlns="" xmlns:a14="http://schemas.microsoft.com/office/drawing/2010/main" w="9525">
+                <a14:hiddenLine xmlns:a14="http://schemas.microsoft.com/office/drawing/2010/main" xmlns="" w="9525">
                   <a:solidFill>
                     <a:srgbClr val="000000"/>
                   </a:solidFill>
@@ -5219,7 +5223,7 @@
             </a:ln>
             <a:extLst>
               <a:ext uri="{91240B29-F687-4f45-9708-019B960494DF}">
-                <a14:hiddenLine xmlns="" xmlns:a14="http://schemas.microsoft.com/office/drawing/2010/main" w="9525">
+                <a14:hiddenLine xmlns:a14="http://schemas.microsoft.com/office/drawing/2010/main" xmlns="" w="9525">
                   <a:solidFill>
                     <a:srgbClr val="000000"/>
                   </a:solidFill>
@@ -5309,7 +5313,7 @@
             </a:ln>
             <a:extLst>
               <a:ext uri="{91240B29-F687-4f45-9708-019B960494DF}">
-                <a14:hiddenLine xmlns="" xmlns:a14="http://schemas.microsoft.com/office/drawing/2010/main" w="9525">
+                <a14:hiddenLine xmlns:a14="http://schemas.microsoft.com/office/drawing/2010/main" xmlns="" w="9525">
                   <a:solidFill>
                     <a:srgbClr val="000000"/>
                   </a:solidFill>
@@ -5371,7 +5375,7 @@
             </a:ln>
             <a:extLst>
               <a:ext uri="{91240B29-F687-4f45-9708-019B960494DF}">
-                <a14:hiddenLine xmlns="" xmlns:a14="http://schemas.microsoft.com/office/drawing/2010/main" w="9525">
+                <a14:hiddenLine xmlns:a14="http://schemas.microsoft.com/office/drawing/2010/main" xmlns="" w="9525">
                   <a:solidFill>
                     <a:srgbClr val="000000"/>
                   </a:solidFill>
@@ -5461,7 +5465,7 @@
             </a:ln>
             <a:extLst>
               <a:ext uri="{91240B29-F687-4f45-9708-019B960494DF}">
-                <a14:hiddenLine xmlns="" xmlns:a14="http://schemas.microsoft.com/office/drawing/2010/main" w="9525">
+                <a14:hiddenLine xmlns:a14="http://schemas.microsoft.com/office/drawing/2010/main" xmlns="" w="9525">
                   <a:solidFill>
                     <a:srgbClr val="000000"/>
                   </a:solidFill>
@@ -5551,7 +5555,7 @@
             </a:ln>
             <a:extLst>
               <a:ext uri="{91240B29-F687-4f45-9708-019B960494DF}">
-                <a14:hiddenLine xmlns="" xmlns:a14="http://schemas.microsoft.com/office/drawing/2010/main" w="9525">
+                <a14:hiddenLine xmlns:a14="http://schemas.microsoft.com/office/drawing/2010/main" xmlns="" w="9525">
                   <a:solidFill>
                     <a:srgbClr val="000000"/>
                   </a:solidFill>
@@ -5616,7 +5620,7 @@
             </a:ln>
             <a:extLst>
               <a:ext uri="{91240B29-F687-4f45-9708-019B960494DF}">
-                <a14:hiddenLine xmlns="" xmlns:a14="http://schemas.microsoft.com/office/drawing/2010/main" w="9525">
+                <a14:hiddenLine xmlns:a14="http://schemas.microsoft.com/office/drawing/2010/main" xmlns="" w="9525">
                   <a:solidFill>
                     <a:srgbClr val="000000"/>
                   </a:solidFill>
@@ -5678,7 +5682,7 @@
             </a:ln>
             <a:extLst>
               <a:ext uri="{91240B29-F687-4f45-9708-019B960494DF}">
-                <a14:hiddenLine xmlns="" xmlns:a14="http://schemas.microsoft.com/office/drawing/2010/main" w="9525">
+                <a14:hiddenLine xmlns:a14="http://schemas.microsoft.com/office/drawing/2010/main" xmlns="" w="9525">
                   <a:solidFill>
                     <a:srgbClr val="000000"/>
                   </a:solidFill>
@@ -5768,7 +5772,7 @@
             </a:ln>
             <a:extLst>
               <a:ext uri="{91240B29-F687-4f45-9708-019B960494DF}">
-                <a14:hiddenLine xmlns="" xmlns:a14="http://schemas.microsoft.com/office/drawing/2010/main" w="9525">
+                <a14:hiddenLine xmlns:a14="http://schemas.microsoft.com/office/drawing/2010/main" xmlns="" w="9525">
                   <a:solidFill>
                     <a:srgbClr val="000000"/>
                   </a:solidFill>
@@ -5858,7 +5862,7 @@
             </a:ln>
             <a:extLst>
               <a:ext uri="{91240B29-F687-4f45-9708-019B960494DF}">
-                <a14:hiddenLine xmlns="" xmlns:a14="http://schemas.microsoft.com/office/drawing/2010/main" w="9525">
+                <a14:hiddenLine xmlns:a14="http://schemas.microsoft.com/office/drawing/2010/main" xmlns="" w="9525">
                   <a:solidFill>
                     <a:srgbClr val="000000"/>
                   </a:solidFill>
@@ -5920,7 +5924,7 @@
             </a:ln>
             <a:extLst>
               <a:ext uri="{91240B29-F687-4f45-9708-019B960494DF}">
-                <a14:hiddenLine xmlns="" xmlns:a14="http://schemas.microsoft.com/office/drawing/2010/main" w="9525">
+                <a14:hiddenLine xmlns:a14="http://schemas.microsoft.com/office/drawing/2010/main" xmlns="" w="9525">
                   <a:solidFill>
                     <a:srgbClr val="000000"/>
                   </a:solidFill>
@@ -6040,7 +6044,7 @@
             </a:ln>
             <a:extLst>
               <a:ext uri="{91240B29-F687-4f45-9708-019B960494DF}">
-                <a14:hiddenLine xmlns="" xmlns:a14="http://schemas.microsoft.com/office/drawing/2010/main" w="9525">
+                <a14:hiddenLine xmlns:a14="http://schemas.microsoft.com/office/drawing/2010/main" xmlns="" w="9525">
                   <a:solidFill>
                     <a:srgbClr val="000000"/>
                   </a:solidFill>
@@ -6108,7 +6112,7 @@
             </a:ln>
             <a:extLst>
               <a:ext uri="{91240B29-F687-4f45-9708-019B960494DF}">
-                <a14:hiddenLine xmlns="" xmlns:a14="http://schemas.microsoft.com/office/drawing/2010/main" w="9525">
+                <a14:hiddenLine xmlns:a14="http://schemas.microsoft.com/office/drawing/2010/main" xmlns="" w="9525">
                   <a:solidFill>
                     <a:srgbClr val="000000"/>
                   </a:solidFill>
@@ -6198,7 +6202,7 @@
             </a:ln>
             <a:extLst>
               <a:ext uri="{91240B29-F687-4f45-9708-019B960494DF}">
-                <a14:hiddenLine xmlns="" xmlns:a14="http://schemas.microsoft.com/office/drawing/2010/main" w="9525">
+                <a14:hiddenLine xmlns:a14="http://schemas.microsoft.com/office/drawing/2010/main" xmlns="" w="9525">
                   <a:solidFill>
                     <a:srgbClr val="000000"/>
                   </a:solidFill>
@@ -6338,7 +6342,7 @@
           <a:p>
             <a:fld id="{D0D65A25-5B34-480B-8A82-D452FDC7444D}" type="datetimeFigureOut">
               <a:rPr lang="es-ES" smtClean="0"/>
-              <a:t>15/01/2022</a:t>
+              <a:t>16/01/2022</a:t>
             </a:fld>
             <a:endParaRPr lang="es-ES" dirty="0"/>
           </a:p>
@@ -6604,7 +6608,7 @@
           <a:p>
             <a:fld id="{D0D65A25-5B34-480B-8A82-D452FDC7444D}" type="datetimeFigureOut">
               <a:rPr lang="es-ES" smtClean="0"/>
-              <a:t>15/01/2022</a:t>
+              <a:t>16/01/2022</a:t>
             </a:fld>
             <a:endParaRPr lang="es-ES" dirty="0"/>
           </a:p>
@@ -6800,7 +6804,7 @@
           <a:p>
             <a:fld id="{D0D65A25-5B34-480B-8A82-D452FDC7444D}" type="datetimeFigureOut">
               <a:rPr lang="es-ES" smtClean="0"/>
-              <a:t>15/01/2022</a:t>
+              <a:t>16/01/2022</a:t>
             </a:fld>
             <a:endParaRPr lang="es-ES" dirty="0"/>
           </a:p>
@@ -7063,7 +7067,7 @@
           <a:p>
             <a:fld id="{D0D65A25-5B34-480B-8A82-D452FDC7444D}" type="datetimeFigureOut">
               <a:rPr lang="es-ES" smtClean="0"/>
-              <a:t>15/01/2022</a:t>
+              <a:t>16/01/2022</a:t>
             </a:fld>
             <a:endParaRPr lang="es-ES" dirty="0"/>
           </a:p>
@@ -7497,7 +7501,7 @@
           <a:p>
             <a:fld id="{D0D65A25-5B34-480B-8A82-D452FDC7444D}" type="datetimeFigureOut">
               <a:rPr lang="es-ES" smtClean="0"/>
-              <a:t>15/01/2022</a:t>
+              <a:t>16/01/2022</a:t>
             </a:fld>
             <a:endParaRPr lang="es-ES" dirty="0"/>
           </a:p>
@@ -8043,7 +8047,7 @@
           <a:p>
             <a:fld id="{D0D65A25-5B34-480B-8A82-D452FDC7444D}" type="datetimeFigureOut">
               <a:rPr lang="es-ES" smtClean="0"/>
-              <a:t>15/01/2022</a:t>
+              <a:t>16/01/2022</a:t>
             </a:fld>
             <a:endParaRPr lang="es-ES" dirty="0"/>
           </a:p>
@@ -8760,7 +8764,7 @@
           <a:p>
             <a:fld id="{D0D65A25-5B34-480B-8A82-D452FDC7444D}" type="datetimeFigureOut">
               <a:rPr lang="es-ES" smtClean="0"/>
-              <a:t>15/01/2022</a:t>
+              <a:t>16/01/2022</a:t>
             </a:fld>
             <a:endParaRPr lang="es-ES" dirty="0"/>
           </a:p>
@@ -8930,7 +8934,7 @@
           <a:p>
             <a:fld id="{D0D65A25-5B34-480B-8A82-D452FDC7444D}" type="datetimeFigureOut">
               <a:rPr lang="es-ES" smtClean="0"/>
-              <a:t>15/01/2022</a:t>
+              <a:t>16/01/2022</a:t>
             </a:fld>
             <a:endParaRPr lang="es-ES" dirty="0"/>
           </a:p>
@@ -9110,7 +9114,7 @@
           <a:p>
             <a:fld id="{D0D65A25-5B34-480B-8A82-D452FDC7444D}" type="datetimeFigureOut">
               <a:rPr lang="es-ES" smtClean="0"/>
-              <a:t>15/01/2022</a:t>
+              <a:t>16/01/2022</a:t>
             </a:fld>
             <a:endParaRPr lang="es-ES" dirty="0"/>
           </a:p>
@@ -9280,7 +9284,7 @@
           <a:p>
             <a:fld id="{D0D65A25-5B34-480B-8A82-D452FDC7444D}" type="datetimeFigureOut">
               <a:rPr lang="es-ES" smtClean="0"/>
-              <a:t>15/01/2022</a:t>
+              <a:t>16/01/2022</a:t>
             </a:fld>
             <a:endParaRPr lang="es-ES" dirty="0"/>
           </a:p>
@@ -9530,7 +9534,7 @@
           <a:p>
             <a:fld id="{D0D65A25-5B34-480B-8A82-D452FDC7444D}" type="datetimeFigureOut">
               <a:rPr lang="es-ES" smtClean="0"/>
-              <a:t>15/01/2022</a:t>
+              <a:t>16/01/2022</a:t>
             </a:fld>
             <a:endParaRPr lang="es-ES" dirty="0"/>
           </a:p>
@@ -9762,7 +9766,7 @@
           <a:p>
             <a:fld id="{D0D65A25-5B34-480B-8A82-D452FDC7444D}" type="datetimeFigureOut">
               <a:rPr lang="es-ES" smtClean="0"/>
-              <a:t>15/01/2022</a:t>
+              <a:t>16/01/2022</a:t>
             </a:fld>
             <a:endParaRPr lang="es-ES" dirty="0"/>
           </a:p>
@@ -10143,7 +10147,7 @@
           <a:p>
             <a:fld id="{D0D65A25-5B34-480B-8A82-D452FDC7444D}" type="datetimeFigureOut">
               <a:rPr lang="es-ES" smtClean="0"/>
-              <a:t>15/01/2022</a:t>
+              <a:t>16/01/2022</a:t>
             </a:fld>
             <a:endParaRPr lang="es-ES" dirty="0"/>
           </a:p>
@@ -10261,7 +10265,7 @@
           <a:p>
             <a:fld id="{D0D65A25-5B34-480B-8A82-D452FDC7444D}" type="datetimeFigureOut">
               <a:rPr lang="es-ES" smtClean="0"/>
-              <a:t>15/01/2022</a:t>
+              <a:t>16/01/2022</a:t>
             </a:fld>
             <a:endParaRPr lang="es-ES" dirty="0"/>
           </a:p>
@@ -10356,7 +10360,7 @@
           <a:p>
             <a:fld id="{D0D65A25-5B34-480B-8A82-D452FDC7444D}" type="datetimeFigureOut">
               <a:rPr lang="es-ES" smtClean="0"/>
-              <a:t>15/01/2022</a:t>
+              <a:t>16/01/2022</a:t>
             </a:fld>
             <a:endParaRPr lang="es-ES" dirty="0"/>
           </a:p>
@@ -10605,7 +10609,7 @@
           <a:p>
             <a:fld id="{D0D65A25-5B34-480B-8A82-D452FDC7444D}" type="datetimeFigureOut">
               <a:rPr lang="es-ES" smtClean="0"/>
-              <a:t>15/01/2022</a:t>
+              <a:t>16/01/2022</a:t>
             </a:fld>
             <a:endParaRPr lang="es-ES" dirty="0"/>
           </a:p>
@@ -10884,7 +10888,7 @@
           <a:p>
             <a:fld id="{D0D65A25-5B34-480B-8A82-D452FDC7444D}" type="datetimeFigureOut">
               <a:rPr lang="es-ES" smtClean="0"/>
-              <a:t>15/01/2022</a:t>
+              <a:t>16/01/2022</a:t>
             </a:fld>
             <a:endParaRPr lang="es-ES" dirty="0"/>
           </a:p>
@@ -11000,7 +11004,7 @@
           <a:noFill/>
           <a:extLst>
             <a:ext uri="{909E8E84-426E-40dd-AFC4-6F175D3DCCD1}">
-              <a14:hiddenFill xmlns="" xmlns:a14="http://schemas.microsoft.com/office/drawing/2010/main">
+              <a14:hiddenFill xmlns:a14="http://schemas.microsoft.com/office/drawing/2010/main" xmlns="">
                 <a:solidFill>
                   <a:srgbClr val="FFFFFF"/>
                 </a:solidFill>
@@ -11074,7 +11078,7 @@
               </a:ln>
               <a:extLst>
                 <a:ext uri="{91240B29-F687-4f45-9708-019B960494DF}">
-                  <a14:hiddenLine xmlns="" xmlns:a14="http://schemas.microsoft.com/office/drawing/2010/main" w="9525">
+                  <a14:hiddenLine xmlns:a14="http://schemas.microsoft.com/office/drawing/2010/main" xmlns="" w="9525">
                     <a:solidFill>
                       <a:srgbClr val="000000"/>
                     </a:solidFill>
@@ -11164,7 +11168,7 @@
               </a:ln>
               <a:extLst>
                 <a:ext uri="{91240B29-F687-4f45-9708-019B960494DF}">
-                  <a14:hiddenLine xmlns="" xmlns:a14="http://schemas.microsoft.com/office/drawing/2010/main" w="9525">
+                  <a14:hiddenLine xmlns:a14="http://schemas.microsoft.com/office/drawing/2010/main" xmlns="" w="9525">
                     <a:solidFill>
                       <a:srgbClr val="000000"/>
                     </a:solidFill>
@@ -11254,7 +11258,7 @@
               </a:ln>
               <a:extLst>
                 <a:ext uri="{91240B29-F687-4f45-9708-019B960494DF}">
-                  <a14:hiddenLine xmlns="" xmlns:a14="http://schemas.microsoft.com/office/drawing/2010/main" w="9525">
+                  <a14:hiddenLine xmlns:a14="http://schemas.microsoft.com/office/drawing/2010/main" xmlns="" w="9525">
                     <a:solidFill>
                       <a:srgbClr val="000000"/>
                     </a:solidFill>
@@ -11316,7 +11320,7 @@
               </a:ln>
               <a:extLst>
                 <a:ext uri="{91240B29-F687-4f45-9708-019B960494DF}">
-                  <a14:hiddenLine xmlns="" xmlns:a14="http://schemas.microsoft.com/office/drawing/2010/main" w="9525">
+                  <a14:hiddenLine xmlns:a14="http://schemas.microsoft.com/office/drawing/2010/main" xmlns="" w="9525">
                     <a:solidFill>
                       <a:srgbClr val="000000"/>
                     </a:solidFill>
@@ -11406,7 +11410,7 @@
               </a:ln>
               <a:extLst>
                 <a:ext uri="{91240B29-F687-4f45-9708-019B960494DF}">
-                  <a14:hiddenLine xmlns="" xmlns:a14="http://schemas.microsoft.com/office/drawing/2010/main" w="9525">
+                  <a14:hiddenLine xmlns:a14="http://schemas.microsoft.com/office/drawing/2010/main" xmlns="" w="9525">
                     <a:solidFill>
                       <a:srgbClr val="000000"/>
                     </a:solidFill>
@@ -11468,7 +11472,7 @@
               </a:ln>
               <a:extLst>
                 <a:ext uri="{91240B29-F687-4f45-9708-019B960494DF}">
-                  <a14:hiddenLine xmlns="" xmlns:a14="http://schemas.microsoft.com/office/drawing/2010/main" w="9525">
+                  <a14:hiddenLine xmlns:a14="http://schemas.microsoft.com/office/drawing/2010/main" xmlns="" w="9525">
                     <a:solidFill>
                       <a:srgbClr val="000000"/>
                     </a:solidFill>
@@ -11530,7 +11534,7 @@
               </a:ln>
               <a:extLst>
                 <a:ext uri="{91240B29-F687-4f45-9708-019B960494DF}">
-                  <a14:hiddenLine xmlns="" xmlns:a14="http://schemas.microsoft.com/office/drawing/2010/main" w="9525">
+                  <a14:hiddenLine xmlns:a14="http://schemas.microsoft.com/office/drawing/2010/main" xmlns="" w="9525">
                     <a:solidFill>
                       <a:srgbClr val="000000"/>
                     </a:solidFill>
@@ -11620,7 +11624,7 @@
               </a:ln>
               <a:extLst>
                 <a:ext uri="{91240B29-F687-4f45-9708-019B960494DF}">
-                  <a14:hiddenLine xmlns="" xmlns:a14="http://schemas.microsoft.com/office/drawing/2010/main" w="9525">
+                  <a14:hiddenLine xmlns:a14="http://schemas.microsoft.com/office/drawing/2010/main" xmlns="" w="9525">
                     <a:solidFill>
                       <a:srgbClr val="000000"/>
                     </a:solidFill>
@@ -11710,7 +11714,7 @@
               </a:ln>
               <a:extLst>
                 <a:ext uri="{91240B29-F687-4f45-9708-019B960494DF}">
-                  <a14:hiddenLine xmlns="" xmlns:a14="http://schemas.microsoft.com/office/drawing/2010/main" w="9525">
+                  <a14:hiddenLine xmlns:a14="http://schemas.microsoft.com/office/drawing/2010/main" xmlns="" w="9525">
                     <a:solidFill>
                       <a:srgbClr val="000000"/>
                     </a:solidFill>
@@ -11772,7 +11776,7 @@
               </a:ln>
               <a:extLst>
                 <a:ext uri="{91240B29-F687-4f45-9708-019B960494DF}">
-                  <a14:hiddenLine xmlns="" xmlns:a14="http://schemas.microsoft.com/office/drawing/2010/main" w="9525">
+                  <a14:hiddenLine xmlns:a14="http://schemas.microsoft.com/office/drawing/2010/main" xmlns="" w="9525">
                     <a:solidFill>
                       <a:srgbClr val="000000"/>
                     </a:solidFill>
@@ -11882,7 +11886,7 @@
               </a:ln>
               <a:extLst>
                 <a:ext uri="{91240B29-F687-4f45-9708-019B960494DF}">
-                  <a14:hiddenLine xmlns="" xmlns:a14="http://schemas.microsoft.com/office/drawing/2010/main" w="9525">
+                  <a14:hiddenLine xmlns:a14="http://schemas.microsoft.com/office/drawing/2010/main" xmlns="" w="9525">
                     <a:solidFill>
                       <a:srgbClr val="000000"/>
                     </a:solidFill>
@@ -11966,7 +11970,7 @@
               </a:ln>
               <a:extLst>
                 <a:ext uri="{91240B29-F687-4f45-9708-019B960494DF}">
-                  <a14:hiddenLine xmlns="" xmlns:a14="http://schemas.microsoft.com/office/drawing/2010/main" w="9525">
+                  <a14:hiddenLine xmlns:a14="http://schemas.microsoft.com/office/drawing/2010/main" xmlns="" w="9525">
                     <a:solidFill>
                       <a:srgbClr val="000000"/>
                     </a:solidFill>
@@ -12028,7 +12032,7 @@
               </a:ln>
               <a:extLst>
                 <a:ext uri="{91240B29-F687-4f45-9708-019B960494DF}">
-                  <a14:hiddenLine xmlns="" xmlns:a14="http://schemas.microsoft.com/office/drawing/2010/main" w="9525">
+                  <a14:hiddenLine xmlns:a14="http://schemas.microsoft.com/office/drawing/2010/main" xmlns="" w="9525">
                     <a:solidFill>
                       <a:srgbClr val="000000"/>
                     </a:solidFill>
@@ -12090,7 +12094,7 @@
               </a:ln>
               <a:extLst>
                 <a:ext uri="{91240B29-F687-4f45-9708-019B960494DF}">
-                  <a14:hiddenLine xmlns="" xmlns:a14="http://schemas.microsoft.com/office/drawing/2010/main" w="9525">
+                  <a14:hiddenLine xmlns:a14="http://schemas.microsoft.com/office/drawing/2010/main" xmlns="" w="9525">
                     <a:solidFill>
                       <a:srgbClr val="000000"/>
                     </a:solidFill>
@@ -12180,7 +12184,7 @@
               </a:ln>
               <a:extLst>
                 <a:ext uri="{91240B29-F687-4f45-9708-019B960494DF}">
-                  <a14:hiddenLine xmlns="" xmlns:a14="http://schemas.microsoft.com/office/drawing/2010/main" w="9525">
+                  <a14:hiddenLine xmlns:a14="http://schemas.microsoft.com/office/drawing/2010/main" xmlns="" w="9525">
                     <a:solidFill>
                       <a:srgbClr val="000000"/>
                     </a:solidFill>
@@ -12214,7 +12218,7 @@
               </a:ln>
               <a:extLst>
                 <a:ext uri="{91240B29-F687-4f45-9708-019B960494DF}">
-                  <a14:hiddenLine xmlns="" xmlns:a14="http://schemas.microsoft.com/office/drawing/2010/main" w="9525">
+                  <a14:hiddenLine xmlns:a14="http://schemas.microsoft.com/office/drawing/2010/main" xmlns="" w="9525">
                     <a:solidFill>
                       <a:srgbClr val="000000"/>
                     </a:solidFill>
@@ -12279,7 +12283,7 @@
               </a:ln>
               <a:extLst>
                 <a:ext uri="{91240B29-F687-4f45-9708-019B960494DF}">
-                  <a14:hiddenLine xmlns="" xmlns:a14="http://schemas.microsoft.com/office/drawing/2010/main" w="9525">
+                  <a14:hiddenLine xmlns:a14="http://schemas.microsoft.com/office/drawing/2010/main" xmlns="" w="9525">
                     <a:solidFill>
                       <a:srgbClr val="000000"/>
                     </a:solidFill>
@@ -12369,7 +12373,7 @@
               </a:ln>
               <a:extLst>
                 <a:ext uri="{91240B29-F687-4f45-9708-019B960494DF}">
-                  <a14:hiddenLine xmlns="" xmlns:a14="http://schemas.microsoft.com/office/drawing/2010/main" w="9525">
+                  <a14:hiddenLine xmlns:a14="http://schemas.microsoft.com/office/drawing/2010/main" xmlns="" w="9525">
                     <a:solidFill>
                       <a:srgbClr val="000000"/>
                     </a:solidFill>
@@ -12431,7 +12435,7 @@
               </a:ln>
               <a:extLst>
                 <a:ext uri="{91240B29-F687-4f45-9708-019B960494DF}">
-                  <a14:hiddenLine xmlns="" xmlns:a14="http://schemas.microsoft.com/office/drawing/2010/main" w="9525">
+                  <a14:hiddenLine xmlns:a14="http://schemas.microsoft.com/office/drawing/2010/main" xmlns="" w="9525">
                     <a:solidFill>
                       <a:srgbClr val="000000"/>
                     </a:solidFill>
@@ -12521,7 +12525,7 @@
               </a:ln>
               <a:extLst>
                 <a:ext uri="{91240B29-F687-4f45-9708-019B960494DF}">
-                  <a14:hiddenLine xmlns="" xmlns:a14="http://schemas.microsoft.com/office/drawing/2010/main" w="9525">
+                  <a14:hiddenLine xmlns:a14="http://schemas.microsoft.com/office/drawing/2010/main" xmlns="" w="9525">
                     <a:solidFill>
                       <a:srgbClr val="000000"/>
                     </a:solidFill>
@@ -12586,7 +12590,7 @@
               </a:ln>
               <a:extLst>
                 <a:ext uri="{91240B29-F687-4f45-9708-019B960494DF}">
-                  <a14:hiddenLine xmlns="" xmlns:a14="http://schemas.microsoft.com/office/drawing/2010/main" w="9525">
+                  <a14:hiddenLine xmlns:a14="http://schemas.microsoft.com/office/drawing/2010/main" xmlns="" w="9525">
                     <a:solidFill>
                       <a:srgbClr val="000000"/>
                     </a:solidFill>
@@ -12648,7 +12652,7 @@
               </a:ln>
               <a:extLst>
                 <a:ext uri="{91240B29-F687-4f45-9708-019B960494DF}">
-                  <a14:hiddenLine xmlns="" xmlns:a14="http://schemas.microsoft.com/office/drawing/2010/main" w="9525">
+                  <a14:hiddenLine xmlns:a14="http://schemas.microsoft.com/office/drawing/2010/main" xmlns="" w="9525">
                     <a:solidFill>
                       <a:srgbClr val="000000"/>
                     </a:solidFill>
@@ -12738,7 +12742,7 @@
               </a:ln>
               <a:extLst>
                 <a:ext uri="{91240B29-F687-4f45-9708-019B960494DF}">
-                  <a14:hiddenLine xmlns="" xmlns:a14="http://schemas.microsoft.com/office/drawing/2010/main" w="9525">
+                  <a14:hiddenLine xmlns:a14="http://schemas.microsoft.com/office/drawing/2010/main" xmlns="" w="9525">
                     <a:solidFill>
                       <a:srgbClr val="000000"/>
                     </a:solidFill>
@@ -12828,7 +12832,7 @@
               </a:ln>
               <a:extLst>
                 <a:ext uri="{91240B29-F687-4f45-9708-019B960494DF}">
-                  <a14:hiddenLine xmlns="" xmlns:a14="http://schemas.microsoft.com/office/drawing/2010/main" w="9525">
+                  <a14:hiddenLine xmlns:a14="http://schemas.microsoft.com/office/drawing/2010/main" xmlns="" w="9525">
                     <a:solidFill>
                       <a:srgbClr val="000000"/>
                     </a:solidFill>
@@ -12893,7 +12897,7 @@
               </a:ln>
               <a:extLst>
                 <a:ext uri="{91240B29-F687-4f45-9708-019B960494DF}">
-                  <a14:hiddenLine xmlns="" xmlns:a14="http://schemas.microsoft.com/office/drawing/2010/main" w="9525">
+                  <a14:hiddenLine xmlns:a14="http://schemas.microsoft.com/office/drawing/2010/main" xmlns="" w="9525">
                     <a:solidFill>
                       <a:srgbClr val="000000"/>
                     </a:solidFill>
@@ -13013,7 +13017,7 @@
               </a:ln>
               <a:extLst>
                 <a:ext uri="{91240B29-F687-4f45-9708-019B960494DF}">
-                  <a14:hiddenLine xmlns="" xmlns:a14="http://schemas.microsoft.com/office/drawing/2010/main" w="9525">
+                  <a14:hiddenLine xmlns:a14="http://schemas.microsoft.com/office/drawing/2010/main" xmlns="" w="9525">
                     <a:solidFill>
                       <a:srgbClr val="000000"/>
                     </a:solidFill>
@@ -13111,7 +13115,7 @@
               </a:ln>
               <a:extLst>
                 <a:ext uri="{91240B29-F687-4f45-9708-019B960494DF}">
-                  <a14:hiddenLine xmlns="" xmlns:a14="http://schemas.microsoft.com/office/drawing/2010/main" w="9525">
+                  <a14:hiddenLine xmlns:a14="http://schemas.microsoft.com/office/drawing/2010/main" xmlns="" w="9525">
                     <a:solidFill>
                       <a:srgbClr val="000000"/>
                     </a:solidFill>
@@ -13226,7 +13230,7 @@
               </a:ln>
               <a:extLst>
                 <a:ext uri="{91240B29-F687-4f45-9708-019B960494DF}">
-                  <a14:hiddenLine xmlns="" xmlns:a14="http://schemas.microsoft.com/office/drawing/2010/main" w="9525">
+                  <a14:hiddenLine xmlns:a14="http://schemas.microsoft.com/office/drawing/2010/main" xmlns="" w="9525">
                     <a:solidFill>
                       <a:srgbClr val="000000"/>
                     </a:solidFill>
@@ -13316,7 +13320,7 @@
               </a:ln>
               <a:extLst>
                 <a:ext uri="{91240B29-F687-4f45-9708-019B960494DF}">
-                  <a14:hiddenLine xmlns="" xmlns:a14="http://schemas.microsoft.com/office/drawing/2010/main" w="9525">
+                  <a14:hiddenLine xmlns:a14="http://schemas.microsoft.com/office/drawing/2010/main" xmlns="" w="9525">
                     <a:solidFill>
                       <a:srgbClr val="000000"/>
                     </a:solidFill>
@@ -13381,7 +13385,7 @@
               </a:ln>
               <a:extLst>
                 <a:ext uri="{91240B29-F687-4f45-9708-019B960494DF}">
-                  <a14:hiddenLine xmlns="" xmlns:a14="http://schemas.microsoft.com/office/drawing/2010/main" w="9525">
+                  <a14:hiddenLine xmlns:a14="http://schemas.microsoft.com/office/drawing/2010/main" xmlns="" w="9525">
                     <a:solidFill>
                       <a:srgbClr val="000000"/>
                     </a:solidFill>
@@ -13471,7 +13475,7 @@
               </a:ln>
               <a:extLst>
                 <a:ext uri="{91240B29-F687-4f45-9708-019B960494DF}">
-                  <a14:hiddenLine xmlns="" xmlns:a14="http://schemas.microsoft.com/office/drawing/2010/main" w="9525">
+                  <a14:hiddenLine xmlns:a14="http://schemas.microsoft.com/office/drawing/2010/main" xmlns="" w="9525">
                     <a:solidFill>
                       <a:srgbClr val="000000"/>
                     </a:solidFill>
@@ -13539,7 +13543,7 @@
               </a:ln>
               <a:extLst>
                 <a:ext uri="{91240B29-F687-4f45-9708-019B960494DF}">
-                  <a14:hiddenLine xmlns="" xmlns:a14="http://schemas.microsoft.com/office/drawing/2010/main" w="9525">
+                  <a14:hiddenLine xmlns:a14="http://schemas.microsoft.com/office/drawing/2010/main" xmlns="" w="9525">
                     <a:solidFill>
                       <a:srgbClr val="000000"/>
                     </a:solidFill>
@@ -13629,7 +13633,7 @@
               </a:ln>
               <a:extLst>
                 <a:ext uri="{91240B29-F687-4f45-9708-019B960494DF}">
-                  <a14:hiddenLine xmlns="" xmlns:a14="http://schemas.microsoft.com/office/drawing/2010/main" w="9525">
+                  <a14:hiddenLine xmlns:a14="http://schemas.microsoft.com/office/drawing/2010/main" xmlns="" w="9525">
                     <a:solidFill>
                       <a:srgbClr val="000000"/>
                     </a:solidFill>
@@ -13697,7 +13701,7 @@
               </a:ln>
               <a:extLst>
                 <a:ext uri="{91240B29-F687-4f45-9708-019B960494DF}">
-                  <a14:hiddenLine xmlns="" xmlns:a14="http://schemas.microsoft.com/office/drawing/2010/main" w="9525">
+                  <a14:hiddenLine xmlns:a14="http://schemas.microsoft.com/office/drawing/2010/main" xmlns="" w="9525">
                     <a:solidFill>
                       <a:srgbClr val="000000"/>
                     </a:solidFill>
@@ -13787,7 +13791,7 @@
               </a:ln>
               <a:extLst>
                 <a:ext uri="{91240B29-F687-4f45-9708-019B960494DF}">
-                  <a14:hiddenLine xmlns="" xmlns:a14="http://schemas.microsoft.com/office/drawing/2010/main" w="9525">
+                  <a14:hiddenLine xmlns:a14="http://schemas.microsoft.com/office/drawing/2010/main" xmlns="" w="9525">
                     <a:solidFill>
                       <a:srgbClr val="000000"/>
                     </a:solidFill>
@@ -13821,7 +13825,7 @@
               </a:ln>
               <a:extLst>
                 <a:ext uri="{91240B29-F687-4f45-9708-019B960494DF}">
-                  <a14:hiddenLine xmlns="" xmlns:a14="http://schemas.microsoft.com/office/drawing/2010/main" w="9525">
+                  <a14:hiddenLine xmlns:a14="http://schemas.microsoft.com/office/drawing/2010/main" xmlns="" w="9525">
                     <a:solidFill>
                       <a:srgbClr val="000000"/>
                     </a:solidFill>
@@ -13961,7 +13965,7 @@
           <a:p>
             <a:fld id="{D0D65A25-5B34-480B-8A82-D452FDC7444D}" type="datetimeFigureOut">
               <a:rPr lang="es-ES" smtClean="0"/>
-              <a:t>15/01/2022</a:t>
+              <a:t>16/01/2022</a:t>
             </a:fld>
             <a:endParaRPr lang="es-ES" dirty="0"/>
           </a:p>
@@ -14704,13 +14708,13 @@
   <p:clrMapOvr>
     <a:masterClrMapping/>
   </p:clrMapOvr>
-  <mc:AlternateContent xmlns:mc="http://schemas.openxmlformats.org/markup-compatibility/2006">
-    <mc:Choice xmlns:p14="http://schemas.microsoft.com/office/powerpoint/2010/main" Requires="p14">
+  <mc:AlternateContent xmlns:mc="http://schemas.openxmlformats.org/markup-compatibility/2006" xmlns:p14="http://schemas.microsoft.com/office/powerpoint/2010/main">
+    <mc:Choice Requires="p14">
       <p:transition spd="slow" p14:dur="2000">
         <p14:vortex dir="r"/>
       </p:transition>
     </mc:Choice>
-    <mc:Fallback>
+    <mc:Fallback xmlns="">
       <p:transition spd="slow">
         <p:fade/>
       </p:transition>
@@ -16097,13 +16101,13 @@
   <p:clrMapOvr>
     <a:masterClrMapping/>
   </p:clrMapOvr>
-  <mc:AlternateContent xmlns:mc="http://schemas.openxmlformats.org/markup-compatibility/2006">
-    <mc:Choice xmlns:p14="http://schemas.microsoft.com/office/powerpoint/2010/main" Requires="p14">
+  <mc:AlternateContent xmlns:mc="http://schemas.openxmlformats.org/markup-compatibility/2006" xmlns:p14="http://schemas.microsoft.com/office/powerpoint/2010/main">
+    <mc:Choice Requires="p14">
       <p:transition spd="slow" p14:dur="1500">
         <p:split orient="vert"/>
       </p:transition>
     </mc:Choice>
-    <mc:Fallback>
+    <mc:Fallback xmlns="">
       <p:transition spd="slow">
         <p:split orient="vert"/>
       </p:transition>
@@ -19802,6 +19806,81 @@
           <p:cNvPr id="2" name="Title 1">
             <a:extLst>
               <a:ext uri="{FF2B5EF4-FFF2-40B4-BE49-F238E27FC236}">
+                <a16:creationId xmlns:a16="http://schemas.microsoft.com/office/drawing/2014/main" id="{78E9AE0E-9D47-4B15-B5D7-F81CA2BDB645}"/>
+              </a:ext>
+            </a:extLst>
+          </p:cNvPr>
+          <p:cNvSpPr>
+            <a:spLocks noGrp="1"/>
+          </p:cNvSpPr>
+          <p:nvPr>
+            <p:ph type="title"/>
+          </p:nvPr>
+        </p:nvSpPr>
+        <p:spPr>
+          <a:xfrm>
+            <a:off x="1143001" y="2689715"/>
+            <a:ext cx="9905998" cy="1478570"/>
+          </a:xfrm>
+        </p:spPr>
+        <p:txBody>
+          <a:bodyPr/>
+          <a:lstStyle/>
+          <a:p>
+            <a:r>
+              <a:rPr lang="en-GB" dirty="0"/>
+              <a:t>Live coding</a:t>
+            </a:r>
+            <a:r>
+              <a:rPr lang="es-ES" dirty="0"/>
+              <a:t>: </a:t>
+            </a:r>
+            <a:r>
+              <a:rPr lang="en-GB" dirty="0"/>
+              <a:t>titanic survival - Decision tree</a:t>
+            </a:r>
+            <a:endParaRPr lang="en-US" dirty="0"/>
+          </a:p>
+        </p:txBody>
+      </p:sp>
+    </p:spTree>
+    <p:extLst>
+      <p:ext uri="{BB962C8B-B14F-4D97-AF65-F5344CB8AC3E}">
+        <p14:creationId xmlns:p14="http://schemas.microsoft.com/office/powerpoint/2010/main" val="530779773"/>
+      </p:ext>
+    </p:extLst>
+  </p:cSld>
+  <p:clrMapOvr>
+    <a:masterClrMapping/>
+  </p:clrMapOvr>
+  <p:transition spd="slow">
+    <p:push dir="u"/>
+  </p:transition>
+</p:sld>
+</file>
+
+<file path=ppt/slides/slide9.xml><?xml version="1.0" encoding="utf-8"?>
+<p:sld xmlns:a="http://schemas.openxmlformats.org/drawingml/2006/main" xmlns:r="http://schemas.openxmlformats.org/officeDocument/2006/relationships" xmlns:p="http://schemas.openxmlformats.org/presentationml/2006/main">
+  <p:cSld>
+    <p:spTree>
+      <p:nvGrpSpPr>
+        <p:cNvPr id="1" name=""/>
+        <p:cNvGrpSpPr/>
+        <p:nvPr/>
+      </p:nvGrpSpPr>
+      <p:grpSpPr>
+        <a:xfrm>
+          <a:off x="0" y="0"/>
+          <a:ext cx="0" cy="0"/>
+          <a:chOff x="0" y="0"/>
+          <a:chExt cx="0" cy="0"/>
+        </a:xfrm>
+      </p:grpSpPr>
+      <p:sp>
+        <p:nvSpPr>
+          <p:cNvPr id="2" name="Title 1">
+            <a:extLst>
+              <a:ext uri="{FF2B5EF4-FFF2-40B4-BE49-F238E27FC236}">
                 <a16:creationId xmlns:a16="http://schemas.microsoft.com/office/drawing/2014/main" id="{B5107FA5-1280-47C6-A7F3-56691ACA32F5}"/>
               </a:ext>
             </a:extLst>

--- a/semester-2-2021-2022/week-6-decision-tree/Decision_Tree.pptx
+++ b/semester-2-2021-2022/week-6-decision-tree/Decision_Tree.pptx
@@ -5,7 +5,7 @@
     <p:sldMasterId id="2147483660" r:id="rId1"/>
   </p:sldMasterIdLst>
   <p:notesMasterIdLst>
-    <p:notesMasterId r:id="rId11"/>
+    <p:notesMasterId r:id="rId15"/>
   </p:notesMasterIdLst>
   <p:sldIdLst>
     <p:sldId id="256" r:id="rId2"/>
@@ -15,8 +15,12 @@
     <p:sldId id="261" r:id="rId6"/>
     <p:sldId id="263" r:id="rId7"/>
     <p:sldId id="262" r:id="rId8"/>
-    <p:sldId id="265" r:id="rId9"/>
-    <p:sldId id="258" r:id="rId10"/>
+    <p:sldId id="266" r:id="rId9"/>
+    <p:sldId id="267" r:id="rId10"/>
+    <p:sldId id="269" r:id="rId11"/>
+    <p:sldId id="270" r:id="rId12"/>
+    <p:sldId id="265" r:id="rId13"/>
+    <p:sldId id="258" r:id="rId14"/>
   </p:sldIdLst>
   <p:sldSz cx="12192000" cy="6858000"/>
   <p:notesSz cx="6858000" cy="9144000"/>
@@ -673,6 +677,191 @@
 </p:notes>
 </file>
 
+<file path=ppt/notesSlides/notesSlide10.xml><?xml version="1.0" encoding="utf-8"?>
+<p:notes xmlns:a="http://schemas.openxmlformats.org/drawingml/2006/main" xmlns:r="http://schemas.openxmlformats.org/officeDocument/2006/relationships" xmlns:p="http://schemas.openxmlformats.org/presentationml/2006/main">
+  <p:cSld>
+    <p:spTree>
+      <p:nvGrpSpPr>
+        <p:cNvPr id="1" name=""/>
+        <p:cNvGrpSpPr/>
+        <p:nvPr/>
+      </p:nvGrpSpPr>
+      <p:grpSpPr>
+        <a:xfrm>
+          <a:off x="0" y="0"/>
+          <a:ext cx="0" cy="0"/>
+          <a:chOff x="0" y="0"/>
+          <a:chExt cx="0" cy="0"/>
+        </a:xfrm>
+      </p:grpSpPr>
+      <p:sp>
+        <p:nvSpPr>
+          <p:cNvPr id="2" name="Slide Image Placeholder 1"/>
+          <p:cNvSpPr>
+            <a:spLocks noGrp="1" noRot="1" noChangeAspect="1"/>
+          </p:cNvSpPr>
+          <p:nvPr>
+            <p:ph type="sldImg"/>
+          </p:nvPr>
+        </p:nvSpPr>
+        <p:spPr/>
+      </p:sp>
+      <p:sp>
+        <p:nvSpPr>
+          <p:cNvPr id="3" name="Notes Placeholder 2"/>
+          <p:cNvSpPr>
+            <a:spLocks noGrp="1"/>
+          </p:cNvSpPr>
+          <p:nvPr>
+            <p:ph type="body" idx="1"/>
+          </p:nvPr>
+        </p:nvSpPr>
+        <p:spPr/>
+        <p:txBody>
+          <a:bodyPr/>
+          <a:lstStyle/>
+          <a:p>
+            <a:r>
+              <a:rPr lang="en-GB" dirty="0"/>
+              <a:t>Another very common algorithm is the classification and regression tree. As its name says, it is able of classification and regression. A key characteristic of it is that it splits into binary (two) branches at most, like a binary tree. And the index used by it differs from ID3, it uses GINI index. GINI index is quite a very similar thing as the entropy, it measures the impurity of our system. Therefore, the higher GINI index means that we are in more chaotic system. </a:t>
+            </a:r>
+            <a:r>
+              <a:rPr lang="en-US" altLang="zh-CN" dirty="0"/>
+              <a:t>We take the same example as before.</a:t>
+            </a:r>
+          </a:p>
+          <a:p>
+            <a:r>
+              <a:rPr lang="en-US" dirty="0"/>
+              <a:t>Click. In this mixy box, our GINI has an index of 0,5. Let’s see how it is in a more pure system.</a:t>
+            </a:r>
+          </a:p>
+        </p:txBody>
+      </p:sp>
+      <p:sp>
+        <p:nvSpPr>
+          <p:cNvPr id="4" name="Slide Number Placeholder 3"/>
+          <p:cNvSpPr>
+            <a:spLocks noGrp="1"/>
+          </p:cNvSpPr>
+          <p:nvPr>
+            <p:ph type="sldNum" sz="quarter" idx="5"/>
+          </p:nvPr>
+        </p:nvSpPr>
+        <p:spPr/>
+        <p:txBody>
+          <a:bodyPr/>
+          <a:lstStyle/>
+          <a:p>
+            <a:fld id="{76682F04-6A67-4696-8350-ADB5B2C9822D}" type="slidenum">
+              <a:rPr lang="en-GB" smtClean="0"/>
+              <a:t>10</a:t>
+            </a:fld>
+            <a:endParaRPr lang="en-GB"/>
+          </a:p>
+        </p:txBody>
+      </p:sp>
+    </p:spTree>
+    <p:extLst>
+      <p:ext uri="{BB962C8B-B14F-4D97-AF65-F5344CB8AC3E}">
+        <p14:creationId xmlns:p14="http://schemas.microsoft.com/office/powerpoint/2010/main" val="571820506"/>
+      </p:ext>
+    </p:extLst>
+  </p:cSld>
+  <p:clrMapOvr>
+    <a:masterClrMapping/>
+  </p:clrMapOvr>
+</p:notes>
+</file>
+
+<file path=ppt/notesSlides/notesSlide11.xml><?xml version="1.0" encoding="utf-8"?>
+<p:notes xmlns:a="http://schemas.openxmlformats.org/drawingml/2006/main" xmlns:r="http://schemas.openxmlformats.org/officeDocument/2006/relationships" xmlns:p="http://schemas.openxmlformats.org/presentationml/2006/main">
+  <p:cSld>
+    <p:spTree>
+      <p:nvGrpSpPr>
+        <p:cNvPr id="1" name=""/>
+        <p:cNvGrpSpPr/>
+        <p:nvPr/>
+      </p:nvGrpSpPr>
+      <p:grpSpPr>
+        <a:xfrm>
+          <a:off x="0" y="0"/>
+          <a:ext cx="0" cy="0"/>
+          <a:chOff x="0" y="0"/>
+          <a:chExt cx="0" cy="0"/>
+        </a:xfrm>
+      </p:grpSpPr>
+      <p:sp>
+        <p:nvSpPr>
+          <p:cNvPr id="2" name="Slide Image Placeholder 1"/>
+          <p:cNvSpPr>
+            <a:spLocks noGrp="1" noRot="1" noChangeAspect="1"/>
+          </p:cNvSpPr>
+          <p:nvPr>
+            <p:ph type="sldImg"/>
+          </p:nvPr>
+        </p:nvSpPr>
+        <p:spPr/>
+      </p:sp>
+      <p:sp>
+        <p:nvSpPr>
+          <p:cNvPr id="3" name="Notes Placeholder 2"/>
+          <p:cNvSpPr>
+            <a:spLocks noGrp="1"/>
+          </p:cNvSpPr>
+          <p:nvPr>
+            <p:ph type="body" idx="1"/>
+          </p:nvPr>
+        </p:nvSpPr>
+        <p:spPr/>
+        <p:txBody>
+          <a:bodyPr/>
+          <a:lstStyle/>
+          <a:p>
+            <a:r>
+              <a:rPr lang="en-GB" dirty="0"/>
+              <a:t>We can see here that after testing attribute B, the GINI index is lower, to 0,28. As the ID3 and CART both have similar computing method, and GINI is slight faster because logarithm is not required, we will use this algorithm in the following example.</a:t>
+            </a:r>
+            <a:endParaRPr lang="en-US" dirty="0"/>
+          </a:p>
+        </p:txBody>
+      </p:sp>
+      <p:sp>
+        <p:nvSpPr>
+          <p:cNvPr id="4" name="Slide Number Placeholder 3"/>
+          <p:cNvSpPr>
+            <a:spLocks noGrp="1"/>
+          </p:cNvSpPr>
+          <p:nvPr>
+            <p:ph type="sldNum" sz="quarter" idx="5"/>
+          </p:nvPr>
+        </p:nvSpPr>
+        <p:spPr/>
+        <p:txBody>
+          <a:bodyPr/>
+          <a:lstStyle/>
+          <a:p>
+            <a:fld id="{76682F04-6A67-4696-8350-ADB5B2C9822D}" type="slidenum">
+              <a:rPr lang="en-GB" smtClean="0"/>
+              <a:t>11</a:t>
+            </a:fld>
+            <a:endParaRPr lang="en-GB"/>
+          </a:p>
+        </p:txBody>
+      </p:sp>
+    </p:spTree>
+    <p:extLst>
+      <p:ext uri="{BB962C8B-B14F-4D97-AF65-F5344CB8AC3E}">
+        <p14:creationId xmlns:p14="http://schemas.microsoft.com/office/powerpoint/2010/main" val="3545966250"/>
+      </p:ext>
+    </p:extLst>
+  </p:cSld>
+  <p:clrMapOvr>
+    <a:masterClrMapping/>
+  </p:clrMapOvr>
+</p:notes>
+</file>
+
 <file path=ppt/notesSlides/notesSlide2.xml><?xml version="1.0" encoding="utf-8"?>
 <p:notes xmlns:a="http://schemas.openxmlformats.org/drawingml/2006/main" xmlns:r="http://schemas.openxmlformats.org/officeDocument/2006/relationships" xmlns:p="http://schemas.openxmlformats.org/presentationml/2006/main">
   <p:cSld>
@@ -2057,6 +2246,215 @@
     <p:extLst>
       <p:ext uri="{BB962C8B-B14F-4D97-AF65-F5344CB8AC3E}">
         <p14:creationId xmlns:p14="http://schemas.microsoft.com/office/powerpoint/2010/main" val="1437162477"/>
+      </p:ext>
+    </p:extLst>
+  </p:cSld>
+  <p:clrMapOvr>
+    <a:masterClrMapping/>
+  </p:clrMapOvr>
+</p:notes>
+</file>
+
+<file path=ppt/notesSlides/notesSlide8.xml><?xml version="1.0" encoding="utf-8"?>
+<p:notes xmlns:a="http://schemas.openxmlformats.org/drawingml/2006/main" xmlns:r="http://schemas.openxmlformats.org/officeDocument/2006/relationships" xmlns:p="http://schemas.openxmlformats.org/presentationml/2006/main">
+  <p:cSld>
+    <p:spTree>
+      <p:nvGrpSpPr>
+        <p:cNvPr id="1" name=""/>
+        <p:cNvGrpSpPr/>
+        <p:nvPr/>
+      </p:nvGrpSpPr>
+      <p:grpSpPr>
+        <a:xfrm>
+          <a:off x="0" y="0"/>
+          <a:ext cx="0" cy="0"/>
+          <a:chOff x="0" y="0"/>
+          <a:chExt cx="0" cy="0"/>
+        </a:xfrm>
+      </p:grpSpPr>
+      <p:sp>
+        <p:nvSpPr>
+          <p:cNvPr id="2" name="Slide Image Placeholder 1"/>
+          <p:cNvSpPr>
+            <a:spLocks noGrp="1" noRot="1" noChangeAspect="1"/>
+          </p:cNvSpPr>
+          <p:nvPr>
+            <p:ph type="sldImg"/>
+          </p:nvPr>
+        </p:nvSpPr>
+        <p:spPr/>
+      </p:sp>
+      <p:sp>
+        <p:nvSpPr>
+          <p:cNvPr id="3" name="Notes Placeholder 2"/>
+          <p:cNvSpPr>
+            <a:spLocks noGrp="1"/>
+          </p:cNvSpPr>
+          <p:nvPr>
+            <p:ph type="body" idx="1"/>
+          </p:nvPr>
+        </p:nvSpPr>
+        <p:spPr/>
+        <p:txBody>
+          <a:bodyPr/>
+          <a:lstStyle/>
+          <a:p>
+            <a:r>
+              <a:rPr lang="en-US" altLang="zh-CN" dirty="0"/>
+              <a:t>There are mainly 3 types of implementing algorithm for decision tree.</a:t>
+            </a:r>
+          </a:p>
+          <a:p>
+            <a:r>
+              <a:rPr lang="en-US" dirty="0"/>
+              <a:t>The first one is called ID3, stands for iterative </a:t>
+            </a:r>
+            <a:r>
+              <a:rPr lang="en-US" dirty="0" err="1"/>
+              <a:t>dichotomiser</a:t>
+            </a:r>
+            <a:r>
+              <a:rPr lang="en-US" dirty="0"/>
+              <a:t> 3, which essentially uses the information gain by change in entropy. Entropy is this word that we always hear about but unsure what it is. Shannon, the father of Information Theory, defined the entropy with this probabilistic formula. Basically, it says that in a system, whenever you try to predict a certain state correctly by random, the more probable you are correct, the lower is the entropy. Lower entropy means more certainty and purity.</a:t>
+            </a:r>
+          </a:p>
+          <a:p>
+            <a:r>
+              <a:rPr lang="en-US" dirty="0"/>
+              <a:t>Click. For example, if we split a level of tree by an attribute A, and the result of split looks like this. Note that the color of the balls means the correct category that they must be. We know by our eyes that this classification is not very accurate, and how do we compute this accuracy? Here is where the entropy enters in the game. We obtain by a quick calculation that the entropy in this first box is 1. Let’s see if another attribute B makes better classification.</a:t>
+            </a:r>
+          </a:p>
+        </p:txBody>
+      </p:sp>
+      <p:sp>
+        <p:nvSpPr>
+          <p:cNvPr id="4" name="Slide Number Placeholder 3"/>
+          <p:cNvSpPr>
+            <a:spLocks noGrp="1"/>
+          </p:cNvSpPr>
+          <p:nvPr>
+            <p:ph type="sldNum" sz="quarter" idx="5"/>
+          </p:nvPr>
+        </p:nvSpPr>
+        <p:spPr/>
+        <p:txBody>
+          <a:bodyPr/>
+          <a:lstStyle/>
+          <a:p>
+            <a:fld id="{76682F04-6A67-4696-8350-ADB5B2C9822D}" type="slidenum">
+              <a:rPr lang="en-GB" smtClean="0"/>
+              <a:t>8</a:t>
+            </a:fld>
+            <a:endParaRPr lang="en-GB"/>
+          </a:p>
+        </p:txBody>
+      </p:sp>
+    </p:spTree>
+    <p:extLst>
+      <p:ext uri="{BB962C8B-B14F-4D97-AF65-F5344CB8AC3E}">
+        <p14:creationId xmlns:p14="http://schemas.microsoft.com/office/powerpoint/2010/main" val="3094920532"/>
+      </p:ext>
+    </p:extLst>
+  </p:cSld>
+  <p:clrMapOvr>
+    <a:masterClrMapping/>
+  </p:clrMapOvr>
+</p:notes>
+</file>
+
+<file path=ppt/notesSlides/notesSlide9.xml><?xml version="1.0" encoding="utf-8"?>
+<p:notes xmlns:a="http://schemas.openxmlformats.org/drawingml/2006/main" xmlns:r="http://schemas.openxmlformats.org/officeDocument/2006/relationships" xmlns:p="http://schemas.openxmlformats.org/presentationml/2006/main">
+  <p:cSld>
+    <p:spTree>
+      <p:nvGrpSpPr>
+        <p:cNvPr id="1" name=""/>
+        <p:cNvGrpSpPr/>
+        <p:nvPr/>
+      </p:nvGrpSpPr>
+      <p:grpSpPr>
+        <a:xfrm>
+          <a:off x="0" y="0"/>
+          <a:ext cx="0" cy="0"/>
+          <a:chOff x="0" y="0"/>
+          <a:chExt cx="0" cy="0"/>
+        </a:xfrm>
+      </p:grpSpPr>
+      <p:sp>
+        <p:nvSpPr>
+          <p:cNvPr id="2" name="Slide Image Placeholder 1"/>
+          <p:cNvSpPr>
+            <a:spLocks noGrp="1" noRot="1" noChangeAspect="1"/>
+          </p:cNvSpPr>
+          <p:nvPr>
+            <p:ph type="sldImg"/>
+          </p:nvPr>
+        </p:nvSpPr>
+        <p:spPr/>
+      </p:sp>
+      <p:sp>
+        <p:nvSpPr>
+          <p:cNvPr id="3" name="Notes Placeholder 2"/>
+          <p:cNvSpPr>
+            <a:spLocks noGrp="1"/>
+          </p:cNvSpPr>
+          <p:nvPr>
+            <p:ph type="body" idx="1"/>
+          </p:nvPr>
+        </p:nvSpPr>
+        <p:spPr/>
+        <p:txBody>
+          <a:bodyPr/>
+          <a:lstStyle/>
+          <a:p>
+            <a:r>
+              <a:rPr lang="en-GB" dirty="0"/>
+              <a:t>So here it is obvious the balls are more correctly categorised, and effectively, the entropy is lower in this case.</a:t>
+            </a:r>
+          </a:p>
+          <a:p>
+            <a:r>
+              <a:rPr lang="en-GB" dirty="0"/>
+              <a:t>Knowing this property, the decision tree tries different attributes and test their Information Gain, this is the change in entropy. The attribute that can lower the most our uncertainty data will be our best choice.</a:t>
+            </a:r>
+          </a:p>
+          <a:p>
+            <a:r>
+              <a:rPr lang="en-GB" dirty="0"/>
+              <a:t>C4.5 really does the same thing, only that it optimises some biases that ID3 can have.</a:t>
+            </a:r>
+          </a:p>
+          <a:p>
+            <a:endParaRPr lang="en-US" dirty="0"/>
+          </a:p>
+        </p:txBody>
+      </p:sp>
+      <p:sp>
+        <p:nvSpPr>
+          <p:cNvPr id="4" name="Slide Number Placeholder 3"/>
+          <p:cNvSpPr>
+            <a:spLocks noGrp="1"/>
+          </p:cNvSpPr>
+          <p:nvPr>
+            <p:ph type="sldNum" sz="quarter" idx="5"/>
+          </p:nvPr>
+        </p:nvSpPr>
+        <p:spPr/>
+        <p:txBody>
+          <a:bodyPr/>
+          <a:lstStyle/>
+          <a:p>
+            <a:fld id="{76682F04-6A67-4696-8350-ADB5B2C9822D}" type="slidenum">
+              <a:rPr lang="en-GB" smtClean="0"/>
+              <a:t>9</a:t>
+            </a:fld>
+            <a:endParaRPr lang="en-GB"/>
+          </a:p>
+        </p:txBody>
+      </p:sp>
+    </p:spTree>
+    <p:extLst>
+      <p:ext uri="{BB962C8B-B14F-4D97-AF65-F5344CB8AC3E}">
+        <p14:creationId xmlns:p14="http://schemas.microsoft.com/office/powerpoint/2010/main" val="347884135"/>
       </p:ext>
     </p:extLst>
   </p:cSld>
@@ -2116,7 +2514,7 @@
           <a:noFill/>
           <a:extLst>
             <a:ext uri="{909E8E84-426E-40dd-AFC4-6F175D3DCCD1}">
-              <a14:hiddenFill xmlns:a14="http://schemas.microsoft.com/office/drawing/2010/main" xmlns="">
+              <a14:hiddenFill xmlns="" xmlns:a14="http://schemas.microsoft.com/office/drawing/2010/main">
                 <a:solidFill>
                   <a:srgbClr val="FFFFFF"/>
                 </a:solidFill>
@@ -2176,7 +2574,7 @@
             </a:ln>
             <a:extLst>
               <a:ext uri="{91240B29-F687-4f45-9708-019B960494DF}">
-                <a14:hiddenLine xmlns:a14="http://schemas.microsoft.com/office/drawing/2010/main" xmlns="" w="9525">
+                <a14:hiddenLine xmlns="" xmlns:a14="http://schemas.microsoft.com/office/drawing/2010/main" w="9525">
                   <a:solidFill>
                     <a:srgbClr val="000000"/>
                   </a:solidFill>
@@ -2266,7 +2664,7 @@
             </a:ln>
             <a:extLst>
               <a:ext uri="{91240B29-F687-4f45-9708-019B960494DF}">
-                <a14:hiddenLine xmlns:a14="http://schemas.microsoft.com/office/drawing/2010/main" xmlns="" w="9525">
+                <a14:hiddenLine xmlns="" xmlns:a14="http://schemas.microsoft.com/office/drawing/2010/main" w="9525">
                   <a:solidFill>
                     <a:srgbClr val="000000"/>
                   </a:solidFill>
@@ -2356,7 +2754,7 @@
             </a:ln>
             <a:extLst>
               <a:ext uri="{91240B29-F687-4f45-9708-019B960494DF}">
-                <a14:hiddenLine xmlns:a14="http://schemas.microsoft.com/office/drawing/2010/main" xmlns="" w="9525">
+                <a14:hiddenLine xmlns="" xmlns:a14="http://schemas.microsoft.com/office/drawing/2010/main" w="9525">
                   <a:solidFill>
                     <a:srgbClr val="000000"/>
                   </a:solidFill>
@@ -2390,7 +2788,7 @@
             </a:ln>
             <a:extLst>
               <a:ext uri="{91240B29-F687-4f45-9708-019B960494DF}">
-                <a14:hiddenLine xmlns:a14="http://schemas.microsoft.com/office/drawing/2010/main" xmlns="" w="9525">
+                <a14:hiddenLine xmlns="" xmlns:a14="http://schemas.microsoft.com/office/drawing/2010/main" w="9525">
                   <a:solidFill>
                     <a:srgbClr val="000000"/>
                   </a:solidFill>
@@ -2480,7 +2878,7 @@
             </a:ln>
             <a:extLst>
               <a:ext uri="{91240B29-F687-4f45-9708-019B960494DF}">
-                <a14:hiddenLine xmlns:a14="http://schemas.microsoft.com/office/drawing/2010/main" xmlns="" w="9525">
+                <a14:hiddenLine xmlns="" xmlns:a14="http://schemas.microsoft.com/office/drawing/2010/main" w="9525">
                   <a:solidFill>
                     <a:srgbClr val="000000"/>
                   </a:solidFill>
@@ -2542,7 +2940,7 @@
             </a:ln>
             <a:extLst>
               <a:ext uri="{91240B29-F687-4f45-9708-019B960494DF}">
-                <a14:hiddenLine xmlns:a14="http://schemas.microsoft.com/office/drawing/2010/main" xmlns="" w="9525">
+                <a14:hiddenLine xmlns="" xmlns:a14="http://schemas.microsoft.com/office/drawing/2010/main" w="9525">
                   <a:solidFill>
                     <a:srgbClr val="000000"/>
                   </a:solidFill>
@@ -2604,7 +3002,7 @@
             </a:ln>
             <a:extLst>
               <a:ext uri="{91240B29-F687-4f45-9708-019B960494DF}">
-                <a14:hiddenLine xmlns:a14="http://schemas.microsoft.com/office/drawing/2010/main" xmlns="" w="9525">
+                <a14:hiddenLine xmlns="" xmlns:a14="http://schemas.microsoft.com/office/drawing/2010/main" w="9525">
                   <a:solidFill>
                     <a:srgbClr val="000000"/>
                   </a:solidFill>
@@ -2694,7 +3092,7 @@
             </a:ln>
             <a:extLst>
               <a:ext uri="{91240B29-F687-4f45-9708-019B960494DF}">
-                <a14:hiddenLine xmlns:a14="http://schemas.microsoft.com/office/drawing/2010/main" xmlns="" w="9525">
+                <a14:hiddenLine xmlns="" xmlns:a14="http://schemas.microsoft.com/office/drawing/2010/main" w="9525">
                   <a:solidFill>
                     <a:srgbClr val="000000"/>
                   </a:solidFill>
@@ -2756,7 +3154,7 @@
             </a:ln>
             <a:extLst>
               <a:ext uri="{91240B29-F687-4f45-9708-019B960494DF}">
-                <a14:hiddenLine xmlns:a14="http://schemas.microsoft.com/office/drawing/2010/main" xmlns="" w="9525">
+                <a14:hiddenLine xmlns="" xmlns:a14="http://schemas.microsoft.com/office/drawing/2010/main" w="9525">
                   <a:solidFill>
                     <a:srgbClr val="000000"/>
                   </a:solidFill>
@@ -2818,7 +3216,7 @@
             </a:ln>
             <a:extLst>
               <a:ext uri="{91240B29-F687-4f45-9708-019B960494DF}">
-                <a14:hiddenLine xmlns:a14="http://schemas.microsoft.com/office/drawing/2010/main" xmlns="" w="9525">
+                <a14:hiddenLine xmlns="" xmlns:a14="http://schemas.microsoft.com/office/drawing/2010/main" w="9525">
                   <a:solidFill>
                     <a:srgbClr val="000000"/>
                   </a:solidFill>
@@ -2908,7 +3306,7 @@
             </a:ln>
             <a:extLst>
               <a:ext uri="{91240B29-F687-4f45-9708-019B960494DF}">
-                <a14:hiddenLine xmlns:a14="http://schemas.microsoft.com/office/drawing/2010/main" xmlns="" w="9525">
+                <a14:hiddenLine xmlns="" xmlns:a14="http://schemas.microsoft.com/office/drawing/2010/main" w="9525">
                   <a:solidFill>
                     <a:srgbClr val="000000"/>
                   </a:solidFill>
@@ -2998,7 +3396,7 @@
             </a:ln>
             <a:extLst>
               <a:ext uri="{91240B29-F687-4f45-9708-019B960494DF}">
-                <a14:hiddenLine xmlns:a14="http://schemas.microsoft.com/office/drawing/2010/main" xmlns="" w="9525">
+                <a14:hiddenLine xmlns="" xmlns:a14="http://schemas.microsoft.com/office/drawing/2010/main" w="9525">
                   <a:solidFill>
                     <a:srgbClr val="000000"/>
                   </a:solidFill>
@@ -3060,7 +3458,7 @@
             </a:ln>
             <a:extLst>
               <a:ext uri="{91240B29-F687-4f45-9708-019B960494DF}">
-                <a14:hiddenLine xmlns:a14="http://schemas.microsoft.com/office/drawing/2010/main" xmlns="" w="9525">
+                <a14:hiddenLine xmlns="" xmlns:a14="http://schemas.microsoft.com/office/drawing/2010/main" w="9525">
                   <a:solidFill>
                     <a:srgbClr val="000000"/>
                   </a:solidFill>
@@ -3170,7 +3568,7 @@
             </a:ln>
             <a:extLst>
               <a:ext uri="{91240B29-F687-4f45-9708-019B960494DF}">
-                <a14:hiddenLine xmlns:a14="http://schemas.microsoft.com/office/drawing/2010/main" xmlns="" w="9525">
+                <a14:hiddenLine xmlns="" xmlns:a14="http://schemas.microsoft.com/office/drawing/2010/main" w="9525">
                   <a:solidFill>
                     <a:srgbClr val="000000"/>
                   </a:solidFill>
@@ -3232,7 +3630,7 @@
             </a:ln>
             <a:extLst>
               <a:ext uri="{91240B29-F687-4f45-9708-019B960494DF}">
-                <a14:hiddenLine xmlns:a14="http://schemas.microsoft.com/office/drawing/2010/main" xmlns="" w="9525">
+                <a14:hiddenLine xmlns="" xmlns:a14="http://schemas.microsoft.com/office/drawing/2010/main" w="9525">
                   <a:solidFill>
                     <a:srgbClr val="000000"/>
                   </a:solidFill>
@@ -3322,7 +3720,7 @@
             </a:ln>
             <a:extLst>
               <a:ext uri="{91240B29-F687-4f45-9708-019B960494DF}">
-                <a14:hiddenLine xmlns:a14="http://schemas.microsoft.com/office/drawing/2010/main" xmlns="" w="9525">
+                <a14:hiddenLine xmlns="" xmlns:a14="http://schemas.microsoft.com/office/drawing/2010/main" w="9525">
                   <a:solidFill>
                     <a:srgbClr val="000000"/>
                   </a:solidFill>
@@ -3412,7 +3810,7 @@
             </a:ln>
             <a:extLst>
               <a:ext uri="{91240B29-F687-4f45-9708-019B960494DF}">
-                <a14:hiddenLine xmlns:a14="http://schemas.microsoft.com/office/drawing/2010/main" xmlns="" w="9525">
+                <a14:hiddenLine xmlns="" xmlns:a14="http://schemas.microsoft.com/office/drawing/2010/main" w="9525">
                   <a:solidFill>
                     <a:srgbClr val="000000"/>
                   </a:solidFill>
@@ -3474,7 +3872,7 @@
             </a:ln>
             <a:extLst>
               <a:ext uri="{91240B29-F687-4f45-9708-019B960494DF}">
-                <a14:hiddenLine xmlns:a14="http://schemas.microsoft.com/office/drawing/2010/main" xmlns="" w="9525">
+                <a14:hiddenLine xmlns="" xmlns:a14="http://schemas.microsoft.com/office/drawing/2010/main" w="9525">
                   <a:solidFill>
                     <a:srgbClr val="000000"/>
                   </a:solidFill>
@@ -3564,7 +3962,7 @@
             </a:ln>
             <a:extLst>
               <a:ext uri="{91240B29-F687-4f45-9708-019B960494DF}">
-                <a14:hiddenLine xmlns:a14="http://schemas.microsoft.com/office/drawing/2010/main" xmlns="" w="9525">
+                <a14:hiddenLine xmlns="" xmlns:a14="http://schemas.microsoft.com/office/drawing/2010/main" w="9525">
                   <a:solidFill>
                     <a:srgbClr val="000000"/>
                   </a:solidFill>
@@ -3654,7 +4052,7 @@
             </a:ln>
             <a:extLst>
               <a:ext uri="{91240B29-F687-4f45-9708-019B960494DF}">
-                <a14:hiddenLine xmlns:a14="http://schemas.microsoft.com/office/drawing/2010/main" xmlns="" w="9525">
+                <a14:hiddenLine xmlns="" xmlns:a14="http://schemas.microsoft.com/office/drawing/2010/main" w="9525">
                   <a:solidFill>
                     <a:srgbClr val="000000"/>
                   </a:solidFill>
@@ -3710,7 +4108,7 @@
             </a:ln>
             <a:extLst>
               <a:ext uri="{91240B29-F687-4f45-9708-019B960494DF}">
-                <a14:hiddenLine xmlns:a14="http://schemas.microsoft.com/office/drawing/2010/main" xmlns="" w="9525">
+                <a14:hiddenLine xmlns="" xmlns:a14="http://schemas.microsoft.com/office/drawing/2010/main" w="9525">
                   <a:solidFill>
                     <a:srgbClr val="000000"/>
                   </a:solidFill>
@@ -3800,7 +4198,7 @@
             </a:ln>
             <a:extLst>
               <a:ext uri="{91240B29-F687-4f45-9708-019B960494DF}">
-                <a14:hiddenLine xmlns:a14="http://schemas.microsoft.com/office/drawing/2010/main" xmlns="" w="9525">
+                <a14:hiddenLine xmlns="" xmlns:a14="http://schemas.microsoft.com/office/drawing/2010/main" w="9525">
                   <a:solidFill>
                     <a:srgbClr val="000000"/>
                   </a:solidFill>
@@ -3856,7 +4254,7 @@
             </a:ln>
             <a:extLst>
               <a:ext uri="{91240B29-F687-4f45-9708-019B960494DF}">
-                <a14:hiddenLine xmlns:a14="http://schemas.microsoft.com/office/drawing/2010/main" xmlns="" w="9525">
+                <a14:hiddenLine xmlns="" xmlns:a14="http://schemas.microsoft.com/office/drawing/2010/main" w="9525">
                   <a:solidFill>
                     <a:srgbClr val="000000"/>
                   </a:solidFill>
@@ -3946,7 +4344,7 @@
             </a:ln>
             <a:extLst>
               <a:ext uri="{91240B29-F687-4f45-9708-019B960494DF}">
-                <a14:hiddenLine xmlns:a14="http://schemas.microsoft.com/office/drawing/2010/main" xmlns="" w="9525">
+                <a14:hiddenLine xmlns="" xmlns:a14="http://schemas.microsoft.com/office/drawing/2010/main" w="9525">
                   <a:solidFill>
                     <a:srgbClr val="000000"/>
                   </a:solidFill>
@@ -4014,7 +4412,7 @@
             </a:ln>
             <a:extLst>
               <a:ext uri="{91240B29-F687-4f45-9708-019B960494DF}">
-                <a14:hiddenLine xmlns:a14="http://schemas.microsoft.com/office/drawing/2010/main" xmlns="" w="9525">
+                <a14:hiddenLine xmlns="" xmlns:a14="http://schemas.microsoft.com/office/drawing/2010/main" w="9525">
                   <a:solidFill>
                     <a:srgbClr val="000000"/>
                   </a:solidFill>
@@ -4104,7 +4502,7 @@
             </a:ln>
             <a:extLst>
               <a:ext uri="{91240B29-F687-4f45-9708-019B960494DF}">
-                <a14:hiddenLine xmlns:a14="http://schemas.microsoft.com/office/drawing/2010/main" xmlns="" w="9525">
+                <a14:hiddenLine xmlns="" xmlns:a14="http://schemas.microsoft.com/office/drawing/2010/main" w="9525">
                   <a:solidFill>
                     <a:srgbClr val="000000"/>
                   </a:solidFill>
@@ -4172,7 +4570,7 @@
             </a:ln>
             <a:extLst>
               <a:ext uri="{91240B29-F687-4f45-9708-019B960494DF}">
-                <a14:hiddenLine xmlns:a14="http://schemas.microsoft.com/office/drawing/2010/main" xmlns="" w="9525">
+                <a14:hiddenLine xmlns="" xmlns:a14="http://schemas.microsoft.com/office/drawing/2010/main" w="9525">
                   <a:solidFill>
                     <a:srgbClr val="000000"/>
                   </a:solidFill>
@@ -4262,7 +4660,7 @@
             </a:ln>
             <a:extLst>
               <a:ext uri="{91240B29-F687-4f45-9708-019B960494DF}">
-                <a14:hiddenLine xmlns:a14="http://schemas.microsoft.com/office/drawing/2010/main" xmlns="" w="9525">
+                <a14:hiddenLine xmlns="" xmlns:a14="http://schemas.microsoft.com/office/drawing/2010/main" w="9525">
                   <a:solidFill>
                     <a:srgbClr val="000000"/>
                   </a:solidFill>
@@ -4296,7 +4694,7 @@
             </a:ln>
             <a:extLst>
               <a:ext uri="{91240B29-F687-4f45-9708-019B960494DF}">
-                <a14:hiddenLine xmlns:a14="http://schemas.microsoft.com/office/drawing/2010/main" xmlns="" w="9525">
+                <a14:hiddenLine xmlns="" xmlns:a14="http://schemas.microsoft.com/office/drawing/2010/main" w="9525">
                   <a:solidFill>
                     <a:srgbClr val="000000"/>
                   </a:solidFill>
@@ -4386,7 +4784,7 @@
             </a:ln>
             <a:extLst>
               <a:ext uri="{91240B29-F687-4f45-9708-019B960494DF}">
-                <a14:hiddenLine xmlns:a14="http://schemas.microsoft.com/office/drawing/2010/main" xmlns="" w="9525">
+                <a14:hiddenLine xmlns="" xmlns:a14="http://schemas.microsoft.com/office/drawing/2010/main" w="9525">
                   <a:solidFill>
                     <a:srgbClr val="000000"/>
                   </a:solidFill>
@@ -4448,7 +4846,7 @@
             </a:ln>
             <a:extLst>
               <a:ext uri="{91240B29-F687-4f45-9708-019B960494DF}">
-                <a14:hiddenLine xmlns:a14="http://schemas.microsoft.com/office/drawing/2010/main" xmlns="" w="9525">
+                <a14:hiddenLine xmlns="" xmlns:a14="http://schemas.microsoft.com/office/drawing/2010/main" w="9525">
                   <a:solidFill>
                     <a:srgbClr val="000000"/>
                   </a:solidFill>
@@ -4510,7 +4908,7 @@
             </a:ln>
             <a:extLst>
               <a:ext uri="{91240B29-F687-4f45-9708-019B960494DF}">
-                <a14:hiddenLine xmlns:a14="http://schemas.microsoft.com/office/drawing/2010/main" xmlns="" w="9525">
+                <a14:hiddenLine xmlns="" xmlns:a14="http://schemas.microsoft.com/office/drawing/2010/main" w="9525">
                   <a:solidFill>
                     <a:srgbClr val="000000"/>
                   </a:solidFill>
@@ -4600,7 +4998,7 @@
             </a:ln>
             <a:extLst>
               <a:ext uri="{91240B29-F687-4f45-9708-019B960494DF}">
-                <a14:hiddenLine xmlns:a14="http://schemas.microsoft.com/office/drawing/2010/main" xmlns="" w="9525">
+                <a14:hiddenLine xmlns="" xmlns:a14="http://schemas.microsoft.com/office/drawing/2010/main" w="9525">
                   <a:solidFill>
                     <a:srgbClr val="000000"/>
                   </a:solidFill>
@@ -4668,7 +5066,7 @@
             </a:ln>
             <a:extLst>
               <a:ext uri="{91240B29-F687-4f45-9708-019B960494DF}">
-                <a14:hiddenLine xmlns:a14="http://schemas.microsoft.com/office/drawing/2010/main" xmlns="" w="9525">
+                <a14:hiddenLine xmlns="" xmlns:a14="http://schemas.microsoft.com/office/drawing/2010/main" w="9525">
                   <a:solidFill>
                     <a:srgbClr val="000000"/>
                   </a:solidFill>
@@ -4730,7 +5128,7 @@
             </a:ln>
             <a:extLst>
               <a:ext uri="{91240B29-F687-4f45-9708-019B960494DF}">
-                <a14:hiddenLine xmlns:a14="http://schemas.microsoft.com/office/drawing/2010/main" xmlns="" w="9525">
+                <a14:hiddenLine xmlns="" xmlns:a14="http://schemas.microsoft.com/office/drawing/2010/main" w="9525">
                   <a:solidFill>
                     <a:srgbClr val="000000"/>
                   </a:solidFill>
@@ -4820,7 +5218,7 @@
             </a:ln>
             <a:extLst>
               <a:ext uri="{91240B29-F687-4f45-9708-019B960494DF}">
-                <a14:hiddenLine xmlns:a14="http://schemas.microsoft.com/office/drawing/2010/main" xmlns="" w="9525">
+                <a14:hiddenLine xmlns="" xmlns:a14="http://schemas.microsoft.com/office/drawing/2010/main" w="9525">
                   <a:solidFill>
                     <a:srgbClr val="000000"/>
                   </a:solidFill>
@@ -4882,7 +5280,7 @@
             </a:ln>
             <a:extLst>
               <a:ext uri="{91240B29-F687-4f45-9708-019B960494DF}">
-                <a14:hiddenLine xmlns:a14="http://schemas.microsoft.com/office/drawing/2010/main" xmlns="" w="9525">
+                <a14:hiddenLine xmlns="" xmlns:a14="http://schemas.microsoft.com/office/drawing/2010/main" w="9525">
                   <a:solidFill>
                     <a:srgbClr val="000000"/>
                   </a:solidFill>
@@ -4972,7 +5370,7 @@
             </a:ln>
             <a:extLst>
               <a:ext uri="{91240B29-F687-4f45-9708-019B960494DF}">
-                <a14:hiddenLine xmlns:a14="http://schemas.microsoft.com/office/drawing/2010/main" xmlns="" w="9525">
+                <a14:hiddenLine xmlns="" xmlns:a14="http://schemas.microsoft.com/office/drawing/2010/main" w="9525">
                   <a:solidFill>
                     <a:srgbClr val="000000"/>
                   </a:solidFill>
@@ -5034,7 +5432,7 @@
             </a:ln>
             <a:extLst>
               <a:ext uri="{91240B29-F687-4f45-9708-019B960494DF}">
-                <a14:hiddenLine xmlns:a14="http://schemas.microsoft.com/office/drawing/2010/main" xmlns="" w="9525">
+                <a14:hiddenLine xmlns="" xmlns:a14="http://schemas.microsoft.com/office/drawing/2010/main" w="9525">
                   <a:solidFill>
                     <a:srgbClr val="000000"/>
                   </a:solidFill>
@@ -5124,7 +5522,7 @@
             </a:ln>
             <a:extLst>
               <a:ext uri="{91240B29-F687-4f45-9708-019B960494DF}">
-                <a14:hiddenLine xmlns:a14="http://schemas.microsoft.com/office/drawing/2010/main" xmlns="" w="9525">
+                <a14:hiddenLine xmlns="" xmlns:a14="http://schemas.microsoft.com/office/drawing/2010/main" w="9525">
                   <a:solidFill>
                     <a:srgbClr val="000000"/>
                   </a:solidFill>
@@ -5158,7 +5556,7 @@
             </a:ln>
             <a:extLst>
               <a:ext uri="{91240B29-F687-4f45-9708-019B960494DF}">
-                <a14:hiddenLine xmlns:a14="http://schemas.microsoft.com/office/drawing/2010/main" xmlns="" w="9525">
+                <a14:hiddenLine xmlns="" xmlns:a14="http://schemas.microsoft.com/office/drawing/2010/main" w="9525">
                   <a:solidFill>
                     <a:srgbClr val="000000"/>
                   </a:solidFill>
@@ -5223,7 +5621,7 @@
             </a:ln>
             <a:extLst>
               <a:ext uri="{91240B29-F687-4f45-9708-019B960494DF}">
-                <a14:hiddenLine xmlns:a14="http://schemas.microsoft.com/office/drawing/2010/main" xmlns="" w="9525">
+                <a14:hiddenLine xmlns="" xmlns:a14="http://schemas.microsoft.com/office/drawing/2010/main" w="9525">
                   <a:solidFill>
                     <a:srgbClr val="000000"/>
                   </a:solidFill>
@@ -5313,7 +5711,7 @@
             </a:ln>
             <a:extLst>
               <a:ext uri="{91240B29-F687-4f45-9708-019B960494DF}">
-                <a14:hiddenLine xmlns:a14="http://schemas.microsoft.com/office/drawing/2010/main" xmlns="" w="9525">
+                <a14:hiddenLine xmlns="" xmlns:a14="http://schemas.microsoft.com/office/drawing/2010/main" w="9525">
                   <a:solidFill>
                     <a:srgbClr val="000000"/>
                   </a:solidFill>
@@ -5375,7 +5773,7 @@
             </a:ln>
             <a:extLst>
               <a:ext uri="{91240B29-F687-4f45-9708-019B960494DF}">
-                <a14:hiddenLine xmlns:a14="http://schemas.microsoft.com/office/drawing/2010/main" xmlns="" w="9525">
+                <a14:hiddenLine xmlns="" xmlns:a14="http://schemas.microsoft.com/office/drawing/2010/main" w="9525">
                   <a:solidFill>
                     <a:srgbClr val="000000"/>
                   </a:solidFill>
@@ -5465,7 +5863,7 @@
             </a:ln>
             <a:extLst>
               <a:ext uri="{91240B29-F687-4f45-9708-019B960494DF}">
-                <a14:hiddenLine xmlns:a14="http://schemas.microsoft.com/office/drawing/2010/main" xmlns="" w="9525">
+                <a14:hiddenLine xmlns="" xmlns:a14="http://schemas.microsoft.com/office/drawing/2010/main" w="9525">
                   <a:solidFill>
                     <a:srgbClr val="000000"/>
                   </a:solidFill>
@@ -5555,7 +5953,7 @@
             </a:ln>
             <a:extLst>
               <a:ext uri="{91240B29-F687-4f45-9708-019B960494DF}">
-                <a14:hiddenLine xmlns:a14="http://schemas.microsoft.com/office/drawing/2010/main" xmlns="" w="9525">
+                <a14:hiddenLine xmlns="" xmlns:a14="http://schemas.microsoft.com/office/drawing/2010/main" w="9525">
                   <a:solidFill>
                     <a:srgbClr val="000000"/>
                   </a:solidFill>
@@ -5620,7 +6018,7 @@
             </a:ln>
             <a:extLst>
               <a:ext uri="{91240B29-F687-4f45-9708-019B960494DF}">
-                <a14:hiddenLine xmlns:a14="http://schemas.microsoft.com/office/drawing/2010/main" xmlns="" w="9525">
+                <a14:hiddenLine xmlns="" xmlns:a14="http://schemas.microsoft.com/office/drawing/2010/main" w="9525">
                   <a:solidFill>
                     <a:srgbClr val="000000"/>
                   </a:solidFill>
@@ -5682,7 +6080,7 @@
             </a:ln>
             <a:extLst>
               <a:ext uri="{91240B29-F687-4f45-9708-019B960494DF}">
-                <a14:hiddenLine xmlns:a14="http://schemas.microsoft.com/office/drawing/2010/main" xmlns="" w="9525">
+                <a14:hiddenLine xmlns="" xmlns:a14="http://schemas.microsoft.com/office/drawing/2010/main" w="9525">
                   <a:solidFill>
                     <a:srgbClr val="000000"/>
                   </a:solidFill>
@@ -5772,7 +6170,7 @@
             </a:ln>
             <a:extLst>
               <a:ext uri="{91240B29-F687-4f45-9708-019B960494DF}">
-                <a14:hiddenLine xmlns:a14="http://schemas.microsoft.com/office/drawing/2010/main" xmlns="" w="9525">
+                <a14:hiddenLine xmlns="" xmlns:a14="http://schemas.microsoft.com/office/drawing/2010/main" w="9525">
                   <a:solidFill>
                     <a:srgbClr val="000000"/>
                   </a:solidFill>
@@ -5862,7 +6260,7 @@
             </a:ln>
             <a:extLst>
               <a:ext uri="{91240B29-F687-4f45-9708-019B960494DF}">
-                <a14:hiddenLine xmlns:a14="http://schemas.microsoft.com/office/drawing/2010/main" xmlns="" w="9525">
+                <a14:hiddenLine xmlns="" xmlns:a14="http://schemas.microsoft.com/office/drawing/2010/main" w="9525">
                   <a:solidFill>
                     <a:srgbClr val="000000"/>
                   </a:solidFill>
@@ -5924,7 +6322,7 @@
             </a:ln>
             <a:extLst>
               <a:ext uri="{91240B29-F687-4f45-9708-019B960494DF}">
-                <a14:hiddenLine xmlns:a14="http://schemas.microsoft.com/office/drawing/2010/main" xmlns="" w="9525">
+                <a14:hiddenLine xmlns="" xmlns:a14="http://schemas.microsoft.com/office/drawing/2010/main" w="9525">
                   <a:solidFill>
                     <a:srgbClr val="000000"/>
                   </a:solidFill>
@@ -6044,7 +6442,7 @@
             </a:ln>
             <a:extLst>
               <a:ext uri="{91240B29-F687-4f45-9708-019B960494DF}">
-                <a14:hiddenLine xmlns:a14="http://schemas.microsoft.com/office/drawing/2010/main" xmlns="" w="9525">
+                <a14:hiddenLine xmlns="" xmlns:a14="http://schemas.microsoft.com/office/drawing/2010/main" w="9525">
                   <a:solidFill>
                     <a:srgbClr val="000000"/>
                   </a:solidFill>
@@ -6112,7 +6510,7 @@
             </a:ln>
             <a:extLst>
               <a:ext uri="{91240B29-F687-4f45-9708-019B960494DF}">
-                <a14:hiddenLine xmlns:a14="http://schemas.microsoft.com/office/drawing/2010/main" xmlns="" w="9525">
+                <a14:hiddenLine xmlns="" xmlns:a14="http://schemas.microsoft.com/office/drawing/2010/main" w="9525">
                   <a:solidFill>
                     <a:srgbClr val="000000"/>
                   </a:solidFill>
@@ -6202,7 +6600,7 @@
             </a:ln>
             <a:extLst>
               <a:ext uri="{91240B29-F687-4f45-9708-019B960494DF}">
-                <a14:hiddenLine xmlns:a14="http://schemas.microsoft.com/office/drawing/2010/main" xmlns="" w="9525">
+                <a14:hiddenLine xmlns="" xmlns:a14="http://schemas.microsoft.com/office/drawing/2010/main" w="9525">
                   <a:solidFill>
                     <a:srgbClr val="000000"/>
                   </a:solidFill>
@@ -11004,7 +11402,7 @@
           <a:noFill/>
           <a:extLst>
             <a:ext uri="{909E8E84-426E-40dd-AFC4-6F175D3DCCD1}">
-              <a14:hiddenFill xmlns:a14="http://schemas.microsoft.com/office/drawing/2010/main" xmlns="">
+              <a14:hiddenFill xmlns="" xmlns:a14="http://schemas.microsoft.com/office/drawing/2010/main">
                 <a:solidFill>
                   <a:srgbClr val="FFFFFF"/>
                 </a:solidFill>
@@ -11078,7 +11476,7 @@
               </a:ln>
               <a:extLst>
                 <a:ext uri="{91240B29-F687-4f45-9708-019B960494DF}">
-                  <a14:hiddenLine xmlns:a14="http://schemas.microsoft.com/office/drawing/2010/main" xmlns="" w="9525">
+                  <a14:hiddenLine xmlns="" xmlns:a14="http://schemas.microsoft.com/office/drawing/2010/main" w="9525">
                     <a:solidFill>
                       <a:srgbClr val="000000"/>
                     </a:solidFill>
@@ -11168,7 +11566,7 @@
               </a:ln>
               <a:extLst>
                 <a:ext uri="{91240B29-F687-4f45-9708-019B960494DF}">
-                  <a14:hiddenLine xmlns:a14="http://schemas.microsoft.com/office/drawing/2010/main" xmlns="" w="9525">
+                  <a14:hiddenLine xmlns="" xmlns:a14="http://schemas.microsoft.com/office/drawing/2010/main" w="9525">
                     <a:solidFill>
                       <a:srgbClr val="000000"/>
                     </a:solidFill>
@@ -11258,7 +11656,7 @@
               </a:ln>
               <a:extLst>
                 <a:ext uri="{91240B29-F687-4f45-9708-019B960494DF}">
-                  <a14:hiddenLine xmlns:a14="http://schemas.microsoft.com/office/drawing/2010/main" xmlns="" w="9525">
+                  <a14:hiddenLine xmlns="" xmlns:a14="http://schemas.microsoft.com/office/drawing/2010/main" w="9525">
                     <a:solidFill>
                       <a:srgbClr val="000000"/>
                     </a:solidFill>
@@ -11320,7 +11718,7 @@
               </a:ln>
               <a:extLst>
                 <a:ext uri="{91240B29-F687-4f45-9708-019B960494DF}">
-                  <a14:hiddenLine xmlns:a14="http://schemas.microsoft.com/office/drawing/2010/main" xmlns="" w="9525">
+                  <a14:hiddenLine xmlns="" xmlns:a14="http://schemas.microsoft.com/office/drawing/2010/main" w="9525">
                     <a:solidFill>
                       <a:srgbClr val="000000"/>
                     </a:solidFill>
@@ -11410,7 +11808,7 @@
               </a:ln>
               <a:extLst>
                 <a:ext uri="{91240B29-F687-4f45-9708-019B960494DF}">
-                  <a14:hiddenLine xmlns:a14="http://schemas.microsoft.com/office/drawing/2010/main" xmlns="" w="9525">
+                  <a14:hiddenLine xmlns="" xmlns:a14="http://schemas.microsoft.com/office/drawing/2010/main" w="9525">
                     <a:solidFill>
                       <a:srgbClr val="000000"/>
                     </a:solidFill>
@@ -11472,7 +11870,7 @@
               </a:ln>
               <a:extLst>
                 <a:ext uri="{91240B29-F687-4f45-9708-019B960494DF}">
-                  <a14:hiddenLine xmlns:a14="http://schemas.microsoft.com/office/drawing/2010/main" xmlns="" w="9525">
+                  <a14:hiddenLine xmlns="" xmlns:a14="http://schemas.microsoft.com/office/drawing/2010/main" w="9525">
                     <a:solidFill>
                       <a:srgbClr val="000000"/>
                     </a:solidFill>
@@ -11534,7 +11932,7 @@
               </a:ln>
               <a:extLst>
                 <a:ext uri="{91240B29-F687-4f45-9708-019B960494DF}">
-                  <a14:hiddenLine xmlns:a14="http://schemas.microsoft.com/office/drawing/2010/main" xmlns="" w="9525">
+                  <a14:hiddenLine xmlns="" xmlns:a14="http://schemas.microsoft.com/office/drawing/2010/main" w="9525">
                     <a:solidFill>
                       <a:srgbClr val="000000"/>
                     </a:solidFill>
@@ -11624,7 +12022,7 @@
               </a:ln>
               <a:extLst>
                 <a:ext uri="{91240B29-F687-4f45-9708-019B960494DF}">
-                  <a14:hiddenLine xmlns:a14="http://schemas.microsoft.com/office/drawing/2010/main" xmlns="" w="9525">
+                  <a14:hiddenLine xmlns="" xmlns:a14="http://schemas.microsoft.com/office/drawing/2010/main" w="9525">
                     <a:solidFill>
                       <a:srgbClr val="000000"/>
                     </a:solidFill>
@@ -11714,7 +12112,7 @@
               </a:ln>
               <a:extLst>
                 <a:ext uri="{91240B29-F687-4f45-9708-019B960494DF}">
-                  <a14:hiddenLine xmlns:a14="http://schemas.microsoft.com/office/drawing/2010/main" xmlns="" w="9525">
+                  <a14:hiddenLine xmlns="" xmlns:a14="http://schemas.microsoft.com/office/drawing/2010/main" w="9525">
                     <a:solidFill>
                       <a:srgbClr val="000000"/>
                     </a:solidFill>
@@ -11776,7 +12174,7 @@
               </a:ln>
               <a:extLst>
                 <a:ext uri="{91240B29-F687-4f45-9708-019B960494DF}">
-                  <a14:hiddenLine xmlns:a14="http://schemas.microsoft.com/office/drawing/2010/main" xmlns="" w="9525">
+                  <a14:hiddenLine xmlns="" xmlns:a14="http://schemas.microsoft.com/office/drawing/2010/main" w="9525">
                     <a:solidFill>
                       <a:srgbClr val="000000"/>
                     </a:solidFill>
@@ -11886,7 +12284,7 @@
               </a:ln>
               <a:extLst>
                 <a:ext uri="{91240B29-F687-4f45-9708-019B960494DF}">
-                  <a14:hiddenLine xmlns:a14="http://schemas.microsoft.com/office/drawing/2010/main" xmlns="" w="9525">
+                  <a14:hiddenLine xmlns="" xmlns:a14="http://schemas.microsoft.com/office/drawing/2010/main" w="9525">
                     <a:solidFill>
                       <a:srgbClr val="000000"/>
                     </a:solidFill>
@@ -11970,7 +12368,7 @@
               </a:ln>
               <a:extLst>
                 <a:ext uri="{91240B29-F687-4f45-9708-019B960494DF}">
-                  <a14:hiddenLine xmlns:a14="http://schemas.microsoft.com/office/drawing/2010/main" xmlns="" w="9525">
+                  <a14:hiddenLine xmlns="" xmlns:a14="http://schemas.microsoft.com/office/drawing/2010/main" w="9525">
                     <a:solidFill>
                       <a:srgbClr val="000000"/>
                     </a:solidFill>
@@ -12032,7 +12430,7 @@
               </a:ln>
               <a:extLst>
                 <a:ext uri="{91240B29-F687-4f45-9708-019B960494DF}">
-                  <a14:hiddenLine xmlns:a14="http://schemas.microsoft.com/office/drawing/2010/main" xmlns="" w="9525">
+                  <a14:hiddenLine xmlns="" xmlns:a14="http://schemas.microsoft.com/office/drawing/2010/main" w="9525">
                     <a:solidFill>
                       <a:srgbClr val="000000"/>
                     </a:solidFill>
@@ -12094,7 +12492,7 @@
               </a:ln>
               <a:extLst>
                 <a:ext uri="{91240B29-F687-4f45-9708-019B960494DF}">
-                  <a14:hiddenLine xmlns:a14="http://schemas.microsoft.com/office/drawing/2010/main" xmlns="" w="9525">
+                  <a14:hiddenLine xmlns="" xmlns:a14="http://schemas.microsoft.com/office/drawing/2010/main" w="9525">
                     <a:solidFill>
                       <a:srgbClr val="000000"/>
                     </a:solidFill>
@@ -12184,7 +12582,7 @@
               </a:ln>
               <a:extLst>
                 <a:ext uri="{91240B29-F687-4f45-9708-019B960494DF}">
-                  <a14:hiddenLine xmlns:a14="http://schemas.microsoft.com/office/drawing/2010/main" xmlns="" w="9525">
+                  <a14:hiddenLine xmlns="" xmlns:a14="http://schemas.microsoft.com/office/drawing/2010/main" w="9525">
                     <a:solidFill>
                       <a:srgbClr val="000000"/>
                     </a:solidFill>
@@ -12218,7 +12616,7 @@
               </a:ln>
               <a:extLst>
                 <a:ext uri="{91240B29-F687-4f45-9708-019B960494DF}">
-                  <a14:hiddenLine xmlns:a14="http://schemas.microsoft.com/office/drawing/2010/main" xmlns="" w="9525">
+                  <a14:hiddenLine xmlns="" xmlns:a14="http://schemas.microsoft.com/office/drawing/2010/main" w="9525">
                     <a:solidFill>
                       <a:srgbClr val="000000"/>
                     </a:solidFill>
@@ -12283,7 +12681,7 @@
               </a:ln>
               <a:extLst>
                 <a:ext uri="{91240B29-F687-4f45-9708-019B960494DF}">
-                  <a14:hiddenLine xmlns:a14="http://schemas.microsoft.com/office/drawing/2010/main" xmlns="" w="9525">
+                  <a14:hiddenLine xmlns="" xmlns:a14="http://schemas.microsoft.com/office/drawing/2010/main" w="9525">
                     <a:solidFill>
                       <a:srgbClr val="000000"/>
                     </a:solidFill>
@@ -12373,7 +12771,7 @@
               </a:ln>
               <a:extLst>
                 <a:ext uri="{91240B29-F687-4f45-9708-019B960494DF}">
-                  <a14:hiddenLine xmlns:a14="http://schemas.microsoft.com/office/drawing/2010/main" xmlns="" w="9525">
+                  <a14:hiddenLine xmlns="" xmlns:a14="http://schemas.microsoft.com/office/drawing/2010/main" w="9525">
                     <a:solidFill>
                       <a:srgbClr val="000000"/>
                     </a:solidFill>
@@ -12435,7 +12833,7 @@
               </a:ln>
               <a:extLst>
                 <a:ext uri="{91240B29-F687-4f45-9708-019B960494DF}">
-                  <a14:hiddenLine xmlns:a14="http://schemas.microsoft.com/office/drawing/2010/main" xmlns="" w="9525">
+                  <a14:hiddenLine xmlns="" xmlns:a14="http://schemas.microsoft.com/office/drawing/2010/main" w="9525">
                     <a:solidFill>
                       <a:srgbClr val="000000"/>
                     </a:solidFill>
@@ -12525,7 +12923,7 @@
               </a:ln>
               <a:extLst>
                 <a:ext uri="{91240B29-F687-4f45-9708-019B960494DF}">
-                  <a14:hiddenLine xmlns:a14="http://schemas.microsoft.com/office/drawing/2010/main" xmlns="" w="9525">
+                  <a14:hiddenLine xmlns="" xmlns:a14="http://schemas.microsoft.com/office/drawing/2010/main" w="9525">
                     <a:solidFill>
                       <a:srgbClr val="000000"/>
                     </a:solidFill>
@@ -12590,7 +12988,7 @@
               </a:ln>
               <a:extLst>
                 <a:ext uri="{91240B29-F687-4f45-9708-019B960494DF}">
-                  <a14:hiddenLine xmlns:a14="http://schemas.microsoft.com/office/drawing/2010/main" xmlns="" w="9525">
+                  <a14:hiddenLine xmlns="" xmlns:a14="http://schemas.microsoft.com/office/drawing/2010/main" w="9525">
                     <a:solidFill>
                       <a:srgbClr val="000000"/>
                     </a:solidFill>
@@ -12652,7 +13050,7 @@
               </a:ln>
               <a:extLst>
                 <a:ext uri="{91240B29-F687-4f45-9708-019B960494DF}">
-                  <a14:hiddenLine xmlns:a14="http://schemas.microsoft.com/office/drawing/2010/main" xmlns="" w="9525">
+                  <a14:hiddenLine xmlns="" xmlns:a14="http://schemas.microsoft.com/office/drawing/2010/main" w="9525">
                     <a:solidFill>
                       <a:srgbClr val="000000"/>
                     </a:solidFill>
@@ -12742,7 +13140,7 @@
               </a:ln>
               <a:extLst>
                 <a:ext uri="{91240B29-F687-4f45-9708-019B960494DF}">
-                  <a14:hiddenLine xmlns:a14="http://schemas.microsoft.com/office/drawing/2010/main" xmlns="" w="9525">
+                  <a14:hiddenLine xmlns="" xmlns:a14="http://schemas.microsoft.com/office/drawing/2010/main" w="9525">
                     <a:solidFill>
                       <a:srgbClr val="000000"/>
                     </a:solidFill>
@@ -12832,7 +13230,7 @@
               </a:ln>
               <a:extLst>
                 <a:ext uri="{91240B29-F687-4f45-9708-019B960494DF}">
-                  <a14:hiddenLine xmlns:a14="http://schemas.microsoft.com/office/drawing/2010/main" xmlns="" w="9525">
+                  <a14:hiddenLine xmlns="" xmlns:a14="http://schemas.microsoft.com/office/drawing/2010/main" w="9525">
                     <a:solidFill>
                       <a:srgbClr val="000000"/>
                     </a:solidFill>
@@ -12897,7 +13295,7 @@
               </a:ln>
               <a:extLst>
                 <a:ext uri="{91240B29-F687-4f45-9708-019B960494DF}">
-                  <a14:hiddenLine xmlns:a14="http://schemas.microsoft.com/office/drawing/2010/main" xmlns="" w="9525">
+                  <a14:hiddenLine xmlns="" xmlns:a14="http://schemas.microsoft.com/office/drawing/2010/main" w="9525">
                     <a:solidFill>
                       <a:srgbClr val="000000"/>
                     </a:solidFill>
@@ -13017,7 +13415,7 @@
               </a:ln>
               <a:extLst>
                 <a:ext uri="{91240B29-F687-4f45-9708-019B960494DF}">
-                  <a14:hiddenLine xmlns:a14="http://schemas.microsoft.com/office/drawing/2010/main" xmlns="" w="9525">
+                  <a14:hiddenLine xmlns="" xmlns:a14="http://schemas.microsoft.com/office/drawing/2010/main" w="9525">
                     <a:solidFill>
                       <a:srgbClr val="000000"/>
                     </a:solidFill>
@@ -13115,7 +13513,7 @@
               </a:ln>
               <a:extLst>
                 <a:ext uri="{91240B29-F687-4f45-9708-019B960494DF}">
-                  <a14:hiddenLine xmlns:a14="http://schemas.microsoft.com/office/drawing/2010/main" xmlns="" w="9525">
+                  <a14:hiddenLine xmlns="" xmlns:a14="http://schemas.microsoft.com/office/drawing/2010/main" w="9525">
                     <a:solidFill>
                       <a:srgbClr val="000000"/>
                     </a:solidFill>
@@ -13230,7 +13628,7 @@
               </a:ln>
               <a:extLst>
                 <a:ext uri="{91240B29-F687-4f45-9708-019B960494DF}">
-                  <a14:hiddenLine xmlns:a14="http://schemas.microsoft.com/office/drawing/2010/main" xmlns="" w="9525">
+                  <a14:hiddenLine xmlns="" xmlns:a14="http://schemas.microsoft.com/office/drawing/2010/main" w="9525">
                     <a:solidFill>
                       <a:srgbClr val="000000"/>
                     </a:solidFill>
@@ -13320,7 +13718,7 @@
               </a:ln>
               <a:extLst>
                 <a:ext uri="{91240B29-F687-4f45-9708-019B960494DF}">
-                  <a14:hiddenLine xmlns:a14="http://schemas.microsoft.com/office/drawing/2010/main" xmlns="" w="9525">
+                  <a14:hiddenLine xmlns="" xmlns:a14="http://schemas.microsoft.com/office/drawing/2010/main" w="9525">
                     <a:solidFill>
                       <a:srgbClr val="000000"/>
                     </a:solidFill>
@@ -13385,7 +13783,7 @@
               </a:ln>
               <a:extLst>
                 <a:ext uri="{91240B29-F687-4f45-9708-019B960494DF}">
-                  <a14:hiddenLine xmlns:a14="http://schemas.microsoft.com/office/drawing/2010/main" xmlns="" w="9525">
+                  <a14:hiddenLine xmlns="" xmlns:a14="http://schemas.microsoft.com/office/drawing/2010/main" w="9525">
                     <a:solidFill>
                       <a:srgbClr val="000000"/>
                     </a:solidFill>
@@ -13475,7 +13873,7 @@
               </a:ln>
               <a:extLst>
                 <a:ext uri="{91240B29-F687-4f45-9708-019B960494DF}">
-                  <a14:hiddenLine xmlns:a14="http://schemas.microsoft.com/office/drawing/2010/main" xmlns="" w="9525">
+                  <a14:hiddenLine xmlns="" xmlns:a14="http://schemas.microsoft.com/office/drawing/2010/main" w="9525">
                     <a:solidFill>
                       <a:srgbClr val="000000"/>
                     </a:solidFill>
@@ -13543,7 +13941,7 @@
               </a:ln>
               <a:extLst>
                 <a:ext uri="{91240B29-F687-4f45-9708-019B960494DF}">
-                  <a14:hiddenLine xmlns:a14="http://schemas.microsoft.com/office/drawing/2010/main" xmlns="" w="9525">
+                  <a14:hiddenLine xmlns="" xmlns:a14="http://schemas.microsoft.com/office/drawing/2010/main" w="9525">
                     <a:solidFill>
                       <a:srgbClr val="000000"/>
                     </a:solidFill>
@@ -13633,7 +14031,7 @@
               </a:ln>
               <a:extLst>
                 <a:ext uri="{91240B29-F687-4f45-9708-019B960494DF}">
-                  <a14:hiddenLine xmlns:a14="http://schemas.microsoft.com/office/drawing/2010/main" xmlns="" w="9525">
+                  <a14:hiddenLine xmlns="" xmlns:a14="http://schemas.microsoft.com/office/drawing/2010/main" w="9525">
                     <a:solidFill>
                       <a:srgbClr val="000000"/>
                     </a:solidFill>
@@ -13701,7 +14099,7 @@
               </a:ln>
               <a:extLst>
                 <a:ext uri="{91240B29-F687-4f45-9708-019B960494DF}">
-                  <a14:hiddenLine xmlns:a14="http://schemas.microsoft.com/office/drawing/2010/main" xmlns="" w="9525">
+                  <a14:hiddenLine xmlns="" xmlns:a14="http://schemas.microsoft.com/office/drawing/2010/main" w="9525">
                     <a:solidFill>
                       <a:srgbClr val="000000"/>
                     </a:solidFill>
@@ -13791,7 +14189,7 @@
               </a:ln>
               <a:extLst>
                 <a:ext uri="{91240B29-F687-4f45-9708-019B960494DF}">
-                  <a14:hiddenLine xmlns:a14="http://schemas.microsoft.com/office/drawing/2010/main" xmlns="" w="9525">
+                  <a14:hiddenLine xmlns="" xmlns:a14="http://schemas.microsoft.com/office/drawing/2010/main" w="9525">
                     <a:solidFill>
                       <a:srgbClr val="000000"/>
                     </a:solidFill>
@@ -13825,7 +14223,7 @@
               </a:ln>
               <a:extLst>
                 <a:ext uri="{91240B29-F687-4f45-9708-019B960494DF}">
-                  <a14:hiddenLine xmlns:a14="http://schemas.microsoft.com/office/drawing/2010/main" xmlns="" w="9525">
+                  <a14:hiddenLine xmlns="" xmlns:a14="http://schemas.microsoft.com/office/drawing/2010/main" w="9525">
                     <a:solidFill>
                       <a:srgbClr val="000000"/>
                     </a:solidFill>
@@ -14510,6 +14908,3545 @@
 </p:sld>
 </file>
 
+<file path=ppt/slides/slide10.xml><?xml version="1.0" encoding="utf-8"?>
+<p:sld xmlns:a="http://schemas.openxmlformats.org/drawingml/2006/main" xmlns:r="http://schemas.openxmlformats.org/officeDocument/2006/relationships" xmlns:p="http://schemas.openxmlformats.org/presentationml/2006/main">
+  <p:cSld>
+    <p:spTree>
+      <p:nvGrpSpPr>
+        <p:cNvPr id="1" name=""/>
+        <p:cNvGrpSpPr/>
+        <p:nvPr/>
+      </p:nvGrpSpPr>
+      <p:grpSpPr>
+        <a:xfrm>
+          <a:off x="0" y="0"/>
+          <a:ext cx="0" cy="0"/>
+          <a:chOff x="0" y="0"/>
+          <a:chExt cx="0" cy="0"/>
+        </a:xfrm>
+      </p:grpSpPr>
+      <p:sp>
+        <p:nvSpPr>
+          <p:cNvPr id="2" name="Title 1">
+            <a:extLst>
+              <a:ext uri="{FF2B5EF4-FFF2-40B4-BE49-F238E27FC236}">
+                <a16:creationId xmlns:a16="http://schemas.microsoft.com/office/drawing/2014/main" id="{B9D755BD-C46C-4969-88F5-0EEB8CB37B16}"/>
+              </a:ext>
+            </a:extLst>
+          </p:cNvPr>
+          <p:cNvSpPr>
+            <a:spLocks noGrp="1"/>
+          </p:cNvSpPr>
+          <p:nvPr>
+            <p:ph type="title"/>
+          </p:nvPr>
+        </p:nvSpPr>
+        <p:spPr/>
+        <p:txBody>
+          <a:bodyPr/>
+          <a:lstStyle/>
+          <a:p>
+            <a:pPr algn="ctr"/>
+            <a:r>
+              <a:rPr lang="en-US" altLang="zh-CN" dirty="0"/>
+              <a:t>Types of decision tree algorithm</a:t>
+            </a:r>
+            <a:endParaRPr lang="en-US" dirty="0"/>
+          </a:p>
+        </p:txBody>
+      </p:sp>
+      <p:sp>
+        <p:nvSpPr>
+          <p:cNvPr id="3" name="Content Placeholder 2">
+            <a:extLst>
+              <a:ext uri="{FF2B5EF4-FFF2-40B4-BE49-F238E27FC236}">
+                <a16:creationId xmlns:a16="http://schemas.microsoft.com/office/drawing/2014/main" id="{5B4EA9DA-4BD8-4047-9061-DF86FFEA21DA}"/>
+              </a:ext>
+            </a:extLst>
+          </p:cNvPr>
+          <p:cNvSpPr>
+            <a:spLocks noGrp="1"/>
+          </p:cNvSpPr>
+          <p:nvPr>
+            <p:ph idx="1"/>
+          </p:nvPr>
+        </p:nvSpPr>
+        <p:spPr/>
+        <p:txBody>
+          <a:bodyPr>
+            <a:normAutofit/>
+          </a:bodyPr>
+          <a:lstStyle/>
+          <a:p>
+            <a:r>
+              <a:rPr lang="en-US" dirty="0"/>
+              <a:t>Iterative </a:t>
+            </a:r>
+            <a:r>
+              <a:rPr lang="en-US" dirty="0" err="1"/>
+              <a:t>Dichotomiser</a:t>
+            </a:r>
+            <a:r>
+              <a:rPr lang="en-US" dirty="0"/>
+              <a:t> 3 </a:t>
+            </a:r>
+            <a:r>
+              <a:rPr lang="es-ES" dirty="0"/>
+              <a:t>(ID3): </a:t>
+            </a:r>
+            <a:r>
+              <a:rPr lang="en-US" altLang="zh-CN" dirty="0"/>
+              <a:t>Information Gain by change in entropy</a:t>
+            </a:r>
+          </a:p>
+          <a:p>
+            <a:r>
+              <a:rPr lang="en-US" dirty="0"/>
+              <a:t>C4.5: Following ID3 but use of Gain Ratio to improve</a:t>
+            </a:r>
+          </a:p>
+          <a:p>
+            <a:r>
+              <a:rPr lang="en-US" dirty="0"/>
+              <a:t>Classification and Regression Tree (CART): binary tree using GINI index</a:t>
+            </a:r>
+          </a:p>
+        </p:txBody>
+      </p:sp>
+      <p:grpSp>
+        <p:nvGrpSpPr>
+          <p:cNvPr id="34" name="Group 33">
+            <a:extLst>
+              <a:ext uri="{FF2B5EF4-FFF2-40B4-BE49-F238E27FC236}">
+                <a16:creationId xmlns:a16="http://schemas.microsoft.com/office/drawing/2014/main" id="{B7D4190C-5E16-49F1-A5DE-54BEF2FEB2B7}"/>
+              </a:ext>
+            </a:extLst>
+          </p:cNvPr>
+          <p:cNvGrpSpPr/>
+          <p:nvPr/>
+        </p:nvGrpSpPr>
+        <p:grpSpPr>
+          <a:xfrm>
+            <a:off x="3801445" y="4668196"/>
+            <a:ext cx="1423188" cy="1144744"/>
+            <a:chOff x="5660904" y="4606901"/>
+            <a:chExt cx="1423188" cy="1144744"/>
+          </a:xfrm>
+        </p:grpSpPr>
+        <p:cxnSp>
+          <p:nvCxnSpPr>
+            <p:cNvPr id="6" name="Straight Arrow Connector 5">
+              <a:extLst>
+                <a:ext uri="{FF2B5EF4-FFF2-40B4-BE49-F238E27FC236}">
+                  <a16:creationId xmlns:a16="http://schemas.microsoft.com/office/drawing/2014/main" id="{847A5B53-31BE-4DFF-B097-C7EFE1C0DF88}"/>
+                </a:ext>
+              </a:extLst>
+            </p:cNvPr>
+            <p:cNvCxnSpPr/>
+            <p:nvPr/>
+          </p:nvCxnSpPr>
+          <p:spPr>
+            <a:xfrm flipV="1">
+              <a:off x="5660904" y="4606901"/>
+              <a:ext cx="1389050" cy="572372"/>
+            </a:xfrm>
+            <a:prstGeom prst="straightConnector1">
+              <a:avLst/>
+            </a:prstGeom>
+            <a:ln>
+              <a:tailEnd type="triangle"/>
+            </a:ln>
+          </p:spPr>
+          <p:style>
+            <a:lnRef idx="1">
+              <a:schemeClr val="accent4"/>
+            </a:lnRef>
+            <a:fillRef idx="0">
+              <a:schemeClr val="accent4"/>
+            </a:fillRef>
+            <a:effectRef idx="0">
+              <a:schemeClr val="accent4"/>
+            </a:effectRef>
+            <a:fontRef idx="minor">
+              <a:schemeClr val="tx1"/>
+            </a:fontRef>
+          </p:style>
+        </p:cxnSp>
+        <p:cxnSp>
+          <p:nvCxnSpPr>
+            <p:cNvPr id="7" name="Straight Arrow Connector 6">
+              <a:extLst>
+                <a:ext uri="{FF2B5EF4-FFF2-40B4-BE49-F238E27FC236}">
+                  <a16:creationId xmlns:a16="http://schemas.microsoft.com/office/drawing/2014/main" id="{8AB02331-4785-48C2-92F1-024B607A3265}"/>
+                </a:ext>
+              </a:extLst>
+            </p:cNvPr>
+            <p:cNvCxnSpPr>
+              <a:cxnSpLocks/>
+            </p:cNvCxnSpPr>
+            <p:nvPr/>
+          </p:nvCxnSpPr>
+          <p:spPr>
+            <a:xfrm>
+              <a:off x="5695042" y="5179273"/>
+              <a:ext cx="1389050" cy="572372"/>
+            </a:xfrm>
+            <a:prstGeom prst="straightConnector1">
+              <a:avLst/>
+            </a:prstGeom>
+            <a:ln>
+              <a:tailEnd type="triangle"/>
+            </a:ln>
+          </p:spPr>
+          <p:style>
+            <a:lnRef idx="1">
+              <a:schemeClr val="accent4"/>
+            </a:lnRef>
+            <a:fillRef idx="0">
+              <a:schemeClr val="accent4"/>
+            </a:fillRef>
+            <a:effectRef idx="0">
+              <a:schemeClr val="accent4"/>
+            </a:effectRef>
+            <a:fontRef idx="minor">
+              <a:schemeClr val="tx1"/>
+            </a:fontRef>
+          </p:style>
+        </p:cxnSp>
+      </p:grpSp>
+      <p:grpSp>
+        <p:nvGrpSpPr>
+          <p:cNvPr id="33" name="Group 32">
+            <a:extLst>
+              <a:ext uri="{FF2B5EF4-FFF2-40B4-BE49-F238E27FC236}">
+                <a16:creationId xmlns:a16="http://schemas.microsoft.com/office/drawing/2014/main" id="{4B4D3D72-2F39-4040-BA2D-58B36AE8E34F}"/>
+              </a:ext>
+            </a:extLst>
+          </p:cNvPr>
+          <p:cNvGrpSpPr/>
+          <p:nvPr/>
+        </p:nvGrpSpPr>
+        <p:grpSpPr>
+          <a:xfrm>
+            <a:off x="5228510" y="4330521"/>
+            <a:ext cx="2168203" cy="1888128"/>
+            <a:chOff x="7080499" y="4271853"/>
+            <a:chExt cx="2168203" cy="1888128"/>
+          </a:xfrm>
+        </p:grpSpPr>
+        <p:sp>
+          <p:nvSpPr>
+            <p:cNvPr id="8" name="Rectangle 7">
+              <a:extLst>
+                <a:ext uri="{FF2B5EF4-FFF2-40B4-BE49-F238E27FC236}">
+                  <a16:creationId xmlns:a16="http://schemas.microsoft.com/office/drawing/2014/main" id="{7E61187B-FCC2-40AF-A673-B27791BC544E}"/>
+                </a:ext>
+              </a:extLst>
+            </p:cNvPr>
+            <p:cNvSpPr/>
+            <p:nvPr/>
+          </p:nvSpPr>
+          <p:spPr>
+            <a:xfrm>
+              <a:off x="7084092" y="4271853"/>
+              <a:ext cx="2164610" cy="867864"/>
+            </a:xfrm>
+            <a:prstGeom prst="rect">
+              <a:avLst/>
+            </a:prstGeom>
+          </p:spPr>
+          <p:style>
+            <a:lnRef idx="2">
+              <a:schemeClr val="dk1"/>
+            </a:lnRef>
+            <a:fillRef idx="1">
+              <a:schemeClr val="lt1"/>
+            </a:fillRef>
+            <a:effectRef idx="0">
+              <a:schemeClr val="dk1"/>
+            </a:effectRef>
+            <a:fontRef idx="minor">
+              <a:schemeClr val="dk1"/>
+            </a:fontRef>
+          </p:style>
+          <p:txBody>
+            <a:bodyPr rtlCol="0" anchor="ctr"/>
+            <a:lstStyle/>
+            <a:p>
+              <a:pPr algn="ctr"/>
+              <a:endParaRPr lang="en-US" dirty="0"/>
+            </a:p>
+          </p:txBody>
+        </p:sp>
+        <p:sp>
+          <p:nvSpPr>
+            <p:cNvPr id="9" name="Rectangle 8">
+              <a:extLst>
+                <a:ext uri="{FF2B5EF4-FFF2-40B4-BE49-F238E27FC236}">
+                  <a16:creationId xmlns:a16="http://schemas.microsoft.com/office/drawing/2014/main" id="{90A12CD6-774D-4FA4-B5F5-63993423EE37}"/>
+                </a:ext>
+              </a:extLst>
+            </p:cNvPr>
+            <p:cNvSpPr/>
+            <p:nvPr/>
+          </p:nvSpPr>
+          <p:spPr>
+            <a:xfrm>
+              <a:off x="7080499" y="5292117"/>
+              <a:ext cx="2164610" cy="867864"/>
+            </a:xfrm>
+            <a:prstGeom prst="rect">
+              <a:avLst/>
+            </a:prstGeom>
+          </p:spPr>
+          <p:style>
+            <a:lnRef idx="2">
+              <a:schemeClr val="dk1"/>
+            </a:lnRef>
+            <a:fillRef idx="1">
+              <a:schemeClr val="lt1"/>
+            </a:fillRef>
+            <a:effectRef idx="0">
+              <a:schemeClr val="dk1"/>
+            </a:effectRef>
+            <a:fontRef idx="minor">
+              <a:schemeClr val="dk1"/>
+            </a:fontRef>
+          </p:style>
+          <p:txBody>
+            <a:bodyPr rtlCol="0" anchor="ctr"/>
+            <a:lstStyle/>
+            <a:p>
+              <a:pPr algn="ctr"/>
+              <a:endParaRPr lang="en-US"/>
+            </a:p>
+          </p:txBody>
+        </p:sp>
+      </p:grpSp>
+      <p:grpSp>
+        <p:nvGrpSpPr>
+          <p:cNvPr id="32" name="Group 31">
+            <a:extLst>
+              <a:ext uri="{FF2B5EF4-FFF2-40B4-BE49-F238E27FC236}">
+                <a16:creationId xmlns:a16="http://schemas.microsoft.com/office/drawing/2014/main" id="{554C870E-A2CA-4C03-9045-CB2DE8A3DE82}"/>
+              </a:ext>
+            </a:extLst>
+          </p:cNvPr>
+          <p:cNvGrpSpPr/>
+          <p:nvPr/>
+        </p:nvGrpSpPr>
+        <p:grpSpPr>
+          <a:xfrm>
+            <a:off x="5481402" y="4414737"/>
+            <a:ext cx="1738520" cy="1733767"/>
+            <a:chOff x="7257843" y="4360648"/>
+            <a:chExt cx="1738520" cy="1733767"/>
+          </a:xfrm>
+        </p:grpSpPr>
+        <p:sp>
+          <p:nvSpPr>
+            <p:cNvPr id="10" name="Oval 9">
+              <a:extLst>
+                <a:ext uri="{FF2B5EF4-FFF2-40B4-BE49-F238E27FC236}">
+                  <a16:creationId xmlns:a16="http://schemas.microsoft.com/office/drawing/2014/main" id="{8CDC4E63-1D45-40A4-A472-DD90F25BF207}"/>
+                </a:ext>
+              </a:extLst>
+            </p:cNvPr>
+            <p:cNvSpPr/>
+            <p:nvPr/>
+          </p:nvSpPr>
+          <p:spPr>
+            <a:xfrm>
+              <a:off x="7257843" y="4419599"/>
+              <a:ext cx="335047" cy="335047"/>
+            </a:xfrm>
+            <a:prstGeom prst="ellipse">
+              <a:avLst/>
+            </a:prstGeom>
+          </p:spPr>
+          <p:style>
+            <a:lnRef idx="2">
+              <a:schemeClr val="accent2">
+                <a:shade val="50000"/>
+              </a:schemeClr>
+            </a:lnRef>
+            <a:fillRef idx="1">
+              <a:schemeClr val="accent2"/>
+            </a:fillRef>
+            <a:effectRef idx="0">
+              <a:schemeClr val="accent2"/>
+            </a:effectRef>
+            <a:fontRef idx="minor">
+              <a:schemeClr val="lt1"/>
+            </a:fontRef>
+          </p:style>
+          <p:txBody>
+            <a:bodyPr rtlCol="0" anchor="ctr"/>
+            <a:lstStyle/>
+            <a:p>
+              <a:pPr algn="ctr"/>
+              <a:endParaRPr lang="en-US"/>
+            </a:p>
+          </p:txBody>
+        </p:sp>
+        <p:sp>
+          <p:nvSpPr>
+            <p:cNvPr id="11" name="Oval 10">
+              <a:extLst>
+                <a:ext uri="{FF2B5EF4-FFF2-40B4-BE49-F238E27FC236}">
+                  <a16:creationId xmlns:a16="http://schemas.microsoft.com/office/drawing/2014/main" id="{47DEC31E-377A-4DB4-BFEF-C6FA701B8B22}"/>
+                </a:ext>
+              </a:extLst>
+            </p:cNvPr>
+            <p:cNvSpPr/>
+            <p:nvPr/>
+          </p:nvSpPr>
+          <p:spPr>
+            <a:xfrm>
+              <a:off x="7671459" y="4538261"/>
+              <a:ext cx="335047" cy="335047"/>
+            </a:xfrm>
+            <a:prstGeom prst="ellipse">
+              <a:avLst/>
+            </a:prstGeom>
+          </p:spPr>
+          <p:style>
+            <a:lnRef idx="2">
+              <a:schemeClr val="accent2">
+                <a:shade val="50000"/>
+              </a:schemeClr>
+            </a:lnRef>
+            <a:fillRef idx="1">
+              <a:schemeClr val="accent2"/>
+            </a:fillRef>
+            <a:effectRef idx="0">
+              <a:schemeClr val="accent2"/>
+            </a:effectRef>
+            <a:fontRef idx="minor">
+              <a:schemeClr val="lt1"/>
+            </a:fontRef>
+          </p:style>
+          <p:txBody>
+            <a:bodyPr rtlCol="0" anchor="ctr"/>
+            <a:lstStyle/>
+            <a:p>
+              <a:pPr algn="ctr"/>
+              <a:endParaRPr lang="en-US"/>
+            </a:p>
+          </p:txBody>
+        </p:sp>
+        <p:sp>
+          <p:nvSpPr>
+            <p:cNvPr id="12" name="Oval 11">
+              <a:extLst>
+                <a:ext uri="{FF2B5EF4-FFF2-40B4-BE49-F238E27FC236}">
+                  <a16:creationId xmlns:a16="http://schemas.microsoft.com/office/drawing/2014/main" id="{4CD005D9-8B36-45EA-A32B-01A14267AD8D}"/>
+                </a:ext>
+              </a:extLst>
+            </p:cNvPr>
+            <p:cNvSpPr/>
+            <p:nvPr/>
+          </p:nvSpPr>
+          <p:spPr>
+            <a:xfrm>
+              <a:off x="8306880" y="4604372"/>
+              <a:ext cx="335047" cy="335047"/>
+            </a:xfrm>
+            <a:prstGeom prst="ellipse">
+              <a:avLst/>
+            </a:prstGeom>
+          </p:spPr>
+          <p:style>
+            <a:lnRef idx="2">
+              <a:schemeClr val="accent2">
+                <a:shade val="50000"/>
+              </a:schemeClr>
+            </a:lnRef>
+            <a:fillRef idx="1">
+              <a:schemeClr val="accent2"/>
+            </a:fillRef>
+            <a:effectRef idx="0">
+              <a:schemeClr val="accent2"/>
+            </a:effectRef>
+            <a:fontRef idx="minor">
+              <a:schemeClr val="lt1"/>
+            </a:fontRef>
+          </p:style>
+          <p:txBody>
+            <a:bodyPr rtlCol="0" anchor="ctr"/>
+            <a:lstStyle/>
+            <a:p>
+              <a:pPr algn="ctr"/>
+              <a:endParaRPr lang="en-US"/>
+            </a:p>
+          </p:txBody>
+        </p:sp>
+        <p:sp>
+          <p:nvSpPr>
+            <p:cNvPr id="13" name="Oval 12">
+              <a:extLst>
+                <a:ext uri="{FF2B5EF4-FFF2-40B4-BE49-F238E27FC236}">
+                  <a16:creationId xmlns:a16="http://schemas.microsoft.com/office/drawing/2014/main" id="{612A7561-DAAA-4E0C-9FA0-241C26C08837}"/>
+                </a:ext>
+              </a:extLst>
+            </p:cNvPr>
+            <p:cNvSpPr/>
+            <p:nvPr/>
+          </p:nvSpPr>
+          <p:spPr>
+            <a:xfrm>
+              <a:off x="7268526" y="5424321"/>
+              <a:ext cx="335047" cy="335047"/>
+            </a:xfrm>
+            <a:prstGeom prst="ellipse">
+              <a:avLst/>
+            </a:prstGeom>
+          </p:spPr>
+          <p:style>
+            <a:lnRef idx="2">
+              <a:schemeClr val="accent2">
+                <a:shade val="50000"/>
+              </a:schemeClr>
+            </a:lnRef>
+            <a:fillRef idx="1">
+              <a:schemeClr val="accent2"/>
+            </a:fillRef>
+            <a:effectRef idx="0">
+              <a:schemeClr val="accent2"/>
+            </a:effectRef>
+            <a:fontRef idx="minor">
+              <a:schemeClr val="lt1"/>
+            </a:fontRef>
+          </p:style>
+          <p:txBody>
+            <a:bodyPr rtlCol="0" anchor="ctr"/>
+            <a:lstStyle/>
+            <a:p>
+              <a:pPr algn="ctr"/>
+              <a:endParaRPr lang="en-US"/>
+            </a:p>
+          </p:txBody>
+        </p:sp>
+        <p:sp>
+          <p:nvSpPr>
+            <p:cNvPr id="14" name="Oval 13">
+              <a:extLst>
+                <a:ext uri="{FF2B5EF4-FFF2-40B4-BE49-F238E27FC236}">
+                  <a16:creationId xmlns:a16="http://schemas.microsoft.com/office/drawing/2014/main" id="{D8CB737D-AE68-4693-A404-7D205EFFCE49}"/>
+                </a:ext>
+              </a:extLst>
+            </p:cNvPr>
+            <p:cNvSpPr/>
+            <p:nvPr/>
+          </p:nvSpPr>
+          <p:spPr>
+            <a:xfrm>
+              <a:off x="7974311" y="5718488"/>
+              <a:ext cx="335047" cy="335047"/>
+            </a:xfrm>
+            <a:prstGeom prst="ellipse">
+              <a:avLst/>
+            </a:prstGeom>
+          </p:spPr>
+          <p:style>
+            <a:lnRef idx="2">
+              <a:schemeClr val="accent2">
+                <a:shade val="50000"/>
+              </a:schemeClr>
+            </a:lnRef>
+            <a:fillRef idx="1">
+              <a:schemeClr val="accent2"/>
+            </a:fillRef>
+            <a:effectRef idx="0">
+              <a:schemeClr val="accent2"/>
+            </a:effectRef>
+            <a:fontRef idx="minor">
+              <a:schemeClr val="lt1"/>
+            </a:fontRef>
+          </p:style>
+          <p:txBody>
+            <a:bodyPr rtlCol="0" anchor="ctr"/>
+            <a:lstStyle/>
+            <a:p>
+              <a:pPr algn="ctr"/>
+              <a:endParaRPr lang="en-US"/>
+            </a:p>
+          </p:txBody>
+        </p:sp>
+        <p:sp>
+          <p:nvSpPr>
+            <p:cNvPr id="15" name="Oval 14">
+              <a:extLst>
+                <a:ext uri="{FF2B5EF4-FFF2-40B4-BE49-F238E27FC236}">
+                  <a16:creationId xmlns:a16="http://schemas.microsoft.com/office/drawing/2014/main" id="{152DF0EF-712F-4012-99A0-62A5DF8D093F}"/>
+                </a:ext>
+              </a:extLst>
+            </p:cNvPr>
+            <p:cNvSpPr/>
+            <p:nvPr/>
+          </p:nvSpPr>
+          <p:spPr>
+            <a:xfrm>
+              <a:off x="8150289" y="5364831"/>
+              <a:ext cx="335047" cy="335047"/>
+            </a:xfrm>
+            <a:prstGeom prst="ellipse">
+              <a:avLst/>
+            </a:prstGeom>
+          </p:spPr>
+          <p:style>
+            <a:lnRef idx="2">
+              <a:schemeClr val="accent2">
+                <a:shade val="50000"/>
+              </a:schemeClr>
+            </a:lnRef>
+            <a:fillRef idx="1">
+              <a:schemeClr val="accent2"/>
+            </a:fillRef>
+            <a:effectRef idx="0">
+              <a:schemeClr val="accent2"/>
+            </a:effectRef>
+            <a:fontRef idx="minor">
+              <a:schemeClr val="lt1"/>
+            </a:fontRef>
+          </p:style>
+          <p:txBody>
+            <a:bodyPr rtlCol="0" anchor="ctr"/>
+            <a:lstStyle/>
+            <a:p>
+              <a:pPr algn="ctr"/>
+              <a:endParaRPr lang="en-US"/>
+            </a:p>
+          </p:txBody>
+        </p:sp>
+        <p:sp>
+          <p:nvSpPr>
+            <p:cNvPr id="16" name="Oval 15">
+              <a:extLst>
+                <a:ext uri="{FF2B5EF4-FFF2-40B4-BE49-F238E27FC236}">
+                  <a16:creationId xmlns:a16="http://schemas.microsoft.com/office/drawing/2014/main" id="{E2E237E3-1DCA-41F5-AD9D-5049B84370E2}"/>
+                </a:ext>
+              </a:extLst>
+            </p:cNvPr>
+            <p:cNvSpPr/>
+            <p:nvPr/>
+          </p:nvSpPr>
+          <p:spPr>
+            <a:xfrm>
+              <a:off x="8661316" y="5443870"/>
+              <a:ext cx="335047" cy="335047"/>
+            </a:xfrm>
+            <a:prstGeom prst="ellipse">
+              <a:avLst/>
+            </a:prstGeom>
+          </p:spPr>
+          <p:style>
+            <a:lnRef idx="2">
+              <a:schemeClr val="accent2">
+                <a:shade val="50000"/>
+              </a:schemeClr>
+            </a:lnRef>
+            <a:fillRef idx="1">
+              <a:schemeClr val="accent2"/>
+            </a:fillRef>
+            <a:effectRef idx="0">
+              <a:schemeClr val="accent2"/>
+            </a:effectRef>
+            <a:fontRef idx="minor">
+              <a:schemeClr val="lt1"/>
+            </a:fontRef>
+          </p:style>
+          <p:txBody>
+            <a:bodyPr rtlCol="0" anchor="ctr"/>
+            <a:lstStyle/>
+            <a:p>
+              <a:pPr algn="ctr"/>
+              <a:endParaRPr lang="en-US"/>
+            </a:p>
+          </p:txBody>
+        </p:sp>
+        <p:sp>
+          <p:nvSpPr>
+            <p:cNvPr id="17" name="Oval 16">
+              <a:extLst>
+                <a:ext uri="{FF2B5EF4-FFF2-40B4-BE49-F238E27FC236}">
+                  <a16:creationId xmlns:a16="http://schemas.microsoft.com/office/drawing/2014/main" id="{B600AE41-C9E2-48C2-90D1-725C3C235869}"/>
+                </a:ext>
+              </a:extLst>
+            </p:cNvPr>
+            <p:cNvSpPr/>
+            <p:nvPr/>
+          </p:nvSpPr>
+          <p:spPr>
+            <a:xfrm>
+              <a:off x="8034272" y="4360648"/>
+              <a:ext cx="335047" cy="335047"/>
+            </a:xfrm>
+            <a:prstGeom prst="ellipse">
+              <a:avLst/>
+            </a:prstGeom>
+          </p:spPr>
+          <p:style>
+            <a:lnRef idx="2">
+              <a:schemeClr val="accent5">
+                <a:shade val="50000"/>
+              </a:schemeClr>
+            </a:lnRef>
+            <a:fillRef idx="1">
+              <a:schemeClr val="accent5"/>
+            </a:fillRef>
+            <a:effectRef idx="0">
+              <a:schemeClr val="accent5"/>
+            </a:effectRef>
+            <a:fontRef idx="minor">
+              <a:schemeClr val="lt1"/>
+            </a:fontRef>
+          </p:style>
+          <p:txBody>
+            <a:bodyPr rtlCol="0" anchor="ctr"/>
+            <a:lstStyle/>
+            <a:p>
+              <a:pPr algn="ctr"/>
+              <a:endParaRPr lang="en-US"/>
+            </a:p>
+          </p:txBody>
+        </p:sp>
+        <p:sp>
+          <p:nvSpPr>
+            <p:cNvPr id="27" name="Oval 26">
+              <a:extLst>
+                <a:ext uri="{FF2B5EF4-FFF2-40B4-BE49-F238E27FC236}">
+                  <a16:creationId xmlns:a16="http://schemas.microsoft.com/office/drawing/2014/main" id="{8300EACB-8000-41CB-B7B9-70D75FC2AF60}"/>
+                </a:ext>
+              </a:extLst>
+            </p:cNvPr>
+            <p:cNvSpPr/>
+            <p:nvPr/>
+          </p:nvSpPr>
+          <p:spPr>
+            <a:xfrm>
+              <a:off x="8605811" y="4419599"/>
+              <a:ext cx="335047" cy="335047"/>
+            </a:xfrm>
+            <a:prstGeom prst="ellipse">
+              <a:avLst/>
+            </a:prstGeom>
+          </p:spPr>
+          <p:style>
+            <a:lnRef idx="2">
+              <a:schemeClr val="accent5">
+                <a:shade val="50000"/>
+              </a:schemeClr>
+            </a:lnRef>
+            <a:fillRef idx="1">
+              <a:schemeClr val="accent5"/>
+            </a:fillRef>
+            <a:effectRef idx="0">
+              <a:schemeClr val="accent5"/>
+            </a:effectRef>
+            <a:fontRef idx="minor">
+              <a:schemeClr val="lt1"/>
+            </a:fontRef>
+          </p:style>
+          <p:txBody>
+            <a:bodyPr rtlCol="0" anchor="ctr"/>
+            <a:lstStyle/>
+            <a:p>
+              <a:pPr algn="ctr"/>
+              <a:endParaRPr lang="en-US"/>
+            </a:p>
+          </p:txBody>
+        </p:sp>
+        <p:sp>
+          <p:nvSpPr>
+            <p:cNvPr id="28" name="Oval 27">
+              <a:extLst>
+                <a:ext uri="{FF2B5EF4-FFF2-40B4-BE49-F238E27FC236}">
+                  <a16:creationId xmlns:a16="http://schemas.microsoft.com/office/drawing/2014/main" id="{A8D9CE97-C3DA-4A9A-897B-20B06EBB2111}"/>
+                </a:ext>
+              </a:extLst>
+            </p:cNvPr>
+            <p:cNvSpPr/>
+            <p:nvPr/>
+          </p:nvSpPr>
+          <p:spPr>
+            <a:xfrm>
+              <a:off x="7991382" y="4768409"/>
+              <a:ext cx="335047" cy="335047"/>
+            </a:xfrm>
+            <a:prstGeom prst="ellipse">
+              <a:avLst/>
+            </a:prstGeom>
+          </p:spPr>
+          <p:style>
+            <a:lnRef idx="2">
+              <a:schemeClr val="accent5">
+                <a:shade val="50000"/>
+              </a:schemeClr>
+            </a:lnRef>
+            <a:fillRef idx="1">
+              <a:schemeClr val="accent5"/>
+            </a:fillRef>
+            <a:effectRef idx="0">
+              <a:schemeClr val="accent5"/>
+            </a:effectRef>
+            <a:fontRef idx="minor">
+              <a:schemeClr val="lt1"/>
+            </a:fontRef>
+          </p:style>
+          <p:txBody>
+            <a:bodyPr rtlCol="0" anchor="ctr"/>
+            <a:lstStyle/>
+            <a:p>
+              <a:pPr algn="ctr"/>
+              <a:endParaRPr lang="en-US"/>
+            </a:p>
+          </p:txBody>
+        </p:sp>
+        <p:sp>
+          <p:nvSpPr>
+            <p:cNvPr id="29" name="Oval 28">
+              <a:extLst>
+                <a:ext uri="{FF2B5EF4-FFF2-40B4-BE49-F238E27FC236}">
+                  <a16:creationId xmlns:a16="http://schemas.microsoft.com/office/drawing/2014/main" id="{8A2776E9-80A8-4FBD-AA90-A7B83229CC7A}"/>
+                </a:ext>
+              </a:extLst>
+            </p:cNvPr>
+            <p:cNvSpPr/>
+            <p:nvPr/>
+          </p:nvSpPr>
+          <p:spPr>
+            <a:xfrm>
+              <a:off x="8474403" y="5759368"/>
+              <a:ext cx="335047" cy="335047"/>
+            </a:xfrm>
+            <a:prstGeom prst="ellipse">
+              <a:avLst/>
+            </a:prstGeom>
+          </p:spPr>
+          <p:style>
+            <a:lnRef idx="2">
+              <a:schemeClr val="accent5">
+                <a:shade val="50000"/>
+              </a:schemeClr>
+            </a:lnRef>
+            <a:fillRef idx="1">
+              <a:schemeClr val="accent5"/>
+            </a:fillRef>
+            <a:effectRef idx="0">
+              <a:schemeClr val="accent5"/>
+            </a:effectRef>
+            <a:fontRef idx="minor">
+              <a:schemeClr val="lt1"/>
+            </a:fontRef>
+          </p:style>
+          <p:txBody>
+            <a:bodyPr rtlCol="0" anchor="ctr"/>
+            <a:lstStyle/>
+            <a:p>
+              <a:pPr algn="ctr"/>
+              <a:endParaRPr lang="en-US"/>
+            </a:p>
+          </p:txBody>
+        </p:sp>
+        <p:sp>
+          <p:nvSpPr>
+            <p:cNvPr id="30" name="Oval 29">
+              <a:extLst>
+                <a:ext uri="{FF2B5EF4-FFF2-40B4-BE49-F238E27FC236}">
+                  <a16:creationId xmlns:a16="http://schemas.microsoft.com/office/drawing/2014/main" id="{845BC5DD-0B42-415F-8097-9553B13A198E}"/>
+                </a:ext>
+              </a:extLst>
+            </p:cNvPr>
+            <p:cNvSpPr/>
+            <p:nvPr/>
+          </p:nvSpPr>
+          <p:spPr>
+            <a:xfrm>
+              <a:off x="7503935" y="5723533"/>
+              <a:ext cx="335047" cy="335047"/>
+            </a:xfrm>
+            <a:prstGeom prst="ellipse">
+              <a:avLst/>
+            </a:prstGeom>
+          </p:spPr>
+          <p:style>
+            <a:lnRef idx="2">
+              <a:schemeClr val="accent5">
+                <a:shade val="50000"/>
+              </a:schemeClr>
+            </a:lnRef>
+            <a:fillRef idx="1">
+              <a:schemeClr val="accent5"/>
+            </a:fillRef>
+            <a:effectRef idx="0">
+              <a:schemeClr val="accent5"/>
+            </a:effectRef>
+            <a:fontRef idx="minor">
+              <a:schemeClr val="lt1"/>
+            </a:fontRef>
+          </p:style>
+          <p:txBody>
+            <a:bodyPr rtlCol="0" anchor="ctr"/>
+            <a:lstStyle/>
+            <a:p>
+              <a:pPr algn="ctr"/>
+              <a:endParaRPr lang="en-US"/>
+            </a:p>
+          </p:txBody>
+        </p:sp>
+        <p:sp>
+          <p:nvSpPr>
+            <p:cNvPr id="31" name="Oval 30">
+              <a:extLst>
+                <a:ext uri="{FF2B5EF4-FFF2-40B4-BE49-F238E27FC236}">
+                  <a16:creationId xmlns:a16="http://schemas.microsoft.com/office/drawing/2014/main" id="{1077AF16-A3A6-4617-A452-9920498EF5F6}"/>
+                </a:ext>
+              </a:extLst>
+            </p:cNvPr>
+            <p:cNvSpPr/>
+            <p:nvPr/>
+          </p:nvSpPr>
+          <p:spPr>
+            <a:xfrm>
+              <a:off x="7773582" y="5363644"/>
+              <a:ext cx="335047" cy="335047"/>
+            </a:xfrm>
+            <a:prstGeom prst="ellipse">
+              <a:avLst/>
+            </a:prstGeom>
+          </p:spPr>
+          <p:style>
+            <a:lnRef idx="2">
+              <a:schemeClr val="accent5">
+                <a:shade val="50000"/>
+              </a:schemeClr>
+            </a:lnRef>
+            <a:fillRef idx="1">
+              <a:schemeClr val="accent5"/>
+            </a:fillRef>
+            <a:effectRef idx="0">
+              <a:schemeClr val="accent5"/>
+            </a:effectRef>
+            <a:fontRef idx="minor">
+              <a:schemeClr val="lt1"/>
+            </a:fontRef>
+          </p:style>
+          <p:txBody>
+            <a:bodyPr rtlCol="0" anchor="ctr"/>
+            <a:lstStyle/>
+            <a:p>
+              <a:pPr algn="ctr"/>
+              <a:endParaRPr lang="en-US"/>
+            </a:p>
+          </p:txBody>
+        </p:sp>
+      </p:grpSp>
+      <mc:AlternateContent xmlns:mc="http://schemas.openxmlformats.org/markup-compatibility/2006">
+        <mc:Choice xmlns:a14="http://schemas.microsoft.com/office/drawing/2010/main" Requires="a14">
+          <p:sp>
+            <p:nvSpPr>
+              <p:cNvPr id="38" name="TextBox 37">
+                <a:extLst>
+                  <a:ext uri="{FF2B5EF4-FFF2-40B4-BE49-F238E27FC236}">
+                    <a16:creationId xmlns:a16="http://schemas.microsoft.com/office/drawing/2014/main" id="{250E7B16-6D08-49FA-A0DC-70C4F2726379}"/>
+                  </a:ext>
+                </a:extLst>
+              </p:cNvPr>
+              <p:cNvSpPr txBox="1"/>
+              <p:nvPr/>
+            </p:nvSpPr>
+            <p:spPr>
+              <a:xfrm>
+                <a:off x="7647634" y="4381462"/>
+                <a:ext cx="2201949" cy="954044"/>
+              </a:xfrm>
+              <a:prstGeom prst="rect">
+                <a:avLst/>
+              </a:prstGeom>
+              <a:noFill/>
+            </p:spPr>
+            <p:txBody>
+              <a:bodyPr wrap="none" lIns="0" tIns="0" rIns="0" bIns="0" rtlCol="0">
+                <a:spAutoFit/>
+              </a:bodyPr>
+              <a:lstStyle/>
+              <a:p>
+                <a14:m>
+                  <m:oMathPara xmlns:m="http://schemas.openxmlformats.org/officeDocument/2006/math">
+                    <m:oMathParaPr>
+                      <m:jc m:val="centerGroup"/>
+                    </m:oMathParaPr>
+                    <m:oMath xmlns:m="http://schemas.openxmlformats.org/officeDocument/2006/math">
+                      <m:r>
+                        <a:rPr lang="es-ES" b="0" i="1" smtClean="0">
+                          <a:latin typeface="Cambria Math" panose="02040503050406030204" pitchFamily="18" charset="0"/>
+                        </a:rPr>
+                        <m:t>𝐺</m:t>
+                      </m:r>
+                      <m:r>
+                        <a:rPr lang="es-ES" b="0" i="1" smtClean="0">
+                          <a:latin typeface="Cambria Math" panose="02040503050406030204" pitchFamily="18" charset="0"/>
+                        </a:rPr>
+                        <m:t>=1−</m:t>
+                      </m:r>
+                      <m:sSup>
+                        <m:sSupPr>
+                          <m:ctrlPr>
+                            <a:rPr lang="es-ES" b="0" i="1" smtClean="0">
+                              <a:latin typeface="Cambria Math" panose="02040503050406030204" pitchFamily="18" charset="0"/>
+                            </a:rPr>
+                          </m:ctrlPr>
+                        </m:sSupPr>
+                        <m:e>
+                          <m:d>
+                            <m:dPr>
+                              <m:ctrlPr>
+                                <a:rPr lang="es-ES" b="0" i="1" smtClean="0">
+                                  <a:latin typeface="Cambria Math" panose="02040503050406030204" pitchFamily="18" charset="0"/>
+                                </a:rPr>
+                              </m:ctrlPr>
+                            </m:dPr>
+                            <m:e>
+                              <m:f>
+                                <m:fPr>
+                                  <m:ctrlPr>
+                                    <a:rPr lang="es-ES" b="0" i="1" smtClean="0">
+                                      <a:latin typeface="Cambria Math" panose="02040503050406030204" pitchFamily="18" charset="0"/>
+                                    </a:rPr>
+                                  </m:ctrlPr>
+                                </m:fPr>
+                                <m:num>
+                                  <m:r>
+                                    <a:rPr lang="es-ES" b="0" i="1" smtClean="0">
+                                      <a:latin typeface="Cambria Math" panose="02040503050406030204" pitchFamily="18" charset="0"/>
+                                    </a:rPr>
+                                    <m:t>1</m:t>
+                                  </m:r>
+                                </m:num>
+                                <m:den>
+                                  <m:r>
+                                    <a:rPr lang="es-ES" b="0" i="1" smtClean="0">
+                                      <a:latin typeface="Cambria Math" panose="02040503050406030204" pitchFamily="18" charset="0"/>
+                                    </a:rPr>
+                                    <m:t>2</m:t>
+                                  </m:r>
+                                </m:den>
+                              </m:f>
+                            </m:e>
+                          </m:d>
+                        </m:e>
+                        <m:sup>
+                          <m:r>
+                            <a:rPr lang="es-ES" b="0" i="1" smtClean="0">
+                              <a:latin typeface="Cambria Math" panose="02040503050406030204" pitchFamily="18" charset="0"/>
+                            </a:rPr>
+                            <m:t>2</m:t>
+                          </m:r>
+                        </m:sup>
+                      </m:sSup>
+                      <m:r>
+                        <a:rPr lang="es-ES" b="0" i="1" smtClean="0">
+                          <a:latin typeface="Cambria Math" panose="02040503050406030204" pitchFamily="18" charset="0"/>
+                        </a:rPr>
+                        <m:t>−</m:t>
+                      </m:r>
+                      <m:sSup>
+                        <m:sSupPr>
+                          <m:ctrlPr>
+                            <a:rPr lang="es-ES" i="1">
+                              <a:latin typeface="Cambria Math" panose="02040503050406030204" pitchFamily="18" charset="0"/>
+                            </a:rPr>
+                          </m:ctrlPr>
+                        </m:sSupPr>
+                        <m:e>
+                          <m:d>
+                            <m:dPr>
+                              <m:ctrlPr>
+                                <a:rPr lang="es-ES" i="1">
+                                  <a:latin typeface="Cambria Math" panose="02040503050406030204" pitchFamily="18" charset="0"/>
+                                </a:rPr>
+                              </m:ctrlPr>
+                            </m:dPr>
+                            <m:e>
+                              <m:f>
+                                <m:fPr>
+                                  <m:ctrlPr>
+                                    <a:rPr lang="es-ES" i="1">
+                                      <a:latin typeface="Cambria Math" panose="02040503050406030204" pitchFamily="18" charset="0"/>
+                                    </a:rPr>
+                                  </m:ctrlPr>
+                                </m:fPr>
+                                <m:num>
+                                  <m:r>
+                                    <a:rPr lang="es-ES" i="1">
+                                      <a:latin typeface="Cambria Math" panose="02040503050406030204" pitchFamily="18" charset="0"/>
+                                    </a:rPr>
+                                    <m:t>1</m:t>
+                                  </m:r>
+                                </m:num>
+                                <m:den>
+                                  <m:r>
+                                    <a:rPr lang="es-ES" i="1">
+                                      <a:latin typeface="Cambria Math" panose="02040503050406030204" pitchFamily="18" charset="0"/>
+                                    </a:rPr>
+                                    <m:t>2</m:t>
+                                  </m:r>
+                                </m:den>
+                              </m:f>
+                            </m:e>
+                          </m:d>
+                        </m:e>
+                        <m:sup>
+                          <m:r>
+                            <a:rPr lang="es-ES" i="1">
+                              <a:latin typeface="Cambria Math" panose="02040503050406030204" pitchFamily="18" charset="0"/>
+                            </a:rPr>
+                            <m:t>2</m:t>
+                          </m:r>
+                        </m:sup>
+                      </m:sSup>
+                    </m:oMath>
+                  </m:oMathPara>
+                </a14:m>
+                <a:endParaRPr lang="es-ES" dirty="0">
+                  <a:ea typeface="Cambria Math" panose="02040503050406030204" pitchFamily="18" charset="0"/>
+                </a:endParaRPr>
+              </a:p>
+              <a:p>
+                <a14:m>
+                  <m:oMathPara xmlns:m="http://schemas.openxmlformats.org/officeDocument/2006/math">
+                    <m:oMathParaPr>
+                      <m:jc m:val="centerGroup"/>
+                    </m:oMathParaPr>
+                    <m:oMath xmlns:m="http://schemas.openxmlformats.org/officeDocument/2006/math">
+                      <m:r>
+                        <a:rPr lang="es-ES" b="0" i="1" smtClean="0">
+                          <a:latin typeface="Cambria Math" panose="02040503050406030204" pitchFamily="18" charset="0"/>
+                        </a:rPr>
+                        <m:t>𝐺</m:t>
+                      </m:r>
+                      <m:r>
+                        <a:rPr lang="es-ES" b="0" i="1" smtClean="0">
+                          <a:latin typeface="Cambria Math" panose="02040503050406030204" pitchFamily="18" charset="0"/>
+                        </a:rPr>
+                        <m:t>=0.5</m:t>
+                      </m:r>
+                    </m:oMath>
+                  </m:oMathPara>
+                </a14:m>
+                <a:endParaRPr lang="en-US" dirty="0"/>
+              </a:p>
+            </p:txBody>
+          </p:sp>
+        </mc:Choice>
+        <mc:Fallback>
+          <p:sp>
+            <p:nvSpPr>
+              <p:cNvPr id="38" name="TextBox 37">
+                <a:extLst>
+                  <a:ext uri="{FF2B5EF4-FFF2-40B4-BE49-F238E27FC236}">
+                    <a16:creationId xmlns:a16="http://schemas.microsoft.com/office/drawing/2014/main" id="{250E7B16-6D08-49FA-A0DC-70C4F2726379}"/>
+                  </a:ext>
+                </a:extLst>
+              </p:cNvPr>
+              <p:cNvSpPr txBox="1">
+                <a:spLocks noRot="1" noChangeAspect="1" noMove="1" noResize="1" noEditPoints="1" noAdjustHandles="1" noChangeArrowheads="1" noChangeShapeType="1" noTextEdit="1"/>
+              </p:cNvSpPr>
+              <p:nvPr/>
+            </p:nvSpPr>
+            <p:spPr>
+              <a:xfrm>
+                <a:off x="7647634" y="4381462"/>
+                <a:ext cx="2201949" cy="954044"/>
+              </a:xfrm>
+              <a:prstGeom prst="rect">
+                <a:avLst/>
+              </a:prstGeom>
+              <a:blipFill>
+                <a:blip r:embed="rId3"/>
+                <a:stretch>
+                  <a:fillRect b="-1923"/>
+                </a:stretch>
+              </a:blipFill>
+            </p:spPr>
+            <p:txBody>
+              <a:bodyPr/>
+              <a:lstStyle/>
+              <a:p>
+                <a:r>
+                  <a:rPr lang="en-US">
+                    <a:noFill/>
+                  </a:rPr>
+                  <a:t> </a:t>
+                </a:r>
+              </a:p>
+            </p:txBody>
+          </p:sp>
+        </mc:Fallback>
+      </mc:AlternateContent>
+      <mc:AlternateContent xmlns:mc="http://schemas.openxmlformats.org/markup-compatibility/2006">
+        <mc:Choice xmlns:a14="http://schemas.microsoft.com/office/drawing/2010/main" Requires="a14">
+          <p:sp>
+            <p:nvSpPr>
+              <p:cNvPr id="26" name="TextBox 25">
+                <a:extLst>
+                  <a:ext uri="{FF2B5EF4-FFF2-40B4-BE49-F238E27FC236}">
+                    <a16:creationId xmlns:a16="http://schemas.microsoft.com/office/drawing/2014/main" id="{00918DF6-F0FC-435C-9F12-2346EE465E30}"/>
+                  </a:ext>
+                </a:extLst>
+              </p:cNvPr>
+              <p:cNvSpPr txBox="1"/>
+              <p:nvPr/>
+            </p:nvSpPr>
+            <p:spPr>
+              <a:xfrm>
+                <a:off x="1450844" y="4757969"/>
+                <a:ext cx="1988429" cy="1033232"/>
+              </a:xfrm>
+              <a:prstGeom prst="rect">
+                <a:avLst/>
+              </a:prstGeom>
+              <a:noFill/>
+            </p:spPr>
+            <p:txBody>
+              <a:bodyPr wrap="none" lIns="0" tIns="0" rIns="0" bIns="0" rtlCol="0">
+                <a:spAutoFit/>
+              </a:bodyPr>
+              <a:lstStyle/>
+              <a:p>
+                <a14:m>
+                  <m:oMathPara xmlns:m="http://schemas.openxmlformats.org/officeDocument/2006/math">
+                    <m:oMathParaPr>
+                      <m:jc m:val="centerGroup"/>
+                    </m:oMathParaPr>
+                    <m:oMath xmlns:m="http://schemas.openxmlformats.org/officeDocument/2006/math">
+                      <m:r>
+                        <a:rPr lang="es-ES" b="0" i="1" smtClean="0">
+                          <a:latin typeface="Cambria Math" panose="02040503050406030204" pitchFamily="18" charset="0"/>
+                        </a:rPr>
+                        <m:t>𝐺𝐼𝑁𝐼</m:t>
+                      </m:r>
+                      <m:r>
+                        <a:rPr lang="es-ES" b="0" i="1" smtClean="0">
+                          <a:latin typeface="Cambria Math" panose="02040503050406030204" pitchFamily="18" charset="0"/>
+                        </a:rPr>
+                        <m:t> </m:t>
+                      </m:r>
+                      <m:r>
+                        <a:rPr lang="es-ES" b="0" i="1" smtClean="0">
+                          <a:latin typeface="Cambria Math" panose="02040503050406030204" pitchFamily="18" charset="0"/>
+                        </a:rPr>
+                        <m:t>𝑖𝑛𝑑𝑒𝑥</m:t>
+                      </m:r>
+                      <m:r>
+                        <a:rPr lang="es-ES" b="0" i="1" smtClean="0">
+                          <a:latin typeface="Cambria Math" panose="02040503050406030204" pitchFamily="18" charset="0"/>
+                        </a:rPr>
+                        <m:t>:</m:t>
+                      </m:r>
+                    </m:oMath>
+                  </m:oMathPara>
+                </a14:m>
+                <a:endParaRPr lang="es-ES" b="0" dirty="0"/>
+              </a:p>
+              <a:p>
+                <a14:m>
+                  <m:oMathPara xmlns:m="http://schemas.openxmlformats.org/officeDocument/2006/math">
+                    <m:oMathParaPr>
+                      <m:jc m:val="centerGroup"/>
+                    </m:oMathParaPr>
+                    <m:oMath xmlns:m="http://schemas.openxmlformats.org/officeDocument/2006/math">
+                      <m:r>
+                        <a:rPr lang="es-ES" b="0" i="1" smtClean="0">
+                          <a:latin typeface="Cambria Math" panose="02040503050406030204" pitchFamily="18" charset="0"/>
+                        </a:rPr>
+                        <m:t>𝐺</m:t>
+                      </m:r>
+                      <m:r>
+                        <a:rPr lang="es-ES" b="0" i="1" smtClean="0">
+                          <a:latin typeface="Cambria Math" panose="02040503050406030204" pitchFamily="18" charset="0"/>
+                        </a:rPr>
+                        <m:t>=1−</m:t>
+                      </m:r>
+                      <m:nary>
+                        <m:naryPr>
+                          <m:chr m:val="∑"/>
+                          <m:ctrlPr>
+                            <a:rPr lang="es-ES" b="0" i="1" smtClean="0">
+                              <a:latin typeface="Cambria Math" panose="02040503050406030204" pitchFamily="18" charset="0"/>
+                            </a:rPr>
+                          </m:ctrlPr>
+                        </m:naryPr>
+                        <m:sub>
+                          <m:r>
+                            <m:rPr>
+                              <m:brk m:alnAt="23"/>
+                            </m:rPr>
+                            <a:rPr lang="es-ES" b="0" i="1" smtClean="0">
+                              <a:latin typeface="Cambria Math" panose="02040503050406030204" pitchFamily="18" charset="0"/>
+                            </a:rPr>
+                            <m:t>𝑖</m:t>
+                          </m:r>
+                          <m:r>
+                            <a:rPr lang="es-ES" b="0" i="1" smtClean="0">
+                              <a:latin typeface="Cambria Math" panose="02040503050406030204" pitchFamily="18" charset="0"/>
+                            </a:rPr>
+                            <m:t>=1</m:t>
+                          </m:r>
+                        </m:sub>
+                        <m:sup>
+                          <m:r>
+                            <a:rPr lang="es-ES" b="0" i="1" smtClean="0">
+                              <a:latin typeface="Cambria Math" panose="02040503050406030204" pitchFamily="18" charset="0"/>
+                            </a:rPr>
+                            <m:t>𝑛</m:t>
+                          </m:r>
+                        </m:sup>
+                        <m:e>
+                          <m:sSup>
+                            <m:sSupPr>
+                              <m:ctrlPr>
+                                <a:rPr lang="es-ES" b="0" i="1" smtClean="0">
+                                  <a:latin typeface="Cambria Math" panose="02040503050406030204" pitchFamily="18" charset="0"/>
+                                </a:rPr>
+                              </m:ctrlPr>
+                            </m:sSupPr>
+                            <m:e>
+                              <m:r>
+                                <a:rPr lang="es-ES" i="1">
+                                  <a:latin typeface="Cambria Math" panose="02040503050406030204" pitchFamily="18" charset="0"/>
+                                </a:rPr>
+                                <m:t>𝑃</m:t>
+                              </m:r>
+                              <m:d>
+                                <m:dPr>
+                                  <m:ctrlPr>
+                                    <a:rPr lang="es-ES" i="1">
+                                      <a:latin typeface="Cambria Math" panose="02040503050406030204" pitchFamily="18" charset="0"/>
+                                    </a:rPr>
+                                  </m:ctrlPr>
+                                </m:dPr>
+                                <m:e>
+                                  <m:sSub>
+                                    <m:sSubPr>
+                                      <m:ctrlPr>
+                                        <a:rPr lang="es-ES" i="1">
+                                          <a:latin typeface="Cambria Math" panose="02040503050406030204" pitchFamily="18" charset="0"/>
+                                        </a:rPr>
+                                      </m:ctrlPr>
+                                    </m:sSubPr>
+                                    <m:e>
+                                      <m:r>
+                                        <a:rPr lang="es-ES" i="1">
+                                          <a:latin typeface="Cambria Math" panose="02040503050406030204" pitchFamily="18" charset="0"/>
+                                        </a:rPr>
+                                        <m:t>𝑋</m:t>
+                                      </m:r>
+                                    </m:e>
+                                    <m:sub>
+                                      <m:r>
+                                        <a:rPr lang="es-ES" i="1">
+                                          <a:latin typeface="Cambria Math" panose="02040503050406030204" pitchFamily="18" charset="0"/>
+                                        </a:rPr>
+                                        <m:t>𝑖</m:t>
+                                      </m:r>
+                                    </m:sub>
+                                  </m:sSub>
+                                </m:e>
+                              </m:d>
+                            </m:e>
+                            <m:sup>
+                              <m:r>
+                                <a:rPr lang="es-ES" b="0" i="1" smtClean="0">
+                                  <a:latin typeface="Cambria Math" panose="02040503050406030204" pitchFamily="18" charset="0"/>
+                                </a:rPr>
+                                <m:t>2</m:t>
+                              </m:r>
+                            </m:sup>
+                          </m:sSup>
+                        </m:e>
+                      </m:nary>
+                    </m:oMath>
+                  </m:oMathPara>
+                </a14:m>
+                <a:endParaRPr lang="en-US" dirty="0"/>
+              </a:p>
+            </p:txBody>
+          </p:sp>
+        </mc:Choice>
+        <mc:Fallback>
+          <p:sp>
+            <p:nvSpPr>
+              <p:cNvPr id="26" name="TextBox 25">
+                <a:extLst>
+                  <a:ext uri="{FF2B5EF4-FFF2-40B4-BE49-F238E27FC236}">
+                    <a16:creationId xmlns:a16="http://schemas.microsoft.com/office/drawing/2014/main" id="{00918DF6-F0FC-435C-9F12-2346EE465E30}"/>
+                  </a:ext>
+                </a:extLst>
+              </p:cNvPr>
+              <p:cNvSpPr txBox="1">
+                <a:spLocks noRot="1" noChangeAspect="1" noMove="1" noResize="1" noEditPoints="1" noAdjustHandles="1" noChangeArrowheads="1" noChangeShapeType="1" noTextEdit="1"/>
+              </p:cNvSpPr>
+              <p:nvPr/>
+            </p:nvSpPr>
+            <p:spPr>
+              <a:xfrm>
+                <a:off x="1450844" y="4757969"/>
+                <a:ext cx="1988429" cy="1033232"/>
+              </a:xfrm>
+              <a:prstGeom prst="rect">
+                <a:avLst/>
+              </a:prstGeom>
+              <a:blipFill>
+                <a:blip r:embed="rId4"/>
+                <a:stretch>
+                  <a:fillRect/>
+                </a:stretch>
+              </a:blipFill>
+            </p:spPr>
+            <p:txBody>
+              <a:bodyPr/>
+              <a:lstStyle/>
+              <a:p>
+                <a:r>
+                  <a:rPr lang="en-US">
+                    <a:noFill/>
+                  </a:rPr>
+                  <a:t> </a:t>
+                </a:r>
+              </a:p>
+            </p:txBody>
+          </p:sp>
+        </mc:Fallback>
+      </mc:AlternateContent>
+    </p:spTree>
+    <p:extLst>
+      <p:ext uri="{BB962C8B-B14F-4D97-AF65-F5344CB8AC3E}">
+        <p14:creationId xmlns:p14="http://schemas.microsoft.com/office/powerpoint/2010/main" val="612789855"/>
+      </p:ext>
+    </p:extLst>
+  </p:cSld>
+  <p:clrMapOvr>
+    <a:masterClrMapping/>
+  </p:clrMapOvr>
+  <p:timing>
+    <p:tnLst>
+      <p:par>
+        <p:cTn id="1" dur="indefinite" restart="never" nodeType="tmRoot">
+          <p:childTnLst>
+            <p:seq concurrent="1" nextAc="seek">
+              <p:cTn id="2" dur="indefinite" nodeType="mainSeq">
+                <p:childTnLst>
+                  <p:par>
+                    <p:cTn id="3" fill="hold">
+                      <p:stCondLst>
+                        <p:cond delay="indefinite"/>
+                      </p:stCondLst>
+                      <p:childTnLst>
+                        <p:par>
+                          <p:cTn id="4" fill="hold">
+                            <p:stCondLst>
+                              <p:cond delay="0"/>
+                            </p:stCondLst>
+                            <p:childTnLst>
+                              <p:par>
+                                <p:cTn id="5" presetID="22" presetClass="entr" presetSubtype="8" fill="hold" nodeType="clickEffect">
+                                  <p:stCondLst>
+                                    <p:cond delay="0"/>
+                                  </p:stCondLst>
+                                  <p:childTnLst>
+                                    <p:set>
+                                      <p:cBhvr>
+                                        <p:cTn id="6" dur="1" fill="hold">
+                                          <p:stCondLst>
+                                            <p:cond delay="0"/>
+                                          </p:stCondLst>
+                                        </p:cTn>
+                                        <p:tgtEl>
+                                          <p:spTgt spid="34"/>
+                                        </p:tgtEl>
+                                        <p:attrNameLst>
+                                          <p:attrName>style.visibility</p:attrName>
+                                        </p:attrNameLst>
+                                      </p:cBhvr>
+                                      <p:to>
+                                        <p:strVal val="visible"/>
+                                      </p:to>
+                                    </p:set>
+                                    <p:animEffect transition="in" filter="wipe(left)">
+                                      <p:cBhvr>
+                                        <p:cTn id="7" dur="500"/>
+                                        <p:tgtEl>
+                                          <p:spTgt spid="34"/>
+                                        </p:tgtEl>
+                                      </p:cBhvr>
+                                    </p:animEffect>
+                                  </p:childTnLst>
+                                </p:cTn>
+                              </p:par>
+                            </p:childTnLst>
+                          </p:cTn>
+                        </p:par>
+                        <p:par>
+                          <p:cTn id="8" fill="hold">
+                            <p:stCondLst>
+                              <p:cond delay="500"/>
+                            </p:stCondLst>
+                            <p:childTnLst>
+                              <p:par>
+                                <p:cTn id="9" presetID="14" presetClass="entr" presetSubtype="10" fill="hold" nodeType="afterEffect">
+                                  <p:stCondLst>
+                                    <p:cond delay="0"/>
+                                  </p:stCondLst>
+                                  <p:childTnLst>
+                                    <p:set>
+                                      <p:cBhvr>
+                                        <p:cTn id="10" dur="1" fill="hold">
+                                          <p:stCondLst>
+                                            <p:cond delay="0"/>
+                                          </p:stCondLst>
+                                        </p:cTn>
+                                        <p:tgtEl>
+                                          <p:spTgt spid="33"/>
+                                        </p:tgtEl>
+                                        <p:attrNameLst>
+                                          <p:attrName>style.visibility</p:attrName>
+                                        </p:attrNameLst>
+                                      </p:cBhvr>
+                                      <p:to>
+                                        <p:strVal val="visible"/>
+                                      </p:to>
+                                    </p:set>
+                                    <p:animEffect transition="in" filter="randombar(horizontal)">
+                                      <p:cBhvr>
+                                        <p:cTn id="11" dur="500"/>
+                                        <p:tgtEl>
+                                          <p:spTgt spid="33"/>
+                                        </p:tgtEl>
+                                      </p:cBhvr>
+                                    </p:animEffect>
+                                  </p:childTnLst>
+                                </p:cTn>
+                              </p:par>
+                            </p:childTnLst>
+                          </p:cTn>
+                        </p:par>
+                        <p:par>
+                          <p:cTn id="12" fill="hold">
+                            <p:stCondLst>
+                              <p:cond delay="1000"/>
+                            </p:stCondLst>
+                            <p:childTnLst>
+                              <p:par>
+                                <p:cTn id="13" presetID="14" presetClass="entr" presetSubtype="10" fill="hold" nodeType="afterEffect">
+                                  <p:stCondLst>
+                                    <p:cond delay="0"/>
+                                  </p:stCondLst>
+                                  <p:childTnLst>
+                                    <p:set>
+                                      <p:cBhvr>
+                                        <p:cTn id="14" dur="1" fill="hold">
+                                          <p:stCondLst>
+                                            <p:cond delay="0"/>
+                                          </p:stCondLst>
+                                        </p:cTn>
+                                        <p:tgtEl>
+                                          <p:spTgt spid="32"/>
+                                        </p:tgtEl>
+                                        <p:attrNameLst>
+                                          <p:attrName>style.visibility</p:attrName>
+                                        </p:attrNameLst>
+                                      </p:cBhvr>
+                                      <p:to>
+                                        <p:strVal val="visible"/>
+                                      </p:to>
+                                    </p:set>
+                                    <p:animEffect transition="in" filter="randombar(horizontal)">
+                                      <p:cBhvr>
+                                        <p:cTn id="15" dur="500"/>
+                                        <p:tgtEl>
+                                          <p:spTgt spid="32"/>
+                                        </p:tgtEl>
+                                      </p:cBhvr>
+                                    </p:animEffect>
+                                  </p:childTnLst>
+                                </p:cTn>
+                              </p:par>
+                            </p:childTnLst>
+                          </p:cTn>
+                        </p:par>
+                        <p:par>
+                          <p:cTn id="16" fill="hold">
+                            <p:stCondLst>
+                              <p:cond delay="1500"/>
+                            </p:stCondLst>
+                            <p:childTnLst>
+                              <p:par>
+                                <p:cTn id="17" presetID="42" presetClass="entr" presetSubtype="0" fill="hold" grpId="0" nodeType="afterEffect">
+                                  <p:stCondLst>
+                                    <p:cond delay="0"/>
+                                  </p:stCondLst>
+                                  <p:childTnLst>
+                                    <p:set>
+                                      <p:cBhvr>
+                                        <p:cTn id="18" dur="1" fill="hold">
+                                          <p:stCondLst>
+                                            <p:cond delay="0"/>
+                                          </p:stCondLst>
+                                        </p:cTn>
+                                        <p:tgtEl>
+                                          <p:spTgt spid="38"/>
+                                        </p:tgtEl>
+                                        <p:attrNameLst>
+                                          <p:attrName>style.visibility</p:attrName>
+                                        </p:attrNameLst>
+                                      </p:cBhvr>
+                                      <p:to>
+                                        <p:strVal val="visible"/>
+                                      </p:to>
+                                    </p:set>
+                                    <p:animEffect transition="in" filter="fade">
+                                      <p:cBhvr>
+                                        <p:cTn id="19" dur="1000"/>
+                                        <p:tgtEl>
+                                          <p:spTgt spid="38"/>
+                                        </p:tgtEl>
+                                      </p:cBhvr>
+                                    </p:animEffect>
+                                    <p:anim calcmode="lin" valueType="num">
+                                      <p:cBhvr>
+                                        <p:cTn id="20" dur="1000" fill="hold"/>
+                                        <p:tgtEl>
+                                          <p:spTgt spid="38"/>
+                                        </p:tgtEl>
+                                        <p:attrNameLst>
+                                          <p:attrName>ppt_x</p:attrName>
+                                        </p:attrNameLst>
+                                      </p:cBhvr>
+                                      <p:tavLst>
+                                        <p:tav tm="0">
+                                          <p:val>
+                                            <p:strVal val="#ppt_x"/>
+                                          </p:val>
+                                        </p:tav>
+                                        <p:tav tm="100000">
+                                          <p:val>
+                                            <p:strVal val="#ppt_x"/>
+                                          </p:val>
+                                        </p:tav>
+                                      </p:tavLst>
+                                    </p:anim>
+                                    <p:anim calcmode="lin" valueType="num">
+                                      <p:cBhvr>
+                                        <p:cTn id="21" dur="1000" fill="hold"/>
+                                        <p:tgtEl>
+                                          <p:spTgt spid="38"/>
+                                        </p:tgtEl>
+                                        <p:attrNameLst>
+                                          <p:attrName>ppt_y</p:attrName>
+                                        </p:attrNameLst>
+                                      </p:cBhvr>
+                                      <p:tavLst>
+                                        <p:tav tm="0">
+                                          <p:val>
+                                            <p:strVal val="#ppt_y+.1"/>
+                                          </p:val>
+                                        </p:tav>
+                                        <p:tav tm="100000">
+                                          <p:val>
+                                            <p:strVal val="#ppt_y"/>
+                                          </p:val>
+                                        </p:tav>
+                                      </p:tavLst>
+                                    </p:anim>
+                                  </p:childTnLst>
+                                </p:cTn>
+                              </p:par>
+                            </p:childTnLst>
+                          </p:cTn>
+                        </p:par>
+                      </p:childTnLst>
+                    </p:cTn>
+                  </p:par>
+                </p:childTnLst>
+              </p:cTn>
+              <p:prevCondLst>
+                <p:cond evt="onPrev" delay="0">
+                  <p:tgtEl>
+                    <p:sldTgt/>
+                  </p:tgtEl>
+                </p:cond>
+              </p:prevCondLst>
+              <p:nextCondLst>
+                <p:cond evt="onNext" delay="0">
+                  <p:tgtEl>
+                    <p:sldTgt/>
+                  </p:tgtEl>
+                </p:cond>
+              </p:nextCondLst>
+            </p:seq>
+          </p:childTnLst>
+        </p:cTn>
+      </p:par>
+    </p:tnLst>
+    <p:bldLst>
+      <p:bldP spid="38" grpId="0"/>
+    </p:bldLst>
+  </p:timing>
+</p:sld>
+</file>
+
+<file path=ppt/slides/slide11.xml><?xml version="1.0" encoding="utf-8"?>
+<p:sld xmlns:a="http://schemas.openxmlformats.org/drawingml/2006/main" xmlns:r="http://schemas.openxmlformats.org/officeDocument/2006/relationships" xmlns:p="http://schemas.openxmlformats.org/presentationml/2006/main">
+  <p:cSld>
+    <p:spTree>
+      <p:nvGrpSpPr>
+        <p:cNvPr id="1" name=""/>
+        <p:cNvGrpSpPr/>
+        <p:nvPr/>
+      </p:nvGrpSpPr>
+      <p:grpSpPr>
+        <a:xfrm>
+          <a:off x="0" y="0"/>
+          <a:ext cx="0" cy="0"/>
+          <a:chOff x="0" y="0"/>
+          <a:chExt cx="0" cy="0"/>
+        </a:xfrm>
+      </p:grpSpPr>
+      <p:sp>
+        <p:nvSpPr>
+          <p:cNvPr id="2" name="Title 1">
+            <a:extLst>
+              <a:ext uri="{FF2B5EF4-FFF2-40B4-BE49-F238E27FC236}">
+                <a16:creationId xmlns:a16="http://schemas.microsoft.com/office/drawing/2014/main" id="{B9D755BD-C46C-4969-88F5-0EEB8CB37B16}"/>
+              </a:ext>
+            </a:extLst>
+          </p:cNvPr>
+          <p:cNvSpPr>
+            <a:spLocks noGrp="1"/>
+          </p:cNvSpPr>
+          <p:nvPr>
+            <p:ph type="title"/>
+          </p:nvPr>
+        </p:nvSpPr>
+        <p:spPr/>
+        <p:txBody>
+          <a:bodyPr/>
+          <a:lstStyle/>
+          <a:p>
+            <a:pPr algn="ctr"/>
+            <a:r>
+              <a:rPr lang="en-US" altLang="zh-CN" dirty="0"/>
+              <a:t>Types of decision tree algorithm</a:t>
+            </a:r>
+            <a:endParaRPr lang="en-US" dirty="0"/>
+          </a:p>
+        </p:txBody>
+      </p:sp>
+      <p:sp>
+        <p:nvSpPr>
+          <p:cNvPr id="3" name="Content Placeholder 2">
+            <a:extLst>
+              <a:ext uri="{FF2B5EF4-FFF2-40B4-BE49-F238E27FC236}">
+                <a16:creationId xmlns:a16="http://schemas.microsoft.com/office/drawing/2014/main" id="{5B4EA9DA-4BD8-4047-9061-DF86FFEA21DA}"/>
+              </a:ext>
+            </a:extLst>
+          </p:cNvPr>
+          <p:cNvSpPr>
+            <a:spLocks noGrp="1"/>
+          </p:cNvSpPr>
+          <p:nvPr>
+            <p:ph idx="1"/>
+          </p:nvPr>
+        </p:nvSpPr>
+        <p:spPr/>
+        <p:txBody>
+          <a:bodyPr>
+            <a:normAutofit/>
+          </a:bodyPr>
+          <a:lstStyle/>
+          <a:p>
+            <a:r>
+              <a:rPr lang="en-US" dirty="0"/>
+              <a:t>Iterative </a:t>
+            </a:r>
+            <a:r>
+              <a:rPr lang="en-US" dirty="0" err="1"/>
+              <a:t>Dichotomiser</a:t>
+            </a:r>
+            <a:r>
+              <a:rPr lang="en-US" dirty="0"/>
+              <a:t> 3 </a:t>
+            </a:r>
+            <a:r>
+              <a:rPr lang="es-ES" dirty="0"/>
+              <a:t>(ID3): </a:t>
+            </a:r>
+            <a:r>
+              <a:rPr lang="en-US" altLang="zh-CN" dirty="0"/>
+              <a:t>Information Gain by change in entropy</a:t>
+            </a:r>
+          </a:p>
+          <a:p>
+            <a:r>
+              <a:rPr lang="en-US" dirty="0"/>
+              <a:t>C4.5: Following ID3 but use of Gain Ratio to improve</a:t>
+            </a:r>
+          </a:p>
+          <a:p>
+            <a:r>
+              <a:rPr lang="en-US" dirty="0"/>
+              <a:t>Classification and Regression Tree (CART): binary tree using GINI index</a:t>
+            </a:r>
+          </a:p>
+        </p:txBody>
+      </p:sp>
+      <p:grpSp>
+        <p:nvGrpSpPr>
+          <p:cNvPr id="34" name="Group 33">
+            <a:extLst>
+              <a:ext uri="{FF2B5EF4-FFF2-40B4-BE49-F238E27FC236}">
+                <a16:creationId xmlns:a16="http://schemas.microsoft.com/office/drawing/2014/main" id="{B7D4190C-5E16-49F1-A5DE-54BEF2FEB2B7}"/>
+              </a:ext>
+            </a:extLst>
+          </p:cNvPr>
+          <p:cNvGrpSpPr/>
+          <p:nvPr/>
+        </p:nvGrpSpPr>
+        <p:grpSpPr>
+          <a:xfrm>
+            <a:off x="3801445" y="4668196"/>
+            <a:ext cx="1423188" cy="1144744"/>
+            <a:chOff x="5660904" y="4606901"/>
+            <a:chExt cx="1423188" cy="1144744"/>
+          </a:xfrm>
+        </p:grpSpPr>
+        <p:cxnSp>
+          <p:nvCxnSpPr>
+            <p:cNvPr id="6" name="Straight Arrow Connector 5">
+              <a:extLst>
+                <a:ext uri="{FF2B5EF4-FFF2-40B4-BE49-F238E27FC236}">
+                  <a16:creationId xmlns:a16="http://schemas.microsoft.com/office/drawing/2014/main" id="{847A5B53-31BE-4DFF-B097-C7EFE1C0DF88}"/>
+                </a:ext>
+              </a:extLst>
+            </p:cNvPr>
+            <p:cNvCxnSpPr/>
+            <p:nvPr/>
+          </p:nvCxnSpPr>
+          <p:spPr>
+            <a:xfrm flipV="1">
+              <a:off x="5660904" y="4606901"/>
+              <a:ext cx="1389050" cy="572372"/>
+            </a:xfrm>
+            <a:prstGeom prst="straightConnector1">
+              <a:avLst/>
+            </a:prstGeom>
+            <a:ln>
+              <a:tailEnd type="triangle"/>
+            </a:ln>
+          </p:spPr>
+          <p:style>
+            <a:lnRef idx="1">
+              <a:schemeClr val="accent4"/>
+            </a:lnRef>
+            <a:fillRef idx="0">
+              <a:schemeClr val="accent4"/>
+            </a:fillRef>
+            <a:effectRef idx="0">
+              <a:schemeClr val="accent4"/>
+            </a:effectRef>
+            <a:fontRef idx="minor">
+              <a:schemeClr val="tx1"/>
+            </a:fontRef>
+          </p:style>
+        </p:cxnSp>
+        <p:cxnSp>
+          <p:nvCxnSpPr>
+            <p:cNvPr id="7" name="Straight Arrow Connector 6">
+              <a:extLst>
+                <a:ext uri="{FF2B5EF4-FFF2-40B4-BE49-F238E27FC236}">
+                  <a16:creationId xmlns:a16="http://schemas.microsoft.com/office/drawing/2014/main" id="{8AB02331-4785-48C2-92F1-024B607A3265}"/>
+                </a:ext>
+              </a:extLst>
+            </p:cNvPr>
+            <p:cNvCxnSpPr>
+              <a:cxnSpLocks/>
+            </p:cNvCxnSpPr>
+            <p:nvPr/>
+          </p:nvCxnSpPr>
+          <p:spPr>
+            <a:xfrm>
+              <a:off x="5695042" y="5179273"/>
+              <a:ext cx="1389050" cy="572372"/>
+            </a:xfrm>
+            <a:prstGeom prst="straightConnector1">
+              <a:avLst/>
+            </a:prstGeom>
+            <a:ln>
+              <a:tailEnd type="triangle"/>
+            </a:ln>
+          </p:spPr>
+          <p:style>
+            <a:lnRef idx="1">
+              <a:schemeClr val="accent4"/>
+            </a:lnRef>
+            <a:fillRef idx="0">
+              <a:schemeClr val="accent4"/>
+            </a:fillRef>
+            <a:effectRef idx="0">
+              <a:schemeClr val="accent4"/>
+            </a:effectRef>
+            <a:fontRef idx="minor">
+              <a:schemeClr val="tx1"/>
+            </a:fontRef>
+          </p:style>
+        </p:cxnSp>
+      </p:grpSp>
+      <p:grpSp>
+        <p:nvGrpSpPr>
+          <p:cNvPr id="33" name="Group 32">
+            <a:extLst>
+              <a:ext uri="{FF2B5EF4-FFF2-40B4-BE49-F238E27FC236}">
+                <a16:creationId xmlns:a16="http://schemas.microsoft.com/office/drawing/2014/main" id="{4B4D3D72-2F39-4040-BA2D-58B36AE8E34F}"/>
+              </a:ext>
+            </a:extLst>
+          </p:cNvPr>
+          <p:cNvGrpSpPr/>
+          <p:nvPr/>
+        </p:nvGrpSpPr>
+        <p:grpSpPr>
+          <a:xfrm>
+            <a:off x="5228510" y="4330521"/>
+            <a:ext cx="2168203" cy="1888128"/>
+            <a:chOff x="7080499" y="4271853"/>
+            <a:chExt cx="2168203" cy="1888128"/>
+          </a:xfrm>
+        </p:grpSpPr>
+        <p:sp>
+          <p:nvSpPr>
+            <p:cNvPr id="8" name="Rectangle 7">
+              <a:extLst>
+                <a:ext uri="{FF2B5EF4-FFF2-40B4-BE49-F238E27FC236}">
+                  <a16:creationId xmlns:a16="http://schemas.microsoft.com/office/drawing/2014/main" id="{7E61187B-FCC2-40AF-A673-B27791BC544E}"/>
+                </a:ext>
+              </a:extLst>
+            </p:cNvPr>
+            <p:cNvSpPr/>
+            <p:nvPr/>
+          </p:nvSpPr>
+          <p:spPr>
+            <a:xfrm>
+              <a:off x="7084092" y="4271853"/>
+              <a:ext cx="2164610" cy="867864"/>
+            </a:xfrm>
+            <a:prstGeom prst="rect">
+              <a:avLst/>
+            </a:prstGeom>
+          </p:spPr>
+          <p:style>
+            <a:lnRef idx="2">
+              <a:schemeClr val="dk1"/>
+            </a:lnRef>
+            <a:fillRef idx="1">
+              <a:schemeClr val="lt1"/>
+            </a:fillRef>
+            <a:effectRef idx="0">
+              <a:schemeClr val="dk1"/>
+            </a:effectRef>
+            <a:fontRef idx="minor">
+              <a:schemeClr val="dk1"/>
+            </a:fontRef>
+          </p:style>
+          <p:txBody>
+            <a:bodyPr rtlCol="0" anchor="ctr"/>
+            <a:lstStyle/>
+            <a:p>
+              <a:pPr algn="ctr"/>
+              <a:endParaRPr lang="en-US" dirty="0"/>
+            </a:p>
+          </p:txBody>
+        </p:sp>
+        <p:sp>
+          <p:nvSpPr>
+            <p:cNvPr id="9" name="Rectangle 8">
+              <a:extLst>
+                <a:ext uri="{FF2B5EF4-FFF2-40B4-BE49-F238E27FC236}">
+                  <a16:creationId xmlns:a16="http://schemas.microsoft.com/office/drawing/2014/main" id="{90A12CD6-774D-4FA4-B5F5-63993423EE37}"/>
+                </a:ext>
+              </a:extLst>
+            </p:cNvPr>
+            <p:cNvSpPr/>
+            <p:nvPr/>
+          </p:nvSpPr>
+          <p:spPr>
+            <a:xfrm>
+              <a:off x="7080499" y="5292117"/>
+              <a:ext cx="2164610" cy="867864"/>
+            </a:xfrm>
+            <a:prstGeom prst="rect">
+              <a:avLst/>
+            </a:prstGeom>
+          </p:spPr>
+          <p:style>
+            <a:lnRef idx="2">
+              <a:schemeClr val="dk1"/>
+            </a:lnRef>
+            <a:fillRef idx="1">
+              <a:schemeClr val="lt1"/>
+            </a:fillRef>
+            <a:effectRef idx="0">
+              <a:schemeClr val="dk1"/>
+            </a:effectRef>
+            <a:fontRef idx="minor">
+              <a:schemeClr val="dk1"/>
+            </a:fontRef>
+          </p:style>
+          <p:txBody>
+            <a:bodyPr rtlCol="0" anchor="ctr"/>
+            <a:lstStyle/>
+            <a:p>
+              <a:pPr algn="ctr"/>
+              <a:endParaRPr lang="en-US"/>
+            </a:p>
+          </p:txBody>
+        </p:sp>
+      </p:grpSp>
+      <mc:AlternateContent xmlns:mc="http://schemas.openxmlformats.org/markup-compatibility/2006">
+        <mc:Choice xmlns:a14="http://schemas.microsoft.com/office/drawing/2010/main" Requires="a14">
+          <p:sp>
+            <p:nvSpPr>
+              <p:cNvPr id="38" name="TextBox 37">
+                <a:extLst>
+                  <a:ext uri="{FF2B5EF4-FFF2-40B4-BE49-F238E27FC236}">
+                    <a16:creationId xmlns:a16="http://schemas.microsoft.com/office/drawing/2014/main" id="{250E7B16-6D08-49FA-A0DC-70C4F2726379}"/>
+                  </a:ext>
+                </a:extLst>
+              </p:cNvPr>
+              <p:cNvSpPr txBox="1"/>
+              <p:nvPr/>
+            </p:nvSpPr>
+            <p:spPr>
+              <a:xfrm>
+                <a:off x="7647634" y="4381462"/>
+                <a:ext cx="2285305" cy="954044"/>
+              </a:xfrm>
+              <a:prstGeom prst="rect">
+                <a:avLst/>
+              </a:prstGeom>
+              <a:noFill/>
+            </p:spPr>
+            <p:txBody>
+              <a:bodyPr wrap="none" lIns="0" tIns="0" rIns="0" bIns="0" rtlCol="0">
+                <a:spAutoFit/>
+              </a:bodyPr>
+              <a:lstStyle/>
+              <a:p>
+                <a14:m>
+                  <m:oMathPara xmlns:m="http://schemas.openxmlformats.org/officeDocument/2006/math">
+                    <m:oMathParaPr>
+                      <m:jc m:val="centerGroup"/>
+                    </m:oMathParaPr>
+                    <m:oMath xmlns:m="http://schemas.openxmlformats.org/officeDocument/2006/math">
+                      <m:r>
+                        <a:rPr lang="es-ES" b="0" i="1" smtClean="0">
+                          <a:latin typeface="Cambria Math" panose="02040503050406030204" pitchFamily="18" charset="0"/>
+                        </a:rPr>
+                        <m:t>𝐺</m:t>
+                      </m:r>
+                      <m:r>
+                        <a:rPr lang="es-ES" b="0" i="1" smtClean="0">
+                          <a:latin typeface="Cambria Math" panose="02040503050406030204" pitchFamily="18" charset="0"/>
+                        </a:rPr>
+                        <m:t>=1−</m:t>
+                      </m:r>
+                      <m:sSup>
+                        <m:sSupPr>
+                          <m:ctrlPr>
+                            <a:rPr lang="es-ES" b="0" i="1" smtClean="0">
+                              <a:latin typeface="Cambria Math" panose="02040503050406030204" pitchFamily="18" charset="0"/>
+                            </a:rPr>
+                          </m:ctrlPr>
+                        </m:sSupPr>
+                        <m:e>
+                          <m:d>
+                            <m:dPr>
+                              <m:ctrlPr>
+                                <a:rPr lang="es-ES" b="0" i="1" smtClean="0">
+                                  <a:latin typeface="Cambria Math" panose="02040503050406030204" pitchFamily="18" charset="0"/>
+                                </a:rPr>
+                              </m:ctrlPr>
+                            </m:dPr>
+                            <m:e>
+                              <m:f>
+                                <m:fPr>
+                                  <m:ctrlPr>
+                                    <a:rPr lang="es-ES" b="0" i="1" smtClean="0">
+                                      <a:latin typeface="Cambria Math" panose="02040503050406030204" pitchFamily="18" charset="0"/>
+                                    </a:rPr>
+                                  </m:ctrlPr>
+                                </m:fPr>
+                                <m:num>
+                                  <m:r>
+                                    <a:rPr lang="es-ES" b="0" i="1" smtClean="0">
+                                      <a:latin typeface="Cambria Math" panose="02040503050406030204" pitchFamily="18" charset="0"/>
+                                    </a:rPr>
+                                    <m:t>5</m:t>
+                                  </m:r>
+                                </m:num>
+                                <m:den>
+                                  <m:r>
+                                    <a:rPr lang="es-ES" b="0" i="1" smtClean="0">
+                                      <a:latin typeface="Cambria Math" panose="02040503050406030204" pitchFamily="18" charset="0"/>
+                                    </a:rPr>
+                                    <m:t>6</m:t>
+                                  </m:r>
+                                </m:den>
+                              </m:f>
+                            </m:e>
+                          </m:d>
+                        </m:e>
+                        <m:sup>
+                          <m:r>
+                            <a:rPr lang="es-ES" b="0" i="1" smtClean="0">
+                              <a:latin typeface="Cambria Math" panose="02040503050406030204" pitchFamily="18" charset="0"/>
+                            </a:rPr>
+                            <m:t>2</m:t>
+                          </m:r>
+                        </m:sup>
+                      </m:sSup>
+                      <m:r>
+                        <a:rPr lang="es-ES" b="0" i="1" smtClean="0">
+                          <a:latin typeface="Cambria Math" panose="02040503050406030204" pitchFamily="18" charset="0"/>
+                        </a:rPr>
+                        <m:t>−</m:t>
+                      </m:r>
+                      <m:sSup>
+                        <m:sSupPr>
+                          <m:ctrlPr>
+                            <a:rPr lang="es-ES" i="1">
+                              <a:latin typeface="Cambria Math" panose="02040503050406030204" pitchFamily="18" charset="0"/>
+                            </a:rPr>
+                          </m:ctrlPr>
+                        </m:sSupPr>
+                        <m:e>
+                          <m:d>
+                            <m:dPr>
+                              <m:ctrlPr>
+                                <a:rPr lang="es-ES" i="1">
+                                  <a:latin typeface="Cambria Math" panose="02040503050406030204" pitchFamily="18" charset="0"/>
+                                </a:rPr>
+                              </m:ctrlPr>
+                            </m:dPr>
+                            <m:e>
+                              <m:f>
+                                <m:fPr>
+                                  <m:ctrlPr>
+                                    <a:rPr lang="es-ES" i="1">
+                                      <a:latin typeface="Cambria Math" panose="02040503050406030204" pitchFamily="18" charset="0"/>
+                                    </a:rPr>
+                                  </m:ctrlPr>
+                                </m:fPr>
+                                <m:num>
+                                  <m:r>
+                                    <a:rPr lang="es-ES" b="0" i="1" smtClean="0">
+                                      <a:latin typeface="Cambria Math" panose="02040503050406030204" pitchFamily="18" charset="0"/>
+                                    </a:rPr>
+                                    <m:t>1</m:t>
+                                  </m:r>
+                                </m:num>
+                                <m:den>
+                                  <m:r>
+                                    <a:rPr lang="es-ES" b="0" i="1" smtClean="0">
+                                      <a:latin typeface="Cambria Math" panose="02040503050406030204" pitchFamily="18" charset="0"/>
+                                    </a:rPr>
+                                    <m:t>6</m:t>
+                                  </m:r>
+                                </m:den>
+                              </m:f>
+                            </m:e>
+                          </m:d>
+                        </m:e>
+                        <m:sup>
+                          <m:r>
+                            <a:rPr lang="es-ES" i="1">
+                              <a:latin typeface="Cambria Math" panose="02040503050406030204" pitchFamily="18" charset="0"/>
+                            </a:rPr>
+                            <m:t>2</m:t>
+                          </m:r>
+                        </m:sup>
+                      </m:sSup>
+                    </m:oMath>
+                  </m:oMathPara>
+                </a14:m>
+                <a:endParaRPr lang="es-ES" dirty="0">
+                  <a:ea typeface="Cambria Math" panose="02040503050406030204" pitchFamily="18" charset="0"/>
+                </a:endParaRPr>
+              </a:p>
+              <a:p>
+                <a14:m>
+                  <m:oMathPara xmlns:m="http://schemas.openxmlformats.org/officeDocument/2006/math">
+                    <m:oMathParaPr>
+                      <m:jc m:val="centerGroup"/>
+                    </m:oMathParaPr>
+                    <m:oMath xmlns:m="http://schemas.openxmlformats.org/officeDocument/2006/math">
+                      <m:r>
+                        <a:rPr lang="es-ES" b="0" i="1" smtClean="0">
+                          <a:latin typeface="Cambria Math" panose="02040503050406030204" pitchFamily="18" charset="0"/>
+                        </a:rPr>
+                        <m:t>𝐺</m:t>
+                      </m:r>
+                      <m:r>
+                        <a:rPr lang="es-ES" b="0" i="1" smtClean="0">
+                          <a:latin typeface="Cambria Math" panose="02040503050406030204" pitchFamily="18" charset="0"/>
+                        </a:rPr>
+                        <m:t>=0.28</m:t>
+                      </m:r>
+                    </m:oMath>
+                  </m:oMathPara>
+                </a14:m>
+                <a:endParaRPr lang="en-US" dirty="0"/>
+              </a:p>
+            </p:txBody>
+          </p:sp>
+        </mc:Choice>
+        <mc:Fallback>
+          <p:sp>
+            <p:nvSpPr>
+              <p:cNvPr id="38" name="TextBox 37">
+                <a:extLst>
+                  <a:ext uri="{FF2B5EF4-FFF2-40B4-BE49-F238E27FC236}">
+                    <a16:creationId xmlns:a16="http://schemas.microsoft.com/office/drawing/2014/main" id="{250E7B16-6D08-49FA-A0DC-70C4F2726379}"/>
+                  </a:ext>
+                </a:extLst>
+              </p:cNvPr>
+              <p:cNvSpPr txBox="1">
+                <a:spLocks noRot="1" noChangeAspect="1" noMove="1" noResize="1" noEditPoints="1" noAdjustHandles="1" noChangeArrowheads="1" noChangeShapeType="1" noTextEdit="1"/>
+              </p:cNvSpPr>
+              <p:nvPr/>
+            </p:nvSpPr>
+            <p:spPr>
+              <a:xfrm>
+                <a:off x="7647634" y="4381462"/>
+                <a:ext cx="2285305" cy="954044"/>
+              </a:xfrm>
+              <a:prstGeom prst="rect">
+                <a:avLst/>
+              </a:prstGeom>
+              <a:blipFill>
+                <a:blip r:embed="rId3"/>
+                <a:stretch>
+                  <a:fillRect b="-1282"/>
+                </a:stretch>
+              </a:blipFill>
+            </p:spPr>
+            <p:txBody>
+              <a:bodyPr/>
+              <a:lstStyle/>
+              <a:p>
+                <a:r>
+                  <a:rPr lang="en-US">
+                    <a:noFill/>
+                  </a:rPr>
+                  <a:t> </a:t>
+                </a:r>
+              </a:p>
+            </p:txBody>
+          </p:sp>
+        </mc:Fallback>
+      </mc:AlternateContent>
+      <mc:AlternateContent xmlns:mc="http://schemas.openxmlformats.org/markup-compatibility/2006">
+        <mc:Choice xmlns:a14="http://schemas.microsoft.com/office/drawing/2010/main" Requires="a14">
+          <p:sp>
+            <p:nvSpPr>
+              <p:cNvPr id="26" name="TextBox 25">
+                <a:extLst>
+                  <a:ext uri="{FF2B5EF4-FFF2-40B4-BE49-F238E27FC236}">
+                    <a16:creationId xmlns:a16="http://schemas.microsoft.com/office/drawing/2014/main" id="{00918DF6-F0FC-435C-9F12-2346EE465E30}"/>
+                  </a:ext>
+                </a:extLst>
+              </p:cNvPr>
+              <p:cNvSpPr txBox="1"/>
+              <p:nvPr/>
+            </p:nvSpPr>
+            <p:spPr>
+              <a:xfrm>
+                <a:off x="1450844" y="4757969"/>
+                <a:ext cx="1988429" cy="1033232"/>
+              </a:xfrm>
+              <a:prstGeom prst="rect">
+                <a:avLst/>
+              </a:prstGeom>
+              <a:noFill/>
+            </p:spPr>
+            <p:txBody>
+              <a:bodyPr wrap="none" lIns="0" tIns="0" rIns="0" bIns="0" rtlCol="0">
+                <a:spAutoFit/>
+              </a:bodyPr>
+              <a:lstStyle/>
+              <a:p>
+                <a14:m>
+                  <m:oMathPara xmlns:m="http://schemas.openxmlformats.org/officeDocument/2006/math">
+                    <m:oMathParaPr>
+                      <m:jc m:val="centerGroup"/>
+                    </m:oMathParaPr>
+                    <m:oMath xmlns:m="http://schemas.openxmlformats.org/officeDocument/2006/math">
+                      <m:r>
+                        <a:rPr lang="es-ES" b="0" i="1" smtClean="0">
+                          <a:latin typeface="Cambria Math" panose="02040503050406030204" pitchFamily="18" charset="0"/>
+                        </a:rPr>
+                        <m:t>𝐺𝐼𝑁𝐼</m:t>
+                      </m:r>
+                      <m:r>
+                        <a:rPr lang="es-ES" b="0" i="1" smtClean="0">
+                          <a:latin typeface="Cambria Math" panose="02040503050406030204" pitchFamily="18" charset="0"/>
+                        </a:rPr>
+                        <m:t> </m:t>
+                      </m:r>
+                      <m:r>
+                        <a:rPr lang="es-ES" b="0" i="1" smtClean="0">
+                          <a:latin typeface="Cambria Math" panose="02040503050406030204" pitchFamily="18" charset="0"/>
+                        </a:rPr>
+                        <m:t>𝑖𝑛𝑑𝑒𝑥</m:t>
+                      </m:r>
+                      <m:r>
+                        <a:rPr lang="es-ES" b="0" i="1" smtClean="0">
+                          <a:latin typeface="Cambria Math" panose="02040503050406030204" pitchFamily="18" charset="0"/>
+                        </a:rPr>
+                        <m:t>:</m:t>
+                      </m:r>
+                    </m:oMath>
+                  </m:oMathPara>
+                </a14:m>
+                <a:endParaRPr lang="es-ES" b="0" dirty="0"/>
+              </a:p>
+              <a:p>
+                <a14:m>
+                  <m:oMathPara xmlns:m="http://schemas.openxmlformats.org/officeDocument/2006/math">
+                    <m:oMathParaPr>
+                      <m:jc m:val="centerGroup"/>
+                    </m:oMathParaPr>
+                    <m:oMath xmlns:m="http://schemas.openxmlformats.org/officeDocument/2006/math">
+                      <m:r>
+                        <a:rPr lang="es-ES" b="0" i="1" smtClean="0">
+                          <a:latin typeface="Cambria Math" panose="02040503050406030204" pitchFamily="18" charset="0"/>
+                        </a:rPr>
+                        <m:t>𝐺</m:t>
+                      </m:r>
+                      <m:r>
+                        <a:rPr lang="es-ES" b="0" i="1" smtClean="0">
+                          <a:latin typeface="Cambria Math" panose="02040503050406030204" pitchFamily="18" charset="0"/>
+                        </a:rPr>
+                        <m:t>=1−</m:t>
+                      </m:r>
+                      <m:nary>
+                        <m:naryPr>
+                          <m:chr m:val="∑"/>
+                          <m:ctrlPr>
+                            <a:rPr lang="es-ES" b="0" i="1" smtClean="0">
+                              <a:latin typeface="Cambria Math" panose="02040503050406030204" pitchFamily="18" charset="0"/>
+                            </a:rPr>
+                          </m:ctrlPr>
+                        </m:naryPr>
+                        <m:sub>
+                          <m:r>
+                            <m:rPr>
+                              <m:brk m:alnAt="23"/>
+                            </m:rPr>
+                            <a:rPr lang="es-ES" b="0" i="1" smtClean="0">
+                              <a:latin typeface="Cambria Math" panose="02040503050406030204" pitchFamily="18" charset="0"/>
+                            </a:rPr>
+                            <m:t>𝑖</m:t>
+                          </m:r>
+                          <m:r>
+                            <a:rPr lang="es-ES" b="0" i="1" smtClean="0">
+                              <a:latin typeface="Cambria Math" panose="02040503050406030204" pitchFamily="18" charset="0"/>
+                            </a:rPr>
+                            <m:t>=1</m:t>
+                          </m:r>
+                        </m:sub>
+                        <m:sup>
+                          <m:r>
+                            <a:rPr lang="es-ES" b="0" i="1" smtClean="0">
+                              <a:latin typeface="Cambria Math" panose="02040503050406030204" pitchFamily="18" charset="0"/>
+                            </a:rPr>
+                            <m:t>𝑛</m:t>
+                          </m:r>
+                        </m:sup>
+                        <m:e>
+                          <m:sSup>
+                            <m:sSupPr>
+                              <m:ctrlPr>
+                                <a:rPr lang="es-ES" b="0" i="1" smtClean="0">
+                                  <a:latin typeface="Cambria Math" panose="02040503050406030204" pitchFamily="18" charset="0"/>
+                                </a:rPr>
+                              </m:ctrlPr>
+                            </m:sSupPr>
+                            <m:e>
+                              <m:r>
+                                <a:rPr lang="es-ES" i="1">
+                                  <a:latin typeface="Cambria Math" panose="02040503050406030204" pitchFamily="18" charset="0"/>
+                                </a:rPr>
+                                <m:t>𝑃</m:t>
+                              </m:r>
+                              <m:d>
+                                <m:dPr>
+                                  <m:ctrlPr>
+                                    <a:rPr lang="es-ES" i="1">
+                                      <a:latin typeface="Cambria Math" panose="02040503050406030204" pitchFamily="18" charset="0"/>
+                                    </a:rPr>
+                                  </m:ctrlPr>
+                                </m:dPr>
+                                <m:e>
+                                  <m:sSub>
+                                    <m:sSubPr>
+                                      <m:ctrlPr>
+                                        <a:rPr lang="es-ES" i="1">
+                                          <a:latin typeface="Cambria Math" panose="02040503050406030204" pitchFamily="18" charset="0"/>
+                                        </a:rPr>
+                                      </m:ctrlPr>
+                                    </m:sSubPr>
+                                    <m:e>
+                                      <m:r>
+                                        <a:rPr lang="es-ES" i="1">
+                                          <a:latin typeface="Cambria Math" panose="02040503050406030204" pitchFamily="18" charset="0"/>
+                                        </a:rPr>
+                                        <m:t>𝑋</m:t>
+                                      </m:r>
+                                    </m:e>
+                                    <m:sub>
+                                      <m:r>
+                                        <a:rPr lang="es-ES" i="1">
+                                          <a:latin typeface="Cambria Math" panose="02040503050406030204" pitchFamily="18" charset="0"/>
+                                        </a:rPr>
+                                        <m:t>𝑖</m:t>
+                                      </m:r>
+                                    </m:sub>
+                                  </m:sSub>
+                                </m:e>
+                              </m:d>
+                            </m:e>
+                            <m:sup>
+                              <m:r>
+                                <a:rPr lang="es-ES" b="0" i="1" smtClean="0">
+                                  <a:latin typeface="Cambria Math" panose="02040503050406030204" pitchFamily="18" charset="0"/>
+                                </a:rPr>
+                                <m:t>2</m:t>
+                              </m:r>
+                            </m:sup>
+                          </m:sSup>
+                        </m:e>
+                      </m:nary>
+                    </m:oMath>
+                  </m:oMathPara>
+                </a14:m>
+                <a:endParaRPr lang="en-US" dirty="0"/>
+              </a:p>
+            </p:txBody>
+          </p:sp>
+        </mc:Choice>
+        <mc:Fallback>
+          <p:sp>
+            <p:nvSpPr>
+              <p:cNvPr id="26" name="TextBox 25">
+                <a:extLst>
+                  <a:ext uri="{FF2B5EF4-FFF2-40B4-BE49-F238E27FC236}">
+                    <a16:creationId xmlns:a16="http://schemas.microsoft.com/office/drawing/2014/main" id="{00918DF6-F0FC-435C-9F12-2346EE465E30}"/>
+                  </a:ext>
+                </a:extLst>
+              </p:cNvPr>
+              <p:cNvSpPr txBox="1">
+                <a:spLocks noRot="1" noChangeAspect="1" noMove="1" noResize="1" noEditPoints="1" noAdjustHandles="1" noChangeArrowheads="1" noChangeShapeType="1" noTextEdit="1"/>
+              </p:cNvSpPr>
+              <p:nvPr/>
+            </p:nvSpPr>
+            <p:spPr>
+              <a:xfrm>
+                <a:off x="1450844" y="4757969"/>
+                <a:ext cx="1988429" cy="1033232"/>
+              </a:xfrm>
+              <a:prstGeom prst="rect">
+                <a:avLst/>
+              </a:prstGeom>
+              <a:blipFill>
+                <a:blip r:embed="rId4"/>
+                <a:stretch>
+                  <a:fillRect/>
+                </a:stretch>
+              </a:blipFill>
+            </p:spPr>
+            <p:txBody>
+              <a:bodyPr/>
+              <a:lstStyle/>
+              <a:p>
+                <a:r>
+                  <a:rPr lang="en-US">
+                    <a:noFill/>
+                  </a:rPr>
+                  <a:t> </a:t>
+                </a:r>
+              </a:p>
+            </p:txBody>
+          </p:sp>
+        </mc:Fallback>
+      </mc:AlternateContent>
+      <p:grpSp>
+        <p:nvGrpSpPr>
+          <p:cNvPr id="35" name="Group 34">
+            <a:extLst>
+              <a:ext uri="{FF2B5EF4-FFF2-40B4-BE49-F238E27FC236}">
+                <a16:creationId xmlns:a16="http://schemas.microsoft.com/office/drawing/2014/main" id="{397A920E-9155-4A1E-B677-3F67C6A2670A}"/>
+              </a:ext>
+            </a:extLst>
+          </p:cNvPr>
+          <p:cNvGrpSpPr/>
+          <p:nvPr/>
+        </p:nvGrpSpPr>
+        <p:grpSpPr>
+          <a:xfrm>
+            <a:off x="5458543" y="4390732"/>
+            <a:ext cx="1855867" cy="1767705"/>
+            <a:chOff x="6346685" y="4397148"/>
+            <a:chExt cx="1855867" cy="1767705"/>
+          </a:xfrm>
+        </p:grpSpPr>
+        <p:sp>
+          <p:nvSpPr>
+            <p:cNvPr id="36" name="Oval 35">
+              <a:extLst>
+                <a:ext uri="{FF2B5EF4-FFF2-40B4-BE49-F238E27FC236}">
+                  <a16:creationId xmlns:a16="http://schemas.microsoft.com/office/drawing/2014/main" id="{008BC794-96F6-4B82-9C0D-3B296A3C03F4}"/>
+                </a:ext>
+              </a:extLst>
+            </p:cNvPr>
+            <p:cNvSpPr/>
+            <p:nvPr/>
+          </p:nvSpPr>
+          <p:spPr>
+            <a:xfrm>
+              <a:off x="6356133" y="4466652"/>
+              <a:ext cx="335047" cy="335047"/>
+            </a:xfrm>
+            <a:prstGeom prst="ellipse">
+              <a:avLst/>
+            </a:prstGeom>
+          </p:spPr>
+          <p:style>
+            <a:lnRef idx="2">
+              <a:schemeClr val="accent2">
+                <a:shade val="50000"/>
+              </a:schemeClr>
+            </a:lnRef>
+            <a:fillRef idx="1">
+              <a:schemeClr val="accent2"/>
+            </a:fillRef>
+            <a:effectRef idx="0">
+              <a:schemeClr val="accent2"/>
+            </a:effectRef>
+            <a:fontRef idx="minor">
+              <a:schemeClr val="lt1"/>
+            </a:fontRef>
+          </p:style>
+          <p:txBody>
+            <a:bodyPr rtlCol="0" anchor="ctr"/>
+            <a:lstStyle/>
+            <a:p>
+              <a:pPr algn="ctr"/>
+              <a:endParaRPr lang="en-US"/>
+            </a:p>
+          </p:txBody>
+        </p:sp>
+        <p:sp>
+          <p:nvSpPr>
+            <p:cNvPr id="37" name="Oval 36">
+              <a:extLst>
+                <a:ext uri="{FF2B5EF4-FFF2-40B4-BE49-F238E27FC236}">
+                  <a16:creationId xmlns:a16="http://schemas.microsoft.com/office/drawing/2014/main" id="{225D2FBB-5664-4F17-9D0B-3BE44B8FA43C}"/>
+                </a:ext>
+              </a:extLst>
+            </p:cNvPr>
+            <p:cNvSpPr/>
+            <p:nvPr/>
+          </p:nvSpPr>
+          <p:spPr>
+            <a:xfrm>
+              <a:off x="6687815" y="4775309"/>
+              <a:ext cx="335047" cy="335047"/>
+            </a:xfrm>
+            <a:prstGeom prst="ellipse">
+              <a:avLst/>
+            </a:prstGeom>
+          </p:spPr>
+          <p:style>
+            <a:lnRef idx="2">
+              <a:schemeClr val="accent2">
+                <a:shade val="50000"/>
+              </a:schemeClr>
+            </a:lnRef>
+            <a:fillRef idx="1">
+              <a:schemeClr val="accent2"/>
+            </a:fillRef>
+            <a:effectRef idx="0">
+              <a:schemeClr val="accent2"/>
+            </a:effectRef>
+            <a:fontRef idx="minor">
+              <a:schemeClr val="lt1"/>
+            </a:fontRef>
+          </p:style>
+          <p:txBody>
+            <a:bodyPr rtlCol="0" anchor="ctr"/>
+            <a:lstStyle/>
+            <a:p>
+              <a:pPr algn="ctr"/>
+              <a:endParaRPr lang="en-US"/>
+            </a:p>
+          </p:txBody>
+        </p:sp>
+        <p:sp>
+          <p:nvSpPr>
+            <p:cNvPr id="39" name="Oval 38">
+              <a:extLst>
+                <a:ext uri="{FF2B5EF4-FFF2-40B4-BE49-F238E27FC236}">
+                  <a16:creationId xmlns:a16="http://schemas.microsoft.com/office/drawing/2014/main" id="{82B54B39-9823-4C38-B0F9-0A32DC45761C}"/>
+                </a:ext>
+              </a:extLst>
+            </p:cNvPr>
+            <p:cNvSpPr/>
+            <p:nvPr/>
+          </p:nvSpPr>
+          <p:spPr>
+            <a:xfrm>
+              <a:off x="7005764" y="4397148"/>
+              <a:ext cx="335047" cy="335047"/>
+            </a:xfrm>
+            <a:prstGeom prst="ellipse">
+              <a:avLst/>
+            </a:prstGeom>
+          </p:spPr>
+          <p:style>
+            <a:lnRef idx="2">
+              <a:schemeClr val="accent2">
+                <a:shade val="50000"/>
+              </a:schemeClr>
+            </a:lnRef>
+            <a:fillRef idx="1">
+              <a:schemeClr val="accent2"/>
+            </a:fillRef>
+            <a:effectRef idx="0">
+              <a:schemeClr val="accent2"/>
+            </a:effectRef>
+            <a:fontRef idx="minor">
+              <a:schemeClr val="lt1"/>
+            </a:fontRef>
+          </p:style>
+          <p:txBody>
+            <a:bodyPr rtlCol="0" anchor="ctr"/>
+            <a:lstStyle/>
+            <a:p>
+              <a:pPr algn="ctr"/>
+              <a:endParaRPr lang="en-US"/>
+            </a:p>
+          </p:txBody>
+        </p:sp>
+        <p:sp>
+          <p:nvSpPr>
+            <p:cNvPr id="40" name="Oval 39">
+              <a:extLst>
+                <a:ext uri="{FF2B5EF4-FFF2-40B4-BE49-F238E27FC236}">
+                  <a16:creationId xmlns:a16="http://schemas.microsoft.com/office/drawing/2014/main" id="{8D9359B7-AB9C-42F8-89BD-7F5E4846F250}"/>
+                </a:ext>
+              </a:extLst>
+            </p:cNvPr>
+            <p:cNvSpPr/>
+            <p:nvPr/>
+          </p:nvSpPr>
+          <p:spPr>
+            <a:xfrm>
+              <a:off x="7782670" y="4408905"/>
+              <a:ext cx="335047" cy="335047"/>
+            </a:xfrm>
+            <a:prstGeom prst="ellipse">
+              <a:avLst/>
+            </a:prstGeom>
+          </p:spPr>
+          <p:style>
+            <a:lnRef idx="2">
+              <a:schemeClr val="accent2">
+                <a:shade val="50000"/>
+              </a:schemeClr>
+            </a:lnRef>
+            <a:fillRef idx="1">
+              <a:schemeClr val="accent2"/>
+            </a:fillRef>
+            <a:effectRef idx="0">
+              <a:schemeClr val="accent2"/>
+            </a:effectRef>
+            <a:fontRef idx="minor">
+              <a:schemeClr val="lt1"/>
+            </a:fontRef>
+          </p:style>
+          <p:txBody>
+            <a:bodyPr rtlCol="0" anchor="ctr"/>
+            <a:lstStyle/>
+            <a:p>
+              <a:pPr algn="ctr"/>
+              <a:endParaRPr lang="en-US"/>
+            </a:p>
+          </p:txBody>
+        </p:sp>
+        <p:sp>
+          <p:nvSpPr>
+            <p:cNvPr id="41" name="Oval 40">
+              <a:extLst>
+                <a:ext uri="{FF2B5EF4-FFF2-40B4-BE49-F238E27FC236}">
+                  <a16:creationId xmlns:a16="http://schemas.microsoft.com/office/drawing/2014/main" id="{21378F57-CA97-4DD3-BD13-E5C53C296B72}"/>
+                </a:ext>
+              </a:extLst>
+            </p:cNvPr>
+            <p:cNvSpPr/>
+            <p:nvPr/>
+          </p:nvSpPr>
+          <p:spPr>
+            <a:xfrm>
+              <a:off x="7072601" y="5765541"/>
+              <a:ext cx="335047" cy="335047"/>
+            </a:xfrm>
+            <a:prstGeom prst="ellipse">
+              <a:avLst/>
+            </a:prstGeom>
+          </p:spPr>
+          <p:style>
+            <a:lnRef idx="2">
+              <a:schemeClr val="accent2">
+                <a:shade val="50000"/>
+              </a:schemeClr>
+            </a:lnRef>
+            <a:fillRef idx="1">
+              <a:schemeClr val="accent2"/>
+            </a:fillRef>
+            <a:effectRef idx="0">
+              <a:schemeClr val="accent2"/>
+            </a:effectRef>
+            <a:fontRef idx="minor">
+              <a:schemeClr val="lt1"/>
+            </a:fontRef>
+          </p:style>
+          <p:txBody>
+            <a:bodyPr rtlCol="0" anchor="ctr"/>
+            <a:lstStyle/>
+            <a:p>
+              <a:pPr algn="ctr"/>
+              <a:endParaRPr lang="en-US"/>
+            </a:p>
+          </p:txBody>
+        </p:sp>
+        <p:sp>
+          <p:nvSpPr>
+            <p:cNvPr id="42" name="Oval 41">
+              <a:extLst>
+                <a:ext uri="{FF2B5EF4-FFF2-40B4-BE49-F238E27FC236}">
+                  <a16:creationId xmlns:a16="http://schemas.microsoft.com/office/drawing/2014/main" id="{C82D2E10-5A54-4A4E-834F-B67A72E6746F}"/>
+                </a:ext>
+              </a:extLst>
+            </p:cNvPr>
+            <p:cNvSpPr/>
+            <p:nvPr/>
+          </p:nvSpPr>
+          <p:spPr>
+            <a:xfrm>
+              <a:off x="7248579" y="5411884"/>
+              <a:ext cx="335047" cy="335047"/>
+            </a:xfrm>
+            <a:prstGeom prst="ellipse">
+              <a:avLst/>
+            </a:prstGeom>
+          </p:spPr>
+          <p:style>
+            <a:lnRef idx="2">
+              <a:schemeClr val="accent2">
+                <a:shade val="50000"/>
+              </a:schemeClr>
+            </a:lnRef>
+            <a:fillRef idx="1">
+              <a:schemeClr val="accent2"/>
+            </a:fillRef>
+            <a:effectRef idx="0">
+              <a:schemeClr val="accent2"/>
+            </a:effectRef>
+            <a:fontRef idx="minor">
+              <a:schemeClr val="lt1"/>
+            </a:fontRef>
+          </p:style>
+          <p:txBody>
+            <a:bodyPr rtlCol="0" anchor="ctr"/>
+            <a:lstStyle/>
+            <a:p>
+              <a:pPr algn="ctr"/>
+              <a:endParaRPr lang="en-US"/>
+            </a:p>
+          </p:txBody>
+        </p:sp>
+        <p:sp>
+          <p:nvSpPr>
+            <p:cNvPr id="43" name="Oval 42">
+              <a:extLst>
+                <a:ext uri="{FF2B5EF4-FFF2-40B4-BE49-F238E27FC236}">
+                  <a16:creationId xmlns:a16="http://schemas.microsoft.com/office/drawing/2014/main" id="{5518AB49-37F3-41CB-930D-3225B9DC245C}"/>
+                </a:ext>
+              </a:extLst>
+            </p:cNvPr>
+            <p:cNvSpPr/>
+            <p:nvPr/>
+          </p:nvSpPr>
+          <p:spPr>
+            <a:xfrm>
+              <a:off x="7610742" y="4781015"/>
+              <a:ext cx="335047" cy="335047"/>
+            </a:xfrm>
+            <a:prstGeom prst="ellipse">
+              <a:avLst/>
+            </a:prstGeom>
+          </p:spPr>
+          <p:style>
+            <a:lnRef idx="2">
+              <a:schemeClr val="accent2">
+                <a:shade val="50000"/>
+              </a:schemeClr>
+            </a:lnRef>
+            <a:fillRef idx="1">
+              <a:schemeClr val="accent2"/>
+            </a:fillRef>
+            <a:effectRef idx="0">
+              <a:schemeClr val="accent2"/>
+            </a:effectRef>
+            <a:fontRef idx="minor">
+              <a:schemeClr val="lt1"/>
+            </a:fontRef>
+          </p:style>
+          <p:txBody>
+            <a:bodyPr rtlCol="0" anchor="ctr"/>
+            <a:lstStyle/>
+            <a:p>
+              <a:pPr algn="ctr"/>
+              <a:endParaRPr lang="en-US"/>
+            </a:p>
+          </p:txBody>
+        </p:sp>
+        <p:sp>
+          <p:nvSpPr>
+            <p:cNvPr id="44" name="Oval 43">
+              <a:extLst>
+                <a:ext uri="{FF2B5EF4-FFF2-40B4-BE49-F238E27FC236}">
+                  <a16:creationId xmlns:a16="http://schemas.microsoft.com/office/drawing/2014/main" id="{F7C6EA1D-6A29-4AA2-A198-5B319EDAB942}"/>
+                </a:ext>
+              </a:extLst>
+            </p:cNvPr>
+            <p:cNvSpPr/>
+            <p:nvPr/>
+          </p:nvSpPr>
+          <p:spPr>
+            <a:xfrm>
+              <a:off x="7183945" y="4774286"/>
+              <a:ext cx="335047" cy="335047"/>
+            </a:xfrm>
+            <a:prstGeom prst="ellipse">
+              <a:avLst/>
+            </a:prstGeom>
+          </p:spPr>
+          <p:style>
+            <a:lnRef idx="2">
+              <a:schemeClr val="accent5">
+                <a:shade val="50000"/>
+              </a:schemeClr>
+            </a:lnRef>
+            <a:fillRef idx="1">
+              <a:schemeClr val="accent5"/>
+            </a:fillRef>
+            <a:effectRef idx="0">
+              <a:schemeClr val="accent5"/>
+            </a:effectRef>
+            <a:fontRef idx="minor">
+              <a:schemeClr val="lt1"/>
+            </a:fontRef>
+          </p:style>
+          <p:txBody>
+            <a:bodyPr rtlCol="0" anchor="ctr"/>
+            <a:lstStyle/>
+            <a:p>
+              <a:pPr algn="ctr"/>
+              <a:endParaRPr lang="en-US"/>
+            </a:p>
+          </p:txBody>
+        </p:sp>
+        <p:sp>
+          <p:nvSpPr>
+            <p:cNvPr id="45" name="Oval 44">
+              <a:extLst>
+                <a:ext uri="{FF2B5EF4-FFF2-40B4-BE49-F238E27FC236}">
+                  <a16:creationId xmlns:a16="http://schemas.microsoft.com/office/drawing/2014/main" id="{6C485697-7B50-43CF-9083-BEC1CD496EFB}"/>
+                </a:ext>
+              </a:extLst>
+            </p:cNvPr>
+            <p:cNvSpPr/>
+            <p:nvPr/>
+          </p:nvSpPr>
+          <p:spPr>
+            <a:xfrm>
+              <a:off x="7867505" y="5430494"/>
+              <a:ext cx="335047" cy="335047"/>
+            </a:xfrm>
+            <a:prstGeom prst="ellipse">
+              <a:avLst/>
+            </a:prstGeom>
+          </p:spPr>
+          <p:style>
+            <a:lnRef idx="2">
+              <a:schemeClr val="accent5">
+                <a:shade val="50000"/>
+              </a:schemeClr>
+            </a:lnRef>
+            <a:fillRef idx="1">
+              <a:schemeClr val="accent5"/>
+            </a:fillRef>
+            <a:effectRef idx="0">
+              <a:schemeClr val="accent5"/>
+            </a:effectRef>
+            <a:fontRef idx="minor">
+              <a:schemeClr val="lt1"/>
+            </a:fontRef>
+          </p:style>
+          <p:txBody>
+            <a:bodyPr rtlCol="0" anchor="ctr"/>
+            <a:lstStyle/>
+            <a:p>
+              <a:pPr algn="ctr"/>
+              <a:endParaRPr lang="en-US"/>
+            </a:p>
+          </p:txBody>
+        </p:sp>
+        <p:sp>
+          <p:nvSpPr>
+            <p:cNvPr id="46" name="Oval 45">
+              <a:extLst>
+                <a:ext uri="{FF2B5EF4-FFF2-40B4-BE49-F238E27FC236}">
+                  <a16:creationId xmlns:a16="http://schemas.microsoft.com/office/drawing/2014/main" id="{6B67C11B-CA4E-4443-9304-49CB6EB39314}"/>
+                </a:ext>
+              </a:extLst>
+            </p:cNvPr>
+            <p:cNvSpPr/>
+            <p:nvPr/>
+          </p:nvSpPr>
+          <p:spPr>
+            <a:xfrm>
+              <a:off x="7583626" y="5829806"/>
+              <a:ext cx="335047" cy="335047"/>
+            </a:xfrm>
+            <a:prstGeom prst="ellipse">
+              <a:avLst/>
+            </a:prstGeom>
+          </p:spPr>
+          <p:style>
+            <a:lnRef idx="2">
+              <a:schemeClr val="accent5">
+                <a:shade val="50000"/>
+              </a:schemeClr>
+            </a:lnRef>
+            <a:fillRef idx="1">
+              <a:schemeClr val="accent5"/>
+            </a:fillRef>
+            <a:effectRef idx="0">
+              <a:schemeClr val="accent5"/>
+            </a:effectRef>
+            <a:fontRef idx="minor">
+              <a:schemeClr val="lt1"/>
+            </a:fontRef>
+          </p:style>
+          <p:txBody>
+            <a:bodyPr rtlCol="0" anchor="ctr"/>
+            <a:lstStyle/>
+            <a:p>
+              <a:pPr algn="ctr"/>
+              <a:endParaRPr lang="en-US"/>
+            </a:p>
+          </p:txBody>
+        </p:sp>
+        <p:sp>
+          <p:nvSpPr>
+            <p:cNvPr id="47" name="Oval 46">
+              <a:extLst>
+                <a:ext uri="{FF2B5EF4-FFF2-40B4-BE49-F238E27FC236}">
+                  <a16:creationId xmlns:a16="http://schemas.microsoft.com/office/drawing/2014/main" id="{49087F92-03DA-4E7D-973E-959090E81464}"/>
+                </a:ext>
+              </a:extLst>
+            </p:cNvPr>
+            <p:cNvSpPr/>
+            <p:nvPr/>
+          </p:nvSpPr>
+          <p:spPr>
+            <a:xfrm>
+              <a:off x="6346685" y="5442757"/>
+              <a:ext cx="335047" cy="335047"/>
+            </a:xfrm>
+            <a:prstGeom prst="ellipse">
+              <a:avLst/>
+            </a:prstGeom>
+          </p:spPr>
+          <p:style>
+            <a:lnRef idx="2">
+              <a:schemeClr val="accent5">
+                <a:shade val="50000"/>
+              </a:schemeClr>
+            </a:lnRef>
+            <a:fillRef idx="1">
+              <a:schemeClr val="accent5"/>
+            </a:fillRef>
+            <a:effectRef idx="0">
+              <a:schemeClr val="accent5"/>
+            </a:effectRef>
+            <a:fontRef idx="minor">
+              <a:schemeClr val="lt1"/>
+            </a:fontRef>
+          </p:style>
+          <p:txBody>
+            <a:bodyPr rtlCol="0" anchor="ctr"/>
+            <a:lstStyle/>
+            <a:p>
+              <a:pPr algn="ctr"/>
+              <a:endParaRPr lang="en-US"/>
+            </a:p>
+          </p:txBody>
+        </p:sp>
+        <p:sp>
+          <p:nvSpPr>
+            <p:cNvPr id="48" name="Oval 47">
+              <a:extLst>
+                <a:ext uri="{FF2B5EF4-FFF2-40B4-BE49-F238E27FC236}">
+                  <a16:creationId xmlns:a16="http://schemas.microsoft.com/office/drawing/2014/main" id="{D2136F37-A3FE-4F78-BD4D-6DE43BB2D26E}"/>
+                </a:ext>
+              </a:extLst>
+            </p:cNvPr>
+            <p:cNvSpPr/>
+            <p:nvPr/>
+          </p:nvSpPr>
+          <p:spPr>
+            <a:xfrm>
+              <a:off x="6602225" y="5770586"/>
+              <a:ext cx="335047" cy="335047"/>
+            </a:xfrm>
+            <a:prstGeom prst="ellipse">
+              <a:avLst/>
+            </a:prstGeom>
+          </p:spPr>
+          <p:style>
+            <a:lnRef idx="2">
+              <a:schemeClr val="accent5">
+                <a:shade val="50000"/>
+              </a:schemeClr>
+            </a:lnRef>
+            <a:fillRef idx="1">
+              <a:schemeClr val="accent5"/>
+            </a:fillRef>
+            <a:effectRef idx="0">
+              <a:schemeClr val="accent5"/>
+            </a:effectRef>
+            <a:fontRef idx="minor">
+              <a:schemeClr val="lt1"/>
+            </a:fontRef>
+          </p:style>
+          <p:txBody>
+            <a:bodyPr rtlCol="0" anchor="ctr"/>
+            <a:lstStyle/>
+            <a:p>
+              <a:pPr algn="ctr"/>
+              <a:endParaRPr lang="en-US"/>
+            </a:p>
+          </p:txBody>
+        </p:sp>
+        <p:sp>
+          <p:nvSpPr>
+            <p:cNvPr id="49" name="Oval 48">
+              <a:extLst>
+                <a:ext uri="{FF2B5EF4-FFF2-40B4-BE49-F238E27FC236}">
+                  <a16:creationId xmlns:a16="http://schemas.microsoft.com/office/drawing/2014/main" id="{F6B42F41-FE54-4E5F-994A-51507BE306CA}"/>
+                </a:ext>
+              </a:extLst>
+            </p:cNvPr>
+            <p:cNvSpPr/>
+            <p:nvPr/>
+          </p:nvSpPr>
+          <p:spPr>
+            <a:xfrm>
+              <a:off x="6772083" y="5430494"/>
+              <a:ext cx="335047" cy="335047"/>
+            </a:xfrm>
+            <a:prstGeom prst="ellipse">
+              <a:avLst/>
+            </a:prstGeom>
+          </p:spPr>
+          <p:style>
+            <a:lnRef idx="2">
+              <a:schemeClr val="accent5">
+                <a:shade val="50000"/>
+              </a:schemeClr>
+            </a:lnRef>
+            <a:fillRef idx="1">
+              <a:schemeClr val="accent5"/>
+            </a:fillRef>
+            <a:effectRef idx="0">
+              <a:schemeClr val="accent5"/>
+            </a:effectRef>
+            <a:fontRef idx="minor">
+              <a:schemeClr val="lt1"/>
+            </a:fontRef>
+          </p:style>
+          <p:txBody>
+            <a:bodyPr rtlCol="0" anchor="ctr"/>
+            <a:lstStyle/>
+            <a:p>
+              <a:pPr algn="ctr"/>
+              <a:endParaRPr lang="en-US"/>
+            </a:p>
+          </p:txBody>
+        </p:sp>
+      </p:grpSp>
+    </p:spTree>
+    <p:extLst>
+      <p:ext uri="{BB962C8B-B14F-4D97-AF65-F5344CB8AC3E}">
+        <p14:creationId xmlns:p14="http://schemas.microsoft.com/office/powerpoint/2010/main" val="3472126617"/>
+      </p:ext>
+    </p:extLst>
+  </p:cSld>
+  <p:clrMapOvr>
+    <a:masterClrMapping/>
+  </p:clrMapOvr>
+  <p:timing>
+    <p:tnLst>
+      <p:par>
+        <p:cTn id="1" dur="indefinite" restart="never" nodeType="tmRoot">
+          <p:childTnLst>
+            <p:seq concurrent="1" nextAc="seek">
+              <p:cTn id="2" dur="indefinite" nodeType="mainSeq">
+                <p:childTnLst>
+                  <p:par>
+                    <p:cTn id="3" fill="hold">
+                      <p:stCondLst>
+                        <p:cond delay="indefinite"/>
+                        <p:cond evt="onBegin" delay="0">
+                          <p:tn val="2"/>
+                        </p:cond>
+                      </p:stCondLst>
+                      <p:childTnLst>
+                        <p:par>
+                          <p:cTn id="4" fill="hold">
+                            <p:stCondLst>
+                              <p:cond delay="0"/>
+                            </p:stCondLst>
+                            <p:childTnLst>
+                              <p:par>
+                                <p:cTn id="5" presetID="22" presetClass="entr" presetSubtype="8" fill="hold" nodeType="afterEffect">
+                                  <p:stCondLst>
+                                    <p:cond delay="0"/>
+                                  </p:stCondLst>
+                                  <p:childTnLst>
+                                    <p:set>
+                                      <p:cBhvr>
+                                        <p:cTn id="6" dur="1" fill="hold">
+                                          <p:stCondLst>
+                                            <p:cond delay="0"/>
+                                          </p:stCondLst>
+                                        </p:cTn>
+                                        <p:tgtEl>
+                                          <p:spTgt spid="34"/>
+                                        </p:tgtEl>
+                                        <p:attrNameLst>
+                                          <p:attrName>style.visibility</p:attrName>
+                                        </p:attrNameLst>
+                                      </p:cBhvr>
+                                      <p:to>
+                                        <p:strVal val="visible"/>
+                                      </p:to>
+                                    </p:set>
+                                    <p:animEffect transition="in" filter="wipe(left)">
+                                      <p:cBhvr>
+                                        <p:cTn id="7" dur="500"/>
+                                        <p:tgtEl>
+                                          <p:spTgt spid="34"/>
+                                        </p:tgtEl>
+                                      </p:cBhvr>
+                                    </p:animEffect>
+                                  </p:childTnLst>
+                                </p:cTn>
+                              </p:par>
+                            </p:childTnLst>
+                          </p:cTn>
+                        </p:par>
+                        <p:par>
+                          <p:cTn id="8" fill="hold">
+                            <p:stCondLst>
+                              <p:cond delay="500"/>
+                            </p:stCondLst>
+                            <p:childTnLst>
+                              <p:par>
+                                <p:cTn id="9" presetID="14" presetClass="entr" presetSubtype="10" fill="hold" nodeType="afterEffect">
+                                  <p:stCondLst>
+                                    <p:cond delay="0"/>
+                                  </p:stCondLst>
+                                  <p:childTnLst>
+                                    <p:set>
+                                      <p:cBhvr>
+                                        <p:cTn id="10" dur="1" fill="hold">
+                                          <p:stCondLst>
+                                            <p:cond delay="0"/>
+                                          </p:stCondLst>
+                                        </p:cTn>
+                                        <p:tgtEl>
+                                          <p:spTgt spid="33"/>
+                                        </p:tgtEl>
+                                        <p:attrNameLst>
+                                          <p:attrName>style.visibility</p:attrName>
+                                        </p:attrNameLst>
+                                      </p:cBhvr>
+                                      <p:to>
+                                        <p:strVal val="visible"/>
+                                      </p:to>
+                                    </p:set>
+                                    <p:animEffect transition="in" filter="randombar(horizontal)">
+                                      <p:cBhvr>
+                                        <p:cTn id="11" dur="500"/>
+                                        <p:tgtEl>
+                                          <p:spTgt spid="33"/>
+                                        </p:tgtEl>
+                                      </p:cBhvr>
+                                    </p:animEffect>
+                                  </p:childTnLst>
+                                </p:cTn>
+                              </p:par>
+                            </p:childTnLst>
+                          </p:cTn>
+                        </p:par>
+                        <p:par>
+                          <p:cTn id="12" fill="hold">
+                            <p:stCondLst>
+                              <p:cond delay="1000"/>
+                            </p:stCondLst>
+                            <p:childTnLst>
+                              <p:par>
+                                <p:cTn id="13" presetID="14" presetClass="entr" presetSubtype="10" fill="hold" nodeType="afterEffect">
+                                  <p:stCondLst>
+                                    <p:cond delay="0"/>
+                                  </p:stCondLst>
+                                  <p:childTnLst>
+                                    <p:set>
+                                      <p:cBhvr>
+                                        <p:cTn id="14" dur="1" fill="hold">
+                                          <p:stCondLst>
+                                            <p:cond delay="0"/>
+                                          </p:stCondLst>
+                                        </p:cTn>
+                                        <p:tgtEl>
+                                          <p:spTgt spid="35"/>
+                                        </p:tgtEl>
+                                        <p:attrNameLst>
+                                          <p:attrName>style.visibility</p:attrName>
+                                        </p:attrNameLst>
+                                      </p:cBhvr>
+                                      <p:to>
+                                        <p:strVal val="visible"/>
+                                      </p:to>
+                                    </p:set>
+                                    <p:animEffect transition="in" filter="randombar(horizontal)">
+                                      <p:cBhvr>
+                                        <p:cTn id="15" dur="500"/>
+                                        <p:tgtEl>
+                                          <p:spTgt spid="35"/>
+                                        </p:tgtEl>
+                                      </p:cBhvr>
+                                    </p:animEffect>
+                                  </p:childTnLst>
+                                </p:cTn>
+                              </p:par>
+                            </p:childTnLst>
+                          </p:cTn>
+                        </p:par>
+                        <p:par>
+                          <p:cTn id="16" fill="hold">
+                            <p:stCondLst>
+                              <p:cond delay="1500"/>
+                            </p:stCondLst>
+                            <p:childTnLst>
+                              <p:par>
+                                <p:cTn id="17" presetID="42" presetClass="entr" presetSubtype="0" fill="hold" grpId="0" nodeType="afterEffect">
+                                  <p:stCondLst>
+                                    <p:cond delay="0"/>
+                                  </p:stCondLst>
+                                  <p:childTnLst>
+                                    <p:set>
+                                      <p:cBhvr>
+                                        <p:cTn id="18" dur="1" fill="hold">
+                                          <p:stCondLst>
+                                            <p:cond delay="0"/>
+                                          </p:stCondLst>
+                                        </p:cTn>
+                                        <p:tgtEl>
+                                          <p:spTgt spid="38"/>
+                                        </p:tgtEl>
+                                        <p:attrNameLst>
+                                          <p:attrName>style.visibility</p:attrName>
+                                        </p:attrNameLst>
+                                      </p:cBhvr>
+                                      <p:to>
+                                        <p:strVal val="visible"/>
+                                      </p:to>
+                                    </p:set>
+                                    <p:animEffect transition="in" filter="fade">
+                                      <p:cBhvr>
+                                        <p:cTn id="19" dur="1000"/>
+                                        <p:tgtEl>
+                                          <p:spTgt spid="38"/>
+                                        </p:tgtEl>
+                                      </p:cBhvr>
+                                    </p:animEffect>
+                                    <p:anim calcmode="lin" valueType="num">
+                                      <p:cBhvr>
+                                        <p:cTn id="20" dur="1000" fill="hold"/>
+                                        <p:tgtEl>
+                                          <p:spTgt spid="38"/>
+                                        </p:tgtEl>
+                                        <p:attrNameLst>
+                                          <p:attrName>ppt_x</p:attrName>
+                                        </p:attrNameLst>
+                                      </p:cBhvr>
+                                      <p:tavLst>
+                                        <p:tav tm="0">
+                                          <p:val>
+                                            <p:strVal val="#ppt_x"/>
+                                          </p:val>
+                                        </p:tav>
+                                        <p:tav tm="100000">
+                                          <p:val>
+                                            <p:strVal val="#ppt_x"/>
+                                          </p:val>
+                                        </p:tav>
+                                      </p:tavLst>
+                                    </p:anim>
+                                    <p:anim calcmode="lin" valueType="num">
+                                      <p:cBhvr>
+                                        <p:cTn id="21" dur="1000" fill="hold"/>
+                                        <p:tgtEl>
+                                          <p:spTgt spid="38"/>
+                                        </p:tgtEl>
+                                        <p:attrNameLst>
+                                          <p:attrName>ppt_y</p:attrName>
+                                        </p:attrNameLst>
+                                      </p:cBhvr>
+                                      <p:tavLst>
+                                        <p:tav tm="0">
+                                          <p:val>
+                                            <p:strVal val="#ppt_y+.1"/>
+                                          </p:val>
+                                        </p:tav>
+                                        <p:tav tm="100000">
+                                          <p:val>
+                                            <p:strVal val="#ppt_y"/>
+                                          </p:val>
+                                        </p:tav>
+                                      </p:tavLst>
+                                    </p:anim>
+                                  </p:childTnLst>
+                                </p:cTn>
+                              </p:par>
+                            </p:childTnLst>
+                          </p:cTn>
+                        </p:par>
+                      </p:childTnLst>
+                    </p:cTn>
+                  </p:par>
+                </p:childTnLst>
+              </p:cTn>
+              <p:prevCondLst>
+                <p:cond evt="onPrev" delay="0">
+                  <p:tgtEl>
+                    <p:sldTgt/>
+                  </p:tgtEl>
+                </p:cond>
+              </p:prevCondLst>
+              <p:nextCondLst>
+                <p:cond evt="onNext" delay="0">
+                  <p:tgtEl>
+                    <p:sldTgt/>
+                  </p:tgtEl>
+                </p:cond>
+              </p:nextCondLst>
+            </p:seq>
+          </p:childTnLst>
+        </p:cTn>
+      </p:par>
+    </p:tnLst>
+    <p:bldLst>
+      <p:bldP spid="38" grpId="0"/>
+    </p:bldLst>
+  </p:timing>
+</p:sld>
+</file>
+
+<file path=ppt/slides/slide12.xml><?xml version="1.0" encoding="utf-8"?>
+<p:sld xmlns:a="http://schemas.openxmlformats.org/drawingml/2006/main" xmlns:r="http://schemas.openxmlformats.org/officeDocument/2006/relationships" xmlns:p="http://schemas.openxmlformats.org/presentationml/2006/main">
+  <p:cSld>
+    <p:spTree>
+      <p:nvGrpSpPr>
+        <p:cNvPr id="1" name=""/>
+        <p:cNvGrpSpPr/>
+        <p:nvPr/>
+      </p:nvGrpSpPr>
+      <p:grpSpPr>
+        <a:xfrm>
+          <a:off x="0" y="0"/>
+          <a:ext cx="0" cy="0"/>
+          <a:chOff x="0" y="0"/>
+          <a:chExt cx="0" cy="0"/>
+        </a:xfrm>
+      </p:grpSpPr>
+      <p:sp>
+        <p:nvSpPr>
+          <p:cNvPr id="2" name="Title 1">
+            <a:extLst>
+              <a:ext uri="{FF2B5EF4-FFF2-40B4-BE49-F238E27FC236}">
+                <a16:creationId xmlns:a16="http://schemas.microsoft.com/office/drawing/2014/main" id="{78E9AE0E-9D47-4B15-B5D7-F81CA2BDB645}"/>
+              </a:ext>
+            </a:extLst>
+          </p:cNvPr>
+          <p:cNvSpPr>
+            <a:spLocks noGrp="1"/>
+          </p:cNvSpPr>
+          <p:nvPr>
+            <p:ph type="title"/>
+          </p:nvPr>
+        </p:nvSpPr>
+        <p:spPr>
+          <a:xfrm>
+            <a:off x="1143001" y="2689715"/>
+            <a:ext cx="9905998" cy="1478570"/>
+          </a:xfrm>
+        </p:spPr>
+        <p:txBody>
+          <a:bodyPr/>
+          <a:lstStyle/>
+          <a:p>
+            <a:r>
+              <a:rPr lang="en-GB" dirty="0"/>
+              <a:t>Live coding</a:t>
+            </a:r>
+            <a:r>
+              <a:rPr lang="es-ES" dirty="0"/>
+              <a:t>: </a:t>
+            </a:r>
+            <a:r>
+              <a:rPr lang="en-GB" dirty="0"/>
+              <a:t>titanic survival - Decision tree</a:t>
+            </a:r>
+            <a:endParaRPr lang="en-US" dirty="0"/>
+          </a:p>
+        </p:txBody>
+      </p:sp>
+    </p:spTree>
+    <p:extLst>
+      <p:ext uri="{BB962C8B-B14F-4D97-AF65-F5344CB8AC3E}">
+        <p14:creationId xmlns:p14="http://schemas.microsoft.com/office/powerpoint/2010/main" val="530779773"/>
+      </p:ext>
+    </p:extLst>
+  </p:cSld>
+  <p:clrMapOvr>
+    <a:masterClrMapping/>
+  </p:clrMapOvr>
+  <p:transition spd="slow">
+    <p:push dir="u"/>
+  </p:transition>
+</p:sld>
+</file>
+
+<file path=ppt/slides/slide13.xml><?xml version="1.0" encoding="utf-8"?>
+<p:sld xmlns:a="http://schemas.openxmlformats.org/drawingml/2006/main" xmlns:r="http://schemas.openxmlformats.org/officeDocument/2006/relationships" xmlns:p="http://schemas.openxmlformats.org/presentationml/2006/main">
+  <p:cSld>
+    <p:spTree>
+      <p:nvGrpSpPr>
+        <p:cNvPr id="1" name=""/>
+        <p:cNvGrpSpPr/>
+        <p:nvPr/>
+      </p:nvGrpSpPr>
+      <p:grpSpPr>
+        <a:xfrm>
+          <a:off x="0" y="0"/>
+          <a:ext cx="0" cy="0"/>
+          <a:chOff x="0" y="0"/>
+          <a:chExt cx="0" cy="0"/>
+        </a:xfrm>
+      </p:grpSpPr>
+      <p:sp>
+        <p:nvSpPr>
+          <p:cNvPr id="2" name="Title 1">
+            <a:extLst>
+              <a:ext uri="{FF2B5EF4-FFF2-40B4-BE49-F238E27FC236}">
+                <a16:creationId xmlns:a16="http://schemas.microsoft.com/office/drawing/2014/main" id="{B5107FA5-1280-47C6-A7F3-56691ACA32F5}"/>
+              </a:ext>
+            </a:extLst>
+          </p:cNvPr>
+          <p:cNvSpPr>
+            <a:spLocks noGrp="1"/>
+          </p:cNvSpPr>
+          <p:nvPr>
+            <p:ph type="title"/>
+          </p:nvPr>
+        </p:nvSpPr>
+        <p:spPr/>
+        <p:txBody>
+          <a:bodyPr/>
+          <a:lstStyle/>
+          <a:p>
+            <a:r>
+              <a:rPr lang="en-GB" dirty="0"/>
+              <a:t>Bibliography and sources</a:t>
+            </a:r>
+          </a:p>
+        </p:txBody>
+      </p:sp>
+      <p:sp>
+        <p:nvSpPr>
+          <p:cNvPr id="3" name="Content Placeholder 2">
+            <a:extLst>
+              <a:ext uri="{FF2B5EF4-FFF2-40B4-BE49-F238E27FC236}">
+                <a16:creationId xmlns:a16="http://schemas.microsoft.com/office/drawing/2014/main" id="{0589752C-4262-4950-9162-D0611213C7F3}"/>
+              </a:ext>
+            </a:extLst>
+          </p:cNvPr>
+          <p:cNvSpPr>
+            <a:spLocks noGrp="1"/>
+          </p:cNvSpPr>
+          <p:nvPr>
+            <p:ph idx="1"/>
+          </p:nvPr>
+        </p:nvSpPr>
+        <p:spPr/>
+        <p:txBody>
+          <a:bodyPr/>
+          <a:lstStyle/>
+          <a:p>
+            <a:endParaRPr lang="en-GB" dirty="0"/>
+          </a:p>
+        </p:txBody>
+      </p:sp>
+    </p:spTree>
+    <p:extLst>
+      <p:ext uri="{BB962C8B-B14F-4D97-AF65-F5344CB8AC3E}">
+        <p14:creationId xmlns:p14="http://schemas.microsoft.com/office/powerpoint/2010/main" val="4175690866"/>
+      </p:ext>
+    </p:extLst>
+  </p:cSld>
+  <p:clrMapOvr>
+    <a:masterClrMapping/>
+  </p:clrMapOvr>
+</p:sld>
+</file>
+
 <file path=ppt/slides/slide2.xml><?xml version="1.0" encoding="utf-8"?>
 <p:sld xmlns:a="http://schemas.openxmlformats.org/drawingml/2006/main" xmlns:r="http://schemas.openxmlformats.org/officeDocument/2006/relationships" xmlns:p="http://schemas.openxmlformats.org/presentationml/2006/main">
   <p:cSld>
@@ -14787,7 +18724,7 @@
         <p:spPr/>
         <p:txBody>
           <a:bodyPr>
-            <a:normAutofit lnSpcReduction="10000"/>
+            <a:normAutofit fontScale="92500" lnSpcReduction="20000"/>
           </a:bodyPr>
           <a:lstStyle/>
           <a:p>
@@ -14820,6 +18757,13 @@
             <a:r>
               <a:rPr lang="en-GB" dirty="0"/>
               <a:t>Pros and cons</a:t>
+            </a:r>
+          </a:p>
+          <a:p>
+            <a:pPr lvl="1"/>
+            <a:r>
+              <a:rPr lang="en-GB" dirty="0"/>
+              <a:t>Types of implementing algorithm</a:t>
             </a:r>
           </a:p>
           <a:p>
@@ -19806,7 +23750,7 @@
           <p:cNvPr id="2" name="Title 1">
             <a:extLst>
               <a:ext uri="{FF2B5EF4-FFF2-40B4-BE49-F238E27FC236}">
-                <a16:creationId xmlns:a16="http://schemas.microsoft.com/office/drawing/2014/main" id="{78E9AE0E-9D47-4B15-B5D7-F81CA2BDB645}"/>
+                <a16:creationId xmlns:a16="http://schemas.microsoft.com/office/drawing/2014/main" id="{B9D755BD-C46C-4969-88F5-0EEB8CB37B16}"/>
               </a:ext>
             </a:extLst>
           </p:cNvPr>
@@ -19817,36 +23761,1526 @@
             <p:ph type="title"/>
           </p:nvPr>
         </p:nvSpPr>
-        <p:spPr>
-          <a:xfrm>
-            <a:off x="1143001" y="2689715"/>
-            <a:ext cx="9905998" cy="1478570"/>
-          </a:xfrm>
-        </p:spPr>
+        <p:spPr/>
         <p:txBody>
           <a:bodyPr/>
           <a:lstStyle/>
           <a:p>
-            <a:r>
-              <a:rPr lang="en-GB" dirty="0"/>
-              <a:t>Live coding</a:t>
-            </a:r>
-            <a:r>
-              <a:rPr lang="es-ES" dirty="0"/>
-              <a:t>: </a:t>
-            </a:r>
-            <a:r>
-              <a:rPr lang="en-GB" dirty="0"/>
-              <a:t>titanic survival - Decision tree</a:t>
+            <a:pPr algn="ctr"/>
+            <a:r>
+              <a:rPr lang="en-US" altLang="zh-CN" dirty="0"/>
+              <a:t>Types of decision tree algorithm</a:t>
             </a:r>
             <a:endParaRPr lang="en-US" dirty="0"/>
           </a:p>
         </p:txBody>
       </p:sp>
+      <p:sp>
+        <p:nvSpPr>
+          <p:cNvPr id="3" name="Content Placeholder 2">
+            <a:extLst>
+              <a:ext uri="{FF2B5EF4-FFF2-40B4-BE49-F238E27FC236}">
+                <a16:creationId xmlns:a16="http://schemas.microsoft.com/office/drawing/2014/main" id="{5B4EA9DA-4BD8-4047-9061-DF86FFEA21DA}"/>
+              </a:ext>
+            </a:extLst>
+          </p:cNvPr>
+          <p:cNvSpPr>
+            <a:spLocks noGrp="1"/>
+          </p:cNvSpPr>
+          <p:nvPr>
+            <p:ph idx="1"/>
+          </p:nvPr>
+        </p:nvSpPr>
+        <p:spPr/>
+        <p:txBody>
+          <a:bodyPr>
+            <a:normAutofit/>
+          </a:bodyPr>
+          <a:lstStyle/>
+          <a:p>
+            <a:r>
+              <a:rPr lang="en-US" dirty="0"/>
+              <a:t>Iterative </a:t>
+            </a:r>
+            <a:r>
+              <a:rPr lang="en-US" dirty="0" err="1"/>
+              <a:t>Dichotomiser</a:t>
+            </a:r>
+            <a:r>
+              <a:rPr lang="en-US" dirty="0"/>
+              <a:t> 3 </a:t>
+            </a:r>
+            <a:r>
+              <a:rPr lang="es-ES" dirty="0"/>
+              <a:t>(ID3): </a:t>
+            </a:r>
+            <a:r>
+              <a:rPr lang="en-US" altLang="zh-CN" dirty="0"/>
+              <a:t>Information Gain by change in entropy</a:t>
+            </a:r>
+          </a:p>
+          <a:p>
+            <a:r>
+              <a:rPr lang="en-US" dirty="0"/>
+              <a:t>C4.5: Following ID3 but use of Gain Ratio to improve</a:t>
+            </a:r>
+          </a:p>
+          <a:p>
+            <a:r>
+              <a:rPr lang="en-US" dirty="0"/>
+              <a:t>Classification and Regression Tree (CART): binary tree using GINI index</a:t>
+            </a:r>
+          </a:p>
+        </p:txBody>
+      </p:sp>
+      <mc:AlternateContent xmlns:mc="http://schemas.openxmlformats.org/markup-compatibility/2006">
+        <mc:Choice xmlns:a14="http://schemas.microsoft.com/office/drawing/2010/main" Requires="a14">
+          <p:sp>
+            <p:nvSpPr>
+              <p:cNvPr id="4" name="TextBox 3">
+                <a:extLst>
+                  <a:ext uri="{FF2B5EF4-FFF2-40B4-BE49-F238E27FC236}">
+                    <a16:creationId xmlns:a16="http://schemas.microsoft.com/office/drawing/2014/main" id="{7EC0A5F0-0705-44B4-B8AB-776728EAB471}"/>
+                  </a:ext>
+                </a:extLst>
+              </p:cNvPr>
+              <p:cNvSpPr txBox="1"/>
+              <p:nvPr/>
+            </p:nvSpPr>
+            <p:spPr>
+              <a:xfrm>
+                <a:off x="1450844" y="4757969"/>
+                <a:ext cx="3270575" cy="1033232"/>
+              </a:xfrm>
+              <a:prstGeom prst="rect">
+                <a:avLst/>
+              </a:prstGeom>
+              <a:noFill/>
+            </p:spPr>
+            <p:txBody>
+              <a:bodyPr wrap="none" lIns="0" tIns="0" rIns="0" bIns="0" rtlCol="0">
+                <a:spAutoFit/>
+              </a:bodyPr>
+              <a:lstStyle/>
+              <a:p>
+                <a14:m>
+                  <m:oMathPara xmlns:m="http://schemas.openxmlformats.org/officeDocument/2006/math">
+                    <m:oMathParaPr>
+                      <m:jc m:val="centerGroup"/>
+                    </m:oMathParaPr>
+                    <m:oMath xmlns:m="http://schemas.openxmlformats.org/officeDocument/2006/math">
+                      <m:r>
+                        <a:rPr lang="es-ES" b="0" i="1" smtClean="0">
+                          <a:latin typeface="Cambria Math" panose="02040503050406030204" pitchFamily="18" charset="0"/>
+                        </a:rPr>
+                        <m:t>𝑆h𝑎𝑛𝑛𝑜</m:t>
+                      </m:r>
+                      <m:sSup>
+                        <m:sSupPr>
+                          <m:ctrlPr>
+                            <a:rPr lang="es-ES" b="0" i="1" smtClean="0">
+                              <a:latin typeface="Cambria Math" panose="02040503050406030204" pitchFamily="18" charset="0"/>
+                            </a:rPr>
+                          </m:ctrlPr>
+                        </m:sSupPr>
+                        <m:e>
+                          <m:r>
+                            <a:rPr lang="es-ES" b="0" i="1" smtClean="0">
+                              <a:latin typeface="Cambria Math" panose="02040503050406030204" pitchFamily="18" charset="0"/>
+                            </a:rPr>
+                            <m:t>𝑛</m:t>
+                          </m:r>
+                        </m:e>
+                        <m:sup>
+                          <m:r>
+                            <a:rPr lang="es-ES" b="0" i="1" smtClean="0">
+                              <a:latin typeface="Cambria Math" panose="02040503050406030204" pitchFamily="18" charset="0"/>
+                            </a:rPr>
+                            <m:t>′</m:t>
+                          </m:r>
+                        </m:sup>
+                      </m:sSup>
+                      <m:r>
+                        <a:rPr lang="es-ES" b="0" i="1" smtClean="0">
+                          <a:latin typeface="Cambria Math" panose="02040503050406030204" pitchFamily="18" charset="0"/>
+                        </a:rPr>
+                        <m:t>𝑠</m:t>
+                      </m:r>
+                      <m:r>
+                        <a:rPr lang="es-ES" b="0" i="1" smtClean="0">
+                          <a:latin typeface="Cambria Math" panose="02040503050406030204" pitchFamily="18" charset="0"/>
+                        </a:rPr>
+                        <m:t> </m:t>
+                      </m:r>
+                      <m:r>
+                        <a:rPr lang="es-ES" b="0" i="1" smtClean="0">
+                          <a:latin typeface="Cambria Math" panose="02040503050406030204" pitchFamily="18" charset="0"/>
+                        </a:rPr>
+                        <m:t>𝐸𝑛𝑡𝑟𝑜𝑝𝑦</m:t>
+                      </m:r>
+                      <m:r>
+                        <a:rPr lang="es-ES" b="0" i="1" smtClean="0">
+                          <a:latin typeface="Cambria Math" panose="02040503050406030204" pitchFamily="18" charset="0"/>
+                        </a:rPr>
+                        <m:t>:</m:t>
+                      </m:r>
+                    </m:oMath>
+                  </m:oMathPara>
+                </a14:m>
+                <a:endParaRPr lang="es-ES" b="0" dirty="0"/>
+              </a:p>
+              <a:p>
+                <a14:m>
+                  <m:oMathPara xmlns:m="http://schemas.openxmlformats.org/officeDocument/2006/math">
+                    <m:oMathParaPr>
+                      <m:jc m:val="centerGroup"/>
+                    </m:oMathParaPr>
+                    <m:oMath xmlns:m="http://schemas.openxmlformats.org/officeDocument/2006/math">
+                      <m:r>
+                        <a:rPr lang="es-ES" b="0" i="1" smtClean="0">
+                          <a:latin typeface="Cambria Math" panose="02040503050406030204" pitchFamily="18" charset="0"/>
+                        </a:rPr>
+                        <m:t>𝐻</m:t>
+                      </m:r>
+                      <m:d>
+                        <m:dPr>
+                          <m:ctrlPr>
+                            <a:rPr lang="es-ES" b="0" i="1" smtClean="0">
+                              <a:latin typeface="Cambria Math" panose="02040503050406030204" pitchFamily="18" charset="0"/>
+                            </a:rPr>
+                          </m:ctrlPr>
+                        </m:dPr>
+                        <m:e>
+                          <m:r>
+                            <a:rPr lang="es-ES" b="0" i="1" smtClean="0">
+                              <a:latin typeface="Cambria Math" panose="02040503050406030204" pitchFamily="18" charset="0"/>
+                            </a:rPr>
+                            <m:t>𝑋</m:t>
+                          </m:r>
+                        </m:e>
+                      </m:d>
+                      <m:r>
+                        <a:rPr lang="es-ES" b="0" i="1" smtClean="0">
+                          <a:latin typeface="Cambria Math" panose="02040503050406030204" pitchFamily="18" charset="0"/>
+                        </a:rPr>
+                        <m:t>=−</m:t>
+                      </m:r>
+                      <m:nary>
+                        <m:naryPr>
+                          <m:chr m:val="∑"/>
+                          <m:ctrlPr>
+                            <a:rPr lang="es-ES" b="0" i="1" smtClean="0">
+                              <a:latin typeface="Cambria Math" panose="02040503050406030204" pitchFamily="18" charset="0"/>
+                            </a:rPr>
+                          </m:ctrlPr>
+                        </m:naryPr>
+                        <m:sub>
+                          <m:r>
+                            <m:rPr>
+                              <m:brk m:alnAt="23"/>
+                            </m:rPr>
+                            <a:rPr lang="es-ES" b="0" i="1" smtClean="0">
+                              <a:latin typeface="Cambria Math" panose="02040503050406030204" pitchFamily="18" charset="0"/>
+                            </a:rPr>
+                            <m:t>𝑖</m:t>
+                          </m:r>
+                          <m:r>
+                            <a:rPr lang="es-ES" b="0" i="1" smtClean="0">
+                              <a:latin typeface="Cambria Math" panose="02040503050406030204" pitchFamily="18" charset="0"/>
+                            </a:rPr>
+                            <m:t>=1</m:t>
+                          </m:r>
+                        </m:sub>
+                        <m:sup>
+                          <m:r>
+                            <a:rPr lang="es-ES" b="0" i="1" smtClean="0">
+                              <a:latin typeface="Cambria Math" panose="02040503050406030204" pitchFamily="18" charset="0"/>
+                            </a:rPr>
+                            <m:t>𝑛</m:t>
+                          </m:r>
+                        </m:sup>
+                        <m:e>
+                          <m:r>
+                            <a:rPr lang="es-ES" b="0" i="1" smtClean="0">
+                              <a:latin typeface="Cambria Math" panose="02040503050406030204" pitchFamily="18" charset="0"/>
+                            </a:rPr>
+                            <m:t>𝑃</m:t>
+                          </m:r>
+                          <m:d>
+                            <m:dPr>
+                              <m:ctrlPr>
+                                <a:rPr lang="es-ES" b="0" i="1" smtClean="0">
+                                  <a:latin typeface="Cambria Math" panose="02040503050406030204" pitchFamily="18" charset="0"/>
+                                </a:rPr>
+                              </m:ctrlPr>
+                            </m:dPr>
+                            <m:e>
+                              <m:sSub>
+                                <m:sSubPr>
+                                  <m:ctrlPr>
+                                    <a:rPr lang="es-ES" b="0" i="1" smtClean="0">
+                                      <a:latin typeface="Cambria Math" panose="02040503050406030204" pitchFamily="18" charset="0"/>
+                                    </a:rPr>
+                                  </m:ctrlPr>
+                                </m:sSubPr>
+                                <m:e>
+                                  <m:r>
+                                    <a:rPr lang="es-ES" b="0" i="1" smtClean="0">
+                                      <a:latin typeface="Cambria Math" panose="02040503050406030204" pitchFamily="18" charset="0"/>
+                                    </a:rPr>
+                                    <m:t>𝑋</m:t>
+                                  </m:r>
+                                </m:e>
+                                <m:sub>
+                                  <m:r>
+                                    <a:rPr lang="es-ES" b="0" i="1" smtClean="0">
+                                      <a:latin typeface="Cambria Math" panose="02040503050406030204" pitchFamily="18" charset="0"/>
+                                    </a:rPr>
+                                    <m:t>𝑖</m:t>
+                                  </m:r>
+                                </m:sub>
+                              </m:sSub>
+                            </m:e>
+                          </m:d>
+                          <m:r>
+                            <a:rPr lang="es-ES" i="1">
+                              <a:latin typeface="Cambria Math" panose="02040503050406030204" pitchFamily="18" charset="0"/>
+                              <a:ea typeface="Cambria Math" panose="02040503050406030204" pitchFamily="18" charset="0"/>
+                            </a:rPr>
+                            <m:t>×</m:t>
+                          </m:r>
+                          <m:func>
+                            <m:funcPr>
+                              <m:ctrlPr>
+                                <a:rPr lang="es-ES" i="1" smtClean="0">
+                                  <a:latin typeface="Cambria Math" panose="02040503050406030204" pitchFamily="18" charset="0"/>
+                                  <a:ea typeface="Cambria Math" panose="02040503050406030204" pitchFamily="18" charset="0"/>
+                                </a:rPr>
+                              </m:ctrlPr>
+                            </m:funcPr>
+                            <m:fName>
+                              <m:sSub>
+                                <m:sSubPr>
+                                  <m:ctrlPr>
+                                    <a:rPr lang="es-ES" i="1" smtClean="0">
+                                      <a:latin typeface="Cambria Math" panose="02040503050406030204" pitchFamily="18" charset="0"/>
+                                      <a:ea typeface="Cambria Math" panose="02040503050406030204" pitchFamily="18" charset="0"/>
+                                    </a:rPr>
+                                  </m:ctrlPr>
+                                </m:sSubPr>
+                                <m:e>
+                                  <m:r>
+                                    <m:rPr>
+                                      <m:sty m:val="p"/>
+                                    </m:rPr>
+                                    <a:rPr lang="es-ES" i="0" smtClean="0">
+                                      <a:latin typeface="Cambria Math" panose="02040503050406030204" pitchFamily="18" charset="0"/>
+                                      <a:ea typeface="Cambria Math" panose="02040503050406030204" pitchFamily="18" charset="0"/>
+                                    </a:rPr>
+                                    <m:t>log</m:t>
+                                  </m:r>
+                                </m:e>
+                                <m:sub>
+                                  <m:r>
+                                    <a:rPr lang="es-ES" b="0" i="1" smtClean="0">
+                                      <a:latin typeface="Cambria Math" panose="02040503050406030204" pitchFamily="18" charset="0"/>
+                                      <a:ea typeface="Cambria Math" panose="02040503050406030204" pitchFamily="18" charset="0"/>
+                                    </a:rPr>
+                                    <m:t>2</m:t>
+                                  </m:r>
+                                </m:sub>
+                              </m:sSub>
+                            </m:fName>
+                            <m:e>
+                              <m:r>
+                                <a:rPr lang="es-ES" i="1">
+                                  <a:latin typeface="Cambria Math" panose="02040503050406030204" pitchFamily="18" charset="0"/>
+                                </a:rPr>
+                                <m:t>𝑃</m:t>
+                              </m:r>
+                              <m:d>
+                                <m:dPr>
+                                  <m:ctrlPr>
+                                    <a:rPr lang="es-ES" i="1">
+                                      <a:latin typeface="Cambria Math" panose="02040503050406030204" pitchFamily="18" charset="0"/>
+                                    </a:rPr>
+                                  </m:ctrlPr>
+                                </m:dPr>
+                                <m:e>
+                                  <m:sSub>
+                                    <m:sSubPr>
+                                      <m:ctrlPr>
+                                        <a:rPr lang="es-ES" i="1">
+                                          <a:latin typeface="Cambria Math" panose="02040503050406030204" pitchFamily="18" charset="0"/>
+                                        </a:rPr>
+                                      </m:ctrlPr>
+                                    </m:sSubPr>
+                                    <m:e>
+                                      <m:r>
+                                        <a:rPr lang="es-ES" i="1">
+                                          <a:latin typeface="Cambria Math" panose="02040503050406030204" pitchFamily="18" charset="0"/>
+                                        </a:rPr>
+                                        <m:t>𝑋</m:t>
+                                      </m:r>
+                                    </m:e>
+                                    <m:sub>
+                                      <m:r>
+                                        <a:rPr lang="es-ES" i="1">
+                                          <a:latin typeface="Cambria Math" panose="02040503050406030204" pitchFamily="18" charset="0"/>
+                                        </a:rPr>
+                                        <m:t>𝑖</m:t>
+                                      </m:r>
+                                    </m:sub>
+                                  </m:sSub>
+                                </m:e>
+                              </m:d>
+                            </m:e>
+                          </m:func>
+                        </m:e>
+                      </m:nary>
+                    </m:oMath>
+                  </m:oMathPara>
+                </a14:m>
+                <a:endParaRPr lang="en-US" dirty="0"/>
+              </a:p>
+            </p:txBody>
+          </p:sp>
+        </mc:Choice>
+        <mc:Fallback>
+          <p:sp>
+            <p:nvSpPr>
+              <p:cNvPr id="4" name="TextBox 3">
+                <a:extLst>
+                  <a:ext uri="{FF2B5EF4-FFF2-40B4-BE49-F238E27FC236}">
+                    <a16:creationId xmlns:a16="http://schemas.microsoft.com/office/drawing/2014/main" id="{7EC0A5F0-0705-44B4-B8AB-776728EAB471}"/>
+                  </a:ext>
+                </a:extLst>
+              </p:cNvPr>
+              <p:cNvSpPr txBox="1">
+                <a:spLocks noRot="1" noChangeAspect="1" noMove="1" noResize="1" noEditPoints="1" noAdjustHandles="1" noChangeArrowheads="1" noChangeShapeType="1" noTextEdit="1"/>
+              </p:cNvSpPr>
+              <p:nvPr/>
+            </p:nvSpPr>
+            <p:spPr>
+              <a:xfrm>
+                <a:off x="1450844" y="4757969"/>
+                <a:ext cx="3270575" cy="1033232"/>
+              </a:xfrm>
+              <a:prstGeom prst="rect">
+                <a:avLst/>
+              </a:prstGeom>
+              <a:blipFill>
+                <a:blip r:embed="rId3"/>
+                <a:stretch>
+                  <a:fillRect/>
+                </a:stretch>
+              </a:blipFill>
+            </p:spPr>
+            <p:txBody>
+              <a:bodyPr/>
+              <a:lstStyle/>
+              <a:p>
+                <a:r>
+                  <a:rPr lang="en-US">
+                    <a:noFill/>
+                  </a:rPr>
+                  <a:t> </a:t>
+                </a:r>
+              </a:p>
+            </p:txBody>
+          </p:sp>
+        </mc:Fallback>
+      </mc:AlternateContent>
+      <p:grpSp>
+        <p:nvGrpSpPr>
+          <p:cNvPr id="34" name="Group 33">
+            <a:extLst>
+              <a:ext uri="{FF2B5EF4-FFF2-40B4-BE49-F238E27FC236}">
+                <a16:creationId xmlns:a16="http://schemas.microsoft.com/office/drawing/2014/main" id="{B7D4190C-5E16-49F1-A5DE-54BEF2FEB2B7}"/>
+              </a:ext>
+            </a:extLst>
+          </p:cNvPr>
+          <p:cNvGrpSpPr/>
+          <p:nvPr/>
+        </p:nvGrpSpPr>
+        <p:grpSpPr>
+          <a:xfrm>
+            <a:off x="4733999" y="4695695"/>
+            <a:ext cx="1423188" cy="1144744"/>
+            <a:chOff x="5660904" y="4606901"/>
+            <a:chExt cx="1423188" cy="1144744"/>
+          </a:xfrm>
+        </p:grpSpPr>
+        <p:cxnSp>
+          <p:nvCxnSpPr>
+            <p:cNvPr id="6" name="Straight Arrow Connector 5">
+              <a:extLst>
+                <a:ext uri="{FF2B5EF4-FFF2-40B4-BE49-F238E27FC236}">
+                  <a16:creationId xmlns:a16="http://schemas.microsoft.com/office/drawing/2014/main" id="{847A5B53-31BE-4DFF-B097-C7EFE1C0DF88}"/>
+                </a:ext>
+              </a:extLst>
+            </p:cNvPr>
+            <p:cNvCxnSpPr/>
+            <p:nvPr/>
+          </p:nvCxnSpPr>
+          <p:spPr>
+            <a:xfrm flipV="1">
+              <a:off x="5660904" y="4606901"/>
+              <a:ext cx="1389050" cy="572372"/>
+            </a:xfrm>
+            <a:prstGeom prst="straightConnector1">
+              <a:avLst/>
+            </a:prstGeom>
+            <a:ln>
+              <a:tailEnd type="triangle"/>
+            </a:ln>
+          </p:spPr>
+          <p:style>
+            <a:lnRef idx="1">
+              <a:schemeClr val="accent4"/>
+            </a:lnRef>
+            <a:fillRef idx="0">
+              <a:schemeClr val="accent4"/>
+            </a:fillRef>
+            <a:effectRef idx="0">
+              <a:schemeClr val="accent4"/>
+            </a:effectRef>
+            <a:fontRef idx="minor">
+              <a:schemeClr val="tx1"/>
+            </a:fontRef>
+          </p:style>
+        </p:cxnSp>
+        <p:cxnSp>
+          <p:nvCxnSpPr>
+            <p:cNvPr id="7" name="Straight Arrow Connector 6">
+              <a:extLst>
+                <a:ext uri="{FF2B5EF4-FFF2-40B4-BE49-F238E27FC236}">
+                  <a16:creationId xmlns:a16="http://schemas.microsoft.com/office/drawing/2014/main" id="{8AB02331-4785-48C2-92F1-024B607A3265}"/>
+                </a:ext>
+              </a:extLst>
+            </p:cNvPr>
+            <p:cNvCxnSpPr>
+              <a:cxnSpLocks/>
+            </p:cNvCxnSpPr>
+            <p:nvPr/>
+          </p:nvCxnSpPr>
+          <p:spPr>
+            <a:xfrm>
+              <a:off x="5695042" y="5179273"/>
+              <a:ext cx="1389050" cy="572372"/>
+            </a:xfrm>
+            <a:prstGeom prst="straightConnector1">
+              <a:avLst/>
+            </a:prstGeom>
+            <a:ln>
+              <a:tailEnd type="triangle"/>
+            </a:ln>
+          </p:spPr>
+          <p:style>
+            <a:lnRef idx="1">
+              <a:schemeClr val="accent4"/>
+            </a:lnRef>
+            <a:fillRef idx="0">
+              <a:schemeClr val="accent4"/>
+            </a:fillRef>
+            <a:effectRef idx="0">
+              <a:schemeClr val="accent4"/>
+            </a:effectRef>
+            <a:fontRef idx="minor">
+              <a:schemeClr val="tx1"/>
+            </a:fontRef>
+          </p:style>
+        </p:cxnSp>
+      </p:grpSp>
+      <p:grpSp>
+        <p:nvGrpSpPr>
+          <p:cNvPr id="33" name="Group 32">
+            <a:extLst>
+              <a:ext uri="{FF2B5EF4-FFF2-40B4-BE49-F238E27FC236}">
+                <a16:creationId xmlns:a16="http://schemas.microsoft.com/office/drawing/2014/main" id="{4B4D3D72-2F39-4040-BA2D-58B36AE8E34F}"/>
+              </a:ext>
+            </a:extLst>
+          </p:cNvPr>
+          <p:cNvGrpSpPr/>
+          <p:nvPr/>
+        </p:nvGrpSpPr>
+        <p:grpSpPr>
+          <a:xfrm>
+            <a:off x="6158226" y="4324003"/>
+            <a:ext cx="2168203" cy="1888128"/>
+            <a:chOff x="7080499" y="4271853"/>
+            <a:chExt cx="2168203" cy="1888128"/>
+          </a:xfrm>
+        </p:grpSpPr>
+        <p:sp>
+          <p:nvSpPr>
+            <p:cNvPr id="8" name="Rectangle 7">
+              <a:extLst>
+                <a:ext uri="{FF2B5EF4-FFF2-40B4-BE49-F238E27FC236}">
+                  <a16:creationId xmlns:a16="http://schemas.microsoft.com/office/drawing/2014/main" id="{7E61187B-FCC2-40AF-A673-B27791BC544E}"/>
+                </a:ext>
+              </a:extLst>
+            </p:cNvPr>
+            <p:cNvSpPr/>
+            <p:nvPr/>
+          </p:nvSpPr>
+          <p:spPr>
+            <a:xfrm>
+              <a:off x="7084092" y="4271853"/>
+              <a:ext cx="2164610" cy="867864"/>
+            </a:xfrm>
+            <a:prstGeom prst="rect">
+              <a:avLst/>
+            </a:prstGeom>
+          </p:spPr>
+          <p:style>
+            <a:lnRef idx="2">
+              <a:schemeClr val="dk1"/>
+            </a:lnRef>
+            <a:fillRef idx="1">
+              <a:schemeClr val="lt1"/>
+            </a:fillRef>
+            <a:effectRef idx="0">
+              <a:schemeClr val="dk1"/>
+            </a:effectRef>
+            <a:fontRef idx="minor">
+              <a:schemeClr val="dk1"/>
+            </a:fontRef>
+          </p:style>
+          <p:txBody>
+            <a:bodyPr rtlCol="0" anchor="ctr"/>
+            <a:lstStyle/>
+            <a:p>
+              <a:pPr algn="ctr"/>
+              <a:endParaRPr lang="en-US" dirty="0"/>
+            </a:p>
+          </p:txBody>
+        </p:sp>
+        <p:sp>
+          <p:nvSpPr>
+            <p:cNvPr id="9" name="Rectangle 8">
+              <a:extLst>
+                <a:ext uri="{FF2B5EF4-FFF2-40B4-BE49-F238E27FC236}">
+                  <a16:creationId xmlns:a16="http://schemas.microsoft.com/office/drawing/2014/main" id="{90A12CD6-774D-4FA4-B5F5-63993423EE37}"/>
+                </a:ext>
+              </a:extLst>
+            </p:cNvPr>
+            <p:cNvSpPr/>
+            <p:nvPr/>
+          </p:nvSpPr>
+          <p:spPr>
+            <a:xfrm>
+              <a:off x="7080499" y="5292117"/>
+              <a:ext cx="2164610" cy="867864"/>
+            </a:xfrm>
+            <a:prstGeom prst="rect">
+              <a:avLst/>
+            </a:prstGeom>
+          </p:spPr>
+          <p:style>
+            <a:lnRef idx="2">
+              <a:schemeClr val="dk1"/>
+            </a:lnRef>
+            <a:fillRef idx="1">
+              <a:schemeClr val="lt1"/>
+            </a:fillRef>
+            <a:effectRef idx="0">
+              <a:schemeClr val="dk1"/>
+            </a:effectRef>
+            <a:fontRef idx="minor">
+              <a:schemeClr val="dk1"/>
+            </a:fontRef>
+          </p:style>
+          <p:txBody>
+            <a:bodyPr rtlCol="0" anchor="ctr"/>
+            <a:lstStyle/>
+            <a:p>
+              <a:pPr algn="ctr"/>
+              <a:endParaRPr lang="en-US"/>
+            </a:p>
+          </p:txBody>
+        </p:sp>
+      </p:grpSp>
+      <p:grpSp>
+        <p:nvGrpSpPr>
+          <p:cNvPr id="32" name="Group 31">
+            <a:extLst>
+              <a:ext uri="{FF2B5EF4-FFF2-40B4-BE49-F238E27FC236}">
+                <a16:creationId xmlns:a16="http://schemas.microsoft.com/office/drawing/2014/main" id="{554C870E-A2CA-4C03-9045-CB2DE8A3DE82}"/>
+              </a:ext>
+            </a:extLst>
+          </p:cNvPr>
+          <p:cNvGrpSpPr/>
+          <p:nvPr/>
+        </p:nvGrpSpPr>
+        <p:grpSpPr>
+          <a:xfrm>
+            <a:off x="6356133" y="4407701"/>
+            <a:ext cx="1738520" cy="1733767"/>
+            <a:chOff x="7257843" y="4360648"/>
+            <a:chExt cx="1738520" cy="1733767"/>
+          </a:xfrm>
+        </p:grpSpPr>
+        <p:sp>
+          <p:nvSpPr>
+            <p:cNvPr id="10" name="Oval 9">
+              <a:extLst>
+                <a:ext uri="{FF2B5EF4-FFF2-40B4-BE49-F238E27FC236}">
+                  <a16:creationId xmlns:a16="http://schemas.microsoft.com/office/drawing/2014/main" id="{8CDC4E63-1D45-40A4-A472-DD90F25BF207}"/>
+                </a:ext>
+              </a:extLst>
+            </p:cNvPr>
+            <p:cNvSpPr/>
+            <p:nvPr/>
+          </p:nvSpPr>
+          <p:spPr>
+            <a:xfrm>
+              <a:off x="7257843" y="4419599"/>
+              <a:ext cx="335047" cy="335047"/>
+            </a:xfrm>
+            <a:prstGeom prst="ellipse">
+              <a:avLst/>
+            </a:prstGeom>
+          </p:spPr>
+          <p:style>
+            <a:lnRef idx="2">
+              <a:schemeClr val="accent2">
+                <a:shade val="50000"/>
+              </a:schemeClr>
+            </a:lnRef>
+            <a:fillRef idx="1">
+              <a:schemeClr val="accent2"/>
+            </a:fillRef>
+            <a:effectRef idx="0">
+              <a:schemeClr val="accent2"/>
+            </a:effectRef>
+            <a:fontRef idx="minor">
+              <a:schemeClr val="lt1"/>
+            </a:fontRef>
+          </p:style>
+          <p:txBody>
+            <a:bodyPr rtlCol="0" anchor="ctr"/>
+            <a:lstStyle/>
+            <a:p>
+              <a:pPr algn="ctr"/>
+              <a:endParaRPr lang="en-US"/>
+            </a:p>
+          </p:txBody>
+        </p:sp>
+        <p:sp>
+          <p:nvSpPr>
+            <p:cNvPr id="11" name="Oval 10">
+              <a:extLst>
+                <a:ext uri="{FF2B5EF4-FFF2-40B4-BE49-F238E27FC236}">
+                  <a16:creationId xmlns:a16="http://schemas.microsoft.com/office/drawing/2014/main" id="{47DEC31E-377A-4DB4-BFEF-C6FA701B8B22}"/>
+                </a:ext>
+              </a:extLst>
+            </p:cNvPr>
+            <p:cNvSpPr/>
+            <p:nvPr/>
+          </p:nvSpPr>
+          <p:spPr>
+            <a:xfrm>
+              <a:off x="7671459" y="4538261"/>
+              <a:ext cx="335047" cy="335047"/>
+            </a:xfrm>
+            <a:prstGeom prst="ellipse">
+              <a:avLst/>
+            </a:prstGeom>
+          </p:spPr>
+          <p:style>
+            <a:lnRef idx="2">
+              <a:schemeClr val="accent2">
+                <a:shade val="50000"/>
+              </a:schemeClr>
+            </a:lnRef>
+            <a:fillRef idx="1">
+              <a:schemeClr val="accent2"/>
+            </a:fillRef>
+            <a:effectRef idx="0">
+              <a:schemeClr val="accent2"/>
+            </a:effectRef>
+            <a:fontRef idx="minor">
+              <a:schemeClr val="lt1"/>
+            </a:fontRef>
+          </p:style>
+          <p:txBody>
+            <a:bodyPr rtlCol="0" anchor="ctr"/>
+            <a:lstStyle/>
+            <a:p>
+              <a:pPr algn="ctr"/>
+              <a:endParaRPr lang="en-US"/>
+            </a:p>
+          </p:txBody>
+        </p:sp>
+        <p:sp>
+          <p:nvSpPr>
+            <p:cNvPr id="12" name="Oval 11">
+              <a:extLst>
+                <a:ext uri="{FF2B5EF4-FFF2-40B4-BE49-F238E27FC236}">
+                  <a16:creationId xmlns:a16="http://schemas.microsoft.com/office/drawing/2014/main" id="{4CD005D9-8B36-45EA-A32B-01A14267AD8D}"/>
+                </a:ext>
+              </a:extLst>
+            </p:cNvPr>
+            <p:cNvSpPr/>
+            <p:nvPr/>
+          </p:nvSpPr>
+          <p:spPr>
+            <a:xfrm>
+              <a:off x="8306880" y="4604372"/>
+              <a:ext cx="335047" cy="335047"/>
+            </a:xfrm>
+            <a:prstGeom prst="ellipse">
+              <a:avLst/>
+            </a:prstGeom>
+          </p:spPr>
+          <p:style>
+            <a:lnRef idx="2">
+              <a:schemeClr val="accent2">
+                <a:shade val="50000"/>
+              </a:schemeClr>
+            </a:lnRef>
+            <a:fillRef idx="1">
+              <a:schemeClr val="accent2"/>
+            </a:fillRef>
+            <a:effectRef idx="0">
+              <a:schemeClr val="accent2"/>
+            </a:effectRef>
+            <a:fontRef idx="minor">
+              <a:schemeClr val="lt1"/>
+            </a:fontRef>
+          </p:style>
+          <p:txBody>
+            <a:bodyPr rtlCol="0" anchor="ctr"/>
+            <a:lstStyle/>
+            <a:p>
+              <a:pPr algn="ctr"/>
+              <a:endParaRPr lang="en-US"/>
+            </a:p>
+          </p:txBody>
+        </p:sp>
+        <p:sp>
+          <p:nvSpPr>
+            <p:cNvPr id="13" name="Oval 12">
+              <a:extLst>
+                <a:ext uri="{FF2B5EF4-FFF2-40B4-BE49-F238E27FC236}">
+                  <a16:creationId xmlns:a16="http://schemas.microsoft.com/office/drawing/2014/main" id="{612A7561-DAAA-4E0C-9FA0-241C26C08837}"/>
+                </a:ext>
+              </a:extLst>
+            </p:cNvPr>
+            <p:cNvSpPr/>
+            <p:nvPr/>
+          </p:nvSpPr>
+          <p:spPr>
+            <a:xfrm>
+              <a:off x="7268526" y="5424321"/>
+              <a:ext cx="335047" cy="335047"/>
+            </a:xfrm>
+            <a:prstGeom prst="ellipse">
+              <a:avLst/>
+            </a:prstGeom>
+          </p:spPr>
+          <p:style>
+            <a:lnRef idx="2">
+              <a:schemeClr val="accent2">
+                <a:shade val="50000"/>
+              </a:schemeClr>
+            </a:lnRef>
+            <a:fillRef idx="1">
+              <a:schemeClr val="accent2"/>
+            </a:fillRef>
+            <a:effectRef idx="0">
+              <a:schemeClr val="accent2"/>
+            </a:effectRef>
+            <a:fontRef idx="minor">
+              <a:schemeClr val="lt1"/>
+            </a:fontRef>
+          </p:style>
+          <p:txBody>
+            <a:bodyPr rtlCol="0" anchor="ctr"/>
+            <a:lstStyle/>
+            <a:p>
+              <a:pPr algn="ctr"/>
+              <a:endParaRPr lang="en-US"/>
+            </a:p>
+          </p:txBody>
+        </p:sp>
+        <p:sp>
+          <p:nvSpPr>
+            <p:cNvPr id="14" name="Oval 13">
+              <a:extLst>
+                <a:ext uri="{FF2B5EF4-FFF2-40B4-BE49-F238E27FC236}">
+                  <a16:creationId xmlns:a16="http://schemas.microsoft.com/office/drawing/2014/main" id="{D8CB737D-AE68-4693-A404-7D205EFFCE49}"/>
+                </a:ext>
+              </a:extLst>
+            </p:cNvPr>
+            <p:cNvSpPr/>
+            <p:nvPr/>
+          </p:nvSpPr>
+          <p:spPr>
+            <a:xfrm>
+              <a:off x="7974311" y="5718488"/>
+              <a:ext cx="335047" cy="335047"/>
+            </a:xfrm>
+            <a:prstGeom prst="ellipse">
+              <a:avLst/>
+            </a:prstGeom>
+          </p:spPr>
+          <p:style>
+            <a:lnRef idx="2">
+              <a:schemeClr val="accent2">
+                <a:shade val="50000"/>
+              </a:schemeClr>
+            </a:lnRef>
+            <a:fillRef idx="1">
+              <a:schemeClr val="accent2"/>
+            </a:fillRef>
+            <a:effectRef idx="0">
+              <a:schemeClr val="accent2"/>
+            </a:effectRef>
+            <a:fontRef idx="minor">
+              <a:schemeClr val="lt1"/>
+            </a:fontRef>
+          </p:style>
+          <p:txBody>
+            <a:bodyPr rtlCol="0" anchor="ctr"/>
+            <a:lstStyle/>
+            <a:p>
+              <a:pPr algn="ctr"/>
+              <a:endParaRPr lang="en-US"/>
+            </a:p>
+          </p:txBody>
+        </p:sp>
+        <p:sp>
+          <p:nvSpPr>
+            <p:cNvPr id="15" name="Oval 14">
+              <a:extLst>
+                <a:ext uri="{FF2B5EF4-FFF2-40B4-BE49-F238E27FC236}">
+                  <a16:creationId xmlns:a16="http://schemas.microsoft.com/office/drawing/2014/main" id="{152DF0EF-712F-4012-99A0-62A5DF8D093F}"/>
+                </a:ext>
+              </a:extLst>
+            </p:cNvPr>
+            <p:cNvSpPr/>
+            <p:nvPr/>
+          </p:nvSpPr>
+          <p:spPr>
+            <a:xfrm>
+              <a:off x="8150289" y="5364831"/>
+              <a:ext cx="335047" cy="335047"/>
+            </a:xfrm>
+            <a:prstGeom prst="ellipse">
+              <a:avLst/>
+            </a:prstGeom>
+          </p:spPr>
+          <p:style>
+            <a:lnRef idx="2">
+              <a:schemeClr val="accent2">
+                <a:shade val="50000"/>
+              </a:schemeClr>
+            </a:lnRef>
+            <a:fillRef idx="1">
+              <a:schemeClr val="accent2"/>
+            </a:fillRef>
+            <a:effectRef idx="0">
+              <a:schemeClr val="accent2"/>
+            </a:effectRef>
+            <a:fontRef idx="minor">
+              <a:schemeClr val="lt1"/>
+            </a:fontRef>
+          </p:style>
+          <p:txBody>
+            <a:bodyPr rtlCol="0" anchor="ctr"/>
+            <a:lstStyle/>
+            <a:p>
+              <a:pPr algn="ctr"/>
+              <a:endParaRPr lang="en-US"/>
+            </a:p>
+          </p:txBody>
+        </p:sp>
+        <p:sp>
+          <p:nvSpPr>
+            <p:cNvPr id="16" name="Oval 15">
+              <a:extLst>
+                <a:ext uri="{FF2B5EF4-FFF2-40B4-BE49-F238E27FC236}">
+                  <a16:creationId xmlns:a16="http://schemas.microsoft.com/office/drawing/2014/main" id="{E2E237E3-1DCA-41F5-AD9D-5049B84370E2}"/>
+                </a:ext>
+              </a:extLst>
+            </p:cNvPr>
+            <p:cNvSpPr/>
+            <p:nvPr/>
+          </p:nvSpPr>
+          <p:spPr>
+            <a:xfrm>
+              <a:off x="8661316" y="5443870"/>
+              <a:ext cx="335047" cy="335047"/>
+            </a:xfrm>
+            <a:prstGeom prst="ellipse">
+              <a:avLst/>
+            </a:prstGeom>
+          </p:spPr>
+          <p:style>
+            <a:lnRef idx="2">
+              <a:schemeClr val="accent2">
+                <a:shade val="50000"/>
+              </a:schemeClr>
+            </a:lnRef>
+            <a:fillRef idx="1">
+              <a:schemeClr val="accent2"/>
+            </a:fillRef>
+            <a:effectRef idx="0">
+              <a:schemeClr val="accent2"/>
+            </a:effectRef>
+            <a:fontRef idx="minor">
+              <a:schemeClr val="lt1"/>
+            </a:fontRef>
+          </p:style>
+          <p:txBody>
+            <a:bodyPr rtlCol="0" anchor="ctr"/>
+            <a:lstStyle/>
+            <a:p>
+              <a:pPr algn="ctr"/>
+              <a:endParaRPr lang="en-US"/>
+            </a:p>
+          </p:txBody>
+        </p:sp>
+        <p:sp>
+          <p:nvSpPr>
+            <p:cNvPr id="17" name="Oval 16">
+              <a:extLst>
+                <a:ext uri="{FF2B5EF4-FFF2-40B4-BE49-F238E27FC236}">
+                  <a16:creationId xmlns:a16="http://schemas.microsoft.com/office/drawing/2014/main" id="{B600AE41-C9E2-48C2-90D1-725C3C235869}"/>
+                </a:ext>
+              </a:extLst>
+            </p:cNvPr>
+            <p:cNvSpPr/>
+            <p:nvPr/>
+          </p:nvSpPr>
+          <p:spPr>
+            <a:xfrm>
+              <a:off x="8034272" y="4360648"/>
+              <a:ext cx="335047" cy="335047"/>
+            </a:xfrm>
+            <a:prstGeom prst="ellipse">
+              <a:avLst/>
+            </a:prstGeom>
+          </p:spPr>
+          <p:style>
+            <a:lnRef idx="2">
+              <a:schemeClr val="accent5">
+                <a:shade val="50000"/>
+              </a:schemeClr>
+            </a:lnRef>
+            <a:fillRef idx="1">
+              <a:schemeClr val="accent5"/>
+            </a:fillRef>
+            <a:effectRef idx="0">
+              <a:schemeClr val="accent5"/>
+            </a:effectRef>
+            <a:fontRef idx="minor">
+              <a:schemeClr val="lt1"/>
+            </a:fontRef>
+          </p:style>
+          <p:txBody>
+            <a:bodyPr rtlCol="0" anchor="ctr"/>
+            <a:lstStyle/>
+            <a:p>
+              <a:pPr algn="ctr"/>
+              <a:endParaRPr lang="en-US"/>
+            </a:p>
+          </p:txBody>
+        </p:sp>
+        <p:sp>
+          <p:nvSpPr>
+            <p:cNvPr id="27" name="Oval 26">
+              <a:extLst>
+                <a:ext uri="{FF2B5EF4-FFF2-40B4-BE49-F238E27FC236}">
+                  <a16:creationId xmlns:a16="http://schemas.microsoft.com/office/drawing/2014/main" id="{8300EACB-8000-41CB-B7B9-70D75FC2AF60}"/>
+                </a:ext>
+              </a:extLst>
+            </p:cNvPr>
+            <p:cNvSpPr/>
+            <p:nvPr/>
+          </p:nvSpPr>
+          <p:spPr>
+            <a:xfrm>
+              <a:off x="8605811" y="4419599"/>
+              <a:ext cx="335047" cy="335047"/>
+            </a:xfrm>
+            <a:prstGeom prst="ellipse">
+              <a:avLst/>
+            </a:prstGeom>
+          </p:spPr>
+          <p:style>
+            <a:lnRef idx="2">
+              <a:schemeClr val="accent5">
+                <a:shade val="50000"/>
+              </a:schemeClr>
+            </a:lnRef>
+            <a:fillRef idx="1">
+              <a:schemeClr val="accent5"/>
+            </a:fillRef>
+            <a:effectRef idx="0">
+              <a:schemeClr val="accent5"/>
+            </a:effectRef>
+            <a:fontRef idx="minor">
+              <a:schemeClr val="lt1"/>
+            </a:fontRef>
+          </p:style>
+          <p:txBody>
+            <a:bodyPr rtlCol="0" anchor="ctr"/>
+            <a:lstStyle/>
+            <a:p>
+              <a:pPr algn="ctr"/>
+              <a:endParaRPr lang="en-US"/>
+            </a:p>
+          </p:txBody>
+        </p:sp>
+        <p:sp>
+          <p:nvSpPr>
+            <p:cNvPr id="28" name="Oval 27">
+              <a:extLst>
+                <a:ext uri="{FF2B5EF4-FFF2-40B4-BE49-F238E27FC236}">
+                  <a16:creationId xmlns:a16="http://schemas.microsoft.com/office/drawing/2014/main" id="{A8D9CE97-C3DA-4A9A-897B-20B06EBB2111}"/>
+                </a:ext>
+              </a:extLst>
+            </p:cNvPr>
+            <p:cNvSpPr/>
+            <p:nvPr/>
+          </p:nvSpPr>
+          <p:spPr>
+            <a:xfrm>
+              <a:off x="7991382" y="4768409"/>
+              <a:ext cx="335047" cy="335047"/>
+            </a:xfrm>
+            <a:prstGeom prst="ellipse">
+              <a:avLst/>
+            </a:prstGeom>
+          </p:spPr>
+          <p:style>
+            <a:lnRef idx="2">
+              <a:schemeClr val="accent5">
+                <a:shade val="50000"/>
+              </a:schemeClr>
+            </a:lnRef>
+            <a:fillRef idx="1">
+              <a:schemeClr val="accent5"/>
+            </a:fillRef>
+            <a:effectRef idx="0">
+              <a:schemeClr val="accent5"/>
+            </a:effectRef>
+            <a:fontRef idx="minor">
+              <a:schemeClr val="lt1"/>
+            </a:fontRef>
+          </p:style>
+          <p:txBody>
+            <a:bodyPr rtlCol="0" anchor="ctr"/>
+            <a:lstStyle/>
+            <a:p>
+              <a:pPr algn="ctr"/>
+              <a:endParaRPr lang="en-US"/>
+            </a:p>
+          </p:txBody>
+        </p:sp>
+        <p:sp>
+          <p:nvSpPr>
+            <p:cNvPr id="29" name="Oval 28">
+              <a:extLst>
+                <a:ext uri="{FF2B5EF4-FFF2-40B4-BE49-F238E27FC236}">
+                  <a16:creationId xmlns:a16="http://schemas.microsoft.com/office/drawing/2014/main" id="{8A2776E9-80A8-4FBD-AA90-A7B83229CC7A}"/>
+                </a:ext>
+              </a:extLst>
+            </p:cNvPr>
+            <p:cNvSpPr/>
+            <p:nvPr/>
+          </p:nvSpPr>
+          <p:spPr>
+            <a:xfrm>
+              <a:off x="8474403" y="5759368"/>
+              <a:ext cx="335047" cy="335047"/>
+            </a:xfrm>
+            <a:prstGeom prst="ellipse">
+              <a:avLst/>
+            </a:prstGeom>
+          </p:spPr>
+          <p:style>
+            <a:lnRef idx="2">
+              <a:schemeClr val="accent5">
+                <a:shade val="50000"/>
+              </a:schemeClr>
+            </a:lnRef>
+            <a:fillRef idx="1">
+              <a:schemeClr val="accent5"/>
+            </a:fillRef>
+            <a:effectRef idx="0">
+              <a:schemeClr val="accent5"/>
+            </a:effectRef>
+            <a:fontRef idx="minor">
+              <a:schemeClr val="lt1"/>
+            </a:fontRef>
+          </p:style>
+          <p:txBody>
+            <a:bodyPr rtlCol="0" anchor="ctr"/>
+            <a:lstStyle/>
+            <a:p>
+              <a:pPr algn="ctr"/>
+              <a:endParaRPr lang="en-US"/>
+            </a:p>
+          </p:txBody>
+        </p:sp>
+        <p:sp>
+          <p:nvSpPr>
+            <p:cNvPr id="30" name="Oval 29">
+              <a:extLst>
+                <a:ext uri="{FF2B5EF4-FFF2-40B4-BE49-F238E27FC236}">
+                  <a16:creationId xmlns:a16="http://schemas.microsoft.com/office/drawing/2014/main" id="{845BC5DD-0B42-415F-8097-9553B13A198E}"/>
+                </a:ext>
+              </a:extLst>
+            </p:cNvPr>
+            <p:cNvSpPr/>
+            <p:nvPr/>
+          </p:nvSpPr>
+          <p:spPr>
+            <a:xfrm>
+              <a:off x="7503935" y="5723533"/>
+              <a:ext cx="335047" cy="335047"/>
+            </a:xfrm>
+            <a:prstGeom prst="ellipse">
+              <a:avLst/>
+            </a:prstGeom>
+          </p:spPr>
+          <p:style>
+            <a:lnRef idx="2">
+              <a:schemeClr val="accent5">
+                <a:shade val="50000"/>
+              </a:schemeClr>
+            </a:lnRef>
+            <a:fillRef idx="1">
+              <a:schemeClr val="accent5"/>
+            </a:fillRef>
+            <a:effectRef idx="0">
+              <a:schemeClr val="accent5"/>
+            </a:effectRef>
+            <a:fontRef idx="minor">
+              <a:schemeClr val="lt1"/>
+            </a:fontRef>
+          </p:style>
+          <p:txBody>
+            <a:bodyPr rtlCol="0" anchor="ctr"/>
+            <a:lstStyle/>
+            <a:p>
+              <a:pPr algn="ctr"/>
+              <a:endParaRPr lang="en-US"/>
+            </a:p>
+          </p:txBody>
+        </p:sp>
+        <p:sp>
+          <p:nvSpPr>
+            <p:cNvPr id="31" name="Oval 30">
+              <a:extLst>
+                <a:ext uri="{FF2B5EF4-FFF2-40B4-BE49-F238E27FC236}">
+                  <a16:creationId xmlns:a16="http://schemas.microsoft.com/office/drawing/2014/main" id="{1077AF16-A3A6-4617-A452-9920498EF5F6}"/>
+                </a:ext>
+              </a:extLst>
+            </p:cNvPr>
+            <p:cNvSpPr/>
+            <p:nvPr/>
+          </p:nvSpPr>
+          <p:spPr>
+            <a:xfrm>
+              <a:off x="7773582" y="5363644"/>
+              <a:ext cx="335047" cy="335047"/>
+            </a:xfrm>
+            <a:prstGeom prst="ellipse">
+              <a:avLst/>
+            </a:prstGeom>
+          </p:spPr>
+          <p:style>
+            <a:lnRef idx="2">
+              <a:schemeClr val="accent5">
+                <a:shade val="50000"/>
+              </a:schemeClr>
+            </a:lnRef>
+            <a:fillRef idx="1">
+              <a:schemeClr val="accent5"/>
+            </a:fillRef>
+            <a:effectRef idx="0">
+              <a:schemeClr val="accent5"/>
+            </a:effectRef>
+            <a:fontRef idx="minor">
+              <a:schemeClr val="lt1"/>
+            </a:fontRef>
+          </p:style>
+          <p:txBody>
+            <a:bodyPr rtlCol="0" anchor="ctr"/>
+            <a:lstStyle/>
+            <a:p>
+              <a:pPr algn="ctr"/>
+              <a:endParaRPr lang="en-US"/>
+            </a:p>
+          </p:txBody>
+        </p:sp>
+      </p:grpSp>
+      <mc:AlternateContent xmlns:mc="http://schemas.openxmlformats.org/markup-compatibility/2006">
+        <mc:Choice xmlns:a14="http://schemas.microsoft.com/office/drawing/2010/main" Requires="a14">
+          <p:sp>
+            <p:nvSpPr>
+              <p:cNvPr id="38" name="TextBox 37">
+                <a:extLst>
+                  <a:ext uri="{FF2B5EF4-FFF2-40B4-BE49-F238E27FC236}">
+                    <a16:creationId xmlns:a16="http://schemas.microsoft.com/office/drawing/2014/main" id="{250E7B16-6D08-49FA-A0DC-70C4F2726379}"/>
+                  </a:ext>
+                </a:extLst>
+              </p:cNvPr>
+              <p:cNvSpPr txBox="1"/>
+              <p:nvPr/>
+            </p:nvSpPr>
+            <p:spPr>
+              <a:xfrm>
+                <a:off x="8395462" y="4427883"/>
+                <a:ext cx="3649076" cy="553998"/>
+              </a:xfrm>
+              <a:prstGeom prst="rect">
+                <a:avLst/>
+              </a:prstGeom>
+              <a:noFill/>
+            </p:spPr>
+            <p:txBody>
+              <a:bodyPr wrap="none" lIns="0" tIns="0" rIns="0" bIns="0" rtlCol="0">
+                <a:spAutoFit/>
+              </a:bodyPr>
+              <a:lstStyle/>
+              <a:p>
+                <a14:m>
+                  <m:oMathPara xmlns:m="http://schemas.openxmlformats.org/officeDocument/2006/math">
+                    <m:oMathParaPr>
+                      <m:jc m:val="centerGroup"/>
+                    </m:oMathParaPr>
+                    <m:oMath xmlns:m="http://schemas.openxmlformats.org/officeDocument/2006/math">
+                      <m:r>
+                        <a:rPr lang="es-ES" b="0" i="1" smtClean="0">
+                          <a:latin typeface="Cambria Math" panose="02040503050406030204" pitchFamily="18" charset="0"/>
+                        </a:rPr>
+                        <m:t>−</m:t>
+                      </m:r>
+                      <m:r>
+                        <a:rPr lang="es-ES" b="0" i="1" smtClean="0">
+                          <a:latin typeface="Cambria Math" panose="02040503050406030204" pitchFamily="18" charset="0"/>
+                        </a:rPr>
+                        <m:t>𝐻</m:t>
+                      </m:r>
+                      <m:r>
+                        <a:rPr lang="es-ES" b="0" i="1" smtClean="0">
+                          <a:latin typeface="Cambria Math" panose="02040503050406030204" pitchFamily="18" charset="0"/>
+                        </a:rPr>
+                        <m:t>=0.5×</m:t>
+                      </m:r>
+                      <m:func>
+                        <m:funcPr>
+                          <m:ctrlPr>
+                            <a:rPr lang="es-ES" b="0" i="1" smtClean="0">
+                              <a:latin typeface="Cambria Math" panose="02040503050406030204" pitchFamily="18" charset="0"/>
+                              <a:ea typeface="Cambria Math" panose="02040503050406030204" pitchFamily="18" charset="0"/>
+                            </a:rPr>
+                          </m:ctrlPr>
+                        </m:funcPr>
+                        <m:fName>
+                          <m:sSub>
+                            <m:sSubPr>
+                              <m:ctrlPr>
+                                <a:rPr lang="es-ES" b="0" i="1" smtClean="0">
+                                  <a:latin typeface="Cambria Math" panose="02040503050406030204" pitchFamily="18" charset="0"/>
+                                  <a:ea typeface="Cambria Math" panose="02040503050406030204" pitchFamily="18" charset="0"/>
+                                </a:rPr>
+                              </m:ctrlPr>
+                            </m:sSubPr>
+                            <m:e>
+                              <m:r>
+                                <m:rPr>
+                                  <m:sty m:val="p"/>
+                                </m:rPr>
+                                <a:rPr lang="es-ES" b="0" i="0" smtClean="0">
+                                  <a:latin typeface="Cambria Math" panose="02040503050406030204" pitchFamily="18" charset="0"/>
+                                  <a:ea typeface="Cambria Math" panose="02040503050406030204" pitchFamily="18" charset="0"/>
+                                </a:rPr>
+                                <m:t>log</m:t>
+                              </m:r>
+                            </m:e>
+                            <m:sub>
+                              <m:r>
+                                <a:rPr lang="es-ES" b="0" i="1" smtClean="0">
+                                  <a:latin typeface="Cambria Math" panose="02040503050406030204" pitchFamily="18" charset="0"/>
+                                  <a:ea typeface="Cambria Math" panose="02040503050406030204" pitchFamily="18" charset="0"/>
+                                </a:rPr>
+                                <m:t>2</m:t>
+                              </m:r>
+                            </m:sub>
+                          </m:sSub>
+                        </m:fName>
+                        <m:e>
+                          <m:r>
+                            <a:rPr lang="es-ES" b="0" i="1" smtClean="0">
+                              <a:latin typeface="Cambria Math" panose="02040503050406030204" pitchFamily="18" charset="0"/>
+                              <a:ea typeface="Cambria Math" panose="02040503050406030204" pitchFamily="18" charset="0"/>
+                            </a:rPr>
+                            <m:t>0.5</m:t>
+                          </m:r>
+                        </m:e>
+                      </m:func>
+                      <m:r>
+                        <a:rPr lang="es-ES" b="0" i="1" smtClean="0">
+                          <a:latin typeface="Cambria Math" panose="02040503050406030204" pitchFamily="18" charset="0"/>
+                          <a:ea typeface="Cambria Math" panose="02040503050406030204" pitchFamily="18" charset="0"/>
+                        </a:rPr>
+                        <m:t>+</m:t>
+                      </m:r>
+                      <m:r>
+                        <a:rPr lang="es-ES" i="1">
+                          <a:latin typeface="Cambria Math" panose="02040503050406030204" pitchFamily="18" charset="0"/>
+                        </a:rPr>
+                        <m:t>0.5</m:t>
+                      </m:r>
+                      <m:r>
+                        <a:rPr lang="es-ES" i="1">
+                          <a:latin typeface="Cambria Math" panose="02040503050406030204" pitchFamily="18" charset="0"/>
+                          <a:ea typeface="Cambria Math" panose="02040503050406030204" pitchFamily="18" charset="0"/>
+                        </a:rPr>
+                        <m:t>×</m:t>
+                      </m:r>
+                      <m:func>
+                        <m:funcPr>
+                          <m:ctrlPr>
+                            <a:rPr lang="es-ES" i="1">
+                              <a:latin typeface="Cambria Math" panose="02040503050406030204" pitchFamily="18" charset="0"/>
+                              <a:ea typeface="Cambria Math" panose="02040503050406030204" pitchFamily="18" charset="0"/>
+                            </a:rPr>
+                          </m:ctrlPr>
+                        </m:funcPr>
+                        <m:fName>
+                          <m:sSub>
+                            <m:sSubPr>
+                              <m:ctrlPr>
+                                <a:rPr lang="es-ES" i="1">
+                                  <a:latin typeface="Cambria Math" panose="02040503050406030204" pitchFamily="18" charset="0"/>
+                                  <a:ea typeface="Cambria Math" panose="02040503050406030204" pitchFamily="18" charset="0"/>
+                                </a:rPr>
+                              </m:ctrlPr>
+                            </m:sSubPr>
+                            <m:e>
+                              <m:r>
+                                <m:rPr>
+                                  <m:sty m:val="p"/>
+                                </m:rPr>
+                                <a:rPr lang="es-ES">
+                                  <a:latin typeface="Cambria Math" panose="02040503050406030204" pitchFamily="18" charset="0"/>
+                                  <a:ea typeface="Cambria Math" panose="02040503050406030204" pitchFamily="18" charset="0"/>
+                                </a:rPr>
+                                <m:t>log</m:t>
+                              </m:r>
+                            </m:e>
+                            <m:sub>
+                              <m:r>
+                                <a:rPr lang="es-ES" i="1">
+                                  <a:latin typeface="Cambria Math" panose="02040503050406030204" pitchFamily="18" charset="0"/>
+                                  <a:ea typeface="Cambria Math" panose="02040503050406030204" pitchFamily="18" charset="0"/>
+                                </a:rPr>
+                                <m:t>2</m:t>
+                              </m:r>
+                            </m:sub>
+                          </m:sSub>
+                        </m:fName>
+                        <m:e>
+                          <m:r>
+                            <a:rPr lang="es-ES" i="1">
+                              <a:latin typeface="Cambria Math" panose="02040503050406030204" pitchFamily="18" charset="0"/>
+                              <a:ea typeface="Cambria Math" panose="02040503050406030204" pitchFamily="18" charset="0"/>
+                            </a:rPr>
+                            <m:t>0.5</m:t>
+                          </m:r>
+                        </m:e>
+                      </m:func>
+                    </m:oMath>
+                  </m:oMathPara>
+                </a14:m>
+                <a:endParaRPr lang="es-ES" dirty="0">
+                  <a:ea typeface="Cambria Math" panose="02040503050406030204" pitchFamily="18" charset="0"/>
+                </a:endParaRPr>
+              </a:p>
+              <a:p>
+                <a14:m>
+                  <m:oMathPara xmlns:m="http://schemas.openxmlformats.org/officeDocument/2006/math">
+                    <m:oMathParaPr>
+                      <m:jc m:val="centerGroup"/>
+                    </m:oMathParaPr>
+                    <m:oMath xmlns:m="http://schemas.openxmlformats.org/officeDocument/2006/math">
+                      <m:r>
+                        <a:rPr lang="es-ES" b="0" i="1" smtClean="0">
+                          <a:latin typeface="Cambria Math" panose="02040503050406030204" pitchFamily="18" charset="0"/>
+                        </a:rPr>
+                        <m:t>𝐻</m:t>
+                      </m:r>
+                      <m:r>
+                        <a:rPr lang="es-ES" b="0" i="1" smtClean="0">
+                          <a:latin typeface="Cambria Math" panose="02040503050406030204" pitchFamily="18" charset="0"/>
+                        </a:rPr>
+                        <m:t>=1</m:t>
+                      </m:r>
+                    </m:oMath>
+                  </m:oMathPara>
+                </a14:m>
+                <a:endParaRPr lang="en-US" dirty="0"/>
+              </a:p>
+            </p:txBody>
+          </p:sp>
+        </mc:Choice>
+        <mc:Fallback>
+          <p:sp>
+            <p:nvSpPr>
+              <p:cNvPr id="38" name="TextBox 37">
+                <a:extLst>
+                  <a:ext uri="{FF2B5EF4-FFF2-40B4-BE49-F238E27FC236}">
+                    <a16:creationId xmlns:a16="http://schemas.microsoft.com/office/drawing/2014/main" id="{250E7B16-6D08-49FA-A0DC-70C4F2726379}"/>
+                  </a:ext>
+                </a:extLst>
+              </p:cNvPr>
+              <p:cNvSpPr txBox="1">
+                <a:spLocks noRot="1" noChangeAspect="1" noMove="1" noResize="1" noEditPoints="1" noAdjustHandles="1" noChangeArrowheads="1" noChangeShapeType="1" noTextEdit="1"/>
+              </p:cNvSpPr>
+              <p:nvPr/>
+            </p:nvSpPr>
+            <p:spPr>
+              <a:xfrm>
+                <a:off x="8395462" y="4427883"/>
+                <a:ext cx="3649076" cy="553998"/>
+              </a:xfrm>
+              <a:prstGeom prst="rect">
+                <a:avLst/>
+              </a:prstGeom>
+              <a:blipFill>
+                <a:blip r:embed="rId4"/>
+                <a:stretch>
+                  <a:fillRect t="-1099" r="-1002" b="-3297"/>
+                </a:stretch>
+              </a:blipFill>
+            </p:spPr>
+            <p:txBody>
+              <a:bodyPr/>
+              <a:lstStyle/>
+              <a:p>
+                <a:r>
+                  <a:rPr lang="en-US">
+                    <a:noFill/>
+                  </a:rPr>
+                  <a:t> </a:t>
+                </a:r>
+              </a:p>
+            </p:txBody>
+          </p:sp>
+        </mc:Fallback>
+      </mc:AlternateContent>
     </p:spTree>
     <p:extLst>
       <p:ext uri="{BB962C8B-B14F-4D97-AF65-F5344CB8AC3E}">
-        <p14:creationId xmlns:p14="http://schemas.microsoft.com/office/powerpoint/2010/main" val="530779773"/>
+        <p14:creationId xmlns:p14="http://schemas.microsoft.com/office/powerpoint/2010/main" val="1308757924"/>
       </p:ext>
     </p:extLst>
   </p:cSld>
@@ -19856,6 +25290,270 @@
   <p:transition spd="slow">
     <p:push dir="u"/>
   </p:transition>
+  <p:timing>
+    <p:tnLst>
+      <p:par>
+        <p:cTn id="1" dur="indefinite" restart="never" nodeType="tmRoot">
+          <p:childTnLst>
+            <p:seq concurrent="1" nextAc="seek">
+              <p:cTn id="2" dur="indefinite" nodeType="mainSeq">
+                <p:childTnLst>
+                  <p:par>
+                    <p:cTn id="3" fill="hold">
+                      <p:stCondLst>
+                        <p:cond delay="indefinite"/>
+                      </p:stCondLst>
+                      <p:childTnLst>
+                        <p:par>
+                          <p:cTn id="4" fill="hold">
+                            <p:stCondLst>
+                              <p:cond delay="0"/>
+                            </p:stCondLst>
+                            <p:childTnLst>
+                              <p:par>
+                                <p:cTn id="5" presetID="22" presetClass="entr" presetSubtype="8" fill="hold" nodeType="clickEffect">
+                                  <p:stCondLst>
+                                    <p:cond delay="0"/>
+                                  </p:stCondLst>
+                                  <p:childTnLst>
+                                    <p:set>
+                                      <p:cBhvr>
+                                        <p:cTn id="6" dur="1" fill="hold">
+                                          <p:stCondLst>
+                                            <p:cond delay="0"/>
+                                          </p:stCondLst>
+                                        </p:cTn>
+                                        <p:tgtEl>
+                                          <p:spTgt spid="34"/>
+                                        </p:tgtEl>
+                                        <p:attrNameLst>
+                                          <p:attrName>style.visibility</p:attrName>
+                                        </p:attrNameLst>
+                                      </p:cBhvr>
+                                      <p:to>
+                                        <p:strVal val="visible"/>
+                                      </p:to>
+                                    </p:set>
+                                    <p:animEffect transition="in" filter="wipe(left)">
+                                      <p:cBhvr>
+                                        <p:cTn id="7" dur="500"/>
+                                        <p:tgtEl>
+                                          <p:spTgt spid="34"/>
+                                        </p:tgtEl>
+                                      </p:cBhvr>
+                                    </p:animEffect>
+                                  </p:childTnLst>
+                                </p:cTn>
+                              </p:par>
+                            </p:childTnLst>
+                          </p:cTn>
+                        </p:par>
+                        <p:par>
+                          <p:cTn id="8" fill="hold">
+                            <p:stCondLst>
+                              <p:cond delay="500"/>
+                            </p:stCondLst>
+                            <p:childTnLst>
+                              <p:par>
+                                <p:cTn id="9" presetID="14" presetClass="entr" presetSubtype="10" fill="hold" nodeType="afterEffect">
+                                  <p:stCondLst>
+                                    <p:cond delay="0"/>
+                                  </p:stCondLst>
+                                  <p:childTnLst>
+                                    <p:set>
+                                      <p:cBhvr>
+                                        <p:cTn id="10" dur="1" fill="hold">
+                                          <p:stCondLst>
+                                            <p:cond delay="0"/>
+                                          </p:stCondLst>
+                                        </p:cTn>
+                                        <p:tgtEl>
+                                          <p:spTgt spid="33"/>
+                                        </p:tgtEl>
+                                        <p:attrNameLst>
+                                          <p:attrName>style.visibility</p:attrName>
+                                        </p:attrNameLst>
+                                      </p:cBhvr>
+                                      <p:to>
+                                        <p:strVal val="visible"/>
+                                      </p:to>
+                                    </p:set>
+                                    <p:animEffect transition="in" filter="randombar(horizontal)">
+                                      <p:cBhvr>
+                                        <p:cTn id="11" dur="500"/>
+                                        <p:tgtEl>
+                                          <p:spTgt spid="33"/>
+                                        </p:tgtEl>
+                                      </p:cBhvr>
+                                    </p:animEffect>
+                                  </p:childTnLst>
+                                </p:cTn>
+                              </p:par>
+                            </p:childTnLst>
+                          </p:cTn>
+                        </p:par>
+                        <p:par>
+                          <p:cTn id="12" fill="hold">
+                            <p:stCondLst>
+                              <p:cond delay="1000"/>
+                            </p:stCondLst>
+                            <p:childTnLst>
+                              <p:par>
+                                <p:cTn id="13" presetID="14" presetClass="entr" presetSubtype="10" fill="hold" nodeType="afterEffect">
+                                  <p:stCondLst>
+                                    <p:cond delay="0"/>
+                                  </p:stCondLst>
+                                  <p:childTnLst>
+                                    <p:set>
+                                      <p:cBhvr>
+                                        <p:cTn id="14" dur="1" fill="hold">
+                                          <p:stCondLst>
+                                            <p:cond delay="0"/>
+                                          </p:stCondLst>
+                                        </p:cTn>
+                                        <p:tgtEl>
+                                          <p:spTgt spid="32"/>
+                                        </p:tgtEl>
+                                        <p:attrNameLst>
+                                          <p:attrName>style.visibility</p:attrName>
+                                        </p:attrNameLst>
+                                      </p:cBhvr>
+                                      <p:to>
+                                        <p:strVal val="visible"/>
+                                      </p:to>
+                                    </p:set>
+                                    <p:animEffect transition="in" filter="randombar(horizontal)">
+                                      <p:cBhvr>
+                                        <p:cTn id="15" dur="500"/>
+                                        <p:tgtEl>
+                                          <p:spTgt spid="32"/>
+                                        </p:tgtEl>
+                                      </p:cBhvr>
+                                    </p:animEffect>
+                                  </p:childTnLst>
+                                </p:cTn>
+                              </p:par>
+                            </p:childTnLst>
+                          </p:cTn>
+                        </p:par>
+                        <p:par>
+                          <p:cTn id="16" fill="hold">
+                            <p:stCondLst>
+                              <p:cond delay="1500"/>
+                            </p:stCondLst>
+                            <p:childTnLst>
+                              <p:par>
+                                <p:cTn id="17" presetID="42" presetClass="entr" presetSubtype="0" fill="hold" grpId="0" nodeType="afterEffect">
+                                  <p:stCondLst>
+                                    <p:cond delay="0"/>
+                                  </p:stCondLst>
+                                  <p:childTnLst>
+                                    <p:set>
+                                      <p:cBhvr>
+                                        <p:cTn id="18" dur="1" fill="hold">
+                                          <p:stCondLst>
+                                            <p:cond delay="0"/>
+                                          </p:stCondLst>
+                                        </p:cTn>
+                                        <p:tgtEl>
+                                          <p:spTgt spid="38"/>
+                                        </p:tgtEl>
+                                        <p:attrNameLst>
+                                          <p:attrName>style.visibility</p:attrName>
+                                        </p:attrNameLst>
+                                      </p:cBhvr>
+                                      <p:to>
+                                        <p:strVal val="visible"/>
+                                      </p:to>
+                                    </p:set>
+                                    <p:animEffect transition="in" filter="fade">
+                                      <p:cBhvr>
+                                        <p:cTn id="19" dur="1000"/>
+                                        <p:tgtEl>
+                                          <p:spTgt spid="38"/>
+                                        </p:tgtEl>
+                                      </p:cBhvr>
+                                    </p:animEffect>
+                                    <p:anim calcmode="lin" valueType="num">
+                                      <p:cBhvr>
+                                        <p:cTn id="20" dur="1000" fill="hold"/>
+                                        <p:tgtEl>
+                                          <p:spTgt spid="38"/>
+                                        </p:tgtEl>
+                                        <p:attrNameLst>
+                                          <p:attrName>ppt_x</p:attrName>
+                                        </p:attrNameLst>
+                                      </p:cBhvr>
+                                      <p:tavLst>
+                                        <p:tav tm="0">
+                                          <p:val>
+                                            <p:strVal val="#ppt_x"/>
+                                          </p:val>
+                                        </p:tav>
+                                        <p:tav tm="100000">
+                                          <p:val>
+                                            <p:strVal val="#ppt_x"/>
+                                          </p:val>
+                                        </p:tav>
+                                      </p:tavLst>
+                                    </p:anim>
+                                    <p:anim calcmode="lin" valueType="num">
+                                      <p:cBhvr>
+                                        <p:cTn id="21" dur="1000" fill="hold"/>
+                                        <p:tgtEl>
+                                          <p:spTgt spid="38"/>
+                                        </p:tgtEl>
+                                        <p:attrNameLst>
+                                          <p:attrName>ppt_y</p:attrName>
+                                        </p:attrNameLst>
+                                      </p:cBhvr>
+                                      <p:tavLst>
+                                        <p:tav tm="0">
+                                          <p:val>
+                                            <p:strVal val="#ppt_y+.1"/>
+                                          </p:val>
+                                        </p:tav>
+                                        <p:tav tm="100000">
+                                          <p:val>
+                                            <p:strVal val="#ppt_y"/>
+                                          </p:val>
+                                        </p:tav>
+                                      </p:tavLst>
+                                    </p:anim>
+                                  </p:childTnLst>
+                                </p:cTn>
+                              </p:par>
+                            </p:childTnLst>
+                          </p:cTn>
+                        </p:par>
+                      </p:childTnLst>
+                    </p:cTn>
+                  </p:par>
+                </p:childTnLst>
+              </p:cTn>
+              <p:prevCondLst>
+                <p:cond evt="onPrev" delay="0">
+                  <p:tgtEl>
+                    <p:sldTgt/>
+                  </p:tgtEl>
+                </p:cond>
+              </p:prevCondLst>
+              <p:nextCondLst>
+                <p:cond evt="onNext" delay="0">
+                  <p:tgtEl>
+                    <p:sldTgt/>
+                  </p:tgtEl>
+                </p:cond>
+              </p:nextCondLst>
+            </p:seq>
+          </p:childTnLst>
+        </p:cTn>
+      </p:par>
+    </p:tnLst>
+    <p:bldLst>
+      <p:bldP spid="38" grpId="0"/>
+    </p:bldLst>
+  </p:timing>
 </p:sld>
 </file>
 
@@ -19881,7 +25579,7 @@
           <p:cNvPr id="2" name="Title 1">
             <a:extLst>
               <a:ext uri="{FF2B5EF4-FFF2-40B4-BE49-F238E27FC236}">
-                <a16:creationId xmlns:a16="http://schemas.microsoft.com/office/drawing/2014/main" id="{B5107FA5-1280-47C6-A7F3-56691ACA32F5}"/>
+                <a16:creationId xmlns:a16="http://schemas.microsoft.com/office/drawing/2014/main" id="{B9D755BD-C46C-4969-88F5-0EEB8CB37B16}"/>
               </a:ext>
             </a:extLst>
           </p:cNvPr>
@@ -19897,10 +25595,12 @@
           <a:bodyPr/>
           <a:lstStyle/>
           <a:p>
-            <a:r>
-              <a:rPr lang="en-GB" dirty="0"/>
-              <a:t>Bibliography and sources</a:t>
-            </a:r>
+            <a:pPr algn="ctr"/>
+            <a:r>
+              <a:rPr lang="en-US" altLang="zh-CN" dirty="0"/>
+              <a:t>Types of decision tree algorithm</a:t>
+            </a:r>
+            <a:endParaRPr lang="en-US" dirty="0"/>
           </a:p>
         </p:txBody>
       </p:sp>
@@ -19909,7 +25609,7 @@
           <p:cNvPr id="3" name="Content Placeholder 2">
             <a:extLst>
               <a:ext uri="{FF2B5EF4-FFF2-40B4-BE49-F238E27FC236}">
-                <a16:creationId xmlns:a16="http://schemas.microsoft.com/office/drawing/2014/main" id="{0589752C-4262-4950-9162-D0611213C7F3}"/>
+                <a16:creationId xmlns:a16="http://schemas.microsoft.com/office/drawing/2014/main" id="{5B4EA9DA-4BD8-4047-9061-DF86FFEA21DA}"/>
               </a:ext>
             </a:extLst>
           </p:cNvPr>
@@ -19922,23 +25622,1854 @@
         </p:nvSpPr>
         <p:spPr/>
         <p:txBody>
-          <a:bodyPr/>
+          <a:bodyPr>
+            <a:normAutofit/>
+          </a:bodyPr>
           <a:lstStyle/>
           <a:p>
-            <a:endParaRPr lang="en-GB" dirty="0"/>
+            <a:r>
+              <a:rPr lang="en-US" dirty="0"/>
+              <a:t>Iterative </a:t>
+            </a:r>
+            <a:r>
+              <a:rPr lang="en-US" dirty="0" err="1"/>
+              <a:t>Dichotomiser</a:t>
+            </a:r>
+            <a:r>
+              <a:rPr lang="en-US" dirty="0"/>
+              <a:t> 3 </a:t>
+            </a:r>
+            <a:r>
+              <a:rPr lang="es-ES" dirty="0"/>
+              <a:t>(ID3): </a:t>
+            </a:r>
+            <a:r>
+              <a:rPr lang="en-US" altLang="zh-CN" dirty="0"/>
+              <a:t>Information Gain by change in entropy</a:t>
+            </a:r>
+          </a:p>
+          <a:p>
+            <a:r>
+              <a:rPr lang="en-US" dirty="0"/>
+              <a:t>C4.5: Following ID3 but use of Gain Ratio to improve</a:t>
+            </a:r>
+          </a:p>
+          <a:p>
+            <a:r>
+              <a:rPr lang="en-US" dirty="0"/>
+              <a:t>Classification and Regression Tree (CART): binary tree using GINI index</a:t>
+            </a:r>
           </a:p>
         </p:txBody>
       </p:sp>
+      <mc:AlternateContent xmlns:mc="http://schemas.openxmlformats.org/markup-compatibility/2006">
+        <mc:Choice xmlns:a14="http://schemas.microsoft.com/office/drawing/2010/main" Requires="a14">
+          <p:sp>
+            <p:nvSpPr>
+              <p:cNvPr id="4" name="TextBox 3">
+                <a:extLst>
+                  <a:ext uri="{FF2B5EF4-FFF2-40B4-BE49-F238E27FC236}">
+                    <a16:creationId xmlns:a16="http://schemas.microsoft.com/office/drawing/2014/main" id="{7EC0A5F0-0705-44B4-B8AB-776728EAB471}"/>
+                  </a:ext>
+                </a:extLst>
+              </p:cNvPr>
+              <p:cNvSpPr txBox="1"/>
+              <p:nvPr/>
+            </p:nvSpPr>
+            <p:spPr>
+              <a:xfrm>
+                <a:off x="1450844" y="4757969"/>
+                <a:ext cx="3270575" cy="1033232"/>
+              </a:xfrm>
+              <a:prstGeom prst="rect">
+                <a:avLst/>
+              </a:prstGeom>
+              <a:noFill/>
+            </p:spPr>
+            <p:txBody>
+              <a:bodyPr wrap="none" lIns="0" tIns="0" rIns="0" bIns="0" rtlCol="0">
+                <a:spAutoFit/>
+              </a:bodyPr>
+              <a:lstStyle/>
+              <a:p>
+                <a14:m>
+                  <m:oMathPara xmlns:m="http://schemas.openxmlformats.org/officeDocument/2006/math">
+                    <m:oMathParaPr>
+                      <m:jc m:val="centerGroup"/>
+                    </m:oMathParaPr>
+                    <m:oMath xmlns:m="http://schemas.openxmlformats.org/officeDocument/2006/math">
+                      <m:r>
+                        <a:rPr lang="es-ES" b="0" i="1" smtClean="0">
+                          <a:latin typeface="Cambria Math" panose="02040503050406030204" pitchFamily="18" charset="0"/>
+                        </a:rPr>
+                        <m:t>𝑆h𝑎𝑛𝑛𝑜</m:t>
+                      </m:r>
+                      <m:sSup>
+                        <m:sSupPr>
+                          <m:ctrlPr>
+                            <a:rPr lang="es-ES" b="0" i="1" smtClean="0">
+                              <a:latin typeface="Cambria Math" panose="02040503050406030204" pitchFamily="18" charset="0"/>
+                            </a:rPr>
+                          </m:ctrlPr>
+                        </m:sSupPr>
+                        <m:e>
+                          <m:r>
+                            <a:rPr lang="es-ES" b="0" i="1" smtClean="0">
+                              <a:latin typeface="Cambria Math" panose="02040503050406030204" pitchFamily="18" charset="0"/>
+                            </a:rPr>
+                            <m:t>𝑛</m:t>
+                          </m:r>
+                        </m:e>
+                        <m:sup>
+                          <m:r>
+                            <a:rPr lang="es-ES" b="0" i="1" smtClean="0">
+                              <a:latin typeface="Cambria Math" panose="02040503050406030204" pitchFamily="18" charset="0"/>
+                            </a:rPr>
+                            <m:t>′</m:t>
+                          </m:r>
+                        </m:sup>
+                      </m:sSup>
+                      <m:r>
+                        <a:rPr lang="es-ES" b="0" i="1" smtClean="0">
+                          <a:latin typeface="Cambria Math" panose="02040503050406030204" pitchFamily="18" charset="0"/>
+                        </a:rPr>
+                        <m:t>𝑠</m:t>
+                      </m:r>
+                      <m:r>
+                        <a:rPr lang="es-ES" b="0" i="1" smtClean="0">
+                          <a:latin typeface="Cambria Math" panose="02040503050406030204" pitchFamily="18" charset="0"/>
+                        </a:rPr>
+                        <m:t> </m:t>
+                      </m:r>
+                      <m:r>
+                        <a:rPr lang="es-ES" b="0" i="1" smtClean="0">
+                          <a:latin typeface="Cambria Math" panose="02040503050406030204" pitchFamily="18" charset="0"/>
+                        </a:rPr>
+                        <m:t>𝐸𝑛𝑡𝑟𝑜𝑝𝑦</m:t>
+                      </m:r>
+                      <m:r>
+                        <a:rPr lang="es-ES" b="0" i="1" smtClean="0">
+                          <a:latin typeface="Cambria Math" panose="02040503050406030204" pitchFamily="18" charset="0"/>
+                        </a:rPr>
+                        <m:t>:</m:t>
+                      </m:r>
+                    </m:oMath>
+                  </m:oMathPara>
+                </a14:m>
+                <a:endParaRPr lang="es-ES" b="0" dirty="0"/>
+              </a:p>
+              <a:p>
+                <a14:m>
+                  <m:oMathPara xmlns:m="http://schemas.openxmlformats.org/officeDocument/2006/math">
+                    <m:oMathParaPr>
+                      <m:jc m:val="centerGroup"/>
+                    </m:oMathParaPr>
+                    <m:oMath xmlns:m="http://schemas.openxmlformats.org/officeDocument/2006/math">
+                      <m:r>
+                        <a:rPr lang="es-ES" b="0" i="1" smtClean="0">
+                          <a:latin typeface="Cambria Math" panose="02040503050406030204" pitchFamily="18" charset="0"/>
+                        </a:rPr>
+                        <m:t>𝐻</m:t>
+                      </m:r>
+                      <m:d>
+                        <m:dPr>
+                          <m:ctrlPr>
+                            <a:rPr lang="es-ES" b="0" i="1" smtClean="0">
+                              <a:latin typeface="Cambria Math" panose="02040503050406030204" pitchFamily="18" charset="0"/>
+                            </a:rPr>
+                          </m:ctrlPr>
+                        </m:dPr>
+                        <m:e>
+                          <m:r>
+                            <a:rPr lang="es-ES" b="0" i="1" smtClean="0">
+                              <a:latin typeface="Cambria Math" panose="02040503050406030204" pitchFamily="18" charset="0"/>
+                            </a:rPr>
+                            <m:t>𝑋</m:t>
+                          </m:r>
+                        </m:e>
+                      </m:d>
+                      <m:r>
+                        <a:rPr lang="es-ES" b="0" i="1" smtClean="0">
+                          <a:latin typeface="Cambria Math" panose="02040503050406030204" pitchFamily="18" charset="0"/>
+                        </a:rPr>
+                        <m:t>=−</m:t>
+                      </m:r>
+                      <m:nary>
+                        <m:naryPr>
+                          <m:chr m:val="∑"/>
+                          <m:ctrlPr>
+                            <a:rPr lang="es-ES" b="0" i="1" smtClean="0">
+                              <a:latin typeface="Cambria Math" panose="02040503050406030204" pitchFamily="18" charset="0"/>
+                            </a:rPr>
+                          </m:ctrlPr>
+                        </m:naryPr>
+                        <m:sub>
+                          <m:r>
+                            <m:rPr>
+                              <m:brk m:alnAt="23"/>
+                            </m:rPr>
+                            <a:rPr lang="es-ES" b="0" i="1" smtClean="0">
+                              <a:latin typeface="Cambria Math" panose="02040503050406030204" pitchFamily="18" charset="0"/>
+                            </a:rPr>
+                            <m:t>𝑖</m:t>
+                          </m:r>
+                          <m:r>
+                            <a:rPr lang="es-ES" b="0" i="1" smtClean="0">
+                              <a:latin typeface="Cambria Math" panose="02040503050406030204" pitchFamily="18" charset="0"/>
+                            </a:rPr>
+                            <m:t>=1</m:t>
+                          </m:r>
+                        </m:sub>
+                        <m:sup>
+                          <m:r>
+                            <a:rPr lang="es-ES" b="0" i="1" smtClean="0">
+                              <a:latin typeface="Cambria Math" panose="02040503050406030204" pitchFamily="18" charset="0"/>
+                            </a:rPr>
+                            <m:t>𝑛</m:t>
+                          </m:r>
+                        </m:sup>
+                        <m:e>
+                          <m:r>
+                            <a:rPr lang="es-ES" b="0" i="1" smtClean="0">
+                              <a:latin typeface="Cambria Math" panose="02040503050406030204" pitchFamily="18" charset="0"/>
+                            </a:rPr>
+                            <m:t>𝑃</m:t>
+                          </m:r>
+                          <m:d>
+                            <m:dPr>
+                              <m:ctrlPr>
+                                <a:rPr lang="es-ES" b="0" i="1" smtClean="0">
+                                  <a:latin typeface="Cambria Math" panose="02040503050406030204" pitchFamily="18" charset="0"/>
+                                </a:rPr>
+                              </m:ctrlPr>
+                            </m:dPr>
+                            <m:e>
+                              <m:sSub>
+                                <m:sSubPr>
+                                  <m:ctrlPr>
+                                    <a:rPr lang="es-ES" b="0" i="1" smtClean="0">
+                                      <a:latin typeface="Cambria Math" panose="02040503050406030204" pitchFamily="18" charset="0"/>
+                                    </a:rPr>
+                                  </m:ctrlPr>
+                                </m:sSubPr>
+                                <m:e>
+                                  <m:r>
+                                    <a:rPr lang="es-ES" b="0" i="1" smtClean="0">
+                                      <a:latin typeface="Cambria Math" panose="02040503050406030204" pitchFamily="18" charset="0"/>
+                                    </a:rPr>
+                                    <m:t>𝑋</m:t>
+                                  </m:r>
+                                </m:e>
+                                <m:sub>
+                                  <m:r>
+                                    <a:rPr lang="es-ES" b="0" i="1" smtClean="0">
+                                      <a:latin typeface="Cambria Math" panose="02040503050406030204" pitchFamily="18" charset="0"/>
+                                    </a:rPr>
+                                    <m:t>𝑖</m:t>
+                                  </m:r>
+                                </m:sub>
+                              </m:sSub>
+                            </m:e>
+                          </m:d>
+                          <m:r>
+                            <a:rPr lang="es-ES" i="1">
+                              <a:latin typeface="Cambria Math" panose="02040503050406030204" pitchFamily="18" charset="0"/>
+                              <a:ea typeface="Cambria Math" panose="02040503050406030204" pitchFamily="18" charset="0"/>
+                            </a:rPr>
+                            <m:t>×</m:t>
+                          </m:r>
+                          <m:func>
+                            <m:funcPr>
+                              <m:ctrlPr>
+                                <a:rPr lang="es-ES" i="1" smtClean="0">
+                                  <a:latin typeface="Cambria Math" panose="02040503050406030204" pitchFamily="18" charset="0"/>
+                                  <a:ea typeface="Cambria Math" panose="02040503050406030204" pitchFamily="18" charset="0"/>
+                                </a:rPr>
+                              </m:ctrlPr>
+                            </m:funcPr>
+                            <m:fName>
+                              <m:sSub>
+                                <m:sSubPr>
+                                  <m:ctrlPr>
+                                    <a:rPr lang="es-ES" i="1" smtClean="0">
+                                      <a:latin typeface="Cambria Math" panose="02040503050406030204" pitchFamily="18" charset="0"/>
+                                      <a:ea typeface="Cambria Math" panose="02040503050406030204" pitchFamily="18" charset="0"/>
+                                    </a:rPr>
+                                  </m:ctrlPr>
+                                </m:sSubPr>
+                                <m:e>
+                                  <m:r>
+                                    <m:rPr>
+                                      <m:sty m:val="p"/>
+                                    </m:rPr>
+                                    <a:rPr lang="es-ES" i="0" smtClean="0">
+                                      <a:latin typeface="Cambria Math" panose="02040503050406030204" pitchFamily="18" charset="0"/>
+                                      <a:ea typeface="Cambria Math" panose="02040503050406030204" pitchFamily="18" charset="0"/>
+                                    </a:rPr>
+                                    <m:t>log</m:t>
+                                  </m:r>
+                                </m:e>
+                                <m:sub>
+                                  <m:r>
+                                    <a:rPr lang="es-ES" b="0" i="1" smtClean="0">
+                                      <a:latin typeface="Cambria Math" panose="02040503050406030204" pitchFamily="18" charset="0"/>
+                                      <a:ea typeface="Cambria Math" panose="02040503050406030204" pitchFamily="18" charset="0"/>
+                                    </a:rPr>
+                                    <m:t>2</m:t>
+                                  </m:r>
+                                </m:sub>
+                              </m:sSub>
+                            </m:fName>
+                            <m:e>
+                              <m:r>
+                                <a:rPr lang="es-ES" i="1">
+                                  <a:latin typeface="Cambria Math" panose="02040503050406030204" pitchFamily="18" charset="0"/>
+                                </a:rPr>
+                                <m:t>𝑃</m:t>
+                              </m:r>
+                              <m:d>
+                                <m:dPr>
+                                  <m:ctrlPr>
+                                    <a:rPr lang="es-ES" i="1">
+                                      <a:latin typeface="Cambria Math" panose="02040503050406030204" pitchFamily="18" charset="0"/>
+                                    </a:rPr>
+                                  </m:ctrlPr>
+                                </m:dPr>
+                                <m:e>
+                                  <m:sSub>
+                                    <m:sSubPr>
+                                      <m:ctrlPr>
+                                        <a:rPr lang="es-ES" i="1">
+                                          <a:latin typeface="Cambria Math" panose="02040503050406030204" pitchFamily="18" charset="0"/>
+                                        </a:rPr>
+                                      </m:ctrlPr>
+                                    </m:sSubPr>
+                                    <m:e>
+                                      <m:r>
+                                        <a:rPr lang="es-ES" i="1">
+                                          <a:latin typeface="Cambria Math" panose="02040503050406030204" pitchFamily="18" charset="0"/>
+                                        </a:rPr>
+                                        <m:t>𝑋</m:t>
+                                      </m:r>
+                                    </m:e>
+                                    <m:sub>
+                                      <m:r>
+                                        <a:rPr lang="es-ES" i="1">
+                                          <a:latin typeface="Cambria Math" panose="02040503050406030204" pitchFamily="18" charset="0"/>
+                                        </a:rPr>
+                                        <m:t>𝑖</m:t>
+                                      </m:r>
+                                    </m:sub>
+                                  </m:sSub>
+                                </m:e>
+                              </m:d>
+                            </m:e>
+                          </m:func>
+                        </m:e>
+                      </m:nary>
+                    </m:oMath>
+                  </m:oMathPara>
+                </a14:m>
+                <a:endParaRPr lang="en-US" dirty="0"/>
+              </a:p>
+            </p:txBody>
+          </p:sp>
+        </mc:Choice>
+        <mc:Fallback>
+          <p:sp>
+            <p:nvSpPr>
+              <p:cNvPr id="4" name="TextBox 3">
+                <a:extLst>
+                  <a:ext uri="{FF2B5EF4-FFF2-40B4-BE49-F238E27FC236}">
+                    <a16:creationId xmlns:a16="http://schemas.microsoft.com/office/drawing/2014/main" id="{7EC0A5F0-0705-44B4-B8AB-776728EAB471}"/>
+                  </a:ext>
+                </a:extLst>
+              </p:cNvPr>
+              <p:cNvSpPr txBox="1">
+                <a:spLocks noRot="1" noChangeAspect="1" noMove="1" noResize="1" noEditPoints="1" noAdjustHandles="1" noChangeArrowheads="1" noChangeShapeType="1" noTextEdit="1"/>
+              </p:cNvSpPr>
+              <p:nvPr/>
+            </p:nvSpPr>
+            <p:spPr>
+              <a:xfrm>
+                <a:off x="1450844" y="4757969"/>
+                <a:ext cx="3270575" cy="1033232"/>
+              </a:xfrm>
+              <a:prstGeom prst="rect">
+                <a:avLst/>
+              </a:prstGeom>
+              <a:blipFill>
+                <a:blip r:embed="rId3"/>
+                <a:stretch>
+                  <a:fillRect/>
+                </a:stretch>
+              </a:blipFill>
+            </p:spPr>
+            <p:txBody>
+              <a:bodyPr/>
+              <a:lstStyle/>
+              <a:p>
+                <a:r>
+                  <a:rPr lang="en-US">
+                    <a:noFill/>
+                  </a:rPr>
+                  <a:t> </a:t>
+                </a:r>
+              </a:p>
+            </p:txBody>
+          </p:sp>
+        </mc:Fallback>
+      </mc:AlternateContent>
+      <p:grpSp>
+        <p:nvGrpSpPr>
+          <p:cNvPr id="34" name="Group 33">
+            <a:extLst>
+              <a:ext uri="{FF2B5EF4-FFF2-40B4-BE49-F238E27FC236}">
+                <a16:creationId xmlns:a16="http://schemas.microsoft.com/office/drawing/2014/main" id="{B7D4190C-5E16-49F1-A5DE-54BEF2FEB2B7}"/>
+              </a:ext>
+            </a:extLst>
+          </p:cNvPr>
+          <p:cNvGrpSpPr/>
+          <p:nvPr/>
+        </p:nvGrpSpPr>
+        <p:grpSpPr>
+          <a:xfrm>
+            <a:off x="4733999" y="4695695"/>
+            <a:ext cx="1423188" cy="1144744"/>
+            <a:chOff x="5660904" y="4606901"/>
+            <a:chExt cx="1423188" cy="1144744"/>
+          </a:xfrm>
+        </p:grpSpPr>
+        <p:cxnSp>
+          <p:nvCxnSpPr>
+            <p:cNvPr id="6" name="Straight Arrow Connector 5">
+              <a:extLst>
+                <a:ext uri="{FF2B5EF4-FFF2-40B4-BE49-F238E27FC236}">
+                  <a16:creationId xmlns:a16="http://schemas.microsoft.com/office/drawing/2014/main" id="{847A5B53-31BE-4DFF-B097-C7EFE1C0DF88}"/>
+                </a:ext>
+              </a:extLst>
+            </p:cNvPr>
+            <p:cNvCxnSpPr/>
+            <p:nvPr/>
+          </p:nvCxnSpPr>
+          <p:spPr>
+            <a:xfrm flipV="1">
+              <a:off x="5660904" y="4606901"/>
+              <a:ext cx="1389050" cy="572372"/>
+            </a:xfrm>
+            <a:prstGeom prst="straightConnector1">
+              <a:avLst/>
+            </a:prstGeom>
+            <a:ln>
+              <a:tailEnd type="triangle"/>
+            </a:ln>
+          </p:spPr>
+          <p:style>
+            <a:lnRef idx="1">
+              <a:schemeClr val="accent4"/>
+            </a:lnRef>
+            <a:fillRef idx="0">
+              <a:schemeClr val="accent4"/>
+            </a:fillRef>
+            <a:effectRef idx="0">
+              <a:schemeClr val="accent4"/>
+            </a:effectRef>
+            <a:fontRef idx="minor">
+              <a:schemeClr val="tx1"/>
+            </a:fontRef>
+          </p:style>
+        </p:cxnSp>
+        <p:cxnSp>
+          <p:nvCxnSpPr>
+            <p:cNvPr id="7" name="Straight Arrow Connector 6">
+              <a:extLst>
+                <a:ext uri="{FF2B5EF4-FFF2-40B4-BE49-F238E27FC236}">
+                  <a16:creationId xmlns:a16="http://schemas.microsoft.com/office/drawing/2014/main" id="{8AB02331-4785-48C2-92F1-024B607A3265}"/>
+                </a:ext>
+              </a:extLst>
+            </p:cNvPr>
+            <p:cNvCxnSpPr>
+              <a:cxnSpLocks/>
+            </p:cNvCxnSpPr>
+            <p:nvPr/>
+          </p:nvCxnSpPr>
+          <p:spPr>
+            <a:xfrm>
+              <a:off x="5695042" y="5179273"/>
+              <a:ext cx="1389050" cy="572372"/>
+            </a:xfrm>
+            <a:prstGeom prst="straightConnector1">
+              <a:avLst/>
+            </a:prstGeom>
+            <a:ln>
+              <a:tailEnd type="triangle"/>
+            </a:ln>
+          </p:spPr>
+          <p:style>
+            <a:lnRef idx="1">
+              <a:schemeClr val="accent4"/>
+            </a:lnRef>
+            <a:fillRef idx="0">
+              <a:schemeClr val="accent4"/>
+            </a:fillRef>
+            <a:effectRef idx="0">
+              <a:schemeClr val="accent4"/>
+            </a:effectRef>
+            <a:fontRef idx="minor">
+              <a:schemeClr val="tx1"/>
+            </a:fontRef>
+          </p:style>
+        </p:cxnSp>
+      </p:grpSp>
+      <p:grpSp>
+        <p:nvGrpSpPr>
+          <p:cNvPr id="33" name="Group 32">
+            <a:extLst>
+              <a:ext uri="{FF2B5EF4-FFF2-40B4-BE49-F238E27FC236}">
+                <a16:creationId xmlns:a16="http://schemas.microsoft.com/office/drawing/2014/main" id="{4B4D3D72-2F39-4040-BA2D-58B36AE8E34F}"/>
+              </a:ext>
+            </a:extLst>
+          </p:cNvPr>
+          <p:cNvGrpSpPr/>
+          <p:nvPr/>
+        </p:nvGrpSpPr>
+        <p:grpSpPr>
+          <a:xfrm>
+            <a:off x="6158226" y="4324003"/>
+            <a:ext cx="2168203" cy="1888128"/>
+            <a:chOff x="7080499" y="4271853"/>
+            <a:chExt cx="2168203" cy="1888128"/>
+          </a:xfrm>
+        </p:grpSpPr>
+        <p:sp>
+          <p:nvSpPr>
+            <p:cNvPr id="8" name="Rectangle 7">
+              <a:extLst>
+                <a:ext uri="{FF2B5EF4-FFF2-40B4-BE49-F238E27FC236}">
+                  <a16:creationId xmlns:a16="http://schemas.microsoft.com/office/drawing/2014/main" id="{7E61187B-FCC2-40AF-A673-B27791BC544E}"/>
+                </a:ext>
+              </a:extLst>
+            </p:cNvPr>
+            <p:cNvSpPr/>
+            <p:nvPr/>
+          </p:nvSpPr>
+          <p:spPr>
+            <a:xfrm>
+              <a:off x="7084092" y="4271853"/>
+              <a:ext cx="2164610" cy="867864"/>
+            </a:xfrm>
+            <a:prstGeom prst="rect">
+              <a:avLst/>
+            </a:prstGeom>
+          </p:spPr>
+          <p:style>
+            <a:lnRef idx="2">
+              <a:schemeClr val="dk1"/>
+            </a:lnRef>
+            <a:fillRef idx="1">
+              <a:schemeClr val="lt1"/>
+            </a:fillRef>
+            <a:effectRef idx="0">
+              <a:schemeClr val="dk1"/>
+            </a:effectRef>
+            <a:fontRef idx="minor">
+              <a:schemeClr val="dk1"/>
+            </a:fontRef>
+          </p:style>
+          <p:txBody>
+            <a:bodyPr rtlCol="0" anchor="ctr"/>
+            <a:lstStyle/>
+            <a:p>
+              <a:pPr algn="ctr"/>
+              <a:endParaRPr lang="en-US" dirty="0"/>
+            </a:p>
+          </p:txBody>
+        </p:sp>
+        <p:sp>
+          <p:nvSpPr>
+            <p:cNvPr id="9" name="Rectangle 8">
+              <a:extLst>
+                <a:ext uri="{FF2B5EF4-FFF2-40B4-BE49-F238E27FC236}">
+                  <a16:creationId xmlns:a16="http://schemas.microsoft.com/office/drawing/2014/main" id="{90A12CD6-774D-4FA4-B5F5-63993423EE37}"/>
+                </a:ext>
+              </a:extLst>
+            </p:cNvPr>
+            <p:cNvSpPr/>
+            <p:nvPr/>
+          </p:nvSpPr>
+          <p:spPr>
+            <a:xfrm>
+              <a:off x="7080499" y="5292117"/>
+              <a:ext cx="2164610" cy="867864"/>
+            </a:xfrm>
+            <a:prstGeom prst="rect">
+              <a:avLst/>
+            </a:prstGeom>
+          </p:spPr>
+          <p:style>
+            <a:lnRef idx="2">
+              <a:schemeClr val="dk1"/>
+            </a:lnRef>
+            <a:fillRef idx="1">
+              <a:schemeClr val="lt1"/>
+            </a:fillRef>
+            <a:effectRef idx="0">
+              <a:schemeClr val="dk1"/>
+            </a:effectRef>
+            <a:fontRef idx="minor">
+              <a:schemeClr val="dk1"/>
+            </a:fontRef>
+          </p:style>
+          <p:txBody>
+            <a:bodyPr rtlCol="0" anchor="ctr"/>
+            <a:lstStyle/>
+            <a:p>
+              <a:pPr algn="ctr"/>
+              <a:endParaRPr lang="en-US"/>
+            </a:p>
+          </p:txBody>
+        </p:sp>
+      </p:grpSp>
+      <p:grpSp>
+        <p:nvGrpSpPr>
+          <p:cNvPr id="5" name="Group 4">
+            <a:extLst>
+              <a:ext uri="{FF2B5EF4-FFF2-40B4-BE49-F238E27FC236}">
+                <a16:creationId xmlns:a16="http://schemas.microsoft.com/office/drawing/2014/main" id="{8EBE4801-F1D0-4E31-8659-6ABAE9BB331A}"/>
+              </a:ext>
+            </a:extLst>
+          </p:cNvPr>
+          <p:cNvGrpSpPr/>
+          <p:nvPr/>
+        </p:nvGrpSpPr>
+        <p:grpSpPr>
+          <a:xfrm>
+            <a:off x="6346685" y="4397148"/>
+            <a:ext cx="1855867" cy="1767705"/>
+            <a:chOff x="6346685" y="4397148"/>
+            <a:chExt cx="1855867" cy="1767705"/>
+          </a:xfrm>
+        </p:grpSpPr>
+        <p:sp>
+          <p:nvSpPr>
+            <p:cNvPr id="10" name="Oval 9">
+              <a:extLst>
+                <a:ext uri="{FF2B5EF4-FFF2-40B4-BE49-F238E27FC236}">
+                  <a16:creationId xmlns:a16="http://schemas.microsoft.com/office/drawing/2014/main" id="{8CDC4E63-1D45-40A4-A472-DD90F25BF207}"/>
+                </a:ext>
+              </a:extLst>
+            </p:cNvPr>
+            <p:cNvSpPr/>
+            <p:nvPr/>
+          </p:nvSpPr>
+          <p:spPr>
+            <a:xfrm>
+              <a:off x="6356133" y="4466652"/>
+              <a:ext cx="335047" cy="335047"/>
+            </a:xfrm>
+            <a:prstGeom prst="ellipse">
+              <a:avLst/>
+            </a:prstGeom>
+          </p:spPr>
+          <p:style>
+            <a:lnRef idx="2">
+              <a:schemeClr val="accent2">
+                <a:shade val="50000"/>
+              </a:schemeClr>
+            </a:lnRef>
+            <a:fillRef idx="1">
+              <a:schemeClr val="accent2"/>
+            </a:fillRef>
+            <a:effectRef idx="0">
+              <a:schemeClr val="accent2"/>
+            </a:effectRef>
+            <a:fontRef idx="minor">
+              <a:schemeClr val="lt1"/>
+            </a:fontRef>
+          </p:style>
+          <p:txBody>
+            <a:bodyPr rtlCol="0" anchor="ctr"/>
+            <a:lstStyle/>
+            <a:p>
+              <a:pPr algn="ctr"/>
+              <a:endParaRPr lang="en-US"/>
+            </a:p>
+          </p:txBody>
+        </p:sp>
+        <p:sp>
+          <p:nvSpPr>
+            <p:cNvPr id="11" name="Oval 10">
+              <a:extLst>
+                <a:ext uri="{FF2B5EF4-FFF2-40B4-BE49-F238E27FC236}">
+                  <a16:creationId xmlns:a16="http://schemas.microsoft.com/office/drawing/2014/main" id="{47DEC31E-377A-4DB4-BFEF-C6FA701B8B22}"/>
+                </a:ext>
+              </a:extLst>
+            </p:cNvPr>
+            <p:cNvSpPr/>
+            <p:nvPr/>
+          </p:nvSpPr>
+          <p:spPr>
+            <a:xfrm>
+              <a:off x="6687815" y="4775309"/>
+              <a:ext cx="335047" cy="335047"/>
+            </a:xfrm>
+            <a:prstGeom prst="ellipse">
+              <a:avLst/>
+            </a:prstGeom>
+          </p:spPr>
+          <p:style>
+            <a:lnRef idx="2">
+              <a:schemeClr val="accent2">
+                <a:shade val="50000"/>
+              </a:schemeClr>
+            </a:lnRef>
+            <a:fillRef idx="1">
+              <a:schemeClr val="accent2"/>
+            </a:fillRef>
+            <a:effectRef idx="0">
+              <a:schemeClr val="accent2"/>
+            </a:effectRef>
+            <a:fontRef idx="minor">
+              <a:schemeClr val="lt1"/>
+            </a:fontRef>
+          </p:style>
+          <p:txBody>
+            <a:bodyPr rtlCol="0" anchor="ctr"/>
+            <a:lstStyle/>
+            <a:p>
+              <a:pPr algn="ctr"/>
+              <a:endParaRPr lang="en-US"/>
+            </a:p>
+          </p:txBody>
+        </p:sp>
+        <p:sp>
+          <p:nvSpPr>
+            <p:cNvPr id="12" name="Oval 11">
+              <a:extLst>
+                <a:ext uri="{FF2B5EF4-FFF2-40B4-BE49-F238E27FC236}">
+                  <a16:creationId xmlns:a16="http://schemas.microsoft.com/office/drawing/2014/main" id="{4CD005D9-8B36-45EA-A32B-01A14267AD8D}"/>
+                </a:ext>
+              </a:extLst>
+            </p:cNvPr>
+            <p:cNvSpPr/>
+            <p:nvPr/>
+          </p:nvSpPr>
+          <p:spPr>
+            <a:xfrm>
+              <a:off x="7005764" y="4397148"/>
+              <a:ext cx="335047" cy="335047"/>
+            </a:xfrm>
+            <a:prstGeom prst="ellipse">
+              <a:avLst/>
+            </a:prstGeom>
+          </p:spPr>
+          <p:style>
+            <a:lnRef idx="2">
+              <a:schemeClr val="accent2">
+                <a:shade val="50000"/>
+              </a:schemeClr>
+            </a:lnRef>
+            <a:fillRef idx="1">
+              <a:schemeClr val="accent2"/>
+            </a:fillRef>
+            <a:effectRef idx="0">
+              <a:schemeClr val="accent2"/>
+            </a:effectRef>
+            <a:fontRef idx="minor">
+              <a:schemeClr val="lt1"/>
+            </a:fontRef>
+          </p:style>
+          <p:txBody>
+            <a:bodyPr rtlCol="0" anchor="ctr"/>
+            <a:lstStyle/>
+            <a:p>
+              <a:pPr algn="ctr"/>
+              <a:endParaRPr lang="en-US"/>
+            </a:p>
+          </p:txBody>
+        </p:sp>
+        <p:sp>
+          <p:nvSpPr>
+            <p:cNvPr id="13" name="Oval 12">
+              <a:extLst>
+                <a:ext uri="{FF2B5EF4-FFF2-40B4-BE49-F238E27FC236}">
+                  <a16:creationId xmlns:a16="http://schemas.microsoft.com/office/drawing/2014/main" id="{612A7561-DAAA-4E0C-9FA0-241C26C08837}"/>
+                </a:ext>
+              </a:extLst>
+            </p:cNvPr>
+            <p:cNvSpPr/>
+            <p:nvPr/>
+          </p:nvSpPr>
+          <p:spPr>
+            <a:xfrm>
+              <a:off x="7782670" y="4408905"/>
+              <a:ext cx="335047" cy="335047"/>
+            </a:xfrm>
+            <a:prstGeom prst="ellipse">
+              <a:avLst/>
+            </a:prstGeom>
+          </p:spPr>
+          <p:style>
+            <a:lnRef idx="2">
+              <a:schemeClr val="accent2">
+                <a:shade val="50000"/>
+              </a:schemeClr>
+            </a:lnRef>
+            <a:fillRef idx="1">
+              <a:schemeClr val="accent2"/>
+            </a:fillRef>
+            <a:effectRef idx="0">
+              <a:schemeClr val="accent2"/>
+            </a:effectRef>
+            <a:fontRef idx="minor">
+              <a:schemeClr val="lt1"/>
+            </a:fontRef>
+          </p:style>
+          <p:txBody>
+            <a:bodyPr rtlCol="0" anchor="ctr"/>
+            <a:lstStyle/>
+            <a:p>
+              <a:pPr algn="ctr"/>
+              <a:endParaRPr lang="en-US"/>
+            </a:p>
+          </p:txBody>
+        </p:sp>
+        <p:sp>
+          <p:nvSpPr>
+            <p:cNvPr id="14" name="Oval 13">
+              <a:extLst>
+                <a:ext uri="{FF2B5EF4-FFF2-40B4-BE49-F238E27FC236}">
+                  <a16:creationId xmlns:a16="http://schemas.microsoft.com/office/drawing/2014/main" id="{D8CB737D-AE68-4693-A404-7D205EFFCE49}"/>
+                </a:ext>
+              </a:extLst>
+            </p:cNvPr>
+            <p:cNvSpPr/>
+            <p:nvPr/>
+          </p:nvSpPr>
+          <p:spPr>
+            <a:xfrm>
+              <a:off x="7072601" y="5765541"/>
+              <a:ext cx="335047" cy="335047"/>
+            </a:xfrm>
+            <a:prstGeom prst="ellipse">
+              <a:avLst/>
+            </a:prstGeom>
+          </p:spPr>
+          <p:style>
+            <a:lnRef idx="2">
+              <a:schemeClr val="accent2">
+                <a:shade val="50000"/>
+              </a:schemeClr>
+            </a:lnRef>
+            <a:fillRef idx="1">
+              <a:schemeClr val="accent2"/>
+            </a:fillRef>
+            <a:effectRef idx="0">
+              <a:schemeClr val="accent2"/>
+            </a:effectRef>
+            <a:fontRef idx="minor">
+              <a:schemeClr val="lt1"/>
+            </a:fontRef>
+          </p:style>
+          <p:txBody>
+            <a:bodyPr rtlCol="0" anchor="ctr"/>
+            <a:lstStyle/>
+            <a:p>
+              <a:pPr algn="ctr"/>
+              <a:endParaRPr lang="en-US"/>
+            </a:p>
+          </p:txBody>
+        </p:sp>
+        <p:sp>
+          <p:nvSpPr>
+            <p:cNvPr id="15" name="Oval 14">
+              <a:extLst>
+                <a:ext uri="{FF2B5EF4-FFF2-40B4-BE49-F238E27FC236}">
+                  <a16:creationId xmlns:a16="http://schemas.microsoft.com/office/drawing/2014/main" id="{152DF0EF-712F-4012-99A0-62A5DF8D093F}"/>
+                </a:ext>
+              </a:extLst>
+            </p:cNvPr>
+            <p:cNvSpPr/>
+            <p:nvPr/>
+          </p:nvSpPr>
+          <p:spPr>
+            <a:xfrm>
+              <a:off x="7248579" y="5411884"/>
+              <a:ext cx="335047" cy="335047"/>
+            </a:xfrm>
+            <a:prstGeom prst="ellipse">
+              <a:avLst/>
+            </a:prstGeom>
+          </p:spPr>
+          <p:style>
+            <a:lnRef idx="2">
+              <a:schemeClr val="accent2">
+                <a:shade val="50000"/>
+              </a:schemeClr>
+            </a:lnRef>
+            <a:fillRef idx="1">
+              <a:schemeClr val="accent2"/>
+            </a:fillRef>
+            <a:effectRef idx="0">
+              <a:schemeClr val="accent2"/>
+            </a:effectRef>
+            <a:fontRef idx="minor">
+              <a:schemeClr val="lt1"/>
+            </a:fontRef>
+          </p:style>
+          <p:txBody>
+            <a:bodyPr rtlCol="0" anchor="ctr"/>
+            <a:lstStyle/>
+            <a:p>
+              <a:pPr algn="ctr"/>
+              <a:endParaRPr lang="en-US"/>
+            </a:p>
+          </p:txBody>
+        </p:sp>
+        <p:sp>
+          <p:nvSpPr>
+            <p:cNvPr id="16" name="Oval 15">
+              <a:extLst>
+                <a:ext uri="{FF2B5EF4-FFF2-40B4-BE49-F238E27FC236}">
+                  <a16:creationId xmlns:a16="http://schemas.microsoft.com/office/drawing/2014/main" id="{E2E237E3-1DCA-41F5-AD9D-5049B84370E2}"/>
+                </a:ext>
+              </a:extLst>
+            </p:cNvPr>
+            <p:cNvSpPr/>
+            <p:nvPr/>
+          </p:nvSpPr>
+          <p:spPr>
+            <a:xfrm>
+              <a:off x="7610742" y="4781015"/>
+              <a:ext cx="335047" cy="335047"/>
+            </a:xfrm>
+            <a:prstGeom prst="ellipse">
+              <a:avLst/>
+            </a:prstGeom>
+          </p:spPr>
+          <p:style>
+            <a:lnRef idx="2">
+              <a:schemeClr val="accent2">
+                <a:shade val="50000"/>
+              </a:schemeClr>
+            </a:lnRef>
+            <a:fillRef idx="1">
+              <a:schemeClr val="accent2"/>
+            </a:fillRef>
+            <a:effectRef idx="0">
+              <a:schemeClr val="accent2"/>
+            </a:effectRef>
+            <a:fontRef idx="minor">
+              <a:schemeClr val="lt1"/>
+            </a:fontRef>
+          </p:style>
+          <p:txBody>
+            <a:bodyPr rtlCol="0" anchor="ctr"/>
+            <a:lstStyle/>
+            <a:p>
+              <a:pPr algn="ctr"/>
+              <a:endParaRPr lang="en-US"/>
+            </a:p>
+          </p:txBody>
+        </p:sp>
+        <p:sp>
+          <p:nvSpPr>
+            <p:cNvPr id="17" name="Oval 16">
+              <a:extLst>
+                <a:ext uri="{FF2B5EF4-FFF2-40B4-BE49-F238E27FC236}">
+                  <a16:creationId xmlns:a16="http://schemas.microsoft.com/office/drawing/2014/main" id="{B600AE41-C9E2-48C2-90D1-725C3C235869}"/>
+                </a:ext>
+              </a:extLst>
+            </p:cNvPr>
+            <p:cNvSpPr/>
+            <p:nvPr/>
+          </p:nvSpPr>
+          <p:spPr>
+            <a:xfrm>
+              <a:off x="7183945" y="4774286"/>
+              <a:ext cx="335047" cy="335047"/>
+            </a:xfrm>
+            <a:prstGeom prst="ellipse">
+              <a:avLst/>
+            </a:prstGeom>
+          </p:spPr>
+          <p:style>
+            <a:lnRef idx="2">
+              <a:schemeClr val="accent5">
+                <a:shade val="50000"/>
+              </a:schemeClr>
+            </a:lnRef>
+            <a:fillRef idx="1">
+              <a:schemeClr val="accent5"/>
+            </a:fillRef>
+            <a:effectRef idx="0">
+              <a:schemeClr val="accent5"/>
+            </a:effectRef>
+            <a:fontRef idx="minor">
+              <a:schemeClr val="lt1"/>
+            </a:fontRef>
+          </p:style>
+          <p:txBody>
+            <a:bodyPr rtlCol="0" anchor="ctr"/>
+            <a:lstStyle/>
+            <a:p>
+              <a:pPr algn="ctr"/>
+              <a:endParaRPr lang="en-US"/>
+            </a:p>
+          </p:txBody>
+        </p:sp>
+        <p:sp>
+          <p:nvSpPr>
+            <p:cNvPr id="27" name="Oval 26">
+              <a:extLst>
+                <a:ext uri="{FF2B5EF4-FFF2-40B4-BE49-F238E27FC236}">
+                  <a16:creationId xmlns:a16="http://schemas.microsoft.com/office/drawing/2014/main" id="{8300EACB-8000-41CB-B7B9-70D75FC2AF60}"/>
+                </a:ext>
+              </a:extLst>
+            </p:cNvPr>
+            <p:cNvSpPr/>
+            <p:nvPr/>
+          </p:nvSpPr>
+          <p:spPr>
+            <a:xfrm>
+              <a:off x="7867505" y="5430494"/>
+              <a:ext cx="335047" cy="335047"/>
+            </a:xfrm>
+            <a:prstGeom prst="ellipse">
+              <a:avLst/>
+            </a:prstGeom>
+          </p:spPr>
+          <p:style>
+            <a:lnRef idx="2">
+              <a:schemeClr val="accent5">
+                <a:shade val="50000"/>
+              </a:schemeClr>
+            </a:lnRef>
+            <a:fillRef idx="1">
+              <a:schemeClr val="accent5"/>
+            </a:fillRef>
+            <a:effectRef idx="0">
+              <a:schemeClr val="accent5"/>
+            </a:effectRef>
+            <a:fontRef idx="minor">
+              <a:schemeClr val="lt1"/>
+            </a:fontRef>
+          </p:style>
+          <p:txBody>
+            <a:bodyPr rtlCol="0" anchor="ctr"/>
+            <a:lstStyle/>
+            <a:p>
+              <a:pPr algn="ctr"/>
+              <a:endParaRPr lang="en-US"/>
+            </a:p>
+          </p:txBody>
+        </p:sp>
+        <p:sp>
+          <p:nvSpPr>
+            <p:cNvPr id="28" name="Oval 27">
+              <a:extLst>
+                <a:ext uri="{FF2B5EF4-FFF2-40B4-BE49-F238E27FC236}">
+                  <a16:creationId xmlns:a16="http://schemas.microsoft.com/office/drawing/2014/main" id="{A8D9CE97-C3DA-4A9A-897B-20B06EBB2111}"/>
+                </a:ext>
+              </a:extLst>
+            </p:cNvPr>
+            <p:cNvSpPr/>
+            <p:nvPr/>
+          </p:nvSpPr>
+          <p:spPr>
+            <a:xfrm>
+              <a:off x="7583626" y="5829806"/>
+              <a:ext cx="335047" cy="335047"/>
+            </a:xfrm>
+            <a:prstGeom prst="ellipse">
+              <a:avLst/>
+            </a:prstGeom>
+          </p:spPr>
+          <p:style>
+            <a:lnRef idx="2">
+              <a:schemeClr val="accent5">
+                <a:shade val="50000"/>
+              </a:schemeClr>
+            </a:lnRef>
+            <a:fillRef idx="1">
+              <a:schemeClr val="accent5"/>
+            </a:fillRef>
+            <a:effectRef idx="0">
+              <a:schemeClr val="accent5"/>
+            </a:effectRef>
+            <a:fontRef idx="minor">
+              <a:schemeClr val="lt1"/>
+            </a:fontRef>
+          </p:style>
+          <p:txBody>
+            <a:bodyPr rtlCol="0" anchor="ctr"/>
+            <a:lstStyle/>
+            <a:p>
+              <a:pPr algn="ctr"/>
+              <a:endParaRPr lang="en-US"/>
+            </a:p>
+          </p:txBody>
+        </p:sp>
+        <p:sp>
+          <p:nvSpPr>
+            <p:cNvPr id="29" name="Oval 28">
+              <a:extLst>
+                <a:ext uri="{FF2B5EF4-FFF2-40B4-BE49-F238E27FC236}">
+                  <a16:creationId xmlns:a16="http://schemas.microsoft.com/office/drawing/2014/main" id="{8A2776E9-80A8-4FBD-AA90-A7B83229CC7A}"/>
+                </a:ext>
+              </a:extLst>
+            </p:cNvPr>
+            <p:cNvSpPr/>
+            <p:nvPr/>
+          </p:nvSpPr>
+          <p:spPr>
+            <a:xfrm>
+              <a:off x="6346685" y="5442757"/>
+              <a:ext cx="335047" cy="335047"/>
+            </a:xfrm>
+            <a:prstGeom prst="ellipse">
+              <a:avLst/>
+            </a:prstGeom>
+          </p:spPr>
+          <p:style>
+            <a:lnRef idx="2">
+              <a:schemeClr val="accent5">
+                <a:shade val="50000"/>
+              </a:schemeClr>
+            </a:lnRef>
+            <a:fillRef idx="1">
+              <a:schemeClr val="accent5"/>
+            </a:fillRef>
+            <a:effectRef idx="0">
+              <a:schemeClr val="accent5"/>
+            </a:effectRef>
+            <a:fontRef idx="minor">
+              <a:schemeClr val="lt1"/>
+            </a:fontRef>
+          </p:style>
+          <p:txBody>
+            <a:bodyPr rtlCol="0" anchor="ctr"/>
+            <a:lstStyle/>
+            <a:p>
+              <a:pPr algn="ctr"/>
+              <a:endParaRPr lang="en-US"/>
+            </a:p>
+          </p:txBody>
+        </p:sp>
+        <p:sp>
+          <p:nvSpPr>
+            <p:cNvPr id="30" name="Oval 29">
+              <a:extLst>
+                <a:ext uri="{FF2B5EF4-FFF2-40B4-BE49-F238E27FC236}">
+                  <a16:creationId xmlns:a16="http://schemas.microsoft.com/office/drawing/2014/main" id="{845BC5DD-0B42-415F-8097-9553B13A198E}"/>
+                </a:ext>
+              </a:extLst>
+            </p:cNvPr>
+            <p:cNvSpPr/>
+            <p:nvPr/>
+          </p:nvSpPr>
+          <p:spPr>
+            <a:xfrm>
+              <a:off x="6602225" y="5770586"/>
+              <a:ext cx="335047" cy="335047"/>
+            </a:xfrm>
+            <a:prstGeom prst="ellipse">
+              <a:avLst/>
+            </a:prstGeom>
+          </p:spPr>
+          <p:style>
+            <a:lnRef idx="2">
+              <a:schemeClr val="accent5">
+                <a:shade val="50000"/>
+              </a:schemeClr>
+            </a:lnRef>
+            <a:fillRef idx="1">
+              <a:schemeClr val="accent5"/>
+            </a:fillRef>
+            <a:effectRef idx="0">
+              <a:schemeClr val="accent5"/>
+            </a:effectRef>
+            <a:fontRef idx="minor">
+              <a:schemeClr val="lt1"/>
+            </a:fontRef>
+          </p:style>
+          <p:txBody>
+            <a:bodyPr rtlCol="0" anchor="ctr"/>
+            <a:lstStyle/>
+            <a:p>
+              <a:pPr algn="ctr"/>
+              <a:endParaRPr lang="en-US"/>
+            </a:p>
+          </p:txBody>
+        </p:sp>
+        <p:sp>
+          <p:nvSpPr>
+            <p:cNvPr id="31" name="Oval 30">
+              <a:extLst>
+                <a:ext uri="{FF2B5EF4-FFF2-40B4-BE49-F238E27FC236}">
+                  <a16:creationId xmlns:a16="http://schemas.microsoft.com/office/drawing/2014/main" id="{1077AF16-A3A6-4617-A452-9920498EF5F6}"/>
+                </a:ext>
+              </a:extLst>
+            </p:cNvPr>
+            <p:cNvSpPr/>
+            <p:nvPr/>
+          </p:nvSpPr>
+          <p:spPr>
+            <a:xfrm>
+              <a:off x="6772083" y="5430494"/>
+              <a:ext cx="335047" cy="335047"/>
+            </a:xfrm>
+            <a:prstGeom prst="ellipse">
+              <a:avLst/>
+            </a:prstGeom>
+          </p:spPr>
+          <p:style>
+            <a:lnRef idx="2">
+              <a:schemeClr val="accent5">
+                <a:shade val="50000"/>
+              </a:schemeClr>
+            </a:lnRef>
+            <a:fillRef idx="1">
+              <a:schemeClr val="accent5"/>
+            </a:fillRef>
+            <a:effectRef idx="0">
+              <a:schemeClr val="accent5"/>
+            </a:effectRef>
+            <a:fontRef idx="minor">
+              <a:schemeClr val="lt1"/>
+            </a:fontRef>
+          </p:style>
+          <p:txBody>
+            <a:bodyPr rtlCol="0" anchor="ctr"/>
+            <a:lstStyle/>
+            <a:p>
+              <a:pPr algn="ctr"/>
+              <a:endParaRPr lang="en-US"/>
+            </a:p>
+          </p:txBody>
+        </p:sp>
+      </p:grpSp>
+      <mc:AlternateContent xmlns:mc="http://schemas.openxmlformats.org/markup-compatibility/2006">
+        <mc:Choice xmlns:a14="http://schemas.microsoft.com/office/drawing/2010/main" Requires="a14">
+          <p:sp>
+            <p:nvSpPr>
+              <p:cNvPr id="38" name="TextBox 37">
+                <a:extLst>
+                  <a:ext uri="{FF2B5EF4-FFF2-40B4-BE49-F238E27FC236}">
+                    <a16:creationId xmlns:a16="http://schemas.microsoft.com/office/drawing/2014/main" id="{250E7B16-6D08-49FA-A0DC-70C4F2726379}"/>
+                  </a:ext>
+                </a:extLst>
+              </p:cNvPr>
+              <p:cNvSpPr txBox="1"/>
+              <p:nvPr/>
+            </p:nvSpPr>
+            <p:spPr>
+              <a:xfrm>
+                <a:off x="8395462" y="4427883"/>
+                <a:ext cx="2943755" cy="802977"/>
+              </a:xfrm>
+              <a:prstGeom prst="rect">
+                <a:avLst/>
+              </a:prstGeom>
+              <a:noFill/>
+            </p:spPr>
+            <p:txBody>
+              <a:bodyPr wrap="none" lIns="0" tIns="0" rIns="0" bIns="0" rtlCol="0">
+                <a:spAutoFit/>
+              </a:bodyPr>
+              <a:lstStyle/>
+              <a:p>
+                <a14:m>
+                  <m:oMathPara xmlns:m="http://schemas.openxmlformats.org/officeDocument/2006/math">
+                    <m:oMathParaPr>
+                      <m:jc m:val="centerGroup"/>
+                    </m:oMathParaPr>
+                    <m:oMath xmlns:m="http://schemas.openxmlformats.org/officeDocument/2006/math">
+                      <m:r>
+                        <a:rPr lang="es-ES" b="0" i="1" smtClean="0">
+                          <a:latin typeface="Cambria Math" panose="02040503050406030204" pitchFamily="18" charset="0"/>
+                        </a:rPr>
+                        <m:t>−</m:t>
+                      </m:r>
+                      <m:r>
+                        <a:rPr lang="es-ES" b="0" i="1" smtClean="0">
+                          <a:latin typeface="Cambria Math" panose="02040503050406030204" pitchFamily="18" charset="0"/>
+                        </a:rPr>
+                        <m:t>𝐻</m:t>
+                      </m:r>
+                      <m:r>
+                        <a:rPr lang="es-ES" b="0" i="1" smtClean="0">
+                          <a:latin typeface="Cambria Math" panose="02040503050406030204" pitchFamily="18" charset="0"/>
+                        </a:rPr>
+                        <m:t>=</m:t>
+                      </m:r>
+                      <m:f>
+                        <m:fPr>
+                          <m:ctrlPr>
+                            <a:rPr lang="es-ES" b="0" i="1" smtClean="0">
+                              <a:latin typeface="Cambria Math" panose="02040503050406030204" pitchFamily="18" charset="0"/>
+                            </a:rPr>
+                          </m:ctrlPr>
+                        </m:fPr>
+                        <m:num>
+                          <m:r>
+                            <a:rPr lang="es-ES" b="0" i="1" smtClean="0">
+                              <a:latin typeface="Cambria Math" panose="02040503050406030204" pitchFamily="18" charset="0"/>
+                            </a:rPr>
+                            <m:t>5</m:t>
+                          </m:r>
+                        </m:num>
+                        <m:den>
+                          <m:r>
+                            <a:rPr lang="es-ES" b="0" i="1" smtClean="0">
+                              <a:latin typeface="Cambria Math" panose="02040503050406030204" pitchFamily="18" charset="0"/>
+                            </a:rPr>
+                            <m:t>6</m:t>
+                          </m:r>
+                        </m:den>
+                      </m:f>
+                      <m:r>
+                        <a:rPr lang="es-ES" b="0" i="1" smtClean="0">
+                          <a:latin typeface="Cambria Math" panose="02040503050406030204" pitchFamily="18" charset="0"/>
+                          <a:ea typeface="Cambria Math" panose="02040503050406030204" pitchFamily="18" charset="0"/>
+                        </a:rPr>
+                        <m:t>×</m:t>
+                      </m:r>
+                      <m:func>
+                        <m:funcPr>
+                          <m:ctrlPr>
+                            <a:rPr lang="es-ES" b="0" i="1" smtClean="0">
+                              <a:latin typeface="Cambria Math" panose="02040503050406030204" pitchFamily="18" charset="0"/>
+                              <a:ea typeface="Cambria Math" panose="02040503050406030204" pitchFamily="18" charset="0"/>
+                            </a:rPr>
+                          </m:ctrlPr>
+                        </m:funcPr>
+                        <m:fName>
+                          <m:sSub>
+                            <m:sSubPr>
+                              <m:ctrlPr>
+                                <a:rPr lang="es-ES" b="0" i="1" smtClean="0">
+                                  <a:latin typeface="Cambria Math" panose="02040503050406030204" pitchFamily="18" charset="0"/>
+                                  <a:ea typeface="Cambria Math" panose="02040503050406030204" pitchFamily="18" charset="0"/>
+                                </a:rPr>
+                              </m:ctrlPr>
+                            </m:sSubPr>
+                            <m:e>
+                              <m:r>
+                                <m:rPr>
+                                  <m:sty m:val="p"/>
+                                </m:rPr>
+                                <a:rPr lang="es-ES" b="0" i="0" smtClean="0">
+                                  <a:latin typeface="Cambria Math" panose="02040503050406030204" pitchFamily="18" charset="0"/>
+                                  <a:ea typeface="Cambria Math" panose="02040503050406030204" pitchFamily="18" charset="0"/>
+                                </a:rPr>
+                                <m:t>log</m:t>
+                              </m:r>
+                            </m:e>
+                            <m:sub>
+                              <m:r>
+                                <a:rPr lang="es-ES" b="0" i="1" smtClean="0">
+                                  <a:latin typeface="Cambria Math" panose="02040503050406030204" pitchFamily="18" charset="0"/>
+                                  <a:ea typeface="Cambria Math" panose="02040503050406030204" pitchFamily="18" charset="0"/>
+                                </a:rPr>
+                                <m:t>2</m:t>
+                              </m:r>
+                            </m:sub>
+                          </m:sSub>
+                        </m:fName>
+                        <m:e>
+                          <m:f>
+                            <m:fPr>
+                              <m:ctrlPr>
+                                <a:rPr lang="es-ES" i="1">
+                                  <a:latin typeface="Cambria Math" panose="02040503050406030204" pitchFamily="18" charset="0"/>
+                                </a:rPr>
+                              </m:ctrlPr>
+                            </m:fPr>
+                            <m:num>
+                              <m:r>
+                                <a:rPr lang="es-ES" i="1">
+                                  <a:latin typeface="Cambria Math" panose="02040503050406030204" pitchFamily="18" charset="0"/>
+                                </a:rPr>
+                                <m:t>5</m:t>
+                              </m:r>
+                            </m:num>
+                            <m:den>
+                              <m:r>
+                                <a:rPr lang="es-ES" i="1">
+                                  <a:latin typeface="Cambria Math" panose="02040503050406030204" pitchFamily="18" charset="0"/>
+                                </a:rPr>
+                                <m:t>6</m:t>
+                              </m:r>
+                            </m:den>
+                          </m:f>
+                        </m:e>
+                      </m:func>
+                      <m:r>
+                        <a:rPr lang="es-ES" b="0" i="1" smtClean="0">
+                          <a:latin typeface="Cambria Math" panose="02040503050406030204" pitchFamily="18" charset="0"/>
+                          <a:ea typeface="Cambria Math" panose="02040503050406030204" pitchFamily="18" charset="0"/>
+                        </a:rPr>
+                        <m:t>+</m:t>
+                      </m:r>
+                      <m:f>
+                        <m:fPr>
+                          <m:ctrlPr>
+                            <a:rPr lang="es-ES" i="1">
+                              <a:latin typeface="Cambria Math" panose="02040503050406030204" pitchFamily="18" charset="0"/>
+                            </a:rPr>
+                          </m:ctrlPr>
+                        </m:fPr>
+                        <m:num>
+                          <m:r>
+                            <a:rPr lang="es-ES" b="0" i="1" smtClean="0">
+                              <a:latin typeface="Cambria Math" panose="02040503050406030204" pitchFamily="18" charset="0"/>
+                            </a:rPr>
+                            <m:t>1</m:t>
+                          </m:r>
+                        </m:num>
+                        <m:den>
+                          <m:r>
+                            <a:rPr lang="es-ES" i="1">
+                              <a:latin typeface="Cambria Math" panose="02040503050406030204" pitchFamily="18" charset="0"/>
+                            </a:rPr>
+                            <m:t>6</m:t>
+                          </m:r>
+                        </m:den>
+                      </m:f>
+                      <m:r>
+                        <a:rPr lang="es-ES" i="1">
+                          <a:latin typeface="Cambria Math" panose="02040503050406030204" pitchFamily="18" charset="0"/>
+                          <a:ea typeface="Cambria Math" panose="02040503050406030204" pitchFamily="18" charset="0"/>
+                        </a:rPr>
+                        <m:t>×</m:t>
+                      </m:r>
+                      <m:func>
+                        <m:funcPr>
+                          <m:ctrlPr>
+                            <a:rPr lang="es-ES" i="1">
+                              <a:latin typeface="Cambria Math" panose="02040503050406030204" pitchFamily="18" charset="0"/>
+                              <a:ea typeface="Cambria Math" panose="02040503050406030204" pitchFamily="18" charset="0"/>
+                            </a:rPr>
+                          </m:ctrlPr>
+                        </m:funcPr>
+                        <m:fName>
+                          <m:sSub>
+                            <m:sSubPr>
+                              <m:ctrlPr>
+                                <a:rPr lang="es-ES" i="1">
+                                  <a:latin typeface="Cambria Math" panose="02040503050406030204" pitchFamily="18" charset="0"/>
+                                  <a:ea typeface="Cambria Math" panose="02040503050406030204" pitchFamily="18" charset="0"/>
+                                </a:rPr>
+                              </m:ctrlPr>
+                            </m:sSubPr>
+                            <m:e>
+                              <m:r>
+                                <m:rPr>
+                                  <m:sty m:val="p"/>
+                                </m:rPr>
+                                <a:rPr lang="es-ES">
+                                  <a:latin typeface="Cambria Math" panose="02040503050406030204" pitchFamily="18" charset="0"/>
+                                  <a:ea typeface="Cambria Math" panose="02040503050406030204" pitchFamily="18" charset="0"/>
+                                </a:rPr>
+                                <m:t>log</m:t>
+                              </m:r>
+                            </m:e>
+                            <m:sub>
+                              <m:r>
+                                <a:rPr lang="es-ES" i="1">
+                                  <a:latin typeface="Cambria Math" panose="02040503050406030204" pitchFamily="18" charset="0"/>
+                                  <a:ea typeface="Cambria Math" panose="02040503050406030204" pitchFamily="18" charset="0"/>
+                                </a:rPr>
+                                <m:t>2</m:t>
+                              </m:r>
+                            </m:sub>
+                          </m:sSub>
+                        </m:fName>
+                        <m:e>
+                          <m:f>
+                            <m:fPr>
+                              <m:ctrlPr>
+                                <a:rPr lang="es-ES" i="1">
+                                  <a:latin typeface="Cambria Math" panose="02040503050406030204" pitchFamily="18" charset="0"/>
+                                </a:rPr>
+                              </m:ctrlPr>
+                            </m:fPr>
+                            <m:num>
+                              <m:r>
+                                <a:rPr lang="es-ES" b="0" i="1" smtClean="0">
+                                  <a:latin typeface="Cambria Math" panose="02040503050406030204" pitchFamily="18" charset="0"/>
+                                </a:rPr>
+                                <m:t>1</m:t>
+                              </m:r>
+                            </m:num>
+                            <m:den>
+                              <m:r>
+                                <a:rPr lang="es-ES" i="1">
+                                  <a:latin typeface="Cambria Math" panose="02040503050406030204" pitchFamily="18" charset="0"/>
+                                </a:rPr>
+                                <m:t>6</m:t>
+                              </m:r>
+                            </m:den>
+                          </m:f>
+                        </m:e>
+                      </m:func>
+                    </m:oMath>
+                  </m:oMathPara>
+                </a14:m>
+                <a:endParaRPr lang="es-ES" dirty="0">
+                  <a:ea typeface="Cambria Math" panose="02040503050406030204" pitchFamily="18" charset="0"/>
+                </a:endParaRPr>
+              </a:p>
+              <a:p>
+                <a14:m>
+                  <m:oMathPara xmlns:m="http://schemas.openxmlformats.org/officeDocument/2006/math">
+                    <m:oMathParaPr>
+                      <m:jc m:val="centerGroup"/>
+                    </m:oMathParaPr>
+                    <m:oMath xmlns:m="http://schemas.openxmlformats.org/officeDocument/2006/math">
+                      <m:r>
+                        <a:rPr lang="es-ES" b="0" i="1" smtClean="0">
+                          <a:latin typeface="Cambria Math" panose="02040503050406030204" pitchFamily="18" charset="0"/>
+                        </a:rPr>
+                        <m:t>𝐻</m:t>
+                      </m:r>
+                      <m:r>
+                        <a:rPr lang="es-ES" b="0" i="1" smtClean="0">
+                          <a:latin typeface="Cambria Math" panose="02040503050406030204" pitchFamily="18" charset="0"/>
+                        </a:rPr>
+                        <m:t>=0.65</m:t>
+                      </m:r>
+                    </m:oMath>
+                  </m:oMathPara>
+                </a14:m>
+                <a:endParaRPr lang="en-US" dirty="0"/>
+              </a:p>
+            </p:txBody>
+          </p:sp>
+        </mc:Choice>
+        <mc:Fallback>
+          <p:sp>
+            <p:nvSpPr>
+              <p:cNvPr id="38" name="TextBox 37">
+                <a:extLst>
+                  <a:ext uri="{FF2B5EF4-FFF2-40B4-BE49-F238E27FC236}">
+                    <a16:creationId xmlns:a16="http://schemas.microsoft.com/office/drawing/2014/main" id="{250E7B16-6D08-49FA-A0DC-70C4F2726379}"/>
+                  </a:ext>
+                </a:extLst>
+              </p:cNvPr>
+              <p:cNvSpPr txBox="1">
+                <a:spLocks noRot="1" noChangeAspect="1" noMove="1" noResize="1" noEditPoints="1" noAdjustHandles="1" noChangeArrowheads="1" noChangeShapeType="1" noTextEdit="1"/>
+              </p:cNvSpPr>
+              <p:nvPr/>
+            </p:nvSpPr>
+            <p:spPr>
+              <a:xfrm>
+                <a:off x="8395462" y="4427883"/>
+                <a:ext cx="2943755" cy="802977"/>
+              </a:xfrm>
+              <a:prstGeom prst="rect">
+                <a:avLst/>
+              </a:prstGeom>
+              <a:blipFill>
+                <a:blip r:embed="rId4"/>
+                <a:stretch>
+                  <a:fillRect b="-2273"/>
+                </a:stretch>
+              </a:blipFill>
+            </p:spPr>
+            <p:txBody>
+              <a:bodyPr/>
+              <a:lstStyle/>
+              <a:p>
+                <a:r>
+                  <a:rPr lang="en-US">
+                    <a:noFill/>
+                  </a:rPr>
+                  <a:t> </a:t>
+                </a:r>
+              </a:p>
+            </p:txBody>
+          </p:sp>
+        </mc:Fallback>
+      </mc:AlternateContent>
     </p:spTree>
     <p:extLst>
       <p:ext uri="{BB962C8B-B14F-4D97-AF65-F5344CB8AC3E}">
-        <p14:creationId xmlns:p14="http://schemas.microsoft.com/office/powerpoint/2010/main" val="4175690866"/>
+        <p14:creationId xmlns:p14="http://schemas.microsoft.com/office/powerpoint/2010/main" val="3318957122"/>
       </p:ext>
     </p:extLst>
   </p:cSld>
   <p:clrMapOvr>
     <a:masterClrMapping/>
   </p:clrMapOvr>
+  <p:timing>
+    <p:tnLst>
+      <p:par>
+        <p:cTn id="1" dur="indefinite" restart="never" nodeType="tmRoot">
+          <p:childTnLst>
+            <p:seq concurrent="1" nextAc="seek">
+              <p:cTn id="2" dur="indefinite" nodeType="mainSeq">
+                <p:childTnLst>
+                  <p:par>
+                    <p:cTn id="3" fill="hold">
+                      <p:stCondLst>
+                        <p:cond delay="indefinite"/>
+                        <p:cond evt="onBegin" delay="0">
+                          <p:tn val="2"/>
+                        </p:cond>
+                      </p:stCondLst>
+                      <p:childTnLst>
+                        <p:par>
+                          <p:cTn id="4" fill="hold">
+                            <p:stCondLst>
+                              <p:cond delay="0"/>
+                            </p:stCondLst>
+                            <p:childTnLst>
+                              <p:par>
+                                <p:cTn id="5" presetID="22" presetClass="entr" presetSubtype="8" fill="hold" nodeType="afterEffect">
+                                  <p:stCondLst>
+                                    <p:cond delay="0"/>
+                                  </p:stCondLst>
+                                  <p:childTnLst>
+                                    <p:set>
+                                      <p:cBhvr>
+                                        <p:cTn id="6" dur="1" fill="hold">
+                                          <p:stCondLst>
+                                            <p:cond delay="0"/>
+                                          </p:stCondLst>
+                                        </p:cTn>
+                                        <p:tgtEl>
+                                          <p:spTgt spid="34"/>
+                                        </p:tgtEl>
+                                        <p:attrNameLst>
+                                          <p:attrName>style.visibility</p:attrName>
+                                        </p:attrNameLst>
+                                      </p:cBhvr>
+                                      <p:to>
+                                        <p:strVal val="visible"/>
+                                      </p:to>
+                                    </p:set>
+                                    <p:animEffect transition="in" filter="wipe(left)">
+                                      <p:cBhvr>
+                                        <p:cTn id="7" dur="500"/>
+                                        <p:tgtEl>
+                                          <p:spTgt spid="34"/>
+                                        </p:tgtEl>
+                                      </p:cBhvr>
+                                    </p:animEffect>
+                                  </p:childTnLst>
+                                </p:cTn>
+                              </p:par>
+                            </p:childTnLst>
+                          </p:cTn>
+                        </p:par>
+                        <p:par>
+                          <p:cTn id="8" fill="hold">
+                            <p:stCondLst>
+                              <p:cond delay="500"/>
+                            </p:stCondLst>
+                            <p:childTnLst>
+                              <p:par>
+                                <p:cTn id="9" presetID="14" presetClass="entr" presetSubtype="10" fill="hold" nodeType="afterEffect">
+                                  <p:stCondLst>
+                                    <p:cond delay="0"/>
+                                  </p:stCondLst>
+                                  <p:childTnLst>
+                                    <p:set>
+                                      <p:cBhvr>
+                                        <p:cTn id="10" dur="1" fill="hold">
+                                          <p:stCondLst>
+                                            <p:cond delay="0"/>
+                                          </p:stCondLst>
+                                        </p:cTn>
+                                        <p:tgtEl>
+                                          <p:spTgt spid="33"/>
+                                        </p:tgtEl>
+                                        <p:attrNameLst>
+                                          <p:attrName>style.visibility</p:attrName>
+                                        </p:attrNameLst>
+                                      </p:cBhvr>
+                                      <p:to>
+                                        <p:strVal val="visible"/>
+                                      </p:to>
+                                    </p:set>
+                                    <p:animEffect transition="in" filter="randombar(horizontal)">
+                                      <p:cBhvr>
+                                        <p:cTn id="11" dur="500"/>
+                                        <p:tgtEl>
+                                          <p:spTgt spid="33"/>
+                                        </p:tgtEl>
+                                      </p:cBhvr>
+                                    </p:animEffect>
+                                  </p:childTnLst>
+                                </p:cTn>
+                              </p:par>
+                            </p:childTnLst>
+                          </p:cTn>
+                        </p:par>
+                        <p:par>
+                          <p:cTn id="12" fill="hold">
+                            <p:stCondLst>
+                              <p:cond delay="1000"/>
+                            </p:stCondLst>
+                            <p:childTnLst>
+                              <p:par>
+                                <p:cTn id="13" presetID="14" presetClass="entr" presetSubtype="10" fill="hold" nodeType="afterEffect">
+                                  <p:stCondLst>
+                                    <p:cond delay="0"/>
+                                  </p:stCondLst>
+                                  <p:childTnLst>
+                                    <p:set>
+                                      <p:cBhvr>
+                                        <p:cTn id="14" dur="1" fill="hold">
+                                          <p:stCondLst>
+                                            <p:cond delay="0"/>
+                                          </p:stCondLst>
+                                        </p:cTn>
+                                        <p:tgtEl>
+                                          <p:spTgt spid="5"/>
+                                        </p:tgtEl>
+                                        <p:attrNameLst>
+                                          <p:attrName>style.visibility</p:attrName>
+                                        </p:attrNameLst>
+                                      </p:cBhvr>
+                                      <p:to>
+                                        <p:strVal val="visible"/>
+                                      </p:to>
+                                    </p:set>
+                                    <p:animEffect transition="in" filter="randombar(horizontal)">
+                                      <p:cBhvr>
+                                        <p:cTn id="15" dur="500"/>
+                                        <p:tgtEl>
+                                          <p:spTgt spid="5"/>
+                                        </p:tgtEl>
+                                      </p:cBhvr>
+                                    </p:animEffect>
+                                  </p:childTnLst>
+                                </p:cTn>
+                              </p:par>
+                            </p:childTnLst>
+                          </p:cTn>
+                        </p:par>
+                        <p:par>
+                          <p:cTn id="16" fill="hold">
+                            <p:stCondLst>
+                              <p:cond delay="1500"/>
+                            </p:stCondLst>
+                            <p:childTnLst>
+                              <p:par>
+                                <p:cTn id="17" presetID="42" presetClass="entr" presetSubtype="0" fill="hold" grpId="0" nodeType="afterEffect">
+                                  <p:stCondLst>
+                                    <p:cond delay="0"/>
+                                  </p:stCondLst>
+                                  <p:childTnLst>
+                                    <p:set>
+                                      <p:cBhvr>
+                                        <p:cTn id="18" dur="1" fill="hold">
+                                          <p:stCondLst>
+                                            <p:cond delay="0"/>
+                                          </p:stCondLst>
+                                        </p:cTn>
+                                        <p:tgtEl>
+                                          <p:spTgt spid="38"/>
+                                        </p:tgtEl>
+                                        <p:attrNameLst>
+                                          <p:attrName>style.visibility</p:attrName>
+                                        </p:attrNameLst>
+                                      </p:cBhvr>
+                                      <p:to>
+                                        <p:strVal val="visible"/>
+                                      </p:to>
+                                    </p:set>
+                                    <p:animEffect transition="in" filter="fade">
+                                      <p:cBhvr>
+                                        <p:cTn id="19" dur="1000"/>
+                                        <p:tgtEl>
+                                          <p:spTgt spid="38"/>
+                                        </p:tgtEl>
+                                      </p:cBhvr>
+                                    </p:animEffect>
+                                    <p:anim calcmode="lin" valueType="num">
+                                      <p:cBhvr>
+                                        <p:cTn id="20" dur="1000" fill="hold"/>
+                                        <p:tgtEl>
+                                          <p:spTgt spid="38"/>
+                                        </p:tgtEl>
+                                        <p:attrNameLst>
+                                          <p:attrName>ppt_x</p:attrName>
+                                        </p:attrNameLst>
+                                      </p:cBhvr>
+                                      <p:tavLst>
+                                        <p:tav tm="0">
+                                          <p:val>
+                                            <p:strVal val="#ppt_x"/>
+                                          </p:val>
+                                        </p:tav>
+                                        <p:tav tm="100000">
+                                          <p:val>
+                                            <p:strVal val="#ppt_x"/>
+                                          </p:val>
+                                        </p:tav>
+                                      </p:tavLst>
+                                    </p:anim>
+                                    <p:anim calcmode="lin" valueType="num">
+                                      <p:cBhvr>
+                                        <p:cTn id="21" dur="1000" fill="hold"/>
+                                        <p:tgtEl>
+                                          <p:spTgt spid="38"/>
+                                        </p:tgtEl>
+                                        <p:attrNameLst>
+                                          <p:attrName>ppt_y</p:attrName>
+                                        </p:attrNameLst>
+                                      </p:cBhvr>
+                                      <p:tavLst>
+                                        <p:tav tm="0">
+                                          <p:val>
+                                            <p:strVal val="#ppt_y+.1"/>
+                                          </p:val>
+                                        </p:tav>
+                                        <p:tav tm="100000">
+                                          <p:val>
+                                            <p:strVal val="#ppt_y"/>
+                                          </p:val>
+                                        </p:tav>
+                                      </p:tavLst>
+                                    </p:anim>
+                                  </p:childTnLst>
+                                </p:cTn>
+                              </p:par>
+                            </p:childTnLst>
+                          </p:cTn>
+                        </p:par>
+                      </p:childTnLst>
+                    </p:cTn>
+                  </p:par>
+                </p:childTnLst>
+              </p:cTn>
+              <p:prevCondLst>
+                <p:cond evt="onPrev" delay="0">
+                  <p:tgtEl>
+                    <p:sldTgt/>
+                  </p:tgtEl>
+                </p:cond>
+              </p:prevCondLst>
+              <p:nextCondLst>
+                <p:cond evt="onNext" delay="0">
+                  <p:tgtEl>
+                    <p:sldTgt/>
+                  </p:tgtEl>
+                </p:cond>
+              </p:nextCondLst>
+            </p:seq>
+          </p:childTnLst>
+        </p:cTn>
+      </p:par>
+    </p:tnLst>
+    <p:bldLst>
+      <p:bldP spid="38" grpId="0"/>
+    </p:bldLst>
+  </p:timing>
 </p:sld>
 </file>
 

--- a/semester-2-2021-2022/week-6-decision-tree/Decision_Tree.pptx
+++ b/semester-2-2021-2022/week-6-decision-tree/Decision_Tree.pptx
@@ -325,7 +325,7 @@
           <a:p>
             <a:fld id="{EB7DA543-F40B-4023-9892-3E6E3C6ABB89}" type="datetimeFigureOut">
               <a:rPr lang="en-GB" smtClean="0"/>
-              <a:t>16/01/2022</a:t>
+              <a:t>18/01/2022</a:t>
             </a:fld>
             <a:endParaRPr lang="en-GB"/>
           </a:p>
@@ -862,6 +862,94 @@
 </p:notes>
 </file>
 
+<file path=ppt/notesSlides/notesSlide12.xml><?xml version="1.0" encoding="utf-8"?>
+<p:notes xmlns:a="http://schemas.openxmlformats.org/drawingml/2006/main" xmlns:r="http://schemas.openxmlformats.org/officeDocument/2006/relationships" xmlns:p="http://schemas.openxmlformats.org/presentationml/2006/main">
+  <p:cSld>
+    <p:spTree>
+      <p:nvGrpSpPr>
+        <p:cNvPr id="1" name=""/>
+        <p:cNvGrpSpPr/>
+        <p:nvPr/>
+      </p:nvGrpSpPr>
+      <p:grpSpPr>
+        <a:xfrm>
+          <a:off x="0" y="0"/>
+          <a:ext cx="0" cy="0"/>
+          <a:chOff x="0" y="0"/>
+          <a:chExt cx="0" cy="0"/>
+        </a:xfrm>
+      </p:grpSpPr>
+      <p:sp>
+        <p:nvSpPr>
+          <p:cNvPr id="2" name="Slide Image Placeholder 1"/>
+          <p:cNvSpPr>
+            <a:spLocks noGrp="1" noRot="1" noChangeAspect="1"/>
+          </p:cNvSpPr>
+          <p:nvPr>
+            <p:ph type="sldImg"/>
+          </p:nvPr>
+        </p:nvSpPr>
+        <p:spPr/>
+      </p:sp>
+      <p:sp>
+        <p:nvSpPr>
+          <p:cNvPr id="3" name="Notes Placeholder 2"/>
+          <p:cNvSpPr>
+            <a:spLocks noGrp="1"/>
+          </p:cNvSpPr>
+          <p:nvPr>
+            <p:ph type="body" idx="1"/>
+          </p:nvPr>
+        </p:nvSpPr>
+        <p:spPr/>
+        <p:txBody>
+          <a:bodyPr/>
+          <a:lstStyle/>
+          <a:p>
+            <a:r>
+              <a:rPr lang="es-ES" dirty="0"/>
+              <a:t>c</a:t>
+            </a:r>
+            <a:endParaRPr lang="en-US" dirty="0"/>
+          </a:p>
+        </p:txBody>
+      </p:sp>
+      <p:sp>
+        <p:nvSpPr>
+          <p:cNvPr id="4" name="Slide Number Placeholder 3"/>
+          <p:cNvSpPr>
+            <a:spLocks noGrp="1"/>
+          </p:cNvSpPr>
+          <p:nvPr>
+            <p:ph type="sldNum" sz="quarter" idx="5"/>
+          </p:nvPr>
+        </p:nvSpPr>
+        <p:spPr/>
+        <p:txBody>
+          <a:bodyPr/>
+          <a:lstStyle/>
+          <a:p>
+            <a:fld id="{76682F04-6A67-4696-8350-ADB5B2C9822D}" type="slidenum">
+              <a:rPr lang="en-GB" smtClean="0"/>
+              <a:t>12</a:t>
+            </a:fld>
+            <a:endParaRPr lang="en-GB"/>
+          </a:p>
+        </p:txBody>
+      </p:sp>
+    </p:spTree>
+    <p:extLst>
+      <p:ext uri="{BB962C8B-B14F-4D97-AF65-F5344CB8AC3E}">
+        <p14:creationId xmlns:p14="http://schemas.microsoft.com/office/powerpoint/2010/main" val="1880085481"/>
+      </p:ext>
+    </p:extLst>
+  </p:cSld>
+  <p:clrMapOvr>
+    <a:masterClrMapping/>
+  </p:clrMapOvr>
+</p:notes>
+</file>
+
 <file path=ppt/notesSlides/notesSlide2.xml><?xml version="1.0" encoding="utf-8"?>
 <p:notes xmlns:a="http://schemas.openxmlformats.org/drawingml/2006/main" xmlns:r="http://schemas.openxmlformats.org/officeDocument/2006/relationships" xmlns:p="http://schemas.openxmlformats.org/presentationml/2006/main">
   <p:cSld>
@@ -2414,7 +2502,15 @@
           <a:p>
             <a:r>
               <a:rPr lang="en-GB" dirty="0"/>
-              <a:t>Knowing this property, the decision tree tries different attributes and test their Information Gain, this is the change in entropy. The attribute that can lower the most our uncertainty data will be our best choice.</a:t>
+              <a:t>Knowing this property, the decision tree tries different attributes and test their Information Gain, this is the change in entropy. The attribute that can lower the most our uncertainty data will be our best choice. In this case, attribute B will be </a:t>
+            </a:r>
+            <a:r>
+              <a:rPr lang="en-GB" dirty="0" err="1"/>
+              <a:t>choosen</a:t>
+            </a:r>
+            <a:r>
+              <a:rPr lang="en-GB" dirty="0"/>
+              <a:t>.</a:t>
             </a:r>
           </a:p>
           <a:p>
@@ -2514,7 +2610,7 @@
           <a:noFill/>
           <a:extLst>
             <a:ext uri="{909E8E84-426E-40dd-AFC4-6F175D3DCCD1}">
-              <a14:hiddenFill xmlns="" xmlns:a14="http://schemas.microsoft.com/office/drawing/2010/main">
+              <a14:hiddenFill xmlns:a14="http://schemas.microsoft.com/office/drawing/2010/main" xmlns="">
                 <a:solidFill>
                   <a:srgbClr val="FFFFFF"/>
                 </a:solidFill>
@@ -2574,7 +2670,7 @@
             </a:ln>
             <a:extLst>
               <a:ext uri="{91240B29-F687-4f45-9708-019B960494DF}">
-                <a14:hiddenLine xmlns="" xmlns:a14="http://schemas.microsoft.com/office/drawing/2010/main" w="9525">
+                <a14:hiddenLine xmlns:a14="http://schemas.microsoft.com/office/drawing/2010/main" xmlns="" w="9525">
                   <a:solidFill>
                     <a:srgbClr val="000000"/>
                   </a:solidFill>
@@ -2664,7 +2760,7 @@
             </a:ln>
             <a:extLst>
               <a:ext uri="{91240B29-F687-4f45-9708-019B960494DF}">
-                <a14:hiddenLine xmlns="" xmlns:a14="http://schemas.microsoft.com/office/drawing/2010/main" w="9525">
+                <a14:hiddenLine xmlns:a14="http://schemas.microsoft.com/office/drawing/2010/main" xmlns="" w="9525">
                   <a:solidFill>
                     <a:srgbClr val="000000"/>
                   </a:solidFill>
@@ -2754,7 +2850,7 @@
             </a:ln>
             <a:extLst>
               <a:ext uri="{91240B29-F687-4f45-9708-019B960494DF}">
-                <a14:hiddenLine xmlns="" xmlns:a14="http://schemas.microsoft.com/office/drawing/2010/main" w="9525">
+                <a14:hiddenLine xmlns:a14="http://schemas.microsoft.com/office/drawing/2010/main" xmlns="" w="9525">
                   <a:solidFill>
                     <a:srgbClr val="000000"/>
                   </a:solidFill>
@@ -2788,7 +2884,7 @@
             </a:ln>
             <a:extLst>
               <a:ext uri="{91240B29-F687-4f45-9708-019B960494DF}">
-                <a14:hiddenLine xmlns="" xmlns:a14="http://schemas.microsoft.com/office/drawing/2010/main" w="9525">
+                <a14:hiddenLine xmlns:a14="http://schemas.microsoft.com/office/drawing/2010/main" xmlns="" w="9525">
                   <a:solidFill>
                     <a:srgbClr val="000000"/>
                   </a:solidFill>
@@ -2878,7 +2974,7 @@
             </a:ln>
             <a:extLst>
               <a:ext uri="{91240B29-F687-4f45-9708-019B960494DF}">
-                <a14:hiddenLine xmlns="" xmlns:a14="http://schemas.microsoft.com/office/drawing/2010/main" w="9525">
+                <a14:hiddenLine xmlns:a14="http://schemas.microsoft.com/office/drawing/2010/main" xmlns="" w="9525">
                   <a:solidFill>
                     <a:srgbClr val="000000"/>
                   </a:solidFill>
@@ -2940,7 +3036,7 @@
             </a:ln>
             <a:extLst>
               <a:ext uri="{91240B29-F687-4f45-9708-019B960494DF}">
-                <a14:hiddenLine xmlns="" xmlns:a14="http://schemas.microsoft.com/office/drawing/2010/main" w="9525">
+                <a14:hiddenLine xmlns:a14="http://schemas.microsoft.com/office/drawing/2010/main" xmlns="" w="9525">
                   <a:solidFill>
                     <a:srgbClr val="000000"/>
                   </a:solidFill>
@@ -3002,7 +3098,7 @@
             </a:ln>
             <a:extLst>
               <a:ext uri="{91240B29-F687-4f45-9708-019B960494DF}">
-                <a14:hiddenLine xmlns="" xmlns:a14="http://schemas.microsoft.com/office/drawing/2010/main" w="9525">
+                <a14:hiddenLine xmlns:a14="http://schemas.microsoft.com/office/drawing/2010/main" xmlns="" w="9525">
                   <a:solidFill>
                     <a:srgbClr val="000000"/>
                   </a:solidFill>
@@ -3092,7 +3188,7 @@
             </a:ln>
             <a:extLst>
               <a:ext uri="{91240B29-F687-4f45-9708-019B960494DF}">
-                <a14:hiddenLine xmlns="" xmlns:a14="http://schemas.microsoft.com/office/drawing/2010/main" w="9525">
+                <a14:hiddenLine xmlns:a14="http://schemas.microsoft.com/office/drawing/2010/main" xmlns="" w="9525">
                   <a:solidFill>
                     <a:srgbClr val="000000"/>
                   </a:solidFill>
@@ -3154,7 +3250,7 @@
             </a:ln>
             <a:extLst>
               <a:ext uri="{91240B29-F687-4f45-9708-019B960494DF}">
-                <a14:hiddenLine xmlns="" xmlns:a14="http://schemas.microsoft.com/office/drawing/2010/main" w="9525">
+                <a14:hiddenLine xmlns:a14="http://schemas.microsoft.com/office/drawing/2010/main" xmlns="" w="9525">
                   <a:solidFill>
                     <a:srgbClr val="000000"/>
                   </a:solidFill>
@@ -3216,7 +3312,7 @@
             </a:ln>
             <a:extLst>
               <a:ext uri="{91240B29-F687-4f45-9708-019B960494DF}">
-                <a14:hiddenLine xmlns="" xmlns:a14="http://schemas.microsoft.com/office/drawing/2010/main" w="9525">
+                <a14:hiddenLine xmlns:a14="http://schemas.microsoft.com/office/drawing/2010/main" xmlns="" w="9525">
                   <a:solidFill>
                     <a:srgbClr val="000000"/>
                   </a:solidFill>
@@ -3306,7 +3402,7 @@
             </a:ln>
             <a:extLst>
               <a:ext uri="{91240B29-F687-4f45-9708-019B960494DF}">
-                <a14:hiddenLine xmlns="" xmlns:a14="http://schemas.microsoft.com/office/drawing/2010/main" w="9525">
+                <a14:hiddenLine xmlns:a14="http://schemas.microsoft.com/office/drawing/2010/main" xmlns="" w="9525">
                   <a:solidFill>
                     <a:srgbClr val="000000"/>
                   </a:solidFill>
@@ -3396,7 +3492,7 @@
             </a:ln>
             <a:extLst>
               <a:ext uri="{91240B29-F687-4f45-9708-019B960494DF}">
-                <a14:hiddenLine xmlns="" xmlns:a14="http://schemas.microsoft.com/office/drawing/2010/main" w="9525">
+                <a14:hiddenLine xmlns:a14="http://schemas.microsoft.com/office/drawing/2010/main" xmlns="" w="9525">
                   <a:solidFill>
                     <a:srgbClr val="000000"/>
                   </a:solidFill>
@@ -3458,7 +3554,7 @@
             </a:ln>
             <a:extLst>
               <a:ext uri="{91240B29-F687-4f45-9708-019B960494DF}">
-                <a14:hiddenLine xmlns="" xmlns:a14="http://schemas.microsoft.com/office/drawing/2010/main" w="9525">
+                <a14:hiddenLine xmlns:a14="http://schemas.microsoft.com/office/drawing/2010/main" xmlns="" w="9525">
                   <a:solidFill>
                     <a:srgbClr val="000000"/>
                   </a:solidFill>
@@ -3568,7 +3664,7 @@
             </a:ln>
             <a:extLst>
               <a:ext uri="{91240B29-F687-4f45-9708-019B960494DF}">
-                <a14:hiddenLine xmlns="" xmlns:a14="http://schemas.microsoft.com/office/drawing/2010/main" w="9525">
+                <a14:hiddenLine xmlns:a14="http://schemas.microsoft.com/office/drawing/2010/main" xmlns="" w="9525">
                   <a:solidFill>
                     <a:srgbClr val="000000"/>
                   </a:solidFill>
@@ -3630,7 +3726,7 @@
             </a:ln>
             <a:extLst>
               <a:ext uri="{91240B29-F687-4f45-9708-019B960494DF}">
-                <a14:hiddenLine xmlns="" xmlns:a14="http://schemas.microsoft.com/office/drawing/2010/main" w="9525">
+                <a14:hiddenLine xmlns:a14="http://schemas.microsoft.com/office/drawing/2010/main" xmlns="" w="9525">
                   <a:solidFill>
                     <a:srgbClr val="000000"/>
                   </a:solidFill>
@@ -3720,7 +3816,7 @@
             </a:ln>
             <a:extLst>
               <a:ext uri="{91240B29-F687-4f45-9708-019B960494DF}">
-                <a14:hiddenLine xmlns="" xmlns:a14="http://schemas.microsoft.com/office/drawing/2010/main" w="9525">
+                <a14:hiddenLine xmlns:a14="http://schemas.microsoft.com/office/drawing/2010/main" xmlns="" w="9525">
                   <a:solidFill>
                     <a:srgbClr val="000000"/>
                   </a:solidFill>
@@ -3810,7 +3906,7 @@
             </a:ln>
             <a:extLst>
               <a:ext uri="{91240B29-F687-4f45-9708-019B960494DF}">
-                <a14:hiddenLine xmlns="" xmlns:a14="http://schemas.microsoft.com/office/drawing/2010/main" w="9525">
+                <a14:hiddenLine xmlns:a14="http://schemas.microsoft.com/office/drawing/2010/main" xmlns="" w="9525">
                   <a:solidFill>
                     <a:srgbClr val="000000"/>
                   </a:solidFill>
@@ -3872,7 +3968,7 @@
             </a:ln>
             <a:extLst>
               <a:ext uri="{91240B29-F687-4f45-9708-019B960494DF}">
-                <a14:hiddenLine xmlns="" xmlns:a14="http://schemas.microsoft.com/office/drawing/2010/main" w="9525">
+                <a14:hiddenLine xmlns:a14="http://schemas.microsoft.com/office/drawing/2010/main" xmlns="" w="9525">
                   <a:solidFill>
                     <a:srgbClr val="000000"/>
                   </a:solidFill>
@@ -3962,7 +4058,7 @@
             </a:ln>
             <a:extLst>
               <a:ext uri="{91240B29-F687-4f45-9708-019B960494DF}">
-                <a14:hiddenLine xmlns="" xmlns:a14="http://schemas.microsoft.com/office/drawing/2010/main" w="9525">
+                <a14:hiddenLine xmlns:a14="http://schemas.microsoft.com/office/drawing/2010/main" xmlns="" w="9525">
                   <a:solidFill>
                     <a:srgbClr val="000000"/>
                   </a:solidFill>
@@ -4052,7 +4148,7 @@
             </a:ln>
             <a:extLst>
               <a:ext uri="{91240B29-F687-4f45-9708-019B960494DF}">
-                <a14:hiddenLine xmlns="" xmlns:a14="http://schemas.microsoft.com/office/drawing/2010/main" w="9525">
+                <a14:hiddenLine xmlns:a14="http://schemas.microsoft.com/office/drawing/2010/main" xmlns="" w="9525">
                   <a:solidFill>
                     <a:srgbClr val="000000"/>
                   </a:solidFill>
@@ -4108,7 +4204,7 @@
             </a:ln>
             <a:extLst>
               <a:ext uri="{91240B29-F687-4f45-9708-019B960494DF}">
-                <a14:hiddenLine xmlns="" xmlns:a14="http://schemas.microsoft.com/office/drawing/2010/main" w="9525">
+                <a14:hiddenLine xmlns:a14="http://schemas.microsoft.com/office/drawing/2010/main" xmlns="" w="9525">
                   <a:solidFill>
                     <a:srgbClr val="000000"/>
                   </a:solidFill>
@@ -4198,7 +4294,7 @@
             </a:ln>
             <a:extLst>
               <a:ext uri="{91240B29-F687-4f45-9708-019B960494DF}">
-                <a14:hiddenLine xmlns="" xmlns:a14="http://schemas.microsoft.com/office/drawing/2010/main" w="9525">
+                <a14:hiddenLine xmlns:a14="http://schemas.microsoft.com/office/drawing/2010/main" xmlns="" w="9525">
                   <a:solidFill>
                     <a:srgbClr val="000000"/>
                   </a:solidFill>
@@ -4254,7 +4350,7 @@
             </a:ln>
             <a:extLst>
               <a:ext uri="{91240B29-F687-4f45-9708-019B960494DF}">
-                <a14:hiddenLine xmlns="" xmlns:a14="http://schemas.microsoft.com/office/drawing/2010/main" w="9525">
+                <a14:hiddenLine xmlns:a14="http://schemas.microsoft.com/office/drawing/2010/main" xmlns="" w="9525">
                   <a:solidFill>
                     <a:srgbClr val="000000"/>
                   </a:solidFill>
@@ -4344,7 +4440,7 @@
             </a:ln>
             <a:extLst>
               <a:ext uri="{91240B29-F687-4f45-9708-019B960494DF}">
-                <a14:hiddenLine xmlns="" xmlns:a14="http://schemas.microsoft.com/office/drawing/2010/main" w="9525">
+                <a14:hiddenLine xmlns:a14="http://schemas.microsoft.com/office/drawing/2010/main" xmlns="" w="9525">
                   <a:solidFill>
                     <a:srgbClr val="000000"/>
                   </a:solidFill>
@@ -4412,7 +4508,7 @@
             </a:ln>
             <a:extLst>
               <a:ext uri="{91240B29-F687-4f45-9708-019B960494DF}">
-                <a14:hiddenLine xmlns="" xmlns:a14="http://schemas.microsoft.com/office/drawing/2010/main" w="9525">
+                <a14:hiddenLine xmlns:a14="http://schemas.microsoft.com/office/drawing/2010/main" xmlns="" w="9525">
                   <a:solidFill>
                     <a:srgbClr val="000000"/>
                   </a:solidFill>
@@ -4502,7 +4598,7 @@
             </a:ln>
             <a:extLst>
               <a:ext uri="{91240B29-F687-4f45-9708-019B960494DF}">
-                <a14:hiddenLine xmlns="" xmlns:a14="http://schemas.microsoft.com/office/drawing/2010/main" w="9525">
+                <a14:hiddenLine xmlns:a14="http://schemas.microsoft.com/office/drawing/2010/main" xmlns="" w="9525">
                   <a:solidFill>
                     <a:srgbClr val="000000"/>
                   </a:solidFill>
@@ -4570,7 +4666,7 @@
             </a:ln>
             <a:extLst>
               <a:ext uri="{91240B29-F687-4f45-9708-019B960494DF}">
-                <a14:hiddenLine xmlns="" xmlns:a14="http://schemas.microsoft.com/office/drawing/2010/main" w="9525">
+                <a14:hiddenLine xmlns:a14="http://schemas.microsoft.com/office/drawing/2010/main" xmlns="" w="9525">
                   <a:solidFill>
                     <a:srgbClr val="000000"/>
                   </a:solidFill>
@@ -4660,7 +4756,7 @@
             </a:ln>
             <a:extLst>
               <a:ext uri="{91240B29-F687-4f45-9708-019B960494DF}">
-                <a14:hiddenLine xmlns="" xmlns:a14="http://schemas.microsoft.com/office/drawing/2010/main" w="9525">
+                <a14:hiddenLine xmlns:a14="http://schemas.microsoft.com/office/drawing/2010/main" xmlns="" w="9525">
                   <a:solidFill>
                     <a:srgbClr val="000000"/>
                   </a:solidFill>
@@ -4694,7 +4790,7 @@
             </a:ln>
             <a:extLst>
               <a:ext uri="{91240B29-F687-4f45-9708-019B960494DF}">
-                <a14:hiddenLine xmlns="" xmlns:a14="http://schemas.microsoft.com/office/drawing/2010/main" w="9525">
+                <a14:hiddenLine xmlns:a14="http://schemas.microsoft.com/office/drawing/2010/main" xmlns="" w="9525">
                   <a:solidFill>
                     <a:srgbClr val="000000"/>
                   </a:solidFill>
@@ -4784,7 +4880,7 @@
             </a:ln>
             <a:extLst>
               <a:ext uri="{91240B29-F687-4f45-9708-019B960494DF}">
-                <a14:hiddenLine xmlns="" xmlns:a14="http://schemas.microsoft.com/office/drawing/2010/main" w="9525">
+                <a14:hiddenLine xmlns:a14="http://schemas.microsoft.com/office/drawing/2010/main" xmlns="" w="9525">
                   <a:solidFill>
                     <a:srgbClr val="000000"/>
                   </a:solidFill>
@@ -4846,7 +4942,7 @@
             </a:ln>
             <a:extLst>
               <a:ext uri="{91240B29-F687-4f45-9708-019B960494DF}">
-                <a14:hiddenLine xmlns="" xmlns:a14="http://schemas.microsoft.com/office/drawing/2010/main" w="9525">
+                <a14:hiddenLine xmlns:a14="http://schemas.microsoft.com/office/drawing/2010/main" xmlns="" w="9525">
                   <a:solidFill>
                     <a:srgbClr val="000000"/>
                   </a:solidFill>
@@ -4908,7 +5004,7 @@
             </a:ln>
             <a:extLst>
               <a:ext uri="{91240B29-F687-4f45-9708-019B960494DF}">
-                <a14:hiddenLine xmlns="" xmlns:a14="http://schemas.microsoft.com/office/drawing/2010/main" w="9525">
+                <a14:hiddenLine xmlns:a14="http://schemas.microsoft.com/office/drawing/2010/main" xmlns="" w="9525">
                   <a:solidFill>
                     <a:srgbClr val="000000"/>
                   </a:solidFill>
@@ -4998,7 +5094,7 @@
             </a:ln>
             <a:extLst>
               <a:ext uri="{91240B29-F687-4f45-9708-019B960494DF}">
-                <a14:hiddenLine xmlns="" xmlns:a14="http://schemas.microsoft.com/office/drawing/2010/main" w="9525">
+                <a14:hiddenLine xmlns:a14="http://schemas.microsoft.com/office/drawing/2010/main" xmlns="" w="9525">
                   <a:solidFill>
                     <a:srgbClr val="000000"/>
                   </a:solidFill>
@@ -5066,7 +5162,7 @@
             </a:ln>
             <a:extLst>
               <a:ext uri="{91240B29-F687-4f45-9708-019B960494DF}">
-                <a14:hiddenLine xmlns="" xmlns:a14="http://schemas.microsoft.com/office/drawing/2010/main" w="9525">
+                <a14:hiddenLine xmlns:a14="http://schemas.microsoft.com/office/drawing/2010/main" xmlns="" w="9525">
                   <a:solidFill>
                     <a:srgbClr val="000000"/>
                   </a:solidFill>
@@ -5128,7 +5224,7 @@
             </a:ln>
             <a:extLst>
               <a:ext uri="{91240B29-F687-4f45-9708-019B960494DF}">
-                <a14:hiddenLine xmlns="" xmlns:a14="http://schemas.microsoft.com/office/drawing/2010/main" w="9525">
+                <a14:hiddenLine xmlns:a14="http://schemas.microsoft.com/office/drawing/2010/main" xmlns="" w="9525">
                   <a:solidFill>
                     <a:srgbClr val="000000"/>
                   </a:solidFill>
@@ -5218,7 +5314,7 @@
             </a:ln>
             <a:extLst>
               <a:ext uri="{91240B29-F687-4f45-9708-019B960494DF}">
-                <a14:hiddenLine xmlns="" xmlns:a14="http://schemas.microsoft.com/office/drawing/2010/main" w="9525">
+                <a14:hiddenLine xmlns:a14="http://schemas.microsoft.com/office/drawing/2010/main" xmlns="" w="9525">
                   <a:solidFill>
                     <a:srgbClr val="000000"/>
                   </a:solidFill>
@@ -5280,7 +5376,7 @@
             </a:ln>
             <a:extLst>
               <a:ext uri="{91240B29-F687-4f45-9708-019B960494DF}">
-                <a14:hiddenLine xmlns="" xmlns:a14="http://schemas.microsoft.com/office/drawing/2010/main" w="9525">
+                <a14:hiddenLine xmlns:a14="http://schemas.microsoft.com/office/drawing/2010/main" xmlns="" w="9525">
                   <a:solidFill>
                     <a:srgbClr val="000000"/>
                   </a:solidFill>
@@ -5370,7 +5466,7 @@
             </a:ln>
             <a:extLst>
               <a:ext uri="{91240B29-F687-4f45-9708-019B960494DF}">
-                <a14:hiddenLine xmlns="" xmlns:a14="http://schemas.microsoft.com/office/drawing/2010/main" w="9525">
+                <a14:hiddenLine xmlns:a14="http://schemas.microsoft.com/office/drawing/2010/main" xmlns="" w="9525">
                   <a:solidFill>
                     <a:srgbClr val="000000"/>
                   </a:solidFill>
@@ -5432,7 +5528,7 @@
             </a:ln>
             <a:extLst>
               <a:ext uri="{91240B29-F687-4f45-9708-019B960494DF}">
-                <a14:hiddenLine xmlns="" xmlns:a14="http://schemas.microsoft.com/office/drawing/2010/main" w="9525">
+                <a14:hiddenLine xmlns:a14="http://schemas.microsoft.com/office/drawing/2010/main" xmlns="" w="9525">
                   <a:solidFill>
                     <a:srgbClr val="000000"/>
                   </a:solidFill>
@@ -5522,7 +5618,7 @@
             </a:ln>
             <a:extLst>
               <a:ext uri="{91240B29-F687-4f45-9708-019B960494DF}">
-                <a14:hiddenLine xmlns="" xmlns:a14="http://schemas.microsoft.com/office/drawing/2010/main" w="9525">
+                <a14:hiddenLine xmlns:a14="http://schemas.microsoft.com/office/drawing/2010/main" xmlns="" w="9525">
                   <a:solidFill>
                     <a:srgbClr val="000000"/>
                   </a:solidFill>
@@ -5556,7 +5652,7 @@
             </a:ln>
             <a:extLst>
               <a:ext uri="{91240B29-F687-4f45-9708-019B960494DF}">
-                <a14:hiddenLine xmlns="" xmlns:a14="http://schemas.microsoft.com/office/drawing/2010/main" w="9525">
+                <a14:hiddenLine xmlns:a14="http://schemas.microsoft.com/office/drawing/2010/main" xmlns="" w="9525">
                   <a:solidFill>
                     <a:srgbClr val="000000"/>
                   </a:solidFill>
@@ -5621,7 +5717,7 @@
             </a:ln>
             <a:extLst>
               <a:ext uri="{91240B29-F687-4f45-9708-019B960494DF}">
-                <a14:hiddenLine xmlns="" xmlns:a14="http://schemas.microsoft.com/office/drawing/2010/main" w="9525">
+                <a14:hiddenLine xmlns:a14="http://schemas.microsoft.com/office/drawing/2010/main" xmlns="" w="9525">
                   <a:solidFill>
                     <a:srgbClr val="000000"/>
                   </a:solidFill>
@@ -5711,7 +5807,7 @@
             </a:ln>
             <a:extLst>
               <a:ext uri="{91240B29-F687-4f45-9708-019B960494DF}">
-                <a14:hiddenLine xmlns="" xmlns:a14="http://schemas.microsoft.com/office/drawing/2010/main" w="9525">
+                <a14:hiddenLine xmlns:a14="http://schemas.microsoft.com/office/drawing/2010/main" xmlns="" w="9525">
                   <a:solidFill>
                     <a:srgbClr val="000000"/>
                   </a:solidFill>
@@ -5773,7 +5869,7 @@
             </a:ln>
             <a:extLst>
               <a:ext uri="{91240B29-F687-4f45-9708-019B960494DF}">
-                <a14:hiddenLine xmlns="" xmlns:a14="http://schemas.microsoft.com/office/drawing/2010/main" w="9525">
+                <a14:hiddenLine xmlns:a14="http://schemas.microsoft.com/office/drawing/2010/main" xmlns="" w="9525">
                   <a:solidFill>
                     <a:srgbClr val="000000"/>
                   </a:solidFill>
@@ -5863,7 +5959,7 @@
             </a:ln>
             <a:extLst>
               <a:ext uri="{91240B29-F687-4f45-9708-019B960494DF}">
-                <a14:hiddenLine xmlns="" xmlns:a14="http://schemas.microsoft.com/office/drawing/2010/main" w="9525">
+                <a14:hiddenLine xmlns:a14="http://schemas.microsoft.com/office/drawing/2010/main" xmlns="" w="9525">
                   <a:solidFill>
                     <a:srgbClr val="000000"/>
                   </a:solidFill>
@@ -5953,7 +6049,7 @@
             </a:ln>
             <a:extLst>
               <a:ext uri="{91240B29-F687-4f45-9708-019B960494DF}">
-                <a14:hiddenLine xmlns="" xmlns:a14="http://schemas.microsoft.com/office/drawing/2010/main" w="9525">
+                <a14:hiddenLine xmlns:a14="http://schemas.microsoft.com/office/drawing/2010/main" xmlns="" w="9525">
                   <a:solidFill>
                     <a:srgbClr val="000000"/>
                   </a:solidFill>
@@ -6018,7 +6114,7 @@
             </a:ln>
             <a:extLst>
               <a:ext uri="{91240B29-F687-4f45-9708-019B960494DF}">
-                <a14:hiddenLine xmlns="" xmlns:a14="http://schemas.microsoft.com/office/drawing/2010/main" w="9525">
+                <a14:hiddenLine xmlns:a14="http://schemas.microsoft.com/office/drawing/2010/main" xmlns="" w="9525">
                   <a:solidFill>
                     <a:srgbClr val="000000"/>
                   </a:solidFill>
@@ -6080,7 +6176,7 @@
             </a:ln>
             <a:extLst>
               <a:ext uri="{91240B29-F687-4f45-9708-019B960494DF}">
-                <a14:hiddenLine xmlns="" xmlns:a14="http://schemas.microsoft.com/office/drawing/2010/main" w="9525">
+                <a14:hiddenLine xmlns:a14="http://schemas.microsoft.com/office/drawing/2010/main" xmlns="" w="9525">
                   <a:solidFill>
                     <a:srgbClr val="000000"/>
                   </a:solidFill>
@@ -6170,7 +6266,7 @@
             </a:ln>
             <a:extLst>
               <a:ext uri="{91240B29-F687-4f45-9708-019B960494DF}">
-                <a14:hiddenLine xmlns="" xmlns:a14="http://schemas.microsoft.com/office/drawing/2010/main" w="9525">
+                <a14:hiddenLine xmlns:a14="http://schemas.microsoft.com/office/drawing/2010/main" xmlns="" w="9525">
                   <a:solidFill>
                     <a:srgbClr val="000000"/>
                   </a:solidFill>
@@ -6260,7 +6356,7 @@
             </a:ln>
             <a:extLst>
               <a:ext uri="{91240B29-F687-4f45-9708-019B960494DF}">
-                <a14:hiddenLine xmlns="" xmlns:a14="http://schemas.microsoft.com/office/drawing/2010/main" w="9525">
+                <a14:hiddenLine xmlns:a14="http://schemas.microsoft.com/office/drawing/2010/main" xmlns="" w="9525">
                   <a:solidFill>
                     <a:srgbClr val="000000"/>
                   </a:solidFill>
@@ -6322,7 +6418,7 @@
             </a:ln>
             <a:extLst>
               <a:ext uri="{91240B29-F687-4f45-9708-019B960494DF}">
-                <a14:hiddenLine xmlns="" xmlns:a14="http://schemas.microsoft.com/office/drawing/2010/main" w="9525">
+                <a14:hiddenLine xmlns:a14="http://schemas.microsoft.com/office/drawing/2010/main" xmlns="" w="9525">
                   <a:solidFill>
                     <a:srgbClr val="000000"/>
                   </a:solidFill>
@@ -6442,7 +6538,7 @@
             </a:ln>
             <a:extLst>
               <a:ext uri="{91240B29-F687-4f45-9708-019B960494DF}">
-                <a14:hiddenLine xmlns="" xmlns:a14="http://schemas.microsoft.com/office/drawing/2010/main" w="9525">
+                <a14:hiddenLine xmlns:a14="http://schemas.microsoft.com/office/drawing/2010/main" xmlns="" w="9525">
                   <a:solidFill>
                     <a:srgbClr val="000000"/>
                   </a:solidFill>
@@ -6510,7 +6606,7 @@
             </a:ln>
             <a:extLst>
               <a:ext uri="{91240B29-F687-4f45-9708-019B960494DF}">
-                <a14:hiddenLine xmlns="" xmlns:a14="http://schemas.microsoft.com/office/drawing/2010/main" w="9525">
+                <a14:hiddenLine xmlns:a14="http://schemas.microsoft.com/office/drawing/2010/main" xmlns="" w="9525">
                   <a:solidFill>
                     <a:srgbClr val="000000"/>
                   </a:solidFill>
@@ -6600,7 +6696,7 @@
             </a:ln>
             <a:extLst>
               <a:ext uri="{91240B29-F687-4f45-9708-019B960494DF}">
-                <a14:hiddenLine xmlns="" xmlns:a14="http://schemas.microsoft.com/office/drawing/2010/main" w="9525">
+                <a14:hiddenLine xmlns:a14="http://schemas.microsoft.com/office/drawing/2010/main" xmlns="" w="9525">
                   <a:solidFill>
                     <a:srgbClr val="000000"/>
                   </a:solidFill>
@@ -6740,7 +6836,7 @@
           <a:p>
             <a:fld id="{D0D65A25-5B34-480B-8A82-D452FDC7444D}" type="datetimeFigureOut">
               <a:rPr lang="es-ES" smtClean="0"/>
-              <a:t>16/01/2022</a:t>
+              <a:t>18/01/2022</a:t>
             </a:fld>
             <a:endParaRPr lang="es-ES" dirty="0"/>
           </a:p>
@@ -7006,7 +7102,7 @@
           <a:p>
             <a:fld id="{D0D65A25-5B34-480B-8A82-D452FDC7444D}" type="datetimeFigureOut">
               <a:rPr lang="es-ES" smtClean="0"/>
-              <a:t>16/01/2022</a:t>
+              <a:t>18/01/2022</a:t>
             </a:fld>
             <a:endParaRPr lang="es-ES" dirty="0"/>
           </a:p>
@@ -7202,7 +7298,7 @@
           <a:p>
             <a:fld id="{D0D65A25-5B34-480B-8A82-D452FDC7444D}" type="datetimeFigureOut">
               <a:rPr lang="es-ES" smtClean="0"/>
-              <a:t>16/01/2022</a:t>
+              <a:t>18/01/2022</a:t>
             </a:fld>
             <a:endParaRPr lang="es-ES" dirty="0"/>
           </a:p>
@@ -7465,7 +7561,7 @@
           <a:p>
             <a:fld id="{D0D65A25-5B34-480B-8A82-D452FDC7444D}" type="datetimeFigureOut">
               <a:rPr lang="es-ES" smtClean="0"/>
-              <a:t>16/01/2022</a:t>
+              <a:t>18/01/2022</a:t>
             </a:fld>
             <a:endParaRPr lang="es-ES" dirty="0"/>
           </a:p>
@@ -7899,7 +7995,7 @@
           <a:p>
             <a:fld id="{D0D65A25-5B34-480B-8A82-D452FDC7444D}" type="datetimeFigureOut">
               <a:rPr lang="es-ES" smtClean="0"/>
-              <a:t>16/01/2022</a:t>
+              <a:t>18/01/2022</a:t>
             </a:fld>
             <a:endParaRPr lang="es-ES" dirty="0"/>
           </a:p>
@@ -8445,7 +8541,7 @@
           <a:p>
             <a:fld id="{D0D65A25-5B34-480B-8A82-D452FDC7444D}" type="datetimeFigureOut">
               <a:rPr lang="es-ES" smtClean="0"/>
-              <a:t>16/01/2022</a:t>
+              <a:t>18/01/2022</a:t>
             </a:fld>
             <a:endParaRPr lang="es-ES" dirty="0"/>
           </a:p>
@@ -9162,7 +9258,7 @@
           <a:p>
             <a:fld id="{D0D65A25-5B34-480B-8A82-D452FDC7444D}" type="datetimeFigureOut">
               <a:rPr lang="es-ES" smtClean="0"/>
-              <a:t>16/01/2022</a:t>
+              <a:t>18/01/2022</a:t>
             </a:fld>
             <a:endParaRPr lang="es-ES" dirty="0"/>
           </a:p>
@@ -9332,7 +9428,7 @@
           <a:p>
             <a:fld id="{D0D65A25-5B34-480B-8A82-D452FDC7444D}" type="datetimeFigureOut">
               <a:rPr lang="es-ES" smtClean="0"/>
-              <a:t>16/01/2022</a:t>
+              <a:t>18/01/2022</a:t>
             </a:fld>
             <a:endParaRPr lang="es-ES" dirty="0"/>
           </a:p>
@@ -9512,7 +9608,7 @@
           <a:p>
             <a:fld id="{D0D65A25-5B34-480B-8A82-D452FDC7444D}" type="datetimeFigureOut">
               <a:rPr lang="es-ES" smtClean="0"/>
-              <a:t>16/01/2022</a:t>
+              <a:t>18/01/2022</a:t>
             </a:fld>
             <a:endParaRPr lang="es-ES" dirty="0"/>
           </a:p>
@@ -9682,7 +9778,7 @@
           <a:p>
             <a:fld id="{D0D65A25-5B34-480B-8A82-D452FDC7444D}" type="datetimeFigureOut">
               <a:rPr lang="es-ES" smtClean="0"/>
-              <a:t>16/01/2022</a:t>
+              <a:t>18/01/2022</a:t>
             </a:fld>
             <a:endParaRPr lang="es-ES" dirty="0"/>
           </a:p>
@@ -9932,7 +10028,7 @@
           <a:p>
             <a:fld id="{D0D65A25-5B34-480B-8A82-D452FDC7444D}" type="datetimeFigureOut">
               <a:rPr lang="es-ES" smtClean="0"/>
-              <a:t>16/01/2022</a:t>
+              <a:t>18/01/2022</a:t>
             </a:fld>
             <a:endParaRPr lang="es-ES" dirty="0"/>
           </a:p>
@@ -10164,7 +10260,7 @@
           <a:p>
             <a:fld id="{D0D65A25-5B34-480B-8A82-D452FDC7444D}" type="datetimeFigureOut">
               <a:rPr lang="es-ES" smtClean="0"/>
-              <a:t>16/01/2022</a:t>
+              <a:t>18/01/2022</a:t>
             </a:fld>
             <a:endParaRPr lang="es-ES" dirty="0"/>
           </a:p>
@@ -10545,7 +10641,7 @@
           <a:p>
             <a:fld id="{D0D65A25-5B34-480B-8A82-D452FDC7444D}" type="datetimeFigureOut">
               <a:rPr lang="es-ES" smtClean="0"/>
-              <a:t>16/01/2022</a:t>
+              <a:t>18/01/2022</a:t>
             </a:fld>
             <a:endParaRPr lang="es-ES" dirty="0"/>
           </a:p>
@@ -10663,7 +10759,7 @@
           <a:p>
             <a:fld id="{D0D65A25-5B34-480B-8A82-D452FDC7444D}" type="datetimeFigureOut">
               <a:rPr lang="es-ES" smtClean="0"/>
-              <a:t>16/01/2022</a:t>
+              <a:t>18/01/2022</a:t>
             </a:fld>
             <a:endParaRPr lang="es-ES" dirty="0"/>
           </a:p>
@@ -10758,7 +10854,7 @@
           <a:p>
             <a:fld id="{D0D65A25-5B34-480B-8A82-D452FDC7444D}" type="datetimeFigureOut">
               <a:rPr lang="es-ES" smtClean="0"/>
-              <a:t>16/01/2022</a:t>
+              <a:t>18/01/2022</a:t>
             </a:fld>
             <a:endParaRPr lang="es-ES" dirty="0"/>
           </a:p>
@@ -11007,7 +11103,7 @@
           <a:p>
             <a:fld id="{D0D65A25-5B34-480B-8A82-D452FDC7444D}" type="datetimeFigureOut">
               <a:rPr lang="es-ES" smtClean="0"/>
-              <a:t>16/01/2022</a:t>
+              <a:t>18/01/2022</a:t>
             </a:fld>
             <a:endParaRPr lang="es-ES" dirty="0"/>
           </a:p>
@@ -11286,7 +11382,7 @@
           <a:p>
             <a:fld id="{D0D65A25-5B34-480B-8A82-D452FDC7444D}" type="datetimeFigureOut">
               <a:rPr lang="es-ES" smtClean="0"/>
-              <a:t>16/01/2022</a:t>
+              <a:t>18/01/2022</a:t>
             </a:fld>
             <a:endParaRPr lang="es-ES" dirty="0"/>
           </a:p>
@@ -11402,7 +11498,7 @@
           <a:noFill/>
           <a:extLst>
             <a:ext uri="{909E8E84-426E-40dd-AFC4-6F175D3DCCD1}">
-              <a14:hiddenFill xmlns="" xmlns:a14="http://schemas.microsoft.com/office/drawing/2010/main">
+              <a14:hiddenFill xmlns:a14="http://schemas.microsoft.com/office/drawing/2010/main" xmlns="">
                 <a:solidFill>
                   <a:srgbClr val="FFFFFF"/>
                 </a:solidFill>
@@ -11476,7 +11572,7 @@
               </a:ln>
               <a:extLst>
                 <a:ext uri="{91240B29-F687-4f45-9708-019B960494DF}">
-                  <a14:hiddenLine xmlns="" xmlns:a14="http://schemas.microsoft.com/office/drawing/2010/main" w="9525">
+                  <a14:hiddenLine xmlns:a14="http://schemas.microsoft.com/office/drawing/2010/main" xmlns="" w="9525">
                     <a:solidFill>
                       <a:srgbClr val="000000"/>
                     </a:solidFill>
@@ -11566,7 +11662,7 @@
               </a:ln>
               <a:extLst>
                 <a:ext uri="{91240B29-F687-4f45-9708-019B960494DF}">
-                  <a14:hiddenLine xmlns="" xmlns:a14="http://schemas.microsoft.com/office/drawing/2010/main" w="9525">
+                  <a14:hiddenLine xmlns:a14="http://schemas.microsoft.com/office/drawing/2010/main" xmlns="" w="9525">
                     <a:solidFill>
                       <a:srgbClr val="000000"/>
                     </a:solidFill>
@@ -11656,7 +11752,7 @@
               </a:ln>
               <a:extLst>
                 <a:ext uri="{91240B29-F687-4f45-9708-019B960494DF}">
-                  <a14:hiddenLine xmlns="" xmlns:a14="http://schemas.microsoft.com/office/drawing/2010/main" w="9525">
+                  <a14:hiddenLine xmlns:a14="http://schemas.microsoft.com/office/drawing/2010/main" xmlns="" w="9525">
                     <a:solidFill>
                       <a:srgbClr val="000000"/>
                     </a:solidFill>
@@ -11718,7 +11814,7 @@
               </a:ln>
               <a:extLst>
                 <a:ext uri="{91240B29-F687-4f45-9708-019B960494DF}">
-                  <a14:hiddenLine xmlns="" xmlns:a14="http://schemas.microsoft.com/office/drawing/2010/main" w="9525">
+                  <a14:hiddenLine xmlns:a14="http://schemas.microsoft.com/office/drawing/2010/main" xmlns="" w="9525">
                     <a:solidFill>
                       <a:srgbClr val="000000"/>
                     </a:solidFill>
@@ -11808,7 +11904,7 @@
               </a:ln>
               <a:extLst>
                 <a:ext uri="{91240B29-F687-4f45-9708-019B960494DF}">
-                  <a14:hiddenLine xmlns="" xmlns:a14="http://schemas.microsoft.com/office/drawing/2010/main" w="9525">
+                  <a14:hiddenLine xmlns:a14="http://schemas.microsoft.com/office/drawing/2010/main" xmlns="" w="9525">
                     <a:solidFill>
                       <a:srgbClr val="000000"/>
                     </a:solidFill>
@@ -11870,7 +11966,7 @@
               </a:ln>
               <a:extLst>
                 <a:ext uri="{91240B29-F687-4f45-9708-019B960494DF}">
-                  <a14:hiddenLine xmlns="" xmlns:a14="http://schemas.microsoft.com/office/drawing/2010/main" w="9525">
+                  <a14:hiddenLine xmlns:a14="http://schemas.microsoft.com/office/drawing/2010/main" xmlns="" w="9525">
                     <a:solidFill>
                       <a:srgbClr val="000000"/>
                     </a:solidFill>
@@ -11932,7 +12028,7 @@
               </a:ln>
               <a:extLst>
                 <a:ext uri="{91240B29-F687-4f45-9708-019B960494DF}">
-                  <a14:hiddenLine xmlns="" xmlns:a14="http://schemas.microsoft.com/office/drawing/2010/main" w="9525">
+                  <a14:hiddenLine xmlns:a14="http://schemas.microsoft.com/office/drawing/2010/main" xmlns="" w="9525">
                     <a:solidFill>
                       <a:srgbClr val="000000"/>
                     </a:solidFill>
@@ -12022,7 +12118,7 @@
               </a:ln>
               <a:extLst>
                 <a:ext uri="{91240B29-F687-4f45-9708-019B960494DF}">
-                  <a14:hiddenLine xmlns="" xmlns:a14="http://schemas.microsoft.com/office/drawing/2010/main" w="9525">
+                  <a14:hiddenLine xmlns:a14="http://schemas.microsoft.com/office/drawing/2010/main" xmlns="" w="9525">
                     <a:solidFill>
                       <a:srgbClr val="000000"/>
                     </a:solidFill>
@@ -12112,7 +12208,7 @@
               </a:ln>
               <a:extLst>
                 <a:ext uri="{91240B29-F687-4f45-9708-019B960494DF}">
-                  <a14:hiddenLine xmlns="" xmlns:a14="http://schemas.microsoft.com/office/drawing/2010/main" w="9525">
+                  <a14:hiddenLine xmlns:a14="http://schemas.microsoft.com/office/drawing/2010/main" xmlns="" w="9525">
                     <a:solidFill>
                       <a:srgbClr val="000000"/>
                     </a:solidFill>
@@ -12174,7 +12270,7 @@
               </a:ln>
               <a:extLst>
                 <a:ext uri="{91240B29-F687-4f45-9708-019B960494DF}">
-                  <a14:hiddenLine xmlns="" xmlns:a14="http://schemas.microsoft.com/office/drawing/2010/main" w="9525">
+                  <a14:hiddenLine xmlns:a14="http://schemas.microsoft.com/office/drawing/2010/main" xmlns="" w="9525">
                     <a:solidFill>
                       <a:srgbClr val="000000"/>
                     </a:solidFill>
@@ -12284,7 +12380,7 @@
               </a:ln>
               <a:extLst>
                 <a:ext uri="{91240B29-F687-4f45-9708-019B960494DF}">
-                  <a14:hiddenLine xmlns="" xmlns:a14="http://schemas.microsoft.com/office/drawing/2010/main" w="9525">
+                  <a14:hiddenLine xmlns:a14="http://schemas.microsoft.com/office/drawing/2010/main" xmlns="" w="9525">
                     <a:solidFill>
                       <a:srgbClr val="000000"/>
                     </a:solidFill>
@@ -12368,7 +12464,7 @@
               </a:ln>
               <a:extLst>
                 <a:ext uri="{91240B29-F687-4f45-9708-019B960494DF}">
-                  <a14:hiddenLine xmlns="" xmlns:a14="http://schemas.microsoft.com/office/drawing/2010/main" w="9525">
+                  <a14:hiddenLine xmlns:a14="http://schemas.microsoft.com/office/drawing/2010/main" xmlns="" w="9525">
                     <a:solidFill>
                       <a:srgbClr val="000000"/>
                     </a:solidFill>
@@ -12430,7 +12526,7 @@
               </a:ln>
               <a:extLst>
                 <a:ext uri="{91240B29-F687-4f45-9708-019B960494DF}">
-                  <a14:hiddenLine xmlns="" xmlns:a14="http://schemas.microsoft.com/office/drawing/2010/main" w="9525">
+                  <a14:hiddenLine xmlns:a14="http://schemas.microsoft.com/office/drawing/2010/main" xmlns="" w="9525">
                     <a:solidFill>
                       <a:srgbClr val="000000"/>
                     </a:solidFill>
@@ -12492,7 +12588,7 @@
               </a:ln>
               <a:extLst>
                 <a:ext uri="{91240B29-F687-4f45-9708-019B960494DF}">
-                  <a14:hiddenLine xmlns="" xmlns:a14="http://schemas.microsoft.com/office/drawing/2010/main" w="9525">
+                  <a14:hiddenLine xmlns:a14="http://schemas.microsoft.com/office/drawing/2010/main" xmlns="" w="9525">
                     <a:solidFill>
                       <a:srgbClr val="000000"/>
                     </a:solidFill>
@@ -12582,7 +12678,7 @@
               </a:ln>
               <a:extLst>
                 <a:ext uri="{91240B29-F687-4f45-9708-019B960494DF}">
-                  <a14:hiddenLine xmlns="" xmlns:a14="http://schemas.microsoft.com/office/drawing/2010/main" w="9525">
+                  <a14:hiddenLine xmlns:a14="http://schemas.microsoft.com/office/drawing/2010/main" xmlns="" w="9525">
                     <a:solidFill>
                       <a:srgbClr val="000000"/>
                     </a:solidFill>
@@ -12616,7 +12712,7 @@
               </a:ln>
               <a:extLst>
                 <a:ext uri="{91240B29-F687-4f45-9708-019B960494DF}">
-                  <a14:hiddenLine xmlns="" xmlns:a14="http://schemas.microsoft.com/office/drawing/2010/main" w="9525">
+                  <a14:hiddenLine xmlns:a14="http://schemas.microsoft.com/office/drawing/2010/main" xmlns="" w="9525">
                     <a:solidFill>
                       <a:srgbClr val="000000"/>
                     </a:solidFill>
@@ -12681,7 +12777,7 @@
               </a:ln>
               <a:extLst>
                 <a:ext uri="{91240B29-F687-4f45-9708-019B960494DF}">
-                  <a14:hiddenLine xmlns="" xmlns:a14="http://schemas.microsoft.com/office/drawing/2010/main" w="9525">
+                  <a14:hiddenLine xmlns:a14="http://schemas.microsoft.com/office/drawing/2010/main" xmlns="" w="9525">
                     <a:solidFill>
                       <a:srgbClr val="000000"/>
                     </a:solidFill>
@@ -12771,7 +12867,7 @@
               </a:ln>
               <a:extLst>
                 <a:ext uri="{91240B29-F687-4f45-9708-019B960494DF}">
-                  <a14:hiddenLine xmlns="" xmlns:a14="http://schemas.microsoft.com/office/drawing/2010/main" w="9525">
+                  <a14:hiddenLine xmlns:a14="http://schemas.microsoft.com/office/drawing/2010/main" xmlns="" w="9525">
                     <a:solidFill>
                       <a:srgbClr val="000000"/>
                     </a:solidFill>
@@ -12833,7 +12929,7 @@
               </a:ln>
               <a:extLst>
                 <a:ext uri="{91240B29-F687-4f45-9708-019B960494DF}">
-                  <a14:hiddenLine xmlns="" xmlns:a14="http://schemas.microsoft.com/office/drawing/2010/main" w="9525">
+                  <a14:hiddenLine xmlns:a14="http://schemas.microsoft.com/office/drawing/2010/main" xmlns="" w="9525">
                     <a:solidFill>
                       <a:srgbClr val="000000"/>
                     </a:solidFill>
@@ -12923,7 +13019,7 @@
               </a:ln>
               <a:extLst>
                 <a:ext uri="{91240B29-F687-4f45-9708-019B960494DF}">
-                  <a14:hiddenLine xmlns="" xmlns:a14="http://schemas.microsoft.com/office/drawing/2010/main" w="9525">
+                  <a14:hiddenLine xmlns:a14="http://schemas.microsoft.com/office/drawing/2010/main" xmlns="" w="9525">
                     <a:solidFill>
                       <a:srgbClr val="000000"/>
                     </a:solidFill>
@@ -12988,7 +13084,7 @@
               </a:ln>
               <a:extLst>
                 <a:ext uri="{91240B29-F687-4f45-9708-019B960494DF}">
-                  <a14:hiddenLine xmlns="" xmlns:a14="http://schemas.microsoft.com/office/drawing/2010/main" w="9525">
+                  <a14:hiddenLine xmlns:a14="http://schemas.microsoft.com/office/drawing/2010/main" xmlns="" w="9525">
                     <a:solidFill>
                       <a:srgbClr val="000000"/>
                     </a:solidFill>
@@ -13050,7 +13146,7 @@
               </a:ln>
               <a:extLst>
                 <a:ext uri="{91240B29-F687-4f45-9708-019B960494DF}">
-                  <a14:hiddenLine xmlns="" xmlns:a14="http://schemas.microsoft.com/office/drawing/2010/main" w="9525">
+                  <a14:hiddenLine xmlns:a14="http://schemas.microsoft.com/office/drawing/2010/main" xmlns="" w="9525">
                     <a:solidFill>
                       <a:srgbClr val="000000"/>
                     </a:solidFill>
@@ -13140,7 +13236,7 @@
               </a:ln>
               <a:extLst>
                 <a:ext uri="{91240B29-F687-4f45-9708-019B960494DF}">
-                  <a14:hiddenLine xmlns="" xmlns:a14="http://schemas.microsoft.com/office/drawing/2010/main" w="9525">
+                  <a14:hiddenLine xmlns:a14="http://schemas.microsoft.com/office/drawing/2010/main" xmlns="" w="9525">
                     <a:solidFill>
                       <a:srgbClr val="000000"/>
                     </a:solidFill>
@@ -13230,7 +13326,7 @@
               </a:ln>
               <a:extLst>
                 <a:ext uri="{91240B29-F687-4f45-9708-019B960494DF}">
-                  <a14:hiddenLine xmlns="" xmlns:a14="http://schemas.microsoft.com/office/drawing/2010/main" w="9525">
+                  <a14:hiddenLine xmlns:a14="http://schemas.microsoft.com/office/drawing/2010/main" xmlns="" w="9525">
                     <a:solidFill>
                       <a:srgbClr val="000000"/>
                     </a:solidFill>
@@ -13295,7 +13391,7 @@
               </a:ln>
               <a:extLst>
                 <a:ext uri="{91240B29-F687-4f45-9708-019B960494DF}">
-                  <a14:hiddenLine xmlns="" xmlns:a14="http://schemas.microsoft.com/office/drawing/2010/main" w="9525">
+                  <a14:hiddenLine xmlns:a14="http://schemas.microsoft.com/office/drawing/2010/main" xmlns="" w="9525">
                     <a:solidFill>
                       <a:srgbClr val="000000"/>
                     </a:solidFill>
@@ -13415,7 +13511,7 @@
               </a:ln>
               <a:extLst>
                 <a:ext uri="{91240B29-F687-4f45-9708-019B960494DF}">
-                  <a14:hiddenLine xmlns="" xmlns:a14="http://schemas.microsoft.com/office/drawing/2010/main" w="9525">
+                  <a14:hiddenLine xmlns:a14="http://schemas.microsoft.com/office/drawing/2010/main" xmlns="" w="9525">
                     <a:solidFill>
                       <a:srgbClr val="000000"/>
                     </a:solidFill>
@@ -13513,7 +13609,7 @@
               </a:ln>
               <a:extLst>
                 <a:ext uri="{91240B29-F687-4f45-9708-019B960494DF}">
-                  <a14:hiddenLine xmlns="" xmlns:a14="http://schemas.microsoft.com/office/drawing/2010/main" w="9525">
+                  <a14:hiddenLine xmlns:a14="http://schemas.microsoft.com/office/drawing/2010/main" xmlns="" w="9525">
                     <a:solidFill>
                       <a:srgbClr val="000000"/>
                     </a:solidFill>
@@ -13628,7 +13724,7 @@
               </a:ln>
               <a:extLst>
                 <a:ext uri="{91240B29-F687-4f45-9708-019B960494DF}">
-                  <a14:hiddenLine xmlns="" xmlns:a14="http://schemas.microsoft.com/office/drawing/2010/main" w="9525">
+                  <a14:hiddenLine xmlns:a14="http://schemas.microsoft.com/office/drawing/2010/main" xmlns="" w="9525">
                     <a:solidFill>
                       <a:srgbClr val="000000"/>
                     </a:solidFill>
@@ -13718,7 +13814,7 @@
               </a:ln>
               <a:extLst>
                 <a:ext uri="{91240B29-F687-4f45-9708-019B960494DF}">
-                  <a14:hiddenLine xmlns="" xmlns:a14="http://schemas.microsoft.com/office/drawing/2010/main" w="9525">
+                  <a14:hiddenLine xmlns:a14="http://schemas.microsoft.com/office/drawing/2010/main" xmlns="" w="9525">
                     <a:solidFill>
                       <a:srgbClr val="000000"/>
                     </a:solidFill>
@@ -13783,7 +13879,7 @@
               </a:ln>
               <a:extLst>
                 <a:ext uri="{91240B29-F687-4f45-9708-019B960494DF}">
-                  <a14:hiddenLine xmlns="" xmlns:a14="http://schemas.microsoft.com/office/drawing/2010/main" w="9525">
+                  <a14:hiddenLine xmlns:a14="http://schemas.microsoft.com/office/drawing/2010/main" xmlns="" w="9525">
                     <a:solidFill>
                       <a:srgbClr val="000000"/>
                     </a:solidFill>
@@ -13873,7 +13969,7 @@
               </a:ln>
               <a:extLst>
                 <a:ext uri="{91240B29-F687-4f45-9708-019B960494DF}">
-                  <a14:hiddenLine xmlns="" xmlns:a14="http://schemas.microsoft.com/office/drawing/2010/main" w="9525">
+                  <a14:hiddenLine xmlns:a14="http://schemas.microsoft.com/office/drawing/2010/main" xmlns="" w="9525">
                     <a:solidFill>
                       <a:srgbClr val="000000"/>
                     </a:solidFill>
@@ -13941,7 +14037,7 @@
               </a:ln>
               <a:extLst>
                 <a:ext uri="{91240B29-F687-4f45-9708-019B960494DF}">
-                  <a14:hiddenLine xmlns="" xmlns:a14="http://schemas.microsoft.com/office/drawing/2010/main" w="9525">
+                  <a14:hiddenLine xmlns:a14="http://schemas.microsoft.com/office/drawing/2010/main" xmlns="" w="9525">
                     <a:solidFill>
                       <a:srgbClr val="000000"/>
                     </a:solidFill>
@@ -14031,7 +14127,7 @@
               </a:ln>
               <a:extLst>
                 <a:ext uri="{91240B29-F687-4f45-9708-019B960494DF}">
-                  <a14:hiddenLine xmlns="" xmlns:a14="http://schemas.microsoft.com/office/drawing/2010/main" w="9525">
+                  <a14:hiddenLine xmlns:a14="http://schemas.microsoft.com/office/drawing/2010/main" xmlns="" w="9525">
                     <a:solidFill>
                       <a:srgbClr val="000000"/>
                     </a:solidFill>
@@ -14099,7 +14195,7 @@
               </a:ln>
               <a:extLst>
                 <a:ext uri="{91240B29-F687-4f45-9708-019B960494DF}">
-                  <a14:hiddenLine xmlns="" xmlns:a14="http://schemas.microsoft.com/office/drawing/2010/main" w="9525">
+                  <a14:hiddenLine xmlns:a14="http://schemas.microsoft.com/office/drawing/2010/main" xmlns="" w="9525">
                     <a:solidFill>
                       <a:srgbClr val="000000"/>
                     </a:solidFill>
@@ -14189,7 +14285,7 @@
               </a:ln>
               <a:extLst>
                 <a:ext uri="{91240B29-F687-4f45-9708-019B960494DF}">
-                  <a14:hiddenLine xmlns="" xmlns:a14="http://schemas.microsoft.com/office/drawing/2010/main" w="9525">
+                  <a14:hiddenLine xmlns:a14="http://schemas.microsoft.com/office/drawing/2010/main" xmlns="" w="9525">
                     <a:solidFill>
                       <a:srgbClr val="000000"/>
                     </a:solidFill>
@@ -14223,7 +14319,7 @@
               </a:ln>
               <a:extLst>
                 <a:ext uri="{91240B29-F687-4f45-9708-019B960494DF}">
-                  <a14:hiddenLine xmlns="" xmlns:a14="http://schemas.microsoft.com/office/drawing/2010/main" w="9525">
+                  <a14:hiddenLine xmlns:a14="http://schemas.microsoft.com/office/drawing/2010/main" xmlns="" w="9525">
                     <a:solidFill>
                       <a:srgbClr val="000000"/>
                     </a:solidFill>
@@ -14363,7 +14459,7 @@
           <a:p>
             <a:fld id="{D0D65A25-5B34-480B-8A82-D452FDC7444D}" type="datetimeFigureOut">
               <a:rPr lang="es-ES" smtClean="0"/>
-              <a:t>16/01/2022</a:t>
+              <a:t>18/01/2022</a:t>
             </a:fld>
             <a:endParaRPr lang="es-ES" dirty="0"/>
           </a:p>
@@ -15842,8 +15938,8 @@
           </p:txBody>
         </p:sp>
       </p:grpSp>
-      <mc:AlternateContent xmlns:mc="http://schemas.openxmlformats.org/markup-compatibility/2006">
-        <mc:Choice xmlns:a14="http://schemas.microsoft.com/office/drawing/2010/main" Requires="a14">
+      <mc:AlternateContent xmlns:mc="http://schemas.openxmlformats.org/markup-compatibility/2006" xmlns:a14="http://schemas.microsoft.com/office/drawing/2010/main">
+        <mc:Choice Requires="a14">
           <p:sp>
             <p:nvSpPr>
               <p:cNvPr id="38" name="TextBox 37">
@@ -15872,6 +15968,7 @@
               </a:bodyPr>
               <a:lstStyle/>
               <a:p>
+                <a:pPr/>
                 <a14:m>
                   <m:oMathPara xmlns:m="http://schemas.openxmlformats.org/officeDocument/2006/math">
                     <m:oMathParaPr>
@@ -16014,6 +16111,7 @@
                 </a:endParaRPr>
               </a:p>
               <a:p>
+                <a:pPr/>
                 <a14:m>
                   <m:oMathPara xmlns:m="http://schemas.openxmlformats.org/officeDocument/2006/math">
                     <m:oMathParaPr>
@@ -16040,7 +16138,7 @@
             </p:txBody>
           </p:sp>
         </mc:Choice>
-        <mc:Fallback>
+        <mc:Fallback xmlns="">
           <p:sp>
             <p:nvSpPr>
               <p:cNvPr id="38" name="TextBox 37">
@@ -16085,8 +16183,8 @@
           </p:sp>
         </mc:Fallback>
       </mc:AlternateContent>
-      <mc:AlternateContent xmlns:mc="http://schemas.openxmlformats.org/markup-compatibility/2006">
-        <mc:Choice xmlns:a14="http://schemas.microsoft.com/office/drawing/2010/main" Requires="a14">
+      <mc:AlternateContent xmlns:mc="http://schemas.openxmlformats.org/markup-compatibility/2006" xmlns:a14="http://schemas.microsoft.com/office/drawing/2010/main">
+        <mc:Choice Requires="a14">
           <p:sp>
             <p:nvSpPr>
               <p:cNvPr id="26" name="TextBox 25">
@@ -16115,6 +16213,7 @@
               </a:bodyPr>
               <a:lstStyle/>
               <a:p>
+                <a:pPr/>
                 <a14:m>
                   <m:oMathPara xmlns:m="http://schemas.openxmlformats.org/officeDocument/2006/math">
                     <m:oMathParaPr>
@@ -16151,6 +16250,7 @@
                 <a:endParaRPr lang="es-ES" b="0" dirty="0"/>
               </a:p>
               <a:p>
+                <a:pPr/>
                 <a14:m>
                   <m:oMathPara xmlns:m="http://schemas.openxmlformats.org/officeDocument/2006/math">
                     <m:oMathParaPr>
@@ -16275,7 +16375,7 @@
             </p:txBody>
           </p:sp>
         </mc:Choice>
-        <mc:Fallback>
+        <mc:Fallback xmlns="">
           <p:sp>
             <p:nvSpPr>
               <p:cNvPr id="26" name="TextBox 25">
@@ -16912,8 +17012,8 @@
           </p:txBody>
         </p:sp>
       </p:grpSp>
-      <mc:AlternateContent xmlns:mc="http://schemas.openxmlformats.org/markup-compatibility/2006">
-        <mc:Choice xmlns:a14="http://schemas.microsoft.com/office/drawing/2010/main" Requires="a14">
+      <mc:AlternateContent xmlns:mc="http://schemas.openxmlformats.org/markup-compatibility/2006" xmlns:a14="http://schemas.microsoft.com/office/drawing/2010/main">
+        <mc:Choice Requires="a14">
           <p:sp>
             <p:nvSpPr>
               <p:cNvPr id="38" name="TextBox 37">
@@ -16942,6 +17042,7 @@
               </a:bodyPr>
               <a:lstStyle/>
               <a:p>
+                <a:pPr/>
                 <a14:m>
                   <m:oMathPara xmlns:m="http://schemas.openxmlformats.org/officeDocument/2006/math">
                     <m:oMathParaPr>
@@ -17084,6 +17185,7 @@
                 </a:endParaRPr>
               </a:p>
               <a:p>
+                <a:pPr/>
                 <a14:m>
                   <m:oMathPara xmlns:m="http://schemas.openxmlformats.org/officeDocument/2006/math">
                     <m:oMathParaPr>
@@ -17110,7 +17212,7 @@
             </p:txBody>
           </p:sp>
         </mc:Choice>
-        <mc:Fallback>
+        <mc:Fallback xmlns="">
           <p:sp>
             <p:nvSpPr>
               <p:cNvPr id="38" name="TextBox 37">
@@ -17155,8 +17257,8 @@
           </p:sp>
         </mc:Fallback>
       </mc:AlternateContent>
-      <mc:AlternateContent xmlns:mc="http://schemas.openxmlformats.org/markup-compatibility/2006">
-        <mc:Choice xmlns:a14="http://schemas.microsoft.com/office/drawing/2010/main" Requires="a14">
+      <mc:AlternateContent xmlns:mc="http://schemas.openxmlformats.org/markup-compatibility/2006" xmlns:a14="http://schemas.microsoft.com/office/drawing/2010/main">
+        <mc:Choice Requires="a14">
           <p:sp>
             <p:nvSpPr>
               <p:cNvPr id="26" name="TextBox 25">
@@ -17185,6 +17287,7 @@
               </a:bodyPr>
               <a:lstStyle/>
               <a:p>
+                <a:pPr/>
                 <a14:m>
                   <m:oMathPara xmlns:m="http://schemas.openxmlformats.org/officeDocument/2006/math">
                     <m:oMathParaPr>
@@ -17221,6 +17324,7 @@
                 <a:endParaRPr lang="es-ES" b="0" dirty="0"/>
               </a:p>
               <a:p>
+                <a:pPr/>
                 <a14:m>
                   <m:oMathPara xmlns:m="http://schemas.openxmlformats.org/officeDocument/2006/math">
                     <m:oMathParaPr>
@@ -17345,7 +17449,7 @@
             </p:txBody>
           </p:sp>
         </mc:Choice>
-        <mc:Fallback>
+        <mc:Fallback xmlns="">
           <p:sp>
             <p:nvSpPr>
               <p:cNvPr id="26" name="TextBox 25">
@@ -18306,6 +18410,62 @@
           <a:chExt cx="0" cy="0"/>
         </a:xfrm>
       </p:grpSpPr>
+      <p:pic>
+        <p:nvPicPr>
+          <p:cNvPr id="4" name="Picture 3" descr="A picture containing transport, satellite, night sky&#10;&#10;Description automatically generated">
+            <a:extLst>
+              <a:ext uri="{FF2B5EF4-FFF2-40B4-BE49-F238E27FC236}">
+                <a16:creationId xmlns:a16="http://schemas.microsoft.com/office/drawing/2014/main" id="{03098901-3E53-4F90-B835-FB5BD040DB1D}"/>
+              </a:ext>
+            </a:extLst>
+          </p:cNvPr>
+          <p:cNvPicPr>
+            <a:picLocks noChangeAspect="1"/>
+          </p:cNvPicPr>
+          <p:nvPr/>
+        </p:nvPicPr>
+        <p:blipFill rotWithShape="1">
+          <a:blip r:embed="rId3">
+            <a:extLst>
+              <a:ext uri="{28A0092B-C50C-407E-A947-70E740481C1C}">
+                <a14:useLocalDpi xmlns:a14="http://schemas.microsoft.com/office/drawing/2010/main" val="0"/>
+              </a:ext>
+            </a:extLst>
+          </a:blip>
+          <a:srcRect t="35130" b="11607"/>
+          <a:stretch/>
+        </p:blipFill>
+        <p:spPr>
+          <a:xfrm>
+            <a:off x="1141411" y="606426"/>
+            <a:ext cx="9912354" cy="3299778"/>
+          </a:xfrm>
+          <a:prstGeom prst="round2DiagRect">
+            <a:avLst>
+              <a:gd name="adj1" fmla="val 4860"/>
+              <a:gd name="adj2" fmla="val 0"/>
+            </a:avLst>
+          </a:prstGeom>
+          <a:noFill/>
+          <a:ln w="19050" cap="sq">
+            <a:solidFill>
+              <a:schemeClr val="tx2">
+                <a:lumMod val="60000"/>
+                <a:lumOff val="40000"/>
+                <a:alpha val="60000"/>
+              </a:schemeClr>
+            </a:solidFill>
+            <a:miter lim="800000"/>
+          </a:ln>
+          <a:effectLst>
+            <a:outerShdw blurRad="88900" dist="38100" dir="5400000" algn="t" rotWithShape="0">
+              <a:prstClr val="black">
+                <a:alpha val="40000"/>
+              </a:prstClr>
+            </a:outerShdw>
+          </a:effectLst>
+        </p:spPr>
+      </p:pic>
       <p:sp>
         <p:nvSpPr>
           <p:cNvPr id="2" name="Title 1">
@@ -18324,12 +18484,14 @@
         </p:nvSpPr>
         <p:spPr>
           <a:xfrm>
-            <a:off x="1143001" y="2689715"/>
-            <a:ext cx="9905998" cy="1478570"/>
+            <a:off x="1141410" y="4304664"/>
+            <a:ext cx="9912355" cy="819355"/>
           </a:xfrm>
         </p:spPr>
         <p:txBody>
-          <a:bodyPr/>
+          <a:bodyPr anchor="b">
+            <a:normAutofit/>
+          </a:bodyPr>
           <a:lstStyle/>
           <a:p>
             <a:r>
@@ -18427,10 +18589,87 @@
         </p:nvSpPr>
         <p:spPr/>
         <p:txBody>
-          <a:bodyPr/>
+          <a:bodyPr>
+            <a:normAutofit/>
+          </a:bodyPr>
           <a:lstStyle/>
           <a:p>
-            <a:endParaRPr lang="en-GB" dirty="0"/>
+            <a:r>
+              <a:rPr lang="en-GB" sz="1200" dirty="0">
+                <a:hlinkClick r:id="rId2"/>
+              </a:rPr>
+              <a:t>https://www.geeksforgeeks.org/decision-tree/?ref=rp</a:t>
+            </a:r>
+            <a:endParaRPr lang="en-GB" sz="1200" dirty="0"/>
+          </a:p>
+          <a:p>
+            <a:r>
+              <a:rPr lang="en-GB" sz="1200" dirty="0">
+                <a:hlinkClick r:id="rId3"/>
+              </a:rPr>
+              <a:t>https://www.ryanxin.cn/archives/283</a:t>
+            </a:r>
+            <a:endParaRPr lang="en-GB" sz="1200" dirty="0"/>
+          </a:p>
+          <a:p>
+            <a:r>
+              <a:rPr lang="en-GB" sz="1200" dirty="0">
+                <a:hlinkClick r:id="rId4"/>
+              </a:rPr>
+              <a:t>https://www.geeksforgeeks.org/decision-tree-introduction-example/</a:t>
+            </a:r>
+            <a:endParaRPr lang="en-GB" sz="1200" dirty="0"/>
+          </a:p>
+          <a:p>
+            <a:r>
+              <a:rPr lang="en-GB" sz="1200" dirty="0">
+                <a:hlinkClick r:id="rId5"/>
+              </a:rPr>
+              <a:t>https://www.geeksforgeeks.org/decision-tree-implementation-python/</a:t>
+            </a:r>
+            <a:endParaRPr lang="en-GB" sz="1200" dirty="0"/>
+          </a:p>
+          <a:p>
+            <a:r>
+              <a:rPr lang="en-GB" sz="1200" dirty="0">
+                <a:hlinkClick r:id="rId6"/>
+              </a:rPr>
+              <a:t>https://zhuanlan.zhihu.com/p/30059442</a:t>
+            </a:r>
+            <a:endParaRPr lang="en-GB" sz="1200" dirty="0"/>
+          </a:p>
+          <a:p>
+            <a:r>
+              <a:rPr lang="en-GB" sz="1200" dirty="0">
+                <a:hlinkClick r:id="rId7"/>
+              </a:rPr>
+              <a:t>https://www.jianshu.com/p/655d8e555494</a:t>
+            </a:r>
+            <a:endParaRPr lang="en-GB" sz="1200" dirty="0"/>
+          </a:p>
+          <a:p>
+            <a:r>
+              <a:rPr lang="en-GB" sz="1200" dirty="0">
+                <a:hlinkClick r:id="rId8"/>
+              </a:rPr>
+              <a:t>https://blog.csdn.net/jiaoyangwm/article/details/79525237</a:t>
+            </a:r>
+            <a:endParaRPr lang="en-GB" sz="1200" dirty="0"/>
+          </a:p>
+          <a:p>
+            <a:r>
+              <a:rPr lang="en-GB" sz="1200">
+                <a:hlinkClick r:id="rId9"/>
+              </a:rPr>
+              <a:t>https://www.kaggle.com/c/titanic/overview</a:t>
+            </a:r>
+            <a:endParaRPr lang="en-GB" sz="1200"/>
+          </a:p>
+          <a:p>
+            <a:endParaRPr lang="en-GB" sz="1200" dirty="0"/>
+          </a:p>
+          <a:p>
+            <a:endParaRPr lang="en-GB" sz="1200" dirty="0"/>
           </a:p>
         </p:txBody>
       </p:sp>
@@ -18533,7 +18772,7 @@
                   <a:schemeClr val="bg1"/>
                 </a:solidFill>
               </a:rPr>
-              <a:t>How probable would you </a:t>
+              <a:t>How probable would you Have </a:t>
             </a:r>
             <a:r>
               <a:rPr lang="en-GB" sz="2800" dirty="0">
@@ -18541,7 +18780,7 @@
                   <a:srgbClr val="FF0000"/>
                 </a:solidFill>
               </a:rPr>
-              <a:t>survive</a:t>
+              <a:t>survived</a:t>
             </a:r>
             <a:r>
               <a:rPr lang="en-GB" sz="2800" dirty="0">
@@ -23833,8 +24072,8 @@
           </a:p>
         </p:txBody>
       </p:sp>
-      <mc:AlternateContent xmlns:mc="http://schemas.openxmlformats.org/markup-compatibility/2006">
-        <mc:Choice xmlns:a14="http://schemas.microsoft.com/office/drawing/2010/main" Requires="a14">
+      <mc:AlternateContent xmlns:mc="http://schemas.openxmlformats.org/markup-compatibility/2006" xmlns:a14="http://schemas.microsoft.com/office/drawing/2010/main">
+        <mc:Choice Requires="a14">
           <p:sp>
             <p:nvSpPr>
               <p:cNvPr id="4" name="TextBox 3">
@@ -23863,6 +24102,7 @@
               </a:bodyPr>
               <a:lstStyle/>
               <a:p>
+                <a:pPr/>
                 <a14:m>
                   <m:oMathPara xmlns:m="http://schemas.openxmlformats.org/officeDocument/2006/math">
                     <m:oMathParaPr>
@@ -23930,6 +24170,7 @@
                 <a:endParaRPr lang="es-ES" b="0" dirty="0"/>
               </a:p>
               <a:p>
+                <a:pPr/>
                 <a14:m>
                   <m:oMathPara xmlns:m="http://schemas.openxmlformats.org/officeDocument/2006/math">
                     <m:oMathParaPr>
@@ -24146,7 +24387,7 @@
             </p:txBody>
           </p:sp>
         </mc:Choice>
-        <mc:Fallback>
+        <mc:Fallback xmlns="">
           <p:sp>
             <p:nvSpPr>
               <p:cNvPr id="4" name="TextBox 3">
@@ -25020,8 +25261,8 @@
           </p:txBody>
         </p:sp>
       </p:grpSp>
-      <mc:AlternateContent xmlns:mc="http://schemas.openxmlformats.org/markup-compatibility/2006">
-        <mc:Choice xmlns:a14="http://schemas.microsoft.com/office/drawing/2010/main" Requires="a14">
+      <mc:AlternateContent xmlns:mc="http://schemas.openxmlformats.org/markup-compatibility/2006" xmlns:a14="http://schemas.microsoft.com/office/drawing/2010/main">
+        <mc:Choice Requires="a14">
           <p:sp>
             <p:nvSpPr>
               <p:cNvPr id="38" name="TextBox 37">
@@ -25050,6 +25291,7 @@
               </a:bodyPr>
               <a:lstStyle/>
               <a:p>
+                <a:pPr/>
                 <a14:m>
                   <m:oMathPara xmlns:m="http://schemas.openxmlformats.org/officeDocument/2006/math">
                     <m:oMathParaPr>
@@ -25206,6 +25448,7 @@
                 </a:endParaRPr>
               </a:p>
               <a:p>
+                <a:pPr/>
                 <a14:m>
                   <m:oMathPara xmlns:m="http://schemas.openxmlformats.org/officeDocument/2006/math">
                     <m:oMathParaPr>
@@ -25232,7 +25475,7 @@
             </p:txBody>
           </p:sp>
         </mc:Choice>
-        <mc:Fallback>
+        <mc:Fallback xmlns="">
           <p:sp>
             <p:nvSpPr>
               <p:cNvPr id="38" name="TextBox 37">
@@ -25662,8 +25905,8 @@
           </a:p>
         </p:txBody>
       </p:sp>
-      <mc:AlternateContent xmlns:mc="http://schemas.openxmlformats.org/markup-compatibility/2006">
-        <mc:Choice xmlns:a14="http://schemas.microsoft.com/office/drawing/2010/main" Requires="a14">
+      <mc:AlternateContent xmlns:mc="http://schemas.openxmlformats.org/markup-compatibility/2006" xmlns:a14="http://schemas.microsoft.com/office/drawing/2010/main">
+        <mc:Choice Requires="a14">
           <p:sp>
             <p:nvSpPr>
               <p:cNvPr id="4" name="TextBox 3">
@@ -25692,6 +25935,7 @@
               </a:bodyPr>
               <a:lstStyle/>
               <a:p>
+                <a:pPr/>
                 <a14:m>
                   <m:oMathPara xmlns:m="http://schemas.openxmlformats.org/officeDocument/2006/math">
                     <m:oMathParaPr>
@@ -25759,6 +26003,7 @@
                 <a:endParaRPr lang="es-ES" b="0" dirty="0"/>
               </a:p>
               <a:p>
+                <a:pPr/>
                 <a14:m>
                   <m:oMathPara xmlns:m="http://schemas.openxmlformats.org/officeDocument/2006/math">
                     <m:oMathParaPr>
@@ -25975,7 +26220,7 @@
             </p:txBody>
           </p:sp>
         </mc:Choice>
-        <mc:Fallback>
+        <mc:Fallback xmlns="">
           <p:sp>
             <p:nvSpPr>
               <p:cNvPr id="4" name="TextBox 3">
@@ -26849,8 +27094,8 @@
           </p:txBody>
         </p:sp>
       </p:grpSp>
-      <mc:AlternateContent xmlns:mc="http://schemas.openxmlformats.org/markup-compatibility/2006">
-        <mc:Choice xmlns:a14="http://schemas.microsoft.com/office/drawing/2010/main" Requires="a14">
+      <mc:AlternateContent xmlns:mc="http://schemas.openxmlformats.org/markup-compatibility/2006" xmlns:a14="http://schemas.microsoft.com/office/drawing/2010/main">
+        <mc:Choice Requires="a14">
           <p:sp>
             <p:nvSpPr>
               <p:cNvPr id="38" name="TextBox 37">
@@ -26879,6 +27124,7 @@
               </a:bodyPr>
               <a:lstStyle/>
               <a:p>
+                <a:pPr/>
                 <a14:m>
                   <m:oMathPara xmlns:m="http://schemas.openxmlformats.org/officeDocument/2006/math">
                     <m:oMathParaPr>
@@ -27122,6 +27368,7 @@
                 </a:endParaRPr>
               </a:p>
               <a:p>
+                <a:pPr/>
                 <a14:m>
                   <m:oMathPara xmlns:m="http://schemas.openxmlformats.org/officeDocument/2006/math">
                     <m:oMathParaPr>
@@ -27148,7 +27395,7 @@
             </p:txBody>
           </p:sp>
         </mc:Choice>
-        <mc:Fallback>
+        <mc:Fallback xmlns="">
           <p:sp>
             <p:nvSpPr>
               <p:cNvPr id="38" name="TextBox 37">

--- a/semester-2-2021-2022/week-6-decision-tree/Decision_Tree.pptx
+++ b/semester-2-2021-2022/week-6-decision-tree/Decision_Tree.pptx
@@ -5,7 +5,7 @@
     <p:sldMasterId id="2147483660" r:id="rId1"/>
   </p:sldMasterIdLst>
   <p:notesMasterIdLst>
-    <p:notesMasterId r:id="rId15"/>
+    <p:notesMasterId r:id="rId20"/>
   </p:notesMasterIdLst>
   <p:sldIdLst>
     <p:sldId id="256" r:id="rId2"/>
@@ -20,7 +20,12 @@
     <p:sldId id="269" r:id="rId11"/>
     <p:sldId id="270" r:id="rId12"/>
     <p:sldId id="265" r:id="rId13"/>
-    <p:sldId id="258" r:id="rId14"/>
+    <p:sldId id="271" r:id="rId14"/>
+    <p:sldId id="273" r:id="rId15"/>
+    <p:sldId id="275" r:id="rId16"/>
+    <p:sldId id="276" r:id="rId17"/>
+    <p:sldId id="277" r:id="rId18"/>
+    <p:sldId id="258" r:id="rId19"/>
   </p:sldIdLst>
   <p:sldSz cx="12192000" cy="6858000"/>
   <p:notesSz cx="6858000" cy="9144000"/>
@@ -325,7 +330,7 @@
           <a:p>
             <a:fld id="{EB7DA543-F40B-4023-9892-3E6E3C6ABB89}" type="datetimeFigureOut">
               <a:rPr lang="en-GB" smtClean="0"/>
-              <a:t>18/01/2022</a:t>
+              <a:t>01/02/2022</a:t>
             </a:fld>
             <a:endParaRPr lang="en-GB"/>
           </a:p>
@@ -950,6 +955,448 @@
 </p:notes>
 </file>
 
+<file path=ppt/notesSlides/notesSlide13.xml><?xml version="1.0" encoding="utf-8"?>
+<p:notes xmlns:a="http://schemas.openxmlformats.org/drawingml/2006/main" xmlns:r="http://schemas.openxmlformats.org/officeDocument/2006/relationships" xmlns:p="http://schemas.openxmlformats.org/presentationml/2006/main">
+  <p:cSld>
+    <p:spTree>
+      <p:nvGrpSpPr>
+        <p:cNvPr id="1" name=""/>
+        <p:cNvGrpSpPr/>
+        <p:nvPr/>
+      </p:nvGrpSpPr>
+      <p:grpSpPr>
+        <a:xfrm>
+          <a:off x="0" y="0"/>
+          <a:ext cx="0" cy="0"/>
+          <a:chOff x="0" y="0"/>
+          <a:chExt cx="0" cy="0"/>
+        </a:xfrm>
+      </p:grpSpPr>
+      <p:sp>
+        <p:nvSpPr>
+          <p:cNvPr id="2" name="Slide Image Placeholder 1"/>
+          <p:cNvSpPr>
+            <a:spLocks noGrp="1" noRot="1" noChangeAspect="1"/>
+          </p:cNvSpPr>
+          <p:nvPr>
+            <p:ph type="sldImg"/>
+          </p:nvPr>
+        </p:nvSpPr>
+        <p:spPr/>
+      </p:sp>
+      <p:sp>
+        <p:nvSpPr>
+          <p:cNvPr id="3" name="Notes Placeholder 2"/>
+          <p:cNvSpPr>
+            <a:spLocks noGrp="1"/>
+          </p:cNvSpPr>
+          <p:nvPr>
+            <p:ph type="body" idx="1"/>
+          </p:nvPr>
+        </p:nvSpPr>
+        <p:spPr/>
+        <p:txBody>
+          <a:bodyPr/>
+          <a:lstStyle/>
+          <a:p>
+            <a:r>
+              <a:rPr lang="en-US" dirty="0"/>
+              <a:t>Thus, is there any way to combat the overfitting of a decision tree? Here is where random forest enters.</a:t>
+            </a:r>
+          </a:p>
+        </p:txBody>
+      </p:sp>
+      <p:sp>
+        <p:nvSpPr>
+          <p:cNvPr id="4" name="Slide Number Placeholder 3"/>
+          <p:cNvSpPr>
+            <a:spLocks noGrp="1"/>
+          </p:cNvSpPr>
+          <p:nvPr>
+            <p:ph type="sldNum" sz="quarter" idx="5"/>
+          </p:nvPr>
+        </p:nvSpPr>
+        <p:spPr/>
+        <p:txBody>
+          <a:bodyPr/>
+          <a:lstStyle/>
+          <a:p>
+            <a:fld id="{76682F04-6A67-4696-8350-ADB5B2C9822D}" type="slidenum">
+              <a:rPr lang="en-GB" smtClean="0"/>
+              <a:t>13</a:t>
+            </a:fld>
+            <a:endParaRPr lang="en-GB"/>
+          </a:p>
+        </p:txBody>
+      </p:sp>
+    </p:spTree>
+    <p:extLst>
+      <p:ext uri="{BB962C8B-B14F-4D97-AF65-F5344CB8AC3E}">
+        <p14:creationId xmlns:p14="http://schemas.microsoft.com/office/powerpoint/2010/main" val="280514024"/>
+      </p:ext>
+    </p:extLst>
+  </p:cSld>
+  <p:clrMapOvr>
+    <a:masterClrMapping/>
+  </p:clrMapOvr>
+</p:notes>
+</file>
+
+<file path=ppt/notesSlides/notesSlide14.xml><?xml version="1.0" encoding="utf-8"?>
+<p:notes xmlns:a="http://schemas.openxmlformats.org/drawingml/2006/main" xmlns:r="http://schemas.openxmlformats.org/officeDocument/2006/relationships" xmlns:p="http://schemas.openxmlformats.org/presentationml/2006/main">
+  <p:cSld>
+    <p:spTree>
+      <p:nvGrpSpPr>
+        <p:cNvPr id="1" name=""/>
+        <p:cNvGrpSpPr/>
+        <p:nvPr/>
+      </p:nvGrpSpPr>
+      <p:grpSpPr>
+        <a:xfrm>
+          <a:off x="0" y="0"/>
+          <a:ext cx="0" cy="0"/>
+          <a:chOff x="0" y="0"/>
+          <a:chExt cx="0" cy="0"/>
+        </a:xfrm>
+      </p:grpSpPr>
+      <p:sp>
+        <p:nvSpPr>
+          <p:cNvPr id="2" name="Slide Image Placeholder 1"/>
+          <p:cNvSpPr>
+            <a:spLocks noGrp="1" noRot="1" noChangeAspect="1"/>
+          </p:cNvSpPr>
+          <p:nvPr>
+            <p:ph type="sldImg"/>
+          </p:nvPr>
+        </p:nvSpPr>
+        <p:spPr/>
+      </p:sp>
+      <p:sp>
+        <p:nvSpPr>
+          <p:cNvPr id="3" name="Notes Placeholder 2"/>
+          <p:cNvSpPr>
+            <a:spLocks noGrp="1"/>
+          </p:cNvSpPr>
+          <p:nvPr>
+            <p:ph type="body" idx="1"/>
+          </p:nvPr>
+        </p:nvSpPr>
+        <p:spPr/>
+        <p:txBody>
+          <a:bodyPr/>
+          <a:lstStyle/>
+          <a:p>
+            <a:r>
+              <a:rPr lang="en-US" dirty="0"/>
+              <a:t>This is achieved by ensemble methods. Ensemble methods is just a solution that data scientist found to reduce overfitting and models with high variance, by creating various instances of a model and decide on the final model by majority voting of the instances. This is the way we are doing it in random forest, our solution will be to create various decision trees so that they vote on the final model of decision tree. Hence, forest, because of various tree. In specific, the method applied in random forest is called bagging. Bagging is bootstrap aggregation. The idea here is to create subsets of features and data picking randomly with replacement. Then, each collection of data is used to create its own decision tree. </a:t>
+            </a:r>
+          </a:p>
+          <a:p>
+            <a:endParaRPr lang="en-US" dirty="0"/>
+          </a:p>
+        </p:txBody>
+      </p:sp>
+      <p:sp>
+        <p:nvSpPr>
+          <p:cNvPr id="4" name="Slide Number Placeholder 3"/>
+          <p:cNvSpPr>
+            <a:spLocks noGrp="1"/>
+          </p:cNvSpPr>
+          <p:nvPr>
+            <p:ph type="sldNum" sz="quarter" idx="5"/>
+          </p:nvPr>
+        </p:nvSpPr>
+        <p:spPr/>
+        <p:txBody>
+          <a:bodyPr/>
+          <a:lstStyle/>
+          <a:p>
+            <a:fld id="{76682F04-6A67-4696-8350-ADB5B2C9822D}" type="slidenum">
+              <a:rPr lang="en-GB" smtClean="0"/>
+              <a:t>14</a:t>
+            </a:fld>
+            <a:endParaRPr lang="en-GB"/>
+          </a:p>
+        </p:txBody>
+      </p:sp>
+    </p:spTree>
+    <p:extLst>
+      <p:ext uri="{BB962C8B-B14F-4D97-AF65-F5344CB8AC3E}">
+        <p14:creationId xmlns:p14="http://schemas.microsoft.com/office/powerpoint/2010/main" val="4114499901"/>
+      </p:ext>
+    </p:extLst>
+  </p:cSld>
+  <p:clrMapOvr>
+    <a:masterClrMapping/>
+  </p:clrMapOvr>
+</p:notes>
+</file>
+
+<file path=ppt/notesSlides/notesSlide15.xml><?xml version="1.0" encoding="utf-8"?>
+<p:notes xmlns:a="http://schemas.openxmlformats.org/drawingml/2006/main" xmlns:r="http://schemas.openxmlformats.org/officeDocument/2006/relationships" xmlns:p="http://schemas.openxmlformats.org/presentationml/2006/main">
+  <p:cSld>
+    <p:spTree>
+      <p:nvGrpSpPr>
+        <p:cNvPr id="1" name=""/>
+        <p:cNvGrpSpPr/>
+        <p:nvPr/>
+      </p:nvGrpSpPr>
+      <p:grpSpPr>
+        <a:xfrm>
+          <a:off x="0" y="0"/>
+          <a:ext cx="0" cy="0"/>
+          <a:chOff x="0" y="0"/>
+          <a:chExt cx="0" cy="0"/>
+        </a:xfrm>
+      </p:grpSpPr>
+      <p:sp>
+        <p:nvSpPr>
+          <p:cNvPr id="2" name="Slide Image Placeholder 1"/>
+          <p:cNvSpPr>
+            <a:spLocks noGrp="1" noRot="1" noChangeAspect="1"/>
+          </p:cNvSpPr>
+          <p:nvPr>
+            <p:ph type="sldImg"/>
+          </p:nvPr>
+        </p:nvSpPr>
+        <p:spPr/>
+      </p:sp>
+      <p:sp>
+        <p:nvSpPr>
+          <p:cNvPr id="3" name="Notes Placeholder 2"/>
+          <p:cNvSpPr>
+            <a:spLocks noGrp="1"/>
+          </p:cNvSpPr>
+          <p:nvPr>
+            <p:ph type="body" idx="1"/>
+          </p:nvPr>
+        </p:nvSpPr>
+        <p:spPr/>
+        <p:txBody>
+          <a:bodyPr/>
+          <a:lstStyle/>
+          <a:p>
+            <a:r>
+              <a:rPr lang="en-US" dirty="0"/>
+              <a:t>Decision forest relies heavily in this method, bagging to create mini decision trees individually. Apart of bagging, decision forest’s final step is to call for votes by majority, to decide the optimized node. As they say, two is more than the sum of one, we get a better tree after multiple trees. The resulting one is more robust to variations in data, hence better performance. Here we have a visualization of random forest simplified.</a:t>
+            </a:r>
+          </a:p>
+          <a:p>
+            <a:endParaRPr lang="en-US" dirty="0"/>
+          </a:p>
+        </p:txBody>
+      </p:sp>
+      <p:sp>
+        <p:nvSpPr>
+          <p:cNvPr id="4" name="Slide Number Placeholder 3"/>
+          <p:cNvSpPr>
+            <a:spLocks noGrp="1"/>
+          </p:cNvSpPr>
+          <p:nvPr>
+            <p:ph type="sldNum" sz="quarter" idx="5"/>
+          </p:nvPr>
+        </p:nvSpPr>
+        <p:spPr/>
+        <p:txBody>
+          <a:bodyPr/>
+          <a:lstStyle/>
+          <a:p>
+            <a:fld id="{76682F04-6A67-4696-8350-ADB5B2C9822D}" type="slidenum">
+              <a:rPr lang="en-GB" smtClean="0"/>
+              <a:t>15</a:t>
+            </a:fld>
+            <a:endParaRPr lang="en-GB"/>
+          </a:p>
+        </p:txBody>
+      </p:sp>
+    </p:spTree>
+    <p:extLst>
+      <p:ext uri="{BB962C8B-B14F-4D97-AF65-F5344CB8AC3E}">
+        <p14:creationId xmlns:p14="http://schemas.microsoft.com/office/powerpoint/2010/main" val="2137517616"/>
+      </p:ext>
+    </p:extLst>
+  </p:cSld>
+  <p:clrMapOvr>
+    <a:masterClrMapping/>
+  </p:clrMapOvr>
+</p:notes>
+</file>
+
+<file path=ppt/notesSlides/notesSlide16.xml><?xml version="1.0" encoding="utf-8"?>
+<p:notes xmlns:a="http://schemas.openxmlformats.org/drawingml/2006/main" xmlns:r="http://schemas.openxmlformats.org/officeDocument/2006/relationships" xmlns:p="http://schemas.openxmlformats.org/presentationml/2006/main">
+  <p:cSld>
+    <p:spTree>
+      <p:nvGrpSpPr>
+        <p:cNvPr id="1" name=""/>
+        <p:cNvGrpSpPr/>
+        <p:nvPr/>
+      </p:nvGrpSpPr>
+      <p:grpSpPr>
+        <a:xfrm>
+          <a:off x="0" y="0"/>
+          <a:ext cx="0" cy="0"/>
+          <a:chOff x="0" y="0"/>
+          <a:chExt cx="0" cy="0"/>
+        </a:xfrm>
+      </p:grpSpPr>
+      <p:sp>
+        <p:nvSpPr>
+          <p:cNvPr id="2" name="Slide Image Placeholder 1"/>
+          <p:cNvSpPr>
+            <a:spLocks noGrp="1" noRot="1" noChangeAspect="1"/>
+          </p:cNvSpPr>
+          <p:nvPr>
+            <p:ph type="sldImg"/>
+          </p:nvPr>
+        </p:nvSpPr>
+        <p:spPr/>
+      </p:sp>
+      <p:sp>
+        <p:nvSpPr>
+          <p:cNvPr id="3" name="Notes Placeholder 2"/>
+          <p:cNvSpPr>
+            <a:spLocks noGrp="1"/>
+          </p:cNvSpPr>
+          <p:nvPr>
+            <p:ph type="body" idx="1"/>
+          </p:nvPr>
+        </p:nvSpPr>
+        <p:spPr/>
+        <p:txBody>
+          <a:bodyPr/>
+          <a:lstStyle/>
+          <a:p>
+            <a:r>
+              <a:rPr lang="en-US" dirty="0"/>
+              <a:t>The pros and cons of random forest based on decision tree are the following. First, of course, is that it decreases overfitting and high variance, that is the main purpose. Second is that it can handle high dimension data with good performance. Third is that it is not sensible to missing values. In contrast, it trades the accuracy with regression model, even worse than decision tree as it is a gathering and mean of multiple trees, it lacks accuracy.</a:t>
+            </a:r>
+          </a:p>
+        </p:txBody>
+      </p:sp>
+      <p:sp>
+        <p:nvSpPr>
+          <p:cNvPr id="4" name="Slide Number Placeholder 3"/>
+          <p:cNvSpPr>
+            <a:spLocks noGrp="1"/>
+          </p:cNvSpPr>
+          <p:nvPr>
+            <p:ph type="sldNum" sz="quarter" idx="5"/>
+          </p:nvPr>
+        </p:nvSpPr>
+        <p:spPr/>
+        <p:txBody>
+          <a:bodyPr/>
+          <a:lstStyle/>
+          <a:p>
+            <a:fld id="{76682F04-6A67-4696-8350-ADB5B2C9822D}" type="slidenum">
+              <a:rPr lang="en-GB" smtClean="0"/>
+              <a:t>16</a:t>
+            </a:fld>
+            <a:endParaRPr lang="en-GB"/>
+          </a:p>
+        </p:txBody>
+      </p:sp>
+    </p:spTree>
+    <p:extLst>
+      <p:ext uri="{BB962C8B-B14F-4D97-AF65-F5344CB8AC3E}">
+        <p14:creationId xmlns:p14="http://schemas.microsoft.com/office/powerpoint/2010/main" val="4235491159"/>
+      </p:ext>
+    </p:extLst>
+  </p:cSld>
+  <p:clrMapOvr>
+    <a:masterClrMapping/>
+  </p:clrMapOvr>
+</p:notes>
+</file>
+
+<file path=ppt/notesSlides/notesSlide17.xml><?xml version="1.0" encoding="utf-8"?>
+<p:notes xmlns:a="http://schemas.openxmlformats.org/drawingml/2006/main" xmlns:r="http://schemas.openxmlformats.org/officeDocument/2006/relationships" xmlns:p="http://schemas.openxmlformats.org/presentationml/2006/main">
+  <p:cSld>
+    <p:spTree>
+      <p:nvGrpSpPr>
+        <p:cNvPr id="1" name=""/>
+        <p:cNvGrpSpPr/>
+        <p:nvPr/>
+      </p:nvGrpSpPr>
+      <p:grpSpPr>
+        <a:xfrm>
+          <a:off x="0" y="0"/>
+          <a:ext cx="0" cy="0"/>
+          <a:chOff x="0" y="0"/>
+          <a:chExt cx="0" cy="0"/>
+        </a:xfrm>
+      </p:grpSpPr>
+      <p:sp>
+        <p:nvSpPr>
+          <p:cNvPr id="2" name="Slide Image Placeholder 1"/>
+          <p:cNvSpPr>
+            <a:spLocks noGrp="1" noRot="1" noChangeAspect="1"/>
+          </p:cNvSpPr>
+          <p:nvPr>
+            <p:ph type="sldImg"/>
+          </p:nvPr>
+        </p:nvSpPr>
+        <p:spPr/>
+      </p:sp>
+      <p:sp>
+        <p:nvSpPr>
+          <p:cNvPr id="3" name="Notes Placeholder 2"/>
+          <p:cNvSpPr>
+            <a:spLocks noGrp="1"/>
+          </p:cNvSpPr>
+          <p:nvPr>
+            <p:ph type="body" idx="1"/>
+          </p:nvPr>
+        </p:nvSpPr>
+        <p:spPr/>
+        <p:txBody>
+          <a:bodyPr/>
+          <a:lstStyle/>
+          <a:p>
+            <a:r>
+              <a:rPr lang="es-ES" dirty="0"/>
+              <a:t>c</a:t>
+            </a:r>
+            <a:endParaRPr lang="en-US" dirty="0"/>
+          </a:p>
+        </p:txBody>
+      </p:sp>
+      <p:sp>
+        <p:nvSpPr>
+          <p:cNvPr id="4" name="Slide Number Placeholder 3"/>
+          <p:cNvSpPr>
+            <a:spLocks noGrp="1"/>
+          </p:cNvSpPr>
+          <p:nvPr>
+            <p:ph type="sldNum" sz="quarter" idx="5"/>
+          </p:nvPr>
+        </p:nvSpPr>
+        <p:spPr/>
+        <p:txBody>
+          <a:bodyPr/>
+          <a:lstStyle/>
+          <a:p>
+            <a:fld id="{76682F04-6A67-4696-8350-ADB5B2C9822D}" type="slidenum">
+              <a:rPr lang="en-GB" smtClean="0"/>
+              <a:t>17</a:t>
+            </a:fld>
+            <a:endParaRPr lang="en-GB"/>
+          </a:p>
+        </p:txBody>
+      </p:sp>
+    </p:spTree>
+    <p:extLst>
+      <p:ext uri="{BB962C8B-B14F-4D97-AF65-F5344CB8AC3E}">
+        <p14:creationId xmlns:p14="http://schemas.microsoft.com/office/powerpoint/2010/main" val="3224957016"/>
+      </p:ext>
+    </p:extLst>
+  </p:cSld>
+  <p:clrMapOvr>
+    <a:masterClrMapping/>
+  </p:clrMapOvr>
+</p:notes>
+</file>
+
 <file path=ppt/notesSlides/notesSlide2.xml><?xml version="1.0" encoding="utf-8"?>
 <p:notes xmlns:a="http://schemas.openxmlformats.org/drawingml/2006/main" xmlns:r="http://schemas.openxmlformats.org/officeDocument/2006/relationships" xmlns:p="http://schemas.openxmlformats.org/presentationml/2006/main">
   <p:cSld>
@@ -2610,7 +3057,7 @@
           <a:noFill/>
           <a:extLst>
             <a:ext uri="{909E8E84-426E-40dd-AFC4-6F175D3DCCD1}">
-              <a14:hiddenFill xmlns:a14="http://schemas.microsoft.com/office/drawing/2010/main" xmlns="">
+              <a14:hiddenFill xmlns="" xmlns:a14="http://schemas.microsoft.com/office/drawing/2010/main">
                 <a:solidFill>
                   <a:srgbClr val="FFFFFF"/>
                 </a:solidFill>
@@ -2670,7 +3117,7 @@
             </a:ln>
             <a:extLst>
               <a:ext uri="{91240B29-F687-4f45-9708-019B960494DF}">
-                <a14:hiddenLine xmlns:a14="http://schemas.microsoft.com/office/drawing/2010/main" xmlns="" w="9525">
+                <a14:hiddenLine xmlns="" xmlns:a14="http://schemas.microsoft.com/office/drawing/2010/main" w="9525">
                   <a:solidFill>
                     <a:srgbClr val="000000"/>
                   </a:solidFill>
@@ -2760,7 +3207,7 @@
             </a:ln>
             <a:extLst>
               <a:ext uri="{91240B29-F687-4f45-9708-019B960494DF}">
-                <a14:hiddenLine xmlns:a14="http://schemas.microsoft.com/office/drawing/2010/main" xmlns="" w="9525">
+                <a14:hiddenLine xmlns="" xmlns:a14="http://schemas.microsoft.com/office/drawing/2010/main" w="9525">
                   <a:solidFill>
                     <a:srgbClr val="000000"/>
                   </a:solidFill>
@@ -2850,7 +3297,7 @@
             </a:ln>
             <a:extLst>
               <a:ext uri="{91240B29-F687-4f45-9708-019B960494DF}">
-                <a14:hiddenLine xmlns:a14="http://schemas.microsoft.com/office/drawing/2010/main" xmlns="" w="9525">
+                <a14:hiddenLine xmlns="" xmlns:a14="http://schemas.microsoft.com/office/drawing/2010/main" w="9525">
                   <a:solidFill>
                     <a:srgbClr val="000000"/>
                   </a:solidFill>
@@ -2884,7 +3331,7 @@
             </a:ln>
             <a:extLst>
               <a:ext uri="{91240B29-F687-4f45-9708-019B960494DF}">
-                <a14:hiddenLine xmlns:a14="http://schemas.microsoft.com/office/drawing/2010/main" xmlns="" w="9525">
+                <a14:hiddenLine xmlns="" xmlns:a14="http://schemas.microsoft.com/office/drawing/2010/main" w="9525">
                   <a:solidFill>
                     <a:srgbClr val="000000"/>
                   </a:solidFill>
@@ -2974,7 +3421,7 @@
             </a:ln>
             <a:extLst>
               <a:ext uri="{91240B29-F687-4f45-9708-019B960494DF}">
-                <a14:hiddenLine xmlns:a14="http://schemas.microsoft.com/office/drawing/2010/main" xmlns="" w="9525">
+                <a14:hiddenLine xmlns="" xmlns:a14="http://schemas.microsoft.com/office/drawing/2010/main" w="9525">
                   <a:solidFill>
                     <a:srgbClr val="000000"/>
                   </a:solidFill>
@@ -3036,7 +3483,7 @@
             </a:ln>
             <a:extLst>
               <a:ext uri="{91240B29-F687-4f45-9708-019B960494DF}">
-                <a14:hiddenLine xmlns:a14="http://schemas.microsoft.com/office/drawing/2010/main" xmlns="" w="9525">
+                <a14:hiddenLine xmlns="" xmlns:a14="http://schemas.microsoft.com/office/drawing/2010/main" w="9525">
                   <a:solidFill>
                     <a:srgbClr val="000000"/>
                   </a:solidFill>
@@ -3098,7 +3545,7 @@
             </a:ln>
             <a:extLst>
               <a:ext uri="{91240B29-F687-4f45-9708-019B960494DF}">
-                <a14:hiddenLine xmlns:a14="http://schemas.microsoft.com/office/drawing/2010/main" xmlns="" w="9525">
+                <a14:hiddenLine xmlns="" xmlns:a14="http://schemas.microsoft.com/office/drawing/2010/main" w="9525">
                   <a:solidFill>
                     <a:srgbClr val="000000"/>
                   </a:solidFill>
@@ -3188,7 +3635,7 @@
             </a:ln>
             <a:extLst>
               <a:ext uri="{91240B29-F687-4f45-9708-019B960494DF}">
-                <a14:hiddenLine xmlns:a14="http://schemas.microsoft.com/office/drawing/2010/main" xmlns="" w="9525">
+                <a14:hiddenLine xmlns="" xmlns:a14="http://schemas.microsoft.com/office/drawing/2010/main" w="9525">
                   <a:solidFill>
                     <a:srgbClr val="000000"/>
                   </a:solidFill>
@@ -3250,7 +3697,7 @@
             </a:ln>
             <a:extLst>
               <a:ext uri="{91240B29-F687-4f45-9708-019B960494DF}">
-                <a14:hiddenLine xmlns:a14="http://schemas.microsoft.com/office/drawing/2010/main" xmlns="" w="9525">
+                <a14:hiddenLine xmlns="" xmlns:a14="http://schemas.microsoft.com/office/drawing/2010/main" w="9525">
                   <a:solidFill>
                     <a:srgbClr val="000000"/>
                   </a:solidFill>
@@ -3312,7 +3759,7 @@
             </a:ln>
             <a:extLst>
               <a:ext uri="{91240B29-F687-4f45-9708-019B960494DF}">
-                <a14:hiddenLine xmlns:a14="http://schemas.microsoft.com/office/drawing/2010/main" xmlns="" w="9525">
+                <a14:hiddenLine xmlns="" xmlns:a14="http://schemas.microsoft.com/office/drawing/2010/main" w="9525">
                   <a:solidFill>
                     <a:srgbClr val="000000"/>
                   </a:solidFill>
@@ -3402,7 +3849,7 @@
             </a:ln>
             <a:extLst>
               <a:ext uri="{91240B29-F687-4f45-9708-019B960494DF}">
-                <a14:hiddenLine xmlns:a14="http://schemas.microsoft.com/office/drawing/2010/main" xmlns="" w="9525">
+                <a14:hiddenLine xmlns="" xmlns:a14="http://schemas.microsoft.com/office/drawing/2010/main" w="9525">
                   <a:solidFill>
                     <a:srgbClr val="000000"/>
                   </a:solidFill>
@@ -3492,7 +3939,7 @@
             </a:ln>
             <a:extLst>
               <a:ext uri="{91240B29-F687-4f45-9708-019B960494DF}">
-                <a14:hiddenLine xmlns:a14="http://schemas.microsoft.com/office/drawing/2010/main" xmlns="" w="9525">
+                <a14:hiddenLine xmlns="" xmlns:a14="http://schemas.microsoft.com/office/drawing/2010/main" w="9525">
                   <a:solidFill>
                     <a:srgbClr val="000000"/>
                   </a:solidFill>
@@ -3554,7 +4001,7 @@
             </a:ln>
             <a:extLst>
               <a:ext uri="{91240B29-F687-4f45-9708-019B960494DF}">
-                <a14:hiddenLine xmlns:a14="http://schemas.microsoft.com/office/drawing/2010/main" xmlns="" w="9525">
+                <a14:hiddenLine xmlns="" xmlns:a14="http://schemas.microsoft.com/office/drawing/2010/main" w="9525">
                   <a:solidFill>
                     <a:srgbClr val="000000"/>
                   </a:solidFill>
@@ -3664,7 +4111,7 @@
             </a:ln>
             <a:extLst>
               <a:ext uri="{91240B29-F687-4f45-9708-019B960494DF}">
-                <a14:hiddenLine xmlns:a14="http://schemas.microsoft.com/office/drawing/2010/main" xmlns="" w="9525">
+                <a14:hiddenLine xmlns="" xmlns:a14="http://schemas.microsoft.com/office/drawing/2010/main" w="9525">
                   <a:solidFill>
                     <a:srgbClr val="000000"/>
                   </a:solidFill>
@@ -3726,7 +4173,7 @@
             </a:ln>
             <a:extLst>
               <a:ext uri="{91240B29-F687-4f45-9708-019B960494DF}">
-                <a14:hiddenLine xmlns:a14="http://schemas.microsoft.com/office/drawing/2010/main" xmlns="" w="9525">
+                <a14:hiddenLine xmlns="" xmlns:a14="http://schemas.microsoft.com/office/drawing/2010/main" w="9525">
                   <a:solidFill>
                     <a:srgbClr val="000000"/>
                   </a:solidFill>
@@ -3816,7 +4263,7 @@
             </a:ln>
             <a:extLst>
               <a:ext uri="{91240B29-F687-4f45-9708-019B960494DF}">
-                <a14:hiddenLine xmlns:a14="http://schemas.microsoft.com/office/drawing/2010/main" xmlns="" w="9525">
+                <a14:hiddenLine xmlns="" xmlns:a14="http://schemas.microsoft.com/office/drawing/2010/main" w="9525">
                   <a:solidFill>
                     <a:srgbClr val="000000"/>
                   </a:solidFill>
@@ -3906,7 +4353,7 @@
             </a:ln>
             <a:extLst>
               <a:ext uri="{91240B29-F687-4f45-9708-019B960494DF}">
-                <a14:hiddenLine xmlns:a14="http://schemas.microsoft.com/office/drawing/2010/main" xmlns="" w="9525">
+                <a14:hiddenLine xmlns="" xmlns:a14="http://schemas.microsoft.com/office/drawing/2010/main" w="9525">
                   <a:solidFill>
                     <a:srgbClr val="000000"/>
                   </a:solidFill>
@@ -3968,7 +4415,7 @@
             </a:ln>
             <a:extLst>
               <a:ext uri="{91240B29-F687-4f45-9708-019B960494DF}">
-                <a14:hiddenLine xmlns:a14="http://schemas.microsoft.com/office/drawing/2010/main" xmlns="" w="9525">
+                <a14:hiddenLine xmlns="" xmlns:a14="http://schemas.microsoft.com/office/drawing/2010/main" w="9525">
                   <a:solidFill>
                     <a:srgbClr val="000000"/>
                   </a:solidFill>
@@ -4058,7 +4505,7 @@
             </a:ln>
             <a:extLst>
               <a:ext uri="{91240B29-F687-4f45-9708-019B960494DF}">
-                <a14:hiddenLine xmlns:a14="http://schemas.microsoft.com/office/drawing/2010/main" xmlns="" w="9525">
+                <a14:hiddenLine xmlns="" xmlns:a14="http://schemas.microsoft.com/office/drawing/2010/main" w="9525">
                   <a:solidFill>
                     <a:srgbClr val="000000"/>
                   </a:solidFill>
@@ -4148,7 +4595,7 @@
             </a:ln>
             <a:extLst>
               <a:ext uri="{91240B29-F687-4f45-9708-019B960494DF}">
-                <a14:hiddenLine xmlns:a14="http://schemas.microsoft.com/office/drawing/2010/main" xmlns="" w="9525">
+                <a14:hiddenLine xmlns="" xmlns:a14="http://schemas.microsoft.com/office/drawing/2010/main" w="9525">
                   <a:solidFill>
                     <a:srgbClr val="000000"/>
                   </a:solidFill>
@@ -4204,7 +4651,7 @@
             </a:ln>
             <a:extLst>
               <a:ext uri="{91240B29-F687-4f45-9708-019B960494DF}">
-                <a14:hiddenLine xmlns:a14="http://schemas.microsoft.com/office/drawing/2010/main" xmlns="" w="9525">
+                <a14:hiddenLine xmlns="" xmlns:a14="http://schemas.microsoft.com/office/drawing/2010/main" w="9525">
                   <a:solidFill>
                     <a:srgbClr val="000000"/>
                   </a:solidFill>
@@ -4294,7 +4741,7 @@
             </a:ln>
             <a:extLst>
               <a:ext uri="{91240B29-F687-4f45-9708-019B960494DF}">
-                <a14:hiddenLine xmlns:a14="http://schemas.microsoft.com/office/drawing/2010/main" xmlns="" w="9525">
+                <a14:hiddenLine xmlns="" xmlns:a14="http://schemas.microsoft.com/office/drawing/2010/main" w="9525">
                   <a:solidFill>
                     <a:srgbClr val="000000"/>
                   </a:solidFill>
@@ -4350,7 +4797,7 @@
             </a:ln>
             <a:extLst>
               <a:ext uri="{91240B29-F687-4f45-9708-019B960494DF}">
-                <a14:hiddenLine xmlns:a14="http://schemas.microsoft.com/office/drawing/2010/main" xmlns="" w="9525">
+                <a14:hiddenLine xmlns="" xmlns:a14="http://schemas.microsoft.com/office/drawing/2010/main" w="9525">
                   <a:solidFill>
                     <a:srgbClr val="000000"/>
                   </a:solidFill>
@@ -4440,7 +4887,7 @@
             </a:ln>
             <a:extLst>
               <a:ext uri="{91240B29-F687-4f45-9708-019B960494DF}">
-                <a14:hiddenLine xmlns:a14="http://schemas.microsoft.com/office/drawing/2010/main" xmlns="" w="9525">
+                <a14:hiddenLine xmlns="" xmlns:a14="http://schemas.microsoft.com/office/drawing/2010/main" w="9525">
                   <a:solidFill>
                     <a:srgbClr val="000000"/>
                   </a:solidFill>
@@ -4508,7 +4955,7 @@
             </a:ln>
             <a:extLst>
               <a:ext uri="{91240B29-F687-4f45-9708-019B960494DF}">
-                <a14:hiddenLine xmlns:a14="http://schemas.microsoft.com/office/drawing/2010/main" xmlns="" w="9525">
+                <a14:hiddenLine xmlns="" xmlns:a14="http://schemas.microsoft.com/office/drawing/2010/main" w="9525">
                   <a:solidFill>
                     <a:srgbClr val="000000"/>
                   </a:solidFill>
@@ -4598,7 +5045,7 @@
             </a:ln>
             <a:extLst>
               <a:ext uri="{91240B29-F687-4f45-9708-019B960494DF}">
-                <a14:hiddenLine xmlns:a14="http://schemas.microsoft.com/office/drawing/2010/main" xmlns="" w="9525">
+                <a14:hiddenLine xmlns="" xmlns:a14="http://schemas.microsoft.com/office/drawing/2010/main" w="9525">
                   <a:solidFill>
                     <a:srgbClr val="000000"/>
                   </a:solidFill>
@@ -4666,7 +5113,7 @@
             </a:ln>
             <a:extLst>
               <a:ext uri="{91240B29-F687-4f45-9708-019B960494DF}">
-                <a14:hiddenLine xmlns:a14="http://schemas.microsoft.com/office/drawing/2010/main" xmlns="" w="9525">
+                <a14:hiddenLine xmlns="" xmlns:a14="http://schemas.microsoft.com/office/drawing/2010/main" w="9525">
                   <a:solidFill>
                     <a:srgbClr val="000000"/>
                   </a:solidFill>
@@ -4756,7 +5203,7 @@
             </a:ln>
             <a:extLst>
               <a:ext uri="{91240B29-F687-4f45-9708-019B960494DF}">
-                <a14:hiddenLine xmlns:a14="http://schemas.microsoft.com/office/drawing/2010/main" xmlns="" w="9525">
+                <a14:hiddenLine xmlns="" xmlns:a14="http://schemas.microsoft.com/office/drawing/2010/main" w="9525">
                   <a:solidFill>
                     <a:srgbClr val="000000"/>
                   </a:solidFill>
@@ -4790,7 +5237,7 @@
             </a:ln>
             <a:extLst>
               <a:ext uri="{91240B29-F687-4f45-9708-019B960494DF}">
-                <a14:hiddenLine xmlns:a14="http://schemas.microsoft.com/office/drawing/2010/main" xmlns="" w="9525">
+                <a14:hiddenLine xmlns="" xmlns:a14="http://schemas.microsoft.com/office/drawing/2010/main" w="9525">
                   <a:solidFill>
                     <a:srgbClr val="000000"/>
                   </a:solidFill>
@@ -4880,7 +5327,7 @@
             </a:ln>
             <a:extLst>
               <a:ext uri="{91240B29-F687-4f45-9708-019B960494DF}">
-                <a14:hiddenLine xmlns:a14="http://schemas.microsoft.com/office/drawing/2010/main" xmlns="" w="9525">
+                <a14:hiddenLine xmlns="" xmlns:a14="http://schemas.microsoft.com/office/drawing/2010/main" w="9525">
                   <a:solidFill>
                     <a:srgbClr val="000000"/>
                   </a:solidFill>
@@ -4942,7 +5389,7 @@
             </a:ln>
             <a:extLst>
               <a:ext uri="{91240B29-F687-4f45-9708-019B960494DF}">
-                <a14:hiddenLine xmlns:a14="http://schemas.microsoft.com/office/drawing/2010/main" xmlns="" w="9525">
+                <a14:hiddenLine xmlns="" xmlns:a14="http://schemas.microsoft.com/office/drawing/2010/main" w="9525">
                   <a:solidFill>
                     <a:srgbClr val="000000"/>
                   </a:solidFill>
@@ -5004,7 +5451,7 @@
             </a:ln>
             <a:extLst>
               <a:ext uri="{91240B29-F687-4f45-9708-019B960494DF}">
-                <a14:hiddenLine xmlns:a14="http://schemas.microsoft.com/office/drawing/2010/main" xmlns="" w="9525">
+                <a14:hiddenLine xmlns="" xmlns:a14="http://schemas.microsoft.com/office/drawing/2010/main" w="9525">
                   <a:solidFill>
                     <a:srgbClr val="000000"/>
                   </a:solidFill>
@@ -5094,7 +5541,7 @@
             </a:ln>
             <a:extLst>
               <a:ext uri="{91240B29-F687-4f45-9708-019B960494DF}">
-                <a14:hiddenLine xmlns:a14="http://schemas.microsoft.com/office/drawing/2010/main" xmlns="" w="9525">
+                <a14:hiddenLine xmlns="" xmlns:a14="http://schemas.microsoft.com/office/drawing/2010/main" w="9525">
                   <a:solidFill>
                     <a:srgbClr val="000000"/>
                   </a:solidFill>
@@ -5162,7 +5609,7 @@
             </a:ln>
             <a:extLst>
               <a:ext uri="{91240B29-F687-4f45-9708-019B960494DF}">
-                <a14:hiddenLine xmlns:a14="http://schemas.microsoft.com/office/drawing/2010/main" xmlns="" w="9525">
+                <a14:hiddenLine xmlns="" xmlns:a14="http://schemas.microsoft.com/office/drawing/2010/main" w="9525">
                   <a:solidFill>
                     <a:srgbClr val="000000"/>
                   </a:solidFill>
@@ -5224,7 +5671,7 @@
             </a:ln>
             <a:extLst>
               <a:ext uri="{91240B29-F687-4f45-9708-019B960494DF}">
-                <a14:hiddenLine xmlns:a14="http://schemas.microsoft.com/office/drawing/2010/main" xmlns="" w="9525">
+                <a14:hiddenLine xmlns="" xmlns:a14="http://schemas.microsoft.com/office/drawing/2010/main" w="9525">
                   <a:solidFill>
                     <a:srgbClr val="000000"/>
                   </a:solidFill>
@@ -5314,7 +5761,7 @@
             </a:ln>
             <a:extLst>
               <a:ext uri="{91240B29-F687-4f45-9708-019B960494DF}">
-                <a14:hiddenLine xmlns:a14="http://schemas.microsoft.com/office/drawing/2010/main" xmlns="" w="9525">
+                <a14:hiddenLine xmlns="" xmlns:a14="http://schemas.microsoft.com/office/drawing/2010/main" w="9525">
                   <a:solidFill>
                     <a:srgbClr val="000000"/>
                   </a:solidFill>
@@ -5376,7 +5823,7 @@
             </a:ln>
             <a:extLst>
               <a:ext uri="{91240B29-F687-4f45-9708-019B960494DF}">
-                <a14:hiddenLine xmlns:a14="http://schemas.microsoft.com/office/drawing/2010/main" xmlns="" w="9525">
+                <a14:hiddenLine xmlns="" xmlns:a14="http://schemas.microsoft.com/office/drawing/2010/main" w="9525">
                   <a:solidFill>
                     <a:srgbClr val="000000"/>
                   </a:solidFill>
@@ -5466,7 +5913,7 @@
             </a:ln>
             <a:extLst>
               <a:ext uri="{91240B29-F687-4f45-9708-019B960494DF}">
-                <a14:hiddenLine xmlns:a14="http://schemas.microsoft.com/office/drawing/2010/main" xmlns="" w="9525">
+                <a14:hiddenLine xmlns="" xmlns:a14="http://schemas.microsoft.com/office/drawing/2010/main" w="9525">
                   <a:solidFill>
                     <a:srgbClr val="000000"/>
                   </a:solidFill>
@@ -5528,7 +5975,7 @@
             </a:ln>
             <a:extLst>
               <a:ext uri="{91240B29-F687-4f45-9708-019B960494DF}">
-                <a14:hiddenLine xmlns:a14="http://schemas.microsoft.com/office/drawing/2010/main" xmlns="" w="9525">
+                <a14:hiddenLine xmlns="" xmlns:a14="http://schemas.microsoft.com/office/drawing/2010/main" w="9525">
                   <a:solidFill>
                     <a:srgbClr val="000000"/>
                   </a:solidFill>
@@ -5618,7 +6065,7 @@
             </a:ln>
             <a:extLst>
               <a:ext uri="{91240B29-F687-4f45-9708-019B960494DF}">
-                <a14:hiddenLine xmlns:a14="http://schemas.microsoft.com/office/drawing/2010/main" xmlns="" w="9525">
+                <a14:hiddenLine xmlns="" xmlns:a14="http://schemas.microsoft.com/office/drawing/2010/main" w="9525">
                   <a:solidFill>
                     <a:srgbClr val="000000"/>
                   </a:solidFill>
@@ -5652,7 +6099,7 @@
             </a:ln>
             <a:extLst>
               <a:ext uri="{91240B29-F687-4f45-9708-019B960494DF}">
-                <a14:hiddenLine xmlns:a14="http://schemas.microsoft.com/office/drawing/2010/main" xmlns="" w="9525">
+                <a14:hiddenLine xmlns="" xmlns:a14="http://schemas.microsoft.com/office/drawing/2010/main" w="9525">
                   <a:solidFill>
                     <a:srgbClr val="000000"/>
                   </a:solidFill>
@@ -5717,7 +6164,7 @@
             </a:ln>
             <a:extLst>
               <a:ext uri="{91240B29-F687-4f45-9708-019B960494DF}">
-                <a14:hiddenLine xmlns:a14="http://schemas.microsoft.com/office/drawing/2010/main" xmlns="" w="9525">
+                <a14:hiddenLine xmlns="" xmlns:a14="http://schemas.microsoft.com/office/drawing/2010/main" w="9525">
                   <a:solidFill>
                     <a:srgbClr val="000000"/>
                   </a:solidFill>
@@ -5807,7 +6254,7 @@
             </a:ln>
             <a:extLst>
               <a:ext uri="{91240B29-F687-4f45-9708-019B960494DF}">
-                <a14:hiddenLine xmlns:a14="http://schemas.microsoft.com/office/drawing/2010/main" xmlns="" w="9525">
+                <a14:hiddenLine xmlns="" xmlns:a14="http://schemas.microsoft.com/office/drawing/2010/main" w="9525">
                   <a:solidFill>
                     <a:srgbClr val="000000"/>
                   </a:solidFill>
@@ -5869,7 +6316,7 @@
             </a:ln>
             <a:extLst>
               <a:ext uri="{91240B29-F687-4f45-9708-019B960494DF}">
-                <a14:hiddenLine xmlns:a14="http://schemas.microsoft.com/office/drawing/2010/main" xmlns="" w="9525">
+                <a14:hiddenLine xmlns="" xmlns:a14="http://schemas.microsoft.com/office/drawing/2010/main" w="9525">
                   <a:solidFill>
                     <a:srgbClr val="000000"/>
                   </a:solidFill>
@@ -5959,7 +6406,7 @@
             </a:ln>
             <a:extLst>
               <a:ext uri="{91240B29-F687-4f45-9708-019B960494DF}">
-                <a14:hiddenLine xmlns:a14="http://schemas.microsoft.com/office/drawing/2010/main" xmlns="" w="9525">
+                <a14:hiddenLine xmlns="" xmlns:a14="http://schemas.microsoft.com/office/drawing/2010/main" w="9525">
                   <a:solidFill>
                     <a:srgbClr val="000000"/>
                   </a:solidFill>
@@ -6049,7 +6496,7 @@
             </a:ln>
             <a:extLst>
               <a:ext uri="{91240B29-F687-4f45-9708-019B960494DF}">
-                <a14:hiddenLine xmlns:a14="http://schemas.microsoft.com/office/drawing/2010/main" xmlns="" w="9525">
+                <a14:hiddenLine xmlns="" xmlns:a14="http://schemas.microsoft.com/office/drawing/2010/main" w="9525">
                   <a:solidFill>
                     <a:srgbClr val="000000"/>
                   </a:solidFill>
@@ -6114,7 +6561,7 @@
             </a:ln>
             <a:extLst>
               <a:ext uri="{91240B29-F687-4f45-9708-019B960494DF}">
-                <a14:hiddenLine xmlns:a14="http://schemas.microsoft.com/office/drawing/2010/main" xmlns="" w="9525">
+                <a14:hiddenLine xmlns="" xmlns:a14="http://schemas.microsoft.com/office/drawing/2010/main" w="9525">
                   <a:solidFill>
                     <a:srgbClr val="000000"/>
                   </a:solidFill>
@@ -6176,7 +6623,7 @@
             </a:ln>
             <a:extLst>
               <a:ext uri="{91240B29-F687-4f45-9708-019B960494DF}">
-                <a14:hiddenLine xmlns:a14="http://schemas.microsoft.com/office/drawing/2010/main" xmlns="" w="9525">
+                <a14:hiddenLine xmlns="" xmlns:a14="http://schemas.microsoft.com/office/drawing/2010/main" w="9525">
                   <a:solidFill>
                     <a:srgbClr val="000000"/>
                   </a:solidFill>
@@ -6266,7 +6713,7 @@
             </a:ln>
             <a:extLst>
               <a:ext uri="{91240B29-F687-4f45-9708-019B960494DF}">
-                <a14:hiddenLine xmlns:a14="http://schemas.microsoft.com/office/drawing/2010/main" xmlns="" w="9525">
+                <a14:hiddenLine xmlns="" xmlns:a14="http://schemas.microsoft.com/office/drawing/2010/main" w="9525">
                   <a:solidFill>
                     <a:srgbClr val="000000"/>
                   </a:solidFill>
@@ -6356,7 +6803,7 @@
             </a:ln>
             <a:extLst>
               <a:ext uri="{91240B29-F687-4f45-9708-019B960494DF}">
-                <a14:hiddenLine xmlns:a14="http://schemas.microsoft.com/office/drawing/2010/main" xmlns="" w="9525">
+                <a14:hiddenLine xmlns="" xmlns:a14="http://schemas.microsoft.com/office/drawing/2010/main" w="9525">
                   <a:solidFill>
                     <a:srgbClr val="000000"/>
                   </a:solidFill>
@@ -6418,7 +6865,7 @@
             </a:ln>
             <a:extLst>
               <a:ext uri="{91240B29-F687-4f45-9708-019B960494DF}">
-                <a14:hiddenLine xmlns:a14="http://schemas.microsoft.com/office/drawing/2010/main" xmlns="" w="9525">
+                <a14:hiddenLine xmlns="" xmlns:a14="http://schemas.microsoft.com/office/drawing/2010/main" w="9525">
                   <a:solidFill>
                     <a:srgbClr val="000000"/>
                   </a:solidFill>
@@ -6538,7 +6985,7 @@
             </a:ln>
             <a:extLst>
               <a:ext uri="{91240B29-F687-4f45-9708-019B960494DF}">
-                <a14:hiddenLine xmlns:a14="http://schemas.microsoft.com/office/drawing/2010/main" xmlns="" w="9525">
+                <a14:hiddenLine xmlns="" xmlns:a14="http://schemas.microsoft.com/office/drawing/2010/main" w="9525">
                   <a:solidFill>
                     <a:srgbClr val="000000"/>
                   </a:solidFill>
@@ -6606,7 +7053,7 @@
             </a:ln>
             <a:extLst>
               <a:ext uri="{91240B29-F687-4f45-9708-019B960494DF}">
-                <a14:hiddenLine xmlns:a14="http://schemas.microsoft.com/office/drawing/2010/main" xmlns="" w="9525">
+                <a14:hiddenLine xmlns="" xmlns:a14="http://schemas.microsoft.com/office/drawing/2010/main" w="9525">
                   <a:solidFill>
                     <a:srgbClr val="000000"/>
                   </a:solidFill>
@@ -6696,7 +7143,7 @@
             </a:ln>
             <a:extLst>
               <a:ext uri="{91240B29-F687-4f45-9708-019B960494DF}">
-                <a14:hiddenLine xmlns:a14="http://schemas.microsoft.com/office/drawing/2010/main" xmlns="" w="9525">
+                <a14:hiddenLine xmlns="" xmlns:a14="http://schemas.microsoft.com/office/drawing/2010/main" w="9525">
                   <a:solidFill>
                     <a:srgbClr val="000000"/>
                   </a:solidFill>
@@ -6836,7 +7283,7 @@
           <a:p>
             <a:fld id="{D0D65A25-5B34-480B-8A82-D452FDC7444D}" type="datetimeFigureOut">
               <a:rPr lang="es-ES" smtClean="0"/>
-              <a:t>18/01/2022</a:t>
+              <a:t>01/02/2022</a:t>
             </a:fld>
             <a:endParaRPr lang="es-ES" dirty="0"/>
           </a:p>
@@ -7102,7 +7549,7 @@
           <a:p>
             <a:fld id="{D0D65A25-5B34-480B-8A82-D452FDC7444D}" type="datetimeFigureOut">
               <a:rPr lang="es-ES" smtClean="0"/>
-              <a:t>18/01/2022</a:t>
+              <a:t>01/02/2022</a:t>
             </a:fld>
             <a:endParaRPr lang="es-ES" dirty="0"/>
           </a:p>
@@ -7298,7 +7745,7 @@
           <a:p>
             <a:fld id="{D0D65A25-5B34-480B-8A82-D452FDC7444D}" type="datetimeFigureOut">
               <a:rPr lang="es-ES" smtClean="0"/>
-              <a:t>18/01/2022</a:t>
+              <a:t>01/02/2022</a:t>
             </a:fld>
             <a:endParaRPr lang="es-ES" dirty="0"/>
           </a:p>
@@ -7561,7 +8008,7 @@
           <a:p>
             <a:fld id="{D0D65A25-5B34-480B-8A82-D452FDC7444D}" type="datetimeFigureOut">
               <a:rPr lang="es-ES" smtClean="0"/>
-              <a:t>18/01/2022</a:t>
+              <a:t>01/02/2022</a:t>
             </a:fld>
             <a:endParaRPr lang="es-ES" dirty="0"/>
           </a:p>
@@ -7995,7 +8442,7 @@
           <a:p>
             <a:fld id="{D0D65A25-5B34-480B-8A82-D452FDC7444D}" type="datetimeFigureOut">
               <a:rPr lang="es-ES" smtClean="0"/>
-              <a:t>18/01/2022</a:t>
+              <a:t>01/02/2022</a:t>
             </a:fld>
             <a:endParaRPr lang="es-ES" dirty="0"/>
           </a:p>
@@ -8541,7 +8988,7 @@
           <a:p>
             <a:fld id="{D0D65A25-5B34-480B-8A82-D452FDC7444D}" type="datetimeFigureOut">
               <a:rPr lang="es-ES" smtClean="0"/>
-              <a:t>18/01/2022</a:t>
+              <a:t>01/02/2022</a:t>
             </a:fld>
             <a:endParaRPr lang="es-ES" dirty="0"/>
           </a:p>
@@ -9258,7 +9705,7 @@
           <a:p>
             <a:fld id="{D0D65A25-5B34-480B-8A82-D452FDC7444D}" type="datetimeFigureOut">
               <a:rPr lang="es-ES" smtClean="0"/>
-              <a:t>18/01/2022</a:t>
+              <a:t>01/02/2022</a:t>
             </a:fld>
             <a:endParaRPr lang="es-ES" dirty="0"/>
           </a:p>
@@ -9428,7 +9875,7 @@
           <a:p>
             <a:fld id="{D0D65A25-5B34-480B-8A82-D452FDC7444D}" type="datetimeFigureOut">
               <a:rPr lang="es-ES" smtClean="0"/>
-              <a:t>18/01/2022</a:t>
+              <a:t>01/02/2022</a:t>
             </a:fld>
             <a:endParaRPr lang="es-ES" dirty="0"/>
           </a:p>
@@ -9608,7 +10055,7 @@
           <a:p>
             <a:fld id="{D0D65A25-5B34-480B-8A82-D452FDC7444D}" type="datetimeFigureOut">
               <a:rPr lang="es-ES" smtClean="0"/>
-              <a:t>18/01/2022</a:t>
+              <a:t>01/02/2022</a:t>
             </a:fld>
             <a:endParaRPr lang="es-ES" dirty="0"/>
           </a:p>
@@ -9778,7 +10225,7 @@
           <a:p>
             <a:fld id="{D0D65A25-5B34-480B-8A82-D452FDC7444D}" type="datetimeFigureOut">
               <a:rPr lang="es-ES" smtClean="0"/>
-              <a:t>18/01/2022</a:t>
+              <a:t>01/02/2022</a:t>
             </a:fld>
             <a:endParaRPr lang="es-ES" dirty="0"/>
           </a:p>
@@ -10028,7 +10475,7 @@
           <a:p>
             <a:fld id="{D0D65A25-5B34-480B-8A82-D452FDC7444D}" type="datetimeFigureOut">
               <a:rPr lang="es-ES" smtClean="0"/>
-              <a:t>18/01/2022</a:t>
+              <a:t>01/02/2022</a:t>
             </a:fld>
             <a:endParaRPr lang="es-ES" dirty="0"/>
           </a:p>
@@ -10260,7 +10707,7 @@
           <a:p>
             <a:fld id="{D0D65A25-5B34-480B-8A82-D452FDC7444D}" type="datetimeFigureOut">
               <a:rPr lang="es-ES" smtClean="0"/>
-              <a:t>18/01/2022</a:t>
+              <a:t>01/02/2022</a:t>
             </a:fld>
             <a:endParaRPr lang="es-ES" dirty="0"/>
           </a:p>
@@ -10641,7 +11088,7 @@
           <a:p>
             <a:fld id="{D0D65A25-5B34-480B-8A82-D452FDC7444D}" type="datetimeFigureOut">
               <a:rPr lang="es-ES" smtClean="0"/>
-              <a:t>18/01/2022</a:t>
+              <a:t>01/02/2022</a:t>
             </a:fld>
             <a:endParaRPr lang="es-ES" dirty="0"/>
           </a:p>
@@ -10759,7 +11206,7 @@
           <a:p>
             <a:fld id="{D0D65A25-5B34-480B-8A82-D452FDC7444D}" type="datetimeFigureOut">
               <a:rPr lang="es-ES" smtClean="0"/>
-              <a:t>18/01/2022</a:t>
+              <a:t>01/02/2022</a:t>
             </a:fld>
             <a:endParaRPr lang="es-ES" dirty="0"/>
           </a:p>
@@ -10854,7 +11301,7 @@
           <a:p>
             <a:fld id="{D0D65A25-5B34-480B-8A82-D452FDC7444D}" type="datetimeFigureOut">
               <a:rPr lang="es-ES" smtClean="0"/>
-              <a:t>18/01/2022</a:t>
+              <a:t>01/02/2022</a:t>
             </a:fld>
             <a:endParaRPr lang="es-ES" dirty="0"/>
           </a:p>
@@ -11103,7 +11550,7 @@
           <a:p>
             <a:fld id="{D0D65A25-5B34-480B-8A82-D452FDC7444D}" type="datetimeFigureOut">
               <a:rPr lang="es-ES" smtClean="0"/>
-              <a:t>18/01/2022</a:t>
+              <a:t>01/02/2022</a:t>
             </a:fld>
             <a:endParaRPr lang="es-ES" dirty="0"/>
           </a:p>
@@ -11382,7 +11829,7 @@
           <a:p>
             <a:fld id="{D0D65A25-5B34-480B-8A82-D452FDC7444D}" type="datetimeFigureOut">
               <a:rPr lang="es-ES" smtClean="0"/>
-              <a:t>18/01/2022</a:t>
+              <a:t>01/02/2022</a:t>
             </a:fld>
             <a:endParaRPr lang="es-ES" dirty="0"/>
           </a:p>
@@ -11498,7 +11945,7 @@
           <a:noFill/>
           <a:extLst>
             <a:ext uri="{909E8E84-426E-40dd-AFC4-6F175D3DCCD1}">
-              <a14:hiddenFill xmlns:a14="http://schemas.microsoft.com/office/drawing/2010/main" xmlns="">
+              <a14:hiddenFill xmlns="" xmlns:a14="http://schemas.microsoft.com/office/drawing/2010/main">
                 <a:solidFill>
                   <a:srgbClr val="FFFFFF"/>
                 </a:solidFill>
@@ -11572,7 +12019,7 @@
               </a:ln>
               <a:extLst>
                 <a:ext uri="{91240B29-F687-4f45-9708-019B960494DF}">
-                  <a14:hiddenLine xmlns:a14="http://schemas.microsoft.com/office/drawing/2010/main" xmlns="" w="9525">
+                  <a14:hiddenLine xmlns="" xmlns:a14="http://schemas.microsoft.com/office/drawing/2010/main" w="9525">
                     <a:solidFill>
                       <a:srgbClr val="000000"/>
                     </a:solidFill>
@@ -11662,7 +12109,7 @@
               </a:ln>
               <a:extLst>
                 <a:ext uri="{91240B29-F687-4f45-9708-019B960494DF}">
-                  <a14:hiddenLine xmlns:a14="http://schemas.microsoft.com/office/drawing/2010/main" xmlns="" w="9525">
+                  <a14:hiddenLine xmlns="" xmlns:a14="http://schemas.microsoft.com/office/drawing/2010/main" w="9525">
                     <a:solidFill>
                       <a:srgbClr val="000000"/>
                     </a:solidFill>
@@ -11752,7 +12199,7 @@
               </a:ln>
               <a:extLst>
                 <a:ext uri="{91240B29-F687-4f45-9708-019B960494DF}">
-                  <a14:hiddenLine xmlns:a14="http://schemas.microsoft.com/office/drawing/2010/main" xmlns="" w="9525">
+                  <a14:hiddenLine xmlns="" xmlns:a14="http://schemas.microsoft.com/office/drawing/2010/main" w="9525">
                     <a:solidFill>
                       <a:srgbClr val="000000"/>
                     </a:solidFill>
@@ -11814,7 +12261,7 @@
               </a:ln>
               <a:extLst>
                 <a:ext uri="{91240B29-F687-4f45-9708-019B960494DF}">
-                  <a14:hiddenLine xmlns:a14="http://schemas.microsoft.com/office/drawing/2010/main" xmlns="" w="9525">
+                  <a14:hiddenLine xmlns="" xmlns:a14="http://schemas.microsoft.com/office/drawing/2010/main" w="9525">
                     <a:solidFill>
                       <a:srgbClr val="000000"/>
                     </a:solidFill>
@@ -11904,7 +12351,7 @@
               </a:ln>
               <a:extLst>
                 <a:ext uri="{91240B29-F687-4f45-9708-019B960494DF}">
-                  <a14:hiddenLine xmlns:a14="http://schemas.microsoft.com/office/drawing/2010/main" xmlns="" w="9525">
+                  <a14:hiddenLine xmlns="" xmlns:a14="http://schemas.microsoft.com/office/drawing/2010/main" w="9525">
                     <a:solidFill>
                       <a:srgbClr val="000000"/>
                     </a:solidFill>
@@ -11966,7 +12413,7 @@
               </a:ln>
               <a:extLst>
                 <a:ext uri="{91240B29-F687-4f45-9708-019B960494DF}">
-                  <a14:hiddenLine xmlns:a14="http://schemas.microsoft.com/office/drawing/2010/main" xmlns="" w="9525">
+                  <a14:hiddenLine xmlns="" xmlns:a14="http://schemas.microsoft.com/office/drawing/2010/main" w="9525">
                     <a:solidFill>
                       <a:srgbClr val="000000"/>
                     </a:solidFill>
@@ -12028,7 +12475,7 @@
               </a:ln>
               <a:extLst>
                 <a:ext uri="{91240B29-F687-4f45-9708-019B960494DF}">
-                  <a14:hiddenLine xmlns:a14="http://schemas.microsoft.com/office/drawing/2010/main" xmlns="" w="9525">
+                  <a14:hiddenLine xmlns="" xmlns:a14="http://schemas.microsoft.com/office/drawing/2010/main" w="9525">
                     <a:solidFill>
                       <a:srgbClr val="000000"/>
                     </a:solidFill>
@@ -12118,7 +12565,7 @@
               </a:ln>
               <a:extLst>
                 <a:ext uri="{91240B29-F687-4f45-9708-019B960494DF}">
-                  <a14:hiddenLine xmlns:a14="http://schemas.microsoft.com/office/drawing/2010/main" xmlns="" w="9525">
+                  <a14:hiddenLine xmlns="" xmlns:a14="http://schemas.microsoft.com/office/drawing/2010/main" w="9525">
                     <a:solidFill>
                       <a:srgbClr val="000000"/>
                     </a:solidFill>
@@ -12208,7 +12655,7 @@
               </a:ln>
               <a:extLst>
                 <a:ext uri="{91240B29-F687-4f45-9708-019B960494DF}">
-                  <a14:hiddenLine xmlns:a14="http://schemas.microsoft.com/office/drawing/2010/main" xmlns="" w="9525">
+                  <a14:hiddenLine xmlns="" xmlns:a14="http://schemas.microsoft.com/office/drawing/2010/main" w="9525">
                     <a:solidFill>
                       <a:srgbClr val="000000"/>
                     </a:solidFill>
@@ -12270,7 +12717,7 @@
               </a:ln>
               <a:extLst>
                 <a:ext uri="{91240B29-F687-4f45-9708-019B960494DF}">
-                  <a14:hiddenLine xmlns:a14="http://schemas.microsoft.com/office/drawing/2010/main" xmlns="" w="9525">
+                  <a14:hiddenLine xmlns="" xmlns:a14="http://schemas.microsoft.com/office/drawing/2010/main" w="9525">
                     <a:solidFill>
                       <a:srgbClr val="000000"/>
                     </a:solidFill>
@@ -12380,7 +12827,7 @@
               </a:ln>
               <a:extLst>
                 <a:ext uri="{91240B29-F687-4f45-9708-019B960494DF}">
-                  <a14:hiddenLine xmlns:a14="http://schemas.microsoft.com/office/drawing/2010/main" xmlns="" w="9525">
+                  <a14:hiddenLine xmlns="" xmlns:a14="http://schemas.microsoft.com/office/drawing/2010/main" w="9525">
                     <a:solidFill>
                       <a:srgbClr val="000000"/>
                     </a:solidFill>
@@ -12464,7 +12911,7 @@
               </a:ln>
               <a:extLst>
                 <a:ext uri="{91240B29-F687-4f45-9708-019B960494DF}">
-                  <a14:hiddenLine xmlns:a14="http://schemas.microsoft.com/office/drawing/2010/main" xmlns="" w="9525">
+                  <a14:hiddenLine xmlns="" xmlns:a14="http://schemas.microsoft.com/office/drawing/2010/main" w="9525">
                     <a:solidFill>
                       <a:srgbClr val="000000"/>
                     </a:solidFill>
@@ -12526,7 +12973,7 @@
               </a:ln>
               <a:extLst>
                 <a:ext uri="{91240B29-F687-4f45-9708-019B960494DF}">
-                  <a14:hiddenLine xmlns:a14="http://schemas.microsoft.com/office/drawing/2010/main" xmlns="" w="9525">
+                  <a14:hiddenLine xmlns="" xmlns:a14="http://schemas.microsoft.com/office/drawing/2010/main" w="9525">
                     <a:solidFill>
                       <a:srgbClr val="000000"/>
                     </a:solidFill>
@@ -12588,7 +13035,7 @@
               </a:ln>
               <a:extLst>
                 <a:ext uri="{91240B29-F687-4f45-9708-019B960494DF}">
-                  <a14:hiddenLine xmlns:a14="http://schemas.microsoft.com/office/drawing/2010/main" xmlns="" w="9525">
+                  <a14:hiddenLine xmlns="" xmlns:a14="http://schemas.microsoft.com/office/drawing/2010/main" w="9525">
                     <a:solidFill>
                       <a:srgbClr val="000000"/>
                     </a:solidFill>
@@ -12678,7 +13125,7 @@
               </a:ln>
               <a:extLst>
                 <a:ext uri="{91240B29-F687-4f45-9708-019B960494DF}">
-                  <a14:hiddenLine xmlns:a14="http://schemas.microsoft.com/office/drawing/2010/main" xmlns="" w="9525">
+                  <a14:hiddenLine xmlns="" xmlns:a14="http://schemas.microsoft.com/office/drawing/2010/main" w="9525">
                     <a:solidFill>
                       <a:srgbClr val="000000"/>
                     </a:solidFill>
@@ -12712,7 +13159,7 @@
               </a:ln>
               <a:extLst>
                 <a:ext uri="{91240B29-F687-4f45-9708-019B960494DF}">
-                  <a14:hiddenLine xmlns:a14="http://schemas.microsoft.com/office/drawing/2010/main" xmlns="" w="9525">
+                  <a14:hiddenLine xmlns="" xmlns:a14="http://schemas.microsoft.com/office/drawing/2010/main" w="9525">
                     <a:solidFill>
                       <a:srgbClr val="000000"/>
                     </a:solidFill>
@@ -12777,7 +13224,7 @@
               </a:ln>
               <a:extLst>
                 <a:ext uri="{91240B29-F687-4f45-9708-019B960494DF}">
-                  <a14:hiddenLine xmlns:a14="http://schemas.microsoft.com/office/drawing/2010/main" xmlns="" w="9525">
+                  <a14:hiddenLine xmlns="" xmlns:a14="http://schemas.microsoft.com/office/drawing/2010/main" w="9525">
                     <a:solidFill>
                       <a:srgbClr val="000000"/>
                     </a:solidFill>
@@ -12867,7 +13314,7 @@
               </a:ln>
               <a:extLst>
                 <a:ext uri="{91240B29-F687-4f45-9708-019B960494DF}">
-                  <a14:hiddenLine xmlns:a14="http://schemas.microsoft.com/office/drawing/2010/main" xmlns="" w="9525">
+                  <a14:hiddenLine xmlns="" xmlns:a14="http://schemas.microsoft.com/office/drawing/2010/main" w="9525">
                     <a:solidFill>
                       <a:srgbClr val="000000"/>
                     </a:solidFill>
@@ -12929,7 +13376,7 @@
               </a:ln>
               <a:extLst>
                 <a:ext uri="{91240B29-F687-4f45-9708-019B960494DF}">
-                  <a14:hiddenLine xmlns:a14="http://schemas.microsoft.com/office/drawing/2010/main" xmlns="" w="9525">
+                  <a14:hiddenLine xmlns="" xmlns:a14="http://schemas.microsoft.com/office/drawing/2010/main" w="9525">
                     <a:solidFill>
                       <a:srgbClr val="000000"/>
                     </a:solidFill>
@@ -13019,7 +13466,7 @@
               </a:ln>
               <a:extLst>
                 <a:ext uri="{91240B29-F687-4f45-9708-019B960494DF}">
-                  <a14:hiddenLine xmlns:a14="http://schemas.microsoft.com/office/drawing/2010/main" xmlns="" w="9525">
+                  <a14:hiddenLine xmlns="" xmlns:a14="http://schemas.microsoft.com/office/drawing/2010/main" w="9525">
                     <a:solidFill>
                       <a:srgbClr val="000000"/>
                     </a:solidFill>
@@ -13084,7 +13531,7 @@
               </a:ln>
               <a:extLst>
                 <a:ext uri="{91240B29-F687-4f45-9708-019B960494DF}">
-                  <a14:hiddenLine xmlns:a14="http://schemas.microsoft.com/office/drawing/2010/main" xmlns="" w="9525">
+                  <a14:hiddenLine xmlns="" xmlns:a14="http://schemas.microsoft.com/office/drawing/2010/main" w="9525">
                     <a:solidFill>
                       <a:srgbClr val="000000"/>
                     </a:solidFill>
@@ -13146,7 +13593,7 @@
               </a:ln>
               <a:extLst>
                 <a:ext uri="{91240B29-F687-4f45-9708-019B960494DF}">
-                  <a14:hiddenLine xmlns:a14="http://schemas.microsoft.com/office/drawing/2010/main" xmlns="" w="9525">
+                  <a14:hiddenLine xmlns="" xmlns:a14="http://schemas.microsoft.com/office/drawing/2010/main" w="9525">
                     <a:solidFill>
                       <a:srgbClr val="000000"/>
                     </a:solidFill>
@@ -13236,7 +13683,7 @@
               </a:ln>
               <a:extLst>
                 <a:ext uri="{91240B29-F687-4f45-9708-019B960494DF}">
-                  <a14:hiddenLine xmlns:a14="http://schemas.microsoft.com/office/drawing/2010/main" xmlns="" w="9525">
+                  <a14:hiddenLine xmlns="" xmlns:a14="http://schemas.microsoft.com/office/drawing/2010/main" w="9525">
                     <a:solidFill>
                       <a:srgbClr val="000000"/>
                     </a:solidFill>
@@ -13326,7 +13773,7 @@
               </a:ln>
               <a:extLst>
                 <a:ext uri="{91240B29-F687-4f45-9708-019B960494DF}">
-                  <a14:hiddenLine xmlns:a14="http://schemas.microsoft.com/office/drawing/2010/main" xmlns="" w="9525">
+                  <a14:hiddenLine xmlns="" xmlns:a14="http://schemas.microsoft.com/office/drawing/2010/main" w="9525">
                     <a:solidFill>
                       <a:srgbClr val="000000"/>
                     </a:solidFill>
@@ -13391,7 +13838,7 @@
               </a:ln>
               <a:extLst>
                 <a:ext uri="{91240B29-F687-4f45-9708-019B960494DF}">
-                  <a14:hiddenLine xmlns:a14="http://schemas.microsoft.com/office/drawing/2010/main" xmlns="" w="9525">
+                  <a14:hiddenLine xmlns="" xmlns:a14="http://schemas.microsoft.com/office/drawing/2010/main" w="9525">
                     <a:solidFill>
                       <a:srgbClr val="000000"/>
                     </a:solidFill>
@@ -13511,7 +13958,7 @@
               </a:ln>
               <a:extLst>
                 <a:ext uri="{91240B29-F687-4f45-9708-019B960494DF}">
-                  <a14:hiddenLine xmlns:a14="http://schemas.microsoft.com/office/drawing/2010/main" xmlns="" w="9525">
+                  <a14:hiddenLine xmlns="" xmlns:a14="http://schemas.microsoft.com/office/drawing/2010/main" w="9525">
                     <a:solidFill>
                       <a:srgbClr val="000000"/>
                     </a:solidFill>
@@ -13609,7 +14056,7 @@
               </a:ln>
               <a:extLst>
                 <a:ext uri="{91240B29-F687-4f45-9708-019B960494DF}">
-                  <a14:hiddenLine xmlns:a14="http://schemas.microsoft.com/office/drawing/2010/main" xmlns="" w="9525">
+                  <a14:hiddenLine xmlns="" xmlns:a14="http://schemas.microsoft.com/office/drawing/2010/main" w="9525">
                     <a:solidFill>
                       <a:srgbClr val="000000"/>
                     </a:solidFill>
@@ -13724,7 +14171,7 @@
               </a:ln>
               <a:extLst>
                 <a:ext uri="{91240B29-F687-4f45-9708-019B960494DF}">
-                  <a14:hiddenLine xmlns:a14="http://schemas.microsoft.com/office/drawing/2010/main" xmlns="" w="9525">
+                  <a14:hiddenLine xmlns="" xmlns:a14="http://schemas.microsoft.com/office/drawing/2010/main" w="9525">
                     <a:solidFill>
                       <a:srgbClr val="000000"/>
                     </a:solidFill>
@@ -13814,7 +14261,7 @@
               </a:ln>
               <a:extLst>
                 <a:ext uri="{91240B29-F687-4f45-9708-019B960494DF}">
-                  <a14:hiddenLine xmlns:a14="http://schemas.microsoft.com/office/drawing/2010/main" xmlns="" w="9525">
+                  <a14:hiddenLine xmlns="" xmlns:a14="http://schemas.microsoft.com/office/drawing/2010/main" w="9525">
                     <a:solidFill>
                       <a:srgbClr val="000000"/>
                     </a:solidFill>
@@ -13879,7 +14326,7 @@
               </a:ln>
               <a:extLst>
                 <a:ext uri="{91240B29-F687-4f45-9708-019B960494DF}">
-                  <a14:hiddenLine xmlns:a14="http://schemas.microsoft.com/office/drawing/2010/main" xmlns="" w="9525">
+                  <a14:hiddenLine xmlns="" xmlns:a14="http://schemas.microsoft.com/office/drawing/2010/main" w="9525">
                     <a:solidFill>
                       <a:srgbClr val="000000"/>
                     </a:solidFill>
@@ -13969,7 +14416,7 @@
               </a:ln>
               <a:extLst>
                 <a:ext uri="{91240B29-F687-4f45-9708-019B960494DF}">
-                  <a14:hiddenLine xmlns:a14="http://schemas.microsoft.com/office/drawing/2010/main" xmlns="" w="9525">
+                  <a14:hiddenLine xmlns="" xmlns:a14="http://schemas.microsoft.com/office/drawing/2010/main" w="9525">
                     <a:solidFill>
                       <a:srgbClr val="000000"/>
                     </a:solidFill>
@@ -14037,7 +14484,7 @@
               </a:ln>
               <a:extLst>
                 <a:ext uri="{91240B29-F687-4f45-9708-019B960494DF}">
-                  <a14:hiddenLine xmlns:a14="http://schemas.microsoft.com/office/drawing/2010/main" xmlns="" w="9525">
+                  <a14:hiddenLine xmlns="" xmlns:a14="http://schemas.microsoft.com/office/drawing/2010/main" w="9525">
                     <a:solidFill>
                       <a:srgbClr val="000000"/>
                     </a:solidFill>
@@ -14127,7 +14574,7 @@
               </a:ln>
               <a:extLst>
                 <a:ext uri="{91240B29-F687-4f45-9708-019B960494DF}">
-                  <a14:hiddenLine xmlns:a14="http://schemas.microsoft.com/office/drawing/2010/main" xmlns="" w="9525">
+                  <a14:hiddenLine xmlns="" xmlns:a14="http://schemas.microsoft.com/office/drawing/2010/main" w="9525">
                     <a:solidFill>
                       <a:srgbClr val="000000"/>
                     </a:solidFill>
@@ -14195,7 +14642,7 @@
               </a:ln>
               <a:extLst>
                 <a:ext uri="{91240B29-F687-4f45-9708-019B960494DF}">
-                  <a14:hiddenLine xmlns:a14="http://schemas.microsoft.com/office/drawing/2010/main" xmlns="" w="9525">
+                  <a14:hiddenLine xmlns="" xmlns:a14="http://schemas.microsoft.com/office/drawing/2010/main" w="9525">
                     <a:solidFill>
                       <a:srgbClr val="000000"/>
                     </a:solidFill>
@@ -14285,7 +14732,7 @@
               </a:ln>
               <a:extLst>
                 <a:ext uri="{91240B29-F687-4f45-9708-019B960494DF}">
-                  <a14:hiddenLine xmlns:a14="http://schemas.microsoft.com/office/drawing/2010/main" xmlns="" w="9525">
+                  <a14:hiddenLine xmlns="" xmlns:a14="http://schemas.microsoft.com/office/drawing/2010/main" w="9525">
                     <a:solidFill>
                       <a:srgbClr val="000000"/>
                     </a:solidFill>
@@ -14319,7 +14766,7 @@
               </a:ln>
               <a:extLst>
                 <a:ext uri="{91240B29-F687-4f45-9708-019B960494DF}">
-                  <a14:hiddenLine xmlns:a14="http://schemas.microsoft.com/office/drawing/2010/main" xmlns="" w="9525">
+                  <a14:hiddenLine xmlns="" xmlns:a14="http://schemas.microsoft.com/office/drawing/2010/main" w="9525">
                     <a:solidFill>
                       <a:srgbClr val="000000"/>
                     </a:solidFill>
@@ -14459,7 +14906,7 @@
           <a:p>
             <a:fld id="{D0D65A25-5B34-480B-8A82-D452FDC7444D}" type="datetimeFigureOut">
               <a:rPr lang="es-ES" smtClean="0"/>
-              <a:t>18/01/2022</a:t>
+              <a:t>01/02/2022</a:t>
             </a:fld>
             <a:endParaRPr lang="es-ES" dirty="0"/>
           </a:p>
@@ -16430,6 +16877,9 @@
   <p:clrMapOvr>
     <a:masterClrMapping/>
   </p:clrMapOvr>
+  <p:transition spd="slow">
+    <p:push dir="u"/>
+  </p:transition>
   <p:timing>
     <p:tnLst>
       <p:par>
@@ -18494,6 +18944,7 @@
           </a:bodyPr>
           <a:lstStyle/>
           <a:p>
+            <a:pPr algn="ctr"/>
             <a:r>
               <a:rPr lang="en-GB" dirty="0"/>
               <a:t>Live coding</a:t>
@@ -18545,6 +18996,741 @@
       </p:grpSpPr>
       <p:sp>
         <p:nvSpPr>
+          <p:cNvPr id="4" name="标题 1">
+            <a:extLst>
+              <a:ext uri="{FF2B5EF4-FFF2-40B4-BE49-F238E27FC236}">
+                <a16:creationId xmlns:a16="http://schemas.microsoft.com/office/drawing/2014/main" id="{88E1C844-5AAB-472C-9B07-82DE6E1E1188}"/>
+              </a:ext>
+            </a:extLst>
+          </p:cNvPr>
+          <p:cNvSpPr txBox="1">
+            <a:spLocks/>
+          </p:cNvSpPr>
+          <p:nvPr/>
+        </p:nvSpPr>
+        <p:spPr>
+          <a:xfrm>
+            <a:off x="1347890" y="2004865"/>
+            <a:ext cx="9905998" cy="1478570"/>
+          </a:xfrm>
+          <a:prstGeom prst="rect">
+            <a:avLst/>
+          </a:prstGeom>
+        </p:spPr>
+        <p:txBody>
+          <a:bodyPr vert="horz" lIns="91440" tIns="45720" rIns="91440" bIns="45720" rtlCol="0" anchor="b">
+            <a:normAutofit/>
+          </a:bodyPr>
+          <a:lstStyle>
+            <a:lvl1pPr algn="l" defTabSz="914400" rtl="0" eaLnBrk="1" latinLnBrk="0" hangingPunct="1">
+              <a:lnSpc>
+                <a:spcPct val="90000"/>
+              </a:lnSpc>
+              <a:spcBef>
+                <a:spcPct val="0"/>
+              </a:spcBef>
+              <a:buNone/>
+              <a:defRPr sz="3600" kern="1200" cap="all" baseline="0">
+                <a:solidFill>
+                  <a:schemeClr val="tx1"/>
+                </a:solidFill>
+                <a:latin typeface="+mj-lt"/>
+                <a:ea typeface="+mj-ea"/>
+                <a:cs typeface="+mj-cs"/>
+              </a:defRPr>
+            </a:lvl1pPr>
+          </a:lstStyle>
+          <a:p>
+            <a:pPr algn="ctr"/>
+            <a:r>
+              <a:rPr lang="en-US" dirty="0">
+                <a:solidFill>
+                  <a:schemeClr val="bg2"/>
+                </a:solidFill>
+                <a:latin typeface="Avenir Next" panose="020B0503020202020204"/>
+              </a:rPr>
+              <a:t>Random forest</a:t>
+            </a:r>
+          </a:p>
+        </p:txBody>
+      </p:sp>
+    </p:spTree>
+    <p:extLst>
+      <p:ext uri="{BB962C8B-B14F-4D97-AF65-F5344CB8AC3E}">
+        <p14:creationId xmlns:p14="http://schemas.microsoft.com/office/powerpoint/2010/main" val="4196402920"/>
+      </p:ext>
+    </p:extLst>
+  </p:cSld>
+  <p:clrMapOvr>
+    <a:masterClrMapping/>
+  </p:clrMapOvr>
+  <p:transition spd="med">
+    <p:pull/>
+  </p:transition>
+</p:sld>
+</file>
+
+<file path=ppt/slides/slide14.xml><?xml version="1.0" encoding="utf-8"?>
+<p:sld xmlns:a="http://schemas.openxmlformats.org/drawingml/2006/main" xmlns:r="http://schemas.openxmlformats.org/officeDocument/2006/relationships" xmlns:p="http://schemas.openxmlformats.org/presentationml/2006/main">
+  <p:cSld>
+    <p:spTree>
+      <p:nvGrpSpPr>
+        <p:cNvPr id="1" name=""/>
+        <p:cNvGrpSpPr/>
+        <p:nvPr/>
+      </p:nvGrpSpPr>
+      <p:grpSpPr>
+        <a:xfrm>
+          <a:off x="0" y="0"/>
+          <a:ext cx="0" cy="0"/>
+          <a:chOff x="0" y="0"/>
+          <a:chExt cx="0" cy="0"/>
+        </a:xfrm>
+      </p:grpSpPr>
+      <p:sp>
+        <p:nvSpPr>
+          <p:cNvPr id="2" name="Title 1">
+            <a:extLst>
+              <a:ext uri="{FF2B5EF4-FFF2-40B4-BE49-F238E27FC236}">
+                <a16:creationId xmlns:a16="http://schemas.microsoft.com/office/drawing/2014/main" id="{39FA6BAA-90B6-46BA-9A3B-7D22F3DFFB1C}"/>
+              </a:ext>
+            </a:extLst>
+          </p:cNvPr>
+          <p:cNvSpPr>
+            <a:spLocks noGrp="1"/>
+          </p:cNvSpPr>
+          <p:nvPr>
+            <p:ph type="title"/>
+          </p:nvPr>
+        </p:nvSpPr>
+        <p:spPr/>
+        <p:txBody>
+          <a:bodyPr/>
+          <a:lstStyle/>
+          <a:p>
+            <a:pPr algn="ctr"/>
+            <a:r>
+              <a:rPr lang="en-US" dirty="0"/>
+              <a:t>bagging</a:t>
+            </a:r>
+          </a:p>
+        </p:txBody>
+      </p:sp>
+      <p:sp>
+        <p:nvSpPr>
+          <p:cNvPr id="3" name="Content Placeholder 2">
+            <a:extLst>
+              <a:ext uri="{FF2B5EF4-FFF2-40B4-BE49-F238E27FC236}">
+                <a16:creationId xmlns:a16="http://schemas.microsoft.com/office/drawing/2014/main" id="{0A5C8ED0-CE87-49A1-9B24-7144EC9E66F7}"/>
+              </a:ext>
+            </a:extLst>
+          </p:cNvPr>
+          <p:cNvSpPr>
+            <a:spLocks noGrp="1"/>
+          </p:cNvSpPr>
+          <p:nvPr>
+            <p:ph idx="1"/>
+          </p:nvPr>
+        </p:nvSpPr>
+        <p:spPr/>
+        <p:txBody>
+          <a:bodyPr/>
+          <a:lstStyle/>
+          <a:p>
+            <a:r>
+              <a:rPr lang="en-US" dirty="0"/>
+              <a:t>Ensemble methods</a:t>
+            </a:r>
+          </a:p>
+          <a:p>
+            <a:r>
+              <a:rPr lang="en-US" dirty="0"/>
+              <a:t>Bagging = Bootstrap + Aggregation</a:t>
+            </a:r>
+          </a:p>
+          <a:p>
+            <a:r>
+              <a:rPr lang="en-US" dirty="0"/>
+              <a:t>Subset of data and features randomly with replacement</a:t>
+            </a:r>
+          </a:p>
+          <a:p>
+            <a:endParaRPr lang="en-US" dirty="0"/>
+          </a:p>
+          <a:p>
+            <a:endParaRPr lang="en-US" dirty="0"/>
+          </a:p>
+        </p:txBody>
+      </p:sp>
+    </p:spTree>
+    <p:extLst>
+      <p:ext uri="{BB962C8B-B14F-4D97-AF65-F5344CB8AC3E}">
+        <p14:creationId xmlns:p14="http://schemas.microsoft.com/office/powerpoint/2010/main" val="4054030806"/>
+      </p:ext>
+    </p:extLst>
+  </p:cSld>
+  <p:clrMapOvr>
+    <a:masterClrMapping/>
+  </p:clrMapOvr>
+  <p:transition spd="slow">
+    <p:push dir="u"/>
+  </p:transition>
+</p:sld>
+</file>
+
+<file path=ppt/slides/slide15.xml><?xml version="1.0" encoding="utf-8"?>
+<p:sld xmlns:a="http://schemas.openxmlformats.org/drawingml/2006/main" xmlns:r="http://schemas.openxmlformats.org/officeDocument/2006/relationships" xmlns:p="http://schemas.openxmlformats.org/presentationml/2006/main">
+  <p:cSld>
+    <p:spTree>
+      <p:nvGrpSpPr>
+        <p:cNvPr id="1" name=""/>
+        <p:cNvGrpSpPr/>
+        <p:nvPr/>
+      </p:nvGrpSpPr>
+      <p:grpSpPr>
+        <a:xfrm>
+          <a:off x="0" y="0"/>
+          <a:ext cx="0" cy="0"/>
+          <a:chOff x="0" y="0"/>
+          <a:chExt cx="0" cy="0"/>
+        </a:xfrm>
+      </p:grpSpPr>
+      <p:sp>
+        <p:nvSpPr>
+          <p:cNvPr id="2" name="Title 1">
+            <a:extLst>
+              <a:ext uri="{FF2B5EF4-FFF2-40B4-BE49-F238E27FC236}">
+                <a16:creationId xmlns:a16="http://schemas.microsoft.com/office/drawing/2014/main" id="{39FA6BAA-90B6-46BA-9A3B-7D22F3DFFB1C}"/>
+              </a:ext>
+            </a:extLst>
+          </p:cNvPr>
+          <p:cNvSpPr>
+            <a:spLocks noGrp="1"/>
+          </p:cNvSpPr>
+          <p:nvPr>
+            <p:ph type="title"/>
+          </p:nvPr>
+        </p:nvSpPr>
+        <p:spPr>
+          <a:xfrm>
+            <a:off x="1141413" y="618518"/>
+            <a:ext cx="9905998" cy="1478570"/>
+          </a:xfrm>
+        </p:spPr>
+        <p:txBody>
+          <a:bodyPr anchor="ctr">
+            <a:normAutofit/>
+          </a:bodyPr>
+          <a:lstStyle/>
+          <a:p>
+            <a:pPr algn="ctr"/>
+            <a:r>
+              <a:rPr lang="en-US" dirty="0"/>
+              <a:t>Decision forest</a:t>
+            </a:r>
+          </a:p>
+        </p:txBody>
+      </p:sp>
+      <p:sp>
+        <p:nvSpPr>
+          <p:cNvPr id="3" name="Content Placeholder 2">
+            <a:extLst>
+              <a:ext uri="{FF2B5EF4-FFF2-40B4-BE49-F238E27FC236}">
+                <a16:creationId xmlns:a16="http://schemas.microsoft.com/office/drawing/2014/main" id="{0A5C8ED0-CE87-49A1-9B24-7144EC9E66F7}"/>
+              </a:ext>
+            </a:extLst>
+          </p:cNvPr>
+          <p:cNvSpPr>
+            <a:spLocks noGrp="1"/>
+          </p:cNvSpPr>
+          <p:nvPr>
+            <p:ph sz="half" idx="1"/>
+          </p:nvPr>
+        </p:nvSpPr>
+        <p:spPr>
+          <a:xfrm>
+            <a:off x="1141410" y="2249486"/>
+            <a:ext cx="4878389" cy="3541714"/>
+          </a:xfrm>
+        </p:spPr>
+        <p:txBody>
+          <a:bodyPr>
+            <a:normAutofit/>
+          </a:bodyPr>
+          <a:lstStyle/>
+          <a:p>
+            <a:r>
+              <a:rPr lang="en-US" dirty="0"/>
+              <a:t>Bagging</a:t>
+            </a:r>
+          </a:p>
+          <a:p>
+            <a:r>
+              <a:rPr lang="en-US" dirty="0"/>
+              <a:t>Vote by majority the optimized split</a:t>
+            </a:r>
+          </a:p>
+          <a:p>
+            <a:r>
+              <a:rPr lang="en-US" dirty="0"/>
+              <a:t>More robust</a:t>
+            </a:r>
+          </a:p>
+          <a:p>
+            <a:endParaRPr lang="en-US" dirty="0"/>
+          </a:p>
+          <a:p>
+            <a:endParaRPr lang="en-US" dirty="0"/>
+          </a:p>
+        </p:txBody>
+      </p:sp>
+      <p:pic>
+        <p:nvPicPr>
+          <p:cNvPr id="5" name="Picture 4" descr="Chart, diagram, radar chart&#10;&#10;Description automatically generated">
+            <a:extLst>
+              <a:ext uri="{FF2B5EF4-FFF2-40B4-BE49-F238E27FC236}">
+                <a16:creationId xmlns:a16="http://schemas.microsoft.com/office/drawing/2014/main" id="{8BEEF8D1-96D4-4998-9A7B-4A86ADABBC92}"/>
+              </a:ext>
+            </a:extLst>
+          </p:cNvPr>
+          <p:cNvPicPr>
+            <a:picLocks noChangeAspect="1"/>
+          </p:cNvPicPr>
+          <p:nvPr/>
+        </p:nvPicPr>
+        <p:blipFill rotWithShape="1">
+          <a:blip r:embed="rId3">
+            <a:extLst>
+              <a:ext uri="{28A0092B-C50C-407E-A947-70E740481C1C}">
+                <a14:useLocalDpi xmlns:a14="http://schemas.microsoft.com/office/drawing/2010/main" val="0"/>
+              </a:ext>
+            </a:extLst>
+          </a:blip>
+          <a:srcRect l="1270" r="711"/>
+          <a:stretch/>
+        </p:blipFill>
+        <p:spPr>
+          <a:xfrm>
+            <a:off x="6287386" y="1962409"/>
+            <a:ext cx="4628707" cy="3541714"/>
+          </a:xfrm>
+          <a:prstGeom prst="rect">
+            <a:avLst/>
+          </a:prstGeom>
+          <a:noFill/>
+        </p:spPr>
+      </p:pic>
+      <p:sp>
+        <p:nvSpPr>
+          <p:cNvPr id="6" name="TextBox 5">
+            <a:extLst>
+              <a:ext uri="{FF2B5EF4-FFF2-40B4-BE49-F238E27FC236}">
+                <a16:creationId xmlns:a16="http://schemas.microsoft.com/office/drawing/2014/main" id="{779DDFBA-A3A8-4C03-B4E0-D026DF271D1D}"/>
+              </a:ext>
+            </a:extLst>
+          </p:cNvPr>
+          <p:cNvSpPr txBox="1"/>
+          <p:nvPr/>
+        </p:nvSpPr>
+        <p:spPr>
+          <a:xfrm>
+            <a:off x="6494720" y="5181142"/>
+            <a:ext cx="4788970" cy="461665"/>
+          </a:xfrm>
+          <a:prstGeom prst="rect">
+            <a:avLst/>
+          </a:prstGeom>
+          <a:noFill/>
+        </p:spPr>
+        <p:txBody>
+          <a:bodyPr wrap="square" rtlCol="0">
+            <a:spAutoFit/>
+          </a:bodyPr>
+          <a:lstStyle/>
+          <a:p>
+            <a:r>
+              <a:rPr lang="en-US" sz="1200" dirty="0">
+                <a:solidFill>
+                  <a:schemeClr val="bg1">
+                    <a:lumMod val="50000"/>
+                  </a:schemeClr>
+                </a:solidFill>
+              </a:rPr>
+              <a:t>Source: https://www.kdnuggets.com/2017/10/random-forests-explained.html</a:t>
+            </a:r>
+          </a:p>
+        </p:txBody>
+      </p:sp>
+    </p:spTree>
+    <p:extLst>
+      <p:ext uri="{BB962C8B-B14F-4D97-AF65-F5344CB8AC3E}">
+        <p14:creationId xmlns:p14="http://schemas.microsoft.com/office/powerpoint/2010/main" val="4203881851"/>
+      </p:ext>
+    </p:extLst>
+  </p:cSld>
+  <p:clrMapOvr>
+    <a:masterClrMapping/>
+  </p:clrMapOvr>
+  <p:transition spd="slow">
+    <p:push dir="u"/>
+  </p:transition>
+</p:sld>
+</file>
+
+<file path=ppt/slides/slide16.xml><?xml version="1.0" encoding="utf-8"?>
+<p:sld xmlns:a="http://schemas.openxmlformats.org/drawingml/2006/main" xmlns:r="http://schemas.openxmlformats.org/officeDocument/2006/relationships" xmlns:p="http://schemas.openxmlformats.org/presentationml/2006/main">
+  <p:cSld>
+    <p:spTree>
+      <p:nvGrpSpPr>
+        <p:cNvPr id="1" name=""/>
+        <p:cNvGrpSpPr/>
+        <p:nvPr/>
+      </p:nvGrpSpPr>
+      <p:grpSpPr>
+        <a:xfrm>
+          <a:off x="0" y="0"/>
+          <a:ext cx="0" cy="0"/>
+          <a:chOff x="0" y="0"/>
+          <a:chExt cx="0" cy="0"/>
+        </a:xfrm>
+      </p:grpSpPr>
+      <p:sp>
+        <p:nvSpPr>
+          <p:cNvPr id="2" name="Title 1">
+            <a:extLst>
+              <a:ext uri="{FF2B5EF4-FFF2-40B4-BE49-F238E27FC236}">
+                <a16:creationId xmlns:a16="http://schemas.microsoft.com/office/drawing/2014/main" id="{4ABC5BE4-E794-42E3-B101-52B4088075AF}"/>
+              </a:ext>
+            </a:extLst>
+          </p:cNvPr>
+          <p:cNvSpPr>
+            <a:spLocks noGrp="1"/>
+          </p:cNvSpPr>
+          <p:nvPr>
+            <p:ph type="title"/>
+          </p:nvPr>
+        </p:nvSpPr>
+        <p:spPr/>
+        <p:txBody>
+          <a:bodyPr/>
+          <a:lstStyle/>
+          <a:p>
+            <a:pPr algn="ctr"/>
+            <a:r>
+              <a:rPr lang="en-GB" dirty="0"/>
+              <a:t>Pros and cons</a:t>
+            </a:r>
+            <a:endParaRPr lang="en-US" dirty="0"/>
+          </a:p>
+        </p:txBody>
+      </p:sp>
+      <p:sp>
+        <p:nvSpPr>
+          <p:cNvPr id="3" name="Text Placeholder 2">
+            <a:extLst>
+              <a:ext uri="{FF2B5EF4-FFF2-40B4-BE49-F238E27FC236}">
+                <a16:creationId xmlns:a16="http://schemas.microsoft.com/office/drawing/2014/main" id="{B8345F90-AA07-4E0A-947E-0A412407B4C0}"/>
+              </a:ext>
+            </a:extLst>
+          </p:cNvPr>
+          <p:cNvSpPr>
+            <a:spLocks noGrp="1"/>
+          </p:cNvSpPr>
+          <p:nvPr>
+            <p:ph type="body" idx="1"/>
+          </p:nvPr>
+        </p:nvSpPr>
+        <p:spPr/>
+        <p:txBody>
+          <a:bodyPr/>
+          <a:lstStyle/>
+          <a:p>
+            <a:pPr algn="ctr"/>
+            <a:r>
+              <a:rPr lang="en-GB" dirty="0"/>
+              <a:t>Pros</a:t>
+            </a:r>
+            <a:endParaRPr lang="en-US" dirty="0"/>
+          </a:p>
+        </p:txBody>
+      </p:sp>
+      <p:sp>
+        <p:nvSpPr>
+          <p:cNvPr id="4" name="Content Placeholder 3">
+            <a:extLst>
+              <a:ext uri="{FF2B5EF4-FFF2-40B4-BE49-F238E27FC236}">
+                <a16:creationId xmlns:a16="http://schemas.microsoft.com/office/drawing/2014/main" id="{16E41B12-BF31-4F8A-A525-382D6974AAD8}"/>
+              </a:ext>
+            </a:extLst>
+          </p:cNvPr>
+          <p:cNvSpPr>
+            <a:spLocks noGrp="1"/>
+          </p:cNvSpPr>
+          <p:nvPr>
+            <p:ph sz="half" idx="2"/>
+          </p:nvPr>
+        </p:nvSpPr>
+        <p:spPr/>
+        <p:txBody>
+          <a:bodyPr>
+            <a:normAutofit/>
+          </a:bodyPr>
+          <a:lstStyle/>
+          <a:p>
+            <a:r>
+              <a:rPr lang="en-GB" sz="1800" dirty="0"/>
+              <a:t>Decrease overfitting and high variance</a:t>
+            </a:r>
+          </a:p>
+          <a:p>
+            <a:r>
+              <a:rPr lang="en-GB" sz="1800" dirty="0"/>
+              <a:t>Handles higher dimensionality data well</a:t>
+            </a:r>
+          </a:p>
+          <a:p>
+            <a:r>
+              <a:rPr lang="en-GB" sz="1800" dirty="0"/>
+              <a:t>Robust to missing values and maintains accuracy</a:t>
+            </a:r>
+          </a:p>
+          <a:p>
+            <a:endParaRPr lang="en-GB" sz="1800" dirty="0"/>
+          </a:p>
+        </p:txBody>
+      </p:sp>
+      <p:sp>
+        <p:nvSpPr>
+          <p:cNvPr id="5" name="Text Placeholder 4">
+            <a:extLst>
+              <a:ext uri="{FF2B5EF4-FFF2-40B4-BE49-F238E27FC236}">
+                <a16:creationId xmlns:a16="http://schemas.microsoft.com/office/drawing/2014/main" id="{7C365443-D584-4E49-9E47-8A991C5C64CE}"/>
+              </a:ext>
+            </a:extLst>
+          </p:cNvPr>
+          <p:cNvSpPr>
+            <a:spLocks noGrp="1"/>
+          </p:cNvSpPr>
+          <p:nvPr>
+            <p:ph type="body" sz="quarter" idx="3"/>
+          </p:nvPr>
+        </p:nvSpPr>
+        <p:spPr/>
+        <p:txBody>
+          <a:bodyPr/>
+          <a:lstStyle/>
+          <a:p>
+            <a:pPr algn="ctr"/>
+            <a:r>
+              <a:rPr lang="en-GB" dirty="0"/>
+              <a:t>Cons</a:t>
+            </a:r>
+            <a:endParaRPr lang="en-US" dirty="0"/>
+          </a:p>
+        </p:txBody>
+      </p:sp>
+      <p:sp>
+        <p:nvSpPr>
+          <p:cNvPr id="6" name="Content Placeholder 5">
+            <a:extLst>
+              <a:ext uri="{FF2B5EF4-FFF2-40B4-BE49-F238E27FC236}">
+                <a16:creationId xmlns:a16="http://schemas.microsoft.com/office/drawing/2014/main" id="{28369F63-A76E-4DEF-96BC-A5E393E64715}"/>
+              </a:ext>
+            </a:extLst>
+          </p:cNvPr>
+          <p:cNvSpPr>
+            <a:spLocks noGrp="1"/>
+          </p:cNvSpPr>
+          <p:nvPr>
+            <p:ph sz="quarter" idx="4"/>
+          </p:nvPr>
+        </p:nvSpPr>
+        <p:spPr/>
+        <p:txBody>
+          <a:bodyPr>
+            <a:normAutofit/>
+          </a:bodyPr>
+          <a:lstStyle/>
+          <a:p>
+            <a:r>
+              <a:rPr lang="en-GB" sz="1800" dirty="0"/>
+              <a:t>Inaccurate with regression predictions</a:t>
+            </a:r>
+          </a:p>
+          <a:p>
+            <a:endParaRPr lang="en-US" sz="1800" dirty="0"/>
+          </a:p>
+        </p:txBody>
+      </p:sp>
+    </p:spTree>
+    <p:extLst>
+      <p:ext uri="{BB962C8B-B14F-4D97-AF65-F5344CB8AC3E}">
+        <p14:creationId xmlns:p14="http://schemas.microsoft.com/office/powerpoint/2010/main" val="650632965"/>
+      </p:ext>
+    </p:extLst>
+  </p:cSld>
+  <p:clrMapOvr>
+    <a:masterClrMapping/>
+  </p:clrMapOvr>
+  <p:transition spd="slow">
+    <p:push dir="u"/>
+  </p:transition>
+</p:sld>
+</file>
+
+<file path=ppt/slides/slide17.xml><?xml version="1.0" encoding="utf-8"?>
+<p:sld xmlns:a="http://schemas.openxmlformats.org/drawingml/2006/main" xmlns:r="http://schemas.openxmlformats.org/officeDocument/2006/relationships" xmlns:p="http://schemas.openxmlformats.org/presentationml/2006/main">
+  <p:cSld>
+    <p:spTree>
+      <p:nvGrpSpPr>
+        <p:cNvPr id="1" name=""/>
+        <p:cNvGrpSpPr/>
+        <p:nvPr/>
+      </p:nvGrpSpPr>
+      <p:grpSpPr>
+        <a:xfrm>
+          <a:off x="0" y="0"/>
+          <a:ext cx="0" cy="0"/>
+          <a:chOff x="0" y="0"/>
+          <a:chExt cx="0" cy="0"/>
+        </a:xfrm>
+      </p:grpSpPr>
+      <p:pic>
+        <p:nvPicPr>
+          <p:cNvPr id="4" name="Picture 3" descr="A picture containing transport, satellite, night sky&#10;&#10;Description automatically generated">
+            <a:extLst>
+              <a:ext uri="{FF2B5EF4-FFF2-40B4-BE49-F238E27FC236}">
+                <a16:creationId xmlns:a16="http://schemas.microsoft.com/office/drawing/2014/main" id="{03098901-3E53-4F90-B835-FB5BD040DB1D}"/>
+              </a:ext>
+            </a:extLst>
+          </p:cNvPr>
+          <p:cNvPicPr>
+            <a:picLocks noChangeAspect="1"/>
+          </p:cNvPicPr>
+          <p:nvPr/>
+        </p:nvPicPr>
+        <p:blipFill rotWithShape="1">
+          <a:blip r:embed="rId3">
+            <a:extLst>
+              <a:ext uri="{28A0092B-C50C-407E-A947-70E740481C1C}">
+                <a14:useLocalDpi xmlns:a14="http://schemas.microsoft.com/office/drawing/2010/main" val="0"/>
+              </a:ext>
+            </a:extLst>
+          </a:blip>
+          <a:srcRect t="35130" b="11607"/>
+          <a:stretch/>
+        </p:blipFill>
+        <p:spPr>
+          <a:xfrm>
+            <a:off x="1141411" y="606426"/>
+            <a:ext cx="9912354" cy="3299778"/>
+          </a:xfrm>
+          <a:prstGeom prst="round2DiagRect">
+            <a:avLst>
+              <a:gd name="adj1" fmla="val 4860"/>
+              <a:gd name="adj2" fmla="val 0"/>
+            </a:avLst>
+          </a:prstGeom>
+          <a:noFill/>
+          <a:ln w="19050" cap="sq">
+            <a:solidFill>
+              <a:schemeClr val="tx2">
+                <a:lumMod val="60000"/>
+                <a:lumOff val="40000"/>
+                <a:alpha val="60000"/>
+              </a:schemeClr>
+            </a:solidFill>
+            <a:miter lim="800000"/>
+          </a:ln>
+          <a:effectLst>
+            <a:outerShdw blurRad="88900" dist="38100" dir="5400000" algn="t" rotWithShape="0">
+              <a:prstClr val="black">
+                <a:alpha val="40000"/>
+              </a:prstClr>
+            </a:outerShdw>
+          </a:effectLst>
+        </p:spPr>
+      </p:pic>
+      <p:sp>
+        <p:nvSpPr>
+          <p:cNvPr id="2" name="Title 1">
+            <a:extLst>
+              <a:ext uri="{FF2B5EF4-FFF2-40B4-BE49-F238E27FC236}">
+                <a16:creationId xmlns:a16="http://schemas.microsoft.com/office/drawing/2014/main" id="{78E9AE0E-9D47-4B15-B5D7-F81CA2BDB645}"/>
+              </a:ext>
+            </a:extLst>
+          </p:cNvPr>
+          <p:cNvSpPr>
+            <a:spLocks noGrp="1"/>
+          </p:cNvSpPr>
+          <p:nvPr>
+            <p:ph type="title"/>
+          </p:nvPr>
+        </p:nvSpPr>
+        <p:spPr>
+          <a:xfrm>
+            <a:off x="1141410" y="4304664"/>
+            <a:ext cx="9912355" cy="819355"/>
+          </a:xfrm>
+        </p:spPr>
+        <p:txBody>
+          <a:bodyPr anchor="b">
+            <a:normAutofit/>
+          </a:bodyPr>
+          <a:lstStyle/>
+          <a:p>
+            <a:pPr algn="ctr"/>
+            <a:r>
+              <a:rPr lang="en-GB" dirty="0"/>
+              <a:t>Live coding</a:t>
+            </a:r>
+            <a:r>
+              <a:rPr lang="es-ES" dirty="0"/>
+              <a:t>: </a:t>
+            </a:r>
+            <a:r>
+              <a:rPr lang="en-GB" dirty="0"/>
+              <a:t>titanic survival – decision forest</a:t>
+            </a:r>
+            <a:endParaRPr lang="en-US" dirty="0"/>
+          </a:p>
+        </p:txBody>
+      </p:sp>
+    </p:spTree>
+    <p:extLst>
+      <p:ext uri="{BB962C8B-B14F-4D97-AF65-F5344CB8AC3E}">
+        <p14:creationId xmlns:p14="http://schemas.microsoft.com/office/powerpoint/2010/main" val="3970435771"/>
+      </p:ext>
+    </p:extLst>
+  </p:cSld>
+  <p:clrMapOvr>
+    <a:masterClrMapping/>
+  </p:clrMapOvr>
+  <p:transition spd="slow">
+    <p:push dir="u"/>
+  </p:transition>
+</p:sld>
+</file>
+
+<file path=ppt/slides/slide18.xml><?xml version="1.0" encoding="utf-8"?>
+<p:sld xmlns:a="http://schemas.openxmlformats.org/drawingml/2006/main" xmlns:r="http://schemas.openxmlformats.org/officeDocument/2006/relationships" xmlns:p="http://schemas.openxmlformats.org/presentationml/2006/main">
+  <p:cSld>
+    <p:spTree>
+      <p:nvGrpSpPr>
+        <p:cNvPr id="1" name=""/>
+        <p:cNvGrpSpPr/>
+        <p:nvPr/>
+      </p:nvGrpSpPr>
+      <p:grpSpPr>
+        <a:xfrm>
+          <a:off x="0" y="0"/>
+          <a:ext cx="0" cy="0"/>
+          <a:chOff x="0" y="0"/>
+          <a:chExt cx="0" cy="0"/>
+        </a:xfrm>
+      </p:grpSpPr>
+      <p:sp>
+        <p:nvSpPr>
           <p:cNvPr id="2" name="Title 1">
             <a:extLst>
               <a:ext uri="{FF2B5EF4-FFF2-40B4-BE49-F238E27FC236}">
@@ -18595,75 +19781,51 @@
           <a:lstStyle/>
           <a:p>
             <a:r>
-              <a:rPr lang="en-GB" sz="1200" dirty="0">
-                <a:hlinkClick r:id="rId2"/>
-              </a:rPr>
+              <a:rPr lang="en-GB" sz="1200" dirty="0"/>
               <a:t>https://www.geeksforgeeks.org/decision-tree/?ref=rp</a:t>
             </a:r>
-            <a:endParaRPr lang="en-GB" sz="1200" dirty="0"/>
-          </a:p>
-          <a:p>
-            <a:r>
-              <a:rPr lang="en-GB" sz="1200" dirty="0">
-                <a:hlinkClick r:id="rId3"/>
-              </a:rPr>
+          </a:p>
+          <a:p>
+            <a:r>
+              <a:rPr lang="en-GB" sz="1200" dirty="0"/>
               <a:t>https://www.ryanxin.cn/archives/283</a:t>
             </a:r>
-            <a:endParaRPr lang="en-GB" sz="1200" dirty="0"/>
-          </a:p>
-          <a:p>
-            <a:r>
-              <a:rPr lang="en-GB" sz="1200" dirty="0">
-                <a:hlinkClick r:id="rId4"/>
-              </a:rPr>
+          </a:p>
+          <a:p>
+            <a:r>
+              <a:rPr lang="en-GB" sz="1200" dirty="0"/>
               <a:t>https://www.geeksforgeeks.org/decision-tree-introduction-example/</a:t>
             </a:r>
-            <a:endParaRPr lang="en-GB" sz="1200" dirty="0"/>
-          </a:p>
-          <a:p>
-            <a:r>
-              <a:rPr lang="en-GB" sz="1200" dirty="0">
-                <a:hlinkClick r:id="rId5"/>
-              </a:rPr>
+          </a:p>
+          <a:p>
+            <a:r>
+              <a:rPr lang="en-GB" sz="1200" dirty="0"/>
               <a:t>https://www.geeksforgeeks.org/decision-tree-implementation-python/</a:t>
             </a:r>
-            <a:endParaRPr lang="en-GB" sz="1200" dirty="0"/>
-          </a:p>
-          <a:p>
-            <a:r>
-              <a:rPr lang="en-GB" sz="1200" dirty="0">
-                <a:hlinkClick r:id="rId6"/>
-              </a:rPr>
+          </a:p>
+          <a:p>
+            <a:r>
+              <a:rPr lang="en-GB" sz="1200" dirty="0"/>
               <a:t>https://zhuanlan.zhihu.com/p/30059442</a:t>
             </a:r>
-            <a:endParaRPr lang="en-GB" sz="1200" dirty="0"/>
-          </a:p>
-          <a:p>
-            <a:r>
-              <a:rPr lang="en-GB" sz="1200" dirty="0">
-                <a:hlinkClick r:id="rId7"/>
-              </a:rPr>
+          </a:p>
+          <a:p>
+            <a:r>
+              <a:rPr lang="en-GB" sz="1200" dirty="0"/>
               <a:t>https://www.jianshu.com/p/655d8e555494</a:t>
             </a:r>
-            <a:endParaRPr lang="en-GB" sz="1200" dirty="0"/>
-          </a:p>
-          <a:p>
-            <a:r>
-              <a:rPr lang="en-GB" sz="1200" dirty="0">
-                <a:hlinkClick r:id="rId8"/>
-              </a:rPr>
+          </a:p>
+          <a:p>
+            <a:r>
+              <a:rPr lang="en-GB" sz="1200" dirty="0"/>
               <a:t>https://blog.csdn.net/jiaoyangwm/article/details/79525237</a:t>
             </a:r>
-            <a:endParaRPr lang="en-GB" sz="1200" dirty="0"/>
-          </a:p>
-          <a:p>
-            <a:r>
-              <a:rPr lang="en-GB" sz="1200">
-                <a:hlinkClick r:id="rId9"/>
-              </a:rPr>
+          </a:p>
+          <a:p>
+            <a:r>
+              <a:rPr lang="en-GB" sz="1200" dirty="0"/>
               <a:t>https://www.kaggle.com/c/titanic/overview</a:t>
             </a:r>
-            <a:endParaRPr lang="en-GB" sz="1200"/>
           </a:p>
           <a:p>
             <a:endParaRPr lang="en-GB" sz="1200" dirty="0"/>
@@ -19074,31 +20236,6 @@
           <a:chExt cx="0" cy="0"/>
         </a:xfrm>
       </p:grpSpPr>
-      <p:sp>
-        <p:nvSpPr>
-          <p:cNvPr id="3" name="Text Placeholder 2">
-            <a:extLst>
-              <a:ext uri="{FF2B5EF4-FFF2-40B4-BE49-F238E27FC236}">
-                <a16:creationId xmlns:a16="http://schemas.microsoft.com/office/drawing/2014/main" id="{04F04056-55A1-4FB5-A02A-AD9C69D8C07C}"/>
-              </a:ext>
-            </a:extLst>
-          </p:cNvPr>
-          <p:cNvSpPr>
-            <a:spLocks noGrp="1"/>
-          </p:cNvSpPr>
-          <p:nvPr>
-            <p:ph type="body" idx="1"/>
-          </p:nvPr>
-        </p:nvSpPr>
-        <p:spPr/>
-        <p:txBody>
-          <a:bodyPr/>
-          <a:lstStyle/>
-          <a:p>
-            <a:endParaRPr lang="en-GB" dirty="0"/>
-          </a:p>
-        </p:txBody>
-      </p:sp>
       <p:sp>
         <p:nvSpPr>
           <p:cNvPr id="4" name="标题 1">
@@ -20284,18 +21421,9 @@
   <p:clrMapOvr>
     <a:masterClrMapping/>
   </p:clrMapOvr>
-  <mc:AlternateContent xmlns:mc="http://schemas.openxmlformats.org/markup-compatibility/2006" xmlns:p14="http://schemas.microsoft.com/office/powerpoint/2010/main">
-    <mc:Choice Requires="p14">
-      <p:transition spd="slow" p14:dur="1500">
-        <p:split orient="vert"/>
-      </p:transition>
-    </mc:Choice>
-    <mc:Fallback xmlns="">
-      <p:transition spd="slow">
-        <p:split orient="vert"/>
-      </p:transition>
-    </mc:Fallback>
-  </mc:AlternateContent>
+  <p:transition spd="slow">
+    <p:push dir="u"/>
+  </p:transition>
   <p:timing>
     <p:tnLst>
       <p:par>

--- a/semester-2-2021-2022/week-6-decision-tree/Decision_Tree.pptx
+++ b/semester-2-2021-2022/week-6-decision-tree/Decision_Tree.pptx
@@ -5,7 +5,7 @@
     <p:sldMasterId id="2147483660" r:id="rId1"/>
   </p:sldMasterIdLst>
   <p:notesMasterIdLst>
-    <p:notesMasterId r:id="rId20"/>
+    <p:notesMasterId r:id="rId21"/>
   </p:notesMasterIdLst>
   <p:sldIdLst>
     <p:sldId id="256" r:id="rId2"/>
@@ -25,7 +25,8 @@
     <p:sldId id="275" r:id="rId16"/>
     <p:sldId id="276" r:id="rId17"/>
     <p:sldId id="277" r:id="rId18"/>
-    <p:sldId id="258" r:id="rId19"/>
+    <p:sldId id="278" r:id="rId19"/>
+    <p:sldId id="258" r:id="rId20"/>
   </p:sldIdLst>
   <p:sldSz cx="12192000" cy="6858000"/>
   <p:notesSz cx="6858000" cy="9144000"/>
@@ -1397,6 +1398,121 @@
 </p:notes>
 </file>
 
+<file path=ppt/notesSlides/notesSlide18.xml><?xml version="1.0" encoding="utf-8"?>
+<p:notes xmlns:a="http://schemas.openxmlformats.org/drawingml/2006/main" xmlns:r="http://schemas.openxmlformats.org/officeDocument/2006/relationships" xmlns:p="http://schemas.openxmlformats.org/presentationml/2006/main">
+  <p:cSld>
+    <p:spTree>
+      <p:nvGrpSpPr>
+        <p:cNvPr id="1" name=""/>
+        <p:cNvGrpSpPr/>
+        <p:nvPr/>
+      </p:nvGrpSpPr>
+      <p:grpSpPr>
+        <a:xfrm>
+          <a:off x="0" y="0"/>
+          <a:ext cx="0" cy="0"/>
+          <a:chOff x="0" y="0"/>
+          <a:chExt cx="0" cy="0"/>
+        </a:xfrm>
+      </p:grpSpPr>
+      <p:sp>
+        <p:nvSpPr>
+          <p:cNvPr id="2" name="Slide Image Placeholder 1"/>
+          <p:cNvSpPr>
+            <a:spLocks noGrp="1" noRot="1" noChangeAspect="1"/>
+          </p:cNvSpPr>
+          <p:nvPr>
+            <p:ph type="sldImg"/>
+          </p:nvPr>
+        </p:nvSpPr>
+        <p:spPr/>
+      </p:sp>
+      <p:sp>
+        <p:nvSpPr>
+          <p:cNvPr id="3" name="Notes Placeholder 2"/>
+          <p:cNvSpPr>
+            <a:spLocks noGrp="1"/>
+          </p:cNvSpPr>
+          <p:nvPr>
+            <p:ph type="body" idx="1"/>
+          </p:nvPr>
+        </p:nvSpPr>
+        <p:spPr/>
+        <p:txBody>
+          <a:bodyPr/>
+          <a:lstStyle/>
+          <a:p>
+            <a:pPr marL="0" marR="0" lvl="0" indent="0" algn="l" defTabSz="914400" rtl="0" eaLnBrk="1" fontAlgn="auto" latinLnBrk="0" hangingPunct="1">
+              <a:lnSpc>
+                <a:spcPct val="100000"/>
+              </a:lnSpc>
+              <a:spcBef>
+                <a:spcPts val="0"/>
+              </a:spcBef>
+              <a:spcAft>
+                <a:spcPts val="0"/>
+              </a:spcAft>
+              <a:buClrTx/>
+              <a:buSzTx/>
+              <a:buFontTx/>
+              <a:buNone/>
+              <a:tabLst/>
+              <a:defRPr/>
+            </a:pPr>
+            <a:r>
+              <a:rPr lang="en-US" dirty="0"/>
+              <a:t>And that brings to the end of today’s workshop. Please don’t be afraid to ask questions if any, I will try to answer them as I can </a:t>
+            </a:r>
+            <a:r>
+              <a:rPr lang="en-US" dirty="0" err="1"/>
+              <a:t>haha</a:t>
+            </a:r>
+            <a:r>
+              <a:rPr lang="en-US" dirty="0"/>
+              <a:t>.</a:t>
+            </a:r>
+          </a:p>
+          <a:p>
+            <a:endParaRPr lang="en-US" dirty="0"/>
+          </a:p>
+        </p:txBody>
+      </p:sp>
+      <p:sp>
+        <p:nvSpPr>
+          <p:cNvPr id="4" name="Slide Number Placeholder 3"/>
+          <p:cNvSpPr>
+            <a:spLocks noGrp="1"/>
+          </p:cNvSpPr>
+          <p:nvPr>
+            <p:ph type="sldNum" sz="quarter" idx="5"/>
+          </p:nvPr>
+        </p:nvSpPr>
+        <p:spPr/>
+        <p:txBody>
+          <a:bodyPr/>
+          <a:lstStyle/>
+          <a:p>
+            <a:fld id="{76682F04-6A67-4696-8350-ADB5B2C9822D}" type="slidenum">
+              <a:rPr lang="en-GB" smtClean="0"/>
+              <a:t>18</a:t>
+            </a:fld>
+            <a:endParaRPr lang="en-GB"/>
+          </a:p>
+        </p:txBody>
+      </p:sp>
+    </p:spTree>
+    <p:extLst>
+      <p:ext uri="{BB962C8B-B14F-4D97-AF65-F5344CB8AC3E}">
+        <p14:creationId xmlns:p14="http://schemas.microsoft.com/office/powerpoint/2010/main" val="193471804"/>
+      </p:ext>
+    </p:extLst>
+  </p:cSld>
+  <p:clrMapOvr>
+    <a:masterClrMapping/>
+  </p:clrMapOvr>
+</p:notes>
+</file>
+
 <file path=ppt/notesSlides/notesSlide2.xml><?xml version="1.0" encoding="utf-8"?>
 <p:notes xmlns:a="http://schemas.openxmlformats.org/drawingml/2006/main" xmlns:r="http://schemas.openxmlformats.org/officeDocument/2006/relationships" xmlns:p="http://schemas.openxmlformats.org/presentationml/2006/main">
   <p:cSld>
@@ -3057,7 +3173,7 @@
           <a:noFill/>
           <a:extLst>
             <a:ext uri="{909E8E84-426E-40dd-AFC4-6F175D3DCCD1}">
-              <a14:hiddenFill xmlns="" xmlns:a14="http://schemas.microsoft.com/office/drawing/2010/main">
+              <a14:hiddenFill xmlns:a14="http://schemas.microsoft.com/office/drawing/2010/main" xmlns="">
                 <a:solidFill>
                   <a:srgbClr val="FFFFFF"/>
                 </a:solidFill>
@@ -3117,7 +3233,7 @@
             </a:ln>
             <a:extLst>
               <a:ext uri="{91240B29-F687-4f45-9708-019B960494DF}">
-                <a14:hiddenLine xmlns="" xmlns:a14="http://schemas.microsoft.com/office/drawing/2010/main" w="9525">
+                <a14:hiddenLine xmlns:a14="http://schemas.microsoft.com/office/drawing/2010/main" xmlns="" w="9525">
                   <a:solidFill>
                     <a:srgbClr val="000000"/>
                   </a:solidFill>
@@ -3207,7 +3323,7 @@
             </a:ln>
             <a:extLst>
               <a:ext uri="{91240B29-F687-4f45-9708-019B960494DF}">
-                <a14:hiddenLine xmlns="" xmlns:a14="http://schemas.microsoft.com/office/drawing/2010/main" w="9525">
+                <a14:hiddenLine xmlns:a14="http://schemas.microsoft.com/office/drawing/2010/main" xmlns="" w="9525">
                   <a:solidFill>
                     <a:srgbClr val="000000"/>
                   </a:solidFill>
@@ -3297,7 +3413,7 @@
             </a:ln>
             <a:extLst>
               <a:ext uri="{91240B29-F687-4f45-9708-019B960494DF}">
-                <a14:hiddenLine xmlns="" xmlns:a14="http://schemas.microsoft.com/office/drawing/2010/main" w="9525">
+                <a14:hiddenLine xmlns:a14="http://schemas.microsoft.com/office/drawing/2010/main" xmlns="" w="9525">
                   <a:solidFill>
                     <a:srgbClr val="000000"/>
                   </a:solidFill>
@@ -3331,7 +3447,7 @@
             </a:ln>
             <a:extLst>
               <a:ext uri="{91240B29-F687-4f45-9708-019B960494DF}">
-                <a14:hiddenLine xmlns="" xmlns:a14="http://schemas.microsoft.com/office/drawing/2010/main" w="9525">
+                <a14:hiddenLine xmlns:a14="http://schemas.microsoft.com/office/drawing/2010/main" xmlns="" w="9525">
                   <a:solidFill>
                     <a:srgbClr val="000000"/>
                   </a:solidFill>
@@ -3421,7 +3537,7 @@
             </a:ln>
             <a:extLst>
               <a:ext uri="{91240B29-F687-4f45-9708-019B960494DF}">
-                <a14:hiddenLine xmlns="" xmlns:a14="http://schemas.microsoft.com/office/drawing/2010/main" w="9525">
+                <a14:hiddenLine xmlns:a14="http://schemas.microsoft.com/office/drawing/2010/main" xmlns="" w="9525">
                   <a:solidFill>
                     <a:srgbClr val="000000"/>
                   </a:solidFill>
@@ -3483,7 +3599,7 @@
             </a:ln>
             <a:extLst>
               <a:ext uri="{91240B29-F687-4f45-9708-019B960494DF}">
-                <a14:hiddenLine xmlns="" xmlns:a14="http://schemas.microsoft.com/office/drawing/2010/main" w="9525">
+                <a14:hiddenLine xmlns:a14="http://schemas.microsoft.com/office/drawing/2010/main" xmlns="" w="9525">
                   <a:solidFill>
                     <a:srgbClr val="000000"/>
                   </a:solidFill>
@@ -3545,7 +3661,7 @@
             </a:ln>
             <a:extLst>
               <a:ext uri="{91240B29-F687-4f45-9708-019B960494DF}">
-                <a14:hiddenLine xmlns="" xmlns:a14="http://schemas.microsoft.com/office/drawing/2010/main" w="9525">
+                <a14:hiddenLine xmlns:a14="http://schemas.microsoft.com/office/drawing/2010/main" xmlns="" w="9525">
                   <a:solidFill>
                     <a:srgbClr val="000000"/>
                   </a:solidFill>
@@ -3635,7 +3751,7 @@
             </a:ln>
             <a:extLst>
               <a:ext uri="{91240B29-F687-4f45-9708-019B960494DF}">
-                <a14:hiddenLine xmlns="" xmlns:a14="http://schemas.microsoft.com/office/drawing/2010/main" w="9525">
+                <a14:hiddenLine xmlns:a14="http://schemas.microsoft.com/office/drawing/2010/main" xmlns="" w="9525">
                   <a:solidFill>
                     <a:srgbClr val="000000"/>
                   </a:solidFill>
@@ -3697,7 +3813,7 @@
             </a:ln>
             <a:extLst>
               <a:ext uri="{91240B29-F687-4f45-9708-019B960494DF}">
-                <a14:hiddenLine xmlns="" xmlns:a14="http://schemas.microsoft.com/office/drawing/2010/main" w="9525">
+                <a14:hiddenLine xmlns:a14="http://schemas.microsoft.com/office/drawing/2010/main" xmlns="" w="9525">
                   <a:solidFill>
                     <a:srgbClr val="000000"/>
                   </a:solidFill>
@@ -3759,7 +3875,7 @@
             </a:ln>
             <a:extLst>
               <a:ext uri="{91240B29-F687-4f45-9708-019B960494DF}">
-                <a14:hiddenLine xmlns="" xmlns:a14="http://schemas.microsoft.com/office/drawing/2010/main" w="9525">
+                <a14:hiddenLine xmlns:a14="http://schemas.microsoft.com/office/drawing/2010/main" xmlns="" w="9525">
                   <a:solidFill>
                     <a:srgbClr val="000000"/>
                   </a:solidFill>
@@ -3849,7 +3965,7 @@
             </a:ln>
             <a:extLst>
               <a:ext uri="{91240B29-F687-4f45-9708-019B960494DF}">
-                <a14:hiddenLine xmlns="" xmlns:a14="http://schemas.microsoft.com/office/drawing/2010/main" w="9525">
+                <a14:hiddenLine xmlns:a14="http://schemas.microsoft.com/office/drawing/2010/main" xmlns="" w="9525">
                   <a:solidFill>
                     <a:srgbClr val="000000"/>
                   </a:solidFill>
@@ -3939,7 +4055,7 @@
             </a:ln>
             <a:extLst>
               <a:ext uri="{91240B29-F687-4f45-9708-019B960494DF}">
-                <a14:hiddenLine xmlns="" xmlns:a14="http://schemas.microsoft.com/office/drawing/2010/main" w="9525">
+                <a14:hiddenLine xmlns:a14="http://schemas.microsoft.com/office/drawing/2010/main" xmlns="" w="9525">
                   <a:solidFill>
                     <a:srgbClr val="000000"/>
                   </a:solidFill>
@@ -4001,7 +4117,7 @@
             </a:ln>
             <a:extLst>
               <a:ext uri="{91240B29-F687-4f45-9708-019B960494DF}">
-                <a14:hiddenLine xmlns="" xmlns:a14="http://schemas.microsoft.com/office/drawing/2010/main" w="9525">
+                <a14:hiddenLine xmlns:a14="http://schemas.microsoft.com/office/drawing/2010/main" xmlns="" w="9525">
                   <a:solidFill>
                     <a:srgbClr val="000000"/>
                   </a:solidFill>
@@ -4111,7 +4227,7 @@
             </a:ln>
             <a:extLst>
               <a:ext uri="{91240B29-F687-4f45-9708-019B960494DF}">
-                <a14:hiddenLine xmlns="" xmlns:a14="http://schemas.microsoft.com/office/drawing/2010/main" w="9525">
+                <a14:hiddenLine xmlns:a14="http://schemas.microsoft.com/office/drawing/2010/main" xmlns="" w="9525">
                   <a:solidFill>
                     <a:srgbClr val="000000"/>
                   </a:solidFill>
@@ -4173,7 +4289,7 @@
             </a:ln>
             <a:extLst>
               <a:ext uri="{91240B29-F687-4f45-9708-019B960494DF}">
-                <a14:hiddenLine xmlns="" xmlns:a14="http://schemas.microsoft.com/office/drawing/2010/main" w="9525">
+                <a14:hiddenLine xmlns:a14="http://schemas.microsoft.com/office/drawing/2010/main" xmlns="" w="9525">
                   <a:solidFill>
                     <a:srgbClr val="000000"/>
                   </a:solidFill>
@@ -4263,7 +4379,7 @@
             </a:ln>
             <a:extLst>
               <a:ext uri="{91240B29-F687-4f45-9708-019B960494DF}">
-                <a14:hiddenLine xmlns="" xmlns:a14="http://schemas.microsoft.com/office/drawing/2010/main" w="9525">
+                <a14:hiddenLine xmlns:a14="http://schemas.microsoft.com/office/drawing/2010/main" xmlns="" w="9525">
                   <a:solidFill>
                     <a:srgbClr val="000000"/>
                   </a:solidFill>
@@ -4353,7 +4469,7 @@
             </a:ln>
             <a:extLst>
               <a:ext uri="{91240B29-F687-4f45-9708-019B960494DF}">
-                <a14:hiddenLine xmlns="" xmlns:a14="http://schemas.microsoft.com/office/drawing/2010/main" w="9525">
+                <a14:hiddenLine xmlns:a14="http://schemas.microsoft.com/office/drawing/2010/main" xmlns="" w="9525">
                   <a:solidFill>
                     <a:srgbClr val="000000"/>
                   </a:solidFill>
@@ -4415,7 +4531,7 @@
             </a:ln>
             <a:extLst>
               <a:ext uri="{91240B29-F687-4f45-9708-019B960494DF}">
-                <a14:hiddenLine xmlns="" xmlns:a14="http://schemas.microsoft.com/office/drawing/2010/main" w="9525">
+                <a14:hiddenLine xmlns:a14="http://schemas.microsoft.com/office/drawing/2010/main" xmlns="" w="9525">
                   <a:solidFill>
                     <a:srgbClr val="000000"/>
                   </a:solidFill>
@@ -4505,7 +4621,7 @@
             </a:ln>
             <a:extLst>
               <a:ext uri="{91240B29-F687-4f45-9708-019B960494DF}">
-                <a14:hiddenLine xmlns="" xmlns:a14="http://schemas.microsoft.com/office/drawing/2010/main" w="9525">
+                <a14:hiddenLine xmlns:a14="http://schemas.microsoft.com/office/drawing/2010/main" xmlns="" w="9525">
                   <a:solidFill>
                     <a:srgbClr val="000000"/>
                   </a:solidFill>
@@ -4595,7 +4711,7 @@
             </a:ln>
             <a:extLst>
               <a:ext uri="{91240B29-F687-4f45-9708-019B960494DF}">
-                <a14:hiddenLine xmlns="" xmlns:a14="http://schemas.microsoft.com/office/drawing/2010/main" w="9525">
+                <a14:hiddenLine xmlns:a14="http://schemas.microsoft.com/office/drawing/2010/main" xmlns="" w="9525">
                   <a:solidFill>
                     <a:srgbClr val="000000"/>
                   </a:solidFill>
@@ -4651,7 +4767,7 @@
             </a:ln>
             <a:extLst>
               <a:ext uri="{91240B29-F687-4f45-9708-019B960494DF}">
-                <a14:hiddenLine xmlns="" xmlns:a14="http://schemas.microsoft.com/office/drawing/2010/main" w="9525">
+                <a14:hiddenLine xmlns:a14="http://schemas.microsoft.com/office/drawing/2010/main" xmlns="" w="9525">
                   <a:solidFill>
                     <a:srgbClr val="000000"/>
                   </a:solidFill>
@@ -4741,7 +4857,7 @@
             </a:ln>
             <a:extLst>
               <a:ext uri="{91240B29-F687-4f45-9708-019B960494DF}">
-                <a14:hiddenLine xmlns="" xmlns:a14="http://schemas.microsoft.com/office/drawing/2010/main" w="9525">
+                <a14:hiddenLine xmlns:a14="http://schemas.microsoft.com/office/drawing/2010/main" xmlns="" w="9525">
                   <a:solidFill>
                     <a:srgbClr val="000000"/>
                   </a:solidFill>
@@ -4797,7 +4913,7 @@
             </a:ln>
             <a:extLst>
               <a:ext uri="{91240B29-F687-4f45-9708-019B960494DF}">
-                <a14:hiddenLine xmlns="" xmlns:a14="http://schemas.microsoft.com/office/drawing/2010/main" w="9525">
+                <a14:hiddenLine xmlns:a14="http://schemas.microsoft.com/office/drawing/2010/main" xmlns="" w="9525">
                   <a:solidFill>
                     <a:srgbClr val="000000"/>
                   </a:solidFill>
@@ -4887,7 +5003,7 @@
             </a:ln>
             <a:extLst>
               <a:ext uri="{91240B29-F687-4f45-9708-019B960494DF}">
-                <a14:hiddenLine xmlns="" xmlns:a14="http://schemas.microsoft.com/office/drawing/2010/main" w="9525">
+                <a14:hiddenLine xmlns:a14="http://schemas.microsoft.com/office/drawing/2010/main" xmlns="" w="9525">
                   <a:solidFill>
                     <a:srgbClr val="000000"/>
                   </a:solidFill>
@@ -4955,7 +5071,7 @@
             </a:ln>
             <a:extLst>
               <a:ext uri="{91240B29-F687-4f45-9708-019B960494DF}">
-                <a14:hiddenLine xmlns="" xmlns:a14="http://schemas.microsoft.com/office/drawing/2010/main" w="9525">
+                <a14:hiddenLine xmlns:a14="http://schemas.microsoft.com/office/drawing/2010/main" xmlns="" w="9525">
                   <a:solidFill>
                     <a:srgbClr val="000000"/>
                   </a:solidFill>
@@ -5045,7 +5161,7 @@
             </a:ln>
             <a:extLst>
               <a:ext uri="{91240B29-F687-4f45-9708-019B960494DF}">
-                <a14:hiddenLine xmlns="" xmlns:a14="http://schemas.microsoft.com/office/drawing/2010/main" w="9525">
+                <a14:hiddenLine xmlns:a14="http://schemas.microsoft.com/office/drawing/2010/main" xmlns="" w="9525">
                   <a:solidFill>
                     <a:srgbClr val="000000"/>
                   </a:solidFill>
@@ -5113,7 +5229,7 @@
             </a:ln>
             <a:extLst>
               <a:ext uri="{91240B29-F687-4f45-9708-019B960494DF}">
-                <a14:hiddenLine xmlns="" xmlns:a14="http://schemas.microsoft.com/office/drawing/2010/main" w="9525">
+                <a14:hiddenLine xmlns:a14="http://schemas.microsoft.com/office/drawing/2010/main" xmlns="" w="9525">
                   <a:solidFill>
                     <a:srgbClr val="000000"/>
                   </a:solidFill>
@@ -5203,7 +5319,7 @@
             </a:ln>
             <a:extLst>
               <a:ext uri="{91240B29-F687-4f45-9708-019B960494DF}">
-                <a14:hiddenLine xmlns="" xmlns:a14="http://schemas.microsoft.com/office/drawing/2010/main" w="9525">
+                <a14:hiddenLine xmlns:a14="http://schemas.microsoft.com/office/drawing/2010/main" xmlns="" w="9525">
                   <a:solidFill>
                     <a:srgbClr val="000000"/>
                   </a:solidFill>
@@ -5237,7 +5353,7 @@
             </a:ln>
             <a:extLst>
               <a:ext uri="{91240B29-F687-4f45-9708-019B960494DF}">
-                <a14:hiddenLine xmlns="" xmlns:a14="http://schemas.microsoft.com/office/drawing/2010/main" w="9525">
+                <a14:hiddenLine xmlns:a14="http://schemas.microsoft.com/office/drawing/2010/main" xmlns="" w="9525">
                   <a:solidFill>
                     <a:srgbClr val="000000"/>
                   </a:solidFill>
@@ -5327,7 +5443,7 @@
             </a:ln>
             <a:extLst>
               <a:ext uri="{91240B29-F687-4f45-9708-019B960494DF}">
-                <a14:hiddenLine xmlns="" xmlns:a14="http://schemas.microsoft.com/office/drawing/2010/main" w="9525">
+                <a14:hiddenLine xmlns:a14="http://schemas.microsoft.com/office/drawing/2010/main" xmlns="" w="9525">
                   <a:solidFill>
                     <a:srgbClr val="000000"/>
                   </a:solidFill>
@@ -5389,7 +5505,7 @@
             </a:ln>
             <a:extLst>
               <a:ext uri="{91240B29-F687-4f45-9708-019B960494DF}">
-                <a14:hiddenLine xmlns="" xmlns:a14="http://schemas.microsoft.com/office/drawing/2010/main" w="9525">
+                <a14:hiddenLine xmlns:a14="http://schemas.microsoft.com/office/drawing/2010/main" xmlns="" w="9525">
                   <a:solidFill>
                     <a:srgbClr val="000000"/>
                   </a:solidFill>
@@ -5451,7 +5567,7 @@
             </a:ln>
             <a:extLst>
               <a:ext uri="{91240B29-F687-4f45-9708-019B960494DF}">
-                <a14:hiddenLine xmlns="" xmlns:a14="http://schemas.microsoft.com/office/drawing/2010/main" w="9525">
+                <a14:hiddenLine xmlns:a14="http://schemas.microsoft.com/office/drawing/2010/main" xmlns="" w="9525">
                   <a:solidFill>
                     <a:srgbClr val="000000"/>
                   </a:solidFill>
@@ -5541,7 +5657,7 @@
             </a:ln>
             <a:extLst>
               <a:ext uri="{91240B29-F687-4f45-9708-019B960494DF}">
-                <a14:hiddenLine xmlns="" xmlns:a14="http://schemas.microsoft.com/office/drawing/2010/main" w="9525">
+                <a14:hiddenLine xmlns:a14="http://schemas.microsoft.com/office/drawing/2010/main" xmlns="" w="9525">
                   <a:solidFill>
                     <a:srgbClr val="000000"/>
                   </a:solidFill>
@@ -5609,7 +5725,7 @@
             </a:ln>
             <a:extLst>
               <a:ext uri="{91240B29-F687-4f45-9708-019B960494DF}">
-                <a14:hiddenLine xmlns="" xmlns:a14="http://schemas.microsoft.com/office/drawing/2010/main" w="9525">
+                <a14:hiddenLine xmlns:a14="http://schemas.microsoft.com/office/drawing/2010/main" xmlns="" w="9525">
                   <a:solidFill>
                     <a:srgbClr val="000000"/>
                   </a:solidFill>
@@ -5671,7 +5787,7 @@
             </a:ln>
             <a:extLst>
               <a:ext uri="{91240B29-F687-4f45-9708-019B960494DF}">
-                <a14:hiddenLine xmlns="" xmlns:a14="http://schemas.microsoft.com/office/drawing/2010/main" w="9525">
+                <a14:hiddenLine xmlns:a14="http://schemas.microsoft.com/office/drawing/2010/main" xmlns="" w="9525">
                   <a:solidFill>
                     <a:srgbClr val="000000"/>
                   </a:solidFill>
@@ -5761,7 +5877,7 @@
             </a:ln>
             <a:extLst>
               <a:ext uri="{91240B29-F687-4f45-9708-019B960494DF}">
-                <a14:hiddenLine xmlns="" xmlns:a14="http://schemas.microsoft.com/office/drawing/2010/main" w="9525">
+                <a14:hiddenLine xmlns:a14="http://schemas.microsoft.com/office/drawing/2010/main" xmlns="" w="9525">
                   <a:solidFill>
                     <a:srgbClr val="000000"/>
                   </a:solidFill>
@@ -5823,7 +5939,7 @@
             </a:ln>
             <a:extLst>
               <a:ext uri="{91240B29-F687-4f45-9708-019B960494DF}">
-                <a14:hiddenLine xmlns="" xmlns:a14="http://schemas.microsoft.com/office/drawing/2010/main" w="9525">
+                <a14:hiddenLine xmlns:a14="http://schemas.microsoft.com/office/drawing/2010/main" xmlns="" w="9525">
                   <a:solidFill>
                     <a:srgbClr val="000000"/>
                   </a:solidFill>
@@ -5913,7 +6029,7 @@
             </a:ln>
             <a:extLst>
               <a:ext uri="{91240B29-F687-4f45-9708-019B960494DF}">
-                <a14:hiddenLine xmlns="" xmlns:a14="http://schemas.microsoft.com/office/drawing/2010/main" w="9525">
+                <a14:hiddenLine xmlns:a14="http://schemas.microsoft.com/office/drawing/2010/main" xmlns="" w="9525">
                   <a:solidFill>
                     <a:srgbClr val="000000"/>
                   </a:solidFill>
@@ -5975,7 +6091,7 @@
             </a:ln>
             <a:extLst>
               <a:ext uri="{91240B29-F687-4f45-9708-019B960494DF}">
-                <a14:hiddenLine xmlns="" xmlns:a14="http://schemas.microsoft.com/office/drawing/2010/main" w="9525">
+                <a14:hiddenLine xmlns:a14="http://schemas.microsoft.com/office/drawing/2010/main" xmlns="" w="9525">
                   <a:solidFill>
                     <a:srgbClr val="000000"/>
                   </a:solidFill>
@@ -6065,7 +6181,7 @@
             </a:ln>
             <a:extLst>
               <a:ext uri="{91240B29-F687-4f45-9708-019B960494DF}">
-                <a14:hiddenLine xmlns="" xmlns:a14="http://schemas.microsoft.com/office/drawing/2010/main" w="9525">
+                <a14:hiddenLine xmlns:a14="http://schemas.microsoft.com/office/drawing/2010/main" xmlns="" w="9525">
                   <a:solidFill>
                     <a:srgbClr val="000000"/>
                   </a:solidFill>
@@ -6099,7 +6215,7 @@
             </a:ln>
             <a:extLst>
               <a:ext uri="{91240B29-F687-4f45-9708-019B960494DF}">
-                <a14:hiddenLine xmlns="" xmlns:a14="http://schemas.microsoft.com/office/drawing/2010/main" w="9525">
+                <a14:hiddenLine xmlns:a14="http://schemas.microsoft.com/office/drawing/2010/main" xmlns="" w="9525">
                   <a:solidFill>
                     <a:srgbClr val="000000"/>
                   </a:solidFill>
@@ -6164,7 +6280,7 @@
             </a:ln>
             <a:extLst>
               <a:ext uri="{91240B29-F687-4f45-9708-019B960494DF}">
-                <a14:hiddenLine xmlns="" xmlns:a14="http://schemas.microsoft.com/office/drawing/2010/main" w="9525">
+                <a14:hiddenLine xmlns:a14="http://schemas.microsoft.com/office/drawing/2010/main" xmlns="" w="9525">
                   <a:solidFill>
                     <a:srgbClr val="000000"/>
                   </a:solidFill>
@@ -6254,7 +6370,7 @@
             </a:ln>
             <a:extLst>
               <a:ext uri="{91240B29-F687-4f45-9708-019B960494DF}">
-                <a14:hiddenLine xmlns="" xmlns:a14="http://schemas.microsoft.com/office/drawing/2010/main" w="9525">
+                <a14:hiddenLine xmlns:a14="http://schemas.microsoft.com/office/drawing/2010/main" xmlns="" w="9525">
                   <a:solidFill>
                     <a:srgbClr val="000000"/>
                   </a:solidFill>
@@ -6316,7 +6432,7 @@
             </a:ln>
             <a:extLst>
               <a:ext uri="{91240B29-F687-4f45-9708-019B960494DF}">
-                <a14:hiddenLine xmlns="" xmlns:a14="http://schemas.microsoft.com/office/drawing/2010/main" w="9525">
+                <a14:hiddenLine xmlns:a14="http://schemas.microsoft.com/office/drawing/2010/main" xmlns="" w="9525">
                   <a:solidFill>
                     <a:srgbClr val="000000"/>
                   </a:solidFill>
@@ -6406,7 +6522,7 @@
             </a:ln>
             <a:extLst>
               <a:ext uri="{91240B29-F687-4f45-9708-019B960494DF}">
-                <a14:hiddenLine xmlns="" xmlns:a14="http://schemas.microsoft.com/office/drawing/2010/main" w="9525">
+                <a14:hiddenLine xmlns:a14="http://schemas.microsoft.com/office/drawing/2010/main" xmlns="" w="9525">
                   <a:solidFill>
                     <a:srgbClr val="000000"/>
                   </a:solidFill>
@@ -6496,7 +6612,7 @@
             </a:ln>
             <a:extLst>
               <a:ext uri="{91240B29-F687-4f45-9708-019B960494DF}">
-                <a14:hiddenLine xmlns="" xmlns:a14="http://schemas.microsoft.com/office/drawing/2010/main" w="9525">
+                <a14:hiddenLine xmlns:a14="http://schemas.microsoft.com/office/drawing/2010/main" xmlns="" w="9525">
                   <a:solidFill>
                     <a:srgbClr val="000000"/>
                   </a:solidFill>
@@ -6561,7 +6677,7 @@
             </a:ln>
             <a:extLst>
               <a:ext uri="{91240B29-F687-4f45-9708-019B960494DF}">
-                <a14:hiddenLine xmlns="" xmlns:a14="http://schemas.microsoft.com/office/drawing/2010/main" w="9525">
+                <a14:hiddenLine xmlns:a14="http://schemas.microsoft.com/office/drawing/2010/main" xmlns="" w="9525">
                   <a:solidFill>
                     <a:srgbClr val="000000"/>
                   </a:solidFill>
@@ -6623,7 +6739,7 @@
             </a:ln>
             <a:extLst>
               <a:ext uri="{91240B29-F687-4f45-9708-019B960494DF}">
-                <a14:hiddenLine xmlns="" xmlns:a14="http://schemas.microsoft.com/office/drawing/2010/main" w="9525">
+                <a14:hiddenLine xmlns:a14="http://schemas.microsoft.com/office/drawing/2010/main" xmlns="" w="9525">
                   <a:solidFill>
                     <a:srgbClr val="000000"/>
                   </a:solidFill>
@@ -6713,7 +6829,7 @@
             </a:ln>
             <a:extLst>
               <a:ext uri="{91240B29-F687-4f45-9708-019B960494DF}">
-                <a14:hiddenLine xmlns="" xmlns:a14="http://schemas.microsoft.com/office/drawing/2010/main" w="9525">
+                <a14:hiddenLine xmlns:a14="http://schemas.microsoft.com/office/drawing/2010/main" xmlns="" w="9525">
                   <a:solidFill>
                     <a:srgbClr val="000000"/>
                   </a:solidFill>
@@ -6803,7 +6919,7 @@
             </a:ln>
             <a:extLst>
               <a:ext uri="{91240B29-F687-4f45-9708-019B960494DF}">
-                <a14:hiddenLine xmlns="" xmlns:a14="http://schemas.microsoft.com/office/drawing/2010/main" w="9525">
+                <a14:hiddenLine xmlns:a14="http://schemas.microsoft.com/office/drawing/2010/main" xmlns="" w="9525">
                   <a:solidFill>
                     <a:srgbClr val="000000"/>
                   </a:solidFill>
@@ -6865,7 +6981,7 @@
             </a:ln>
             <a:extLst>
               <a:ext uri="{91240B29-F687-4f45-9708-019B960494DF}">
-                <a14:hiddenLine xmlns="" xmlns:a14="http://schemas.microsoft.com/office/drawing/2010/main" w="9525">
+                <a14:hiddenLine xmlns:a14="http://schemas.microsoft.com/office/drawing/2010/main" xmlns="" w="9525">
                   <a:solidFill>
                     <a:srgbClr val="000000"/>
                   </a:solidFill>
@@ -6985,7 +7101,7 @@
             </a:ln>
             <a:extLst>
               <a:ext uri="{91240B29-F687-4f45-9708-019B960494DF}">
-                <a14:hiddenLine xmlns="" xmlns:a14="http://schemas.microsoft.com/office/drawing/2010/main" w="9525">
+                <a14:hiddenLine xmlns:a14="http://schemas.microsoft.com/office/drawing/2010/main" xmlns="" w="9525">
                   <a:solidFill>
                     <a:srgbClr val="000000"/>
                   </a:solidFill>
@@ -7053,7 +7169,7 @@
             </a:ln>
             <a:extLst>
               <a:ext uri="{91240B29-F687-4f45-9708-019B960494DF}">
-                <a14:hiddenLine xmlns="" xmlns:a14="http://schemas.microsoft.com/office/drawing/2010/main" w="9525">
+                <a14:hiddenLine xmlns:a14="http://schemas.microsoft.com/office/drawing/2010/main" xmlns="" w="9525">
                   <a:solidFill>
                     <a:srgbClr val="000000"/>
                   </a:solidFill>
@@ -7143,7 +7259,7 @@
             </a:ln>
             <a:extLst>
               <a:ext uri="{91240B29-F687-4f45-9708-019B960494DF}">
-                <a14:hiddenLine xmlns="" xmlns:a14="http://schemas.microsoft.com/office/drawing/2010/main" w="9525">
+                <a14:hiddenLine xmlns:a14="http://schemas.microsoft.com/office/drawing/2010/main" xmlns="" w="9525">
                   <a:solidFill>
                     <a:srgbClr val="000000"/>
                   </a:solidFill>
@@ -11945,7 +12061,7 @@
           <a:noFill/>
           <a:extLst>
             <a:ext uri="{909E8E84-426E-40dd-AFC4-6F175D3DCCD1}">
-              <a14:hiddenFill xmlns="" xmlns:a14="http://schemas.microsoft.com/office/drawing/2010/main">
+              <a14:hiddenFill xmlns:a14="http://schemas.microsoft.com/office/drawing/2010/main" xmlns="">
                 <a:solidFill>
                   <a:srgbClr val="FFFFFF"/>
                 </a:solidFill>
@@ -12019,7 +12135,7 @@
               </a:ln>
               <a:extLst>
                 <a:ext uri="{91240B29-F687-4f45-9708-019B960494DF}">
-                  <a14:hiddenLine xmlns="" xmlns:a14="http://schemas.microsoft.com/office/drawing/2010/main" w="9525">
+                  <a14:hiddenLine xmlns:a14="http://schemas.microsoft.com/office/drawing/2010/main" xmlns="" w="9525">
                     <a:solidFill>
                       <a:srgbClr val="000000"/>
                     </a:solidFill>
@@ -12109,7 +12225,7 @@
               </a:ln>
               <a:extLst>
                 <a:ext uri="{91240B29-F687-4f45-9708-019B960494DF}">
-                  <a14:hiddenLine xmlns="" xmlns:a14="http://schemas.microsoft.com/office/drawing/2010/main" w="9525">
+                  <a14:hiddenLine xmlns:a14="http://schemas.microsoft.com/office/drawing/2010/main" xmlns="" w="9525">
                     <a:solidFill>
                       <a:srgbClr val="000000"/>
                     </a:solidFill>
@@ -12199,7 +12315,7 @@
               </a:ln>
               <a:extLst>
                 <a:ext uri="{91240B29-F687-4f45-9708-019B960494DF}">
-                  <a14:hiddenLine xmlns="" xmlns:a14="http://schemas.microsoft.com/office/drawing/2010/main" w="9525">
+                  <a14:hiddenLine xmlns:a14="http://schemas.microsoft.com/office/drawing/2010/main" xmlns="" w="9525">
                     <a:solidFill>
                       <a:srgbClr val="000000"/>
                     </a:solidFill>
@@ -12261,7 +12377,7 @@
               </a:ln>
               <a:extLst>
                 <a:ext uri="{91240B29-F687-4f45-9708-019B960494DF}">
-                  <a14:hiddenLine xmlns="" xmlns:a14="http://schemas.microsoft.com/office/drawing/2010/main" w="9525">
+                  <a14:hiddenLine xmlns:a14="http://schemas.microsoft.com/office/drawing/2010/main" xmlns="" w="9525">
                     <a:solidFill>
                       <a:srgbClr val="000000"/>
                     </a:solidFill>
@@ -12351,7 +12467,7 @@
               </a:ln>
               <a:extLst>
                 <a:ext uri="{91240B29-F687-4f45-9708-019B960494DF}">
-                  <a14:hiddenLine xmlns="" xmlns:a14="http://schemas.microsoft.com/office/drawing/2010/main" w="9525">
+                  <a14:hiddenLine xmlns:a14="http://schemas.microsoft.com/office/drawing/2010/main" xmlns="" w="9525">
                     <a:solidFill>
                       <a:srgbClr val="000000"/>
                     </a:solidFill>
@@ -12413,7 +12529,7 @@
               </a:ln>
               <a:extLst>
                 <a:ext uri="{91240B29-F687-4f45-9708-019B960494DF}">
-                  <a14:hiddenLine xmlns="" xmlns:a14="http://schemas.microsoft.com/office/drawing/2010/main" w="9525">
+                  <a14:hiddenLine xmlns:a14="http://schemas.microsoft.com/office/drawing/2010/main" xmlns="" w="9525">
                     <a:solidFill>
                       <a:srgbClr val="000000"/>
                     </a:solidFill>
@@ -12475,7 +12591,7 @@
               </a:ln>
               <a:extLst>
                 <a:ext uri="{91240B29-F687-4f45-9708-019B960494DF}">
-                  <a14:hiddenLine xmlns="" xmlns:a14="http://schemas.microsoft.com/office/drawing/2010/main" w="9525">
+                  <a14:hiddenLine xmlns:a14="http://schemas.microsoft.com/office/drawing/2010/main" xmlns="" w="9525">
                     <a:solidFill>
                       <a:srgbClr val="000000"/>
                     </a:solidFill>
@@ -12565,7 +12681,7 @@
               </a:ln>
               <a:extLst>
                 <a:ext uri="{91240B29-F687-4f45-9708-019B960494DF}">
-                  <a14:hiddenLine xmlns="" xmlns:a14="http://schemas.microsoft.com/office/drawing/2010/main" w="9525">
+                  <a14:hiddenLine xmlns:a14="http://schemas.microsoft.com/office/drawing/2010/main" xmlns="" w="9525">
                     <a:solidFill>
                       <a:srgbClr val="000000"/>
                     </a:solidFill>
@@ -12655,7 +12771,7 @@
               </a:ln>
               <a:extLst>
                 <a:ext uri="{91240B29-F687-4f45-9708-019B960494DF}">
-                  <a14:hiddenLine xmlns="" xmlns:a14="http://schemas.microsoft.com/office/drawing/2010/main" w="9525">
+                  <a14:hiddenLine xmlns:a14="http://schemas.microsoft.com/office/drawing/2010/main" xmlns="" w="9525">
                     <a:solidFill>
                       <a:srgbClr val="000000"/>
                     </a:solidFill>
@@ -12717,7 +12833,7 @@
               </a:ln>
               <a:extLst>
                 <a:ext uri="{91240B29-F687-4f45-9708-019B960494DF}">
-                  <a14:hiddenLine xmlns="" xmlns:a14="http://schemas.microsoft.com/office/drawing/2010/main" w="9525">
+                  <a14:hiddenLine xmlns:a14="http://schemas.microsoft.com/office/drawing/2010/main" xmlns="" w="9525">
                     <a:solidFill>
                       <a:srgbClr val="000000"/>
                     </a:solidFill>
@@ -12827,7 +12943,7 @@
               </a:ln>
               <a:extLst>
                 <a:ext uri="{91240B29-F687-4f45-9708-019B960494DF}">
-                  <a14:hiddenLine xmlns="" xmlns:a14="http://schemas.microsoft.com/office/drawing/2010/main" w="9525">
+                  <a14:hiddenLine xmlns:a14="http://schemas.microsoft.com/office/drawing/2010/main" xmlns="" w="9525">
                     <a:solidFill>
                       <a:srgbClr val="000000"/>
                     </a:solidFill>
@@ -12911,7 +13027,7 @@
               </a:ln>
               <a:extLst>
                 <a:ext uri="{91240B29-F687-4f45-9708-019B960494DF}">
-                  <a14:hiddenLine xmlns="" xmlns:a14="http://schemas.microsoft.com/office/drawing/2010/main" w="9525">
+                  <a14:hiddenLine xmlns:a14="http://schemas.microsoft.com/office/drawing/2010/main" xmlns="" w="9525">
                     <a:solidFill>
                       <a:srgbClr val="000000"/>
                     </a:solidFill>
@@ -12973,7 +13089,7 @@
               </a:ln>
               <a:extLst>
                 <a:ext uri="{91240B29-F687-4f45-9708-019B960494DF}">
-                  <a14:hiddenLine xmlns="" xmlns:a14="http://schemas.microsoft.com/office/drawing/2010/main" w="9525">
+                  <a14:hiddenLine xmlns:a14="http://schemas.microsoft.com/office/drawing/2010/main" xmlns="" w="9525">
                     <a:solidFill>
                       <a:srgbClr val="000000"/>
                     </a:solidFill>
@@ -13035,7 +13151,7 @@
               </a:ln>
               <a:extLst>
                 <a:ext uri="{91240B29-F687-4f45-9708-019B960494DF}">
-                  <a14:hiddenLine xmlns="" xmlns:a14="http://schemas.microsoft.com/office/drawing/2010/main" w="9525">
+                  <a14:hiddenLine xmlns:a14="http://schemas.microsoft.com/office/drawing/2010/main" xmlns="" w="9525">
                     <a:solidFill>
                       <a:srgbClr val="000000"/>
                     </a:solidFill>
@@ -13125,7 +13241,7 @@
               </a:ln>
               <a:extLst>
                 <a:ext uri="{91240B29-F687-4f45-9708-019B960494DF}">
-                  <a14:hiddenLine xmlns="" xmlns:a14="http://schemas.microsoft.com/office/drawing/2010/main" w="9525">
+                  <a14:hiddenLine xmlns:a14="http://schemas.microsoft.com/office/drawing/2010/main" xmlns="" w="9525">
                     <a:solidFill>
                       <a:srgbClr val="000000"/>
                     </a:solidFill>
@@ -13159,7 +13275,7 @@
               </a:ln>
               <a:extLst>
                 <a:ext uri="{91240B29-F687-4f45-9708-019B960494DF}">
-                  <a14:hiddenLine xmlns="" xmlns:a14="http://schemas.microsoft.com/office/drawing/2010/main" w="9525">
+                  <a14:hiddenLine xmlns:a14="http://schemas.microsoft.com/office/drawing/2010/main" xmlns="" w="9525">
                     <a:solidFill>
                       <a:srgbClr val="000000"/>
                     </a:solidFill>
@@ -13224,7 +13340,7 @@
               </a:ln>
               <a:extLst>
                 <a:ext uri="{91240B29-F687-4f45-9708-019B960494DF}">
-                  <a14:hiddenLine xmlns="" xmlns:a14="http://schemas.microsoft.com/office/drawing/2010/main" w="9525">
+                  <a14:hiddenLine xmlns:a14="http://schemas.microsoft.com/office/drawing/2010/main" xmlns="" w="9525">
                     <a:solidFill>
                       <a:srgbClr val="000000"/>
                     </a:solidFill>
@@ -13314,7 +13430,7 @@
               </a:ln>
               <a:extLst>
                 <a:ext uri="{91240B29-F687-4f45-9708-019B960494DF}">
-                  <a14:hiddenLine xmlns="" xmlns:a14="http://schemas.microsoft.com/office/drawing/2010/main" w="9525">
+                  <a14:hiddenLine xmlns:a14="http://schemas.microsoft.com/office/drawing/2010/main" xmlns="" w="9525">
                     <a:solidFill>
                       <a:srgbClr val="000000"/>
                     </a:solidFill>
@@ -13376,7 +13492,7 @@
               </a:ln>
               <a:extLst>
                 <a:ext uri="{91240B29-F687-4f45-9708-019B960494DF}">
-                  <a14:hiddenLine xmlns="" xmlns:a14="http://schemas.microsoft.com/office/drawing/2010/main" w="9525">
+                  <a14:hiddenLine xmlns:a14="http://schemas.microsoft.com/office/drawing/2010/main" xmlns="" w="9525">
                     <a:solidFill>
                       <a:srgbClr val="000000"/>
                     </a:solidFill>
@@ -13466,7 +13582,7 @@
               </a:ln>
               <a:extLst>
                 <a:ext uri="{91240B29-F687-4f45-9708-019B960494DF}">
-                  <a14:hiddenLine xmlns="" xmlns:a14="http://schemas.microsoft.com/office/drawing/2010/main" w="9525">
+                  <a14:hiddenLine xmlns:a14="http://schemas.microsoft.com/office/drawing/2010/main" xmlns="" w="9525">
                     <a:solidFill>
                       <a:srgbClr val="000000"/>
                     </a:solidFill>
@@ -13531,7 +13647,7 @@
               </a:ln>
               <a:extLst>
                 <a:ext uri="{91240B29-F687-4f45-9708-019B960494DF}">
-                  <a14:hiddenLine xmlns="" xmlns:a14="http://schemas.microsoft.com/office/drawing/2010/main" w="9525">
+                  <a14:hiddenLine xmlns:a14="http://schemas.microsoft.com/office/drawing/2010/main" xmlns="" w="9525">
                     <a:solidFill>
                       <a:srgbClr val="000000"/>
                     </a:solidFill>
@@ -13593,7 +13709,7 @@
               </a:ln>
               <a:extLst>
                 <a:ext uri="{91240B29-F687-4f45-9708-019B960494DF}">
-                  <a14:hiddenLine xmlns="" xmlns:a14="http://schemas.microsoft.com/office/drawing/2010/main" w="9525">
+                  <a14:hiddenLine xmlns:a14="http://schemas.microsoft.com/office/drawing/2010/main" xmlns="" w="9525">
                     <a:solidFill>
                       <a:srgbClr val="000000"/>
                     </a:solidFill>
@@ -13683,7 +13799,7 @@
               </a:ln>
               <a:extLst>
                 <a:ext uri="{91240B29-F687-4f45-9708-019B960494DF}">
-                  <a14:hiddenLine xmlns="" xmlns:a14="http://schemas.microsoft.com/office/drawing/2010/main" w="9525">
+                  <a14:hiddenLine xmlns:a14="http://schemas.microsoft.com/office/drawing/2010/main" xmlns="" w="9525">
                     <a:solidFill>
                       <a:srgbClr val="000000"/>
                     </a:solidFill>
@@ -13773,7 +13889,7 @@
               </a:ln>
               <a:extLst>
                 <a:ext uri="{91240B29-F687-4f45-9708-019B960494DF}">
-                  <a14:hiddenLine xmlns="" xmlns:a14="http://schemas.microsoft.com/office/drawing/2010/main" w="9525">
+                  <a14:hiddenLine xmlns:a14="http://schemas.microsoft.com/office/drawing/2010/main" xmlns="" w="9525">
                     <a:solidFill>
                       <a:srgbClr val="000000"/>
                     </a:solidFill>
@@ -13838,7 +13954,7 @@
               </a:ln>
               <a:extLst>
                 <a:ext uri="{91240B29-F687-4f45-9708-019B960494DF}">
-                  <a14:hiddenLine xmlns="" xmlns:a14="http://schemas.microsoft.com/office/drawing/2010/main" w="9525">
+                  <a14:hiddenLine xmlns:a14="http://schemas.microsoft.com/office/drawing/2010/main" xmlns="" w="9525">
                     <a:solidFill>
                       <a:srgbClr val="000000"/>
                     </a:solidFill>
@@ -13958,7 +14074,7 @@
               </a:ln>
               <a:extLst>
                 <a:ext uri="{91240B29-F687-4f45-9708-019B960494DF}">
-                  <a14:hiddenLine xmlns="" xmlns:a14="http://schemas.microsoft.com/office/drawing/2010/main" w="9525">
+                  <a14:hiddenLine xmlns:a14="http://schemas.microsoft.com/office/drawing/2010/main" xmlns="" w="9525">
                     <a:solidFill>
                       <a:srgbClr val="000000"/>
                     </a:solidFill>
@@ -14056,7 +14172,7 @@
               </a:ln>
               <a:extLst>
                 <a:ext uri="{91240B29-F687-4f45-9708-019B960494DF}">
-                  <a14:hiddenLine xmlns="" xmlns:a14="http://schemas.microsoft.com/office/drawing/2010/main" w="9525">
+                  <a14:hiddenLine xmlns:a14="http://schemas.microsoft.com/office/drawing/2010/main" xmlns="" w="9525">
                     <a:solidFill>
                       <a:srgbClr val="000000"/>
                     </a:solidFill>
@@ -14171,7 +14287,7 @@
               </a:ln>
               <a:extLst>
                 <a:ext uri="{91240B29-F687-4f45-9708-019B960494DF}">
-                  <a14:hiddenLine xmlns="" xmlns:a14="http://schemas.microsoft.com/office/drawing/2010/main" w="9525">
+                  <a14:hiddenLine xmlns:a14="http://schemas.microsoft.com/office/drawing/2010/main" xmlns="" w="9525">
                     <a:solidFill>
                       <a:srgbClr val="000000"/>
                     </a:solidFill>
@@ -14261,7 +14377,7 @@
               </a:ln>
               <a:extLst>
                 <a:ext uri="{91240B29-F687-4f45-9708-019B960494DF}">
-                  <a14:hiddenLine xmlns="" xmlns:a14="http://schemas.microsoft.com/office/drawing/2010/main" w="9525">
+                  <a14:hiddenLine xmlns:a14="http://schemas.microsoft.com/office/drawing/2010/main" xmlns="" w="9525">
                     <a:solidFill>
                       <a:srgbClr val="000000"/>
                     </a:solidFill>
@@ -14326,7 +14442,7 @@
               </a:ln>
               <a:extLst>
                 <a:ext uri="{91240B29-F687-4f45-9708-019B960494DF}">
-                  <a14:hiddenLine xmlns="" xmlns:a14="http://schemas.microsoft.com/office/drawing/2010/main" w="9525">
+                  <a14:hiddenLine xmlns:a14="http://schemas.microsoft.com/office/drawing/2010/main" xmlns="" w="9525">
                     <a:solidFill>
                       <a:srgbClr val="000000"/>
                     </a:solidFill>
@@ -14416,7 +14532,7 @@
               </a:ln>
               <a:extLst>
                 <a:ext uri="{91240B29-F687-4f45-9708-019B960494DF}">
-                  <a14:hiddenLine xmlns="" xmlns:a14="http://schemas.microsoft.com/office/drawing/2010/main" w="9525">
+                  <a14:hiddenLine xmlns:a14="http://schemas.microsoft.com/office/drawing/2010/main" xmlns="" w="9525">
                     <a:solidFill>
                       <a:srgbClr val="000000"/>
                     </a:solidFill>
@@ -14484,7 +14600,7 @@
               </a:ln>
               <a:extLst>
                 <a:ext uri="{91240B29-F687-4f45-9708-019B960494DF}">
-                  <a14:hiddenLine xmlns="" xmlns:a14="http://schemas.microsoft.com/office/drawing/2010/main" w="9525">
+                  <a14:hiddenLine xmlns:a14="http://schemas.microsoft.com/office/drawing/2010/main" xmlns="" w="9525">
                     <a:solidFill>
                       <a:srgbClr val="000000"/>
                     </a:solidFill>
@@ -14574,7 +14690,7 @@
               </a:ln>
               <a:extLst>
                 <a:ext uri="{91240B29-F687-4f45-9708-019B960494DF}">
-                  <a14:hiddenLine xmlns="" xmlns:a14="http://schemas.microsoft.com/office/drawing/2010/main" w="9525">
+                  <a14:hiddenLine xmlns:a14="http://schemas.microsoft.com/office/drawing/2010/main" xmlns="" w="9525">
                     <a:solidFill>
                       <a:srgbClr val="000000"/>
                     </a:solidFill>
@@ -14642,7 +14758,7 @@
               </a:ln>
               <a:extLst>
                 <a:ext uri="{91240B29-F687-4f45-9708-019B960494DF}">
-                  <a14:hiddenLine xmlns="" xmlns:a14="http://schemas.microsoft.com/office/drawing/2010/main" w="9525">
+                  <a14:hiddenLine xmlns:a14="http://schemas.microsoft.com/office/drawing/2010/main" xmlns="" w="9525">
                     <a:solidFill>
                       <a:srgbClr val="000000"/>
                     </a:solidFill>
@@ -14732,7 +14848,7 @@
               </a:ln>
               <a:extLst>
                 <a:ext uri="{91240B29-F687-4f45-9708-019B960494DF}">
-                  <a14:hiddenLine xmlns="" xmlns:a14="http://schemas.microsoft.com/office/drawing/2010/main" w="9525">
+                  <a14:hiddenLine xmlns:a14="http://schemas.microsoft.com/office/drawing/2010/main" xmlns="" w="9525">
                     <a:solidFill>
                       <a:srgbClr val="000000"/>
                     </a:solidFill>
@@ -14766,7 +14882,7 @@
               </a:ln>
               <a:extLst>
                 <a:ext uri="{91240B29-F687-4f45-9708-019B960494DF}">
-                  <a14:hiddenLine xmlns="" xmlns:a14="http://schemas.microsoft.com/office/drawing/2010/main" w="9525">
+                  <a14:hiddenLine xmlns:a14="http://schemas.microsoft.com/office/drawing/2010/main" xmlns="" w="9525">
                     <a:solidFill>
                       <a:srgbClr val="000000"/>
                     </a:solidFill>
@@ -19734,6 +19850,130 @@
           <p:cNvPr id="2" name="Title 1">
             <a:extLst>
               <a:ext uri="{FF2B5EF4-FFF2-40B4-BE49-F238E27FC236}">
+                <a16:creationId xmlns:a16="http://schemas.microsoft.com/office/drawing/2014/main" id="{E78CA1C0-9A03-47B2-BB36-8963AE4E3075}"/>
+              </a:ext>
+            </a:extLst>
+          </p:cNvPr>
+          <p:cNvSpPr>
+            <a:spLocks noGrp="1"/>
+          </p:cNvSpPr>
+          <p:nvPr>
+            <p:ph type="ctrTitle"/>
+          </p:nvPr>
+        </p:nvSpPr>
+        <p:spPr/>
+        <p:txBody>
+          <a:bodyPr/>
+          <a:lstStyle/>
+          <a:p>
+            <a:r>
+              <a:rPr lang="en-US" dirty="0"/>
+              <a:t>Thanks for your attention</a:t>
+            </a:r>
+          </a:p>
+        </p:txBody>
+      </p:sp>
+      <p:sp>
+        <p:nvSpPr>
+          <p:cNvPr id="3" name="Subtitle 2">
+            <a:extLst>
+              <a:ext uri="{FF2B5EF4-FFF2-40B4-BE49-F238E27FC236}">
+                <a16:creationId xmlns:a16="http://schemas.microsoft.com/office/drawing/2014/main" id="{A45398FB-DA7F-4A80-9C24-1955E8DFB931}"/>
+              </a:ext>
+            </a:extLst>
+          </p:cNvPr>
+          <p:cNvSpPr>
+            <a:spLocks noGrp="1"/>
+          </p:cNvSpPr>
+          <p:nvPr>
+            <p:ph type="subTitle" idx="1"/>
+          </p:nvPr>
+        </p:nvSpPr>
+        <p:spPr/>
+        <p:txBody>
+          <a:bodyPr/>
+          <a:lstStyle/>
+          <a:p>
+            <a:pPr algn="ctr"/>
+            <a:r>
+              <a:rPr lang="en-US" dirty="0"/>
+              <a:t>Questions?</a:t>
+            </a:r>
+          </a:p>
+        </p:txBody>
+      </p:sp>
+      <p:pic>
+        <p:nvPicPr>
+          <p:cNvPr id="4" name="Picture 5" descr="A picture containing drawing&#10;&#10;Description automatically generated">
+            <a:extLst>
+              <a:ext uri="{FF2B5EF4-FFF2-40B4-BE49-F238E27FC236}">
+                <a16:creationId xmlns:a16="http://schemas.microsoft.com/office/drawing/2014/main" id="{07F2CCD8-AB51-45B7-851B-159533E5878C}"/>
+              </a:ext>
+            </a:extLst>
+          </p:cNvPr>
+          <p:cNvPicPr/>
+          <p:nvPr/>
+        </p:nvPicPr>
+        <p:blipFill>
+          <a:blip r:embed="rId3" cstate="print">
+            <a:extLst>
+              <a:ext uri="{28A0092B-C50C-407E-A947-70E740481C1C}">
+                <a14:useLocalDpi xmlns:a14="http://schemas.microsoft.com/office/drawing/2010/main" val="0"/>
+              </a:ext>
+            </a:extLst>
+          </a:blip>
+          <a:stretch>
+            <a:fillRect/>
+          </a:stretch>
+        </p:blipFill>
+        <p:spPr>
+          <a:xfrm>
+            <a:off x="9924062" y="6007863"/>
+            <a:ext cx="1982032" cy="572373"/>
+          </a:xfrm>
+          <a:prstGeom prst="rect">
+            <a:avLst/>
+          </a:prstGeom>
+        </p:spPr>
+      </p:pic>
+    </p:spTree>
+    <p:extLst>
+      <p:ext uri="{BB962C8B-B14F-4D97-AF65-F5344CB8AC3E}">
+        <p14:creationId xmlns:p14="http://schemas.microsoft.com/office/powerpoint/2010/main" val="254208978"/>
+      </p:ext>
+    </p:extLst>
+  </p:cSld>
+  <p:clrMapOvr>
+    <a:masterClrMapping/>
+  </p:clrMapOvr>
+  <p:transition spd="med">
+    <p:pull/>
+  </p:transition>
+</p:sld>
+</file>
+
+<file path=ppt/slides/slide19.xml><?xml version="1.0" encoding="utf-8"?>
+<p:sld xmlns:a="http://schemas.openxmlformats.org/drawingml/2006/main" xmlns:r="http://schemas.openxmlformats.org/officeDocument/2006/relationships" xmlns:p="http://schemas.openxmlformats.org/presentationml/2006/main">
+  <p:cSld>
+    <p:spTree>
+      <p:nvGrpSpPr>
+        <p:cNvPr id="1" name=""/>
+        <p:cNvGrpSpPr/>
+        <p:nvPr/>
+      </p:nvGrpSpPr>
+      <p:grpSpPr>
+        <a:xfrm>
+          <a:off x="0" y="0"/>
+          <a:ext cx="0" cy="0"/>
+          <a:chOff x="0" y="0"/>
+          <a:chExt cx="0" cy="0"/>
+        </a:xfrm>
+      </p:grpSpPr>
+      <p:sp>
+        <p:nvSpPr>
+          <p:cNvPr id="2" name="Title 1">
+            <a:extLst>
+              <a:ext uri="{FF2B5EF4-FFF2-40B4-BE49-F238E27FC236}">
                 <a16:creationId xmlns:a16="http://schemas.microsoft.com/office/drawing/2014/main" id="{B5107FA5-1280-47C6-A7F3-56691ACA32F5}"/>
               </a:ext>
             </a:extLst>
@@ -19773,64 +20013,436 @@
             <p:ph idx="1"/>
           </p:nvPr>
         </p:nvSpPr>
-        <p:spPr/>
+        <p:spPr>
+          <a:xfrm>
+            <a:off x="1141412" y="1878419"/>
+            <a:ext cx="4557639" cy="3912782"/>
+          </a:xfrm>
+        </p:spPr>
         <p:txBody>
           <a:bodyPr>
             <a:normAutofit/>
           </a:bodyPr>
           <a:lstStyle/>
           <a:p>
+            <a:pPr>
+              <a:lnSpc>
+                <a:spcPct val="100000"/>
+              </a:lnSpc>
+            </a:pPr>
             <a:r>
               <a:rPr lang="en-GB" sz="1200" dirty="0"/>
               <a:t>https://www.geeksforgeeks.org/decision-tree/?ref=rp</a:t>
             </a:r>
           </a:p>
           <a:p>
+            <a:pPr>
+              <a:lnSpc>
+                <a:spcPct val="100000"/>
+              </a:lnSpc>
+            </a:pPr>
             <a:r>
               <a:rPr lang="en-GB" sz="1200" dirty="0"/>
               <a:t>https://www.ryanxin.cn/archives/283</a:t>
             </a:r>
           </a:p>
           <a:p>
+            <a:pPr>
+              <a:lnSpc>
+                <a:spcPct val="100000"/>
+              </a:lnSpc>
+            </a:pPr>
             <a:r>
               <a:rPr lang="en-GB" sz="1200" dirty="0"/>
               <a:t>https://www.geeksforgeeks.org/decision-tree-introduction-example/</a:t>
             </a:r>
           </a:p>
           <a:p>
+            <a:pPr>
+              <a:lnSpc>
+                <a:spcPct val="100000"/>
+              </a:lnSpc>
+            </a:pPr>
             <a:r>
               <a:rPr lang="en-GB" sz="1200" dirty="0"/>
               <a:t>https://www.geeksforgeeks.org/decision-tree-implementation-python/</a:t>
             </a:r>
           </a:p>
           <a:p>
+            <a:pPr>
+              <a:lnSpc>
+                <a:spcPct val="100000"/>
+              </a:lnSpc>
+            </a:pPr>
             <a:r>
               <a:rPr lang="en-GB" sz="1200" dirty="0"/>
               <a:t>https://zhuanlan.zhihu.com/p/30059442</a:t>
             </a:r>
           </a:p>
           <a:p>
+            <a:pPr>
+              <a:lnSpc>
+                <a:spcPct val="100000"/>
+              </a:lnSpc>
+            </a:pPr>
             <a:r>
               <a:rPr lang="en-GB" sz="1200" dirty="0"/>
               <a:t>https://www.jianshu.com/p/655d8e555494</a:t>
             </a:r>
           </a:p>
           <a:p>
+            <a:pPr>
+              <a:lnSpc>
+                <a:spcPct val="100000"/>
+              </a:lnSpc>
+            </a:pPr>
             <a:r>
               <a:rPr lang="en-GB" sz="1200" dirty="0"/>
               <a:t>https://blog.csdn.net/jiaoyangwm/article/details/79525237</a:t>
             </a:r>
           </a:p>
           <a:p>
+            <a:pPr>
+              <a:lnSpc>
+                <a:spcPct val="100000"/>
+              </a:lnSpc>
+            </a:pPr>
+            <a:r>
+              <a:rPr lang="en-GB" sz="1200" dirty="0"/>
+              <a:t>https://towardsdatascience.com/machine-learning-algorithms-in-laymans-terms-part-2-a0a74df9a9ac</a:t>
+            </a:r>
+          </a:p>
+          <a:p>
+            <a:pPr>
+              <a:lnSpc>
+                <a:spcPct val="100000"/>
+              </a:lnSpc>
+            </a:pPr>
+            <a:r>
+              <a:rPr lang="en-GB" sz="1200" dirty="0"/>
+              <a:t>https://towardsdatascience.com/decision-tree-ensembles-bagging-and-boosting-266a8ba60fd9</a:t>
+            </a:r>
+          </a:p>
+          <a:p>
+            <a:pPr>
+              <a:lnSpc>
+                <a:spcPct val="100000"/>
+              </a:lnSpc>
+            </a:pPr>
+            <a:endParaRPr lang="en-GB" sz="1200" dirty="0"/>
+          </a:p>
+        </p:txBody>
+      </p:sp>
+      <p:sp>
+        <p:nvSpPr>
+          <p:cNvPr id="4" name="Content Placeholder 2">
+            <a:extLst>
+              <a:ext uri="{FF2B5EF4-FFF2-40B4-BE49-F238E27FC236}">
+                <a16:creationId xmlns:a16="http://schemas.microsoft.com/office/drawing/2014/main" id="{F3B5C43A-4B9A-461A-9510-0BED7B2FFF70}"/>
+              </a:ext>
+            </a:extLst>
+          </p:cNvPr>
+          <p:cNvSpPr txBox="1">
+            <a:spLocks/>
+          </p:cNvSpPr>
+          <p:nvPr/>
+        </p:nvSpPr>
+        <p:spPr>
+          <a:xfrm>
+            <a:off x="5816194" y="1878419"/>
+            <a:ext cx="4557639" cy="3912782"/>
+          </a:xfrm>
+          <a:prstGeom prst="rect">
+            <a:avLst/>
+          </a:prstGeom>
+        </p:spPr>
+        <p:txBody>
+          <a:bodyPr vert="horz" lIns="91440" tIns="45720" rIns="91440" bIns="45720" rtlCol="0">
+            <a:normAutofit/>
+          </a:bodyPr>
+          <a:lstStyle>
+            <a:lvl1pPr marL="228600" indent="-228600" algn="l" defTabSz="914400" rtl="0" eaLnBrk="1" latinLnBrk="0" hangingPunct="1">
+              <a:lnSpc>
+                <a:spcPct val="120000"/>
+              </a:lnSpc>
+              <a:spcBef>
+                <a:spcPts val="1000"/>
+              </a:spcBef>
+              <a:buSzPct val="125000"/>
+              <a:buFont typeface="Arial" panose="020B0604020202020204" pitchFamily="34" charset="0"/>
+              <a:buChar char="•"/>
+              <a:defRPr sz="2400" kern="1200">
+                <a:solidFill>
+                  <a:schemeClr val="tx1"/>
+                </a:solidFill>
+                <a:latin typeface="+mn-lt"/>
+                <a:ea typeface="+mn-ea"/>
+                <a:cs typeface="+mn-cs"/>
+              </a:defRPr>
+            </a:lvl1pPr>
+            <a:lvl2pPr marL="685800" indent="-228600" algn="l" defTabSz="914400" rtl="0" eaLnBrk="1" latinLnBrk="0" hangingPunct="1">
+              <a:lnSpc>
+                <a:spcPct val="120000"/>
+              </a:lnSpc>
+              <a:spcBef>
+                <a:spcPts val="500"/>
+              </a:spcBef>
+              <a:buSzPct val="125000"/>
+              <a:buFont typeface="Arial" panose="020B0604020202020204" pitchFamily="34" charset="0"/>
+              <a:buChar char="•"/>
+              <a:defRPr sz="2000" kern="1200">
+                <a:solidFill>
+                  <a:schemeClr val="tx1"/>
+                </a:solidFill>
+                <a:latin typeface="+mn-lt"/>
+                <a:ea typeface="+mn-ea"/>
+                <a:cs typeface="+mn-cs"/>
+              </a:defRPr>
+            </a:lvl2pPr>
+            <a:lvl3pPr marL="1143000" indent="-228600" algn="l" defTabSz="914400" rtl="0" eaLnBrk="1" latinLnBrk="0" hangingPunct="1">
+              <a:lnSpc>
+                <a:spcPct val="120000"/>
+              </a:lnSpc>
+              <a:spcBef>
+                <a:spcPts val="500"/>
+              </a:spcBef>
+              <a:buSzPct val="125000"/>
+              <a:buFont typeface="Arial" panose="020B0604020202020204" pitchFamily="34" charset="0"/>
+              <a:buChar char="•"/>
+              <a:defRPr sz="1800" kern="1200">
+                <a:solidFill>
+                  <a:schemeClr val="tx1"/>
+                </a:solidFill>
+                <a:latin typeface="+mn-lt"/>
+                <a:ea typeface="+mn-ea"/>
+                <a:cs typeface="+mn-cs"/>
+              </a:defRPr>
+            </a:lvl3pPr>
+            <a:lvl4pPr marL="1600200" indent="-228600" algn="l" defTabSz="914400" rtl="0" eaLnBrk="1" latinLnBrk="0" hangingPunct="1">
+              <a:lnSpc>
+                <a:spcPct val="120000"/>
+              </a:lnSpc>
+              <a:spcBef>
+                <a:spcPts val="500"/>
+              </a:spcBef>
+              <a:buSzPct val="125000"/>
+              <a:buFont typeface="Arial" panose="020B0604020202020204" pitchFamily="34" charset="0"/>
+              <a:buChar char="•"/>
+              <a:defRPr sz="1600" kern="1200">
+                <a:solidFill>
+                  <a:schemeClr val="tx1"/>
+                </a:solidFill>
+                <a:latin typeface="+mn-lt"/>
+                <a:ea typeface="+mn-ea"/>
+                <a:cs typeface="+mn-cs"/>
+              </a:defRPr>
+            </a:lvl4pPr>
+            <a:lvl5pPr marL="2057400" indent="-228600" algn="l" defTabSz="914400" rtl="0" eaLnBrk="1" latinLnBrk="0" hangingPunct="1">
+              <a:lnSpc>
+                <a:spcPct val="120000"/>
+              </a:lnSpc>
+              <a:spcBef>
+                <a:spcPts val="500"/>
+              </a:spcBef>
+              <a:buSzPct val="125000"/>
+              <a:buFont typeface="Arial" panose="020B0604020202020204" pitchFamily="34" charset="0"/>
+              <a:buChar char="•"/>
+              <a:defRPr sz="1600" kern="1200">
+                <a:solidFill>
+                  <a:schemeClr val="tx1"/>
+                </a:solidFill>
+                <a:latin typeface="+mn-lt"/>
+                <a:ea typeface="+mn-ea"/>
+                <a:cs typeface="+mn-cs"/>
+              </a:defRPr>
+            </a:lvl5pPr>
+            <a:lvl6pPr marL="2514600" indent="-228600" algn="l" defTabSz="914400" rtl="0" eaLnBrk="1" latinLnBrk="0" hangingPunct="1">
+              <a:lnSpc>
+                <a:spcPct val="120000"/>
+              </a:lnSpc>
+              <a:spcBef>
+                <a:spcPts val="500"/>
+              </a:spcBef>
+              <a:buSzPct val="125000"/>
+              <a:buFont typeface="Arial" panose="020B0604020202020204" pitchFamily="34" charset="0"/>
+              <a:buChar char="•"/>
+              <a:defRPr sz="1400" kern="1200">
+                <a:solidFill>
+                  <a:schemeClr val="tx1"/>
+                </a:solidFill>
+                <a:latin typeface="+mn-lt"/>
+                <a:ea typeface="+mn-ea"/>
+                <a:cs typeface="+mn-cs"/>
+              </a:defRPr>
+            </a:lvl6pPr>
+            <a:lvl7pPr marL="2971800" indent="-228600" algn="l" defTabSz="914400" rtl="0" eaLnBrk="1" latinLnBrk="0" hangingPunct="1">
+              <a:lnSpc>
+                <a:spcPct val="120000"/>
+              </a:lnSpc>
+              <a:spcBef>
+                <a:spcPts val="500"/>
+              </a:spcBef>
+              <a:buSzPct val="125000"/>
+              <a:buFont typeface="Arial" panose="020B0604020202020204" pitchFamily="34" charset="0"/>
+              <a:buChar char="•"/>
+              <a:defRPr sz="1400" kern="1200">
+                <a:solidFill>
+                  <a:schemeClr val="tx1"/>
+                </a:solidFill>
+                <a:latin typeface="+mn-lt"/>
+                <a:ea typeface="+mn-ea"/>
+                <a:cs typeface="+mn-cs"/>
+              </a:defRPr>
+            </a:lvl7pPr>
+            <a:lvl8pPr marL="3429000" indent="-228600" algn="l" defTabSz="914400" rtl="0" eaLnBrk="1" latinLnBrk="0" hangingPunct="1">
+              <a:lnSpc>
+                <a:spcPct val="120000"/>
+              </a:lnSpc>
+              <a:spcBef>
+                <a:spcPts val="500"/>
+              </a:spcBef>
+              <a:buSzPct val="125000"/>
+              <a:buFont typeface="Arial" panose="020B0604020202020204" pitchFamily="34" charset="0"/>
+              <a:buChar char="•"/>
+              <a:defRPr sz="1400" kern="1200">
+                <a:solidFill>
+                  <a:schemeClr val="tx1"/>
+                </a:solidFill>
+                <a:latin typeface="+mn-lt"/>
+                <a:ea typeface="+mn-ea"/>
+                <a:cs typeface="+mn-cs"/>
+              </a:defRPr>
+            </a:lvl8pPr>
+            <a:lvl9pPr marL="3886200" indent="-228600" algn="l" defTabSz="914400" rtl="0" eaLnBrk="1" latinLnBrk="0" hangingPunct="1">
+              <a:lnSpc>
+                <a:spcPct val="120000"/>
+              </a:lnSpc>
+              <a:spcBef>
+                <a:spcPts val="500"/>
+              </a:spcBef>
+              <a:buSzPct val="125000"/>
+              <a:buFont typeface="Arial" panose="020B0604020202020204" pitchFamily="34" charset="0"/>
+              <a:buChar char="•"/>
+              <a:defRPr sz="1400" kern="1200">
+                <a:solidFill>
+                  <a:schemeClr val="tx1"/>
+                </a:solidFill>
+                <a:latin typeface="+mn-lt"/>
+                <a:ea typeface="+mn-ea"/>
+                <a:cs typeface="+mn-cs"/>
+              </a:defRPr>
+            </a:lvl9pPr>
+          </a:lstStyle>
+          <a:p>
+            <a:pPr>
+              <a:lnSpc>
+                <a:spcPct val="100000"/>
+              </a:lnSpc>
+            </a:pPr>
             <a:r>
               <a:rPr lang="en-GB" sz="1200" dirty="0"/>
               <a:t>https://www.kaggle.com/c/titanic/overview</a:t>
             </a:r>
           </a:p>
           <a:p>
+            <a:pPr>
+              <a:lnSpc>
+                <a:spcPct val="100000"/>
+              </a:lnSpc>
+            </a:pPr>
+            <a:r>
+              <a:rPr lang="en-GB" sz="1200" dirty="0"/>
+              <a:t>https://www.kaggle.com/datavoyager/titanic-random-forest</a:t>
+            </a:r>
+          </a:p>
+          <a:p>
+            <a:pPr>
+              <a:lnSpc>
+                <a:spcPct val="100000"/>
+              </a:lnSpc>
+            </a:pPr>
+            <a:r>
+              <a:rPr lang="en-GB" sz="1200" dirty="0"/>
+              <a:t>https://www.kaggle.com/zlatankr/titanic-random-forest-82-78/notebook</a:t>
+            </a:r>
+          </a:p>
+          <a:p>
+            <a:pPr>
+              <a:lnSpc>
+                <a:spcPct val="100000"/>
+              </a:lnSpc>
+            </a:pPr>
+            <a:r>
+              <a:rPr lang="en-GB" sz="1200" dirty="0"/>
+              <a:t>https://www.kaggle.com/rprkh15/titanic-survival-prediction/notebook</a:t>
+            </a:r>
+          </a:p>
+          <a:p>
+            <a:pPr>
+              <a:lnSpc>
+                <a:spcPct val="100000"/>
+              </a:lnSpc>
+            </a:pPr>
+            <a:r>
+              <a:rPr lang="en-GB" sz="1200" dirty="0"/>
+              <a:t>https://www.jianshu.com/p/655d8e555494</a:t>
+            </a:r>
+          </a:p>
+          <a:p>
+            <a:pPr>
+              <a:lnSpc>
+                <a:spcPct val="100000"/>
+              </a:lnSpc>
+            </a:pPr>
+            <a:r>
+              <a:rPr lang="en-GB" sz="1200" dirty="0"/>
+              <a:t>https://www.jianshu.com/p/28d5de57bbce</a:t>
+            </a:r>
+          </a:p>
+          <a:p>
+            <a:pPr>
+              <a:lnSpc>
+                <a:spcPct val="100000"/>
+              </a:lnSpc>
+            </a:pPr>
+            <a:r>
+              <a:rPr lang="en-GB" sz="1200" dirty="0"/>
+              <a:t>https://scikit-learn.org/stable/modules/generated/sklearn.tree.DecisionTreeClassifier.html </a:t>
+            </a:r>
+          </a:p>
+          <a:p>
+            <a:pPr>
+              <a:lnSpc>
+                <a:spcPct val="100000"/>
+              </a:lnSpc>
+            </a:pPr>
+            <a:r>
+              <a:rPr lang="en-GB" sz="1200" dirty="0"/>
+              <a:t>https://scikit-learn.org/stable/modules/generated/sklearn.ensemble.RandomForestClassifier.html </a:t>
+            </a:r>
+          </a:p>
+          <a:p>
+            <a:pPr>
+              <a:lnSpc>
+                <a:spcPct val="100000"/>
+              </a:lnSpc>
+            </a:pPr>
             <a:endParaRPr lang="en-GB" sz="1200" dirty="0"/>
           </a:p>
           <a:p>
+            <a:pPr>
+              <a:lnSpc>
+                <a:spcPct val="100000"/>
+              </a:lnSpc>
+            </a:pPr>
+            <a:endParaRPr lang="en-GB" sz="1200" dirty="0"/>
+          </a:p>
+          <a:p>
+            <a:pPr>
+              <a:lnSpc>
+                <a:spcPct val="100000"/>
+              </a:lnSpc>
+            </a:pPr>
             <a:endParaRPr lang="en-GB" sz="1200" dirty="0"/>
           </a:p>
         </p:txBody>

--- a/semester-2-2021-2022/week-6-decision-tree/Decision_Tree.pptx
+++ b/semester-2-2021-2022/week-6-decision-tree/Decision_Tree.pptx
@@ -331,7 +331,7 @@
           <a:p>
             <a:fld id="{EB7DA543-F40B-4023-9892-3E6E3C6ABB89}" type="datetimeFigureOut">
               <a:rPr lang="en-GB" smtClean="0"/>
-              <a:t>01/02/2022</a:t>
+              <a:t>16/02/2022</a:t>
             </a:fld>
             <a:endParaRPr lang="en-GB"/>
           </a:p>
@@ -3173,7 +3173,7 @@
           <a:noFill/>
           <a:extLst>
             <a:ext uri="{909E8E84-426E-40dd-AFC4-6F175D3DCCD1}">
-              <a14:hiddenFill xmlns:a14="http://schemas.microsoft.com/office/drawing/2010/main" xmlns="">
+              <a14:hiddenFill xmlns="" xmlns:a14="http://schemas.microsoft.com/office/drawing/2010/main">
                 <a:solidFill>
                   <a:srgbClr val="FFFFFF"/>
                 </a:solidFill>
@@ -3233,7 +3233,7 @@
             </a:ln>
             <a:extLst>
               <a:ext uri="{91240B29-F687-4f45-9708-019B960494DF}">
-                <a14:hiddenLine xmlns:a14="http://schemas.microsoft.com/office/drawing/2010/main" xmlns="" w="9525">
+                <a14:hiddenLine xmlns="" xmlns:a14="http://schemas.microsoft.com/office/drawing/2010/main" w="9525">
                   <a:solidFill>
                     <a:srgbClr val="000000"/>
                   </a:solidFill>
@@ -3323,7 +3323,7 @@
             </a:ln>
             <a:extLst>
               <a:ext uri="{91240B29-F687-4f45-9708-019B960494DF}">
-                <a14:hiddenLine xmlns:a14="http://schemas.microsoft.com/office/drawing/2010/main" xmlns="" w="9525">
+                <a14:hiddenLine xmlns="" xmlns:a14="http://schemas.microsoft.com/office/drawing/2010/main" w="9525">
                   <a:solidFill>
                     <a:srgbClr val="000000"/>
                   </a:solidFill>
@@ -3413,7 +3413,7 @@
             </a:ln>
             <a:extLst>
               <a:ext uri="{91240B29-F687-4f45-9708-019B960494DF}">
-                <a14:hiddenLine xmlns:a14="http://schemas.microsoft.com/office/drawing/2010/main" xmlns="" w="9525">
+                <a14:hiddenLine xmlns="" xmlns:a14="http://schemas.microsoft.com/office/drawing/2010/main" w="9525">
                   <a:solidFill>
                     <a:srgbClr val="000000"/>
                   </a:solidFill>
@@ -3447,7 +3447,7 @@
             </a:ln>
             <a:extLst>
               <a:ext uri="{91240B29-F687-4f45-9708-019B960494DF}">
-                <a14:hiddenLine xmlns:a14="http://schemas.microsoft.com/office/drawing/2010/main" xmlns="" w="9525">
+                <a14:hiddenLine xmlns="" xmlns:a14="http://schemas.microsoft.com/office/drawing/2010/main" w="9525">
                   <a:solidFill>
                     <a:srgbClr val="000000"/>
                   </a:solidFill>
@@ -3537,7 +3537,7 @@
             </a:ln>
             <a:extLst>
               <a:ext uri="{91240B29-F687-4f45-9708-019B960494DF}">
-                <a14:hiddenLine xmlns:a14="http://schemas.microsoft.com/office/drawing/2010/main" xmlns="" w="9525">
+                <a14:hiddenLine xmlns="" xmlns:a14="http://schemas.microsoft.com/office/drawing/2010/main" w="9525">
                   <a:solidFill>
                     <a:srgbClr val="000000"/>
                   </a:solidFill>
@@ -3599,7 +3599,7 @@
             </a:ln>
             <a:extLst>
               <a:ext uri="{91240B29-F687-4f45-9708-019B960494DF}">
-                <a14:hiddenLine xmlns:a14="http://schemas.microsoft.com/office/drawing/2010/main" xmlns="" w="9525">
+                <a14:hiddenLine xmlns="" xmlns:a14="http://schemas.microsoft.com/office/drawing/2010/main" w="9525">
                   <a:solidFill>
                     <a:srgbClr val="000000"/>
                   </a:solidFill>
@@ -3661,7 +3661,7 @@
             </a:ln>
             <a:extLst>
               <a:ext uri="{91240B29-F687-4f45-9708-019B960494DF}">
-                <a14:hiddenLine xmlns:a14="http://schemas.microsoft.com/office/drawing/2010/main" xmlns="" w="9525">
+                <a14:hiddenLine xmlns="" xmlns:a14="http://schemas.microsoft.com/office/drawing/2010/main" w="9525">
                   <a:solidFill>
                     <a:srgbClr val="000000"/>
                   </a:solidFill>
@@ -3751,7 +3751,7 @@
             </a:ln>
             <a:extLst>
               <a:ext uri="{91240B29-F687-4f45-9708-019B960494DF}">
-                <a14:hiddenLine xmlns:a14="http://schemas.microsoft.com/office/drawing/2010/main" xmlns="" w="9525">
+                <a14:hiddenLine xmlns="" xmlns:a14="http://schemas.microsoft.com/office/drawing/2010/main" w="9525">
                   <a:solidFill>
                     <a:srgbClr val="000000"/>
                   </a:solidFill>
@@ -3813,7 +3813,7 @@
             </a:ln>
             <a:extLst>
               <a:ext uri="{91240B29-F687-4f45-9708-019B960494DF}">
-                <a14:hiddenLine xmlns:a14="http://schemas.microsoft.com/office/drawing/2010/main" xmlns="" w="9525">
+                <a14:hiddenLine xmlns="" xmlns:a14="http://schemas.microsoft.com/office/drawing/2010/main" w="9525">
                   <a:solidFill>
                     <a:srgbClr val="000000"/>
                   </a:solidFill>
@@ -3875,7 +3875,7 @@
             </a:ln>
             <a:extLst>
               <a:ext uri="{91240B29-F687-4f45-9708-019B960494DF}">
-                <a14:hiddenLine xmlns:a14="http://schemas.microsoft.com/office/drawing/2010/main" xmlns="" w="9525">
+                <a14:hiddenLine xmlns="" xmlns:a14="http://schemas.microsoft.com/office/drawing/2010/main" w="9525">
                   <a:solidFill>
                     <a:srgbClr val="000000"/>
                   </a:solidFill>
@@ -3965,7 +3965,7 @@
             </a:ln>
             <a:extLst>
               <a:ext uri="{91240B29-F687-4f45-9708-019B960494DF}">
-                <a14:hiddenLine xmlns:a14="http://schemas.microsoft.com/office/drawing/2010/main" xmlns="" w="9525">
+                <a14:hiddenLine xmlns="" xmlns:a14="http://schemas.microsoft.com/office/drawing/2010/main" w="9525">
                   <a:solidFill>
                     <a:srgbClr val="000000"/>
                   </a:solidFill>
@@ -4055,7 +4055,7 @@
             </a:ln>
             <a:extLst>
               <a:ext uri="{91240B29-F687-4f45-9708-019B960494DF}">
-                <a14:hiddenLine xmlns:a14="http://schemas.microsoft.com/office/drawing/2010/main" xmlns="" w="9525">
+                <a14:hiddenLine xmlns="" xmlns:a14="http://schemas.microsoft.com/office/drawing/2010/main" w="9525">
                   <a:solidFill>
                     <a:srgbClr val="000000"/>
                   </a:solidFill>
@@ -4117,7 +4117,7 @@
             </a:ln>
             <a:extLst>
               <a:ext uri="{91240B29-F687-4f45-9708-019B960494DF}">
-                <a14:hiddenLine xmlns:a14="http://schemas.microsoft.com/office/drawing/2010/main" xmlns="" w="9525">
+                <a14:hiddenLine xmlns="" xmlns:a14="http://schemas.microsoft.com/office/drawing/2010/main" w="9525">
                   <a:solidFill>
                     <a:srgbClr val="000000"/>
                   </a:solidFill>
@@ -4227,7 +4227,7 @@
             </a:ln>
             <a:extLst>
               <a:ext uri="{91240B29-F687-4f45-9708-019B960494DF}">
-                <a14:hiddenLine xmlns:a14="http://schemas.microsoft.com/office/drawing/2010/main" xmlns="" w="9525">
+                <a14:hiddenLine xmlns="" xmlns:a14="http://schemas.microsoft.com/office/drawing/2010/main" w="9525">
                   <a:solidFill>
                     <a:srgbClr val="000000"/>
                   </a:solidFill>
@@ -4289,7 +4289,7 @@
             </a:ln>
             <a:extLst>
               <a:ext uri="{91240B29-F687-4f45-9708-019B960494DF}">
-                <a14:hiddenLine xmlns:a14="http://schemas.microsoft.com/office/drawing/2010/main" xmlns="" w="9525">
+                <a14:hiddenLine xmlns="" xmlns:a14="http://schemas.microsoft.com/office/drawing/2010/main" w="9525">
                   <a:solidFill>
                     <a:srgbClr val="000000"/>
                   </a:solidFill>
@@ -4379,7 +4379,7 @@
             </a:ln>
             <a:extLst>
               <a:ext uri="{91240B29-F687-4f45-9708-019B960494DF}">
-                <a14:hiddenLine xmlns:a14="http://schemas.microsoft.com/office/drawing/2010/main" xmlns="" w="9525">
+                <a14:hiddenLine xmlns="" xmlns:a14="http://schemas.microsoft.com/office/drawing/2010/main" w="9525">
                   <a:solidFill>
                     <a:srgbClr val="000000"/>
                   </a:solidFill>
@@ -4469,7 +4469,7 @@
             </a:ln>
             <a:extLst>
               <a:ext uri="{91240B29-F687-4f45-9708-019B960494DF}">
-                <a14:hiddenLine xmlns:a14="http://schemas.microsoft.com/office/drawing/2010/main" xmlns="" w="9525">
+                <a14:hiddenLine xmlns="" xmlns:a14="http://schemas.microsoft.com/office/drawing/2010/main" w="9525">
                   <a:solidFill>
                     <a:srgbClr val="000000"/>
                   </a:solidFill>
@@ -4531,7 +4531,7 @@
             </a:ln>
             <a:extLst>
               <a:ext uri="{91240B29-F687-4f45-9708-019B960494DF}">
-                <a14:hiddenLine xmlns:a14="http://schemas.microsoft.com/office/drawing/2010/main" xmlns="" w="9525">
+                <a14:hiddenLine xmlns="" xmlns:a14="http://schemas.microsoft.com/office/drawing/2010/main" w="9525">
                   <a:solidFill>
                     <a:srgbClr val="000000"/>
                   </a:solidFill>
@@ -4621,7 +4621,7 @@
             </a:ln>
             <a:extLst>
               <a:ext uri="{91240B29-F687-4f45-9708-019B960494DF}">
-                <a14:hiddenLine xmlns:a14="http://schemas.microsoft.com/office/drawing/2010/main" xmlns="" w="9525">
+                <a14:hiddenLine xmlns="" xmlns:a14="http://schemas.microsoft.com/office/drawing/2010/main" w="9525">
                   <a:solidFill>
                     <a:srgbClr val="000000"/>
                   </a:solidFill>
@@ -4711,7 +4711,7 @@
             </a:ln>
             <a:extLst>
               <a:ext uri="{91240B29-F687-4f45-9708-019B960494DF}">
-                <a14:hiddenLine xmlns:a14="http://schemas.microsoft.com/office/drawing/2010/main" xmlns="" w="9525">
+                <a14:hiddenLine xmlns="" xmlns:a14="http://schemas.microsoft.com/office/drawing/2010/main" w="9525">
                   <a:solidFill>
                     <a:srgbClr val="000000"/>
                   </a:solidFill>
@@ -4767,7 +4767,7 @@
             </a:ln>
             <a:extLst>
               <a:ext uri="{91240B29-F687-4f45-9708-019B960494DF}">
-                <a14:hiddenLine xmlns:a14="http://schemas.microsoft.com/office/drawing/2010/main" xmlns="" w="9525">
+                <a14:hiddenLine xmlns="" xmlns:a14="http://schemas.microsoft.com/office/drawing/2010/main" w="9525">
                   <a:solidFill>
                     <a:srgbClr val="000000"/>
                   </a:solidFill>
@@ -4857,7 +4857,7 @@
             </a:ln>
             <a:extLst>
               <a:ext uri="{91240B29-F687-4f45-9708-019B960494DF}">
-                <a14:hiddenLine xmlns:a14="http://schemas.microsoft.com/office/drawing/2010/main" xmlns="" w="9525">
+                <a14:hiddenLine xmlns="" xmlns:a14="http://schemas.microsoft.com/office/drawing/2010/main" w="9525">
                   <a:solidFill>
                     <a:srgbClr val="000000"/>
                   </a:solidFill>
@@ -4913,7 +4913,7 @@
             </a:ln>
             <a:extLst>
               <a:ext uri="{91240B29-F687-4f45-9708-019B960494DF}">
-                <a14:hiddenLine xmlns:a14="http://schemas.microsoft.com/office/drawing/2010/main" xmlns="" w="9525">
+                <a14:hiddenLine xmlns="" xmlns:a14="http://schemas.microsoft.com/office/drawing/2010/main" w="9525">
                   <a:solidFill>
                     <a:srgbClr val="000000"/>
                   </a:solidFill>
@@ -5003,7 +5003,7 @@
             </a:ln>
             <a:extLst>
               <a:ext uri="{91240B29-F687-4f45-9708-019B960494DF}">
-                <a14:hiddenLine xmlns:a14="http://schemas.microsoft.com/office/drawing/2010/main" xmlns="" w="9525">
+                <a14:hiddenLine xmlns="" xmlns:a14="http://schemas.microsoft.com/office/drawing/2010/main" w="9525">
                   <a:solidFill>
                     <a:srgbClr val="000000"/>
                   </a:solidFill>
@@ -5071,7 +5071,7 @@
             </a:ln>
             <a:extLst>
               <a:ext uri="{91240B29-F687-4f45-9708-019B960494DF}">
-                <a14:hiddenLine xmlns:a14="http://schemas.microsoft.com/office/drawing/2010/main" xmlns="" w="9525">
+                <a14:hiddenLine xmlns="" xmlns:a14="http://schemas.microsoft.com/office/drawing/2010/main" w="9525">
                   <a:solidFill>
                     <a:srgbClr val="000000"/>
                   </a:solidFill>
@@ -5161,7 +5161,7 @@
             </a:ln>
             <a:extLst>
               <a:ext uri="{91240B29-F687-4f45-9708-019B960494DF}">
-                <a14:hiddenLine xmlns:a14="http://schemas.microsoft.com/office/drawing/2010/main" xmlns="" w="9525">
+                <a14:hiddenLine xmlns="" xmlns:a14="http://schemas.microsoft.com/office/drawing/2010/main" w="9525">
                   <a:solidFill>
                     <a:srgbClr val="000000"/>
                   </a:solidFill>
@@ -5229,7 +5229,7 @@
             </a:ln>
             <a:extLst>
               <a:ext uri="{91240B29-F687-4f45-9708-019B960494DF}">
-                <a14:hiddenLine xmlns:a14="http://schemas.microsoft.com/office/drawing/2010/main" xmlns="" w="9525">
+                <a14:hiddenLine xmlns="" xmlns:a14="http://schemas.microsoft.com/office/drawing/2010/main" w="9525">
                   <a:solidFill>
                     <a:srgbClr val="000000"/>
                   </a:solidFill>
@@ -5319,7 +5319,7 @@
             </a:ln>
             <a:extLst>
               <a:ext uri="{91240B29-F687-4f45-9708-019B960494DF}">
-                <a14:hiddenLine xmlns:a14="http://schemas.microsoft.com/office/drawing/2010/main" xmlns="" w="9525">
+                <a14:hiddenLine xmlns="" xmlns:a14="http://schemas.microsoft.com/office/drawing/2010/main" w="9525">
                   <a:solidFill>
                     <a:srgbClr val="000000"/>
                   </a:solidFill>
@@ -5353,7 +5353,7 @@
             </a:ln>
             <a:extLst>
               <a:ext uri="{91240B29-F687-4f45-9708-019B960494DF}">
-                <a14:hiddenLine xmlns:a14="http://schemas.microsoft.com/office/drawing/2010/main" xmlns="" w="9525">
+                <a14:hiddenLine xmlns="" xmlns:a14="http://schemas.microsoft.com/office/drawing/2010/main" w="9525">
                   <a:solidFill>
                     <a:srgbClr val="000000"/>
                   </a:solidFill>
@@ -5443,7 +5443,7 @@
             </a:ln>
             <a:extLst>
               <a:ext uri="{91240B29-F687-4f45-9708-019B960494DF}">
-                <a14:hiddenLine xmlns:a14="http://schemas.microsoft.com/office/drawing/2010/main" xmlns="" w="9525">
+                <a14:hiddenLine xmlns="" xmlns:a14="http://schemas.microsoft.com/office/drawing/2010/main" w="9525">
                   <a:solidFill>
                     <a:srgbClr val="000000"/>
                   </a:solidFill>
@@ -5505,7 +5505,7 @@
             </a:ln>
             <a:extLst>
               <a:ext uri="{91240B29-F687-4f45-9708-019B960494DF}">
-                <a14:hiddenLine xmlns:a14="http://schemas.microsoft.com/office/drawing/2010/main" xmlns="" w="9525">
+                <a14:hiddenLine xmlns="" xmlns:a14="http://schemas.microsoft.com/office/drawing/2010/main" w="9525">
                   <a:solidFill>
                     <a:srgbClr val="000000"/>
                   </a:solidFill>
@@ -5567,7 +5567,7 @@
             </a:ln>
             <a:extLst>
               <a:ext uri="{91240B29-F687-4f45-9708-019B960494DF}">
-                <a14:hiddenLine xmlns:a14="http://schemas.microsoft.com/office/drawing/2010/main" xmlns="" w="9525">
+                <a14:hiddenLine xmlns="" xmlns:a14="http://schemas.microsoft.com/office/drawing/2010/main" w="9525">
                   <a:solidFill>
                     <a:srgbClr val="000000"/>
                   </a:solidFill>
@@ -5657,7 +5657,7 @@
             </a:ln>
             <a:extLst>
               <a:ext uri="{91240B29-F687-4f45-9708-019B960494DF}">
-                <a14:hiddenLine xmlns:a14="http://schemas.microsoft.com/office/drawing/2010/main" xmlns="" w="9525">
+                <a14:hiddenLine xmlns="" xmlns:a14="http://schemas.microsoft.com/office/drawing/2010/main" w="9525">
                   <a:solidFill>
                     <a:srgbClr val="000000"/>
                   </a:solidFill>
@@ -5725,7 +5725,7 @@
             </a:ln>
             <a:extLst>
               <a:ext uri="{91240B29-F687-4f45-9708-019B960494DF}">
-                <a14:hiddenLine xmlns:a14="http://schemas.microsoft.com/office/drawing/2010/main" xmlns="" w="9525">
+                <a14:hiddenLine xmlns="" xmlns:a14="http://schemas.microsoft.com/office/drawing/2010/main" w="9525">
                   <a:solidFill>
                     <a:srgbClr val="000000"/>
                   </a:solidFill>
@@ -5787,7 +5787,7 @@
             </a:ln>
             <a:extLst>
               <a:ext uri="{91240B29-F687-4f45-9708-019B960494DF}">
-                <a14:hiddenLine xmlns:a14="http://schemas.microsoft.com/office/drawing/2010/main" xmlns="" w="9525">
+                <a14:hiddenLine xmlns="" xmlns:a14="http://schemas.microsoft.com/office/drawing/2010/main" w="9525">
                   <a:solidFill>
                     <a:srgbClr val="000000"/>
                   </a:solidFill>
@@ -5877,7 +5877,7 @@
             </a:ln>
             <a:extLst>
               <a:ext uri="{91240B29-F687-4f45-9708-019B960494DF}">
-                <a14:hiddenLine xmlns:a14="http://schemas.microsoft.com/office/drawing/2010/main" xmlns="" w="9525">
+                <a14:hiddenLine xmlns="" xmlns:a14="http://schemas.microsoft.com/office/drawing/2010/main" w="9525">
                   <a:solidFill>
                     <a:srgbClr val="000000"/>
                   </a:solidFill>
@@ -5939,7 +5939,7 @@
             </a:ln>
             <a:extLst>
               <a:ext uri="{91240B29-F687-4f45-9708-019B960494DF}">
-                <a14:hiddenLine xmlns:a14="http://schemas.microsoft.com/office/drawing/2010/main" xmlns="" w="9525">
+                <a14:hiddenLine xmlns="" xmlns:a14="http://schemas.microsoft.com/office/drawing/2010/main" w="9525">
                   <a:solidFill>
                     <a:srgbClr val="000000"/>
                   </a:solidFill>
@@ -6029,7 +6029,7 @@
             </a:ln>
             <a:extLst>
               <a:ext uri="{91240B29-F687-4f45-9708-019B960494DF}">
-                <a14:hiddenLine xmlns:a14="http://schemas.microsoft.com/office/drawing/2010/main" xmlns="" w="9525">
+                <a14:hiddenLine xmlns="" xmlns:a14="http://schemas.microsoft.com/office/drawing/2010/main" w="9525">
                   <a:solidFill>
                     <a:srgbClr val="000000"/>
                   </a:solidFill>
@@ -6091,7 +6091,7 @@
             </a:ln>
             <a:extLst>
               <a:ext uri="{91240B29-F687-4f45-9708-019B960494DF}">
-                <a14:hiddenLine xmlns:a14="http://schemas.microsoft.com/office/drawing/2010/main" xmlns="" w="9525">
+                <a14:hiddenLine xmlns="" xmlns:a14="http://schemas.microsoft.com/office/drawing/2010/main" w="9525">
                   <a:solidFill>
                     <a:srgbClr val="000000"/>
                   </a:solidFill>
@@ -6181,7 +6181,7 @@
             </a:ln>
             <a:extLst>
               <a:ext uri="{91240B29-F687-4f45-9708-019B960494DF}">
-                <a14:hiddenLine xmlns:a14="http://schemas.microsoft.com/office/drawing/2010/main" xmlns="" w="9525">
+                <a14:hiddenLine xmlns="" xmlns:a14="http://schemas.microsoft.com/office/drawing/2010/main" w="9525">
                   <a:solidFill>
                     <a:srgbClr val="000000"/>
                   </a:solidFill>
@@ -6215,7 +6215,7 @@
             </a:ln>
             <a:extLst>
               <a:ext uri="{91240B29-F687-4f45-9708-019B960494DF}">
-                <a14:hiddenLine xmlns:a14="http://schemas.microsoft.com/office/drawing/2010/main" xmlns="" w="9525">
+                <a14:hiddenLine xmlns="" xmlns:a14="http://schemas.microsoft.com/office/drawing/2010/main" w="9525">
                   <a:solidFill>
                     <a:srgbClr val="000000"/>
                   </a:solidFill>
@@ -6280,7 +6280,7 @@
             </a:ln>
             <a:extLst>
               <a:ext uri="{91240B29-F687-4f45-9708-019B960494DF}">
-                <a14:hiddenLine xmlns:a14="http://schemas.microsoft.com/office/drawing/2010/main" xmlns="" w="9525">
+                <a14:hiddenLine xmlns="" xmlns:a14="http://schemas.microsoft.com/office/drawing/2010/main" w="9525">
                   <a:solidFill>
                     <a:srgbClr val="000000"/>
                   </a:solidFill>
@@ -6370,7 +6370,7 @@
             </a:ln>
             <a:extLst>
               <a:ext uri="{91240B29-F687-4f45-9708-019B960494DF}">
-                <a14:hiddenLine xmlns:a14="http://schemas.microsoft.com/office/drawing/2010/main" xmlns="" w="9525">
+                <a14:hiddenLine xmlns="" xmlns:a14="http://schemas.microsoft.com/office/drawing/2010/main" w="9525">
                   <a:solidFill>
                     <a:srgbClr val="000000"/>
                   </a:solidFill>
@@ -6432,7 +6432,7 @@
             </a:ln>
             <a:extLst>
               <a:ext uri="{91240B29-F687-4f45-9708-019B960494DF}">
-                <a14:hiddenLine xmlns:a14="http://schemas.microsoft.com/office/drawing/2010/main" xmlns="" w="9525">
+                <a14:hiddenLine xmlns="" xmlns:a14="http://schemas.microsoft.com/office/drawing/2010/main" w="9525">
                   <a:solidFill>
                     <a:srgbClr val="000000"/>
                   </a:solidFill>
@@ -6522,7 +6522,7 @@
             </a:ln>
             <a:extLst>
               <a:ext uri="{91240B29-F687-4f45-9708-019B960494DF}">
-                <a14:hiddenLine xmlns:a14="http://schemas.microsoft.com/office/drawing/2010/main" xmlns="" w="9525">
+                <a14:hiddenLine xmlns="" xmlns:a14="http://schemas.microsoft.com/office/drawing/2010/main" w="9525">
                   <a:solidFill>
                     <a:srgbClr val="000000"/>
                   </a:solidFill>
@@ -6612,7 +6612,7 @@
             </a:ln>
             <a:extLst>
               <a:ext uri="{91240B29-F687-4f45-9708-019B960494DF}">
-                <a14:hiddenLine xmlns:a14="http://schemas.microsoft.com/office/drawing/2010/main" xmlns="" w="9525">
+                <a14:hiddenLine xmlns="" xmlns:a14="http://schemas.microsoft.com/office/drawing/2010/main" w="9525">
                   <a:solidFill>
                     <a:srgbClr val="000000"/>
                   </a:solidFill>
@@ -6677,7 +6677,7 @@
             </a:ln>
             <a:extLst>
               <a:ext uri="{91240B29-F687-4f45-9708-019B960494DF}">
-                <a14:hiddenLine xmlns:a14="http://schemas.microsoft.com/office/drawing/2010/main" xmlns="" w="9525">
+                <a14:hiddenLine xmlns="" xmlns:a14="http://schemas.microsoft.com/office/drawing/2010/main" w="9525">
                   <a:solidFill>
                     <a:srgbClr val="000000"/>
                   </a:solidFill>
@@ -6739,7 +6739,7 @@
             </a:ln>
             <a:extLst>
               <a:ext uri="{91240B29-F687-4f45-9708-019B960494DF}">
-                <a14:hiddenLine xmlns:a14="http://schemas.microsoft.com/office/drawing/2010/main" xmlns="" w="9525">
+                <a14:hiddenLine xmlns="" xmlns:a14="http://schemas.microsoft.com/office/drawing/2010/main" w="9525">
                   <a:solidFill>
                     <a:srgbClr val="000000"/>
                   </a:solidFill>
@@ -6829,7 +6829,7 @@
             </a:ln>
             <a:extLst>
               <a:ext uri="{91240B29-F687-4f45-9708-019B960494DF}">
-                <a14:hiddenLine xmlns:a14="http://schemas.microsoft.com/office/drawing/2010/main" xmlns="" w="9525">
+                <a14:hiddenLine xmlns="" xmlns:a14="http://schemas.microsoft.com/office/drawing/2010/main" w="9525">
                   <a:solidFill>
                     <a:srgbClr val="000000"/>
                   </a:solidFill>
@@ -6919,7 +6919,7 @@
             </a:ln>
             <a:extLst>
               <a:ext uri="{91240B29-F687-4f45-9708-019B960494DF}">
-                <a14:hiddenLine xmlns:a14="http://schemas.microsoft.com/office/drawing/2010/main" xmlns="" w="9525">
+                <a14:hiddenLine xmlns="" xmlns:a14="http://schemas.microsoft.com/office/drawing/2010/main" w="9525">
                   <a:solidFill>
                     <a:srgbClr val="000000"/>
                   </a:solidFill>
@@ -6981,7 +6981,7 @@
             </a:ln>
             <a:extLst>
               <a:ext uri="{91240B29-F687-4f45-9708-019B960494DF}">
-                <a14:hiddenLine xmlns:a14="http://schemas.microsoft.com/office/drawing/2010/main" xmlns="" w="9525">
+                <a14:hiddenLine xmlns="" xmlns:a14="http://schemas.microsoft.com/office/drawing/2010/main" w="9525">
                   <a:solidFill>
                     <a:srgbClr val="000000"/>
                   </a:solidFill>
@@ -7101,7 +7101,7 @@
             </a:ln>
             <a:extLst>
               <a:ext uri="{91240B29-F687-4f45-9708-019B960494DF}">
-                <a14:hiddenLine xmlns:a14="http://schemas.microsoft.com/office/drawing/2010/main" xmlns="" w="9525">
+                <a14:hiddenLine xmlns="" xmlns:a14="http://schemas.microsoft.com/office/drawing/2010/main" w="9525">
                   <a:solidFill>
                     <a:srgbClr val="000000"/>
                   </a:solidFill>
@@ -7169,7 +7169,7 @@
             </a:ln>
             <a:extLst>
               <a:ext uri="{91240B29-F687-4f45-9708-019B960494DF}">
-                <a14:hiddenLine xmlns:a14="http://schemas.microsoft.com/office/drawing/2010/main" xmlns="" w="9525">
+                <a14:hiddenLine xmlns="" xmlns:a14="http://schemas.microsoft.com/office/drawing/2010/main" w="9525">
                   <a:solidFill>
                     <a:srgbClr val="000000"/>
                   </a:solidFill>
@@ -7259,7 +7259,7 @@
             </a:ln>
             <a:extLst>
               <a:ext uri="{91240B29-F687-4f45-9708-019B960494DF}">
-                <a14:hiddenLine xmlns:a14="http://schemas.microsoft.com/office/drawing/2010/main" xmlns="" w="9525">
+                <a14:hiddenLine xmlns="" xmlns:a14="http://schemas.microsoft.com/office/drawing/2010/main" w="9525">
                   <a:solidFill>
                     <a:srgbClr val="000000"/>
                   </a:solidFill>
@@ -7399,7 +7399,7 @@
           <a:p>
             <a:fld id="{D0D65A25-5B34-480B-8A82-D452FDC7444D}" type="datetimeFigureOut">
               <a:rPr lang="es-ES" smtClean="0"/>
-              <a:t>01/02/2022</a:t>
+              <a:t>16/02/2022</a:t>
             </a:fld>
             <a:endParaRPr lang="es-ES" dirty="0"/>
           </a:p>
@@ -7665,7 +7665,7 @@
           <a:p>
             <a:fld id="{D0D65A25-5B34-480B-8A82-D452FDC7444D}" type="datetimeFigureOut">
               <a:rPr lang="es-ES" smtClean="0"/>
-              <a:t>01/02/2022</a:t>
+              <a:t>16/02/2022</a:t>
             </a:fld>
             <a:endParaRPr lang="es-ES" dirty="0"/>
           </a:p>
@@ -7861,7 +7861,7 @@
           <a:p>
             <a:fld id="{D0D65A25-5B34-480B-8A82-D452FDC7444D}" type="datetimeFigureOut">
               <a:rPr lang="es-ES" smtClean="0"/>
-              <a:t>01/02/2022</a:t>
+              <a:t>16/02/2022</a:t>
             </a:fld>
             <a:endParaRPr lang="es-ES" dirty="0"/>
           </a:p>
@@ -8124,7 +8124,7 @@
           <a:p>
             <a:fld id="{D0D65A25-5B34-480B-8A82-D452FDC7444D}" type="datetimeFigureOut">
               <a:rPr lang="es-ES" smtClean="0"/>
-              <a:t>01/02/2022</a:t>
+              <a:t>16/02/2022</a:t>
             </a:fld>
             <a:endParaRPr lang="es-ES" dirty="0"/>
           </a:p>
@@ -8558,7 +8558,7 @@
           <a:p>
             <a:fld id="{D0D65A25-5B34-480B-8A82-D452FDC7444D}" type="datetimeFigureOut">
               <a:rPr lang="es-ES" smtClean="0"/>
-              <a:t>01/02/2022</a:t>
+              <a:t>16/02/2022</a:t>
             </a:fld>
             <a:endParaRPr lang="es-ES" dirty="0"/>
           </a:p>
@@ -9104,7 +9104,7 @@
           <a:p>
             <a:fld id="{D0D65A25-5B34-480B-8A82-D452FDC7444D}" type="datetimeFigureOut">
               <a:rPr lang="es-ES" smtClean="0"/>
-              <a:t>01/02/2022</a:t>
+              <a:t>16/02/2022</a:t>
             </a:fld>
             <a:endParaRPr lang="es-ES" dirty="0"/>
           </a:p>
@@ -9821,7 +9821,7 @@
           <a:p>
             <a:fld id="{D0D65A25-5B34-480B-8A82-D452FDC7444D}" type="datetimeFigureOut">
               <a:rPr lang="es-ES" smtClean="0"/>
-              <a:t>01/02/2022</a:t>
+              <a:t>16/02/2022</a:t>
             </a:fld>
             <a:endParaRPr lang="es-ES" dirty="0"/>
           </a:p>
@@ -9991,7 +9991,7 @@
           <a:p>
             <a:fld id="{D0D65A25-5B34-480B-8A82-D452FDC7444D}" type="datetimeFigureOut">
               <a:rPr lang="es-ES" smtClean="0"/>
-              <a:t>01/02/2022</a:t>
+              <a:t>16/02/2022</a:t>
             </a:fld>
             <a:endParaRPr lang="es-ES" dirty="0"/>
           </a:p>
@@ -10171,7 +10171,7 @@
           <a:p>
             <a:fld id="{D0D65A25-5B34-480B-8A82-D452FDC7444D}" type="datetimeFigureOut">
               <a:rPr lang="es-ES" smtClean="0"/>
-              <a:t>01/02/2022</a:t>
+              <a:t>16/02/2022</a:t>
             </a:fld>
             <a:endParaRPr lang="es-ES" dirty="0"/>
           </a:p>
@@ -10341,7 +10341,7 @@
           <a:p>
             <a:fld id="{D0D65A25-5B34-480B-8A82-D452FDC7444D}" type="datetimeFigureOut">
               <a:rPr lang="es-ES" smtClean="0"/>
-              <a:t>01/02/2022</a:t>
+              <a:t>16/02/2022</a:t>
             </a:fld>
             <a:endParaRPr lang="es-ES" dirty="0"/>
           </a:p>
@@ -10591,7 +10591,7 @@
           <a:p>
             <a:fld id="{D0D65A25-5B34-480B-8A82-D452FDC7444D}" type="datetimeFigureOut">
               <a:rPr lang="es-ES" smtClean="0"/>
-              <a:t>01/02/2022</a:t>
+              <a:t>16/02/2022</a:t>
             </a:fld>
             <a:endParaRPr lang="es-ES" dirty="0"/>
           </a:p>
@@ -10823,7 +10823,7 @@
           <a:p>
             <a:fld id="{D0D65A25-5B34-480B-8A82-D452FDC7444D}" type="datetimeFigureOut">
               <a:rPr lang="es-ES" smtClean="0"/>
-              <a:t>01/02/2022</a:t>
+              <a:t>16/02/2022</a:t>
             </a:fld>
             <a:endParaRPr lang="es-ES" dirty="0"/>
           </a:p>
@@ -11204,7 +11204,7 @@
           <a:p>
             <a:fld id="{D0D65A25-5B34-480B-8A82-D452FDC7444D}" type="datetimeFigureOut">
               <a:rPr lang="es-ES" smtClean="0"/>
-              <a:t>01/02/2022</a:t>
+              <a:t>16/02/2022</a:t>
             </a:fld>
             <a:endParaRPr lang="es-ES" dirty="0"/>
           </a:p>
@@ -11322,7 +11322,7 @@
           <a:p>
             <a:fld id="{D0D65A25-5B34-480B-8A82-D452FDC7444D}" type="datetimeFigureOut">
               <a:rPr lang="es-ES" smtClean="0"/>
-              <a:t>01/02/2022</a:t>
+              <a:t>16/02/2022</a:t>
             </a:fld>
             <a:endParaRPr lang="es-ES" dirty="0"/>
           </a:p>
@@ -11417,7 +11417,7 @@
           <a:p>
             <a:fld id="{D0D65A25-5B34-480B-8A82-D452FDC7444D}" type="datetimeFigureOut">
               <a:rPr lang="es-ES" smtClean="0"/>
-              <a:t>01/02/2022</a:t>
+              <a:t>16/02/2022</a:t>
             </a:fld>
             <a:endParaRPr lang="es-ES" dirty="0"/>
           </a:p>
@@ -11666,7 +11666,7 @@
           <a:p>
             <a:fld id="{D0D65A25-5B34-480B-8A82-D452FDC7444D}" type="datetimeFigureOut">
               <a:rPr lang="es-ES" smtClean="0"/>
-              <a:t>01/02/2022</a:t>
+              <a:t>16/02/2022</a:t>
             </a:fld>
             <a:endParaRPr lang="es-ES" dirty="0"/>
           </a:p>
@@ -11945,7 +11945,7 @@
           <a:p>
             <a:fld id="{D0D65A25-5B34-480B-8A82-D452FDC7444D}" type="datetimeFigureOut">
               <a:rPr lang="es-ES" smtClean="0"/>
-              <a:t>01/02/2022</a:t>
+              <a:t>16/02/2022</a:t>
             </a:fld>
             <a:endParaRPr lang="es-ES" dirty="0"/>
           </a:p>
@@ -12061,7 +12061,7 @@
           <a:noFill/>
           <a:extLst>
             <a:ext uri="{909E8E84-426E-40dd-AFC4-6F175D3DCCD1}">
-              <a14:hiddenFill xmlns:a14="http://schemas.microsoft.com/office/drawing/2010/main" xmlns="">
+              <a14:hiddenFill xmlns="" xmlns:a14="http://schemas.microsoft.com/office/drawing/2010/main">
                 <a:solidFill>
                   <a:srgbClr val="FFFFFF"/>
                 </a:solidFill>
@@ -12135,7 +12135,7 @@
               </a:ln>
               <a:extLst>
                 <a:ext uri="{91240B29-F687-4f45-9708-019B960494DF}">
-                  <a14:hiddenLine xmlns:a14="http://schemas.microsoft.com/office/drawing/2010/main" xmlns="" w="9525">
+                  <a14:hiddenLine xmlns="" xmlns:a14="http://schemas.microsoft.com/office/drawing/2010/main" w="9525">
                     <a:solidFill>
                       <a:srgbClr val="000000"/>
                     </a:solidFill>
@@ -12225,7 +12225,7 @@
               </a:ln>
               <a:extLst>
                 <a:ext uri="{91240B29-F687-4f45-9708-019B960494DF}">
-                  <a14:hiddenLine xmlns:a14="http://schemas.microsoft.com/office/drawing/2010/main" xmlns="" w="9525">
+                  <a14:hiddenLine xmlns="" xmlns:a14="http://schemas.microsoft.com/office/drawing/2010/main" w="9525">
                     <a:solidFill>
                       <a:srgbClr val="000000"/>
                     </a:solidFill>
@@ -12315,7 +12315,7 @@
               </a:ln>
               <a:extLst>
                 <a:ext uri="{91240B29-F687-4f45-9708-019B960494DF}">
-                  <a14:hiddenLine xmlns:a14="http://schemas.microsoft.com/office/drawing/2010/main" xmlns="" w="9525">
+                  <a14:hiddenLine xmlns="" xmlns:a14="http://schemas.microsoft.com/office/drawing/2010/main" w="9525">
                     <a:solidFill>
                       <a:srgbClr val="000000"/>
                     </a:solidFill>
@@ -12377,7 +12377,7 @@
               </a:ln>
               <a:extLst>
                 <a:ext uri="{91240B29-F687-4f45-9708-019B960494DF}">
-                  <a14:hiddenLine xmlns:a14="http://schemas.microsoft.com/office/drawing/2010/main" xmlns="" w="9525">
+                  <a14:hiddenLine xmlns="" xmlns:a14="http://schemas.microsoft.com/office/drawing/2010/main" w="9525">
                     <a:solidFill>
                       <a:srgbClr val="000000"/>
                     </a:solidFill>
@@ -12467,7 +12467,7 @@
               </a:ln>
               <a:extLst>
                 <a:ext uri="{91240B29-F687-4f45-9708-019B960494DF}">
-                  <a14:hiddenLine xmlns:a14="http://schemas.microsoft.com/office/drawing/2010/main" xmlns="" w="9525">
+                  <a14:hiddenLine xmlns="" xmlns:a14="http://schemas.microsoft.com/office/drawing/2010/main" w="9525">
                     <a:solidFill>
                       <a:srgbClr val="000000"/>
                     </a:solidFill>
@@ -12529,7 +12529,7 @@
               </a:ln>
               <a:extLst>
                 <a:ext uri="{91240B29-F687-4f45-9708-019B960494DF}">
-                  <a14:hiddenLine xmlns:a14="http://schemas.microsoft.com/office/drawing/2010/main" xmlns="" w="9525">
+                  <a14:hiddenLine xmlns="" xmlns:a14="http://schemas.microsoft.com/office/drawing/2010/main" w="9525">
                     <a:solidFill>
                       <a:srgbClr val="000000"/>
                     </a:solidFill>
@@ -12591,7 +12591,7 @@
               </a:ln>
               <a:extLst>
                 <a:ext uri="{91240B29-F687-4f45-9708-019B960494DF}">
-                  <a14:hiddenLine xmlns:a14="http://schemas.microsoft.com/office/drawing/2010/main" xmlns="" w="9525">
+                  <a14:hiddenLine xmlns="" xmlns:a14="http://schemas.microsoft.com/office/drawing/2010/main" w="9525">
                     <a:solidFill>
                       <a:srgbClr val="000000"/>
                     </a:solidFill>
@@ -12681,7 +12681,7 @@
               </a:ln>
               <a:extLst>
                 <a:ext uri="{91240B29-F687-4f45-9708-019B960494DF}">
-                  <a14:hiddenLine xmlns:a14="http://schemas.microsoft.com/office/drawing/2010/main" xmlns="" w="9525">
+                  <a14:hiddenLine xmlns="" xmlns:a14="http://schemas.microsoft.com/office/drawing/2010/main" w="9525">
                     <a:solidFill>
                       <a:srgbClr val="000000"/>
                     </a:solidFill>
@@ -12771,7 +12771,7 @@
               </a:ln>
               <a:extLst>
                 <a:ext uri="{91240B29-F687-4f45-9708-019B960494DF}">
-                  <a14:hiddenLine xmlns:a14="http://schemas.microsoft.com/office/drawing/2010/main" xmlns="" w="9525">
+                  <a14:hiddenLine xmlns="" xmlns:a14="http://schemas.microsoft.com/office/drawing/2010/main" w="9525">
                     <a:solidFill>
                       <a:srgbClr val="000000"/>
                     </a:solidFill>
@@ -12833,7 +12833,7 @@
               </a:ln>
               <a:extLst>
                 <a:ext uri="{91240B29-F687-4f45-9708-019B960494DF}">
-                  <a14:hiddenLine xmlns:a14="http://schemas.microsoft.com/office/drawing/2010/main" xmlns="" w="9525">
+                  <a14:hiddenLine xmlns="" xmlns:a14="http://schemas.microsoft.com/office/drawing/2010/main" w="9525">
                     <a:solidFill>
                       <a:srgbClr val="000000"/>
                     </a:solidFill>
@@ -12943,7 +12943,7 @@
               </a:ln>
               <a:extLst>
                 <a:ext uri="{91240B29-F687-4f45-9708-019B960494DF}">
-                  <a14:hiddenLine xmlns:a14="http://schemas.microsoft.com/office/drawing/2010/main" xmlns="" w="9525">
+                  <a14:hiddenLine xmlns="" xmlns:a14="http://schemas.microsoft.com/office/drawing/2010/main" w="9525">
                     <a:solidFill>
                       <a:srgbClr val="000000"/>
                     </a:solidFill>
@@ -13027,7 +13027,7 @@
               </a:ln>
               <a:extLst>
                 <a:ext uri="{91240B29-F687-4f45-9708-019B960494DF}">
-                  <a14:hiddenLine xmlns:a14="http://schemas.microsoft.com/office/drawing/2010/main" xmlns="" w="9525">
+                  <a14:hiddenLine xmlns="" xmlns:a14="http://schemas.microsoft.com/office/drawing/2010/main" w="9525">
                     <a:solidFill>
                       <a:srgbClr val="000000"/>
                     </a:solidFill>
@@ -13089,7 +13089,7 @@
               </a:ln>
               <a:extLst>
                 <a:ext uri="{91240B29-F687-4f45-9708-019B960494DF}">
-                  <a14:hiddenLine xmlns:a14="http://schemas.microsoft.com/office/drawing/2010/main" xmlns="" w="9525">
+                  <a14:hiddenLine xmlns="" xmlns:a14="http://schemas.microsoft.com/office/drawing/2010/main" w="9525">
                     <a:solidFill>
                       <a:srgbClr val="000000"/>
                     </a:solidFill>
@@ -13151,7 +13151,7 @@
               </a:ln>
               <a:extLst>
                 <a:ext uri="{91240B29-F687-4f45-9708-019B960494DF}">
-                  <a14:hiddenLine xmlns:a14="http://schemas.microsoft.com/office/drawing/2010/main" xmlns="" w="9525">
+                  <a14:hiddenLine xmlns="" xmlns:a14="http://schemas.microsoft.com/office/drawing/2010/main" w="9525">
                     <a:solidFill>
                       <a:srgbClr val="000000"/>
                     </a:solidFill>
@@ -13241,7 +13241,7 @@
               </a:ln>
               <a:extLst>
                 <a:ext uri="{91240B29-F687-4f45-9708-019B960494DF}">
-                  <a14:hiddenLine xmlns:a14="http://schemas.microsoft.com/office/drawing/2010/main" xmlns="" w="9525">
+                  <a14:hiddenLine xmlns="" xmlns:a14="http://schemas.microsoft.com/office/drawing/2010/main" w="9525">
                     <a:solidFill>
                       <a:srgbClr val="000000"/>
                     </a:solidFill>
@@ -13275,7 +13275,7 @@
               </a:ln>
               <a:extLst>
                 <a:ext uri="{91240B29-F687-4f45-9708-019B960494DF}">
-                  <a14:hiddenLine xmlns:a14="http://schemas.microsoft.com/office/drawing/2010/main" xmlns="" w="9525">
+                  <a14:hiddenLine xmlns="" xmlns:a14="http://schemas.microsoft.com/office/drawing/2010/main" w="9525">
                     <a:solidFill>
                       <a:srgbClr val="000000"/>
                     </a:solidFill>
@@ -13340,7 +13340,7 @@
               </a:ln>
               <a:extLst>
                 <a:ext uri="{91240B29-F687-4f45-9708-019B960494DF}">
-                  <a14:hiddenLine xmlns:a14="http://schemas.microsoft.com/office/drawing/2010/main" xmlns="" w="9525">
+                  <a14:hiddenLine xmlns="" xmlns:a14="http://schemas.microsoft.com/office/drawing/2010/main" w="9525">
                     <a:solidFill>
                       <a:srgbClr val="000000"/>
                     </a:solidFill>
@@ -13430,7 +13430,7 @@
               </a:ln>
               <a:extLst>
                 <a:ext uri="{91240B29-F687-4f45-9708-019B960494DF}">
-                  <a14:hiddenLine xmlns:a14="http://schemas.microsoft.com/office/drawing/2010/main" xmlns="" w="9525">
+                  <a14:hiddenLine xmlns="" xmlns:a14="http://schemas.microsoft.com/office/drawing/2010/main" w="9525">
                     <a:solidFill>
                       <a:srgbClr val="000000"/>
                     </a:solidFill>
@@ -13492,7 +13492,7 @@
               </a:ln>
               <a:extLst>
                 <a:ext uri="{91240B29-F687-4f45-9708-019B960494DF}">
-                  <a14:hiddenLine xmlns:a14="http://schemas.microsoft.com/office/drawing/2010/main" xmlns="" w="9525">
+                  <a14:hiddenLine xmlns="" xmlns:a14="http://schemas.microsoft.com/office/drawing/2010/main" w="9525">
                     <a:solidFill>
                       <a:srgbClr val="000000"/>
                     </a:solidFill>
@@ -13582,7 +13582,7 @@
               </a:ln>
               <a:extLst>
                 <a:ext uri="{91240B29-F687-4f45-9708-019B960494DF}">
-                  <a14:hiddenLine xmlns:a14="http://schemas.microsoft.com/office/drawing/2010/main" xmlns="" w="9525">
+                  <a14:hiddenLine xmlns="" xmlns:a14="http://schemas.microsoft.com/office/drawing/2010/main" w="9525">
                     <a:solidFill>
                       <a:srgbClr val="000000"/>
                     </a:solidFill>
@@ -13647,7 +13647,7 @@
               </a:ln>
               <a:extLst>
                 <a:ext uri="{91240B29-F687-4f45-9708-019B960494DF}">
-                  <a14:hiddenLine xmlns:a14="http://schemas.microsoft.com/office/drawing/2010/main" xmlns="" w="9525">
+                  <a14:hiddenLine xmlns="" xmlns:a14="http://schemas.microsoft.com/office/drawing/2010/main" w="9525">
                     <a:solidFill>
                       <a:srgbClr val="000000"/>
                     </a:solidFill>
@@ -13709,7 +13709,7 @@
               </a:ln>
               <a:extLst>
                 <a:ext uri="{91240B29-F687-4f45-9708-019B960494DF}">
-                  <a14:hiddenLine xmlns:a14="http://schemas.microsoft.com/office/drawing/2010/main" xmlns="" w="9525">
+                  <a14:hiddenLine xmlns="" xmlns:a14="http://schemas.microsoft.com/office/drawing/2010/main" w="9525">
                     <a:solidFill>
                       <a:srgbClr val="000000"/>
                     </a:solidFill>
@@ -13799,7 +13799,7 @@
               </a:ln>
               <a:extLst>
                 <a:ext uri="{91240B29-F687-4f45-9708-019B960494DF}">
-                  <a14:hiddenLine xmlns:a14="http://schemas.microsoft.com/office/drawing/2010/main" xmlns="" w="9525">
+                  <a14:hiddenLine xmlns="" xmlns:a14="http://schemas.microsoft.com/office/drawing/2010/main" w="9525">
                     <a:solidFill>
                       <a:srgbClr val="000000"/>
                     </a:solidFill>
@@ -13889,7 +13889,7 @@
               </a:ln>
               <a:extLst>
                 <a:ext uri="{91240B29-F687-4f45-9708-019B960494DF}">
-                  <a14:hiddenLine xmlns:a14="http://schemas.microsoft.com/office/drawing/2010/main" xmlns="" w="9525">
+                  <a14:hiddenLine xmlns="" xmlns:a14="http://schemas.microsoft.com/office/drawing/2010/main" w="9525">
                     <a:solidFill>
                       <a:srgbClr val="000000"/>
                     </a:solidFill>
@@ -13954,7 +13954,7 @@
               </a:ln>
               <a:extLst>
                 <a:ext uri="{91240B29-F687-4f45-9708-019B960494DF}">
-                  <a14:hiddenLine xmlns:a14="http://schemas.microsoft.com/office/drawing/2010/main" xmlns="" w="9525">
+                  <a14:hiddenLine xmlns="" xmlns:a14="http://schemas.microsoft.com/office/drawing/2010/main" w="9525">
                     <a:solidFill>
                       <a:srgbClr val="000000"/>
                     </a:solidFill>
@@ -14074,7 +14074,7 @@
               </a:ln>
               <a:extLst>
                 <a:ext uri="{91240B29-F687-4f45-9708-019B960494DF}">
-                  <a14:hiddenLine xmlns:a14="http://schemas.microsoft.com/office/drawing/2010/main" xmlns="" w="9525">
+                  <a14:hiddenLine xmlns="" xmlns:a14="http://schemas.microsoft.com/office/drawing/2010/main" w="9525">
                     <a:solidFill>
                       <a:srgbClr val="000000"/>
                     </a:solidFill>
@@ -14172,7 +14172,7 @@
               </a:ln>
               <a:extLst>
                 <a:ext uri="{91240B29-F687-4f45-9708-019B960494DF}">
-                  <a14:hiddenLine xmlns:a14="http://schemas.microsoft.com/office/drawing/2010/main" xmlns="" w="9525">
+                  <a14:hiddenLine xmlns="" xmlns:a14="http://schemas.microsoft.com/office/drawing/2010/main" w="9525">
                     <a:solidFill>
                       <a:srgbClr val="000000"/>
                     </a:solidFill>
@@ -14287,7 +14287,7 @@
               </a:ln>
               <a:extLst>
                 <a:ext uri="{91240B29-F687-4f45-9708-019B960494DF}">
-                  <a14:hiddenLine xmlns:a14="http://schemas.microsoft.com/office/drawing/2010/main" xmlns="" w="9525">
+                  <a14:hiddenLine xmlns="" xmlns:a14="http://schemas.microsoft.com/office/drawing/2010/main" w="9525">
                     <a:solidFill>
                       <a:srgbClr val="000000"/>
                     </a:solidFill>
@@ -14377,7 +14377,7 @@
               </a:ln>
               <a:extLst>
                 <a:ext uri="{91240B29-F687-4f45-9708-019B960494DF}">
-                  <a14:hiddenLine xmlns:a14="http://schemas.microsoft.com/office/drawing/2010/main" xmlns="" w="9525">
+                  <a14:hiddenLine xmlns="" xmlns:a14="http://schemas.microsoft.com/office/drawing/2010/main" w="9525">
                     <a:solidFill>
                       <a:srgbClr val="000000"/>
                     </a:solidFill>
@@ -14442,7 +14442,7 @@
               </a:ln>
               <a:extLst>
                 <a:ext uri="{91240B29-F687-4f45-9708-019B960494DF}">
-                  <a14:hiddenLine xmlns:a14="http://schemas.microsoft.com/office/drawing/2010/main" xmlns="" w="9525">
+                  <a14:hiddenLine xmlns="" xmlns:a14="http://schemas.microsoft.com/office/drawing/2010/main" w="9525">
                     <a:solidFill>
                       <a:srgbClr val="000000"/>
                     </a:solidFill>
@@ -14532,7 +14532,7 @@
               </a:ln>
               <a:extLst>
                 <a:ext uri="{91240B29-F687-4f45-9708-019B960494DF}">
-                  <a14:hiddenLine xmlns:a14="http://schemas.microsoft.com/office/drawing/2010/main" xmlns="" w="9525">
+                  <a14:hiddenLine xmlns="" xmlns:a14="http://schemas.microsoft.com/office/drawing/2010/main" w="9525">
                     <a:solidFill>
                       <a:srgbClr val="000000"/>
                     </a:solidFill>
@@ -14600,7 +14600,7 @@
               </a:ln>
               <a:extLst>
                 <a:ext uri="{91240B29-F687-4f45-9708-019B960494DF}">
-                  <a14:hiddenLine xmlns:a14="http://schemas.microsoft.com/office/drawing/2010/main" xmlns="" w="9525">
+                  <a14:hiddenLine xmlns="" xmlns:a14="http://schemas.microsoft.com/office/drawing/2010/main" w="9525">
                     <a:solidFill>
                       <a:srgbClr val="000000"/>
                     </a:solidFill>
@@ -14690,7 +14690,7 @@
               </a:ln>
               <a:extLst>
                 <a:ext uri="{91240B29-F687-4f45-9708-019B960494DF}">
-                  <a14:hiddenLine xmlns:a14="http://schemas.microsoft.com/office/drawing/2010/main" xmlns="" w="9525">
+                  <a14:hiddenLine xmlns="" xmlns:a14="http://schemas.microsoft.com/office/drawing/2010/main" w="9525">
                     <a:solidFill>
                       <a:srgbClr val="000000"/>
                     </a:solidFill>
@@ -14758,7 +14758,7 @@
               </a:ln>
               <a:extLst>
                 <a:ext uri="{91240B29-F687-4f45-9708-019B960494DF}">
-                  <a14:hiddenLine xmlns:a14="http://schemas.microsoft.com/office/drawing/2010/main" xmlns="" w="9525">
+                  <a14:hiddenLine xmlns="" xmlns:a14="http://schemas.microsoft.com/office/drawing/2010/main" w="9525">
                     <a:solidFill>
                       <a:srgbClr val="000000"/>
                     </a:solidFill>
@@ -14848,7 +14848,7 @@
               </a:ln>
               <a:extLst>
                 <a:ext uri="{91240B29-F687-4f45-9708-019B960494DF}">
-                  <a14:hiddenLine xmlns:a14="http://schemas.microsoft.com/office/drawing/2010/main" xmlns="" w="9525">
+                  <a14:hiddenLine xmlns="" xmlns:a14="http://schemas.microsoft.com/office/drawing/2010/main" w="9525">
                     <a:solidFill>
                       <a:srgbClr val="000000"/>
                     </a:solidFill>
@@ -14882,7 +14882,7 @@
               </a:ln>
               <a:extLst>
                 <a:ext uri="{91240B29-F687-4f45-9708-019B960494DF}">
-                  <a14:hiddenLine xmlns:a14="http://schemas.microsoft.com/office/drawing/2010/main" xmlns="" w="9525">
+                  <a14:hiddenLine xmlns="" xmlns:a14="http://schemas.microsoft.com/office/drawing/2010/main" w="9525">
                     <a:solidFill>
                       <a:srgbClr val="000000"/>
                     </a:solidFill>
@@ -15022,7 +15022,7 @@
           <a:p>
             <a:fld id="{D0D65A25-5B34-480B-8A82-D452FDC7444D}" type="datetimeFigureOut">
               <a:rPr lang="es-ES" smtClean="0"/>
-              <a:t>01/02/2022</a:t>
+              <a:t>16/02/2022</a:t>
             </a:fld>
             <a:endParaRPr lang="es-ES" dirty="0"/>
           </a:p>
@@ -15549,6 +15549,170 @@
           <a:prstGeom prst="rect">
             <a:avLst/>
           </a:prstGeom>
+        </p:spPr>
+      </p:pic>
+      <p:pic>
+        <p:nvPicPr>
+          <p:cNvPr id="1036" name="Picture 12" descr="https://lh5.googleusercontent.com/08rS-Z5T9X2vs8iGJ6AbuE0g127A46elYss8Vh40yYvqG-Amm8_vvNwalrZ1nGFc51Y4cNTiMhsJywGPb9qdWgPsFLe-OErH2xfSJDwo-MoEMrZ1z3BxRbMObFg"/>
+          <p:cNvPicPr>
+            <a:picLocks noChangeAspect="1" noChangeArrowheads="1"/>
+          </p:cNvPicPr>
+          <p:nvPr/>
+        </p:nvPicPr>
+        <p:blipFill>
+          <a:blip r:embed="rId4">
+            <a:extLst>
+              <a:ext uri="{28A0092B-C50C-407E-A947-70E740481C1C}">
+                <a14:useLocalDpi xmlns:a14="http://schemas.microsoft.com/office/drawing/2010/main" val="0"/>
+              </a:ext>
+            </a:extLst>
+          </a:blip>
+          <a:srcRect/>
+          <a:stretch>
+            <a:fillRect/>
+          </a:stretch>
+        </p:blipFill>
+        <p:spPr bwMode="auto">
+          <a:xfrm>
+            <a:off x="9123362" y="70632"/>
+            <a:ext cx="3089274" cy="1624729"/>
+          </a:xfrm>
+          <a:prstGeom prst="rect">
+            <a:avLst/>
+          </a:prstGeom>
+          <a:noFill/>
+          <a:extLst>
+            <a:ext uri="{909E8E84-426E-40DD-AFC4-6F175D3DCCD1}">
+              <a14:hiddenFill xmlns:a14="http://schemas.microsoft.com/office/drawing/2010/main">
+                <a:solidFill>
+                  <a:srgbClr val="FFFFFF"/>
+                </a:solidFill>
+              </a14:hiddenFill>
+            </a:ext>
+          </a:extLst>
+        </p:spPr>
+      </p:pic>
+      <p:pic>
+        <p:nvPicPr>
+          <p:cNvPr id="1038" name="Picture 14" descr="https://lh5.googleusercontent.com/c1YKLSVbvvBDQ5FlIoG4SH6JvpaY5cqKWvXoiX7V8WvKjN6bb33hXX6hvUc2KXmGnCSFOjH3RKEIJz95LGbVzfGFIiFrwnORXwpKPBYsvIlJAyDZVyw_8JCGgFQ"/>
+          <p:cNvPicPr>
+            <a:picLocks noChangeAspect="1" noChangeArrowheads="1"/>
+          </p:cNvPicPr>
+          <p:nvPr/>
+        </p:nvPicPr>
+        <p:blipFill>
+          <a:blip r:embed="rId5">
+            <a:extLst>
+              <a:ext uri="{28A0092B-C50C-407E-A947-70E740481C1C}">
+                <a14:useLocalDpi xmlns:a14="http://schemas.microsoft.com/office/drawing/2010/main" val="0"/>
+              </a:ext>
+            </a:extLst>
+          </a:blip>
+          <a:srcRect/>
+          <a:stretch>
+            <a:fillRect/>
+          </a:stretch>
+        </p:blipFill>
+        <p:spPr bwMode="auto">
+          <a:xfrm>
+            <a:off x="9228857" y="1790708"/>
+            <a:ext cx="2766866" cy="1383434"/>
+          </a:xfrm>
+          <a:prstGeom prst="rect">
+            <a:avLst/>
+          </a:prstGeom>
+          <a:noFill/>
+          <a:extLst>
+            <a:ext uri="{909E8E84-426E-40DD-AFC4-6F175D3DCCD1}">
+              <a14:hiddenFill xmlns:a14="http://schemas.microsoft.com/office/drawing/2010/main">
+                <a:solidFill>
+                  <a:srgbClr val="FFFFFF"/>
+                </a:solidFill>
+              </a14:hiddenFill>
+            </a:ext>
+          </a:extLst>
+        </p:spPr>
+      </p:pic>
+      <p:pic>
+        <p:nvPicPr>
+          <p:cNvPr id="1040" name="Picture 16" descr="https://lh5.googleusercontent.com/koEOmMRm3A3c5EBG4QAXtQ44tmzgJ626HgcLNuSgsEjIomDqpEWfefE_PXm0SzIHmBTMiAsYLvlIxzMjiFMkjgn3KaQKD2042R9JrZ47MbzK_f3vVjr3wzdrpR8"/>
+          <p:cNvPicPr>
+            <a:picLocks noChangeAspect="1" noChangeArrowheads="1"/>
+          </p:cNvPicPr>
+          <p:nvPr/>
+        </p:nvPicPr>
+        <p:blipFill>
+          <a:blip r:embed="rId6">
+            <a:extLst>
+              <a:ext uri="{28A0092B-C50C-407E-A947-70E740481C1C}">
+                <a14:useLocalDpi xmlns:a14="http://schemas.microsoft.com/office/drawing/2010/main" val="0"/>
+              </a:ext>
+            </a:extLst>
+          </a:blip>
+          <a:srcRect/>
+          <a:stretch>
+            <a:fillRect/>
+          </a:stretch>
+        </p:blipFill>
+        <p:spPr bwMode="auto">
+          <a:xfrm>
+            <a:off x="9623584" y="4068615"/>
+            <a:ext cx="1986321" cy="681355"/>
+          </a:xfrm>
+          <a:prstGeom prst="rect">
+            <a:avLst/>
+          </a:prstGeom>
+          <a:noFill/>
+          <a:extLst>
+            <a:ext uri="{909E8E84-426E-40DD-AFC4-6F175D3DCCD1}">
+              <a14:hiddenFill xmlns:a14="http://schemas.microsoft.com/office/drawing/2010/main">
+                <a:solidFill>
+                  <a:srgbClr val="FFFFFF"/>
+                </a:solidFill>
+              </a14:hiddenFill>
+            </a:ext>
+          </a:extLst>
+        </p:spPr>
+      </p:pic>
+      <p:pic>
+        <p:nvPicPr>
+          <p:cNvPr id="1042" name="Picture 18" descr="https://lh5.googleusercontent.com/jOwcKeD62yxUHPHviTbr3AImKbN-wtR1mSBY6rnxQojfDWCw9wAm7Fw7Qp-XRyiGO0J3eV0zF0kExt0FjCu6Ex3jnook1cvLXV8qFUPuD1vuxaPpSJbaNnNDf9s"/>
+          <p:cNvPicPr>
+            <a:picLocks noChangeAspect="1" noChangeArrowheads="1"/>
+          </p:cNvPicPr>
+          <p:nvPr/>
+        </p:nvPicPr>
+        <p:blipFill>
+          <a:blip r:embed="rId7" cstate="hqprint">
+            <a:extLst>
+              <a:ext uri="{28A0092B-C50C-407E-A947-70E740481C1C}">
+                <a14:useLocalDpi xmlns:a14="http://schemas.microsoft.com/office/drawing/2010/main" val="0"/>
+              </a:ext>
+            </a:extLst>
+          </a:blip>
+          <a:srcRect/>
+          <a:stretch>
+            <a:fillRect/>
+          </a:stretch>
+        </p:blipFill>
+        <p:spPr bwMode="auto">
+          <a:xfrm>
+            <a:off x="9423254" y="5537034"/>
+            <a:ext cx="2489490" cy="362532"/>
+          </a:xfrm>
+          <a:prstGeom prst="rect">
+            <a:avLst/>
+          </a:prstGeom>
+          <a:noFill/>
+          <a:extLst>
+            <a:ext uri="{909E8E84-426E-40DD-AFC4-6F175D3DCCD1}">
+              <a14:hiddenFill xmlns:a14="http://schemas.microsoft.com/office/drawing/2010/main">
+                <a:solidFill>
+                  <a:srgbClr val="FFFFFF"/>
+                </a:solidFill>
+              </a14:hiddenFill>
+            </a:ext>
+          </a:extLst>
         </p:spPr>
       </p:pic>
     </p:spTree>
@@ -19915,7 +20079,7 @@
           <p:nvPr/>
         </p:nvPicPr>
         <p:blipFill>
-          <a:blip r:embed="rId3" cstate="print">
+          <a:blip r:embed="rId3" cstate="hqprint">
             <a:extLst>
               <a:ext uri="{28A0092B-C50C-407E-A947-70E740481C1C}">
                 <a14:useLocalDpi xmlns:a14="http://schemas.microsoft.com/office/drawing/2010/main" val="0"/>
